--- a/AngularJS演示.pptx
+++ b/AngularJS演示.pptx
@@ -5,7 +5,7 @@
     <p:sldMasterId id="2147483648" r:id="rId1"/>
   </p:sldMasterIdLst>
   <p:notesMasterIdLst>
-    <p:notesMasterId r:id="rId25"/>
+    <p:notesMasterId r:id="rId26"/>
   </p:notesMasterIdLst>
   <p:sldIdLst>
     <p:sldId id="256" r:id="rId2"/>
@@ -26,11 +26,12 @@
     <p:sldId id="278" r:id="rId17"/>
     <p:sldId id="279" r:id="rId18"/>
     <p:sldId id="280" r:id="rId19"/>
-    <p:sldId id="281" r:id="rId20"/>
-    <p:sldId id="283" r:id="rId21"/>
-    <p:sldId id="282" r:id="rId22"/>
-    <p:sldId id="284" r:id="rId23"/>
-    <p:sldId id="260" r:id="rId24"/>
+    <p:sldId id="285" r:id="rId20"/>
+    <p:sldId id="281" r:id="rId21"/>
+    <p:sldId id="283" r:id="rId22"/>
+    <p:sldId id="282" r:id="rId23"/>
+    <p:sldId id="284" r:id="rId24"/>
+    <p:sldId id="260" r:id="rId25"/>
   </p:sldIdLst>
   <p:sldSz cx="12192000" cy="6858000"/>
   <p:notesSz cx="6858000" cy="9144000"/>
@@ -131,7 +132,7 @@
   </p:defaultTextStyle>
   <p:extLst>
     <p:ext uri="{EFAFB233-063F-42B5-8137-9DF3F51BA10A}">
-      <p15:sldGuideLst xmlns:p15="http://schemas.microsoft.com/office/powerpoint/2012/main" xmlns=""/>
+      <p15:sldGuideLst xmlns="" xmlns:p15="http://schemas.microsoft.com/office/powerpoint/2012/main"/>
     </p:ext>
   </p:extLst>
 </p:presentation>
@@ -220,7 +221,7 @@
             <a:fld id="{0FB7BC20-A8CE-435D-8215-9C68D7A871BB}" type="datetimeFigureOut">
               <a:rPr lang="zh-CN" altLang="en-US" smtClean="0"/>
               <a:pPr/>
-              <a:t>12-19 Monday</a:t>
+              <a:t>12-23 Friday</a:t>
             </a:fld>
             <a:endParaRPr lang="zh-CN" altLang="en-US"/>
           </a:p>
@@ -732,6 +733,88 @@
 </p:notes>
 </file>
 
+<file path=ppt/notesSlides/notesSlide4.xml><?xml version="1.0" encoding="utf-8"?>
+<p:notes xmlns:a="http://schemas.openxmlformats.org/drawingml/2006/main" xmlns:r="http://schemas.openxmlformats.org/officeDocument/2006/relationships" xmlns:p="http://schemas.openxmlformats.org/presentationml/2006/main">
+  <p:cSld>
+    <p:spTree>
+      <p:nvGrpSpPr>
+        <p:cNvPr id="1" name=""/>
+        <p:cNvGrpSpPr/>
+        <p:nvPr/>
+      </p:nvGrpSpPr>
+      <p:grpSpPr>
+        <a:xfrm>
+          <a:off x="0" y="0"/>
+          <a:ext cx="0" cy="0"/>
+          <a:chOff x="0" y="0"/>
+          <a:chExt cx="0" cy="0"/>
+        </a:xfrm>
+      </p:grpSpPr>
+      <p:sp>
+        <p:nvSpPr>
+          <p:cNvPr id="2" name="幻灯片图像占位符 1"/>
+          <p:cNvSpPr>
+            <a:spLocks noGrp="1" noRot="1" noChangeAspect="1"/>
+          </p:cNvSpPr>
+          <p:nvPr>
+            <p:ph type="sldImg"/>
+          </p:nvPr>
+        </p:nvSpPr>
+        <p:spPr/>
+      </p:sp>
+      <p:sp>
+        <p:nvSpPr>
+          <p:cNvPr id="3" name="备注占位符 2"/>
+          <p:cNvSpPr>
+            <a:spLocks noGrp="1"/>
+          </p:cNvSpPr>
+          <p:nvPr>
+            <p:ph type="body" idx="1"/>
+          </p:nvPr>
+        </p:nvSpPr>
+        <p:spPr/>
+        <p:txBody>
+          <a:bodyPr>
+            <a:normAutofit/>
+          </a:bodyPr>
+          <a:lstStyle/>
+          <a:p>
+            <a:endParaRPr lang="zh-CN" altLang="en-US" dirty="0"/>
+          </a:p>
+        </p:txBody>
+      </p:sp>
+      <p:sp>
+        <p:nvSpPr>
+          <p:cNvPr id="4" name="灯片编号占位符 3"/>
+          <p:cNvSpPr>
+            <a:spLocks noGrp="1"/>
+          </p:cNvSpPr>
+          <p:nvPr>
+            <p:ph type="sldNum" sz="quarter" idx="10"/>
+          </p:nvPr>
+        </p:nvSpPr>
+        <p:spPr/>
+        <p:txBody>
+          <a:bodyPr/>
+          <a:lstStyle/>
+          <a:p>
+            <a:fld id="{466ACD28-26EC-4CD0-8A70-18374D83F2C5}" type="slidenum">
+              <a:rPr lang="zh-CN" altLang="en-US" smtClean="0"/>
+              <a:pPr/>
+              <a:t>19</a:t>
+            </a:fld>
+            <a:endParaRPr lang="zh-CN" altLang="en-US"/>
+          </a:p>
+        </p:txBody>
+      </p:sp>
+    </p:spTree>
+  </p:cSld>
+  <p:clrMapOvr>
+    <a:masterClrMapping/>
+  </p:clrMapOvr>
+</p:notes>
+</file>
+
 <file path=ppt/slideLayouts/slideLayout1.xml><?xml version="1.0" encoding="utf-8"?>
 <p:sldLayout xmlns:a="http://schemas.openxmlformats.org/drawingml/2006/main" xmlns:r="http://schemas.openxmlformats.org/officeDocument/2006/relationships" xmlns:p="http://schemas.openxmlformats.org/presentationml/2006/main" type="title" preserve="1">
   <p:cSld name="标题幻灯片">
@@ -864,7 +947,7 @@
             <a:fld id="{32D35100-D539-42A6-851C-69A7D2D91D1A}" type="datetimeFigureOut">
               <a:rPr lang="zh-CN" altLang="en-US" smtClean="0"/>
               <a:pPr/>
-              <a:t>12-19 Monday</a:t>
+              <a:t>12-23 Friday</a:t>
             </a:fld>
             <a:endParaRPr lang="zh-CN" altLang="en-US"/>
           </a:p>
@@ -916,7 +999,7 @@
     </p:spTree>
     <p:extLst>
       <p:ext uri="{BB962C8B-B14F-4D97-AF65-F5344CB8AC3E}">
-        <p14:creationId xmlns:p14="http://schemas.microsoft.com/office/powerpoint/2010/main" xmlns="" val="3024029738"/>
+        <p14:creationId xmlns="" xmlns:p14="http://schemas.microsoft.com/office/powerpoint/2010/main" val="3024029738"/>
       </p:ext>
     </p:extLst>
   </p:cSld>
@@ -1037,7 +1120,7 @@
             <a:fld id="{32D35100-D539-42A6-851C-69A7D2D91D1A}" type="datetimeFigureOut">
               <a:rPr lang="zh-CN" altLang="en-US" smtClean="0"/>
               <a:pPr/>
-              <a:t>12-19 Monday</a:t>
+              <a:t>12-23 Friday</a:t>
             </a:fld>
             <a:endParaRPr lang="zh-CN" altLang="en-US"/>
           </a:p>
@@ -1089,7 +1172,7 @@
     </p:spTree>
     <p:extLst>
       <p:ext uri="{BB962C8B-B14F-4D97-AF65-F5344CB8AC3E}">
-        <p14:creationId xmlns:p14="http://schemas.microsoft.com/office/powerpoint/2010/main" xmlns="" val="343241554"/>
+        <p14:creationId xmlns="" xmlns:p14="http://schemas.microsoft.com/office/powerpoint/2010/main" val="343241554"/>
       </p:ext>
     </p:extLst>
   </p:cSld>
@@ -1220,7 +1303,7 @@
             <a:fld id="{32D35100-D539-42A6-851C-69A7D2D91D1A}" type="datetimeFigureOut">
               <a:rPr lang="zh-CN" altLang="en-US" smtClean="0"/>
               <a:pPr/>
-              <a:t>12-19 Monday</a:t>
+              <a:t>12-23 Friday</a:t>
             </a:fld>
             <a:endParaRPr lang="zh-CN" altLang="en-US"/>
           </a:p>
@@ -1272,7 +1355,7 @@
     </p:spTree>
     <p:extLst>
       <p:ext uri="{BB962C8B-B14F-4D97-AF65-F5344CB8AC3E}">
-        <p14:creationId xmlns:p14="http://schemas.microsoft.com/office/powerpoint/2010/main" xmlns="" val="1508326006"/>
+        <p14:creationId xmlns="" xmlns:p14="http://schemas.microsoft.com/office/powerpoint/2010/main" val="1508326006"/>
       </p:ext>
     </p:extLst>
   </p:cSld>
@@ -1393,7 +1476,7 @@
             <a:fld id="{32D35100-D539-42A6-851C-69A7D2D91D1A}" type="datetimeFigureOut">
               <a:rPr lang="zh-CN" altLang="en-US" smtClean="0"/>
               <a:pPr/>
-              <a:t>12-19 Monday</a:t>
+              <a:t>12-23 Friday</a:t>
             </a:fld>
             <a:endParaRPr lang="zh-CN" altLang="en-US"/>
           </a:p>
@@ -1445,7 +1528,7 @@
     </p:spTree>
     <p:extLst>
       <p:ext uri="{BB962C8B-B14F-4D97-AF65-F5344CB8AC3E}">
-        <p14:creationId xmlns:p14="http://schemas.microsoft.com/office/powerpoint/2010/main" xmlns="" val="1759505212"/>
+        <p14:creationId xmlns="" xmlns:p14="http://schemas.microsoft.com/office/powerpoint/2010/main" val="1759505212"/>
       </p:ext>
     </p:extLst>
   </p:cSld>
@@ -1642,7 +1725,7 @@
             <a:fld id="{32D35100-D539-42A6-851C-69A7D2D91D1A}" type="datetimeFigureOut">
               <a:rPr lang="zh-CN" altLang="en-US" smtClean="0"/>
               <a:pPr/>
-              <a:t>12-19 Monday</a:t>
+              <a:t>12-23 Friday</a:t>
             </a:fld>
             <a:endParaRPr lang="zh-CN" altLang="en-US"/>
           </a:p>
@@ -1694,7 +1777,7 @@
     </p:spTree>
     <p:extLst>
       <p:ext uri="{BB962C8B-B14F-4D97-AF65-F5344CB8AC3E}">
-        <p14:creationId xmlns:p14="http://schemas.microsoft.com/office/powerpoint/2010/main" xmlns="" val="2417609714"/>
+        <p14:creationId xmlns="" xmlns:p14="http://schemas.microsoft.com/office/powerpoint/2010/main" val="2417609714"/>
       </p:ext>
     </p:extLst>
   </p:cSld>
@@ -1877,7 +1960,7 @@
             <a:fld id="{32D35100-D539-42A6-851C-69A7D2D91D1A}" type="datetimeFigureOut">
               <a:rPr lang="zh-CN" altLang="en-US" smtClean="0"/>
               <a:pPr/>
-              <a:t>12-19 Monday</a:t>
+              <a:t>12-23 Friday</a:t>
             </a:fld>
             <a:endParaRPr lang="zh-CN" altLang="en-US"/>
           </a:p>
@@ -1929,7 +2012,7 @@
     </p:spTree>
     <p:extLst>
       <p:ext uri="{BB962C8B-B14F-4D97-AF65-F5344CB8AC3E}">
-        <p14:creationId xmlns:p14="http://schemas.microsoft.com/office/powerpoint/2010/main" xmlns="" val="3609596728"/>
+        <p14:creationId xmlns="" xmlns:p14="http://schemas.microsoft.com/office/powerpoint/2010/main" val="3609596728"/>
       </p:ext>
     </p:extLst>
   </p:cSld>
@@ -2247,7 +2330,7 @@
             <a:fld id="{32D35100-D539-42A6-851C-69A7D2D91D1A}" type="datetimeFigureOut">
               <a:rPr lang="zh-CN" altLang="en-US" smtClean="0"/>
               <a:pPr/>
-              <a:t>12-19 Monday</a:t>
+              <a:t>12-23 Friday</a:t>
             </a:fld>
             <a:endParaRPr lang="zh-CN" altLang="en-US"/>
           </a:p>
@@ -2299,7 +2382,7 @@
     </p:spTree>
     <p:extLst>
       <p:ext uri="{BB962C8B-B14F-4D97-AF65-F5344CB8AC3E}">
-        <p14:creationId xmlns:p14="http://schemas.microsoft.com/office/powerpoint/2010/main" xmlns="" val="4285565082"/>
+        <p14:creationId xmlns="" xmlns:p14="http://schemas.microsoft.com/office/powerpoint/2010/main" val="4285565082"/>
       </p:ext>
     </p:extLst>
   </p:cSld>
@@ -2368,7 +2451,7 @@
             <a:fld id="{32D35100-D539-42A6-851C-69A7D2D91D1A}" type="datetimeFigureOut">
               <a:rPr lang="zh-CN" altLang="en-US" smtClean="0"/>
               <a:pPr/>
-              <a:t>12-19 Monday</a:t>
+              <a:t>12-23 Friday</a:t>
             </a:fld>
             <a:endParaRPr lang="zh-CN" altLang="en-US"/>
           </a:p>
@@ -2420,7 +2503,7 @@
     </p:spTree>
     <p:extLst>
       <p:ext uri="{BB962C8B-B14F-4D97-AF65-F5344CB8AC3E}">
-        <p14:creationId xmlns:p14="http://schemas.microsoft.com/office/powerpoint/2010/main" xmlns="" val="2676369298"/>
+        <p14:creationId xmlns="" xmlns:p14="http://schemas.microsoft.com/office/powerpoint/2010/main" val="2676369298"/>
       </p:ext>
     </p:extLst>
   </p:cSld>
@@ -2466,7 +2549,7 @@
             <a:fld id="{32D35100-D539-42A6-851C-69A7D2D91D1A}" type="datetimeFigureOut">
               <a:rPr lang="zh-CN" altLang="en-US" smtClean="0"/>
               <a:pPr/>
-              <a:t>12-19 Monday</a:t>
+              <a:t>12-23 Friday</a:t>
             </a:fld>
             <a:endParaRPr lang="zh-CN" altLang="en-US"/>
           </a:p>
@@ -2518,7 +2601,7 @@
     </p:spTree>
     <p:extLst>
       <p:ext uri="{BB962C8B-B14F-4D97-AF65-F5344CB8AC3E}">
-        <p14:creationId xmlns:p14="http://schemas.microsoft.com/office/powerpoint/2010/main" xmlns="" val="2259663268"/>
+        <p14:creationId xmlns="" xmlns:p14="http://schemas.microsoft.com/office/powerpoint/2010/main" val="2259663268"/>
       </p:ext>
     </p:extLst>
   </p:cSld>
@@ -2746,7 +2829,7 @@
             <a:fld id="{32D35100-D539-42A6-851C-69A7D2D91D1A}" type="datetimeFigureOut">
               <a:rPr lang="zh-CN" altLang="en-US" smtClean="0"/>
               <a:pPr/>
-              <a:t>12-19 Monday</a:t>
+              <a:t>12-23 Friday</a:t>
             </a:fld>
             <a:endParaRPr lang="zh-CN" altLang="en-US"/>
           </a:p>
@@ -2798,7 +2881,7 @@
     </p:spTree>
     <p:extLst>
       <p:ext uri="{BB962C8B-B14F-4D97-AF65-F5344CB8AC3E}">
-        <p14:creationId xmlns:p14="http://schemas.microsoft.com/office/powerpoint/2010/main" xmlns="" val="3401749403"/>
+        <p14:creationId xmlns="" xmlns:p14="http://schemas.microsoft.com/office/powerpoint/2010/main" val="3401749403"/>
       </p:ext>
     </p:extLst>
   </p:cSld>
@@ -3002,7 +3085,7 @@
             <a:fld id="{32D35100-D539-42A6-851C-69A7D2D91D1A}" type="datetimeFigureOut">
               <a:rPr lang="zh-CN" altLang="en-US" smtClean="0"/>
               <a:pPr/>
-              <a:t>12-19 Monday</a:t>
+              <a:t>12-23 Friday</a:t>
             </a:fld>
             <a:endParaRPr lang="zh-CN" altLang="en-US"/>
           </a:p>
@@ -3054,7 +3137,7 @@
     </p:spTree>
     <p:extLst>
       <p:ext uri="{BB962C8B-B14F-4D97-AF65-F5344CB8AC3E}">
-        <p14:creationId xmlns:p14="http://schemas.microsoft.com/office/powerpoint/2010/main" xmlns="" val="3963904103"/>
+        <p14:creationId xmlns="" xmlns:p14="http://schemas.microsoft.com/office/powerpoint/2010/main" val="3963904103"/>
       </p:ext>
     </p:extLst>
   </p:cSld>
@@ -3099,7 +3182,7 @@
           <a:blip r:embed="rId13" cstate="email">
             <a:extLst>
               <a:ext uri="{28A0092B-C50C-407E-A947-70E740481C1C}">
-                <a14:useLocalDpi xmlns:a14="http://schemas.microsoft.com/office/drawing/2010/main" xmlns=""/>
+                <a14:useLocalDpi xmlns="" xmlns:a14="http://schemas.microsoft.com/office/drawing/2010/main"/>
               </a:ext>
             </a:extLst>
           </a:blip>
@@ -3248,7 +3331,7 @@
             <a:fld id="{32D35100-D539-42A6-851C-69A7D2D91D1A}" type="datetimeFigureOut">
               <a:rPr lang="zh-CN" altLang="en-US" smtClean="0"/>
               <a:pPr/>
-              <a:t>12-19 Monday</a:t>
+              <a:t>12-23 Friday</a:t>
             </a:fld>
             <a:endParaRPr lang="zh-CN" altLang="en-US"/>
           </a:p>
@@ -3336,7 +3419,7 @@
     </p:spTree>
     <p:extLst>
       <p:ext uri="{BB962C8B-B14F-4D97-AF65-F5344CB8AC3E}">
-        <p14:creationId xmlns:p14="http://schemas.microsoft.com/office/powerpoint/2010/main" xmlns="" val="2611925279"/>
+        <p14:creationId xmlns="" xmlns:p14="http://schemas.microsoft.com/office/powerpoint/2010/main" val="2611925279"/>
       </p:ext>
     </p:extLst>
   </p:cSld>
@@ -4648,7 +4731,7 @@
     </p:spTree>
     <p:extLst>
       <p:ext uri="{BB962C8B-B14F-4D97-AF65-F5344CB8AC3E}">
-        <p14:creationId xmlns:p14="http://schemas.microsoft.com/office/powerpoint/2010/main" xmlns="" val="2079182328"/>
+        <p14:creationId xmlns="" xmlns:p14="http://schemas.microsoft.com/office/powerpoint/2010/main" val="2079182328"/>
       </p:ext>
     </p:extLst>
   </p:cSld>
@@ -6052,7 +6135,7 @@
     </p:spTree>
     <p:extLst>
       <p:ext uri="{BB962C8B-B14F-4D97-AF65-F5344CB8AC3E}">
-        <p14:creationId xmlns:p14="http://schemas.microsoft.com/office/powerpoint/2010/main" xmlns="" val="3386272830"/>
+        <p14:creationId xmlns="" xmlns:p14="http://schemas.microsoft.com/office/powerpoint/2010/main" val="3386272830"/>
       </p:ext>
     </p:extLst>
   </p:cSld>
@@ -8185,7 +8268,7 @@
     </p:spTree>
     <p:extLst>
       <p:ext uri="{BB962C8B-B14F-4D97-AF65-F5344CB8AC3E}">
-        <p14:creationId xmlns:p14="http://schemas.microsoft.com/office/powerpoint/2010/main" xmlns="" val="3386272830"/>
+        <p14:creationId xmlns="" xmlns:p14="http://schemas.microsoft.com/office/powerpoint/2010/main" val="3386272830"/>
       </p:ext>
     </p:extLst>
   </p:cSld>
@@ -10172,7 +10255,7 @@
     </p:spTree>
     <p:extLst>
       <p:ext uri="{BB962C8B-B14F-4D97-AF65-F5344CB8AC3E}">
-        <p14:creationId xmlns:p14="http://schemas.microsoft.com/office/powerpoint/2010/main" xmlns="" val="3386272830"/>
+        <p14:creationId xmlns="" xmlns:p14="http://schemas.microsoft.com/office/powerpoint/2010/main" val="3386272830"/>
       </p:ext>
     </p:extLst>
   </p:cSld>
@@ -12810,7 +12893,7 @@
     </p:spTree>
     <p:extLst>
       <p:ext uri="{BB962C8B-B14F-4D97-AF65-F5344CB8AC3E}">
-        <p14:creationId xmlns:p14="http://schemas.microsoft.com/office/powerpoint/2010/main" xmlns="" val="3386272830"/>
+        <p14:creationId xmlns="" xmlns:p14="http://schemas.microsoft.com/office/powerpoint/2010/main" val="3386272830"/>
       </p:ext>
     </p:extLst>
   </p:cSld>
@@ -14984,7 +15067,7 @@
     </p:spTree>
     <p:extLst>
       <p:ext uri="{BB962C8B-B14F-4D97-AF65-F5344CB8AC3E}">
-        <p14:creationId xmlns:p14="http://schemas.microsoft.com/office/powerpoint/2010/main" xmlns="" val="3386272830"/>
+        <p14:creationId xmlns="" xmlns:p14="http://schemas.microsoft.com/office/powerpoint/2010/main" val="3386272830"/>
       </p:ext>
     </p:extLst>
   </p:cSld>
@@ -16541,7 +16624,7 @@
     </p:spTree>
     <p:extLst>
       <p:ext uri="{BB962C8B-B14F-4D97-AF65-F5344CB8AC3E}">
-        <p14:creationId xmlns:p14="http://schemas.microsoft.com/office/powerpoint/2010/main" xmlns="" val="3386272830"/>
+        <p14:creationId xmlns="" xmlns:p14="http://schemas.microsoft.com/office/powerpoint/2010/main" val="3386272830"/>
       </p:ext>
     </p:extLst>
   </p:cSld>
@@ -18057,7 +18140,7 @@
     </p:spTree>
     <p:extLst>
       <p:ext uri="{BB962C8B-B14F-4D97-AF65-F5344CB8AC3E}">
-        <p14:creationId xmlns:p14="http://schemas.microsoft.com/office/powerpoint/2010/main" xmlns="" val="3386272830"/>
+        <p14:creationId xmlns="" xmlns:p14="http://schemas.microsoft.com/office/powerpoint/2010/main" val="3386272830"/>
       </p:ext>
     </p:extLst>
   </p:cSld>
@@ -19757,7 +19840,7 @@
     </p:spTree>
     <p:extLst>
       <p:ext uri="{BB962C8B-B14F-4D97-AF65-F5344CB8AC3E}">
-        <p14:creationId xmlns:p14="http://schemas.microsoft.com/office/powerpoint/2010/main" xmlns="" val="3386272830"/>
+        <p14:creationId xmlns="" xmlns:p14="http://schemas.microsoft.com/office/powerpoint/2010/main" val="3386272830"/>
       </p:ext>
     </p:extLst>
   </p:cSld>
@@ -21165,7 +21248,7 @@
     </p:spTree>
     <p:extLst>
       <p:ext uri="{BB962C8B-B14F-4D97-AF65-F5344CB8AC3E}">
-        <p14:creationId xmlns:p14="http://schemas.microsoft.com/office/powerpoint/2010/main" xmlns="" val="3386272830"/>
+        <p14:creationId xmlns="" xmlns:p14="http://schemas.microsoft.com/office/powerpoint/2010/main" val="3386272830"/>
       </p:ext>
     </p:extLst>
   </p:cSld>
@@ -21390,59 +21473,6 @@
           <a:chExt cx="0" cy="0"/>
         </a:xfrm>
       </p:grpSpPr>
-      <p:sp>
-        <p:nvSpPr>
-          <p:cNvPr id="23" name="矩形 22"/>
-          <p:cNvSpPr/>
-          <p:nvPr/>
-        </p:nvSpPr>
-        <p:spPr>
-          <a:xfrm>
-            <a:off x="4981572" y="803048"/>
-            <a:ext cx="2228854" cy="819150"/>
-          </a:xfrm>
-          <a:prstGeom prst="rect">
-            <a:avLst/>
-          </a:prstGeom>
-          <a:solidFill>
-            <a:srgbClr val="5ABAE5"/>
-          </a:solidFill>
-          <a:ln>
-            <a:noFill/>
-          </a:ln>
-          <a:effectLst>
-            <a:outerShdw blurRad="609600" dir="2100000" sx="40000" sy="40000" algn="ctr">
-              <a:srgbClr val="000000">
-                <a:alpha val="95000"/>
-              </a:srgbClr>
-            </a:outerShdw>
-          </a:effectLst>
-        </p:spPr>
-        <p:style>
-          <a:lnRef idx="2">
-            <a:schemeClr val="accent1">
-              <a:shade val="50000"/>
-            </a:schemeClr>
-          </a:lnRef>
-          <a:fillRef idx="1">
-            <a:schemeClr val="accent1"/>
-          </a:fillRef>
-          <a:effectRef idx="0">
-            <a:schemeClr val="accent1"/>
-          </a:effectRef>
-          <a:fontRef idx="minor">
-            <a:schemeClr val="lt1"/>
-          </a:fontRef>
-        </p:style>
-        <p:txBody>
-          <a:bodyPr rtlCol="0" anchor="ctr"/>
-          <a:lstStyle/>
-          <a:p>
-            <a:pPr algn="ctr"/>
-            <a:endParaRPr lang="zh-CN" altLang="en-US"/>
-          </a:p>
-        </p:txBody>
-      </p:sp>
       <p:grpSp>
         <p:nvGrpSpPr>
           <p:cNvPr id="2" name="组合 31"/>
@@ -21821,7 +21851,7 @@
       </p:grpSp>
       <p:grpSp>
         <p:nvGrpSpPr>
-          <p:cNvPr id="4" name="组合 32"/>
+          <p:cNvPr id="3" name="组合 32"/>
           <p:cNvGrpSpPr/>
           <p:nvPr/>
         </p:nvGrpSpPr>
@@ -22197,94 +22227,6 @@
       </p:grpSp>
       <p:sp>
         <p:nvSpPr>
-          <p:cNvPr id="12" name="矩形 11"/>
-          <p:cNvSpPr/>
-          <p:nvPr/>
-        </p:nvSpPr>
-        <p:spPr>
-          <a:xfrm>
-            <a:off x="773801" y="1875290"/>
-            <a:ext cx="5779399" cy="914801"/>
-          </a:xfrm>
-          <a:prstGeom prst="rect">
-            <a:avLst/>
-          </a:prstGeom>
-          <a:solidFill>
-            <a:srgbClr val="56D4EA"/>
-          </a:solidFill>
-          <a:ln>
-            <a:noFill/>
-          </a:ln>
-          <a:effectLst>
-            <a:outerShdw blurRad="609600" dir="2100000" sx="40000" sy="40000" algn="ctr">
-              <a:srgbClr val="000000">
-                <a:alpha val="95000"/>
-              </a:srgbClr>
-            </a:outerShdw>
-          </a:effectLst>
-        </p:spPr>
-        <p:style>
-          <a:lnRef idx="2">
-            <a:schemeClr val="accent1">
-              <a:shade val="50000"/>
-            </a:schemeClr>
-          </a:lnRef>
-          <a:fillRef idx="1">
-            <a:schemeClr val="accent1"/>
-          </a:fillRef>
-          <a:effectRef idx="0">
-            <a:schemeClr val="accent1"/>
-          </a:effectRef>
-          <a:fontRef idx="minor">
-            <a:schemeClr val="lt1"/>
-          </a:fontRef>
-        </p:style>
-        <p:txBody>
-          <a:bodyPr rtlCol="0" anchor="ctr"/>
-          <a:lstStyle/>
-          <a:p>
-            <a:pPr algn="ctr"/>
-            <a:endParaRPr lang="zh-CN" altLang="en-US"/>
-          </a:p>
-        </p:txBody>
-      </p:sp>
-      <p:sp>
-        <p:nvSpPr>
-          <p:cNvPr id="19" name="文本框 18"/>
-          <p:cNvSpPr txBox="1"/>
-          <p:nvPr/>
-        </p:nvSpPr>
-        <p:spPr>
-          <a:xfrm>
-            <a:off x="1052323" y="1975755"/>
-            <a:ext cx="5360200" cy="707886"/>
-          </a:xfrm>
-          <a:prstGeom prst="rect">
-            <a:avLst/>
-          </a:prstGeom>
-          <a:noFill/>
-        </p:spPr>
-        <p:txBody>
-          <a:bodyPr wrap="square" rtlCol="0">
-            <a:spAutoFit/>
-          </a:bodyPr>
-          <a:lstStyle/>
-          <a:p>
-            <a:r>
-              <a:rPr lang="zh-CN" altLang="en-US" sz="4000" dirty="0" smtClean="0">
-                <a:solidFill>
-                  <a:schemeClr val="bg1"/>
-                </a:solidFill>
-                <a:latin typeface="造字工房悦圆（非商用）常规体" pitchFamily="50" charset="-122"/>
-                <a:ea typeface="造字工房悦圆（非商用）常规体" pitchFamily="50" charset="-122"/>
-              </a:rPr>
-              <a:t>为什么需要前端路由？</a:t>
-            </a:r>
-          </a:p>
-        </p:txBody>
-      </p:sp>
-      <p:sp>
-        <p:nvSpPr>
           <p:cNvPr id="35" name="矩形 34"/>
           <p:cNvSpPr/>
           <p:nvPr/>
@@ -22337,49 +22279,6 @@
               <a:solidFill>
                 <a:schemeClr val="bg1"/>
               </a:solidFill>
-            </a:endParaRPr>
-          </a:p>
-        </p:txBody>
-      </p:sp>
-      <p:sp>
-        <p:nvSpPr>
-          <p:cNvPr id="3" name="文本框 2"/>
-          <p:cNvSpPr txBox="1"/>
-          <p:nvPr/>
-        </p:nvSpPr>
-        <p:spPr>
-          <a:xfrm>
-            <a:off x="4975761" y="935536"/>
-            <a:ext cx="2220686" cy="584775"/>
-          </a:xfrm>
-          <a:prstGeom prst="rect">
-            <a:avLst/>
-          </a:prstGeom>
-          <a:noFill/>
-        </p:spPr>
-        <p:txBody>
-          <a:bodyPr wrap="square" rtlCol="0">
-            <a:spAutoFit/>
-          </a:bodyPr>
-          <a:lstStyle/>
-          <a:p>
-            <a:pPr algn="ctr"/>
-            <a:r>
-              <a:rPr lang="zh-CN" altLang="en-US" sz="3200" dirty="0" smtClean="0">
-                <a:solidFill>
-                  <a:schemeClr val="bg1"/>
-                </a:solidFill>
-                <a:latin typeface="造字工房悦圆（非商用）常规体" pitchFamily="50" charset="-122"/>
-                <a:ea typeface="造字工房悦圆（非商用）常规体" pitchFamily="50" charset="-122"/>
-              </a:rPr>
-              <a:t>路由</a:t>
-            </a:r>
-            <a:endParaRPr lang="zh-CN" altLang="en-US" sz="3200" dirty="0">
-              <a:solidFill>
-                <a:schemeClr val="bg1"/>
-              </a:solidFill>
-              <a:latin typeface="造字工房悦圆（非商用）常规体" pitchFamily="50" charset="-122"/>
-              <a:ea typeface="造字工房悦圆（非商用）常规体" pitchFamily="50" charset="-122"/>
             </a:endParaRPr>
           </a:p>
         </p:txBody>
@@ -22443,7 +22342,7 @@
           <p:nvPr/>
         </p:nvPicPr>
         <p:blipFill>
-          <a:blip r:embed="rId2" cstate="print"/>
+          <a:blip r:embed="rId4" cstate="print"/>
           <a:stretch>
             <a:fillRect/>
           </a:stretch>
@@ -22460,68 +22359,140 @@
       </p:pic>
       <p:sp>
         <p:nvSpPr>
-          <p:cNvPr id="21" name="矩形 20"/>
+          <p:cNvPr id="43" name="矩形 42"/>
           <p:cNvSpPr/>
           <p:nvPr/>
         </p:nvSpPr>
         <p:spPr>
           <a:xfrm>
-            <a:off x="1745103" y="3250574"/>
-            <a:ext cx="5218405" cy="523220"/>
+            <a:off x="1792718" y="447914"/>
+            <a:ext cx="2220482" cy="783772"/>
           </a:xfrm>
           <a:prstGeom prst="rect">
             <a:avLst/>
           </a:prstGeom>
+          <a:solidFill>
+            <a:schemeClr val="bg1"/>
+          </a:solidFill>
+          <a:ln w="12700">
+            <a:solidFill>
+              <a:srgbClr val="5ABAE5"/>
+            </a:solidFill>
+          </a:ln>
+        </p:spPr>
+        <p:style>
+          <a:lnRef idx="2">
+            <a:schemeClr val="accent1">
+              <a:shade val="50000"/>
+            </a:schemeClr>
+          </a:lnRef>
+          <a:fillRef idx="1">
+            <a:schemeClr val="accent1"/>
+          </a:fillRef>
+          <a:effectRef idx="0">
+            <a:schemeClr val="accent1"/>
+          </a:effectRef>
+          <a:fontRef idx="minor">
+            <a:schemeClr val="lt1"/>
+          </a:fontRef>
+        </p:style>
+        <p:txBody>
+          <a:bodyPr rtlCol="0" anchor="ctr"/>
+          <a:lstStyle/>
+          <a:p>
+            <a:pPr algn="ctr"/>
+            <a:endParaRPr lang="zh-CN" altLang="en-US"/>
+          </a:p>
+        </p:txBody>
+      </p:sp>
+      <p:sp>
+        <p:nvSpPr>
+          <p:cNvPr id="44" name="矩形 43"/>
+          <p:cNvSpPr/>
+          <p:nvPr/>
+        </p:nvSpPr>
+        <p:spPr>
+          <a:xfrm>
+            <a:off x="1875845" y="531041"/>
+            <a:ext cx="2035755" cy="641268"/>
+          </a:xfrm>
+          <a:prstGeom prst="rect">
+            <a:avLst/>
+          </a:prstGeom>
+          <a:solidFill>
+            <a:srgbClr val="56D4EA"/>
+          </a:solidFill>
+          <a:ln>
+            <a:noFill/>
+          </a:ln>
+          <a:effectLst>
+            <a:outerShdw blurRad="609600" dir="2100000" sx="40000" sy="40000" algn="ctr">
+              <a:srgbClr val="000000">
+                <a:alpha val="95000"/>
+              </a:srgbClr>
+            </a:outerShdw>
+          </a:effectLst>
+        </p:spPr>
+        <p:style>
+          <a:lnRef idx="2">
+            <a:schemeClr val="accent1">
+              <a:shade val="50000"/>
+            </a:schemeClr>
+          </a:lnRef>
+          <a:fillRef idx="1">
+            <a:schemeClr val="accent1"/>
+          </a:fillRef>
+          <a:effectRef idx="0">
+            <a:schemeClr val="accent1"/>
+          </a:effectRef>
+          <a:fontRef idx="minor">
+            <a:schemeClr val="lt1"/>
+          </a:fontRef>
+        </p:style>
+        <p:txBody>
+          <a:bodyPr rtlCol="0" anchor="ctr"/>
+          <a:lstStyle/>
+          <a:p>
+            <a:pPr algn="ctr"/>
+            <a:endParaRPr lang="zh-CN" altLang="en-US"/>
+          </a:p>
+        </p:txBody>
+      </p:sp>
+      <p:sp>
+        <p:nvSpPr>
+          <p:cNvPr id="45" name="文本框 18"/>
+          <p:cNvSpPr txBox="1"/>
+          <p:nvPr/>
+        </p:nvSpPr>
+        <p:spPr>
+          <a:xfrm>
+            <a:off x="1927760" y="590417"/>
+            <a:ext cx="1971140" cy="523220"/>
+          </a:xfrm>
+          <a:prstGeom prst="rect">
+            <a:avLst/>
+          </a:prstGeom>
+          <a:noFill/>
         </p:spPr>
         <p:txBody>
-          <a:bodyPr wrap="square">
+          <a:bodyPr wrap="square" rtlCol="0">
             <a:spAutoFit/>
           </a:bodyPr>
           <a:lstStyle/>
           <a:p>
             <a:r>
-              <a:rPr lang="en-US" altLang="zh-CN" sz="2800" dirty="0" smtClean="0">
+              <a:rPr lang="zh-CN" altLang="en-US" sz="2800" dirty="0" smtClean="0">
                 <a:solidFill>
-                  <a:prstClr val="white"/>
+                  <a:schemeClr val="bg1"/>
                 </a:solidFill>
                 <a:latin typeface="造字工房悦圆（非商用）常规体" pitchFamily="50" charset="-122"/>
                 <a:ea typeface="造字工房悦圆（非商用）常规体" pitchFamily="50" charset="-122"/>
               </a:rPr>
-              <a:t>Ajax</a:t>
-            </a:r>
-            <a:r>
-              <a:rPr lang="zh-CN" altLang="en-US" sz="2800" dirty="0" smtClean="0">
-                <a:solidFill>
-                  <a:prstClr val="white"/>
-                </a:solidFill>
-                <a:latin typeface="造字工房悦圆（非商用）常规体" pitchFamily="50" charset="-122"/>
-                <a:ea typeface="造字工房悦圆（非商用）常规体" pitchFamily="50" charset="-122"/>
-              </a:rPr>
-              <a:t>请求不会留下</a:t>
-            </a:r>
-            <a:r>
-              <a:rPr lang="en-US" altLang="zh-CN" sz="2800" dirty="0" smtClean="0">
-                <a:solidFill>
-                  <a:prstClr val="white"/>
-                </a:solidFill>
-                <a:latin typeface="造字工房悦圆（非商用）常规体" pitchFamily="50" charset="-122"/>
-                <a:ea typeface="造字工房悦圆（非商用）常规体" pitchFamily="50" charset="-122"/>
-              </a:rPr>
-              <a:t>History</a:t>
-            </a:r>
-            <a:r>
-              <a:rPr lang="zh-CN" altLang="en-US" sz="2800" dirty="0" smtClean="0">
-                <a:solidFill>
-                  <a:prstClr val="white"/>
-                </a:solidFill>
-                <a:latin typeface="造字工房悦圆（非商用）常规体" pitchFamily="50" charset="-122"/>
-                <a:ea typeface="造字工房悦圆（非商用）常规体" pitchFamily="50" charset="-122"/>
-              </a:rPr>
-              <a:t>记录</a:t>
+              <a:t>自定义服务</a:t>
             </a:r>
             <a:endParaRPr lang="zh-CN" altLang="en-US" sz="2800" dirty="0">
               <a:solidFill>
-                <a:prstClr val="white"/>
+                <a:schemeClr val="bg1"/>
               </a:solidFill>
               <a:latin typeface="造字工房悦圆（非商用）常规体" pitchFamily="50" charset="-122"/>
               <a:ea typeface="造字工房悦圆（非商用）常规体" pitchFamily="50" charset="-122"/>
@@ -22529,134 +22500,209 @@
           </a:p>
         </p:txBody>
       </p:sp>
+      <p:graphicFrame>
+        <p:nvGraphicFramePr>
+          <p:cNvPr id="42" name="对象 41"/>
+          <p:cNvGraphicFramePr>
+            <a:graphicFrameLocks noChangeAspect="1"/>
+          </p:cNvGraphicFramePr>
+          <p:nvPr/>
+        </p:nvGraphicFramePr>
+        <p:xfrm>
+          <a:off x="6038850" y="3319463"/>
+          <a:ext cx="114300" cy="215900"/>
+        </p:xfrm>
+        <a:graphic>
+          <a:graphicData uri="http://schemas.openxmlformats.org/presentationml/2006/ole">
+            <p:oleObj spid="_x0000_s35842" name="Equation" r:id="rId5" imgW="114120" imgH="215640" progId="Equation.KSEE3">
+              <p:embed/>
+            </p:oleObj>
+          </a:graphicData>
+        </a:graphic>
+      </p:graphicFrame>
       <p:sp>
         <p:nvSpPr>
-          <p:cNvPr id="18" name="矩形 17"/>
-          <p:cNvSpPr/>
+          <p:cNvPr id="50" name="TextBox 49"/>
+          <p:cNvSpPr txBox="1"/>
           <p:nvPr/>
         </p:nvSpPr>
         <p:spPr>
           <a:xfrm>
-            <a:off x="1709934" y="4282205"/>
-            <a:ext cx="5277020" cy="523220"/>
+            <a:off x="1688124" y="1992922"/>
+            <a:ext cx="2477476" cy="461665"/>
           </a:xfrm>
           <a:prstGeom prst="rect">
             <a:avLst/>
           </a:prstGeom>
+          <a:noFill/>
         </p:spPr>
         <p:txBody>
-          <a:bodyPr wrap="square">
+          <a:bodyPr wrap="square" rtlCol="0">
             <a:spAutoFit/>
           </a:bodyPr>
           <a:lstStyle/>
           <a:p>
             <a:r>
-              <a:rPr lang="zh-CN" altLang="en-US" sz="2800" dirty="0" smtClean="0">
+              <a:rPr lang="zh-CN" altLang="en-US" sz="2400" dirty="0" smtClean="0">
                 <a:solidFill>
-                  <a:prstClr val="white"/>
+                  <a:schemeClr val="bg1"/>
                 </a:solidFill>
-                <a:latin typeface="造字工房悦圆（非商用）常规体" pitchFamily="50" charset="-122"/>
-                <a:ea typeface="造字工房悦圆（非商用）常规体" pitchFamily="50" charset="-122"/>
+                <a:ea typeface="造字工房悦圆（非商用）常规体"/>
               </a:rPr>
-              <a:t>用户无法通过</a:t>
+              <a:t>创建的几种方式</a:t>
             </a:r>
-            <a:r>
-              <a:rPr lang="en-US" altLang="zh-CN" sz="2800" dirty="0" smtClean="0">
-                <a:solidFill>
-                  <a:prstClr val="white"/>
-                </a:solidFill>
-                <a:latin typeface="造字工房悦圆（非商用）常规体" pitchFamily="50" charset="-122"/>
-                <a:ea typeface="造字工房悦圆（非商用）常规体" pitchFamily="50" charset="-122"/>
-              </a:rPr>
-              <a:t>URL</a:t>
-            </a:r>
-            <a:r>
-              <a:rPr lang="zh-CN" altLang="en-US" sz="2800" dirty="0" smtClean="0">
-                <a:solidFill>
-                  <a:prstClr val="white"/>
-                </a:solidFill>
-                <a:latin typeface="造字工房悦圆（非商用）常规体" pitchFamily="50" charset="-122"/>
-                <a:ea typeface="造字工房悦圆（非商用）常规体" pitchFamily="50" charset="-122"/>
-              </a:rPr>
-              <a:t>进入指定页面</a:t>
-            </a:r>
-            <a:endParaRPr lang="zh-CN" altLang="en-US" sz="2800" dirty="0">
+            <a:endParaRPr lang="zh-CN" altLang="en-US" sz="2400" dirty="0">
               <a:solidFill>
-                <a:prstClr val="white"/>
+                <a:schemeClr val="bg1"/>
               </a:solidFill>
-              <a:latin typeface="造字工房悦圆（非商用）常规体" pitchFamily="50" charset="-122"/>
-              <a:ea typeface="造字工房悦圆（非商用）常规体" pitchFamily="50" charset="-122"/>
+              <a:ea typeface="造字工房悦圆（非商用）常规体"/>
             </a:endParaRPr>
           </a:p>
         </p:txBody>
       </p:sp>
       <p:sp>
         <p:nvSpPr>
-          <p:cNvPr id="20" name="矩形 19"/>
-          <p:cNvSpPr/>
+          <p:cNvPr id="18" name="TextBox 17"/>
+          <p:cNvSpPr txBox="1"/>
           <p:nvPr/>
         </p:nvSpPr>
         <p:spPr>
           <a:xfrm>
-            <a:off x="1709936" y="5161436"/>
-            <a:ext cx="3530280" cy="523220"/>
+            <a:off x="1713524" y="2577122"/>
+            <a:ext cx="1588476" cy="461665"/>
           </a:xfrm>
           <a:prstGeom prst="rect">
             <a:avLst/>
           </a:prstGeom>
+          <a:noFill/>
         </p:spPr>
         <p:txBody>
-          <a:bodyPr wrap="square">
+          <a:bodyPr wrap="square" rtlCol="0">
             <a:spAutoFit/>
           </a:bodyPr>
           <a:lstStyle/>
           <a:p>
             <a:r>
-              <a:rPr lang="en-US" altLang="zh-CN" sz="2800" dirty="0" smtClean="0">
+              <a:rPr lang="en-US" altLang="zh-CN" sz="2400" dirty="0" smtClean="0">
                 <a:solidFill>
-                  <a:prstClr val="white"/>
+                  <a:schemeClr val="bg1"/>
                 </a:solidFill>
-                <a:latin typeface="造字工房悦圆（非商用）常规体" pitchFamily="50" charset="-122"/>
-                <a:ea typeface="造字工房悦圆（非商用）常规体" pitchFamily="50" charset="-122"/>
+                <a:ea typeface="造字工房悦圆（非商用）常规体"/>
               </a:rPr>
-              <a:t>Ajax</a:t>
+              <a:t>v</a:t>
             </a:r>
             <a:r>
-              <a:rPr lang="zh-CN" altLang="en-US" sz="2800" dirty="0" smtClean="0">
+              <a:rPr lang="en-US" altLang="zh-CN" sz="2400" dirty="0" smtClean="0">
                 <a:solidFill>
-                  <a:prstClr val="white"/>
+                  <a:schemeClr val="bg1"/>
                 </a:solidFill>
-                <a:latin typeface="造字工房悦圆（非商用）常规体" pitchFamily="50" charset="-122"/>
-                <a:ea typeface="造字工房悦圆（非商用）常规体" pitchFamily="50" charset="-122"/>
+                <a:ea typeface="造字工房悦圆（非商用）常规体"/>
               </a:rPr>
-              <a:t>对</a:t>
+              <a:t>alue</a:t>
+            </a:r>
+            <a:endParaRPr lang="zh-CN" altLang="en-US" sz="2400" dirty="0">
+              <a:solidFill>
+                <a:schemeClr val="bg1"/>
+              </a:solidFill>
+              <a:ea typeface="造字工房悦圆（非商用）常规体"/>
+            </a:endParaRPr>
+          </a:p>
+        </p:txBody>
+      </p:sp>
+      <p:sp>
+        <p:nvSpPr>
+          <p:cNvPr id="19" name="TextBox 18"/>
+          <p:cNvSpPr txBox="1"/>
+          <p:nvPr/>
+        </p:nvSpPr>
+        <p:spPr>
+          <a:xfrm>
+            <a:off x="1700824" y="3288322"/>
+            <a:ext cx="1588476" cy="461665"/>
+          </a:xfrm>
+          <a:prstGeom prst="rect">
+            <a:avLst/>
+          </a:prstGeom>
+          <a:noFill/>
+        </p:spPr>
+        <p:txBody>
+          <a:bodyPr wrap="square" rtlCol="0">
+            <a:spAutoFit/>
+          </a:bodyPr>
+          <a:lstStyle/>
+          <a:p>
+            <a:r>
+              <a:rPr lang="en-US" altLang="zh-CN" sz="2400" dirty="0" smtClean="0">
+                <a:solidFill>
+                  <a:schemeClr val="bg1"/>
+                </a:solidFill>
+                <a:ea typeface="造字工房悦圆（非商用）常规体"/>
+              </a:rPr>
+              <a:t>v</a:t>
             </a:r>
             <a:r>
-              <a:rPr lang="en-US" altLang="zh-CN" sz="2800" dirty="0" smtClean="0">
+              <a:rPr lang="en-US" altLang="zh-CN" sz="2400" dirty="0" smtClean="0">
                 <a:solidFill>
-                  <a:prstClr val="white"/>
+                  <a:schemeClr val="bg1"/>
                 </a:solidFill>
-                <a:latin typeface="造字工房悦圆（非商用）常规体" pitchFamily="50" charset="-122"/>
-                <a:ea typeface="造字工房悦圆（非商用）常规体" pitchFamily="50" charset="-122"/>
+                <a:ea typeface="造字工房悦圆（非商用）常规体"/>
               </a:rPr>
-              <a:t>SEO</a:t>
+              <a:t>alue</a:t>
+            </a:r>
+            <a:endParaRPr lang="zh-CN" altLang="en-US" sz="2400" dirty="0">
+              <a:solidFill>
+                <a:schemeClr val="bg1"/>
+              </a:solidFill>
+              <a:ea typeface="造字工房悦圆（非商用）常规体"/>
+            </a:endParaRPr>
+          </a:p>
+        </p:txBody>
+      </p:sp>
+      <p:sp>
+        <p:nvSpPr>
+          <p:cNvPr id="20" name="TextBox 19"/>
+          <p:cNvSpPr txBox="1"/>
+          <p:nvPr/>
+        </p:nvSpPr>
+        <p:spPr>
+          <a:xfrm>
+            <a:off x="1751624" y="4139222"/>
+            <a:ext cx="1588476" cy="461665"/>
+          </a:xfrm>
+          <a:prstGeom prst="rect">
+            <a:avLst/>
+          </a:prstGeom>
+          <a:noFill/>
+        </p:spPr>
+        <p:txBody>
+          <a:bodyPr wrap="square" rtlCol="0">
+            <a:spAutoFit/>
+          </a:bodyPr>
+          <a:lstStyle/>
+          <a:p>
+            <a:r>
+              <a:rPr lang="en-US" altLang="zh-CN" sz="2400" dirty="0" smtClean="0">
+                <a:solidFill>
+                  <a:schemeClr val="bg1"/>
+                </a:solidFill>
+                <a:ea typeface="造字工房悦圆（非商用）常规体"/>
+              </a:rPr>
+              <a:t>v</a:t>
             </a:r>
             <a:r>
-              <a:rPr lang="zh-CN" altLang="en-US" sz="2800" dirty="0" smtClean="0">
+              <a:rPr lang="en-US" altLang="zh-CN" sz="2400" dirty="0" smtClean="0">
                 <a:solidFill>
-                  <a:prstClr val="white"/>
+                  <a:schemeClr val="bg1"/>
                 </a:solidFill>
-                <a:latin typeface="造字工房悦圆（非商用）常规体" pitchFamily="50" charset="-122"/>
-                <a:ea typeface="造字工房悦圆（非商用）常规体" pitchFamily="50" charset="-122"/>
+                <a:ea typeface="造字工房悦圆（非商用）常规体"/>
               </a:rPr>
-              <a:t>是个灾难</a:t>
+              <a:t>alue</a:t>
             </a:r>
-            <a:endParaRPr lang="zh-CN" altLang="en-US" sz="2800" dirty="0">
+            <a:endParaRPr lang="zh-CN" altLang="en-US" sz="2400" dirty="0">
               <a:solidFill>
-                <a:prstClr val="white"/>
+                <a:schemeClr val="bg1"/>
               </a:solidFill>
-              <a:latin typeface="造字工房悦圆（非商用）常规体" pitchFamily="50" charset="-122"/>
-              <a:ea typeface="造字工房悦圆（非商用）常规体" pitchFamily="50" charset="-122"/>
+              <a:ea typeface="造字工房悦圆（非商用）常规体"/>
             </a:endParaRPr>
           </a:p>
         </p:txBody>
@@ -22664,7 +22710,7 @@
     </p:spTree>
     <p:extLst>
       <p:ext uri="{BB962C8B-B14F-4D97-AF65-F5344CB8AC3E}">
-        <p14:creationId xmlns:p14="http://schemas.microsoft.com/office/powerpoint/2010/main" xmlns="" val="3386272830"/>
+        <p14:creationId xmlns="" xmlns:p14="http://schemas.microsoft.com/office/powerpoint/2010/main" val="3386272830"/>
       </p:ext>
     </p:extLst>
   </p:cSld>
@@ -22693,7 +22739,7 @@
                             </p:stCondLst>
                             <p:childTnLst>
                               <p:par>
-                                <p:cTn id="5" presetID="22" presetClass="entr" presetSubtype="4" fill="hold" grpId="0" nodeType="clickEffect">
+                                <p:cTn id="5" presetID="2" presetClass="entr" presetSubtype="4" fill="hold" nodeType="clickEffect">
                                   <p:stCondLst>
                                     <p:cond delay="0"/>
                                   </p:stCondLst>
@@ -22706,7 +22752,7 @@
                                           </p:stCondLst>
                                         </p:cTn>
                                         <p:tgtEl>
-                                          <p:spTgt spid="12"/>
+                                          <p:spTgt spid="42"/>
                                         </p:tgtEl>
                                         <p:attrNameLst>
                                           <p:attrName>style.visibility</p:attrName>
@@ -22716,26 +22762,210 @@
                                         <p:strVal val="visible"/>
                                       </p:to>
                                     </p:set>
-                                    <p:animEffect transition="in" filter="wipe(down)">
-                                      <p:cBhvr>
-                                        <p:cTn id="7" dur="500"/>
+                                    <p:anim calcmode="lin" valueType="num">
+                                      <p:cBhvr additive="base">
+                                        <p:cTn id="7" dur="500" fill="hold"/>
                                         <p:tgtEl>
-                                          <p:spTgt spid="12"/>
+                                          <p:spTgt spid="42"/>
                                         </p:tgtEl>
+                                        <p:attrNameLst>
+                                          <p:attrName>ppt_x</p:attrName>
+                                        </p:attrNameLst>
                                       </p:cBhvr>
-                                    </p:animEffect>
+                                      <p:tavLst>
+                                        <p:tav tm="0">
+                                          <p:val>
+                                            <p:strVal val="#ppt_x"/>
+                                          </p:val>
+                                        </p:tav>
+                                        <p:tav tm="100000">
+                                          <p:val>
+                                            <p:strVal val="#ppt_x"/>
+                                          </p:val>
+                                        </p:tav>
+                                      </p:tavLst>
+                                    </p:anim>
+                                    <p:anim calcmode="lin" valueType="num">
+                                      <p:cBhvr additive="base">
+                                        <p:cTn id="8" dur="500" fill="hold"/>
+                                        <p:tgtEl>
+                                          <p:spTgt spid="42"/>
+                                        </p:tgtEl>
+                                        <p:attrNameLst>
+                                          <p:attrName>ppt_y</p:attrName>
+                                        </p:attrNameLst>
+                                      </p:cBhvr>
+                                      <p:tavLst>
+                                        <p:tav tm="0">
+                                          <p:val>
+                                            <p:strVal val="1+#ppt_h/2"/>
+                                          </p:val>
+                                        </p:tav>
+                                        <p:tav tm="100000">
+                                          <p:val>
+                                            <p:strVal val="#ppt_y"/>
+                                          </p:val>
+                                        </p:tav>
+                                      </p:tavLst>
+                                    </p:anim>
                                   </p:childTnLst>
                                 </p:cTn>
                               </p:par>
                               <p:par>
-                                <p:cTn id="8" presetID="22" presetClass="entr" presetSubtype="4" fill="hold" grpId="0" nodeType="withEffect">
+                                <p:cTn id="9" presetID="2" presetClass="entr" presetSubtype="4" fill="hold" grpId="0" nodeType="withEffect">
                                   <p:stCondLst>
                                     <p:cond delay="0"/>
                                   </p:stCondLst>
                                   <p:childTnLst>
                                     <p:set>
                                       <p:cBhvr>
-                                        <p:cTn id="9" dur="1" fill="hold">
+                                        <p:cTn id="10" dur="1" fill="hold">
+                                          <p:stCondLst>
+                                            <p:cond delay="0"/>
+                                          </p:stCondLst>
+                                        </p:cTn>
+                                        <p:tgtEl>
+                                          <p:spTgt spid="50"/>
+                                        </p:tgtEl>
+                                        <p:attrNameLst>
+                                          <p:attrName>style.visibility</p:attrName>
+                                        </p:attrNameLst>
+                                      </p:cBhvr>
+                                      <p:to>
+                                        <p:strVal val="visible"/>
+                                      </p:to>
+                                    </p:set>
+                                    <p:anim calcmode="lin" valueType="num">
+                                      <p:cBhvr additive="base">
+                                        <p:cTn id="11" dur="500" fill="hold"/>
+                                        <p:tgtEl>
+                                          <p:spTgt spid="50"/>
+                                        </p:tgtEl>
+                                        <p:attrNameLst>
+                                          <p:attrName>ppt_x</p:attrName>
+                                        </p:attrNameLst>
+                                      </p:cBhvr>
+                                      <p:tavLst>
+                                        <p:tav tm="0">
+                                          <p:val>
+                                            <p:strVal val="#ppt_x"/>
+                                          </p:val>
+                                        </p:tav>
+                                        <p:tav tm="100000">
+                                          <p:val>
+                                            <p:strVal val="#ppt_x"/>
+                                          </p:val>
+                                        </p:tav>
+                                      </p:tavLst>
+                                    </p:anim>
+                                    <p:anim calcmode="lin" valueType="num">
+                                      <p:cBhvr additive="base">
+                                        <p:cTn id="12" dur="500" fill="hold"/>
+                                        <p:tgtEl>
+                                          <p:spTgt spid="50"/>
+                                        </p:tgtEl>
+                                        <p:attrNameLst>
+                                          <p:attrName>ppt_y</p:attrName>
+                                        </p:attrNameLst>
+                                      </p:cBhvr>
+                                      <p:tavLst>
+                                        <p:tav tm="0">
+                                          <p:val>
+                                            <p:strVal val="1+#ppt_h/2"/>
+                                          </p:val>
+                                        </p:tav>
+                                        <p:tav tm="100000">
+                                          <p:val>
+                                            <p:strVal val="#ppt_y"/>
+                                          </p:val>
+                                        </p:tav>
+                                      </p:tavLst>
+                                    </p:anim>
+                                  </p:childTnLst>
+                                </p:cTn>
+                              </p:par>
+                              <p:par>
+                                <p:cTn id="13" presetID="2" presetClass="entr" presetSubtype="4" fill="hold" grpId="0" nodeType="withEffect">
+                                  <p:stCondLst>
+                                    <p:cond delay="0"/>
+                                  </p:stCondLst>
+                                  <p:childTnLst>
+                                    <p:set>
+                                      <p:cBhvr>
+                                        <p:cTn id="14" dur="1" fill="hold">
+                                          <p:stCondLst>
+                                            <p:cond delay="0"/>
+                                          </p:stCondLst>
+                                        </p:cTn>
+                                        <p:tgtEl>
+                                          <p:spTgt spid="18"/>
+                                        </p:tgtEl>
+                                        <p:attrNameLst>
+                                          <p:attrName>style.visibility</p:attrName>
+                                        </p:attrNameLst>
+                                      </p:cBhvr>
+                                      <p:to>
+                                        <p:strVal val="visible"/>
+                                      </p:to>
+                                    </p:set>
+                                    <p:anim calcmode="lin" valueType="num">
+                                      <p:cBhvr additive="base">
+                                        <p:cTn id="15" dur="500" fill="hold"/>
+                                        <p:tgtEl>
+                                          <p:spTgt spid="18"/>
+                                        </p:tgtEl>
+                                        <p:attrNameLst>
+                                          <p:attrName>ppt_x</p:attrName>
+                                        </p:attrNameLst>
+                                      </p:cBhvr>
+                                      <p:tavLst>
+                                        <p:tav tm="0">
+                                          <p:val>
+                                            <p:strVal val="#ppt_x"/>
+                                          </p:val>
+                                        </p:tav>
+                                        <p:tav tm="100000">
+                                          <p:val>
+                                            <p:strVal val="#ppt_x"/>
+                                          </p:val>
+                                        </p:tav>
+                                      </p:tavLst>
+                                    </p:anim>
+                                    <p:anim calcmode="lin" valueType="num">
+                                      <p:cBhvr additive="base">
+                                        <p:cTn id="16" dur="500" fill="hold"/>
+                                        <p:tgtEl>
+                                          <p:spTgt spid="18"/>
+                                        </p:tgtEl>
+                                        <p:attrNameLst>
+                                          <p:attrName>ppt_y</p:attrName>
+                                        </p:attrNameLst>
+                                      </p:cBhvr>
+                                      <p:tavLst>
+                                        <p:tav tm="0">
+                                          <p:val>
+                                            <p:strVal val="1+#ppt_h/2"/>
+                                          </p:val>
+                                        </p:tav>
+                                        <p:tav tm="100000">
+                                          <p:val>
+                                            <p:strVal val="#ppt_y"/>
+                                          </p:val>
+                                        </p:tav>
+                                      </p:tavLst>
+                                    </p:anim>
+                                  </p:childTnLst>
+                                </p:cTn>
+                              </p:par>
+                              <p:par>
+                                <p:cTn id="17" presetID="2" presetClass="entr" presetSubtype="4" fill="hold" grpId="0" nodeType="withEffect">
+                                  <p:stCondLst>
+                                    <p:cond delay="0"/>
+                                  </p:stCondLst>
+                                  <p:childTnLst>
+                                    <p:set>
+                                      <p:cBhvr>
+                                        <p:cTn id="18" dur="1" fill="hold">
                                           <p:stCondLst>
                                             <p:cond delay="0"/>
                                           </p:stCondLst>
@@ -22751,54 +22981,70 @@
                                         <p:strVal val="visible"/>
                                       </p:to>
                                     </p:set>
-                                    <p:animEffect transition="in" filter="wipe(down)">
-                                      <p:cBhvr>
-                                        <p:cTn id="10" dur="500"/>
+                                    <p:anim calcmode="lin" valueType="num">
+                                      <p:cBhvr additive="base">
+                                        <p:cTn id="19" dur="500" fill="hold"/>
                                         <p:tgtEl>
                                           <p:spTgt spid="19"/>
                                         </p:tgtEl>
+                                        <p:attrNameLst>
+                                          <p:attrName>ppt_x</p:attrName>
+                                        </p:attrNameLst>
                                       </p:cBhvr>
-                                    </p:animEffect>
+                                      <p:tavLst>
+                                        <p:tav tm="0">
+                                          <p:val>
+                                            <p:strVal val="#ppt_x"/>
+                                          </p:val>
+                                        </p:tav>
+                                        <p:tav tm="100000">
+                                          <p:val>
+                                            <p:strVal val="#ppt_x"/>
+                                          </p:val>
+                                        </p:tav>
+                                      </p:tavLst>
+                                    </p:anim>
+                                    <p:anim calcmode="lin" valueType="num">
+                                      <p:cBhvr additive="base">
+                                        <p:cTn id="20" dur="500" fill="hold"/>
+                                        <p:tgtEl>
+                                          <p:spTgt spid="19"/>
+                                        </p:tgtEl>
+                                        <p:attrNameLst>
+                                          <p:attrName>ppt_y</p:attrName>
+                                        </p:attrNameLst>
+                                      </p:cBhvr>
+                                      <p:tavLst>
+                                        <p:tav tm="0">
+                                          <p:val>
+                                            <p:strVal val="1+#ppt_h/2"/>
+                                          </p:val>
+                                        </p:tav>
+                                        <p:tav tm="100000">
+                                          <p:val>
+                                            <p:strVal val="#ppt_y"/>
+                                          </p:val>
+                                        </p:tav>
+                                      </p:tavLst>
+                                    </p:anim>
                                   </p:childTnLst>
                                 </p:cTn>
                               </p:par>
-                            </p:childTnLst>
-                          </p:cTn>
-                        </p:par>
-                      </p:childTnLst>
-                    </p:cTn>
-                  </p:par>
-                  <p:par>
-                    <p:cTn id="11" fill="hold">
-                      <p:stCondLst>
-                        <p:cond delay="indefinite"/>
-                      </p:stCondLst>
-                      <p:childTnLst>
-                        <p:par>
-                          <p:cTn id="12" fill="hold">
-                            <p:stCondLst>
-                              <p:cond delay="0"/>
-                            </p:stCondLst>
-                            <p:childTnLst>
                               <p:par>
-                                <p:cTn id="13" presetID="10" presetClass="entr" presetSubtype="0" fill="hold" grpId="0" nodeType="clickEffect">
+                                <p:cTn id="21" presetID="2" presetClass="entr" presetSubtype="4" fill="hold" grpId="0" nodeType="withEffect">
                                   <p:stCondLst>
                                     <p:cond delay="0"/>
                                   </p:stCondLst>
                                   <p:childTnLst>
                                     <p:set>
                                       <p:cBhvr>
-                                        <p:cTn id="14" dur="1" fill="hold">
+                                        <p:cTn id="22" dur="1" fill="hold">
                                           <p:stCondLst>
                                             <p:cond delay="0"/>
                                           </p:stCondLst>
                                         </p:cTn>
                                         <p:tgtEl>
-                                          <p:spTgt spid="21">
-                                            <p:txEl>
-                                              <p:pRg st="0" end="0"/>
-                                            </p:txEl>
-                                          </p:spTgt>
+                                          <p:spTgt spid="20"/>
                                         </p:tgtEl>
                                         <p:attrNameLst>
                                           <p:attrName>style.visibility</p:attrName>
@@ -22808,104 +23054,52 @@
                                         <p:strVal val="visible"/>
                                       </p:to>
                                     </p:set>
-                                    <p:animEffect transition="in" filter="fade">
-                                      <p:cBhvr>
-                                        <p:cTn id="15" dur="2000"/>
+                                    <p:anim calcmode="lin" valueType="num">
+                                      <p:cBhvr additive="base">
+                                        <p:cTn id="23" dur="500" fill="hold"/>
                                         <p:tgtEl>
-                                          <p:spTgt spid="21">
-                                            <p:txEl>
-                                              <p:pRg st="0" end="0"/>
-                                            </p:txEl>
-                                          </p:spTgt>
-                                        </p:tgtEl>
-                                      </p:cBhvr>
-                                    </p:animEffect>
-                                  </p:childTnLst>
-                                </p:cTn>
-                              </p:par>
-                              <p:par>
-                                <p:cTn id="16" presetID="10" presetClass="entr" presetSubtype="0" fill="hold" grpId="0" nodeType="withEffect">
-                                  <p:stCondLst>
-                                    <p:cond delay="0"/>
-                                  </p:stCondLst>
-                                  <p:childTnLst>
-                                    <p:set>
-                                      <p:cBhvr>
-                                        <p:cTn id="17" dur="1" fill="hold">
-                                          <p:stCondLst>
-                                            <p:cond delay="0"/>
-                                          </p:stCondLst>
-                                        </p:cTn>
-                                        <p:tgtEl>
-                                          <p:spTgt spid="18">
-                                            <p:txEl>
-                                              <p:pRg st="0" end="0"/>
-                                            </p:txEl>
-                                          </p:spTgt>
+                                          <p:spTgt spid="20"/>
                                         </p:tgtEl>
                                         <p:attrNameLst>
-                                          <p:attrName>style.visibility</p:attrName>
+                                          <p:attrName>ppt_x</p:attrName>
                                         </p:attrNameLst>
                                       </p:cBhvr>
-                                      <p:to>
-                                        <p:strVal val="visible"/>
-                                      </p:to>
-                                    </p:set>
-                                    <p:animEffect transition="in" filter="fade">
-                                      <p:cBhvr>
-                                        <p:cTn id="18" dur="2000"/>
+                                      <p:tavLst>
+                                        <p:tav tm="0">
+                                          <p:val>
+                                            <p:strVal val="#ppt_x"/>
+                                          </p:val>
+                                        </p:tav>
+                                        <p:tav tm="100000">
+                                          <p:val>
+                                            <p:strVal val="#ppt_x"/>
+                                          </p:val>
+                                        </p:tav>
+                                      </p:tavLst>
+                                    </p:anim>
+                                    <p:anim calcmode="lin" valueType="num">
+                                      <p:cBhvr additive="base">
+                                        <p:cTn id="24" dur="500" fill="hold"/>
                                         <p:tgtEl>
-                                          <p:spTgt spid="18">
-                                            <p:txEl>
-                                              <p:pRg st="0" end="0"/>
-                                            </p:txEl>
-                                          </p:spTgt>
-                                        </p:tgtEl>
-                                      </p:cBhvr>
-                                    </p:animEffect>
-                                  </p:childTnLst>
-                                </p:cTn>
-                              </p:par>
-                              <p:par>
-                                <p:cTn id="19" presetID="10" presetClass="entr" presetSubtype="0" fill="hold" grpId="0" nodeType="withEffect">
-                                  <p:stCondLst>
-                                    <p:cond delay="0"/>
-                                  </p:stCondLst>
-                                  <p:childTnLst>
-                                    <p:set>
-                                      <p:cBhvr>
-                                        <p:cTn id="20" dur="1" fill="hold">
-                                          <p:stCondLst>
-                                            <p:cond delay="0"/>
-                                          </p:stCondLst>
-                                        </p:cTn>
-                                        <p:tgtEl>
-                                          <p:spTgt spid="20">
-                                            <p:txEl>
-                                              <p:pRg st="0" end="0"/>
-                                            </p:txEl>
-                                          </p:spTgt>
+                                          <p:spTgt spid="20"/>
                                         </p:tgtEl>
                                         <p:attrNameLst>
-                                          <p:attrName>style.visibility</p:attrName>
+                                          <p:attrName>ppt_y</p:attrName>
                                         </p:attrNameLst>
                                       </p:cBhvr>
-                                      <p:to>
-                                        <p:strVal val="visible"/>
-                                      </p:to>
-                                    </p:set>
-                                    <p:animEffect transition="in" filter="fade">
-                                      <p:cBhvr>
-                                        <p:cTn id="21" dur="2000"/>
-                                        <p:tgtEl>
-                                          <p:spTgt spid="20">
-                                            <p:txEl>
-                                              <p:pRg st="0" end="0"/>
-                                            </p:txEl>
-                                          </p:spTgt>
-                                        </p:tgtEl>
-                                      </p:cBhvr>
-                                    </p:animEffect>
+                                      <p:tavLst>
+                                        <p:tav tm="0">
+                                          <p:val>
+                                            <p:strVal val="1+#ppt_h/2"/>
+                                          </p:val>
+                                        </p:tav>
+                                        <p:tav tm="100000">
+                                          <p:val>
+                                            <p:strVal val="#ppt_y"/>
+                                          </p:val>
+                                        </p:tav>
+                                      </p:tavLst>
+                                    </p:anim>
                                   </p:childTnLst>
                                 </p:cTn>
                               </p:par>
@@ -22937,11 +23131,10 @@
       </p:par>
     </p:tnLst>
     <p:bldLst>
-      <p:bldP spid="12" grpId="0" animBg="1"/>
+      <p:bldP spid="50" grpId="0"/>
+      <p:bldP spid="18" grpId="0"/>
       <p:bldP spid="19" grpId="0"/>
-      <p:bldP spid="21" grpId="0" build="allAtOnce"/>
-      <p:bldP spid="18" grpId="0" build="allAtOnce"/>
-      <p:bldP spid="20" grpId="0" build="allAtOnce"/>
+      <p:bldP spid="20" grpId="0"/>
     </p:bldLst>
   </p:timing>
 </p:sld>
@@ -24783,7 +24976,7 @@
     </p:spTree>
     <p:extLst>
       <p:ext uri="{BB962C8B-B14F-4D97-AF65-F5344CB8AC3E}">
-        <p14:creationId xmlns:p14="http://schemas.microsoft.com/office/powerpoint/2010/main" xmlns="" val="3386272830"/>
+        <p14:creationId xmlns="" xmlns:p14="http://schemas.microsoft.com/office/powerpoint/2010/main" val="3386272830"/>
       </p:ext>
     </p:extLst>
   </p:cSld>
@@ -26449,6 +26642,1580 @@
         <p:spPr>
           <a:xfrm>
             <a:off x="773801" y="1875290"/>
+            <a:ext cx="5779399" cy="914801"/>
+          </a:xfrm>
+          <a:prstGeom prst="rect">
+            <a:avLst/>
+          </a:prstGeom>
+          <a:solidFill>
+            <a:srgbClr val="56D4EA"/>
+          </a:solidFill>
+          <a:ln>
+            <a:noFill/>
+          </a:ln>
+          <a:effectLst>
+            <a:outerShdw blurRad="609600" dir="2100000" sx="40000" sy="40000" algn="ctr">
+              <a:srgbClr val="000000">
+                <a:alpha val="95000"/>
+              </a:srgbClr>
+            </a:outerShdw>
+          </a:effectLst>
+        </p:spPr>
+        <p:style>
+          <a:lnRef idx="2">
+            <a:schemeClr val="accent1">
+              <a:shade val="50000"/>
+            </a:schemeClr>
+          </a:lnRef>
+          <a:fillRef idx="1">
+            <a:schemeClr val="accent1"/>
+          </a:fillRef>
+          <a:effectRef idx="0">
+            <a:schemeClr val="accent1"/>
+          </a:effectRef>
+          <a:fontRef idx="minor">
+            <a:schemeClr val="lt1"/>
+          </a:fontRef>
+        </p:style>
+        <p:txBody>
+          <a:bodyPr rtlCol="0" anchor="ctr"/>
+          <a:lstStyle/>
+          <a:p>
+            <a:pPr algn="ctr"/>
+            <a:endParaRPr lang="zh-CN" altLang="en-US"/>
+          </a:p>
+        </p:txBody>
+      </p:sp>
+      <p:sp>
+        <p:nvSpPr>
+          <p:cNvPr id="19" name="文本框 18"/>
+          <p:cNvSpPr txBox="1"/>
+          <p:nvPr/>
+        </p:nvSpPr>
+        <p:spPr>
+          <a:xfrm>
+            <a:off x="1052323" y="1975755"/>
+            <a:ext cx="5360200" cy="707886"/>
+          </a:xfrm>
+          <a:prstGeom prst="rect">
+            <a:avLst/>
+          </a:prstGeom>
+          <a:noFill/>
+        </p:spPr>
+        <p:txBody>
+          <a:bodyPr wrap="square" rtlCol="0">
+            <a:spAutoFit/>
+          </a:bodyPr>
+          <a:lstStyle/>
+          <a:p>
+            <a:r>
+              <a:rPr lang="zh-CN" altLang="en-US" sz="4000" dirty="0" smtClean="0">
+                <a:solidFill>
+                  <a:schemeClr val="bg1"/>
+                </a:solidFill>
+                <a:latin typeface="造字工房悦圆（非商用）常规体" pitchFamily="50" charset="-122"/>
+                <a:ea typeface="造字工房悦圆（非商用）常规体" pitchFamily="50" charset="-122"/>
+              </a:rPr>
+              <a:t>为什么需要前端路由？</a:t>
+            </a:r>
+          </a:p>
+        </p:txBody>
+      </p:sp>
+      <p:sp>
+        <p:nvSpPr>
+          <p:cNvPr id="35" name="矩形 34"/>
+          <p:cNvSpPr/>
+          <p:nvPr/>
+        </p:nvSpPr>
+        <p:spPr>
+          <a:xfrm>
+            <a:off x="101908" y="130750"/>
+            <a:ext cx="1192795" cy="1126550"/>
+          </a:xfrm>
+          <a:prstGeom prst="rect">
+            <a:avLst/>
+          </a:prstGeom>
+          <a:solidFill>
+            <a:srgbClr val="40E3F6"/>
+          </a:solidFill>
+          <a:ln w="12700">
+            <a:noFill/>
+          </a:ln>
+        </p:spPr>
+        <p:style>
+          <a:lnRef idx="2">
+            <a:schemeClr val="accent1">
+              <a:shade val="50000"/>
+            </a:schemeClr>
+          </a:lnRef>
+          <a:fillRef idx="1">
+            <a:schemeClr val="accent1"/>
+          </a:fillRef>
+          <a:effectRef idx="0">
+            <a:schemeClr val="accent1"/>
+          </a:effectRef>
+          <a:fontRef idx="minor">
+            <a:schemeClr val="lt1"/>
+          </a:fontRef>
+        </p:style>
+        <p:txBody>
+          <a:bodyPr rtlCol="0" anchor="ctr"/>
+          <a:lstStyle/>
+          <a:p>
+            <a:pPr algn="ctr"/>
+            <a:r>
+              <a:rPr lang="en-US" altLang="zh-CN" sz="3200" dirty="0" smtClean="0">
+                <a:solidFill>
+                  <a:schemeClr val="bg1"/>
+                </a:solidFill>
+              </a:rPr>
+              <a:t>LOGO</a:t>
+            </a:r>
+            <a:endParaRPr lang="zh-CN" altLang="en-US" sz="3200" dirty="0">
+              <a:solidFill>
+                <a:schemeClr val="bg1"/>
+              </a:solidFill>
+            </a:endParaRPr>
+          </a:p>
+        </p:txBody>
+      </p:sp>
+      <p:sp>
+        <p:nvSpPr>
+          <p:cNvPr id="3" name="文本框 2"/>
+          <p:cNvSpPr txBox="1"/>
+          <p:nvPr/>
+        </p:nvSpPr>
+        <p:spPr>
+          <a:xfrm>
+            <a:off x="4975761" y="935536"/>
+            <a:ext cx="2220686" cy="584775"/>
+          </a:xfrm>
+          <a:prstGeom prst="rect">
+            <a:avLst/>
+          </a:prstGeom>
+          <a:noFill/>
+        </p:spPr>
+        <p:txBody>
+          <a:bodyPr wrap="square" rtlCol="0">
+            <a:spAutoFit/>
+          </a:bodyPr>
+          <a:lstStyle/>
+          <a:p>
+            <a:pPr algn="ctr"/>
+            <a:r>
+              <a:rPr lang="zh-CN" altLang="en-US" sz="3200" dirty="0" smtClean="0">
+                <a:solidFill>
+                  <a:schemeClr val="bg1"/>
+                </a:solidFill>
+                <a:latin typeface="造字工房悦圆（非商用）常规体" pitchFamily="50" charset="-122"/>
+                <a:ea typeface="造字工房悦圆（非商用）常规体" pitchFamily="50" charset="-122"/>
+              </a:rPr>
+              <a:t>路由</a:t>
+            </a:r>
+            <a:endParaRPr lang="zh-CN" altLang="en-US" sz="3200" dirty="0">
+              <a:solidFill>
+                <a:schemeClr val="bg1"/>
+              </a:solidFill>
+              <a:latin typeface="造字工房悦圆（非商用）常规体" pitchFamily="50" charset="-122"/>
+              <a:ea typeface="造字工房悦圆（非商用）常规体" pitchFamily="50" charset="-122"/>
+            </a:endParaRPr>
+          </a:p>
+        </p:txBody>
+      </p:sp>
+      <p:sp>
+        <p:nvSpPr>
+          <p:cNvPr id="34" name="矩形 33"/>
+          <p:cNvSpPr/>
+          <p:nvPr/>
+        </p:nvSpPr>
+        <p:spPr>
+          <a:xfrm>
+            <a:off x="101908" y="130750"/>
+            <a:ext cx="1180627" cy="1126550"/>
+          </a:xfrm>
+          <a:prstGeom prst="rect">
+            <a:avLst/>
+          </a:prstGeom>
+          <a:solidFill>
+            <a:srgbClr val="40E3F6"/>
+          </a:solidFill>
+          <a:ln w="12700">
+            <a:noFill/>
+          </a:ln>
+        </p:spPr>
+        <p:style>
+          <a:lnRef idx="2">
+            <a:schemeClr val="accent1">
+              <a:shade val="50000"/>
+            </a:schemeClr>
+          </a:lnRef>
+          <a:fillRef idx="1">
+            <a:schemeClr val="accent1"/>
+          </a:fillRef>
+          <a:effectRef idx="0">
+            <a:schemeClr val="accent1"/>
+          </a:effectRef>
+          <a:fontRef idx="minor">
+            <a:schemeClr val="lt1"/>
+          </a:fontRef>
+        </p:style>
+        <p:txBody>
+          <a:bodyPr rtlCol="0" anchor="ctr"/>
+          <a:lstStyle/>
+          <a:p>
+            <a:pPr algn="ctr"/>
+            <a:endParaRPr lang="zh-CN" altLang="en-US" sz="3200" dirty="0">
+              <a:solidFill>
+                <a:schemeClr val="bg1"/>
+              </a:solidFill>
+            </a:endParaRPr>
+          </a:p>
+        </p:txBody>
+      </p:sp>
+      <p:pic>
+        <p:nvPicPr>
+          <p:cNvPr id="36" name="图片 35" descr="angular.jpg"/>
+          <p:cNvPicPr>
+            <a:picLocks noChangeAspect="1"/>
+          </p:cNvPicPr>
+          <p:nvPr/>
+        </p:nvPicPr>
+        <p:blipFill>
+          <a:blip r:embed="rId2" cstate="print"/>
+          <a:stretch>
+            <a:fillRect/>
+          </a:stretch>
+        </p:blipFill>
+        <p:spPr>
+          <a:xfrm>
+            <a:off x="191180" y="184254"/>
+            <a:ext cx="1008228" cy="1008228"/>
+          </a:xfrm>
+          <a:prstGeom prst="rect">
+            <a:avLst/>
+          </a:prstGeom>
+        </p:spPr>
+      </p:pic>
+      <p:sp>
+        <p:nvSpPr>
+          <p:cNvPr id="21" name="矩形 20"/>
+          <p:cNvSpPr/>
+          <p:nvPr/>
+        </p:nvSpPr>
+        <p:spPr>
+          <a:xfrm>
+            <a:off x="1745103" y="3250574"/>
+            <a:ext cx="5218405" cy="523220"/>
+          </a:xfrm>
+          <a:prstGeom prst="rect">
+            <a:avLst/>
+          </a:prstGeom>
+        </p:spPr>
+        <p:txBody>
+          <a:bodyPr wrap="square">
+            <a:spAutoFit/>
+          </a:bodyPr>
+          <a:lstStyle/>
+          <a:p>
+            <a:r>
+              <a:rPr lang="en-US" altLang="zh-CN" sz="2800" dirty="0" smtClean="0">
+                <a:solidFill>
+                  <a:prstClr val="white"/>
+                </a:solidFill>
+                <a:latin typeface="造字工房悦圆（非商用）常规体" pitchFamily="50" charset="-122"/>
+                <a:ea typeface="造字工房悦圆（非商用）常规体" pitchFamily="50" charset="-122"/>
+              </a:rPr>
+              <a:t>Ajax</a:t>
+            </a:r>
+            <a:r>
+              <a:rPr lang="zh-CN" altLang="en-US" sz="2800" dirty="0" smtClean="0">
+                <a:solidFill>
+                  <a:prstClr val="white"/>
+                </a:solidFill>
+                <a:latin typeface="造字工房悦圆（非商用）常规体" pitchFamily="50" charset="-122"/>
+                <a:ea typeface="造字工房悦圆（非商用）常规体" pitchFamily="50" charset="-122"/>
+              </a:rPr>
+              <a:t>请求不会留下</a:t>
+            </a:r>
+            <a:r>
+              <a:rPr lang="en-US" altLang="zh-CN" sz="2800" dirty="0" smtClean="0">
+                <a:solidFill>
+                  <a:prstClr val="white"/>
+                </a:solidFill>
+                <a:latin typeface="造字工房悦圆（非商用）常规体" pitchFamily="50" charset="-122"/>
+                <a:ea typeface="造字工房悦圆（非商用）常规体" pitchFamily="50" charset="-122"/>
+              </a:rPr>
+              <a:t>History</a:t>
+            </a:r>
+            <a:r>
+              <a:rPr lang="zh-CN" altLang="en-US" sz="2800" dirty="0" smtClean="0">
+                <a:solidFill>
+                  <a:prstClr val="white"/>
+                </a:solidFill>
+                <a:latin typeface="造字工房悦圆（非商用）常规体" pitchFamily="50" charset="-122"/>
+                <a:ea typeface="造字工房悦圆（非商用）常规体" pitchFamily="50" charset="-122"/>
+              </a:rPr>
+              <a:t>记录</a:t>
+            </a:r>
+            <a:endParaRPr lang="zh-CN" altLang="en-US" sz="2800" dirty="0">
+              <a:solidFill>
+                <a:prstClr val="white"/>
+              </a:solidFill>
+              <a:latin typeface="造字工房悦圆（非商用）常规体" pitchFamily="50" charset="-122"/>
+              <a:ea typeface="造字工房悦圆（非商用）常规体" pitchFamily="50" charset="-122"/>
+            </a:endParaRPr>
+          </a:p>
+        </p:txBody>
+      </p:sp>
+      <p:sp>
+        <p:nvSpPr>
+          <p:cNvPr id="18" name="矩形 17"/>
+          <p:cNvSpPr/>
+          <p:nvPr/>
+        </p:nvSpPr>
+        <p:spPr>
+          <a:xfrm>
+            <a:off x="1709934" y="4282205"/>
+            <a:ext cx="5277020" cy="523220"/>
+          </a:xfrm>
+          <a:prstGeom prst="rect">
+            <a:avLst/>
+          </a:prstGeom>
+        </p:spPr>
+        <p:txBody>
+          <a:bodyPr wrap="square">
+            <a:spAutoFit/>
+          </a:bodyPr>
+          <a:lstStyle/>
+          <a:p>
+            <a:r>
+              <a:rPr lang="zh-CN" altLang="en-US" sz="2800" dirty="0" smtClean="0">
+                <a:solidFill>
+                  <a:prstClr val="white"/>
+                </a:solidFill>
+                <a:latin typeface="造字工房悦圆（非商用）常规体" pitchFamily="50" charset="-122"/>
+                <a:ea typeface="造字工房悦圆（非商用）常规体" pitchFamily="50" charset="-122"/>
+              </a:rPr>
+              <a:t>用户无法通过</a:t>
+            </a:r>
+            <a:r>
+              <a:rPr lang="en-US" altLang="zh-CN" sz="2800" dirty="0" smtClean="0">
+                <a:solidFill>
+                  <a:prstClr val="white"/>
+                </a:solidFill>
+                <a:latin typeface="造字工房悦圆（非商用）常规体" pitchFamily="50" charset="-122"/>
+                <a:ea typeface="造字工房悦圆（非商用）常规体" pitchFamily="50" charset="-122"/>
+              </a:rPr>
+              <a:t>URL</a:t>
+            </a:r>
+            <a:r>
+              <a:rPr lang="zh-CN" altLang="en-US" sz="2800" dirty="0" smtClean="0">
+                <a:solidFill>
+                  <a:prstClr val="white"/>
+                </a:solidFill>
+                <a:latin typeface="造字工房悦圆（非商用）常规体" pitchFamily="50" charset="-122"/>
+                <a:ea typeface="造字工房悦圆（非商用）常规体" pitchFamily="50" charset="-122"/>
+              </a:rPr>
+              <a:t>进入指定页面</a:t>
+            </a:r>
+            <a:endParaRPr lang="zh-CN" altLang="en-US" sz="2800" dirty="0">
+              <a:solidFill>
+                <a:prstClr val="white"/>
+              </a:solidFill>
+              <a:latin typeface="造字工房悦圆（非商用）常规体" pitchFamily="50" charset="-122"/>
+              <a:ea typeface="造字工房悦圆（非商用）常规体" pitchFamily="50" charset="-122"/>
+            </a:endParaRPr>
+          </a:p>
+        </p:txBody>
+      </p:sp>
+      <p:sp>
+        <p:nvSpPr>
+          <p:cNvPr id="20" name="矩形 19"/>
+          <p:cNvSpPr/>
+          <p:nvPr/>
+        </p:nvSpPr>
+        <p:spPr>
+          <a:xfrm>
+            <a:off x="1709936" y="5161436"/>
+            <a:ext cx="3530280" cy="523220"/>
+          </a:xfrm>
+          <a:prstGeom prst="rect">
+            <a:avLst/>
+          </a:prstGeom>
+        </p:spPr>
+        <p:txBody>
+          <a:bodyPr wrap="square">
+            <a:spAutoFit/>
+          </a:bodyPr>
+          <a:lstStyle/>
+          <a:p>
+            <a:r>
+              <a:rPr lang="en-US" altLang="zh-CN" sz="2800" dirty="0" smtClean="0">
+                <a:solidFill>
+                  <a:prstClr val="white"/>
+                </a:solidFill>
+                <a:latin typeface="造字工房悦圆（非商用）常规体" pitchFamily="50" charset="-122"/>
+                <a:ea typeface="造字工房悦圆（非商用）常规体" pitchFamily="50" charset="-122"/>
+              </a:rPr>
+              <a:t>Ajax</a:t>
+            </a:r>
+            <a:r>
+              <a:rPr lang="zh-CN" altLang="en-US" sz="2800" dirty="0" smtClean="0">
+                <a:solidFill>
+                  <a:prstClr val="white"/>
+                </a:solidFill>
+                <a:latin typeface="造字工房悦圆（非商用）常规体" pitchFamily="50" charset="-122"/>
+                <a:ea typeface="造字工房悦圆（非商用）常规体" pitchFamily="50" charset="-122"/>
+              </a:rPr>
+              <a:t>对</a:t>
+            </a:r>
+            <a:r>
+              <a:rPr lang="en-US" altLang="zh-CN" sz="2800" dirty="0" smtClean="0">
+                <a:solidFill>
+                  <a:prstClr val="white"/>
+                </a:solidFill>
+                <a:latin typeface="造字工房悦圆（非商用）常规体" pitchFamily="50" charset="-122"/>
+                <a:ea typeface="造字工房悦圆（非商用）常规体" pitchFamily="50" charset="-122"/>
+              </a:rPr>
+              <a:t>SEO</a:t>
+            </a:r>
+            <a:r>
+              <a:rPr lang="zh-CN" altLang="en-US" sz="2800" dirty="0" smtClean="0">
+                <a:solidFill>
+                  <a:prstClr val="white"/>
+                </a:solidFill>
+                <a:latin typeface="造字工房悦圆（非商用）常规体" pitchFamily="50" charset="-122"/>
+                <a:ea typeface="造字工房悦圆（非商用）常规体" pitchFamily="50" charset="-122"/>
+              </a:rPr>
+              <a:t>是个灾难</a:t>
+            </a:r>
+            <a:endParaRPr lang="zh-CN" altLang="en-US" sz="2800" dirty="0">
+              <a:solidFill>
+                <a:prstClr val="white"/>
+              </a:solidFill>
+              <a:latin typeface="造字工房悦圆（非商用）常规体" pitchFamily="50" charset="-122"/>
+              <a:ea typeface="造字工房悦圆（非商用）常规体" pitchFamily="50" charset="-122"/>
+            </a:endParaRPr>
+          </a:p>
+        </p:txBody>
+      </p:sp>
+    </p:spTree>
+    <p:extLst>
+      <p:ext uri="{BB962C8B-B14F-4D97-AF65-F5344CB8AC3E}">
+        <p14:creationId xmlns="" xmlns:p14="http://schemas.microsoft.com/office/powerpoint/2010/main" val="3386272830"/>
+      </p:ext>
+    </p:extLst>
+  </p:cSld>
+  <p:clrMapOvr>
+    <a:masterClrMapping/>
+  </p:clrMapOvr>
+  <p:transition/>
+  <p:timing>
+    <p:tnLst>
+      <p:par>
+        <p:cTn id="1" dur="indefinite" restart="never" nodeType="tmRoot">
+          <p:childTnLst>
+            <p:seq concurrent="1" nextAc="seek">
+              <p:cTn id="2" dur="indefinite" nodeType="mainSeq">
+                <p:childTnLst>
+                  <p:par>
+                    <p:cTn id="3" fill="hold">
+                      <p:stCondLst>
+                        <p:cond delay="indefinite"/>
+                      </p:stCondLst>
+                      <p:childTnLst>
+                        <p:par>
+                          <p:cTn id="4" fill="hold">
+                            <p:stCondLst>
+                              <p:cond delay="0"/>
+                            </p:stCondLst>
+                            <p:childTnLst>
+                              <p:par>
+                                <p:cTn id="5" presetID="22" presetClass="entr" presetSubtype="4" fill="hold" grpId="0" nodeType="clickEffect">
+                                  <p:stCondLst>
+                                    <p:cond delay="0"/>
+                                  </p:stCondLst>
+                                  <p:childTnLst>
+                                    <p:set>
+                                      <p:cBhvr>
+                                        <p:cTn id="6" dur="1" fill="hold">
+                                          <p:stCondLst>
+                                            <p:cond delay="0"/>
+                                          </p:stCondLst>
+                                        </p:cTn>
+                                        <p:tgtEl>
+                                          <p:spTgt spid="12"/>
+                                        </p:tgtEl>
+                                        <p:attrNameLst>
+                                          <p:attrName>style.visibility</p:attrName>
+                                        </p:attrNameLst>
+                                      </p:cBhvr>
+                                      <p:to>
+                                        <p:strVal val="visible"/>
+                                      </p:to>
+                                    </p:set>
+                                    <p:animEffect transition="in" filter="wipe(down)">
+                                      <p:cBhvr>
+                                        <p:cTn id="7" dur="500"/>
+                                        <p:tgtEl>
+                                          <p:spTgt spid="12"/>
+                                        </p:tgtEl>
+                                      </p:cBhvr>
+                                    </p:animEffect>
+                                  </p:childTnLst>
+                                </p:cTn>
+                              </p:par>
+                              <p:par>
+                                <p:cTn id="8" presetID="22" presetClass="entr" presetSubtype="4" fill="hold" grpId="0" nodeType="withEffect">
+                                  <p:stCondLst>
+                                    <p:cond delay="0"/>
+                                  </p:stCondLst>
+                                  <p:childTnLst>
+                                    <p:set>
+                                      <p:cBhvr>
+                                        <p:cTn id="9" dur="1" fill="hold">
+                                          <p:stCondLst>
+                                            <p:cond delay="0"/>
+                                          </p:stCondLst>
+                                        </p:cTn>
+                                        <p:tgtEl>
+                                          <p:spTgt spid="19"/>
+                                        </p:tgtEl>
+                                        <p:attrNameLst>
+                                          <p:attrName>style.visibility</p:attrName>
+                                        </p:attrNameLst>
+                                      </p:cBhvr>
+                                      <p:to>
+                                        <p:strVal val="visible"/>
+                                      </p:to>
+                                    </p:set>
+                                    <p:animEffect transition="in" filter="wipe(down)">
+                                      <p:cBhvr>
+                                        <p:cTn id="10" dur="500"/>
+                                        <p:tgtEl>
+                                          <p:spTgt spid="19"/>
+                                        </p:tgtEl>
+                                      </p:cBhvr>
+                                    </p:animEffect>
+                                  </p:childTnLst>
+                                </p:cTn>
+                              </p:par>
+                            </p:childTnLst>
+                          </p:cTn>
+                        </p:par>
+                      </p:childTnLst>
+                    </p:cTn>
+                  </p:par>
+                  <p:par>
+                    <p:cTn id="11" fill="hold">
+                      <p:stCondLst>
+                        <p:cond delay="indefinite"/>
+                      </p:stCondLst>
+                      <p:childTnLst>
+                        <p:par>
+                          <p:cTn id="12" fill="hold">
+                            <p:stCondLst>
+                              <p:cond delay="0"/>
+                            </p:stCondLst>
+                            <p:childTnLst>
+                              <p:par>
+                                <p:cTn id="13" presetID="10" presetClass="entr" presetSubtype="0" fill="hold" grpId="0" nodeType="clickEffect">
+                                  <p:stCondLst>
+                                    <p:cond delay="0"/>
+                                  </p:stCondLst>
+                                  <p:childTnLst>
+                                    <p:set>
+                                      <p:cBhvr>
+                                        <p:cTn id="14" dur="1" fill="hold">
+                                          <p:stCondLst>
+                                            <p:cond delay="0"/>
+                                          </p:stCondLst>
+                                        </p:cTn>
+                                        <p:tgtEl>
+                                          <p:spTgt spid="21">
+                                            <p:txEl>
+                                              <p:pRg st="0" end="0"/>
+                                            </p:txEl>
+                                          </p:spTgt>
+                                        </p:tgtEl>
+                                        <p:attrNameLst>
+                                          <p:attrName>style.visibility</p:attrName>
+                                        </p:attrNameLst>
+                                      </p:cBhvr>
+                                      <p:to>
+                                        <p:strVal val="visible"/>
+                                      </p:to>
+                                    </p:set>
+                                    <p:animEffect transition="in" filter="fade">
+                                      <p:cBhvr>
+                                        <p:cTn id="15" dur="2000"/>
+                                        <p:tgtEl>
+                                          <p:spTgt spid="21">
+                                            <p:txEl>
+                                              <p:pRg st="0" end="0"/>
+                                            </p:txEl>
+                                          </p:spTgt>
+                                        </p:tgtEl>
+                                      </p:cBhvr>
+                                    </p:animEffect>
+                                  </p:childTnLst>
+                                </p:cTn>
+                              </p:par>
+                              <p:par>
+                                <p:cTn id="16" presetID="10" presetClass="entr" presetSubtype="0" fill="hold" grpId="0" nodeType="withEffect">
+                                  <p:stCondLst>
+                                    <p:cond delay="0"/>
+                                  </p:stCondLst>
+                                  <p:childTnLst>
+                                    <p:set>
+                                      <p:cBhvr>
+                                        <p:cTn id="17" dur="1" fill="hold">
+                                          <p:stCondLst>
+                                            <p:cond delay="0"/>
+                                          </p:stCondLst>
+                                        </p:cTn>
+                                        <p:tgtEl>
+                                          <p:spTgt spid="18">
+                                            <p:txEl>
+                                              <p:pRg st="0" end="0"/>
+                                            </p:txEl>
+                                          </p:spTgt>
+                                        </p:tgtEl>
+                                        <p:attrNameLst>
+                                          <p:attrName>style.visibility</p:attrName>
+                                        </p:attrNameLst>
+                                      </p:cBhvr>
+                                      <p:to>
+                                        <p:strVal val="visible"/>
+                                      </p:to>
+                                    </p:set>
+                                    <p:animEffect transition="in" filter="fade">
+                                      <p:cBhvr>
+                                        <p:cTn id="18" dur="2000"/>
+                                        <p:tgtEl>
+                                          <p:spTgt spid="18">
+                                            <p:txEl>
+                                              <p:pRg st="0" end="0"/>
+                                            </p:txEl>
+                                          </p:spTgt>
+                                        </p:tgtEl>
+                                      </p:cBhvr>
+                                    </p:animEffect>
+                                  </p:childTnLst>
+                                </p:cTn>
+                              </p:par>
+                              <p:par>
+                                <p:cTn id="19" presetID="10" presetClass="entr" presetSubtype="0" fill="hold" grpId="0" nodeType="withEffect">
+                                  <p:stCondLst>
+                                    <p:cond delay="0"/>
+                                  </p:stCondLst>
+                                  <p:childTnLst>
+                                    <p:set>
+                                      <p:cBhvr>
+                                        <p:cTn id="20" dur="1" fill="hold">
+                                          <p:stCondLst>
+                                            <p:cond delay="0"/>
+                                          </p:stCondLst>
+                                        </p:cTn>
+                                        <p:tgtEl>
+                                          <p:spTgt spid="20">
+                                            <p:txEl>
+                                              <p:pRg st="0" end="0"/>
+                                            </p:txEl>
+                                          </p:spTgt>
+                                        </p:tgtEl>
+                                        <p:attrNameLst>
+                                          <p:attrName>style.visibility</p:attrName>
+                                        </p:attrNameLst>
+                                      </p:cBhvr>
+                                      <p:to>
+                                        <p:strVal val="visible"/>
+                                      </p:to>
+                                    </p:set>
+                                    <p:animEffect transition="in" filter="fade">
+                                      <p:cBhvr>
+                                        <p:cTn id="21" dur="2000"/>
+                                        <p:tgtEl>
+                                          <p:spTgt spid="20">
+                                            <p:txEl>
+                                              <p:pRg st="0" end="0"/>
+                                            </p:txEl>
+                                          </p:spTgt>
+                                        </p:tgtEl>
+                                      </p:cBhvr>
+                                    </p:animEffect>
+                                  </p:childTnLst>
+                                </p:cTn>
+                              </p:par>
+                            </p:childTnLst>
+                          </p:cTn>
+                        </p:par>
+                      </p:childTnLst>
+                    </p:cTn>
+                  </p:par>
+                </p:childTnLst>
+              </p:cTn>
+              <p:prevCondLst>
+                <p:cond evt="onPrev" delay="0">
+                  <p:tgtEl>
+                    <p:sldTgt/>
+                  </p:tgtEl>
+                </p:cond>
+              </p:prevCondLst>
+              <p:nextCondLst>
+                <p:cond evt="onNext" delay="0">
+                  <p:tgtEl>
+                    <p:sldTgt/>
+                  </p:tgtEl>
+                </p:cond>
+              </p:nextCondLst>
+            </p:seq>
+          </p:childTnLst>
+        </p:cTn>
+      </p:par>
+    </p:tnLst>
+    <p:bldLst>
+      <p:bldP spid="12" grpId="0" animBg="1"/>
+      <p:bldP spid="19" grpId="0"/>
+      <p:bldP spid="21" grpId="0" build="allAtOnce"/>
+      <p:bldP spid="18" grpId="0" build="allAtOnce"/>
+      <p:bldP spid="20" grpId="0" build="allAtOnce"/>
+    </p:bldLst>
+  </p:timing>
+</p:sld>
+</file>
+
+<file path=ppt/slides/slide21.xml><?xml version="1.0" encoding="utf-8"?>
+<p:sld xmlns:a="http://schemas.openxmlformats.org/drawingml/2006/main" xmlns:r="http://schemas.openxmlformats.org/officeDocument/2006/relationships" xmlns:p="http://schemas.openxmlformats.org/presentationml/2006/main">
+  <p:cSld>
+    <p:spTree>
+      <p:nvGrpSpPr>
+        <p:cNvPr id="1" name=""/>
+        <p:cNvGrpSpPr/>
+        <p:nvPr/>
+      </p:nvGrpSpPr>
+      <p:grpSpPr>
+        <a:xfrm>
+          <a:off x="0" y="0"/>
+          <a:ext cx="0" cy="0"/>
+          <a:chOff x="0" y="0"/>
+          <a:chExt cx="0" cy="0"/>
+        </a:xfrm>
+      </p:grpSpPr>
+      <p:sp>
+        <p:nvSpPr>
+          <p:cNvPr id="23" name="矩形 22"/>
+          <p:cNvSpPr/>
+          <p:nvPr/>
+        </p:nvSpPr>
+        <p:spPr>
+          <a:xfrm>
+            <a:off x="4981572" y="803048"/>
+            <a:ext cx="2228854" cy="819150"/>
+          </a:xfrm>
+          <a:prstGeom prst="rect">
+            <a:avLst/>
+          </a:prstGeom>
+          <a:solidFill>
+            <a:srgbClr val="5ABAE5"/>
+          </a:solidFill>
+          <a:ln>
+            <a:noFill/>
+          </a:ln>
+          <a:effectLst>
+            <a:outerShdw blurRad="609600" dir="2100000" sx="40000" sy="40000" algn="ctr">
+              <a:srgbClr val="000000">
+                <a:alpha val="95000"/>
+              </a:srgbClr>
+            </a:outerShdw>
+          </a:effectLst>
+        </p:spPr>
+        <p:style>
+          <a:lnRef idx="2">
+            <a:schemeClr val="accent1">
+              <a:shade val="50000"/>
+            </a:schemeClr>
+          </a:lnRef>
+          <a:fillRef idx="1">
+            <a:schemeClr val="accent1"/>
+          </a:fillRef>
+          <a:effectRef idx="0">
+            <a:schemeClr val="accent1"/>
+          </a:effectRef>
+          <a:fontRef idx="minor">
+            <a:schemeClr val="lt1"/>
+          </a:fontRef>
+        </p:style>
+        <p:txBody>
+          <a:bodyPr rtlCol="0" anchor="ctr"/>
+          <a:lstStyle/>
+          <a:p>
+            <a:pPr algn="ctr"/>
+            <a:endParaRPr lang="zh-CN" altLang="en-US"/>
+          </a:p>
+        </p:txBody>
+      </p:sp>
+      <p:grpSp>
+        <p:nvGrpSpPr>
+          <p:cNvPr id="2" name="组合 31"/>
+          <p:cNvGrpSpPr/>
+          <p:nvPr/>
+        </p:nvGrpSpPr>
+        <p:grpSpPr>
+          <a:xfrm rot="16200000">
+            <a:off x="9868693" y="294751"/>
+            <a:ext cx="2684464" cy="1962151"/>
+            <a:chOff x="5947983" y="731507"/>
+            <a:chExt cx="2971525" cy="2171971"/>
+          </a:xfrm>
+        </p:grpSpPr>
+        <p:sp>
+          <p:nvSpPr>
+            <p:cNvPr id="29" name="任意多边形 28"/>
+            <p:cNvSpPr/>
+            <p:nvPr/>
+          </p:nvSpPr>
+          <p:spPr>
+            <a:xfrm>
+              <a:off x="5947983" y="834364"/>
+              <a:ext cx="2204704" cy="2069114"/>
+            </a:xfrm>
+            <a:custGeom>
+              <a:avLst/>
+              <a:gdLst>
+                <a:gd name="connsiteX0" fmla="*/ 1849312 w 2204704"/>
+                <a:gd name="connsiteY0" fmla="*/ 1064 h 2069114"/>
+                <a:gd name="connsiteX1" fmla="*/ 2058594 w 2204704"/>
+                <a:gd name="connsiteY1" fmla="*/ 82732 h 2069114"/>
+                <a:gd name="connsiteX2" fmla="*/ 2121972 w 2204704"/>
+                <a:gd name="connsiteY2" fmla="*/ 622474 h 2069114"/>
+                <a:gd name="connsiteX3" fmla="*/ 979367 w 2204704"/>
+                <a:gd name="connsiteY3" fmla="*/ 2069114 h 2069114"/>
+                <a:gd name="connsiteX4" fmla="*/ 0 w 2204704"/>
+                <a:gd name="connsiteY4" fmla="*/ 2069114 h 2069114"/>
+                <a:gd name="connsiteX5" fmla="*/ 1518853 w 2204704"/>
+                <a:gd name="connsiteY5" fmla="*/ 146110 h 2069114"/>
+                <a:gd name="connsiteX6" fmla="*/ 1849312 w 2204704"/>
+                <a:gd name="connsiteY6" fmla="*/ 1064 h 2069114"/>
+              </a:gdLst>
+              <a:ahLst/>
+              <a:cxnLst>
+                <a:cxn ang="0">
+                  <a:pos x="connsiteX0" y="connsiteY0"/>
+                </a:cxn>
+                <a:cxn ang="0">
+                  <a:pos x="connsiteX1" y="connsiteY1"/>
+                </a:cxn>
+                <a:cxn ang="0">
+                  <a:pos x="connsiteX2" y="connsiteY2"/>
+                </a:cxn>
+                <a:cxn ang="0">
+                  <a:pos x="connsiteX3" y="connsiteY3"/>
+                </a:cxn>
+                <a:cxn ang="0">
+                  <a:pos x="connsiteX4" y="connsiteY4"/>
+                </a:cxn>
+                <a:cxn ang="0">
+                  <a:pos x="connsiteX5" y="connsiteY5"/>
+                </a:cxn>
+                <a:cxn ang="0">
+                  <a:pos x="connsiteX6" y="connsiteY6"/>
+                </a:cxn>
+              </a:cxnLst>
+              <a:rect l="l" t="t" r="r" b="b"/>
+              <a:pathLst>
+                <a:path w="2204704" h="2069114">
+                  <a:moveTo>
+                    <a:pt x="1849312" y="1064"/>
+                  </a:moveTo>
+                  <a:cubicBezTo>
+                    <a:pt x="1923123" y="6563"/>
+                    <a:pt x="1996139" y="33403"/>
+                    <a:pt x="2058594" y="82732"/>
+                  </a:cubicBezTo>
+                  <a:cubicBezTo>
+                    <a:pt x="2225141" y="214276"/>
+                    <a:pt x="2253516" y="455927"/>
+                    <a:pt x="2121972" y="622474"/>
+                  </a:cubicBezTo>
+                  <a:lnTo>
+                    <a:pt x="979367" y="2069114"/>
+                  </a:lnTo>
+                  <a:lnTo>
+                    <a:pt x="0" y="2069114"/>
+                  </a:lnTo>
+                  <a:lnTo>
+                    <a:pt x="1518853" y="146110"/>
+                  </a:lnTo>
+                  <a:cubicBezTo>
+                    <a:pt x="1601068" y="42018"/>
+                    <a:pt x="1726294" y="-8100"/>
+                    <a:pt x="1849312" y="1064"/>
+                  </a:cubicBezTo>
+                  <a:close/>
+                </a:path>
+              </a:pathLst>
+            </a:custGeom>
+            <a:solidFill>
+              <a:srgbClr val="40E3F6"/>
+            </a:solidFill>
+            <a:ln>
+              <a:noFill/>
+            </a:ln>
+          </p:spPr>
+          <p:style>
+            <a:lnRef idx="2">
+              <a:schemeClr val="accent1">
+                <a:shade val="50000"/>
+              </a:schemeClr>
+            </a:lnRef>
+            <a:fillRef idx="1">
+              <a:schemeClr val="accent1"/>
+            </a:fillRef>
+            <a:effectRef idx="0">
+              <a:schemeClr val="accent1"/>
+            </a:effectRef>
+            <a:fontRef idx="minor">
+              <a:schemeClr val="lt1"/>
+            </a:fontRef>
+          </p:style>
+          <p:txBody>
+            <a:bodyPr rtlCol="0" anchor="ctr"/>
+            <a:lstStyle/>
+            <a:p>
+              <a:pPr algn="ctr"/>
+              <a:endParaRPr lang="zh-CN" altLang="en-US"/>
+            </a:p>
+          </p:txBody>
+        </p:sp>
+        <p:sp>
+          <p:nvSpPr>
+            <p:cNvPr id="30" name="任意多边形 29"/>
+            <p:cNvSpPr/>
+            <p:nvPr/>
+          </p:nvSpPr>
+          <p:spPr>
+            <a:xfrm>
+              <a:off x="6605207" y="731507"/>
+              <a:ext cx="2314301" cy="2171971"/>
+            </a:xfrm>
+            <a:custGeom>
+              <a:avLst/>
+              <a:gdLst>
+                <a:gd name="connsiteX0" fmla="*/ 1849312 w 2204704"/>
+                <a:gd name="connsiteY0" fmla="*/ 1064 h 2069114"/>
+                <a:gd name="connsiteX1" fmla="*/ 2058594 w 2204704"/>
+                <a:gd name="connsiteY1" fmla="*/ 82732 h 2069114"/>
+                <a:gd name="connsiteX2" fmla="*/ 2121972 w 2204704"/>
+                <a:gd name="connsiteY2" fmla="*/ 622474 h 2069114"/>
+                <a:gd name="connsiteX3" fmla="*/ 979367 w 2204704"/>
+                <a:gd name="connsiteY3" fmla="*/ 2069114 h 2069114"/>
+                <a:gd name="connsiteX4" fmla="*/ 0 w 2204704"/>
+                <a:gd name="connsiteY4" fmla="*/ 2069114 h 2069114"/>
+                <a:gd name="connsiteX5" fmla="*/ 1518853 w 2204704"/>
+                <a:gd name="connsiteY5" fmla="*/ 146110 h 2069114"/>
+                <a:gd name="connsiteX6" fmla="*/ 1849312 w 2204704"/>
+                <a:gd name="connsiteY6" fmla="*/ 1064 h 2069114"/>
+              </a:gdLst>
+              <a:ahLst/>
+              <a:cxnLst>
+                <a:cxn ang="0">
+                  <a:pos x="connsiteX0" y="connsiteY0"/>
+                </a:cxn>
+                <a:cxn ang="0">
+                  <a:pos x="connsiteX1" y="connsiteY1"/>
+                </a:cxn>
+                <a:cxn ang="0">
+                  <a:pos x="connsiteX2" y="connsiteY2"/>
+                </a:cxn>
+                <a:cxn ang="0">
+                  <a:pos x="connsiteX3" y="connsiteY3"/>
+                </a:cxn>
+                <a:cxn ang="0">
+                  <a:pos x="connsiteX4" y="connsiteY4"/>
+                </a:cxn>
+                <a:cxn ang="0">
+                  <a:pos x="connsiteX5" y="connsiteY5"/>
+                </a:cxn>
+                <a:cxn ang="0">
+                  <a:pos x="connsiteX6" y="connsiteY6"/>
+                </a:cxn>
+              </a:cxnLst>
+              <a:rect l="l" t="t" r="r" b="b"/>
+              <a:pathLst>
+                <a:path w="2204704" h="2069114">
+                  <a:moveTo>
+                    <a:pt x="1849312" y="1064"/>
+                  </a:moveTo>
+                  <a:cubicBezTo>
+                    <a:pt x="1923123" y="6563"/>
+                    <a:pt x="1996139" y="33403"/>
+                    <a:pt x="2058594" y="82732"/>
+                  </a:cubicBezTo>
+                  <a:cubicBezTo>
+                    <a:pt x="2225141" y="214276"/>
+                    <a:pt x="2253516" y="455927"/>
+                    <a:pt x="2121972" y="622474"/>
+                  </a:cubicBezTo>
+                  <a:lnTo>
+                    <a:pt x="979367" y="2069114"/>
+                  </a:lnTo>
+                  <a:lnTo>
+                    <a:pt x="0" y="2069114"/>
+                  </a:lnTo>
+                  <a:lnTo>
+                    <a:pt x="1518853" y="146110"/>
+                  </a:lnTo>
+                  <a:cubicBezTo>
+                    <a:pt x="1601068" y="42018"/>
+                    <a:pt x="1726294" y="-8100"/>
+                    <a:pt x="1849312" y="1064"/>
+                  </a:cubicBezTo>
+                  <a:close/>
+                </a:path>
+              </a:pathLst>
+            </a:custGeom>
+            <a:solidFill>
+              <a:schemeClr val="bg1">
+                <a:alpha val="24000"/>
+              </a:schemeClr>
+            </a:solidFill>
+            <a:ln>
+              <a:noFill/>
+            </a:ln>
+          </p:spPr>
+          <p:style>
+            <a:lnRef idx="2">
+              <a:schemeClr val="accent1">
+                <a:shade val="50000"/>
+              </a:schemeClr>
+            </a:lnRef>
+            <a:fillRef idx="1">
+              <a:schemeClr val="accent1"/>
+            </a:fillRef>
+            <a:effectRef idx="0">
+              <a:schemeClr val="accent1"/>
+            </a:effectRef>
+            <a:fontRef idx="minor">
+              <a:schemeClr val="lt1"/>
+            </a:fontRef>
+          </p:style>
+          <p:txBody>
+            <a:bodyPr rtlCol="0" anchor="ctr"/>
+            <a:lstStyle/>
+            <a:p>
+              <a:pPr algn="ctr"/>
+              <a:endParaRPr lang="zh-CN" altLang="en-US"/>
+            </a:p>
+          </p:txBody>
+        </p:sp>
+        <p:sp>
+          <p:nvSpPr>
+            <p:cNvPr id="31" name="任意多边形 30"/>
+            <p:cNvSpPr/>
+            <p:nvPr/>
+          </p:nvSpPr>
+          <p:spPr>
+            <a:xfrm>
+              <a:off x="7367208" y="1626856"/>
+              <a:ext cx="1360279" cy="1276621"/>
+            </a:xfrm>
+            <a:custGeom>
+              <a:avLst/>
+              <a:gdLst>
+                <a:gd name="connsiteX0" fmla="*/ 1849312 w 2204704"/>
+                <a:gd name="connsiteY0" fmla="*/ 1064 h 2069114"/>
+                <a:gd name="connsiteX1" fmla="*/ 2058594 w 2204704"/>
+                <a:gd name="connsiteY1" fmla="*/ 82732 h 2069114"/>
+                <a:gd name="connsiteX2" fmla="*/ 2121972 w 2204704"/>
+                <a:gd name="connsiteY2" fmla="*/ 622474 h 2069114"/>
+                <a:gd name="connsiteX3" fmla="*/ 979367 w 2204704"/>
+                <a:gd name="connsiteY3" fmla="*/ 2069114 h 2069114"/>
+                <a:gd name="connsiteX4" fmla="*/ 0 w 2204704"/>
+                <a:gd name="connsiteY4" fmla="*/ 2069114 h 2069114"/>
+                <a:gd name="connsiteX5" fmla="*/ 1518853 w 2204704"/>
+                <a:gd name="connsiteY5" fmla="*/ 146110 h 2069114"/>
+                <a:gd name="connsiteX6" fmla="*/ 1849312 w 2204704"/>
+                <a:gd name="connsiteY6" fmla="*/ 1064 h 2069114"/>
+              </a:gdLst>
+              <a:ahLst/>
+              <a:cxnLst>
+                <a:cxn ang="0">
+                  <a:pos x="connsiteX0" y="connsiteY0"/>
+                </a:cxn>
+                <a:cxn ang="0">
+                  <a:pos x="connsiteX1" y="connsiteY1"/>
+                </a:cxn>
+                <a:cxn ang="0">
+                  <a:pos x="connsiteX2" y="connsiteY2"/>
+                </a:cxn>
+                <a:cxn ang="0">
+                  <a:pos x="connsiteX3" y="connsiteY3"/>
+                </a:cxn>
+                <a:cxn ang="0">
+                  <a:pos x="connsiteX4" y="connsiteY4"/>
+                </a:cxn>
+                <a:cxn ang="0">
+                  <a:pos x="connsiteX5" y="connsiteY5"/>
+                </a:cxn>
+                <a:cxn ang="0">
+                  <a:pos x="connsiteX6" y="connsiteY6"/>
+                </a:cxn>
+              </a:cxnLst>
+              <a:rect l="l" t="t" r="r" b="b"/>
+              <a:pathLst>
+                <a:path w="2204704" h="2069114">
+                  <a:moveTo>
+                    <a:pt x="1849312" y="1064"/>
+                  </a:moveTo>
+                  <a:cubicBezTo>
+                    <a:pt x="1923123" y="6563"/>
+                    <a:pt x="1996139" y="33403"/>
+                    <a:pt x="2058594" y="82732"/>
+                  </a:cubicBezTo>
+                  <a:cubicBezTo>
+                    <a:pt x="2225141" y="214276"/>
+                    <a:pt x="2253516" y="455927"/>
+                    <a:pt x="2121972" y="622474"/>
+                  </a:cubicBezTo>
+                  <a:lnTo>
+                    <a:pt x="979367" y="2069114"/>
+                  </a:lnTo>
+                  <a:lnTo>
+                    <a:pt x="0" y="2069114"/>
+                  </a:lnTo>
+                  <a:lnTo>
+                    <a:pt x="1518853" y="146110"/>
+                  </a:lnTo>
+                  <a:cubicBezTo>
+                    <a:pt x="1601068" y="42018"/>
+                    <a:pt x="1726294" y="-8100"/>
+                    <a:pt x="1849312" y="1064"/>
+                  </a:cubicBezTo>
+                  <a:close/>
+                </a:path>
+              </a:pathLst>
+            </a:custGeom>
+            <a:solidFill>
+              <a:srgbClr val="7030A0">
+                <a:alpha val="46000"/>
+              </a:srgbClr>
+            </a:solidFill>
+            <a:ln>
+              <a:noFill/>
+            </a:ln>
+          </p:spPr>
+          <p:style>
+            <a:lnRef idx="2">
+              <a:schemeClr val="accent1">
+                <a:shade val="50000"/>
+              </a:schemeClr>
+            </a:lnRef>
+            <a:fillRef idx="1">
+              <a:schemeClr val="accent1"/>
+            </a:fillRef>
+            <a:effectRef idx="0">
+              <a:schemeClr val="accent1"/>
+            </a:effectRef>
+            <a:fontRef idx="minor">
+              <a:schemeClr val="lt1"/>
+            </a:fontRef>
+          </p:style>
+          <p:txBody>
+            <a:bodyPr rtlCol="0" anchor="ctr"/>
+            <a:lstStyle/>
+            <a:p>
+              <a:pPr algn="ctr"/>
+              <a:endParaRPr lang="zh-CN" altLang="en-US"/>
+            </a:p>
+          </p:txBody>
+        </p:sp>
+      </p:grpSp>
+      <p:grpSp>
+        <p:nvGrpSpPr>
+          <p:cNvPr id="4" name="组合 32"/>
+          <p:cNvGrpSpPr/>
+          <p:nvPr/>
+        </p:nvGrpSpPr>
+        <p:grpSpPr>
+          <a:xfrm rot="5400000">
+            <a:off x="-399777" y="4457698"/>
+            <a:ext cx="2971525" cy="2171971"/>
+            <a:chOff x="3891293" y="1133475"/>
+            <a:chExt cx="2971525" cy="2171971"/>
+          </a:xfrm>
+        </p:grpSpPr>
+        <p:sp>
+          <p:nvSpPr>
+            <p:cNvPr id="25" name="任意多边形 24"/>
+            <p:cNvSpPr/>
+            <p:nvPr/>
+          </p:nvSpPr>
+          <p:spPr>
+            <a:xfrm>
+              <a:off x="3891293" y="1236332"/>
+              <a:ext cx="2204704" cy="2069114"/>
+            </a:xfrm>
+            <a:custGeom>
+              <a:avLst/>
+              <a:gdLst>
+                <a:gd name="connsiteX0" fmla="*/ 1849312 w 2204704"/>
+                <a:gd name="connsiteY0" fmla="*/ 1064 h 2069114"/>
+                <a:gd name="connsiteX1" fmla="*/ 2058594 w 2204704"/>
+                <a:gd name="connsiteY1" fmla="*/ 82732 h 2069114"/>
+                <a:gd name="connsiteX2" fmla="*/ 2121972 w 2204704"/>
+                <a:gd name="connsiteY2" fmla="*/ 622474 h 2069114"/>
+                <a:gd name="connsiteX3" fmla="*/ 979367 w 2204704"/>
+                <a:gd name="connsiteY3" fmla="*/ 2069114 h 2069114"/>
+                <a:gd name="connsiteX4" fmla="*/ 0 w 2204704"/>
+                <a:gd name="connsiteY4" fmla="*/ 2069114 h 2069114"/>
+                <a:gd name="connsiteX5" fmla="*/ 1518853 w 2204704"/>
+                <a:gd name="connsiteY5" fmla="*/ 146110 h 2069114"/>
+                <a:gd name="connsiteX6" fmla="*/ 1849312 w 2204704"/>
+                <a:gd name="connsiteY6" fmla="*/ 1064 h 2069114"/>
+              </a:gdLst>
+              <a:ahLst/>
+              <a:cxnLst>
+                <a:cxn ang="0">
+                  <a:pos x="connsiteX0" y="connsiteY0"/>
+                </a:cxn>
+                <a:cxn ang="0">
+                  <a:pos x="connsiteX1" y="connsiteY1"/>
+                </a:cxn>
+                <a:cxn ang="0">
+                  <a:pos x="connsiteX2" y="connsiteY2"/>
+                </a:cxn>
+                <a:cxn ang="0">
+                  <a:pos x="connsiteX3" y="connsiteY3"/>
+                </a:cxn>
+                <a:cxn ang="0">
+                  <a:pos x="connsiteX4" y="connsiteY4"/>
+                </a:cxn>
+                <a:cxn ang="0">
+                  <a:pos x="connsiteX5" y="connsiteY5"/>
+                </a:cxn>
+                <a:cxn ang="0">
+                  <a:pos x="connsiteX6" y="connsiteY6"/>
+                </a:cxn>
+              </a:cxnLst>
+              <a:rect l="l" t="t" r="r" b="b"/>
+              <a:pathLst>
+                <a:path w="2204704" h="2069114">
+                  <a:moveTo>
+                    <a:pt x="1849312" y="1064"/>
+                  </a:moveTo>
+                  <a:cubicBezTo>
+                    <a:pt x="1923123" y="6563"/>
+                    <a:pt x="1996139" y="33403"/>
+                    <a:pt x="2058594" y="82732"/>
+                  </a:cubicBezTo>
+                  <a:cubicBezTo>
+                    <a:pt x="2225141" y="214276"/>
+                    <a:pt x="2253516" y="455927"/>
+                    <a:pt x="2121972" y="622474"/>
+                  </a:cubicBezTo>
+                  <a:lnTo>
+                    <a:pt x="979367" y="2069114"/>
+                  </a:lnTo>
+                  <a:lnTo>
+                    <a:pt x="0" y="2069114"/>
+                  </a:lnTo>
+                  <a:lnTo>
+                    <a:pt x="1518853" y="146110"/>
+                  </a:lnTo>
+                  <a:cubicBezTo>
+                    <a:pt x="1601068" y="42018"/>
+                    <a:pt x="1726294" y="-8100"/>
+                    <a:pt x="1849312" y="1064"/>
+                  </a:cubicBezTo>
+                  <a:close/>
+                </a:path>
+              </a:pathLst>
+            </a:custGeom>
+            <a:solidFill>
+              <a:srgbClr val="40E3F6"/>
+            </a:solidFill>
+            <a:ln>
+              <a:noFill/>
+            </a:ln>
+          </p:spPr>
+          <p:style>
+            <a:lnRef idx="2">
+              <a:schemeClr val="accent1">
+                <a:shade val="50000"/>
+              </a:schemeClr>
+            </a:lnRef>
+            <a:fillRef idx="1">
+              <a:schemeClr val="accent1"/>
+            </a:fillRef>
+            <a:effectRef idx="0">
+              <a:schemeClr val="accent1"/>
+            </a:effectRef>
+            <a:fontRef idx="minor">
+              <a:schemeClr val="lt1"/>
+            </a:fontRef>
+          </p:style>
+          <p:txBody>
+            <a:bodyPr rtlCol="0" anchor="ctr"/>
+            <a:lstStyle/>
+            <a:p>
+              <a:pPr algn="ctr"/>
+              <a:endParaRPr lang="zh-CN" altLang="en-US"/>
+            </a:p>
+          </p:txBody>
+        </p:sp>
+        <p:sp>
+          <p:nvSpPr>
+            <p:cNvPr id="27" name="任意多边形 26"/>
+            <p:cNvSpPr/>
+            <p:nvPr/>
+          </p:nvSpPr>
+          <p:spPr>
+            <a:xfrm>
+              <a:off x="4548517" y="1133475"/>
+              <a:ext cx="2314301" cy="2171971"/>
+            </a:xfrm>
+            <a:custGeom>
+              <a:avLst/>
+              <a:gdLst>
+                <a:gd name="connsiteX0" fmla="*/ 1849312 w 2204704"/>
+                <a:gd name="connsiteY0" fmla="*/ 1064 h 2069114"/>
+                <a:gd name="connsiteX1" fmla="*/ 2058594 w 2204704"/>
+                <a:gd name="connsiteY1" fmla="*/ 82732 h 2069114"/>
+                <a:gd name="connsiteX2" fmla="*/ 2121972 w 2204704"/>
+                <a:gd name="connsiteY2" fmla="*/ 622474 h 2069114"/>
+                <a:gd name="connsiteX3" fmla="*/ 979367 w 2204704"/>
+                <a:gd name="connsiteY3" fmla="*/ 2069114 h 2069114"/>
+                <a:gd name="connsiteX4" fmla="*/ 0 w 2204704"/>
+                <a:gd name="connsiteY4" fmla="*/ 2069114 h 2069114"/>
+                <a:gd name="connsiteX5" fmla="*/ 1518853 w 2204704"/>
+                <a:gd name="connsiteY5" fmla="*/ 146110 h 2069114"/>
+                <a:gd name="connsiteX6" fmla="*/ 1849312 w 2204704"/>
+                <a:gd name="connsiteY6" fmla="*/ 1064 h 2069114"/>
+              </a:gdLst>
+              <a:ahLst/>
+              <a:cxnLst>
+                <a:cxn ang="0">
+                  <a:pos x="connsiteX0" y="connsiteY0"/>
+                </a:cxn>
+                <a:cxn ang="0">
+                  <a:pos x="connsiteX1" y="connsiteY1"/>
+                </a:cxn>
+                <a:cxn ang="0">
+                  <a:pos x="connsiteX2" y="connsiteY2"/>
+                </a:cxn>
+                <a:cxn ang="0">
+                  <a:pos x="connsiteX3" y="connsiteY3"/>
+                </a:cxn>
+                <a:cxn ang="0">
+                  <a:pos x="connsiteX4" y="connsiteY4"/>
+                </a:cxn>
+                <a:cxn ang="0">
+                  <a:pos x="connsiteX5" y="connsiteY5"/>
+                </a:cxn>
+                <a:cxn ang="0">
+                  <a:pos x="connsiteX6" y="connsiteY6"/>
+                </a:cxn>
+              </a:cxnLst>
+              <a:rect l="l" t="t" r="r" b="b"/>
+              <a:pathLst>
+                <a:path w="2204704" h="2069114">
+                  <a:moveTo>
+                    <a:pt x="1849312" y="1064"/>
+                  </a:moveTo>
+                  <a:cubicBezTo>
+                    <a:pt x="1923123" y="6563"/>
+                    <a:pt x="1996139" y="33403"/>
+                    <a:pt x="2058594" y="82732"/>
+                  </a:cubicBezTo>
+                  <a:cubicBezTo>
+                    <a:pt x="2225141" y="214276"/>
+                    <a:pt x="2253516" y="455927"/>
+                    <a:pt x="2121972" y="622474"/>
+                  </a:cubicBezTo>
+                  <a:lnTo>
+                    <a:pt x="979367" y="2069114"/>
+                  </a:lnTo>
+                  <a:lnTo>
+                    <a:pt x="0" y="2069114"/>
+                  </a:lnTo>
+                  <a:lnTo>
+                    <a:pt x="1518853" y="146110"/>
+                  </a:lnTo>
+                  <a:cubicBezTo>
+                    <a:pt x="1601068" y="42018"/>
+                    <a:pt x="1726294" y="-8100"/>
+                    <a:pt x="1849312" y="1064"/>
+                  </a:cubicBezTo>
+                  <a:close/>
+                </a:path>
+              </a:pathLst>
+            </a:custGeom>
+            <a:solidFill>
+              <a:schemeClr val="bg1">
+                <a:alpha val="24000"/>
+              </a:schemeClr>
+            </a:solidFill>
+            <a:ln>
+              <a:noFill/>
+            </a:ln>
+          </p:spPr>
+          <p:style>
+            <a:lnRef idx="2">
+              <a:schemeClr val="accent1">
+                <a:shade val="50000"/>
+              </a:schemeClr>
+            </a:lnRef>
+            <a:fillRef idx="1">
+              <a:schemeClr val="accent1"/>
+            </a:fillRef>
+            <a:effectRef idx="0">
+              <a:schemeClr val="accent1"/>
+            </a:effectRef>
+            <a:fontRef idx="minor">
+              <a:schemeClr val="lt1"/>
+            </a:fontRef>
+          </p:style>
+          <p:txBody>
+            <a:bodyPr rtlCol="0" anchor="ctr"/>
+            <a:lstStyle/>
+            <a:p>
+              <a:pPr algn="ctr"/>
+              <a:endParaRPr lang="zh-CN" altLang="en-US"/>
+            </a:p>
+          </p:txBody>
+        </p:sp>
+        <p:sp>
+          <p:nvSpPr>
+            <p:cNvPr id="28" name="任意多边形 27"/>
+            <p:cNvSpPr/>
+            <p:nvPr/>
+          </p:nvSpPr>
+          <p:spPr>
+            <a:xfrm>
+              <a:off x="5310518" y="2028824"/>
+              <a:ext cx="1360279" cy="1276621"/>
+            </a:xfrm>
+            <a:custGeom>
+              <a:avLst/>
+              <a:gdLst>
+                <a:gd name="connsiteX0" fmla="*/ 1849312 w 2204704"/>
+                <a:gd name="connsiteY0" fmla="*/ 1064 h 2069114"/>
+                <a:gd name="connsiteX1" fmla="*/ 2058594 w 2204704"/>
+                <a:gd name="connsiteY1" fmla="*/ 82732 h 2069114"/>
+                <a:gd name="connsiteX2" fmla="*/ 2121972 w 2204704"/>
+                <a:gd name="connsiteY2" fmla="*/ 622474 h 2069114"/>
+                <a:gd name="connsiteX3" fmla="*/ 979367 w 2204704"/>
+                <a:gd name="connsiteY3" fmla="*/ 2069114 h 2069114"/>
+                <a:gd name="connsiteX4" fmla="*/ 0 w 2204704"/>
+                <a:gd name="connsiteY4" fmla="*/ 2069114 h 2069114"/>
+                <a:gd name="connsiteX5" fmla="*/ 1518853 w 2204704"/>
+                <a:gd name="connsiteY5" fmla="*/ 146110 h 2069114"/>
+                <a:gd name="connsiteX6" fmla="*/ 1849312 w 2204704"/>
+                <a:gd name="connsiteY6" fmla="*/ 1064 h 2069114"/>
+              </a:gdLst>
+              <a:ahLst/>
+              <a:cxnLst>
+                <a:cxn ang="0">
+                  <a:pos x="connsiteX0" y="connsiteY0"/>
+                </a:cxn>
+                <a:cxn ang="0">
+                  <a:pos x="connsiteX1" y="connsiteY1"/>
+                </a:cxn>
+                <a:cxn ang="0">
+                  <a:pos x="connsiteX2" y="connsiteY2"/>
+                </a:cxn>
+                <a:cxn ang="0">
+                  <a:pos x="connsiteX3" y="connsiteY3"/>
+                </a:cxn>
+                <a:cxn ang="0">
+                  <a:pos x="connsiteX4" y="connsiteY4"/>
+                </a:cxn>
+                <a:cxn ang="0">
+                  <a:pos x="connsiteX5" y="connsiteY5"/>
+                </a:cxn>
+                <a:cxn ang="0">
+                  <a:pos x="connsiteX6" y="connsiteY6"/>
+                </a:cxn>
+              </a:cxnLst>
+              <a:rect l="l" t="t" r="r" b="b"/>
+              <a:pathLst>
+                <a:path w="2204704" h="2069114">
+                  <a:moveTo>
+                    <a:pt x="1849312" y="1064"/>
+                  </a:moveTo>
+                  <a:cubicBezTo>
+                    <a:pt x="1923123" y="6563"/>
+                    <a:pt x="1996139" y="33403"/>
+                    <a:pt x="2058594" y="82732"/>
+                  </a:cubicBezTo>
+                  <a:cubicBezTo>
+                    <a:pt x="2225141" y="214276"/>
+                    <a:pt x="2253516" y="455927"/>
+                    <a:pt x="2121972" y="622474"/>
+                  </a:cubicBezTo>
+                  <a:lnTo>
+                    <a:pt x="979367" y="2069114"/>
+                  </a:lnTo>
+                  <a:lnTo>
+                    <a:pt x="0" y="2069114"/>
+                  </a:lnTo>
+                  <a:lnTo>
+                    <a:pt x="1518853" y="146110"/>
+                  </a:lnTo>
+                  <a:cubicBezTo>
+                    <a:pt x="1601068" y="42018"/>
+                    <a:pt x="1726294" y="-8100"/>
+                    <a:pt x="1849312" y="1064"/>
+                  </a:cubicBezTo>
+                  <a:close/>
+                </a:path>
+              </a:pathLst>
+            </a:custGeom>
+            <a:solidFill>
+              <a:srgbClr val="7030A0">
+                <a:alpha val="46000"/>
+              </a:srgbClr>
+            </a:solidFill>
+            <a:ln>
+              <a:noFill/>
+            </a:ln>
+          </p:spPr>
+          <p:style>
+            <a:lnRef idx="2">
+              <a:schemeClr val="accent1">
+                <a:shade val="50000"/>
+              </a:schemeClr>
+            </a:lnRef>
+            <a:fillRef idx="1">
+              <a:schemeClr val="accent1"/>
+            </a:fillRef>
+            <a:effectRef idx="0">
+              <a:schemeClr val="accent1"/>
+            </a:effectRef>
+            <a:fontRef idx="minor">
+              <a:schemeClr val="lt1"/>
+            </a:fontRef>
+          </p:style>
+          <p:txBody>
+            <a:bodyPr rtlCol="0" anchor="ctr"/>
+            <a:lstStyle/>
+            <a:p>
+              <a:pPr algn="ctr"/>
+              <a:endParaRPr lang="zh-CN" altLang="en-US"/>
+            </a:p>
+          </p:txBody>
+        </p:sp>
+      </p:grpSp>
+      <p:sp>
+        <p:nvSpPr>
+          <p:cNvPr id="12" name="矩形 11"/>
+          <p:cNvSpPr/>
+          <p:nvPr/>
+        </p:nvSpPr>
+        <p:spPr>
+          <a:xfrm>
+            <a:off x="773801" y="1875290"/>
             <a:ext cx="6224875" cy="914801"/>
           </a:xfrm>
           <a:prstGeom prst="rect">
@@ -26794,7 +28561,7 @@
     </p:spTree>
     <p:extLst>
       <p:ext uri="{BB962C8B-B14F-4D97-AF65-F5344CB8AC3E}">
-        <p14:creationId xmlns:p14="http://schemas.microsoft.com/office/powerpoint/2010/main" xmlns="" val="3386272830"/>
+        <p14:creationId xmlns="" xmlns:p14="http://schemas.microsoft.com/office/powerpoint/2010/main" val="3386272830"/>
       </p:ext>
     </p:extLst>
   </p:cSld>
@@ -27031,7 +28798,7 @@
 </p:sld>
 </file>
 
-<file path=ppt/slides/slide21.xml><?xml version="1.0" encoding="utf-8"?>
+<file path=ppt/slides/slide22.xml><?xml version="1.0" encoding="utf-8"?>
 <p:sld xmlns:a="http://schemas.openxmlformats.org/drawingml/2006/main" xmlns:r="http://schemas.openxmlformats.org/officeDocument/2006/relationships" xmlns:p="http://schemas.openxmlformats.org/presentationml/2006/main">
   <p:cSld>
     <p:spTree>
@@ -28177,7 +29944,7 @@
     </p:spTree>
     <p:extLst>
       <p:ext uri="{BB962C8B-B14F-4D97-AF65-F5344CB8AC3E}">
-        <p14:creationId xmlns:p14="http://schemas.microsoft.com/office/powerpoint/2010/main" xmlns="" val="3386272830"/>
+        <p14:creationId xmlns="" xmlns:p14="http://schemas.microsoft.com/office/powerpoint/2010/main" val="3386272830"/>
       </p:ext>
     </p:extLst>
   </p:cSld>
@@ -28414,7 +30181,7 @@
 </p:sld>
 </file>
 
-<file path=ppt/slides/slide22.xml><?xml version="1.0" encoding="utf-8"?>
+<file path=ppt/slides/slide23.xml><?xml version="1.0" encoding="utf-8"?>
 <p:sld xmlns:a="http://schemas.openxmlformats.org/drawingml/2006/main" xmlns:r="http://schemas.openxmlformats.org/officeDocument/2006/relationships" xmlns:p="http://schemas.openxmlformats.org/presentationml/2006/main">
   <p:cSld>
     <p:spTree>
@@ -29696,7 +31463,7 @@
     </p:spTree>
     <p:extLst>
       <p:ext uri="{BB962C8B-B14F-4D97-AF65-F5344CB8AC3E}">
-        <p14:creationId xmlns:p14="http://schemas.microsoft.com/office/powerpoint/2010/main" xmlns="" val="3386272830"/>
+        <p14:creationId xmlns="" xmlns:p14="http://schemas.microsoft.com/office/powerpoint/2010/main" val="3386272830"/>
       </p:ext>
     </p:extLst>
   </p:cSld>
@@ -30099,7 +31866,7 @@
 </p:sld>
 </file>
 
-<file path=ppt/slides/slide23.xml><?xml version="1.0" encoding="utf-8"?>
+<file path=ppt/slides/slide24.xml><?xml version="1.0" encoding="utf-8"?>
 <p:sld xmlns:a="http://schemas.openxmlformats.org/drawingml/2006/main" xmlns:r="http://schemas.openxmlformats.org/officeDocument/2006/relationships" xmlns:p="http://schemas.openxmlformats.org/presentationml/2006/main">
   <p:cSld>
     <p:spTree>
@@ -31096,7 +32863,7 @@
     </p:spTree>
     <p:extLst>
       <p:ext uri="{BB962C8B-B14F-4D97-AF65-F5344CB8AC3E}">
-        <p14:creationId xmlns:p14="http://schemas.microsoft.com/office/powerpoint/2010/main" xmlns="" val="3284861254"/>
+        <p14:creationId xmlns="" xmlns:p14="http://schemas.microsoft.com/office/powerpoint/2010/main" val="3284861254"/>
       </p:ext>
     </p:extLst>
   </p:cSld>
@@ -32354,7 +34121,7 @@
     </p:spTree>
     <p:extLst>
       <p:ext uri="{BB962C8B-B14F-4D97-AF65-F5344CB8AC3E}">
-        <p14:creationId xmlns:p14="http://schemas.microsoft.com/office/powerpoint/2010/main" xmlns="" val="3386272830"/>
+        <p14:creationId xmlns="" xmlns:p14="http://schemas.microsoft.com/office/powerpoint/2010/main" val="3386272830"/>
       </p:ext>
     </p:extLst>
   </p:cSld>
@@ -34058,7 +35825,7 @@
     </p:spTree>
     <p:extLst>
       <p:ext uri="{BB962C8B-B14F-4D97-AF65-F5344CB8AC3E}">
-        <p14:creationId xmlns:p14="http://schemas.microsoft.com/office/powerpoint/2010/main" xmlns="" val="3386272830"/>
+        <p14:creationId xmlns="" xmlns:p14="http://schemas.microsoft.com/office/powerpoint/2010/main" val="3386272830"/>
       </p:ext>
     </p:extLst>
   </p:cSld>
@@ -35847,7 +37614,7 @@
     </p:spTree>
     <p:extLst>
       <p:ext uri="{BB962C8B-B14F-4D97-AF65-F5344CB8AC3E}">
-        <p14:creationId xmlns:p14="http://schemas.microsoft.com/office/powerpoint/2010/main" xmlns="" val="3386272830"/>
+        <p14:creationId xmlns="" xmlns:p14="http://schemas.microsoft.com/office/powerpoint/2010/main" val="3386272830"/>
       </p:ext>
     </p:extLst>
   </p:cSld>
@@ -37753,7 +39520,7 @@
     </p:spTree>
     <p:extLst>
       <p:ext uri="{BB962C8B-B14F-4D97-AF65-F5344CB8AC3E}">
-        <p14:creationId xmlns:p14="http://schemas.microsoft.com/office/powerpoint/2010/main" xmlns="" val="3386272830"/>
+        <p14:creationId xmlns="" xmlns:p14="http://schemas.microsoft.com/office/powerpoint/2010/main" val="3386272830"/>
       </p:ext>
     </p:extLst>
   </p:cSld>
@@ -39752,7 +41519,7 @@
     </p:spTree>
     <p:extLst>
       <p:ext uri="{BB962C8B-B14F-4D97-AF65-F5344CB8AC3E}">
-        <p14:creationId xmlns:p14="http://schemas.microsoft.com/office/powerpoint/2010/main" xmlns="" val="3386272830"/>
+        <p14:creationId xmlns="" xmlns:p14="http://schemas.microsoft.com/office/powerpoint/2010/main" val="3386272830"/>
       </p:ext>
     </p:extLst>
   </p:cSld>
@@ -40878,7 +42645,7 @@
     </p:spTree>
     <p:extLst>
       <p:ext uri="{BB962C8B-B14F-4D97-AF65-F5344CB8AC3E}">
-        <p14:creationId xmlns:p14="http://schemas.microsoft.com/office/powerpoint/2010/main" xmlns="" val="3386272830"/>
+        <p14:creationId xmlns="" xmlns:p14="http://schemas.microsoft.com/office/powerpoint/2010/main" val="3386272830"/>
       </p:ext>
     </p:extLst>
   </p:cSld>
@@ -41888,7 +43655,7 @@
     </p:spTree>
     <p:extLst>
       <p:ext uri="{BB962C8B-B14F-4D97-AF65-F5344CB8AC3E}">
-        <p14:creationId xmlns:p14="http://schemas.microsoft.com/office/powerpoint/2010/main" xmlns="" val="3386272830"/>
+        <p14:creationId xmlns="" xmlns:p14="http://schemas.microsoft.com/office/powerpoint/2010/main" val="3386272830"/>
       </p:ext>
     </p:extLst>
   </p:cSld>
@@ -42161,7 +43928,7 @@
   <a:extraClrSchemeLst/>
   <a:extLst>
     <a:ext uri="{05A4C25C-085E-4340-85A3-A5531E510DB2}">
-      <thm15:themeFamily xmlns:thm15="http://schemas.microsoft.com/office/thememl/2012/main" xmlns="" name="Office Theme" id="{62F939B6-93AF-4DB8-9C6B-D6C7DFDC589F}" vid="{4A3C46E8-61CC-4603-A589-7422A47A8E4A}"/>
+      <thm15:themeFamily xmlns="" xmlns:thm15="http://schemas.microsoft.com/office/thememl/2012/main" name="Office Theme" id="{62F939B6-93AF-4DB8-9C6B-D6C7DFDC589F}" vid="{4A3C46E8-61CC-4603-A589-7422A47A8E4A}"/>
     </a:ext>
   </a:extLst>
 </a:theme>

--- a/AngularJS演示.pptx
+++ b/AngularJS演示.pptx
@@ -132,7 +132,7 @@
   </p:defaultTextStyle>
   <p:extLst>
     <p:ext uri="{EFAFB233-063F-42B5-8137-9DF3F51BA10A}">
-      <p15:sldGuideLst xmlns="" xmlns:p15="http://schemas.microsoft.com/office/powerpoint/2012/main"/>
+      <p15:sldGuideLst xmlns:p15="http://schemas.microsoft.com/office/powerpoint/2012/main" xmlns=""/>
     </p:ext>
   </p:extLst>
 </p:presentation>
@@ -999,7 +999,7 @@
     </p:spTree>
     <p:extLst>
       <p:ext uri="{BB962C8B-B14F-4D97-AF65-F5344CB8AC3E}">
-        <p14:creationId xmlns="" xmlns:p14="http://schemas.microsoft.com/office/powerpoint/2010/main" val="3024029738"/>
+        <p14:creationId xmlns:p14="http://schemas.microsoft.com/office/powerpoint/2010/main" xmlns="" val="3024029738"/>
       </p:ext>
     </p:extLst>
   </p:cSld>
@@ -1172,7 +1172,7 @@
     </p:spTree>
     <p:extLst>
       <p:ext uri="{BB962C8B-B14F-4D97-AF65-F5344CB8AC3E}">
-        <p14:creationId xmlns="" xmlns:p14="http://schemas.microsoft.com/office/powerpoint/2010/main" val="343241554"/>
+        <p14:creationId xmlns:p14="http://schemas.microsoft.com/office/powerpoint/2010/main" xmlns="" val="343241554"/>
       </p:ext>
     </p:extLst>
   </p:cSld>
@@ -1355,7 +1355,7 @@
     </p:spTree>
     <p:extLst>
       <p:ext uri="{BB962C8B-B14F-4D97-AF65-F5344CB8AC3E}">
-        <p14:creationId xmlns="" xmlns:p14="http://schemas.microsoft.com/office/powerpoint/2010/main" val="1508326006"/>
+        <p14:creationId xmlns:p14="http://schemas.microsoft.com/office/powerpoint/2010/main" xmlns="" val="1508326006"/>
       </p:ext>
     </p:extLst>
   </p:cSld>
@@ -1528,7 +1528,7 @@
     </p:spTree>
     <p:extLst>
       <p:ext uri="{BB962C8B-B14F-4D97-AF65-F5344CB8AC3E}">
-        <p14:creationId xmlns="" xmlns:p14="http://schemas.microsoft.com/office/powerpoint/2010/main" val="1759505212"/>
+        <p14:creationId xmlns:p14="http://schemas.microsoft.com/office/powerpoint/2010/main" xmlns="" val="1759505212"/>
       </p:ext>
     </p:extLst>
   </p:cSld>
@@ -1777,7 +1777,7 @@
     </p:spTree>
     <p:extLst>
       <p:ext uri="{BB962C8B-B14F-4D97-AF65-F5344CB8AC3E}">
-        <p14:creationId xmlns="" xmlns:p14="http://schemas.microsoft.com/office/powerpoint/2010/main" val="2417609714"/>
+        <p14:creationId xmlns:p14="http://schemas.microsoft.com/office/powerpoint/2010/main" xmlns="" val="2417609714"/>
       </p:ext>
     </p:extLst>
   </p:cSld>
@@ -2012,7 +2012,7 @@
     </p:spTree>
     <p:extLst>
       <p:ext uri="{BB962C8B-B14F-4D97-AF65-F5344CB8AC3E}">
-        <p14:creationId xmlns="" xmlns:p14="http://schemas.microsoft.com/office/powerpoint/2010/main" val="3609596728"/>
+        <p14:creationId xmlns:p14="http://schemas.microsoft.com/office/powerpoint/2010/main" xmlns="" val="3609596728"/>
       </p:ext>
     </p:extLst>
   </p:cSld>
@@ -2382,7 +2382,7 @@
     </p:spTree>
     <p:extLst>
       <p:ext uri="{BB962C8B-B14F-4D97-AF65-F5344CB8AC3E}">
-        <p14:creationId xmlns="" xmlns:p14="http://schemas.microsoft.com/office/powerpoint/2010/main" val="4285565082"/>
+        <p14:creationId xmlns:p14="http://schemas.microsoft.com/office/powerpoint/2010/main" xmlns="" val="4285565082"/>
       </p:ext>
     </p:extLst>
   </p:cSld>
@@ -2503,7 +2503,7 @@
     </p:spTree>
     <p:extLst>
       <p:ext uri="{BB962C8B-B14F-4D97-AF65-F5344CB8AC3E}">
-        <p14:creationId xmlns="" xmlns:p14="http://schemas.microsoft.com/office/powerpoint/2010/main" val="2676369298"/>
+        <p14:creationId xmlns:p14="http://schemas.microsoft.com/office/powerpoint/2010/main" xmlns="" val="2676369298"/>
       </p:ext>
     </p:extLst>
   </p:cSld>
@@ -2601,7 +2601,7 @@
     </p:spTree>
     <p:extLst>
       <p:ext uri="{BB962C8B-B14F-4D97-AF65-F5344CB8AC3E}">
-        <p14:creationId xmlns="" xmlns:p14="http://schemas.microsoft.com/office/powerpoint/2010/main" val="2259663268"/>
+        <p14:creationId xmlns:p14="http://schemas.microsoft.com/office/powerpoint/2010/main" xmlns="" val="2259663268"/>
       </p:ext>
     </p:extLst>
   </p:cSld>
@@ -2881,7 +2881,7 @@
     </p:spTree>
     <p:extLst>
       <p:ext uri="{BB962C8B-B14F-4D97-AF65-F5344CB8AC3E}">
-        <p14:creationId xmlns="" xmlns:p14="http://schemas.microsoft.com/office/powerpoint/2010/main" val="3401749403"/>
+        <p14:creationId xmlns:p14="http://schemas.microsoft.com/office/powerpoint/2010/main" xmlns="" val="3401749403"/>
       </p:ext>
     </p:extLst>
   </p:cSld>
@@ -3137,7 +3137,7 @@
     </p:spTree>
     <p:extLst>
       <p:ext uri="{BB962C8B-B14F-4D97-AF65-F5344CB8AC3E}">
-        <p14:creationId xmlns="" xmlns:p14="http://schemas.microsoft.com/office/powerpoint/2010/main" val="3963904103"/>
+        <p14:creationId xmlns:p14="http://schemas.microsoft.com/office/powerpoint/2010/main" xmlns="" val="3963904103"/>
       </p:ext>
     </p:extLst>
   </p:cSld>
@@ -3182,7 +3182,7 @@
           <a:blip r:embed="rId13" cstate="email">
             <a:extLst>
               <a:ext uri="{28A0092B-C50C-407E-A947-70E740481C1C}">
-                <a14:useLocalDpi xmlns="" xmlns:a14="http://schemas.microsoft.com/office/drawing/2010/main"/>
+                <a14:useLocalDpi xmlns:a14="http://schemas.microsoft.com/office/drawing/2010/main" xmlns=""/>
               </a:ext>
             </a:extLst>
           </a:blip>
@@ -3419,7 +3419,7 @@
     </p:spTree>
     <p:extLst>
       <p:ext uri="{BB962C8B-B14F-4D97-AF65-F5344CB8AC3E}">
-        <p14:creationId xmlns="" xmlns:p14="http://schemas.microsoft.com/office/powerpoint/2010/main" val="2611925279"/>
+        <p14:creationId xmlns:p14="http://schemas.microsoft.com/office/powerpoint/2010/main" xmlns="" val="2611925279"/>
       </p:ext>
     </p:extLst>
   </p:cSld>
@@ -4731,7 +4731,7 @@
     </p:spTree>
     <p:extLst>
       <p:ext uri="{BB962C8B-B14F-4D97-AF65-F5344CB8AC3E}">
-        <p14:creationId xmlns="" xmlns:p14="http://schemas.microsoft.com/office/powerpoint/2010/main" val="2079182328"/>
+        <p14:creationId xmlns:p14="http://schemas.microsoft.com/office/powerpoint/2010/main" xmlns="" val="2079182328"/>
       </p:ext>
     </p:extLst>
   </p:cSld>
@@ -6135,7 +6135,7 @@
     </p:spTree>
     <p:extLst>
       <p:ext uri="{BB962C8B-B14F-4D97-AF65-F5344CB8AC3E}">
-        <p14:creationId xmlns="" xmlns:p14="http://schemas.microsoft.com/office/powerpoint/2010/main" val="3386272830"/>
+        <p14:creationId xmlns:p14="http://schemas.microsoft.com/office/powerpoint/2010/main" xmlns="" val="3386272830"/>
       </p:ext>
     </p:extLst>
   </p:cSld>
@@ -8268,7 +8268,7 @@
     </p:spTree>
     <p:extLst>
       <p:ext uri="{BB962C8B-B14F-4D97-AF65-F5344CB8AC3E}">
-        <p14:creationId xmlns="" xmlns:p14="http://schemas.microsoft.com/office/powerpoint/2010/main" val="3386272830"/>
+        <p14:creationId xmlns:p14="http://schemas.microsoft.com/office/powerpoint/2010/main" xmlns="" val="3386272830"/>
       </p:ext>
     </p:extLst>
   </p:cSld>
@@ -10255,7 +10255,7 @@
     </p:spTree>
     <p:extLst>
       <p:ext uri="{BB962C8B-B14F-4D97-AF65-F5344CB8AC3E}">
-        <p14:creationId xmlns="" xmlns:p14="http://schemas.microsoft.com/office/powerpoint/2010/main" val="3386272830"/>
+        <p14:creationId xmlns:p14="http://schemas.microsoft.com/office/powerpoint/2010/main" xmlns="" val="3386272830"/>
       </p:ext>
     </p:extLst>
   </p:cSld>
@@ -12893,7 +12893,7 @@
     </p:spTree>
     <p:extLst>
       <p:ext uri="{BB962C8B-B14F-4D97-AF65-F5344CB8AC3E}">
-        <p14:creationId xmlns="" xmlns:p14="http://schemas.microsoft.com/office/powerpoint/2010/main" val="3386272830"/>
+        <p14:creationId xmlns:p14="http://schemas.microsoft.com/office/powerpoint/2010/main" xmlns="" val="3386272830"/>
       </p:ext>
     </p:extLst>
   </p:cSld>
@@ -15067,7 +15067,7 @@
     </p:spTree>
     <p:extLst>
       <p:ext uri="{BB962C8B-B14F-4D97-AF65-F5344CB8AC3E}">
-        <p14:creationId xmlns="" xmlns:p14="http://schemas.microsoft.com/office/powerpoint/2010/main" val="3386272830"/>
+        <p14:creationId xmlns:p14="http://schemas.microsoft.com/office/powerpoint/2010/main" xmlns="" val="3386272830"/>
       </p:ext>
     </p:extLst>
   </p:cSld>
@@ -16624,7 +16624,7 @@
     </p:spTree>
     <p:extLst>
       <p:ext uri="{BB962C8B-B14F-4D97-AF65-F5344CB8AC3E}">
-        <p14:creationId xmlns="" xmlns:p14="http://schemas.microsoft.com/office/powerpoint/2010/main" val="3386272830"/>
+        <p14:creationId xmlns:p14="http://schemas.microsoft.com/office/powerpoint/2010/main" xmlns="" val="3386272830"/>
       </p:ext>
     </p:extLst>
   </p:cSld>
@@ -18140,7 +18140,7 @@
     </p:spTree>
     <p:extLst>
       <p:ext uri="{BB962C8B-B14F-4D97-AF65-F5344CB8AC3E}">
-        <p14:creationId xmlns="" xmlns:p14="http://schemas.microsoft.com/office/powerpoint/2010/main" val="3386272830"/>
+        <p14:creationId xmlns:p14="http://schemas.microsoft.com/office/powerpoint/2010/main" xmlns="" val="3386272830"/>
       </p:ext>
     </p:extLst>
   </p:cSld>
@@ -19840,7 +19840,7 @@
     </p:spTree>
     <p:extLst>
       <p:ext uri="{BB962C8B-B14F-4D97-AF65-F5344CB8AC3E}">
-        <p14:creationId xmlns="" xmlns:p14="http://schemas.microsoft.com/office/powerpoint/2010/main" val="3386272830"/>
+        <p14:creationId xmlns:p14="http://schemas.microsoft.com/office/powerpoint/2010/main" xmlns="" val="3386272830"/>
       </p:ext>
     </p:extLst>
   </p:cSld>
@@ -21248,7 +21248,7 @@
     </p:spTree>
     <p:extLst>
       <p:ext uri="{BB962C8B-B14F-4D97-AF65-F5344CB8AC3E}">
-        <p14:creationId xmlns="" xmlns:p14="http://schemas.microsoft.com/office/powerpoint/2010/main" val="3386272830"/>
+        <p14:creationId xmlns:p14="http://schemas.microsoft.com/office/powerpoint/2010/main" xmlns="" val="3386272830"/>
       </p:ext>
     </p:extLst>
   </p:cSld>
@@ -22569,7 +22569,7 @@
         <p:spPr>
           <a:xfrm>
             <a:off x="1713524" y="2577122"/>
-            <a:ext cx="1588476" cy="461665"/>
+            <a:ext cx="6173176" cy="461665"/>
           </a:xfrm>
           <a:prstGeom prst="rect">
             <a:avLst/>
@@ -22600,6 +22600,78 @@
               </a:rPr>
               <a:t>alue</a:t>
             </a:r>
+            <a:r>
+              <a:rPr lang="zh-CN" altLang="en-US" sz="2400" dirty="0" smtClean="0">
+                <a:solidFill>
+                  <a:schemeClr val="bg1"/>
+                </a:solidFill>
+                <a:ea typeface="造字工房悦圆（非商用）常规体"/>
+              </a:rPr>
+              <a:t>、</a:t>
+            </a:r>
+            <a:r>
+              <a:rPr lang="en-US" altLang="zh-CN" sz="2400" dirty="0" smtClean="0">
+                <a:solidFill>
+                  <a:schemeClr val="bg1"/>
+                </a:solidFill>
+                <a:ea typeface="造字工房悦圆（非商用）常规体"/>
+              </a:rPr>
+              <a:t>constant</a:t>
+            </a:r>
+            <a:r>
+              <a:rPr lang="zh-CN" altLang="en-US" sz="2400" dirty="0" smtClean="0">
+                <a:solidFill>
+                  <a:schemeClr val="bg1"/>
+                </a:solidFill>
+                <a:ea typeface="造字工房悦圆（非商用）常规体"/>
+              </a:rPr>
+              <a:t>、</a:t>
+            </a:r>
+            <a:r>
+              <a:rPr lang="en-US" altLang="zh-CN" sz="2400" dirty="0" smtClean="0">
+                <a:solidFill>
+                  <a:schemeClr val="bg1"/>
+                </a:solidFill>
+                <a:ea typeface="造字工房悦圆（非商用）常规体"/>
+              </a:rPr>
+              <a:t>factory</a:t>
+            </a:r>
+            <a:r>
+              <a:rPr lang="zh-CN" altLang="en-US" sz="2400" dirty="0" smtClean="0">
+                <a:solidFill>
+                  <a:schemeClr val="bg1"/>
+                </a:solidFill>
+                <a:ea typeface="造字工房悦圆（非商用）常规体"/>
+              </a:rPr>
+              <a:t>、</a:t>
+            </a:r>
+            <a:r>
+              <a:rPr lang="en-US" altLang="zh-CN" sz="2400" dirty="0" smtClean="0">
+                <a:solidFill>
+                  <a:schemeClr val="bg1"/>
+                </a:solidFill>
+                <a:ea typeface="造字工房悦圆（非商用）常规体"/>
+              </a:rPr>
+              <a:t>service</a:t>
+            </a:r>
+            <a:r>
+              <a:rPr lang="zh-CN" altLang="en-US" sz="2400" dirty="0" smtClean="0">
+                <a:solidFill>
+                  <a:schemeClr val="bg1"/>
+                </a:solidFill>
+                <a:ea typeface="造字工房悦圆（非商用）常规体"/>
+              </a:rPr>
+              <a:t>、</a:t>
+            </a:r>
+            <a:r>
+              <a:rPr lang="en-US" altLang="zh-CN" sz="2400" dirty="0" smtClean="0">
+                <a:solidFill>
+                  <a:schemeClr val="bg1"/>
+                </a:solidFill>
+                <a:ea typeface="造字工房悦圆（非商用）常规体"/>
+              </a:rPr>
+              <a:t>provider</a:t>
+            </a:r>
             <a:endParaRPr lang="zh-CN" altLang="en-US" sz="2400" dirty="0">
               <a:solidFill>
                 <a:schemeClr val="bg1"/>
@@ -22617,8 +22689,8 @@
         </p:nvSpPr>
         <p:spPr>
           <a:xfrm>
-            <a:off x="1700824" y="3288322"/>
-            <a:ext cx="1588476" cy="461665"/>
+            <a:off x="1700824" y="3377222"/>
+            <a:ext cx="5423876" cy="461665"/>
           </a:xfrm>
           <a:prstGeom prst="rect">
             <a:avLst/>
@@ -22638,7 +22710,7 @@
                 </a:solidFill>
                 <a:ea typeface="造字工房悦圆（非商用）常规体"/>
               </a:rPr>
-              <a:t>v</a:t>
+              <a:t>f</a:t>
             </a:r>
             <a:r>
               <a:rPr lang="en-US" altLang="zh-CN" sz="2400" dirty="0" smtClean="0">
@@ -22647,7 +22719,43 @@
                 </a:solidFill>
                 <a:ea typeface="造字工房悦圆（非商用）常规体"/>
               </a:rPr>
-              <a:t>alue</a:t>
+              <a:t>actory</a:t>
+            </a:r>
+            <a:r>
+              <a:rPr lang="zh-CN" altLang="en-US" sz="2400" dirty="0" smtClean="0">
+                <a:solidFill>
+                  <a:schemeClr val="bg1"/>
+                </a:solidFill>
+                <a:ea typeface="造字工房悦圆（非商用）常规体"/>
+              </a:rPr>
+              <a:t>、</a:t>
+            </a:r>
+            <a:r>
+              <a:rPr lang="en-US" altLang="zh-CN" sz="2400" dirty="0" smtClean="0">
+                <a:solidFill>
+                  <a:schemeClr val="bg1"/>
+                </a:solidFill>
+                <a:ea typeface="造字工房悦圆（非商用）常规体"/>
+              </a:rPr>
+              <a:t>service</a:t>
+            </a:r>
+            <a:r>
+              <a:rPr lang="zh-CN" altLang="en-US" sz="2400" dirty="0" smtClean="0">
+                <a:solidFill>
+                  <a:schemeClr val="bg1"/>
+                </a:solidFill>
+                <a:ea typeface="造字工房悦圆（非商用）常规体"/>
+              </a:rPr>
+              <a:t>本质上都是</a:t>
+            </a:r>
+            <a:r>
+              <a:rPr lang="en-US" altLang="zh-CN" sz="2400" dirty="0" smtClean="0">
+                <a:solidFill>
+                  <a:schemeClr val="bg1"/>
+                </a:solidFill>
+                <a:ea typeface="造字工房悦圆（非商用）常规体"/>
+              </a:rPr>
+              <a:t>provider</a:t>
             </a:r>
             <a:endParaRPr lang="zh-CN" altLang="en-US" sz="2400" dirty="0">
               <a:solidFill>
@@ -22666,8 +22774,8 @@
         </p:nvSpPr>
         <p:spPr>
           <a:xfrm>
-            <a:off x="1751624" y="4139222"/>
-            <a:ext cx="1588476" cy="461665"/>
+            <a:off x="1713524" y="4139222"/>
+            <a:ext cx="6541476" cy="830997"/>
           </a:xfrm>
           <a:prstGeom prst="rect">
             <a:avLst/>
@@ -22687,7 +22795,16 @@
                 </a:solidFill>
                 <a:ea typeface="造字工房悦圆（非商用）常规体"/>
               </a:rPr>
-              <a:t>v</a:t>
+              <a:t>Provider</a:t>
+            </a:r>
+            <a:r>
+              <a:rPr lang="zh-CN" altLang="en-US" sz="2400" dirty="0" smtClean="0">
+                <a:solidFill>
+                  <a:schemeClr val="bg1"/>
+                </a:solidFill>
+                <a:ea typeface="造字工房悦圆（非商用）常规体"/>
+              </a:rPr>
+              <a:t>模式是‘策略模式’</a:t>
             </a:r>
             <a:r>
               <a:rPr lang="en-US" altLang="zh-CN" sz="2400" dirty="0" smtClean="0">
@@ -22696,7 +22813,16 @@
                 </a:solidFill>
                 <a:ea typeface="造字工房悦圆（非商用）常规体"/>
               </a:rPr>
-              <a:t>alue</a:t>
+              <a:t>+ </a:t>
+            </a:r>
+            <a:r>
+              <a:rPr lang="zh-CN" altLang="en-US" sz="2400" dirty="0" smtClean="0">
+                <a:solidFill>
+                  <a:schemeClr val="bg1"/>
+                </a:solidFill>
+                <a:ea typeface="造字工房悦圆（非商用）常规体"/>
+              </a:rPr>
+              <a:t>‘抽象工厂模式’的混合体</a:t>
             </a:r>
             <a:endParaRPr lang="zh-CN" altLang="en-US" sz="2400" dirty="0">
               <a:solidFill>
@@ -22710,7 +22836,7 @@
     </p:spTree>
     <p:extLst>
       <p:ext uri="{BB962C8B-B14F-4D97-AF65-F5344CB8AC3E}">
-        <p14:creationId xmlns="" xmlns:p14="http://schemas.microsoft.com/office/powerpoint/2010/main" val="3386272830"/>
+        <p14:creationId xmlns:p14="http://schemas.microsoft.com/office/powerpoint/2010/main" xmlns="" val="3386272830"/>
       </p:ext>
     </p:extLst>
   </p:cSld>
@@ -24976,7 +25102,7 @@
     </p:spTree>
     <p:extLst>
       <p:ext uri="{BB962C8B-B14F-4D97-AF65-F5344CB8AC3E}">
-        <p14:creationId xmlns="" xmlns:p14="http://schemas.microsoft.com/office/powerpoint/2010/main" val="3386272830"/>
+        <p14:creationId xmlns:p14="http://schemas.microsoft.com/office/powerpoint/2010/main" xmlns="" val="3386272830"/>
       </p:ext>
     </p:extLst>
   </p:cSld>
@@ -27102,7 +27228,7 @@
     </p:spTree>
     <p:extLst>
       <p:ext uri="{BB962C8B-B14F-4D97-AF65-F5344CB8AC3E}">
-        <p14:creationId xmlns="" xmlns:p14="http://schemas.microsoft.com/office/powerpoint/2010/main" val="3386272830"/>
+        <p14:creationId xmlns:p14="http://schemas.microsoft.com/office/powerpoint/2010/main" xmlns="" val="3386272830"/>
       </p:ext>
     </p:extLst>
   </p:cSld>
@@ -28561,7 +28687,7 @@
     </p:spTree>
     <p:extLst>
       <p:ext uri="{BB962C8B-B14F-4D97-AF65-F5344CB8AC3E}">
-        <p14:creationId xmlns="" xmlns:p14="http://schemas.microsoft.com/office/powerpoint/2010/main" val="3386272830"/>
+        <p14:creationId xmlns:p14="http://schemas.microsoft.com/office/powerpoint/2010/main" xmlns="" val="3386272830"/>
       </p:ext>
     </p:extLst>
   </p:cSld>
@@ -29944,7 +30070,7 @@
     </p:spTree>
     <p:extLst>
       <p:ext uri="{BB962C8B-B14F-4D97-AF65-F5344CB8AC3E}">
-        <p14:creationId xmlns="" xmlns:p14="http://schemas.microsoft.com/office/powerpoint/2010/main" val="3386272830"/>
+        <p14:creationId xmlns:p14="http://schemas.microsoft.com/office/powerpoint/2010/main" xmlns="" val="3386272830"/>
       </p:ext>
     </p:extLst>
   </p:cSld>
@@ -31463,7 +31589,7 @@
     </p:spTree>
     <p:extLst>
       <p:ext uri="{BB962C8B-B14F-4D97-AF65-F5344CB8AC3E}">
-        <p14:creationId xmlns="" xmlns:p14="http://schemas.microsoft.com/office/powerpoint/2010/main" val="3386272830"/>
+        <p14:creationId xmlns:p14="http://schemas.microsoft.com/office/powerpoint/2010/main" xmlns="" val="3386272830"/>
       </p:ext>
     </p:extLst>
   </p:cSld>
@@ -32863,7 +32989,7 @@
     </p:spTree>
     <p:extLst>
       <p:ext uri="{BB962C8B-B14F-4D97-AF65-F5344CB8AC3E}">
-        <p14:creationId xmlns="" xmlns:p14="http://schemas.microsoft.com/office/powerpoint/2010/main" val="3284861254"/>
+        <p14:creationId xmlns:p14="http://schemas.microsoft.com/office/powerpoint/2010/main" xmlns="" val="3284861254"/>
       </p:ext>
     </p:extLst>
   </p:cSld>
@@ -34121,7 +34247,7 @@
     </p:spTree>
     <p:extLst>
       <p:ext uri="{BB962C8B-B14F-4D97-AF65-F5344CB8AC3E}">
-        <p14:creationId xmlns="" xmlns:p14="http://schemas.microsoft.com/office/powerpoint/2010/main" val="3386272830"/>
+        <p14:creationId xmlns:p14="http://schemas.microsoft.com/office/powerpoint/2010/main" xmlns="" val="3386272830"/>
       </p:ext>
     </p:extLst>
   </p:cSld>
@@ -35825,7 +35951,7 @@
     </p:spTree>
     <p:extLst>
       <p:ext uri="{BB962C8B-B14F-4D97-AF65-F5344CB8AC3E}">
-        <p14:creationId xmlns="" xmlns:p14="http://schemas.microsoft.com/office/powerpoint/2010/main" val="3386272830"/>
+        <p14:creationId xmlns:p14="http://schemas.microsoft.com/office/powerpoint/2010/main" xmlns="" val="3386272830"/>
       </p:ext>
     </p:extLst>
   </p:cSld>
@@ -37614,7 +37740,7 @@
     </p:spTree>
     <p:extLst>
       <p:ext uri="{BB962C8B-B14F-4D97-AF65-F5344CB8AC3E}">
-        <p14:creationId xmlns="" xmlns:p14="http://schemas.microsoft.com/office/powerpoint/2010/main" val="3386272830"/>
+        <p14:creationId xmlns:p14="http://schemas.microsoft.com/office/powerpoint/2010/main" xmlns="" val="3386272830"/>
       </p:ext>
     </p:extLst>
   </p:cSld>
@@ -39520,7 +39646,7 @@
     </p:spTree>
     <p:extLst>
       <p:ext uri="{BB962C8B-B14F-4D97-AF65-F5344CB8AC3E}">
-        <p14:creationId xmlns="" xmlns:p14="http://schemas.microsoft.com/office/powerpoint/2010/main" val="3386272830"/>
+        <p14:creationId xmlns:p14="http://schemas.microsoft.com/office/powerpoint/2010/main" xmlns="" val="3386272830"/>
       </p:ext>
     </p:extLst>
   </p:cSld>
@@ -41519,7 +41645,7 @@
     </p:spTree>
     <p:extLst>
       <p:ext uri="{BB962C8B-B14F-4D97-AF65-F5344CB8AC3E}">
-        <p14:creationId xmlns="" xmlns:p14="http://schemas.microsoft.com/office/powerpoint/2010/main" val="3386272830"/>
+        <p14:creationId xmlns:p14="http://schemas.microsoft.com/office/powerpoint/2010/main" xmlns="" val="3386272830"/>
       </p:ext>
     </p:extLst>
   </p:cSld>
@@ -42645,7 +42771,7 @@
     </p:spTree>
     <p:extLst>
       <p:ext uri="{BB962C8B-B14F-4D97-AF65-F5344CB8AC3E}">
-        <p14:creationId xmlns="" xmlns:p14="http://schemas.microsoft.com/office/powerpoint/2010/main" val="3386272830"/>
+        <p14:creationId xmlns:p14="http://schemas.microsoft.com/office/powerpoint/2010/main" xmlns="" val="3386272830"/>
       </p:ext>
     </p:extLst>
   </p:cSld>
@@ -43655,7 +43781,7 @@
     </p:spTree>
     <p:extLst>
       <p:ext uri="{BB962C8B-B14F-4D97-AF65-F5344CB8AC3E}">
-        <p14:creationId xmlns="" xmlns:p14="http://schemas.microsoft.com/office/powerpoint/2010/main" val="3386272830"/>
+        <p14:creationId xmlns:p14="http://schemas.microsoft.com/office/powerpoint/2010/main" xmlns="" val="3386272830"/>
       </p:ext>
     </p:extLst>
   </p:cSld>
@@ -43928,7 +44054,7 @@
   <a:extraClrSchemeLst/>
   <a:extLst>
     <a:ext uri="{05A4C25C-085E-4340-85A3-A5531E510DB2}">
-      <thm15:themeFamily xmlns="" xmlns:thm15="http://schemas.microsoft.com/office/thememl/2012/main" name="Office Theme" id="{62F939B6-93AF-4DB8-9C6B-D6C7DFDC589F}" vid="{4A3C46E8-61CC-4603-A589-7422A47A8E4A}"/>
+      <thm15:themeFamily xmlns:thm15="http://schemas.microsoft.com/office/thememl/2012/main" xmlns="" name="Office Theme" id="{62F939B6-93AF-4DB8-9C6B-D6C7DFDC589F}" vid="{4A3C46E8-61CC-4603-A589-7422A47A8E4A}"/>
     </a:ext>
   </a:extLst>
 </a:theme>

--- a/AngularJS演示.pptx
+++ b/AngularJS演示.pptx
@@ -132,7 +132,7 @@
   </p:defaultTextStyle>
   <p:extLst>
     <p:ext uri="{EFAFB233-063F-42B5-8137-9DF3F51BA10A}">
-      <p15:sldGuideLst xmlns:p15="http://schemas.microsoft.com/office/powerpoint/2012/main" xmlns=""/>
+      <p15:sldGuideLst xmlns="" xmlns:p15="http://schemas.microsoft.com/office/powerpoint/2012/main"/>
     </p:ext>
   </p:extLst>
 </p:presentation>
@@ -999,7 +999,7 @@
     </p:spTree>
     <p:extLst>
       <p:ext uri="{BB962C8B-B14F-4D97-AF65-F5344CB8AC3E}">
-        <p14:creationId xmlns:p14="http://schemas.microsoft.com/office/powerpoint/2010/main" xmlns="" val="3024029738"/>
+        <p14:creationId xmlns="" xmlns:p14="http://schemas.microsoft.com/office/powerpoint/2010/main" val="3024029738"/>
       </p:ext>
     </p:extLst>
   </p:cSld>
@@ -1172,7 +1172,7 @@
     </p:spTree>
     <p:extLst>
       <p:ext uri="{BB962C8B-B14F-4D97-AF65-F5344CB8AC3E}">
-        <p14:creationId xmlns:p14="http://schemas.microsoft.com/office/powerpoint/2010/main" xmlns="" val="343241554"/>
+        <p14:creationId xmlns="" xmlns:p14="http://schemas.microsoft.com/office/powerpoint/2010/main" val="343241554"/>
       </p:ext>
     </p:extLst>
   </p:cSld>
@@ -1355,7 +1355,7 @@
     </p:spTree>
     <p:extLst>
       <p:ext uri="{BB962C8B-B14F-4D97-AF65-F5344CB8AC3E}">
-        <p14:creationId xmlns:p14="http://schemas.microsoft.com/office/powerpoint/2010/main" xmlns="" val="1508326006"/>
+        <p14:creationId xmlns="" xmlns:p14="http://schemas.microsoft.com/office/powerpoint/2010/main" val="1508326006"/>
       </p:ext>
     </p:extLst>
   </p:cSld>
@@ -1528,7 +1528,7 @@
     </p:spTree>
     <p:extLst>
       <p:ext uri="{BB962C8B-B14F-4D97-AF65-F5344CB8AC3E}">
-        <p14:creationId xmlns:p14="http://schemas.microsoft.com/office/powerpoint/2010/main" xmlns="" val="1759505212"/>
+        <p14:creationId xmlns="" xmlns:p14="http://schemas.microsoft.com/office/powerpoint/2010/main" val="1759505212"/>
       </p:ext>
     </p:extLst>
   </p:cSld>
@@ -1777,7 +1777,7 @@
     </p:spTree>
     <p:extLst>
       <p:ext uri="{BB962C8B-B14F-4D97-AF65-F5344CB8AC3E}">
-        <p14:creationId xmlns:p14="http://schemas.microsoft.com/office/powerpoint/2010/main" xmlns="" val="2417609714"/>
+        <p14:creationId xmlns="" xmlns:p14="http://schemas.microsoft.com/office/powerpoint/2010/main" val="2417609714"/>
       </p:ext>
     </p:extLst>
   </p:cSld>
@@ -2012,7 +2012,7 @@
     </p:spTree>
     <p:extLst>
       <p:ext uri="{BB962C8B-B14F-4D97-AF65-F5344CB8AC3E}">
-        <p14:creationId xmlns:p14="http://schemas.microsoft.com/office/powerpoint/2010/main" xmlns="" val="3609596728"/>
+        <p14:creationId xmlns="" xmlns:p14="http://schemas.microsoft.com/office/powerpoint/2010/main" val="3609596728"/>
       </p:ext>
     </p:extLst>
   </p:cSld>
@@ -2382,7 +2382,7 @@
     </p:spTree>
     <p:extLst>
       <p:ext uri="{BB962C8B-B14F-4D97-AF65-F5344CB8AC3E}">
-        <p14:creationId xmlns:p14="http://schemas.microsoft.com/office/powerpoint/2010/main" xmlns="" val="4285565082"/>
+        <p14:creationId xmlns="" xmlns:p14="http://schemas.microsoft.com/office/powerpoint/2010/main" val="4285565082"/>
       </p:ext>
     </p:extLst>
   </p:cSld>
@@ -2503,7 +2503,7 @@
     </p:spTree>
     <p:extLst>
       <p:ext uri="{BB962C8B-B14F-4D97-AF65-F5344CB8AC3E}">
-        <p14:creationId xmlns:p14="http://schemas.microsoft.com/office/powerpoint/2010/main" xmlns="" val="2676369298"/>
+        <p14:creationId xmlns="" xmlns:p14="http://schemas.microsoft.com/office/powerpoint/2010/main" val="2676369298"/>
       </p:ext>
     </p:extLst>
   </p:cSld>
@@ -2601,7 +2601,7 @@
     </p:spTree>
     <p:extLst>
       <p:ext uri="{BB962C8B-B14F-4D97-AF65-F5344CB8AC3E}">
-        <p14:creationId xmlns:p14="http://schemas.microsoft.com/office/powerpoint/2010/main" xmlns="" val="2259663268"/>
+        <p14:creationId xmlns="" xmlns:p14="http://schemas.microsoft.com/office/powerpoint/2010/main" val="2259663268"/>
       </p:ext>
     </p:extLst>
   </p:cSld>
@@ -2881,7 +2881,7 @@
     </p:spTree>
     <p:extLst>
       <p:ext uri="{BB962C8B-B14F-4D97-AF65-F5344CB8AC3E}">
-        <p14:creationId xmlns:p14="http://schemas.microsoft.com/office/powerpoint/2010/main" xmlns="" val="3401749403"/>
+        <p14:creationId xmlns="" xmlns:p14="http://schemas.microsoft.com/office/powerpoint/2010/main" val="3401749403"/>
       </p:ext>
     </p:extLst>
   </p:cSld>
@@ -3137,7 +3137,7 @@
     </p:spTree>
     <p:extLst>
       <p:ext uri="{BB962C8B-B14F-4D97-AF65-F5344CB8AC3E}">
-        <p14:creationId xmlns:p14="http://schemas.microsoft.com/office/powerpoint/2010/main" xmlns="" val="3963904103"/>
+        <p14:creationId xmlns="" xmlns:p14="http://schemas.microsoft.com/office/powerpoint/2010/main" val="3963904103"/>
       </p:ext>
     </p:extLst>
   </p:cSld>
@@ -3182,7 +3182,7 @@
           <a:blip r:embed="rId13" cstate="email">
             <a:extLst>
               <a:ext uri="{28A0092B-C50C-407E-A947-70E740481C1C}">
-                <a14:useLocalDpi xmlns:a14="http://schemas.microsoft.com/office/drawing/2010/main" xmlns=""/>
+                <a14:useLocalDpi xmlns="" xmlns:a14="http://schemas.microsoft.com/office/drawing/2010/main"/>
               </a:ext>
             </a:extLst>
           </a:blip>
@@ -3419,7 +3419,7 @@
     </p:spTree>
     <p:extLst>
       <p:ext uri="{BB962C8B-B14F-4D97-AF65-F5344CB8AC3E}">
-        <p14:creationId xmlns:p14="http://schemas.microsoft.com/office/powerpoint/2010/main" xmlns="" val="2611925279"/>
+        <p14:creationId xmlns="" xmlns:p14="http://schemas.microsoft.com/office/powerpoint/2010/main" val="2611925279"/>
       </p:ext>
     </p:extLst>
   </p:cSld>
@@ -4635,7 +4635,7 @@
               <a:t>  </a:t>
             </a:r>
             <a:r>
-              <a:rPr lang="zh-CN" altLang="en-US" sz="2800" dirty="0" smtClean="0">
+              <a:rPr lang="zh-CN" altLang="en-US" sz="2800" smtClean="0">
                 <a:solidFill>
                   <a:schemeClr val="bg1"/>
                 </a:solidFill>
@@ -4731,7 +4731,7 @@
     </p:spTree>
     <p:extLst>
       <p:ext uri="{BB962C8B-B14F-4D97-AF65-F5344CB8AC3E}">
-        <p14:creationId xmlns:p14="http://schemas.microsoft.com/office/powerpoint/2010/main" xmlns="" val="2079182328"/>
+        <p14:creationId xmlns="" xmlns:p14="http://schemas.microsoft.com/office/powerpoint/2010/main" val="2079182328"/>
       </p:ext>
     </p:extLst>
   </p:cSld>
@@ -6135,7 +6135,7 @@
     </p:spTree>
     <p:extLst>
       <p:ext uri="{BB962C8B-B14F-4D97-AF65-F5344CB8AC3E}">
-        <p14:creationId xmlns:p14="http://schemas.microsoft.com/office/powerpoint/2010/main" xmlns="" val="3386272830"/>
+        <p14:creationId xmlns="" xmlns:p14="http://schemas.microsoft.com/office/powerpoint/2010/main" val="3386272830"/>
       </p:ext>
     </p:extLst>
   </p:cSld>
@@ -8268,7 +8268,7 @@
     </p:spTree>
     <p:extLst>
       <p:ext uri="{BB962C8B-B14F-4D97-AF65-F5344CB8AC3E}">
-        <p14:creationId xmlns:p14="http://schemas.microsoft.com/office/powerpoint/2010/main" xmlns="" val="3386272830"/>
+        <p14:creationId xmlns="" xmlns:p14="http://schemas.microsoft.com/office/powerpoint/2010/main" val="3386272830"/>
       </p:ext>
     </p:extLst>
   </p:cSld>
@@ -10255,7 +10255,7 @@
     </p:spTree>
     <p:extLst>
       <p:ext uri="{BB962C8B-B14F-4D97-AF65-F5344CB8AC3E}">
-        <p14:creationId xmlns:p14="http://schemas.microsoft.com/office/powerpoint/2010/main" xmlns="" val="3386272830"/>
+        <p14:creationId xmlns="" xmlns:p14="http://schemas.microsoft.com/office/powerpoint/2010/main" val="3386272830"/>
       </p:ext>
     </p:extLst>
   </p:cSld>
@@ -12893,7 +12893,7 @@
     </p:spTree>
     <p:extLst>
       <p:ext uri="{BB962C8B-B14F-4D97-AF65-F5344CB8AC3E}">
-        <p14:creationId xmlns:p14="http://schemas.microsoft.com/office/powerpoint/2010/main" xmlns="" val="3386272830"/>
+        <p14:creationId xmlns="" xmlns:p14="http://schemas.microsoft.com/office/powerpoint/2010/main" val="3386272830"/>
       </p:ext>
     </p:extLst>
   </p:cSld>
@@ -15067,7 +15067,7 @@
     </p:spTree>
     <p:extLst>
       <p:ext uri="{BB962C8B-B14F-4D97-AF65-F5344CB8AC3E}">
-        <p14:creationId xmlns:p14="http://schemas.microsoft.com/office/powerpoint/2010/main" xmlns="" val="3386272830"/>
+        <p14:creationId xmlns="" xmlns:p14="http://schemas.microsoft.com/office/powerpoint/2010/main" val="3386272830"/>
       </p:ext>
     </p:extLst>
   </p:cSld>
@@ -16624,7 +16624,7 @@
     </p:spTree>
     <p:extLst>
       <p:ext uri="{BB962C8B-B14F-4D97-AF65-F5344CB8AC3E}">
-        <p14:creationId xmlns:p14="http://schemas.microsoft.com/office/powerpoint/2010/main" xmlns="" val="3386272830"/>
+        <p14:creationId xmlns="" xmlns:p14="http://schemas.microsoft.com/office/powerpoint/2010/main" val="3386272830"/>
       </p:ext>
     </p:extLst>
   </p:cSld>
@@ -18140,7 +18140,7 @@
     </p:spTree>
     <p:extLst>
       <p:ext uri="{BB962C8B-B14F-4D97-AF65-F5344CB8AC3E}">
-        <p14:creationId xmlns:p14="http://schemas.microsoft.com/office/powerpoint/2010/main" xmlns="" val="3386272830"/>
+        <p14:creationId xmlns="" xmlns:p14="http://schemas.microsoft.com/office/powerpoint/2010/main" val="3386272830"/>
       </p:ext>
     </p:extLst>
   </p:cSld>
@@ -19840,7 +19840,7 @@
     </p:spTree>
     <p:extLst>
       <p:ext uri="{BB962C8B-B14F-4D97-AF65-F5344CB8AC3E}">
-        <p14:creationId xmlns:p14="http://schemas.microsoft.com/office/powerpoint/2010/main" xmlns="" val="3386272830"/>
+        <p14:creationId xmlns="" xmlns:p14="http://schemas.microsoft.com/office/powerpoint/2010/main" val="3386272830"/>
       </p:ext>
     </p:extLst>
   </p:cSld>
@@ -21248,7 +21248,7 @@
     </p:spTree>
     <p:extLst>
       <p:ext uri="{BB962C8B-B14F-4D97-AF65-F5344CB8AC3E}">
-        <p14:creationId xmlns:p14="http://schemas.microsoft.com/office/powerpoint/2010/main" xmlns="" val="3386272830"/>
+        <p14:creationId xmlns="" xmlns:p14="http://schemas.microsoft.com/office/powerpoint/2010/main" val="3386272830"/>
       </p:ext>
     </p:extLst>
   </p:cSld>
@@ -22589,16 +22589,7 @@
                 </a:solidFill>
                 <a:ea typeface="造字工房悦圆（非商用）常规体"/>
               </a:rPr>
-              <a:t>v</a:t>
-            </a:r>
-            <a:r>
-              <a:rPr lang="en-US" altLang="zh-CN" sz="2400" dirty="0" smtClean="0">
-                <a:solidFill>
-                  <a:schemeClr val="bg1"/>
-                </a:solidFill>
-                <a:ea typeface="造字工房悦圆（非商用）常规体"/>
-              </a:rPr>
-              <a:t>alue</a:t>
+              <a:t>value</a:t>
             </a:r>
             <a:r>
               <a:rPr lang="zh-CN" altLang="en-US" sz="2400" dirty="0" smtClean="0">
@@ -22710,16 +22701,7 @@
                 </a:solidFill>
                 <a:ea typeface="造字工房悦圆（非商用）常规体"/>
               </a:rPr>
-              <a:t>f</a:t>
-            </a:r>
-            <a:r>
-              <a:rPr lang="en-US" altLang="zh-CN" sz="2400" dirty="0" smtClean="0">
-                <a:solidFill>
-                  <a:schemeClr val="bg1"/>
-                </a:solidFill>
-                <a:ea typeface="造字工房悦圆（非商用）常规体"/>
-              </a:rPr>
-              <a:t>actory</a:t>
+              <a:t>factory</a:t>
             </a:r>
             <a:r>
               <a:rPr lang="zh-CN" altLang="en-US" sz="2400" dirty="0" smtClean="0">
@@ -22836,7 +22818,7 @@
     </p:spTree>
     <p:extLst>
       <p:ext uri="{BB962C8B-B14F-4D97-AF65-F5344CB8AC3E}">
-        <p14:creationId xmlns:p14="http://schemas.microsoft.com/office/powerpoint/2010/main" xmlns="" val="3386272830"/>
+        <p14:creationId xmlns="" xmlns:p14="http://schemas.microsoft.com/office/powerpoint/2010/main" val="3386272830"/>
       </p:ext>
     </p:extLst>
   </p:cSld>
@@ -25102,7 +25084,7 @@
     </p:spTree>
     <p:extLst>
       <p:ext uri="{BB962C8B-B14F-4D97-AF65-F5344CB8AC3E}">
-        <p14:creationId xmlns:p14="http://schemas.microsoft.com/office/powerpoint/2010/main" xmlns="" val="3386272830"/>
+        <p14:creationId xmlns="" xmlns:p14="http://schemas.microsoft.com/office/powerpoint/2010/main" val="3386272830"/>
       </p:ext>
     </p:extLst>
   </p:cSld>
@@ -27228,7 +27210,7 @@
     </p:spTree>
     <p:extLst>
       <p:ext uri="{BB962C8B-B14F-4D97-AF65-F5344CB8AC3E}">
-        <p14:creationId xmlns:p14="http://schemas.microsoft.com/office/powerpoint/2010/main" xmlns="" val="3386272830"/>
+        <p14:creationId xmlns="" xmlns:p14="http://schemas.microsoft.com/office/powerpoint/2010/main" val="3386272830"/>
       </p:ext>
     </p:extLst>
   </p:cSld>
@@ -28687,7 +28669,7 @@
     </p:spTree>
     <p:extLst>
       <p:ext uri="{BB962C8B-B14F-4D97-AF65-F5344CB8AC3E}">
-        <p14:creationId xmlns:p14="http://schemas.microsoft.com/office/powerpoint/2010/main" xmlns="" val="3386272830"/>
+        <p14:creationId xmlns="" xmlns:p14="http://schemas.microsoft.com/office/powerpoint/2010/main" val="3386272830"/>
       </p:ext>
     </p:extLst>
   </p:cSld>
@@ -30070,7 +30052,7 @@
     </p:spTree>
     <p:extLst>
       <p:ext uri="{BB962C8B-B14F-4D97-AF65-F5344CB8AC3E}">
-        <p14:creationId xmlns:p14="http://schemas.microsoft.com/office/powerpoint/2010/main" xmlns="" val="3386272830"/>
+        <p14:creationId xmlns="" xmlns:p14="http://schemas.microsoft.com/office/powerpoint/2010/main" val="3386272830"/>
       </p:ext>
     </p:extLst>
   </p:cSld>
@@ -31589,7 +31571,7 @@
     </p:spTree>
     <p:extLst>
       <p:ext uri="{BB962C8B-B14F-4D97-AF65-F5344CB8AC3E}">
-        <p14:creationId xmlns:p14="http://schemas.microsoft.com/office/powerpoint/2010/main" xmlns="" val="3386272830"/>
+        <p14:creationId xmlns="" xmlns:p14="http://schemas.microsoft.com/office/powerpoint/2010/main" val="3386272830"/>
       </p:ext>
     </p:extLst>
   </p:cSld>
@@ -32989,7 +32971,7 @@
     </p:spTree>
     <p:extLst>
       <p:ext uri="{BB962C8B-B14F-4D97-AF65-F5344CB8AC3E}">
-        <p14:creationId xmlns:p14="http://schemas.microsoft.com/office/powerpoint/2010/main" xmlns="" val="3284861254"/>
+        <p14:creationId xmlns="" xmlns:p14="http://schemas.microsoft.com/office/powerpoint/2010/main" val="3284861254"/>
       </p:ext>
     </p:extLst>
   </p:cSld>
@@ -34247,7 +34229,7 @@
     </p:spTree>
     <p:extLst>
       <p:ext uri="{BB962C8B-B14F-4D97-AF65-F5344CB8AC3E}">
-        <p14:creationId xmlns:p14="http://schemas.microsoft.com/office/powerpoint/2010/main" xmlns="" val="3386272830"/>
+        <p14:creationId xmlns="" xmlns:p14="http://schemas.microsoft.com/office/powerpoint/2010/main" val="3386272830"/>
       </p:ext>
     </p:extLst>
   </p:cSld>
@@ -35951,7 +35933,7 @@
     </p:spTree>
     <p:extLst>
       <p:ext uri="{BB962C8B-B14F-4D97-AF65-F5344CB8AC3E}">
-        <p14:creationId xmlns:p14="http://schemas.microsoft.com/office/powerpoint/2010/main" xmlns="" val="3386272830"/>
+        <p14:creationId xmlns="" xmlns:p14="http://schemas.microsoft.com/office/powerpoint/2010/main" val="3386272830"/>
       </p:ext>
     </p:extLst>
   </p:cSld>
@@ -37740,7 +37722,7 @@
     </p:spTree>
     <p:extLst>
       <p:ext uri="{BB962C8B-B14F-4D97-AF65-F5344CB8AC3E}">
-        <p14:creationId xmlns:p14="http://schemas.microsoft.com/office/powerpoint/2010/main" xmlns="" val="3386272830"/>
+        <p14:creationId xmlns="" xmlns:p14="http://schemas.microsoft.com/office/powerpoint/2010/main" val="3386272830"/>
       </p:ext>
     </p:extLst>
   </p:cSld>
@@ -39646,7 +39628,7 @@
     </p:spTree>
     <p:extLst>
       <p:ext uri="{BB962C8B-B14F-4D97-AF65-F5344CB8AC3E}">
-        <p14:creationId xmlns:p14="http://schemas.microsoft.com/office/powerpoint/2010/main" xmlns="" val="3386272830"/>
+        <p14:creationId xmlns="" xmlns:p14="http://schemas.microsoft.com/office/powerpoint/2010/main" val="3386272830"/>
       </p:ext>
     </p:extLst>
   </p:cSld>
@@ -41645,7 +41627,7 @@
     </p:spTree>
     <p:extLst>
       <p:ext uri="{BB962C8B-B14F-4D97-AF65-F5344CB8AC3E}">
-        <p14:creationId xmlns:p14="http://schemas.microsoft.com/office/powerpoint/2010/main" xmlns="" val="3386272830"/>
+        <p14:creationId xmlns="" xmlns:p14="http://schemas.microsoft.com/office/powerpoint/2010/main" val="3386272830"/>
       </p:ext>
     </p:extLst>
   </p:cSld>
@@ -42771,7 +42753,7 @@
     </p:spTree>
     <p:extLst>
       <p:ext uri="{BB962C8B-B14F-4D97-AF65-F5344CB8AC3E}">
-        <p14:creationId xmlns:p14="http://schemas.microsoft.com/office/powerpoint/2010/main" xmlns="" val="3386272830"/>
+        <p14:creationId xmlns="" xmlns:p14="http://schemas.microsoft.com/office/powerpoint/2010/main" val="3386272830"/>
       </p:ext>
     </p:extLst>
   </p:cSld>
@@ -43781,7 +43763,7 @@
     </p:spTree>
     <p:extLst>
       <p:ext uri="{BB962C8B-B14F-4D97-AF65-F5344CB8AC3E}">
-        <p14:creationId xmlns:p14="http://schemas.microsoft.com/office/powerpoint/2010/main" xmlns="" val="3386272830"/>
+        <p14:creationId xmlns="" xmlns:p14="http://schemas.microsoft.com/office/powerpoint/2010/main" val="3386272830"/>
       </p:ext>
     </p:extLst>
   </p:cSld>
@@ -44054,7 +44036,7 @@
   <a:extraClrSchemeLst/>
   <a:extLst>
     <a:ext uri="{05A4C25C-085E-4340-85A3-A5531E510DB2}">
-      <thm15:themeFamily xmlns:thm15="http://schemas.microsoft.com/office/thememl/2012/main" xmlns="" name="Office Theme" id="{62F939B6-93AF-4DB8-9C6B-D6C7DFDC589F}" vid="{4A3C46E8-61CC-4603-A589-7422A47A8E4A}"/>
+      <thm15:themeFamily xmlns="" xmlns:thm15="http://schemas.microsoft.com/office/thememl/2012/main" name="Office Theme" id="{62F939B6-93AF-4DB8-9C6B-D6C7DFDC589F}" vid="{4A3C46E8-61CC-4603-A589-7422A47A8E4A}"/>
     </a:ext>
   </a:extLst>
 </a:theme>

--- a/AngularJS演示.pptx
+++ b/AngularJS演示.pptx
@@ -5,7 +5,7 @@
     <p:sldMasterId id="2147483648" r:id="rId1"/>
   </p:sldMasterIdLst>
   <p:notesMasterIdLst>
-    <p:notesMasterId r:id="rId26"/>
+    <p:notesMasterId r:id="rId27"/>
   </p:notesMasterIdLst>
   <p:sldIdLst>
     <p:sldId id="256" r:id="rId2"/>
@@ -27,11 +27,12 @@
     <p:sldId id="279" r:id="rId18"/>
     <p:sldId id="280" r:id="rId19"/>
     <p:sldId id="285" r:id="rId20"/>
-    <p:sldId id="281" r:id="rId21"/>
-    <p:sldId id="283" r:id="rId22"/>
-    <p:sldId id="282" r:id="rId23"/>
-    <p:sldId id="284" r:id="rId24"/>
-    <p:sldId id="260" r:id="rId25"/>
+    <p:sldId id="286" r:id="rId21"/>
+    <p:sldId id="281" r:id="rId22"/>
+    <p:sldId id="283" r:id="rId23"/>
+    <p:sldId id="282" r:id="rId24"/>
+    <p:sldId id="284" r:id="rId25"/>
+    <p:sldId id="260" r:id="rId26"/>
   </p:sldIdLst>
   <p:sldSz cx="12192000" cy="6858000"/>
   <p:notesSz cx="6858000" cy="9144000"/>
@@ -132,7 +133,7 @@
   </p:defaultTextStyle>
   <p:extLst>
     <p:ext uri="{EFAFB233-063F-42B5-8137-9DF3F51BA10A}">
-      <p15:sldGuideLst xmlns="" xmlns:p15="http://schemas.microsoft.com/office/powerpoint/2012/main"/>
+      <p15:sldGuideLst xmlns:p15="http://schemas.microsoft.com/office/powerpoint/2012/main" xmlns=""/>
     </p:ext>
   </p:extLst>
 </p:presentation>
@@ -221,7 +222,7 @@
             <a:fld id="{0FB7BC20-A8CE-435D-8215-9C68D7A871BB}" type="datetimeFigureOut">
               <a:rPr lang="zh-CN" altLang="en-US" smtClean="0"/>
               <a:pPr/>
-              <a:t>12-23 Friday</a:t>
+              <a:t>12-27 Tuesday</a:t>
             </a:fld>
             <a:endParaRPr lang="zh-CN" altLang="en-US"/>
           </a:p>
@@ -815,6 +816,88 @@
 </p:notes>
 </file>
 
+<file path=ppt/notesSlides/notesSlide5.xml><?xml version="1.0" encoding="utf-8"?>
+<p:notes xmlns:a="http://schemas.openxmlformats.org/drawingml/2006/main" xmlns:r="http://schemas.openxmlformats.org/officeDocument/2006/relationships" xmlns:p="http://schemas.openxmlformats.org/presentationml/2006/main">
+  <p:cSld>
+    <p:spTree>
+      <p:nvGrpSpPr>
+        <p:cNvPr id="1" name=""/>
+        <p:cNvGrpSpPr/>
+        <p:nvPr/>
+      </p:nvGrpSpPr>
+      <p:grpSpPr>
+        <a:xfrm>
+          <a:off x="0" y="0"/>
+          <a:ext cx="0" cy="0"/>
+          <a:chOff x="0" y="0"/>
+          <a:chExt cx="0" cy="0"/>
+        </a:xfrm>
+      </p:grpSpPr>
+      <p:sp>
+        <p:nvSpPr>
+          <p:cNvPr id="2" name="幻灯片图像占位符 1"/>
+          <p:cNvSpPr>
+            <a:spLocks noGrp="1" noRot="1" noChangeAspect="1"/>
+          </p:cNvSpPr>
+          <p:nvPr>
+            <p:ph type="sldImg"/>
+          </p:nvPr>
+        </p:nvSpPr>
+        <p:spPr/>
+      </p:sp>
+      <p:sp>
+        <p:nvSpPr>
+          <p:cNvPr id="3" name="备注占位符 2"/>
+          <p:cNvSpPr>
+            <a:spLocks noGrp="1"/>
+          </p:cNvSpPr>
+          <p:nvPr>
+            <p:ph type="body" idx="1"/>
+          </p:nvPr>
+        </p:nvSpPr>
+        <p:spPr/>
+        <p:txBody>
+          <a:bodyPr>
+            <a:normAutofit/>
+          </a:bodyPr>
+          <a:lstStyle/>
+          <a:p>
+            <a:endParaRPr lang="zh-CN" altLang="en-US" dirty="0"/>
+          </a:p>
+        </p:txBody>
+      </p:sp>
+      <p:sp>
+        <p:nvSpPr>
+          <p:cNvPr id="4" name="灯片编号占位符 3"/>
+          <p:cNvSpPr>
+            <a:spLocks noGrp="1"/>
+          </p:cNvSpPr>
+          <p:nvPr>
+            <p:ph type="sldNum" sz="quarter" idx="10"/>
+          </p:nvPr>
+        </p:nvSpPr>
+        <p:spPr/>
+        <p:txBody>
+          <a:bodyPr/>
+          <a:lstStyle/>
+          <a:p>
+            <a:fld id="{466ACD28-26EC-4CD0-8A70-18374D83F2C5}" type="slidenum">
+              <a:rPr lang="zh-CN" altLang="en-US" smtClean="0"/>
+              <a:pPr/>
+              <a:t>20</a:t>
+            </a:fld>
+            <a:endParaRPr lang="zh-CN" altLang="en-US"/>
+          </a:p>
+        </p:txBody>
+      </p:sp>
+    </p:spTree>
+  </p:cSld>
+  <p:clrMapOvr>
+    <a:masterClrMapping/>
+  </p:clrMapOvr>
+</p:notes>
+</file>
+
 <file path=ppt/slideLayouts/slideLayout1.xml><?xml version="1.0" encoding="utf-8"?>
 <p:sldLayout xmlns:a="http://schemas.openxmlformats.org/drawingml/2006/main" xmlns:r="http://schemas.openxmlformats.org/officeDocument/2006/relationships" xmlns:p="http://schemas.openxmlformats.org/presentationml/2006/main" type="title" preserve="1">
   <p:cSld name="标题幻灯片">
@@ -947,7 +1030,7 @@
             <a:fld id="{32D35100-D539-42A6-851C-69A7D2D91D1A}" type="datetimeFigureOut">
               <a:rPr lang="zh-CN" altLang="en-US" smtClean="0"/>
               <a:pPr/>
-              <a:t>12-23 Friday</a:t>
+              <a:t>12-27 Tuesday</a:t>
             </a:fld>
             <a:endParaRPr lang="zh-CN" altLang="en-US"/>
           </a:p>
@@ -999,7 +1082,7 @@
     </p:spTree>
     <p:extLst>
       <p:ext uri="{BB962C8B-B14F-4D97-AF65-F5344CB8AC3E}">
-        <p14:creationId xmlns="" xmlns:p14="http://schemas.microsoft.com/office/powerpoint/2010/main" val="3024029738"/>
+        <p14:creationId xmlns:p14="http://schemas.microsoft.com/office/powerpoint/2010/main" xmlns="" val="3024029738"/>
       </p:ext>
     </p:extLst>
   </p:cSld>
@@ -1120,7 +1203,7 @@
             <a:fld id="{32D35100-D539-42A6-851C-69A7D2D91D1A}" type="datetimeFigureOut">
               <a:rPr lang="zh-CN" altLang="en-US" smtClean="0"/>
               <a:pPr/>
-              <a:t>12-23 Friday</a:t>
+              <a:t>12-27 Tuesday</a:t>
             </a:fld>
             <a:endParaRPr lang="zh-CN" altLang="en-US"/>
           </a:p>
@@ -1172,7 +1255,7 @@
     </p:spTree>
     <p:extLst>
       <p:ext uri="{BB962C8B-B14F-4D97-AF65-F5344CB8AC3E}">
-        <p14:creationId xmlns="" xmlns:p14="http://schemas.microsoft.com/office/powerpoint/2010/main" val="343241554"/>
+        <p14:creationId xmlns:p14="http://schemas.microsoft.com/office/powerpoint/2010/main" xmlns="" val="343241554"/>
       </p:ext>
     </p:extLst>
   </p:cSld>
@@ -1303,7 +1386,7 @@
             <a:fld id="{32D35100-D539-42A6-851C-69A7D2D91D1A}" type="datetimeFigureOut">
               <a:rPr lang="zh-CN" altLang="en-US" smtClean="0"/>
               <a:pPr/>
-              <a:t>12-23 Friday</a:t>
+              <a:t>12-27 Tuesday</a:t>
             </a:fld>
             <a:endParaRPr lang="zh-CN" altLang="en-US"/>
           </a:p>
@@ -1355,7 +1438,7 @@
     </p:spTree>
     <p:extLst>
       <p:ext uri="{BB962C8B-B14F-4D97-AF65-F5344CB8AC3E}">
-        <p14:creationId xmlns="" xmlns:p14="http://schemas.microsoft.com/office/powerpoint/2010/main" val="1508326006"/>
+        <p14:creationId xmlns:p14="http://schemas.microsoft.com/office/powerpoint/2010/main" xmlns="" val="1508326006"/>
       </p:ext>
     </p:extLst>
   </p:cSld>
@@ -1476,7 +1559,7 @@
             <a:fld id="{32D35100-D539-42A6-851C-69A7D2D91D1A}" type="datetimeFigureOut">
               <a:rPr lang="zh-CN" altLang="en-US" smtClean="0"/>
               <a:pPr/>
-              <a:t>12-23 Friday</a:t>
+              <a:t>12-27 Tuesday</a:t>
             </a:fld>
             <a:endParaRPr lang="zh-CN" altLang="en-US"/>
           </a:p>
@@ -1528,7 +1611,7 @@
     </p:spTree>
     <p:extLst>
       <p:ext uri="{BB962C8B-B14F-4D97-AF65-F5344CB8AC3E}">
-        <p14:creationId xmlns="" xmlns:p14="http://schemas.microsoft.com/office/powerpoint/2010/main" val="1759505212"/>
+        <p14:creationId xmlns:p14="http://schemas.microsoft.com/office/powerpoint/2010/main" xmlns="" val="1759505212"/>
       </p:ext>
     </p:extLst>
   </p:cSld>
@@ -1725,7 +1808,7 @@
             <a:fld id="{32D35100-D539-42A6-851C-69A7D2D91D1A}" type="datetimeFigureOut">
               <a:rPr lang="zh-CN" altLang="en-US" smtClean="0"/>
               <a:pPr/>
-              <a:t>12-23 Friday</a:t>
+              <a:t>12-27 Tuesday</a:t>
             </a:fld>
             <a:endParaRPr lang="zh-CN" altLang="en-US"/>
           </a:p>
@@ -1777,7 +1860,7 @@
     </p:spTree>
     <p:extLst>
       <p:ext uri="{BB962C8B-B14F-4D97-AF65-F5344CB8AC3E}">
-        <p14:creationId xmlns="" xmlns:p14="http://schemas.microsoft.com/office/powerpoint/2010/main" val="2417609714"/>
+        <p14:creationId xmlns:p14="http://schemas.microsoft.com/office/powerpoint/2010/main" xmlns="" val="2417609714"/>
       </p:ext>
     </p:extLst>
   </p:cSld>
@@ -1960,7 +2043,7 @@
             <a:fld id="{32D35100-D539-42A6-851C-69A7D2D91D1A}" type="datetimeFigureOut">
               <a:rPr lang="zh-CN" altLang="en-US" smtClean="0"/>
               <a:pPr/>
-              <a:t>12-23 Friday</a:t>
+              <a:t>12-27 Tuesday</a:t>
             </a:fld>
             <a:endParaRPr lang="zh-CN" altLang="en-US"/>
           </a:p>
@@ -2012,7 +2095,7 @@
     </p:spTree>
     <p:extLst>
       <p:ext uri="{BB962C8B-B14F-4D97-AF65-F5344CB8AC3E}">
-        <p14:creationId xmlns="" xmlns:p14="http://schemas.microsoft.com/office/powerpoint/2010/main" val="3609596728"/>
+        <p14:creationId xmlns:p14="http://schemas.microsoft.com/office/powerpoint/2010/main" xmlns="" val="3609596728"/>
       </p:ext>
     </p:extLst>
   </p:cSld>
@@ -2330,7 +2413,7 @@
             <a:fld id="{32D35100-D539-42A6-851C-69A7D2D91D1A}" type="datetimeFigureOut">
               <a:rPr lang="zh-CN" altLang="en-US" smtClean="0"/>
               <a:pPr/>
-              <a:t>12-23 Friday</a:t>
+              <a:t>12-27 Tuesday</a:t>
             </a:fld>
             <a:endParaRPr lang="zh-CN" altLang="en-US"/>
           </a:p>
@@ -2382,7 +2465,7 @@
     </p:spTree>
     <p:extLst>
       <p:ext uri="{BB962C8B-B14F-4D97-AF65-F5344CB8AC3E}">
-        <p14:creationId xmlns="" xmlns:p14="http://schemas.microsoft.com/office/powerpoint/2010/main" val="4285565082"/>
+        <p14:creationId xmlns:p14="http://schemas.microsoft.com/office/powerpoint/2010/main" xmlns="" val="4285565082"/>
       </p:ext>
     </p:extLst>
   </p:cSld>
@@ -2451,7 +2534,7 @@
             <a:fld id="{32D35100-D539-42A6-851C-69A7D2D91D1A}" type="datetimeFigureOut">
               <a:rPr lang="zh-CN" altLang="en-US" smtClean="0"/>
               <a:pPr/>
-              <a:t>12-23 Friday</a:t>
+              <a:t>12-27 Tuesday</a:t>
             </a:fld>
             <a:endParaRPr lang="zh-CN" altLang="en-US"/>
           </a:p>
@@ -2503,7 +2586,7 @@
     </p:spTree>
     <p:extLst>
       <p:ext uri="{BB962C8B-B14F-4D97-AF65-F5344CB8AC3E}">
-        <p14:creationId xmlns="" xmlns:p14="http://schemas.microsoft.com/office/powerpoint/2010/main" val="2676369298"/>
+        <p14:creationId xmlns:p14="http://schemas.microsoft.com/office/powerpoint/2010/main" xmlns="" val="2676369298"/>
       </p:ext>
     </p:extLst>
   </p:cSld>
@@ -2549,7 +2632,7 @@
             <a:fld id="{32D35100-D539-42A6-851C-69A7D2D91D1A}" type="datetimeFigureOut">
               <a:rPr lang="zh-CN" altLang="en-US" smtClean="0"/>
               <a:pPr/>
-              <a:t>12-23 Friday</a:t>
+              <a:t>12-27 Tuesday</a:t>
             </a:fld>
             <a:endParaRPr lang="zh-CN" altLang="en-US"/>
           </a:p>
@@ -2601,7 +2684,7 @@
     </p:spTree>
     <p:extLst>
       <p:ext uri="{BB962C8B-B14F-4D97-AF65-F5344CB8AC3E}">
-        <p14:creationId xmlns="" xmlns:p14="http://schemas.microsoft.com/office/powerpoint/2010/main" val="2259663268"/>
+        <p14:creationId xmlns:p14="http://schemas.microsoft.com/office/powerpoint/2010/main" xmlns="" val="2259663268"/>
       </p:ext>
     </p:extLst>
   </p:cSld>
@@ -2829,7 +2912,7 @@
             <a:fld id="{32D35100-D539-42A6-851C-69A7D2D91D1A}" type="datetimeFigureOut">
               <a:rPr lang="zh-CN" altLang="en-US" smtClean="0"/>
               <a:pPr/>
-              <a:t>12-23 Friday</a:t>
+              <a:t>12-27 Tuesday</a:t>
             </a:fld>
             <a:endParaRPr lang="zh-CN" altLang="en-US"/>
           </a:p>
@@ -2881,7 +2964,7 @@
     </p:spTree>
     <p:extLst>
       <p:ext uri="{BB962C8B-B14F-4D97-AF65-F5344CB8AC3E}">
-        <p14:creationId xmlns="" xmlns:p14="http://schemas.microsoft.com/office/powerpoint/2010/main" val="3401749403"/>
+        <p14:creationId xmlns:p14="http://schemas.microsoft.com/office/powerpoint/2010/main" xmlns="" val="3401749403"/>
       </p:ext>
     </p:extLst>
   </p:cSld>
@@ -3085,7 +3168,7 @@
             <a:fld id="{32D35100-D539-42A6-851C-69A7D2D91D1A}" type="datetimeFigureOut">
               <a:rPr lang="zh-CN" altLang="en-US" smtClean="0"/>
               <a:pPr/>
-              <a:t>12-23 Friday</a:t>
+              <a:t>12-27 Tuesday</a:t>
             </a:fld>
             <a:endParaRPr lang="zh-CN" altLang="en-US"/>
           </a:p>
@@ -3137,7 +3220,7 @@
     </p:spTree>
     <p:extLst>
       <p:ext uri="{BB962C8B-B14F-4D97-AF65-F5344CB8AC3E}">
-        <p14:creationId xmlns="" xmlns:p14="http://schemas.microsoft.com/office/powerpoint/2010/main" val="3963904103"/>
+        <p14:creationId xmlns:p14="http://schemas.microsoft.com/office/powerpoint/2010/main" xmlns="" val="3963904103"/>
       </p:ext>
     </p:extLst>
   </p:cSld>
@@ -3182,7 +3265,7 @@
           <a:blip r:embed="rId13" cstate="email">
             <a:extLst>
               <a:ext uri="{28A0092B-C50C-407E-A947-70E740481C1C}">
-                <a14:useLocalDpi xmlns="" xmlns:a14="http://schemas.microsoft.com/office/drawing/2010/main"/>
+                <a14:useLocalDpi xmlns:a14="http://schemas.microsoft.com/office/drawing/2010/main" xmlns=""/>
               </a:ext>
             </a:extLst>
           </a:blip>
@@ -3331,7 +3414,7 @@
             <a:fld id="{32D35100-D539-42A6-851C-69A7D2D91D1A}" type="datetimeFigureOut">
               <a:rPr lang="zh-CN" altLang="en-US" smtClean="0"/>
               <a:pPr/>
-              <a:t>12-23 Friday</a:t>
+              <a:t>12-27 Tuesday</a:t>
             </a:fld>
             <a:endParaRPr lang="zh-CN" altLang="en-US"/>
           </a:p>
@@ -3419,7 +3502,7 @@
     </p:spTree>
     <p:extLst>
       <p:ext uri="{BB962C8B-B14F-4D97-AF65-F5344CB8AC3E}">
-        <p14:creationId xmlns="" xmlns:p14="http://schemas.microsoft.com/office/powerpoint/2010/main" val="2611925279"/>
+        <p14:creationId xmlns:p14="http://schemas.microsoft.com/office/powerpoint/2010/main" xmlns="" val="2611925279"/>
       </p:ext>
     </p:extLst>
   </p:cSld>
@@ -4731,7 +4814,7 @@
     </p:spTree>
     <p:extLst>
       <p:ext uri="{BB962C8B-B14F-4D97-AF65-F5344CB8AC3E}">
-        <p14:creationId xmlns="" xmlns:p14="http://schemas.microsoft.com/office/powerpoint/2010/main" val="2079182328"/>
+        <p14:creationId xmlns:p14="http://schemas.microsoft.com/office/powerpoint/2010/main" xmlns="" val="2079182328"/>
       </p:ext>
     </p:extLst>
   </p:cSld>
@@ -6135,7 +6218,7 @@
     </p:spTree>
     <p:extLst>
       <p:ext uri="{BB962C8B-B14F-4D97-AF65-F5344CB8AC3E}">
-        <p14:creationId xmlns="" xmlns:p14="http://schemas.microsoft.com/office/powerpoint/2010/main" val="3386272830"/>
+        <p14:creationId xmlns:p14="http://schemas.microsoft.com/office/powerpoint/2010/main" xmlns="" val="3386272830"/>
       </p:ext>
     </p:extLst>
   </p:cSld>
@@ -8268,7 +8351,7 @@
     </p:spTree>
     <p:extLst>
       <p:ext uri="{BB962C8B-B14F-4D97-AF65-F5344CB8AC3E}">
-        <p14:creationId xmlns="" xmlns:p14="http://schemas.microsoft.com/office/powerpoint/2010/main" val="3386272830"/>
+        <p14:creationId xmlns:p14="http://schemas.microsoft.com/office/powerpoint/2010/main" xmlns="" val="3386272830"/>
       </p:ext>
     </p:extLst>
   </p:cSld>
@@ -10255,7 +10338,7 @@
     </p:spTree>
     <p:extLst>
       <p:ext uri="{BB962C8B-B14F-4D97-AF65-F5344CB8AC3E}">
-        <p14:creationId xmlns="" xmlns:p14="http://schemas.microsoft.com/office/powerpoint/2010/main" val="3386272830"/>
+        <p14:creationId xmlns:p14="http://schemas.microsoft.com/office/powerpoint/2010/main" xmlns="" val="3386272830"/>
       </p:ext>
     </p:extLst>
   </p:cSld>
@@ -12893,7 +12976,7 @@
     </p:spTree>
     <p:extLst>
       <p:ext uri="{BB962C8B-B14F-4D97-AF65-F5344CB8AC3E}">
-        <p14:creationId xmlns="" xmlns:p14="http://schemas.microsoft.com/office/powerpoint/2010/main" val="3386272830"/>
+        <p14:creationId xmlns:p14="http://schemas.microsoft.com/office/powerpoint/2010/main" xmlns="" val="3386272830"/>
       </p:ext>
     </p:extLst>
   </p:cSld>
@@ -15067,7 +15150,7 @@
     </p:spTree>
     <p:extLst>
       <p:ext uri="{BB962C8B-B14F-4D97-AF65-F5344CB8AC3E}">
-        <p14:creationId xmlns="" xmlns:p14="http://schemas.microsoft.com/office/powerpoint/2010/main" val="3386272830"/>
+        <p14:creationId xmlns:p14="http://schemas.microsoft.com/office/powerpoint/2010/main" xmlns="" val="3386272830"/>
       </p:ext>
     </p:extLst>
   </p:cSld>
@@ -16624,7 +16707,7 @@
     </p:spTree>
     <p:extLst>
       <p:ext uri="{BB962C8B-B14F-4D97-AF65-F5344CB8AC3E}">
-        <p14:creationId xmlns="" xmlns:p14="http://schemas.microsoft.com/office/powerpoint/2010/main" val="3386272830"/>
+        <p14:creationId xmlns:p14="http://schemas.microsoft.com/office/powerpoint/2010/main" xmlns="" val="3386272830"/>
       </p:ext>
     </p:extLst>
   </p:cSld>
@@ -18140,7 +18223,7 @@
     </p:spTree>
     <p:extLst>
       <p:ext uri="{BB962C8B-B14F-4D97-AF65-F5344CB8AC3E}">
-        <p14:creationId xmlns="" xmlns:p14="http://schemas.microsoft.com/office/powerpoint/2010/main" val="3386272830"/>
+        <p14:creationId xmlns:p14="http://schemas.microsoft.com/office/powerpoint/2010/main" xmlns="" val="3386272830"/>
       </p:ext>
     </p:extLst>
   </p:cSld>
@@ -19840,7 +19923,7 @@
     </p:spTree>
     <p:extLst>
       <p:ext uri="{BB962C8B-B14F-4D97-AF65-F5344CB8AC3E}">
-        <p14:creationId xmlns="" xmlns:p14="http://schemas.microsoft.com/office/powerpoint/2010/main" val="3386272830"/>
+        <p14:creationId xmlns:p14="http://schemas.microsoft.com/office/powerpoint/2010/main" xmlns="" val="3386272830"/>
       </p:ext>
     </p:extLst>
   </p:cSld>
@@ -21248,7 +21331,7 @@
     </p:spTree>
     <p:extLst>
       <p:ext uri="{BB962C8B-B14F-4D97-AF65-F5344CB8AC3E}">
-        <p14:creationId xmlns="" xmlns:p14="http://schemas.microsoft.com/office/powerpoint/2010/main" val="3386272830"/>
+        <p14:creationId xmlns:p14="http://schemas.microsoft.com/office/powerpoint/2010/main" xmlns="" val="3386272830"/>
       </p:ext>
     </p:extLst>
   </p:cSld>
@@ -22680,7 +22763,7 @@
         </p:nvSpPr>
         <p:spPr>
           <a:xfrm>
-            <a:off x="1700824" y="3377222"/>
+            <a:off x="1700824" y="3326422"/>
             <a:ext cx="5423876" cy="461665"/>
           </a:xfrm>
           <a:prstGeom prst="rect">
@@ -22756,7 +22839,7 @@
         </p:nvSpPr>
         <p:spPr>
           <a:xfrm>
-            <a:off x="1713524" y="4139222"/>
+            <a:off x="1713524" y="4088422"/>
             <a:ext cx="6541476" cy="830997"/>
           </a:xfrm>
           <a:prstGeom prst="rect">
@@ -22818,7 +22901,7 @@
     </p:spTree>
     <p:extLst>
       <p:ext uri="{BB962C8B-B14F-4D97-AF65-F5344CB8AC3E}">
-        <p14:creationId xmlns="" xmlns:p14="http://schemas.microsoft.com/office/powerpoint/2010/main" val="3386272830"/>
+        <p14:creationId xmlns:p14="http://schemas.microsoft.com/office/powerpoint/2010/main" xmlns="" val="3386272830"/>
       </p:ext>
     </p:extLst>
   </p:cSld>
@@ -25084,7 +25167,7 @@
     </p:spTree>
     <p:extLst>
       <p:ext uri="{BB962C8B-B14F-4D97-AF65-F5344CB8AC3E}">
-        <p14:creationId xmlns="" xmlns:p14="http://schemas.microsoft.com/office/powerpoint/2010/main" val="3386272830"/>
+        <p14:creationId xmlns:p14="http://schemas.microsoft.com/office/powerpoint/2010/main" xmlns="" val="3386272830"/>
       </p:ext>
     </p:extLst>
   </p:cSld>
@@ -25936,6 +26019,1891 @@
           <a:chExt cx="0" cy="0"/>
         </a:xfrm>
       </p:grpSpPr>
+      <p:grpSp>
+        <p:nvGrpSpPr>
+          <p:cNvPr id="2" name="组合 31"/>
+          <p:cNvGrpSpPr/>
+          <p:nvPr/>
+        </p:nvGrpSpPr>
+        <p:grpSpPr>
+          <a:xfrm rot="16200000">
+            <a:off x="9868693" y="294751"/>
+            <a:ext cx="2684464" cy="1962151"/>
+            <a:chOff x="5947983" y="731507"/>
+            <a:chExt cx="2971525" cy="2171971"/>
+          </a:xfrm>
+        </p:grpSpPr>
+        <p:sp>
+          <p:nvSpPr>
+            <p:cNvPr id="29" name="任意多边形 28"/>
+            <p:cNvSpPr/>
+            <p:nvPr/>
+          </p:nvSpPr>
+          <p:spPr>
+            <a:xfrm>
+              <a:off x="5947983" y="834364"/>
+              <a:ext cx="2204704" cy="2069114"/>
+            </a:xfrm>
+            <a:custGeom>
+              <a:avLst/>
+              <a:gdLst>
+                <a:gd name="connsiteX0" fmla="*/ 1849312 w 2204704"/>
+                <a:gd name="connsiteY0" fmla="*/ 1064 h 2069114"/>
+                <a:gd name="connsiteX1" fmla="*/ 2058594 w 2204704"/>
+                <a:gd name="connsiteY1" fmla="*/ 82732 h 2069114"/>
+                <a:gd name="connsiteX2" fmla="*/ 2121972 w 2204704"/>
+                <a:gd name="connsiteY2" fmla="*/ 622474 h 2069114"/>
+                <a:gd name="connsiteX3" fmla="*/ 979367 w 2204704"/>
+                <a:gd name="connsiteY3" fmla="*/ 2069114 h 2069114"/>
+                <a:gd name="connsiteX4" fmla="*/ 0 w 2204704"/>
+                <a:gd name="connsiteY4" fmla="*/ 2069114 h 2069114"/>
+                <a:gd name="connsiteX5" fmla="*/ 1518853 w 2204704"/>
+                <a:gd name="connsiteY5" fmla="*/ 146110 h 2069114"/>
+                <a:gd name="connsiteX6" fmla="*/ 1849312 w 2204704"/>
+                <a:gd name="connsiteY6" fmla="*/ 1064 h 2069114"/>
+              </a:gdLst>
+              <a:ahLst/>
+              <a:cxnLst>
+                <a:cxn ang="0">
+                  <a:pos x="connsiteX0" y="connsiteY0"/>
+                </a:cxn>
+                <a:cxn ang="0">
+                  <a:pos x="connsiteX1" y="connsiteY1"/>
+                </a:cxn>
+                <a:cxn ang="0">
+                  <a:pos x="connsiteX2" y="connsiteY2"/>
+                </a:cxn>
+                <a:cxn ang="0">
+                  <a:pos x="connsiteX3" y="connsiteY3"/>
+                </a:cxn>
+                <a:cxn ang="0">
+                  <a:pos x="connsiteX4" y="connsiteY4"/>
+                </a:cxn>
+                <a:cxn ang="0">
+                  <a:pos x="connsiteX5" y="connsiteY5"/>
+                </a:cxn>
+                <a:cxn ang="0">
+                  <a:pos x="connsiteX6" y="connsiteY6"/>
+                </a:cxn>
+              </a:cxnLst>
+              <a:rect l="l" t="t" r="r" b="b"/>
+              <a:pathLst>
+                <a:path w="2204704" h="2069114">
+                  <a:moveTo>
+                    <a:pt x="1849312" y="1064"/>
+                  </a:moveTo>
+                  <a:cubicBezTo>
+                    <a:pt x="1923123" y="6563"/>
+                    <a:pt x="1996139" y="33403"/>
+                    <a:pt x="2058594" y="82732"/>
+                  </a:cubicBezTo>
+                  <a:cubicBezTo>
+                    <a:pt x="2225141" y="214276"/>
+                    <a:pt x="2253516" y="455927"/>
+                    <a:pt x="2121972" y="622474"/>
+                  </a:cubicBezTo>
+                  <a:lnTo>
+                    <a:pt x="979367" y="2069114"/>
+                  </a:lnTo>
+                  <a:lnTo>
+                    <a:pt x="0" y="2069114"/>
+                  </a:lnTo>
+                  <a:lnTo>
+                    <a:pt x="1518853" y="146110"/>
+                  </a:lnTo>
+                  <a:cubicBezTo>
+                    <a:pt x="1601068" y="42018"/>
+                    <a:pt x="1726294" y="-8100"/>
+                    <a:pt x="1849312" y="1064"/>
+                  </a:cubicBezTo>
+                  <a:close/>
+                </a:path>
+              </a:pathLst>
+            </a:custGeom>
+            <a:solidFill>
+              <a:srgbClr val="40E3F6"/>
+            </a:solidFill>
+            <a:ln>
+              <a:noFill/>
+            </a:ln>
+          </p:spPr>
+          <p:style>
+            <a:lnRef idx="2">
+              <a:schemeClr val="accent1">
+                <a:shade val="50000"/>
+              </a:schemeClr>
+            </a:lnRef>
+            <a:fillRef idx="1">
+              <a:schemeClr val="accent1"/>
+            </a:fillRef>
+            <a:effectRef idx="0">
+              <a:schemeClr val="accent1"/>
+            </a:effectRef>
+            <a:fontRef idx="minor">
+              <a:schemeClr val="lt1"/>
+            </a:fontRef>
+          </p:style>
+          <p:txBody>
+            <a:bodyPr rtlCol="0" anchor="ctr"/>
+            <a:lstStyle/>
+            <a:p>
+              <a:pPr algn="ctr"/>
+              <a:endParaRPr lang="zh-CN" altLang="en-US"/>
+            </a:p>
+          </p:txBody>
+        </p:sp>
+        <p:sp>
+          <p:nvSpPr>
+            <p:cNvPr id="30" name="任意多边形 29"/>
+            <p:cNvSpPr/>
+            <p:nvPr/>
+          </p:nvSpPr>
+          <p:spPr>
+            <a:xfrm>
+              <a:off x="6605207" y="731507"/>
+              <a:ext cx="2314301" cy="2171971"/>
+            </a:xfrm>
+            <a:custGeom>
+              <a:avLst/>
+              <a:gdLst>
+                <a:gd name="connsiteX0" fmla="*/ 1849312 w 2204704"/>
+                <a:gd name="connsiteY0" fmla="*/ 1064 h 2069114"/>
+                <a:gd name="connsiteX1" fmla="*/ 2058594 w 2204704"/>
+                <a:gd name="connsiteY1" fmla="*/ 82732 h 2069114"/>
+                <a:gd name="connsiteX2" fmla="*/ 2121972 w 2204704"/>
+                <a:gd name="connsiteY2" fmla="*/ 622474 h 2069114"/>
+                <a:gd name="connsiteX3" fmla="*/ 979367 w 2204704"/>
+                <a:gd name="connsiteY3" fmla="*/ 2069114 h 2069114"/>
+                <a:gd name="connsiteX4" fmla="*/ 0 w 2204704"/>
+                <a:gd name="connsiteY4" fmla="*/ 2069114 h 2069114"/>
+                <a:gd name="connsiteX5" fmla="*/ 1518853 w 2204704"/>
+                <a:gd name="connsiteY5" fmla="*/ 146110 h 2069114"/>
+                <a:gd name="connsiteX6" fmla="*/ 1849312 w 2204704"/>
+                <a:gd name="connsiteY6" fmla="*/ 1064 h 2069114"/>
+              </a:gdLst>
+              <a:ahLst/>
+              <a:cxnLst>
+                <a:cxn ang="0">
+                  <a:pos x="connsiteX0" y="connsiteY0"/>
+                </a:cxn>
+                <a:cxn ang="0">
+                  <a:pos x="connsiteX1" y="connsiteY1"/>
+                </a:cxn>
+                <a:cxn ang="0">
+                  <a:pos x="connsiteX2" y="connsiteY2"/>
+                </a:cxn>
+                <a:cxn ang="0">
+                  <a:pos x="connsiteX3" y="connsiteY3"/>
+                </a:cxn>
+                <a:cxn ang="0">
+                  <a:pos x="connsiteX4" y="connsiteY4"/>
+                </a:cxn>
+                <a:cxn ang="0">
+                  <a:pos x="connsiteX5" y="connsiteY5"/>
+                </a:cxn>
+                <a:cxn ang="0">
+                  <a:pos x="connsiteX6" y="connsiteY6"/>
+                </a:cxn>
+              </a:cxnLst>
+              <a:rect l="l" t="t" r="r" b="b"/>
+              <a:pathLst>
+                <a:path w="2204704" h="2069114">
+                  <a:moveTo>
+                    <a:pt x="1849312" y="1064"/>
+                  </a:moveTo>
+                  <a:cubicBezTo>
+                    <a:pt x="1923123" y="6563"/>
+                    <a:pt x="1996139" y="33403"/>
+                    <a:pt x="2058594" y="82732"/>
+                  </a:cubicBezTo>
+                  <a:cubicBezTo>
+                    <a:pt x="2225141" y="214276"/>
+                    <a:pt x="2253516" y="455927"/>
+                    <a:pt x="2121972" y="622474"/>
+                  </a:cubicBezTo>
+                  <a:lnTo>
+                    <a:pt x="979367" y="2069114"/>
+                  </a:lnTo>
+                  <a:lnTo>
+                    <a:pt x="0" y="2069114"/>
+                  </a:lnTo>
+                  <a:lnTo>
+                    <a:pt x="1518853" y="146110"/>
+                  </a:lnTo>
+                  <a:cubicBezTo>
+                    <a:pt x="1601068" y="42018"/>
+                    <a:pt x="1726294" y="-8100"/>
+                    <a:pt x="1849312" y="1064"/>
+                  </a:cubicBezTo>
+                  <a:close/>
+                </a:path>
+              </a:pathLst>
+            </a:custGeom>
+            <a:solidFill>
+              <a:schemeClr val="bg1">
+                <a:alpha val="24000"/>
+              </a:schemeClr>
+            </a:solidFill>
+            <a:ln>
+              <a:noFill/>
+            </a:ln>
+          </p:spPr>
+          <p:style>
+            <a:lnRef idx="2">
+              <a:schemeClr val="accent1">
+                <a:shade val="50000"/>
+              </a:schemeClr>
+            </a:lnRef>
+            <a:fillRef idx="1">
+              <a:schemeClr val="accent1"/>
+            </a:fillRef>
+            <a:effectRef idx="0">
+              <a:schemeClr val="accent1"/>
+            </a:effectRef>
+            <a:fontRef idx="minor">
+              <a:schemeClr val="lt1"/>
+            </a:fontRef>
+          </p:style>
+          <p:txBody>
+            <a:bodyPr rtlCol="0" anchor="ctr"/>
+            <a:lstStyle/>
+            <a:p>
+              <a:pPr algn="ctr"/>
+              <a:endParaRPr lang="zh-CN" altLang="en-US"/>
+            </a:p>
+          </p:txBody>
+        </p:sp>
+        <p:sp>
+          <p:nvSpPr>
+            <p:cNvPr id="31" name="任意多边形 30"/>
+            <p:cNvSpPr/>
+            <p:nvPr/>
+          </p:nvSpPr>
+          <p:spPr>
+            <a:xfrm>
+              <a:off x="7367208" y="1626856"/>
+              <a:ext cx="1360279" cy="1276621"/>
+            </a:xfrm>
+            <a:custGeom>
+              <a:avLst/>
+              <a:gdLst>
+                <a:gd name="connsiteX0" fmla="*/ 1849312 w 2204704"/>
+                <a:gd name="connsiteY0" fmla="*/ 1064 h 2069114"/>
+                <a:gd name="connsiteX1" fmla="*/ 2058594 w 2204704"/>
+                <a:gd name="connsiteY1" fmla="*/ 82732 h 2069114"/>
+                <a:gd name="connsiteX2" fmla="*/ 2121972 w 2204704"/>
+                <a:gd name="connsiteY2" fmla="*/ 622474 h 2069114"/>
+                <a:gd name="connsiteX3" fmla="*/ 979367 w 2204704"/>
+                <a:gd name="connsiteY3" fmla="*/ 2069114 h 2069114"/>
+                <a:gd name="connsiteX4" fmla="*/ 0 w 2204704"/>
+                <a:gd name="connsiteY4" fmla="*/ 2069114 h 2069114"/>
+                <a:gd name="connsiteX5" fmla="*/ 1518853 w 2204704"/>
+                <a:gd name="connsiteY5" fmla="*/ 146110 h 2069114"/>
+                <a:gd name="connsiteX6" fmla="*/ 1849312 w 2204704"/>
+                <a:gd name="connsiteY6" fmla="*/ 1064 h 2069114"/>
+              </a:gdLst>
+              <a:ahLst/>
+              <a:cxnLst>
+                <a:cxn ang="0">
+                  <a:pos x="connsiteX0" y="connsiteY0"/>
+                </a:cxn>
+                <a:cxn ang="0">
+                  <a:pos x="connsiteX1" y="connsiteY1"/>
+                </a:cxn>
+                <a:cxn ang="0">
+                  <a:pos x="connsiteX2" y="connsiteY2"/>
+                </a:cxn>
+                <a:cxn ang="0">
+                  <a:pos x="connsiteX3" y="connsiteY3"/>
+                </a:cxn>
+                <a:cxn ang="0">
+                  <a:pos x="connsiteX4" y="connsiteY4"/>
+                </a:cxn>
+                <a:cxn ang="0">
+                  <a:pos x="connsiteX5" y="connsiteY5"/>
+                </a:cxn>
+                <a:cxn ang="0">
+                  <a:pos x="connsiteX6" y="connsiteY6"/>
+                </a:cxn>
+              </a:cxnLst>
+              <a:rect l="l" t="t" r="r" b="b"/>
+              <a:pathLst>
+                <a:path w="2204704" h="2069114">
+                  <a:moveTo>
+                    <a:pt x="1849312" y="1064"/>
+                  </a:moveTo>
+                  <a:cubicBezTo>
+                    <a:pt x="1923123" y="6563"/>
+                    <a:pt x="1996139" y="33403"/>
+                    <a:pt x="2058594" y="82732"/>
+                  </a:cubicBezTo>
+                  <a:cubicBezTo>
+                    <a:pt x="2225141" y="214276"/>
+                    <a:pt x="2253516" y="455927"/>
+                    <a:pt x="2121972" y="622474"/>
+                  </a:cubicBezTo>
+                  <a:lnTo>
+                    <a:pt x="979367" y="2069114"/>
+                  </a:lnTo>
+                  <a:lnTo>
+                    <a:pt x="0" y="2069114"/>
+                  </a:lnTo>
+                  <a:lnTo>
+                    <a:pt x="1518853" y="146110"/>
+                  </a:lnTo>
+                  <a:cubicBezTo>
+                    <a:pt x="1601068" y="42018"/>
+                    <a:pt x="1726294" y="-8100"/>
+                    <a:pt x="1849312" y="1064"/>
+                  </a:cubicBezTo>
+                  <a:close/>
+                </a:path>
+              </a:pathLst>
+            </a:custGeom>
+            <a:solidFill>
+              <a:srgbClr val="7030A0">
+                <a:alpha val="46000"/>
+              </a:srgbClr>
+            </a:solidFill>
+            <a:ln>
+              <a:noFill/>
+            </a:ln>
+          </p:spPr>
+          <p:style>
+            <a:lnRef idx="2">
+              <a:schemeClr val="accent1">
+                <a:shade val="50000"/>
+              </a:schemeClr>
+            </a:lnRef>
+            <a:fillRef idx="1">
+              <a:schemeClr val="accent1"/>
+            </a:fillRef>
+            <a:effectRef idx="0">
+              <a:schemeClr val="accent1"/>
+            </a:effectRef>
+            <a:fontRef idx="minor">
+              <a:schemeClr val="lt1"/>
+            </a:fontRef>
+          </p:style>
+          <p:txBody>
+            <a:bodyPr rtlCol="0" anchor="ctr"/>
+            <a:lstStyle/>
+            <a:p>
+              <a:pPr algn="ctr"/>
+              <a:endParaRPr lang="zh-CN" altLang="en-US"/>
+            </a:p>
+          </p:txBody>
+        </p:sp>
+      </p:grpSp>
+      <p:grpSp>
+        <p:nvGrpSpPr>
+          <p:cNvPr id="3" name="组合 32"/>
+          <p:cNvGrpSpPr/>
+          <p:nvPr/>
+        </p:nvGrpSpPr>
+        <p:grpSpPr>
+          <a:xfrm rot="5400000">
+            <a:off x="-399777" y="4457698"/>
+            <a:ext cx="2971525" cy="2171971"/>
+            <a:chOff x="3891293" y="1133475"/>
+            <a:chExt cx="2971525" cy="2171971"/>
+          </a:xfrm>
+        </p:grpSpPr>
+        <p:sp>
+          <p:nvSpPr>
+            <p:cNvPr id="25" name="任意多边形 24"/>
+            <p:cNvSpPr/>
+            <p:nvPr/>
+          </p:nvSpPr>
+          <p:spPr>
+            <a:xfrm>
+              <a:off x="3891293" y="1236332"/>
+              <a:ext cx="2204704" cy="2069114"/>
+            </a:xfrm>
+            <a:custGeom>
+              <a:avLst/>
+              <a:gdLst>
+                <a:gd name="connsiteX0" fmla="*/ 1849312 w 2204704"/>
+                <a:gd name="connsiteY0" fmla="*/ 1064 h 2069114"/>
+                <a:gd name="connsiteX1" fmla="*/ 2058594 w 2204704"/>
+                <a:gd name="connsiteY1" fmla="*/ 82732 h 2069114"/>
+                <a:gd name="connsiteX2" fmla="*/ 2121972 w 2204704"/>
+                <a:gd name="connsiteY2" fmla="*/ 622474 h 2069114"/>
+                <a:gd name="connsiteX3" fmla="*/ 979367 w 2204704"/>
+                <a:gd name="connsiteY3" fmla="*/ 2069114 h 2069114"/>
+                <a:gd name="connsiteX4" fmla="*/ 0 w 2204704"/>
+                <a:gd name="connsiteY4" fmla="*/ 2069114 h 2069114"/>
+                <a:gd name="connsiteX5" fmla="*/ 1518853 w 2204704"/>
+                <a:gd name="connsiteY5" fmla="*/ 146110 h 2069114"/>
+                <a:gd name="connsiteX6" fmla="*/ 1849312 w 2204704"/>
+                <a:gd name="connsiteY6" fmla="*/ 1064 h 2069114"/>
+              </a:gdLst>
+              <a:ahLst/>
+              <a:cxnLst>
+                <a:cxn ang="0">
+                  <a:pos x="connsiteX0" y="connsiteY0"/>
+                </a:cxn>
+                <a:cxn ang="0">
+                  <a:pos x="connsiteX1" y="connsiteY1"/>
+                </a:cxn>
+                <a:cxn ang="0">
+                  <a:pos x="connsiteX2" y="connsiteY2"/>
+                </a:cxn>
+                <a:cxn ang="0">
+                  <a:pos x="connsiteX3" y="connsiteY3"/>
+                </a:cxn>
+                <a:cxn ang="0">
+                  <a:pos x="connsiteX4" y="connsiteY4"/>
+                </a:cxn>
+                <a:cxn ang="0">
+                  <a:pos x="connsiteX5" y="connsiteY5"/>
+                </a:cxn>
+                <a:cxn ang="0">
+                  <a:pos x="connsiteX6" y="connsiteY6"/>
+                </a:cxn>
+              </a:cxnLst>
+              <a:rect l="l" t="t" r="r" b="b"/>
+              <a:pathLst>
+                <a:path w="2204704" h="2069114">
+                  <a:moveTo>
+                    <a:pt x="1849312" y="1064"/>
+                  </a:moveTo>
+                  <a:cubicBezTo>
+                    <a:pt x="1923123" y="6563"/>
+                    <a:pt x="1996139" y="33403"/>
+                    <a:pt x="2058594" y="82732"/>
+                  </a:cubicBezTo>
+                  <a:cubicBezTo>
+                    <a:pt x="2225141" y="214276"/>
+                    <a:pt x="2253516" y="455927"/>
+                    <a:pt x="2121972" y="622474"/>
+                  </a:cubicBezTo>
+                  <a:lnTo>
+                    <a:pt x="979367" y="2069114"/>
+                  </a:lnTo>
+                  <a:lnTo>
+                    <a:pt x="0" y="2069114"/>
+                  </a:lnTo>
+                  <a:lnTo>
+                    <a:pt x="1518853" y="146110"/>
+                  </a:lnTo>
+                  <a:cubicBezTo>
+                    <a:pt x="1601068" y="42018"/>
+                    <a:pt x="1726294" y="-8100"/>
+                    <a:pt x="1849312" y="1064"/>
+                  </a:cubicBezTo>
+                  <a:close/>
+                </a:path>
+              </a:pathLst>
+            </a:custGeom>
+            <a:solidFill>
+              <a:srgbClr val="40E3F6"/>
+            </a:solidFill>
+            <a:ln>
+              <a:noFill/>
+            </a:ln>
+          </p:spPr>
+          <p:style>
+            <a:lnRef idx="2">
+              <a:schemeClr val="accent1">
+                <a:shade val="50000"/>
+              </a:schemeClr>
+            </a:lnRef>
+            <a:fillRef idx="1">
+              <a:schemeClr val="accent1"/>
+            </a:fillRef>
+            <a:effectRef idx="0">
+              <a:schemeClr val="accent1"/>
+            </a:effectRef>
+            <a:fontRef idx="minor">
+              <a:schemeClr val="lt1"/>
+            </a:fontRef>
+          </p:style>
+          <p:txBody>
+            <a:bodyPr rtlCol="0" anchor="ctr"/>
+            <a:lstStyle/>
+            <a:p>
+              <a:pPr algn="ctr"/>
+              <a:endParaRPr lang="zh-CN" altLang="en-US"/>
+            </a:p>
+          </p:txBody>
+        </p:sp>
+        <p:sp>
+          <p:nvSpPr>
+            <p:cNvPr id="27" name="任意多边形 26"/>
+            <p:cNvSpPr/>
+            <p:nvPr/>
+          </p:nvSpPr>
+          <p:spPr>
+            <a:xfrm>
+              <a:off x="4548517" y="1133475"/>
+              <a:ext cx="2314301" cy="2171971"/>
+            </a:xfrm>
+            <a:custGeom>
+              <a:avLst/>
+              <a:gdLst>
+                <a:gd name="connsiteX0" fmla="*/ 1849312 w 2204704"/>
+                <a:gd name="connsiteY0" fmla="*/ 1064 h 2069114"/>
+                <a:gd name="connsiteX1" fmla="*/ 2058594 w 2204704"/>
+                <a:gd name="connsiteY1" fmla="*/ 82732 h 2069114"/>
+                <a:gd name="connsiteX2" fmla="*/ 2121972 w 2204704"/>
+                <a:gd name="connsiteY2" fmla="*/ 622474 h 2069114"/>
+                <a:gd name="connsiteX3" fmla="*/ 979367 w 2204704"/>
+                <a:gd name="connsiteY3" fmla="*/ 2069114 h 2069114"/>
+                <a:gd name="connsiteX4" fmla="*/ 0 w 2204704"/>
+                <a:gd name="connsiteY4" fmla="*/ 2069114 h 2069114"/>
+                <a:gd name="connsiteX5" fmla="*/ 1518853 w 2204704"/>
+                <a:gd name="connsiteY5" fmla="*/ 146110 h 2069114"/>
+                <a:gd name="connsiteX6" fmla="*/ 1849312 w 2204704"/>
+                <a:gd name="connsiteY6" fmla="*/ 1064 h 2069114"/>
+              </a:gdLst>
+              <a:ahLst/>
+              <a:cxnLst>
+                <a:cxn ang="0">
+                  <a:pos x="connsiteX0" y="connsiteY0"/>
+                </a:cxn>
+                <a:cxn ang="0">
+                  <a:pos x="connsiteX1" y="connsiteY1"/>
+                </a:cxn>
+                <a:cxn ang="0">
+                  <a:pos x="connsiteX2" y="connsiteY2"/>
+                </a:cxn>
+                <a:cxn ang="0">
+                  <a:pos x="connsiteX3" y="connsiteY3"/>
+                </a:cxn>
+                <a:cxn ang="0">
+                  <a:pos x="connsiteX4" y="connsiteY4"/>
+                </a:cxn>
+                <a:cxn ang="0">
+                  <a:pos x="connsiteX5" y="connsiteY5"/>
+                </a:cxn>
+                <a:cxn ang="0">
+                  <a:pos x="connsiteX6" y="connsiteY6"/>
+                </a:cxn>
+              </a:cxnLst>
+              <a:rect l="l" t="t" r="r" b="b"/>
+              <a:pathLst>
+                <a:path w="2204704" h="2069114">
+                  <a:moveTo>
+                    <a:pt x="1849312" y="1064"/>
+                  </a:moveTo>
+                  <a:cubicBezTo>
+                    <a:pt x="1923123" y="6563"/>
+                    <a:pt x="1996139" y="33403"/>
+                    <a:pt x="2058594" y="82732"/>
+                  </a:cubicBezTo>
+                  <a:cubicBezTo>
+                    <a:pt x="2225141" y="214276"/>
+                    <a:pt x="2253516" y="455927"/>
+                    <a:pt x="2121972" y="622474"/>
+                  </a:cubicBezTo>
+                  <a:lnTo>
+                    <a:pt x="979367" y="2069114"/>
+                  </a:lnTo>
+                  <a:lnTo>
+                    <a:pt x="0" y="2069114"/>
+                  </a:lnTo>
+                  <a:lnTo>
+                    <a:pt x="1518853" y="146110"/>
+                  </a:lnTo>
+                  <a:cubicBezTo>
+                    <a:pt x="1601068" y="42018"/>
+                    <a:pt x="1726294" y="-8100"/>
+                    <a:pt x="1849312" y="1064"/>
+                  </a:cubicBezTo>
+                  <a:close/>
+                </a:path>
+              </a:pathLst>
+            </a:custGeom>
+            <a:solidFill>
+              <a:schemeClr val="bg1">
+                <a:alpha val="24000"/>
+              </a:schemeClr>
+            </a:solidFill>
+            <a:ln>
+              <a:noFill/>
+            </a:ln>
+          </p:spPr>
+          <p:style>
+            <a:lnRef idx="2">
+              <a:schemeClr val="accent1">
+                <a:shade val="50000"/>
+              </a:schemeClr>
+            </a:lnRef>
+            <a:fillRef idx="1">
+              <a:schemeClr val="accent1"/>
+            </a:fillRef>
+            <a:effectRef idx="0">
+              <a:schemeClr val="accent1"/>
+            </a:effectRef>
+            <a:fontRef idx="minor">
+              <a:schemeClr val="lt1"/>
+            </a:fontRef>
+          </p:style>
+          <p:txBody>
+            <a:bodyPr rtlCol="0" anchor="ctr"/>
+            <a:lstStyle/>
+            <a:p>
+              <a:pPr algn="ctr"/>
+              <a:endParaRPr lang="zh-CN" altLang="en-US"/>
+            </a:p>
+          </p:txBody>
+        </p:sp>
+        <p:sp>
+          <p:nvSpPr>
+            <p:cNvPr id="28" name="任意多边形 27"/>
+            <p:cNvSpPr/>
+            <p:nvPr/>
+          </p:nvSpPr>
+          <p:spPr>
+            <a:xfrm>
+              <a:off x="5310518" y="2028824"/>
+              <a:ext cx="1360279" cy="1276621"/>
+            </a:xfrm>
+            <a:custGeom>
+              <a:avLst/>
+              <a:gdLst>
+                <a:gd name="connsiteX0" fmla="*/ 1849312 w 2204704"/>
+                <a:gd name="connsiteY0" fmla="*/ 1064 h 2069114"/>
+                <a:gd name="connsiteX1" fmla="*/ 2058594 w 2204704"/>
+                <a:gd name="connsiteY1" fmla="*/ 82732 h 2069114"/>
+                <a:gd name="connsiteX2" fmla="*/ 2121972 w 2204704"/>
+                <a:gd name="connsiteY2" fmla="*/ 622474 h 2069114"/>
+                <a:gd name="connsiteX3" fmla="*/ 979367 w 2204704"/>
+                <a:gd name="connsiteY3" fmla="*/ 2069114 h 2069114"/>
+                <a:gd name="connsiteX4" fmla="*/ 0 w 2204704"/>
+                <a:gd name="connsiteY4" fmla="*/ 2069114 h 2069114"/>
+                <a:gd name="connsiteX5" fmla="*/ 1518853 w 2204704"/>
+                <a:gd name="connsiteY5" fmla="*/ 146110 h 2069114"/>
+                <a:gd name="connsiteX6" fmla="*/ 1849312 w 2204704"/>
+                <a:gd name="connsiteY6" fmla="*/ 1064 h 2069114"/>
+              </a:gdLst>
+              <a:ahLst/>
+              <a:cxnLst>
+                <a:cxn ang="0">
+                  <a:pos x="connsiteX0" y="connsiteY0"/>
+                </a:cxn>
+                <a:cxn ang="0">
+                  <a:pos x="connsiteX1" y="connsiteY1"/>
+                </a:cxn>
+                <a:cxn ang="0">
+                  <a:pos x="connsiteX2" y="connsiteY2"/>
+                </a:cxn>
+                <a:cxn ang="0">
+                  <a:pos x="connsiteX3" y="connsiteY3"/>
+                </a:cxn>
+                <a:cxn ang="0">
+                  <a:pos x="connsiteX4" y="connsiteY4"/>
+                </a:cxn>
+                <a:cxn ang="0">
+                  <a:pos x="connsiteX5" y="connsiteY5"/>
+                </a:cxn>
+                <a:cxn ang="0">
+                  <a:pos x="connsiteX6" y="connsiteY6"/>
+                </a:cxn>
+              </a:cxnLst>
+              <a:rect l="l" t="t" r="r" b="b"/>
+              <a:pathLst>
+                <a:path w="2204704" h="2069114">
+                  <a:moveTo>
+                    <a:pt x="1849312" y="1064"/>
+                  </a:moveTo>
+                  <a:cubicBezTo>
+                    <a:pt x="1923123" y="6563"/>
+                    <a:pt x="1996139" y="33403"/>
+                    <a:pt x="2058594" y="82732"/>
+                  </a:cubicBezTo>
+                  <a:cubicBezTo>
+                    <a:pt x="2225141" y="214276"/>
+                    <a:pt x="2253516" y="455927"/>
+                    <a:pt x="2121972" y="622474"/>
+                  </a:cubicBezTo>
+                  <a:lnTo>
+                    <a:pt x="979367" y="2069114"/>
+                  </a:lnTo>
+                  <a:lnTo>
+                    <a:pt x="0" y="2069114"/>
+                  </a:lnTo>
+                  <a:lnTo>
+                    <a:pt x="1518853" y="146110"/>
+                  </a:lnTo>
+                  <a:cubicBezTo>
+                    <a:pt x="1601068" y="42018"/>
+                    <a:pt x="1726294" y="-8100"/>
+                    <a:pt x="1849312" y="1064"/>
+                  </a:cubicBezTo>
+                  <a:close/>
+                </a:path>
+              </a:pathLst>
+            </a:custGeom>
+            <a:solidFill>
+              <a:srgbClr val="7030A0">
+                <a:alpha val="46000"/>
+              </a:srgbClr>
+            </a:solidFill>
+            <a:ln>
+              <a:noFill/>
+            </a:ln>
+          </p:spPr>
+          <p:style>
+            <a:lnRef idx="2">
+              <a:schemeClr val="accent1">
+                <a:shade val="50000"/>
+              </a:schemeClr>
+            </a:lnRef>
+            <a:fillRef idx="1">
+              <a:schemeClr val="accent1"/>
+            </a:fillRef>
+            <a:effectRef idx="0">
+              <a:schemeClr val="accent1"/>
+            </a:effectRef>
+            <a:fontRef idx="minor">
+              <a:schemeClr val="lt1"/>
+            </a:fontRef>
+          </p:style>
+          <p:txBody>
+            <a:bodyPr rtlCol="0" anchor="ctr"/>
+            <a:lstStyle/>
+            <a:p>
+              <a:pPr algn="ctr"/>
+              <a:endParaRPr lang="zh-CN" altLang="en-US"/>
+            </a:p>
+          </p:txBody>
+        </p:sp>
+      </p:grpSp>
+      <p:sp>
+        <p:nvSpPr>
+          <p:cNvPr id="35" name="矩形 34"/>
+          <p:cNvSpPr/>
+          <p:nvPr/>
+        </p:nvSpPr>
+        <p:spPr>
+          <a:xfrm>
+            <a:off x="101908" y="130750"/>
+            <a:ext cx="1192795" cy="1126550"/>
+          </a:xfrm>
+          <a:prstGeom prst="rect">
+            <a:avLst/>
+          </a:prstGeom>
+          <a:solidFill>
+            <a:srgbClr val="40E3F6"/>
+          </a:solidFill>
+          <a:ln w="12700">
+            <a:noFill/>
+          </a:ln>
+        </p:spPr>
+        <p:style>
+          <a:lnRef idx="2">
+            <a:schemeClr val="accent1">
+              <a:shade val="50000"/>
+            </a:schemeClr>
+          </a:lnRef>
+          <a:fillRef idx="1">
+            <a:schemeClr val="accent1"/>
+          </a:fillRef>
+          <a:effectRef idx="0">
+            <a:schemeClr val="accent1"/>
+          </a:effectRef>
+          <a:fontRef idx="minor">
+            <a:schemeClr val="lt1"/>
+          </a:fontRef>
+        </p:style>
+        <p:txBody>
+          <a:bodyPr rtlCol="0" anchor="ctr"/>
+          <a:lstStyle/>
+          <a:p>
+            <a:pPr algn="ctr"/>
+            <a:r>
+              <a:rPr lang="en-US" altLang="zh-CN" sz="3200" dirty="0" smtClean="0">
+                <a:solidFill>
+                  <a:schemeClr val="bg1"/>
+                </a:solidFill>
+              </a:rPr>
+              <a:t>LOGO</a:t>
+            </a:r>
+            <a:endParaRPr lang="zh-CN" altLang="en-US" sz="3200" dirty="0">
+              <a:solidFill>
+                <a:schemeClr val="bg1"/>
+              </a:solidFill>
+            </a:endParaRPr>
+          </a:p>
+        </p:txBody>
+      </p:sp>
+      <p:sp>
+        <p:nvSpPr>
+          <p:cNvPr id="34" name="矩形 33"/>
+          <p:cNvSpPr/>
+          <p:nvPr/>
+        </p:nvSpPr>
+        <p:spPr>
+          <a:xfrm>
+            <a:off x="101908" y="130750"/>
+            <a:ext cx="1180627" cy="1126550"/>
+          </a:xfrm>
+          <a:prstGeom prst="rect">
+            <a:avLst/>
+          </a:prstGeom>
+          <a:solidFill>
+            <a:srgbClr val="40E3F6"/>
+          </a:solidFill>
+          <a:ln w="12700">
+            <a:noFill/>
+          </a:ln>
+        </p:spPr>
+        <p:style>
+          <a:lnRef idx="2">
+            <a:schemeClr val="accent1">
+              <a:shade val="50000"/>
+            </a:schemeClr>
+          </a:lnRef>
+          <a:fillRef idx="1">
+            <a:schemeClr val="accent1"/>
+          </a:fillRef>
+          <a:effectRef idx="0">
+            <a:schemeClr val="accent1"/>
+          </a:effectRef>
+          <a:fontRef idx="minor">
+            <a:schemeClr val="lt1"/>
+          </a:fontRef>
+        </p:style>
+        <p:txBody>
+          <a:bodyPr rtlCol="0" anchor="ctr"/>
+          <a:lstStyle/>
+          <a:p>
+            <a:pPr algn="ctr"/>
+            <a:endParaRPr lang="zh-CN" altLang="en-US" sz="3200" dirty="0">
+              <a:solidFill>
+                <a:schemeClr val="bg1"/>
+              </a:solidFill>
+            </a:endParaRPr>
+          </a:p>
+        </p:txBody>
+      </p:sp>
+      <p:pic>
+        <p:nvPicPr>
+          <p:cNvPr id="36" name="图片 35" descr="angular.jpg"/>
+          <p:cNvPicPr>
+            <a:picLocks noChangeAspect="1"/>
+          </p:cNvPicPr>
+          <p:nvPr/>
+        </p:nvPicPr>
+        <p:blipFill>
+          <a:blip r:embed="rId3" cstate="print"/>
+          <a:stretch>
+            <a:fillRect/>
+          </a:stretch>
+        </p:blipFill>
+        <p:spPr>
+          <a:xfrm>
+            <a:off x="191180" y="184254"/>
+            <a:ext cx="1008228" cy="1008228"/>
+          </a:xfrm>
+          <a:prstGeom prst="rect">
+            <a:avLst/>
+          </a:prstGeom>
+        </p:spPr>
+      </p:pic>
+      <p:sp>
+        <p:nvSpPr>
+          <p:cNvPr id="45" name="文本框 18"/>
+          <p:cNvSpPr txBox="1"/>
+          <p:nvPr/>
+        </p:nvSpPr>
+        <p:spPr>
+          <a:xfrm>
+            <a:off x="1686460" y="590417"/>
+            <a:ext cx="3812640" cy="523220"/>
+          </a:xfrm>
+          <a:prstGeom prst="rect">
+            <a:avLst/>
+          </a:prstGeom>
+          <a:noFill/>
+        </p:spPr>
+        <p:txBody>
+          <a:bodyPr wrap="square" rtlCol="0">
+            <a:spAutoFit/>
+          </a:bodyPr>
+          <a:lstStyle/>
+          <a:p>
+            <a:r>
+              <a:rPr lang="zh-CN" altLang="en-US" sz="2800" dirty="0" smtClean="0">
+                <a:solidFill>
+                  <a:srgbClr val="7030A0"/>
+                </a:solidFill>
+                <a:latin typeface="造字工房悦圆（非商用）常规体" pitchFamily="50" charset="-122"/>
+                <a:ea typeface="造字工房悦圆（非商用）常规体" pitchFamily="50" charset="-122"/>
+              </a:rPr>
+              <a:t>什么时候使用</a:t>
+            </a:r>
+            <a:r>
+              <a:rPr lang="en-US" altLang="zh-CN" sz="2800" dirty="0" smtClean="0">
+                <a:solidFill>
+                  <a:srgbClr val="7030A0"/>
+                </a:solidFill>
+                <a:latin typeface="造字工房悦圆（非商用）常规体" pitchFamily="50" charset="-122"/>
+                <a:ea typeface="造字工房悦圆（非商用）常规体" pitchFamily="50" charset="-122"/>
+              </a:rPr>
+              <a:t>factory</a:t>
+            </a:r>
+            <a:endParaRPr lang="zh-CN" altLang="en-US" sz="2800" dirty="0">
+              <a:solidFill>
+                <a:srgbClr val="7030A0"/>
+              </a:solidFill>
+              <a:latin typeface="造字工房悦圆（非商用）常规体" pitchFamily="50" charset="-122"/>
+              <a:ea typeface="造字工房悦圆（非商用）常规体" pitchFamily="50" charset="-122"/>
+            </a:endParaRPr>
+          </a:p>
+        </p:txBody>
+      </p:sp>
+      <p:sp>
+        <p:nvSpPr>
+          <p:cNvPr id="50" name="TextBox 49"/>
+          <p:cNvSpPr txBox="1"/>
+          <p:nvPr/>
+        </p:nvSpPr>
+        <p:spPr>
+          <a:xfrm>
+            <a:off x="1700824" y="1180122"/>
+            <a:ext cx="7252676" cy="400110"/>
+          </a:xfrm>
+          <a:prstGeom prst="rect">
+            <a:avLst/>
+          </a:prstGeom>
+          <a:noFill/>
+        </p:spPr>
+        <p:txBody>
+          <a:bodyPr wrap="square" rtlCol="0">
+            <a:spAutoFit/>
+          </a:bodyPr>
+          <a:lstStyle/>
+          <a:p>
+            <a:r>
+              <a:rPr lang="zh-CN" altLang="en-US" sz="2000" dirty="0" smtClean="0">
+                <a:solidFill>
+                  <a:schemeClr val="bg1"/>
+                </a:solidFill>
+                <a:ea typeface="造字工房悦圆（非商用）常规体"/>
+              </a:rPr>
+              <a:t>仅仅需要的是一个方法和数据的集合且不需要处理复杂的逻辑</a:t>
+            </a:r>
+            <a:endParaRPr lang="zh-CN" altLang="en-US" sz="2000" dirty="0">
+              <a:solidFill>
+                <a:schemeClr val="bg1"/>
+              </a:solidFill>
+              <a:ea typeface="造字工房悦圆（非商用）常规体"/>
+            </a:endParaRPr>
+          </a:p>
+        </p:txBody>
+      </p:sp>
+      <p:sp>
+        <p:nvSpPr>
+          <p:cNvPr id="21" name="文本框 18"/>
+          <p:cNvSpPr txBox="1"/>
+          <p:nvPr/>
+        </p:nvSpPr>
+        <p:spPr>
+          <a:xfrm>
+            <a:off x="1699160" y="1987417"/>
+            <a:ext cx="3812640" cy="523220"/>
+          </a:xfrm>
+          <a:prstGeom prst="rect">
+            <a:avLst/>
+          </a:prstGeom>
+          <a:noFill/>
+        </p:spPr>
+        <p:txBody>
+          <a:bodyPr wrap="square" rtlCol="0">
+            <a:spAutoFit/>
+          </a:bodyPr>
+          <a:lstStyle/>
+          <a:p>
+            <a:r>
+              <a:rPr lang="zh-CN" altLang="en-US" sz="2800" dirty="0" smtClean="0">
+                <a:solidFill>
+                  <a:srgbClr val="7030A0"/>
+                </a:solidFill>
+                <a:latin typeface="造字工房悦圆（非商用）常规体" pitchFamily="50" charset="-122"/>
+                <a:ea typeface="造字工房悦圆（非商用）常规体" pitchFamily="50" charset="-122"/>
+              </a:rPr>
+              <a:t>什么时候使</a:t>
+            </a:r>
+            <a:r>
+              <a:rPr lang="zh-CN" altLang="en-US" sz="2800" dirty="0" smtClean="0">
+                <a:solidFill>
+                  <a:srgbClr val="7030A0"/>
+                </a:solidFill>
+                <a:latin typeface="造字工房悦圆（非商用）常规体" pitchFamily="50" charset="-122"/>
+                <a:ea typeface="造字工房悦圆（非商用）常规体" pitchFamily="50" charset="-122"/>
+              </a:rPr>
+              <a:t>用</a:t>
+            </a:r>
+            <a:r>
+              <a:rPr lang="en-US" altLang="zh-CN" sz="2800" dirty="0" smtClean="0">
+                <a:solidFill>
+                  <a:srgbClr val="7030A0"/>
+                </a:solidFill>
+                <a:latin typeface="造字工房悦圆（非商用）常规体" pitchFamily="50" charset="-122"/>
+                <a:ea typeface="造字工房悦圆（非商用）常规体" pitchFamily="50" charset="-122"/>
+              </a:rPr>
+              <a:t>service</a:t>
+            </a:r>
+            <a:endParaRPr lang="zh-CN" altLang="en-US" sz="2800" dirty="0">
+              <a:solidFill>
+                <a:srgbClr val="7030A0"/>
+              </a:solidFill>
+              <a:latin typeface="造字工房悦圆（非商用）常规体" pitchFamily="50" charset="-122"/>
+              <a:ea typeface="造字工房悦圆（非商用）常规体" pitchFamily="50" charset="-122"/>
+            </a:endParaRPr>
+          </a:p>
+        </p:txBody>
+      </p:sp>
+      <p:sp>
+        <p:nvSpPr>
+          <p:cNvPr id="22" name="TextBox 21"/>
+          <p:cNvSpPr txBox="1"/>
+          <p:nvPr/>
+        </p:nvSpPr>
+        <p:spPr>
+          <a:xfrm>
+            <a:off x="1713524" y="2577122"/>
+            <a:ext cx="5474676" cy="400110"/>
+          </a:xfrm>
+          <a:prstGeom prst="rect">
+            <a:avLst/>
+          </a:prstGeom>
+          <a:noFill/>
+        </p:spPr>
+        <p:txBody>
+          <a:bodyPr wrap="square" rtlCol="0">
+            <a:spAutoFit/>
+          </a:bodyPr>
+          <a:lstStyle/>
+          <a:p>
+            <a:r>
+              <a:rPr lang="zh-CN" altLang="en-US" sz="2000" dirty="0" smtClean="0">
+                <a:solidFill>
+                  <a:schemeClr val="bg1"/>
+                </a:solidFill>
+                <a:ea typeface="造字工房悦圆（非商用）常规体"/>
+              </a:rPr>
+              <a:t>使用在功能控制比较多的</a:t>
+            </a:r>
+            <a:r>
+              <a:rPr lang="en-US" altLang="zh-CN" sz="2000" dirty="0" smtClean="0">
+                <a:solidFill>
+                  <a:schemeClr val="bg1"/>
+                </a:solidFill>
+                <a:ea typeface="造字工房悦圆（非商用）常规体"/>
+              </a:rPr>
+              <a:t>service</a:t>
+            </a:r>
+            <a:r>
+              <a:rPr lang="zh-CN" altLang="en-US" sz="2000" dirty="0" smtClean="0">
+                <a:solidFill>
+                  <a:schemeClr val="bg1"/>
+                </a:solidFill>
+                <a:ea typeface="造字工房悦圆（非商用）常规体"/>
+              </a:rPr>
+              <a:t>里面</a:t>
+            </a:r>
+            <a:endParaRPr lang="zh-CN" altLang="en-US" sz="2000" dirty="0">
+              <a:solidFill>
+                <a:schemeClr val="bg1"/>
+              </a:solidFill>
+              <a:ea typeface="造字工房悦圆（非商用）常规体"/>
+            </a:endParaRPr>
+          </a:p>
+        </p:txBody>
+      </p:sp>
+      <p:sp>
+        <p:nvSpPr>
+          <p:cNvPr id="23" name="文本框 18"/>
+          <p:cNvSpPr txBox="1"/>
+          <p:nvPr/>
+        </p:nvSpPr>
+        <p:spPr>
+          <a:xfrm>
+            <a:off x="1711860" y="3409817"/>
+            <a:ext cx="3812640" cy="523220"/>
+          </a:xfrm>
+          <a:prstGeom prst="rect">
+            <a:avLst/>
+          </a:prstGeom>
+          <a:noFill/>
+        </p:spPr>
+        <p:txBody>
+          <a:bodyPr wrap="square" rtlCol="0">
+            <a:spAutoFit/>
+          </a:bodyPr>
+          <a:lstStyle/>
+          <a:p>
+            <a:r>
+              <a:rPr lang="zh-CN" altLang="en-US" sz="2800" dirty="0" smtClean="0">
+                <a:solidFill>
+                  <a:srgbClr val="7030A0"/>
+                </a:solidFill>
+                <a:latin typeface="造字工房悦圆（非商用）常规体" pitchFamily="50" charset="-122"/>
+                <a:ea typeface="造字工房悦圆（非商用）常规体" pitchFamily="50" charset="-122"/>
+              </a:rPr>
+              <a:t>什么时候使</a:t>
+            </a:r>
+            <a:r>
+              <a:rPr lang="zh-CN" altLang="en-US" sz="2800" dirty="0" smtClean="0">
+                <a:solidFill>
+                  <a:srgbClr val="7030A0"/>
+                </a:solidFill>
+                <a:latin typeface="造字工房悦圆（非商用）常规体" pitchFamily="50" charset="-122"/>
+                <a:ea typeface="造字工房悦圆（非商用）常规体" pitchFamily="50" charset="-122"/>
+              </a:rPr>
+              <a:t>用</a:t>
+            </a:r>
+            <a:r>
+              <a:rPr lang="en-US" altLang="zh-CN" sz="2800" dirty="0" smtClean="0">
+                <a:solidFill>
+                  <a:srgbClr val="7030A0"/>
+                </a:solidFill>
+                <a:latin typeface="造字工房悦圆（非商用）常规体" pitchFamily="50" charset="-122"/>
+                <a:ea typeface="造字工房悦圆（非商用）常规体" pitchFamily="50" charset="-122"/>
+              </a:rPr>
+              <a:t>provider</a:t>
+            </a:r>
+            <a:endParaRPr lang="zh-CN" altLang="en-US" sz="2800" dirty="0">
+              <a:solidFill>
+                <a:srgbClr val="7030A0"/>
+              </a:solidFill>
+              <a:latin typeface="造字工房悦圆（非商用）常规体" pitchFamily="50" charset="-122"/>
+              <a:ea typeface="造字工房悦圆（非商用）常规体" pitchFamily="50" charset="-122"/>
+            </a:endParaRPr>
+          </a:p>
+        </p:txBody>
+      </p:sp>
+      <p:sp>
+        <p:nvSpPr>
+          <p:cNvPr id="24" name="TextBox 23"/>
+          <p:cNvSpPr txBox="1"/>
+          <p:nvPr/>
+        </p:nvSpPr>
+        <p:spPr>
+          <a:xfrm>
+            <a:off x="1726224" y="3999522"/>
+            <a:ext cx="7481276" cy="1323439"/>
+          </a:xfrm>
+          <a:prstGeom prst="rect">
+            <a:avLst/>
+          </a:prstGeom>
+          <a:noFill/>
+        </p:spPr>
+        <p:txBody>
+          <a:bodyPr wrap="square" rtlCol="0">
+            <a:spAutoFit/>
+          </a:bodyPr>
+          <a:lstStyle/>
+          <a:p>
+            <a:r>
+              <a:rPr lang="zh-CN" altLang="en-US" sz="2000" dirty="0" smtClean="0">
+                <a:solidFill>
+                  <a:schemeClr val="bg1"/>
+                </a:solidFill>
+                <a:ea typeface="造字工房悦圆（非商用）常规体"/>
+              </a:rPr>
+              <a:t>当我们希望在应用开始前对</a:t>
+            </a:r>
+            <a:r>
+              <a:rPr lang="en-US" altLang="zh-CN" sz="2000" dirty="0" smtClean="0">
+                <a:solidFill>
+                  <a:schemeClr val="bg1"/>
+                </a:solidFill>
+                <a:ea typeface="造字工房悦圆（非商用）常规体"/>
+              </a:rPr>
+              <a:t>service</a:t>
+            </a:r>
+            <a:r>
+              <a:rPr lang="zh-CN" altLang="en-US" sz="2000" dirty="0" smtClean="0">
+                <a:solidFill>
+                  <a:schemeClr val="bg1"/>
+                </a:solidFill>
+                <a:ea typeface="造字工房悦圆（非商用）常规体"/>
+              </a:rPr>
+              <a:t>进行配置的时候就需要使用到</a:t>
+            </a:r>
+            <a:r>
+              <a:rPr lang="en-US" altLang="zh-CN" sz="2000" dirty="0" smtClean="0">
+                <a:solidFill>
+                  <a:schemeClr val="bg1"/>
+                </a:solidFill>
+                <a:ea typeface="造字工房悦圆（非商用）常规体"/>
+              </a:rPr>
+              <a:t>provider()</a:t>
+            </a:r>
+            <a:r>
+              <a:rPr lang="zh-CN" altLang="en-US" sz="2000" dirty="0" smtClean="0">
+                <a:solidFill>
+                  <a:schemeClr val="bg1"/>
+                </a:solidFill>
+                <a:ea typeface="造字工房悦圆（非商用）常规体"/>
+              </a:rPr>
+              <a:t>。比如，我们需要配置</a:t>
+            </a:r>
+            <a:r>
+              <a:rPr lang="en-US" altLang="zh-CN" sz="2000" dirty="0" smtClean="0">
+                <a:solidFill>
+                  <a:schemeClr val="bg1"/>
+                </a:solidFill>
+                <a:ea typeface="造字工房悦圆（非商用）常规体"/>
+              </a:rPr>
+              <a:t>services</a:t>
+            </a:r>
+            <a:r>
+              <a:rPr lang="zh-CN" altLang="en-US" sz="2000" dirty="0" smtClean="0">
+                <a:solidFill>
+                  <a:schemeClr val="bg1"/>
+                </a:solidFill>
+                <a:ea typeface="造字工房悦圆（非商用）常规体"/>
+              </a:rPr>
+              <a:t>在不同的部署环境里面（开发，演示，生产）使用不同的后端处理的时候就可以使用到了</a:t>
+            </a:r>
+            <a:endParaRPr lang="zh-CN" altLang="en-US" sz="2000" dirty="0">
+              <a:solidFill>
+                <a:schemeClr val="bg1"/>
+              </a:solidFill>
+              <a:ea typeface="造字工房悦圆（非商用）常规体"/>
+            </a:endParaRPr>
+          </a:p>
+        </p:txBody>
+      </p:sp>
+    </p:spTree>
+    <p:extLst>
+      <p:ext uri="{BB962C8B-B14F-4D97-AF65-F5344CB8AC3E}">
+        <p14:creationId xmlns:p14="http://schemas.microsoft.com/office/powerpoint/2010/main" xmlns="" val="3386272830"/>
+      </p:ext>
+    </p:extLst>
+  </p:cSld>
+  <p:clrMapOvr>
+    <a:masterClrMapping/>
+  </p:clrMapOvr>
+  <p:transition/>
+  <p:timing>
+    <p:tnLst>
+      <p:par>
+        <p:cTn id="1" dur="indefinite" restart="never" nodeType="tmRoot">
+          <p:childTnLst>
+            <p:seq concurrent="1" nextAc="seek">
+              <p:cTn id="2" dur="indefinite" nodeType="mainSeq">
+                <p:childTnLst>
+                  <p:par>
+                    <p:cTn id="3" fill="hold">
+                      <p:stCondLst>
+                        <p:cond delay="indefinite"/>
+                      </p:stCondLst>
+                      <p:childTnLst>
+                        <p:par>
+                          <p:cTn id="4" fill="hold">
+                            <p:stCondLst>
+                              <p:cond delay="0"/>
+                            </p:stCondLst>
+                            <p:childTnLst>
+                              <p:par>
+                                <p:cTn id="5" presetID="2" presetClass="entr" presetSubtype="4" fill="hold" grpId="0" nodeType="clickEffect">
+                                  <p:stCondLst>
+                                    <p:cond delay="0"/>
+                                  </p:stCondLst>
+                                  <p:childTnLst>
+                                    <p:set>
+                                      <p:cBhvr>
+                                        <p:cTn id="6" dur="1" fill="hold">
+                                          <p:stCondLst>
+                                            <p:cond delay="0"/>
+                                          </p:stCondLst>
+                                        </p:cTn>
+                                        <p:tgtEl>
+                                          <p:spTgt spid="45">
+                                            <p:txEl>
+                                              <p:pRg st="0" end="0"/>
+                                            </p:txEl>
+                                          </p:spTgt>
+                                        </p:tgtEl>
+                                        <p:attrNameLst>
+                                          <p:attrName>style.visibility</p:attrName>
+                                        </p:attrNameLst>
+                                      </p:cBhvr>
+                                      <p:to>
+                                        <p:strVal val="visible"/>
+                                      </p:to>
+                                    </p:set>
+                                    <p:anim calcmode="lin" valueType="num">
+                                      <p:cBhvr additive="base">
+                                        <p:cTn id="7" dur="500" fill="hold"/>
+                                        <p:tgtEl>
+                                          <p:spTgt spid="45">
+                                            <p:txEl>
+                                              <p:pRg st="0" end="0"/>
+                                            </p:txEl>
+                                          </p:spTgt>
+                                        </p:tgtEl>
+                                        <p:attrNameLst>
+                                          <p:attrName>ppt_x</p:attrName>
+                                        </p:attrNameLst>
+                                      </p:cBhvr>
+                                      <p:tavLst>
+                                        <p:tav tm="0">
+                                          <p:val>
+                                            <p:strVal val="#ppt_x"/>
+                                          </p:val>
+                                        </p:tav>
+                                        <p:tav tm="100000">
+                                          <p:val>
+                                            <p:strVal val="#ppt_x"/>
+                                          </p:val>
+                                        </p:tav>
+                                      </p:tavLst>
+                                    </p:anim>
+                                    <p:anim calcmode="lin" valueType="num">
+                                      <p:cBhvr additive="base">
+                                        <p:cTn id="8" dur="500" fill="hold"/>
+                                        <p:tgtEl>
+                                          <p:spTgt spid="45">
+                                            <p:txEl>
+                                              <p:pRg st="0" end="0"/>
+                                            </p:txEl>
+                                          </p:spTgt>
+                                        </p:tgtEl>
+                                        <p:attrNameLst>
+                                          <p:attrName>ppt_y</p:attrName>
+                                        </p:attrNameLst>
+                                      </p:cBhvr>
+                                      <p:tavLst>
+                                        <p:tav tm="0">
+                                          <p:val>
+                                            <p:strVal val="1+#ppt_h/2"/>
+                                          </p:val>
+                                        </p:tav>
+                                        <p:tav tm="100000">
+                                          <p:val>
+                                            <p:strVal val="#ppt_y"/>
+                                          </p:val>
+                                        </p:tav>
+                                      </p:tavLst>
+                                    </p:anim>
+                                  </p:childTnLst>
+                                </p:cTn>
+                              </p:par>
+                              <p:par>
+                                <p:cTn id="9" presetID="2" presetClass="entr" presetSubtype="4" fill="hold" grpId="0" nodeType="withEffect">
+                                  <p:stCondLst>
+                                    <p:cond delay="0"/>
+                                  </p:stCondLst>
+                                  <p:childTnLst>
+                                    <p:set>
+                                      <p:cBhvr>
+                                        <p:cTn id="10" dur="1" fill="hold">
+                                          <p:stCondLst>
+                                            <p:cond delay="0"/>
+                                          </p:stCondLst>
+                                        </p:cTn>
+                                        <p:tgtEl>
+                                          <p:spTgt spid="50">
+                                            <p:txEl>
+                                              <p:pRg st="0" end="0"/>
+                                            </p:txEl>
+                                          </p:spTgt>
+                                        </p:tgtEl>
+                                        <p:attrNameLst>
+                                          <p:attrName>style.visibility</p:attrName>
+                                        </p:attrNameLst>
+                                      </p:cBhvr>
+                                      <p:to>
+                                        <p:strVal val="visible"/>
+                                      </p:to>
+                                    </p:set>
+                                    <p:anim calcmode="lin" valueType="num">
+                                      <p:cBhvr additive="base">
+                                        <p:cTn id="11" dur="500" fill="hold"/>
+                                        <p:tgtEl>
+                                          <p:spTgt spid="50">
+                                            <p:txEl>
+                                              <p:pRg st="0" end="0"/>
+                                            </p:txEl>
+                                          </p:spTgt>
+                                        </p:tgtEl>
+                                        <p:attrNameLst>
+                                          <p:attrName>ppt_x</p:attrName>
+                                        </p:attrNameLst>
+                                      </p:cBhvr>
+                                      <p:tavLst>
+                                        <p:tav tm="0">
+                                          <p:val>
+                                            <p:strVal val="#ppt_x"/>
+                                          </p:val>
+                                        </p:tav>
+                                        <p:tav tm="100000">
+                                          <p:val>
+                                            <p:strVal val="#ppt_x"/>
+                                          </p:val>
+                                        </p:tav>
+                                      </p:tavLst>
+                                    </p:anim>
+                                    <p:anim calcmode="lin" valueType="num">
+                                      <p:cBhvr additive="base">
+                                        <p:cTn id="12" dur="500" fill="hold"/>
+                                        <p:tgtEl>
+                                          <p:spTgt spid="50">
+                                            <p:txEl>
+                                              <p:pRg st="0" end="0"/>
+                                            </p:txEl>
+                                          </p:spTgt>
+                                        </p:tgtEl>
+                                        <p:attrNameLst>
+                                          <p:attrName>ppt_y</p:attrName>
+                                        </p:attrNameLst>
+                                      </p:cBhvr>
+                                      <p:tavLst>
+                                        <p:tav tm="0">
+                                          <p:val>
+                                            <p:strVal val="1+#ppt_h/2"/>
+                                          </p:val>
+                                        </p:tav>
+                                        <p:tav tm="100000">
+                                          <p:val>
+                                            <p:strVal val="#ppt_y"/>
+                                          </p:val>
+                                        </p:tav>
+                                      </p:tavLst>
+                                    </p:anim>
+                                  </p:childTnLst>
+                                </p:cTn>
+                              </p:par>
+                            </p:childTnLst>
+                          </p:cTn>
+                        </p:par>
+                      </p:childTnLst>
+                    </p:cTn>
+                  </p:par>
+                  <p:par>
+                    <p:cTn id="13" fill="hold">
+                      <p:stCondLst>
+                        <p:cond delay="indefinite"/>
+                      </p:stCondLst>
+                      <p:childTnLst>
+                        <p:par>
+                          <p:cTn id="14" fill="hold">
+                            <p:stCondLst>
+                              <p:cond delay="0"/>
+                            </p:stCondLst>
+                            <p:childTnLst>
+                              <p:par>
+                                <p:cTn id="15" presetID="2" presetClass="entr" presetSubtype="4" fill="hold" grpId="0" nodeType="clickEffect">
+                                  <p:stCondLst>
+                                    <p:cond delay="0"/>
+                                  </p:stCondLst>
+                                  <p:childTnLst>
+                                    <p:set>
+                                      <p:cBhvr>
+                                        <p:cTn id="16" dur="1" fill="hold">
+                                          <p:stCondLst>
+                                            <p:cond delay="0"/>
+                                          </p:stCondLst>
+                                        </p:cTn>
+                                        <p:tgtEl>
+                                          <p:spTgt spid="21">
+                                            <p:txEl>
+                                              <p:pRg st="0" end="0"/>
+                                            </p:txEl>
+                                          </p:spTgt>
+                                        </p:tgtEl>
+                                        <p:attrNameLst>
+                                          <p:attrName>style.visibility</p:attrName>
+                                        </p:attrNameLst>
+                                      </p:cBhvr>
+                                      <p:to>
+                                        <p:strVal val="visible"/>
+                                      </p:to>
+                                    </p:set>
+                                    <p:anim calcmode="lin" valueType="num">
+                                      <p:cBhvr additive="base">
+                                        <p:cTn id="17" dur="500" fill="hold"/>
+                                        <p:tgtEl>
+                                          <p:spTgt spid="21">
+                                            <p:txEl>
+                                              <p:pRg st="0" end="0"/>
+                                            </p:txEl>
+                                          </p:spTgt>
+                                        </p:tgtEl>
+                                        <p:attrNameLst>
+                                          <p:attrName>ppt_x</p:attrName>
+                                        </p:attrNameLst>
+                                      </p:cBhvr>
+                                      <p:tavLst>
+                                        <p:tav tm="0">
+                                          <p:val>
+                                            <p:strVal val="#ppt_x"/>
+                                          </p:val>
+                                        </p:tav>
+                                        <p:tav tm="100000">
+                                          <p:val>
+                                            <p:strVal val="#ppt_x"/>
+                                          </p:val>
+                                        </p:tav>
+                                      </p:tavLst>
+                                    </p:anim>
+                                    <p:anim calcmode="lin" valueType="num">
+                                      <p:cBhvr additive="base">
+                                        <p:cTn id="18" dur="500" fill="hold"/>
+                                        <p:tgtEl>
+                                          <p:spTgt spid="21">
+                                            <p:txEl>
+                                              <p:pRg st="0" end="0"/>
+                                            </p:txEl>
+                                          </p:spTgt>
+                                        </p:tgtEl>
+                                        <p:attrNameLst>
+                                          <p:attrName>ppt_y</p:attrName>
+                                        </p:attrNameLst>
+                                      </p:cBhvr>
+                                      <p:tavLst>
+                                        <p:tav tm="0">
+                                          <p:val>
+                                            <p:strVal val="1+#ppt_h/2"/>
+                                          </p:val>
+                                        </p:tav>
+                                        <p:tav tm="100000">
+                                          <p:val>
+                                            <p:strVal val="#ppt_y"/>
+                                          </p:val>
+                                        </p:tav>
+                                      </p:tavLst>
+                                    </p:anim>
+                                  </p:childTnLst>
+                                </p:cTn>
+                              </p:par>
+                              <p:par>
+                                <p:cTn id="19" presetID="2" presetClass="entr" presetSubtype="4" fill="hold" grpId="0" nodeType="withEffect">
+                                  <p:stCondLst>
+                                    <p:cond delay="0"/>
+                                  </p:stCondLst>
+                                  <p:childTnLst>
+                                    <p:set>
+                                      <p:cBhvr>
+                                        <p:cTn id="20" dur="1" fill="hold">
+                                          <p:stCondLst>
+                                            <p:cond delay="0"/>
+                                          </p:stCondLst>
+                                        </p:cTn>
+                                        <p:tgtEl>
+                                          <p:spTgt spid="22">
+                                            <p:txEl>
+                                              <p:pRg st="0" end="0"/>
+                                            </p:txEl>
+                                          </p:spTgt>
+                                        </p:tgtEl>
+                                        <p:attrNameLst>
+                                          <p:attrName>style.visibility</p:attrName>
+                                        </p:attrNameLst>
+                                      </p:cBhvr>
+                                      <p:to>
+                                        <p:strVal val="visible"/>
+                                      </p:to>
+                                    </p:set>
+                                    <p:anim calcmode="lin" valueType="num">
+                                      <p:cBhvr additive="base">
+                                        <p:cTn id="21" dur="500" fill="hold"/>
+                                        <p:tgtEl>
+                                          <p:spTgt spid="22">
+                                            <p:txEl>
+                                              <p:pRg st="0" end="0"/>
+                                            </p:txEl>
+                                          </p:spTgt>
+                                        </p:tgtEl>
+                                        <p:attrNameLst>
+                                          <p:attrName>ppt_x</p:attrName>
+                                        </p:attrNameLst>
+                                      </p:cBhvr>
+                                      <p:tavLst>
+                                        <p:tav tm="0">
+                                          <p:val>
+                                            <p:strVal val="#ppt_x"/>
+                                          </p:val>
+                                        </p:tav>
+                                        <p:tav tm="100000">
+                                          <p:val>
+                                            <p:strVal val="#ppt_x"/>
+                                          </p:val>
+                                        </p:tav>
+                                      </p:tavLst>
+                                    </p:anim>
+                                    <p:anim calcmode="lin" valueType="num">
+                                      <p:cBhvr additive="base">
+                                        <p:cTn id="22" dur="500" fill="hold"/>
+                                        <p:tgtEl>
+                                          <p:spTgt spid="22">
+                                            <p:txEl>
+                                              <p:pRg st="0" end="0"/>
+                                            </p:txEl>
+                                          </p:spTgt>
+                                        </p:tgtEl>
+                                        <p:attrNameLst>
+                                          <p:attrName>ppt_y</p:attrName>
+                                        </p:attrNameLst>
+                                      </p:cBhvr>
+                                      <p:tavLst>
+                                        <p:tav tm="0">
+                                          <p:val>
+                                            <p:strVal val="1+#ppt_h/2"/>
+                                          </p:val>
+                                        </p:tav>
+                                        <p:tav tm="100000">
+                                          <p:val>
+                                            <p:strVal val="#ppt_y"/>
+                                          </p:val>
+                                        </p:tav>
+                                      </p:tavLst>
+                                    </p:anim>
+                                  </p:childTnLst>
+                                </p:cTn>
+                              </p:par>
+                            </p:childTnLst>
+                          </p:cTn>
+                        </p:par>
+                      </p:childTnLst>
+                    </p:cTn>
+                  </p:par>
+                  <p:par>
+                    <p:cTn id="23" fill="hold">
+                      <p:stCondLst>
+                        <p:cond delay="indefinite"/>
+                      </p:stCondLst>
+                      <p:childTnLst>
+                        <p:par>
+                          <p:cTn id="24" fill="hold">
+                            <p:stCondLst>
+                              <p:cond delay="0"/>
+                            </p:stCondLst>
+                            <p:childTnLst>
+                              <p:par>
+                                <p:cTn id="25" presetID="2" presetClass="entr" presetSubtype="4" fill="hold" grpId="0" nodeType="clickEffect">
+                                  <p:stCondLst>
+                                    <p:cond delay="0"/>
+                                  </p:stCondLst>
+                                  <p:childTnLst>
+                                    <p:set>
+                                      <p:cBhvr>
+                                        <p:cTn id="26" dur="1" fill="hold">
+                                          <p:stCondLst>
+                                            <p:cond delay="0"/>
+                                          </p:stCondLst>
+                                        </p:cTn>
+                                        <p:tgtEl>
+                                          <p:spTgt spid="23">
+                                            <p:txEl>
+                                              <p:pRg st="0" end="0"/>
+                                            </p:txEl>
+                                          </p:spTgt>
+                                        </p:tgtEl>
+                                        <p:attrNameLst>
+                                          <p:attrName>style.visibility</p:attrName>
+                                        </p:attrNameLst>
+                                      </p:cBhvr>
+                                      <p:to>
+                                        <p:strVal val="visible"/>
+                                      </p:to>
+                                    </p:set>
+                                    <p:anim calcmode="lin" valueType="num">
+                                      <p:cBhvr additive="base">
+                                        <p:cTn id="27" dur="500" fill="hold"/>
+                                        <p:tgtEl>
+                                          <p:spTgt spid="23">
+                                            <p:txEl>
+                                              <p:pRg st="0" end="0"/>
+                                            </p:txEl>
+                                          </p:spTgt>
+                                        </p:tgtEl>
+                                        <p:attrNameLst>
+                                          <p:attrName>ppt_x</p:attrName>
+                                        </p:attrNameLst>
+                                      </p:cBhvr>
+                                      <p:tavLst>
+                                        <p:tav tm="0">
+                                          <p:val>
+                                            <p:strVal val="#ppt_x"/>
+                                          </p:val>
+                                        </p:tav>
+                                        <p:tav tm="100000">
+                                          <p:val>
+                                            <p:strVal val="#ppt_x"/>
+                                          </p:val>
+                                        </p:tav>
+                                      </p:tavLst>
+                                    </p:anim>
+                                    <p:anim calcmode="lin" valueType="num">
+                                      <p:cBhvr additive="base">
+                                        <p:cTn id="28" dur="500" fill="hold"/>
+                                        <p:tgtEl>
+                                          <p:spTgt spid="23">
+                                            <p:txEl>
+                                              <p:pRg st="0" end="0"/>
+                                            </p:txEl>
+                                          </p:spTgt>
+                                        </p:tgtEl>
+                                        <p:attrNameLst>
+                                          <p:attrName>ppt_y</p:attrName>
+                                        </p:attrNameLst>
+                                      </p:cBhvr>
+                                      <p:tavLst>
+                                        <p:tav tm="0">
+                                          <p:val>
+                                            <p:strVal val="1+#ppt_h/2"/>
+                                          </p:val>
+                                        </p:tav>
+                                        <p:tav tm="100000">
+                                          <p:val>
+                                            <p:strVal val="#ppt_y"/>
+                                          </p:val>
+                                        </p:tav>
+                                      </p:tavLst>
+                                    </p:anim>
+                                  </p:childTnLst>
+                                </p:cTn>
+                              </p:par>
+                              <p:par>
+                                <p:cTn id="29" presetID="2" presetClass="entr" presetSubtype="4" fill="hold" grpId="0" nodeType="withEffect">
+                                  <p:stCondLst>
+                                    <p:cond delay="0"/>
+                                  </p:stCondLst>
+                                  <p:childTnLst>
+                                    <p:set>
+                                      <p:cBhvr>
+                                        <p:cTn id="30" dur="1" fill="hold">
+                                          <p:stCondLst>
+                                            <p:cond delay="0"/>
+                                          </p:stCondLst>
+                                        </p:cTn>
+                                        <p:tgtEl>
+                                          <p:spTgt spid="24">
+                                            <p:txEl>
+                                              <p:pRg st="0" end="0"/>
+                                            </p:txEl>
+                                          </p:spTgt>
+                                        </p:tgtEl>
+                                        <p:attrNameLst>
+                                          <p:attrName>style.visibility</p:attrName>
+                                        </p:attrNameLst>
+                                      </p:cBhvr>
+                                      <p:to>
+                                        <p:strVal val="visible"/>
+                                      </p:to>
+                                    </p:set>
+                                    <p:anim calcmode="lin" valueType="num">
+                                      <p:cBhvr additive="base">
+                                        <p:cTn id="31" dur="500" fill="hold"/>
+                                        <p:tgtEl>
+                                          <p:spTgt spid="24">
+                                            <p:txEl>
+                                              <p:pRg st="0" end="0"/>
+                                            </p:txEl>
+                                          </p:spTgt>
+                                        </p:tgtEl>
+                                        <p:attrNameLst>
+                                          <p:attrName>ppt_x</p:attrName>
+                                        </p:attrNameLst>
+                                      </p:cBhvr>
+                                      <p:tavLst>
+                                        <p:tav tm="0">
+                                          <p:val>
+                                            <p:strVal val="#ppt_x"/>
+                                          </p:val>
+                                        </p:tav>
+                                        <p:tav tm="100000">
+                                          <p:val>
+                                            <p:strVal val="#ppt_x"/>
+                                          </p:val>
+                                        </p:tav>
+                                      </p:tavLst>
+                                    </p:anim>
+                                    <p:anim calcmode="lin" valueType="num">
+                                      <p:cBhvr additive="base">
+                                        <p:cTn id="32" dur="500" fill="hold"/>
+                                        <p:tgtEl>
+                                          <p:spTgt spid="24">
+                                            <p:txEl>
+                                              <p:pRg st="0" end="0"/>
+                                            </p:txEl>
+                                          </p:spTgt>
+                                        </p:tgtEl>
+                                        <p:attrNameLst>
+                                          <p:attrName>ppt_y</p:attrName>
+                                        </p:attrNameLst>
+                                      </p:cBhvr>
+                                      <p:tavLst>
+                                        <p:tav tm="0">
+                                          <p:val>
+                                            <p:strVal val="1+#ppt_h/2"/>
+                                          </p:val>
+                                        </p:tav>
+                                        <p:tav tm="100000">
+                                          <p:val>
+                                            <p:strVal val="#ppt_y"/>
+                                          </p:val>
+                                        </p:tav>
+                                      </p:tavLst>
+                                    </p:anim>
+                                  </p:childTnLst>
+                                </p:cTn>
+                              </p:par>
+                            </p:childTnLst>
+                          </p:cTn>
+                        </p:par>
+                      </p:childTnLst>
+                    </p:cTn>
+                  </p:par>
+                </p:childTnLst>
+              </p:cTn>
+              <p:prevCondLst>
+                <p:cond evt="onPrev" delay="0">
+                  <p:tgtEl>
+                    <p:sldTgt/>
+                  </p:tgtEl>
+                </p:cond>
+              </p:prevCondLst>
+              <p:nextCondLst>
+                <p:cond evt="onNext" delay="0">
+                  <p:tgtEl>
+                    <p:sldTgt/>
+                  </p:tgtEl>
+                </p:cond>
+              </p:nextCondLst>
+            </p:seq>
+          </p:childTnLst>
+        </p:cTn>
+      </p:par>
+    </p:tnLst>
+    <p:bldLst>
+      <p:bldP spid="45" grpId="0" build="allAtOnce"/>
+      <p:bldP spid="50" grpId="0" build="allAtOnce"/>
+      <p:bldP spid="21" grpId="0" build="allAtOnce"/>
+      <p:bldP spid="22" grpId="0" build="allAtOnce"/>
+      <p:bldP spid="23" grpId="0" build="allAtOnce"/>
+      <p:bldP spid="24" grpId="0" build="allAtOnce"/>
+    </p:bldLst>
+  </p:timing>
+</p:sld>
+</file>
+
+<file path=ppt/slides/slide21.xml><?xml version="1.0" encoding="utf-8"?>
+<p:sld xmlns:a="http://schemas.openxmlformats.org/drawingml/2006/main" xmlns:r="http://schemas.openxmlformats.org/officeDocument/2006/relationships" xmlns:p="http://schemas.openxmlformats.org/presentationml/2006/main">
+  <p:cSld>
+    <p:spTree>
+      <p:nvGrpSpPr>
+        <p:cNvPr id="1" name=""/>
+        <p:cNvGrpSpPr/>
+        <p:nvPr/>
+      </p:nvGrpSpPr>
+      <p:grpSpPr>
+        <a:xfrm>
+          <a:off x="0" y="0"/>
+          <a:ext cx="0" cy="0"/>
+          <a:chOff x="0" y="0"/>
+          <a:chExt cx="0" cy="0"/>
+        </a:xfrm>
+      </p:grpSpPr>
       <p:sp>
         <p:nvSpPr>
           <p:cNvPr id="23" name="矩形 22"/>
@@ -27210,7 +29178,7 @@
     </p:spTree>
     <p:extLst>
       <p:ext uri="{BB962C8B-B14F-4D97-AF65-F5344CB8AC3E}">
-        <p14:creationId xmlns="" xmlns:p14="http://schemas.microsoft.com/office/powerpoint/2010/main" val="3386272830"/>
+        <p14:creationId xmlns:p14="http://schemas.microsoft.com/office/powerpoint/2010/main" xmlns="" val="3386272830"/>
       </p:ext>
     </p:extLst>
   </p:cSld>
@@ -27493,7 +29461,7 @@
 </p:sld>
 </file>
 
-<file path=ppt/slides/slide21.xml><?xml version="1.0" encoding="utf-8"?>
+<file path=ppt/slides/slide22.xml><?xml version="1.0" encoding="utf-8"?>
 <p:sld xmlns:a="http://schemas.openxmlformats.org/drawingml/2006/main" xmlns:r="http://schemas.openxmlformats.org/officeDocument/2006/relationships" xmlns:p="http://schemas.openxmlformats.org/presentationml/2006/main">
   <p:cSld>
     <p:spTree>
@@ -28669,7 +30637,7 @@
     </p:spTree>
     <p:extLst>
       <p:ext uri="{BB962C8B-B14F-4D97-AF65-F5344CB8AC3E}">
-        <p14:creationId xmlns="" xmlns:p14="http://schemas.microsoft.com/office/powerpoint/2010/main" val="3386272830"/>
+        <p14:creationId xmlns:p14="http://schemas.microsoft.com/office/powerpoint/2010/main" xmlns="" val="3386272830"/>
       </p:ext>
     </p:extLst>
   </p:cSld>
@@ -28906,7 +30874,7 @@
 </p:sld>
 </file>
 
-<file path=ppt/slides/slide22.xml><?xml version="1.0" encoding="utf-8"?>
+<file path=ppt/slides/slide23.xml><?xml version="1.0" encoding="utf-8"?>
 <p:sld xmlns:a="http://schemas.openxmlformats.org/drawingml/2006/main" xmlns:r="http://schemas.openxmlformats.org/officeDocument/2006/relationships" xmlns:p="http://schemas.openxmlformats.org/presentationml/2006/main">
   <p:cSld>
     <p:spTree>
@@ -30052,7 +32020,7 @@
     </p:spTree>
     <p:extLst>
       <p:ext uri="{BB962C8B-B14F-4D97-AF65-F5344CB8AC3E}">
-        <p14:creationId xmlns="" xmlns:p14="http://schemas.microsoft.com/office/powerpoint/2010/main" val="3386272830"/>
+        <p14:creationId xmlns:p14="http://schemas.microsoft.com/office/powerpoint/2010/main" xmlns="" val="3386272830"/>
       </p:ext>
     </p:extLst>
   </p:cSld>
@@ -30289,7 +32257,7 @@
 </p:sld>
 </file>
 
-<file path=ppt/slides/slide23.xml><?xml version="1.0" encoding="utf-8"?>
+<file path=ppt/slides/slide24.xml><?xml version="1.0" encoding="utf-8"?>
 <p:sld xmlns:a="http://schemas.openxmlformats.org/drawingml/2006/main" xmlns:r="http://schemas.openxmlformats.org/officeDocument/2006/relationships" xmlns:p="http://schemas.openxmlformats.org/presentationml/2006/main">
   <p:cSld>
     <p:spTree>
@@ -31571,7 +33539,7 @@
     </p:spTree>
     <p:extLst>
       <p:ext uri="{BB962C8B-B14F-4D97-AF65-F5344CB8AC3E}">
-        <p14:creationId xmlns="" xmlns:p14="http://schemas.microsoft.com/office/powerpoint/2010/main" val="3386272830"/>
+        <p14:creationId xmlns:p14="http://schemas.microsoft.com/office/powerpoint/2010/main" xmlns="" val="3386272830"/>
       </p:ext>
     </p:extLst>
   </p:cSld>
@@ -31974,7 +33942,7 @@
 </p:sld>
 </file>
 
-<file path=ppt/slides/slide24.xml><?xml version="1.0" encoding="utf-8"?>
+<file path=ppt/slides/slide25.xml><?xml version="1.0" encoding="utf-8"?>
 <p:sld xmlns:a="http://schemas.openxmlformats.org/drawingml/2006/main" xmlns:r="http://schemas.openxmlformats.org/officeDocument/2006/relationships" xmlns:p="http://schemas.openxmlformats.org/presentationml/2006/main">
   <p:cSld>
     <p:spTree>
@@ -32971,7 +34939,7 @@
     </p:spTree>
     <p:extLst>
       <p:ext uri="{BB962C8B-B14F-4D97-AF65-F5344CB8AC3E}">
-        <p14:creationId xmlns="" xmlns:p14="http://schemas.microsoft.com/office/powerpoint/2010/main" val="3284861254"/>
+        <p14:creationId xmlns:p14="http://schemas.microsoft.com/office/powerpoint/2010/main" xmlns="" val="3284861254"/>
       </p:ext>
     </p:extLst>
   </p:cSld>
@@ -34229,7 +36197,7 @@
     </p:spTree>
     <p:extLst>
       <p:ext uri="{BB962C8B-B14F-4D97-AF65-F5344CB8AC3E}">
-        <p14:creationId xmlns="" xmlns:p14="http://schemas.microsoft.com/office/powerpoint/2010/main" val="3386272830"/>
+        <p14:creationId xmlns:p14="http://schemas.microsoft.com/office/powerpoint/2010/main" xmlns="" val="3386272830"/>
       </p:ext>
     </p:extLst>
   </p:cSld>
@@ -35933,7 +37901,7 @@
     </p:spTree>
     <p:extLst>
       <p:ext uri="{BB962C8B-B14F-4D97-AF65-F5344CB8AC3E}">
-        <p14:creationId xmlns="" xmlns:p14="http://schemas.microsoft.com/office/powerpoint/2010/main" val="3386272830"/>
+        <p14:creationId xmlns:p14="http://schemas.microsoft.com/office/powerpoint/2010/main" xmlns="" val="3386272830"/>
       </p:ext>
     </p:extLst>
   </p:cSld>
@@ -37722,7 +39690,7 @@
     </p:spTree>
     <p:extLst>
       <p:ext uri="{BB962C8B-B14F-4D97-AF65-F5344CB8AC3E}">
-        <p14:creationId xmlns="" xmlns:p14="http://schemas.microsoft.com/office/powerpoint/2010/main" val="3386272830"/>
+        <p14:creationId xmlns:p14="http://schemas.microsoft.com/office/powerpoint/2010/main" xmlns="" val="3386272830"/>
       </p:ext>
     </p:extLst>
   </p:cSld>
@@ -39628,7 +41596,7 @@
     </p:spTree>
     <p:extLst>
       <p:ext uri="{BB962C8B-B14F-4D97-AF65-F5344CB8AC3E}">
-        <p14:creationId xmlns="" xmlns:p14="http://schemas.microsoft.com/office/powerpoint/2010/main" val="3386272830"/>
+        <p14:creationId xmlns:p14="http://schemas.microsoft.com/office/powerpoint/2010/main" xmlns="" val="3386272830"/>
       </p:ext>
     </p:extLst>
   </p:cSld>
@@ -41627,7 +43595,7 @@
     </p:spTree>
     <p:extLst>
       <p:ext uri="{BB962C8B-B14F-4D97-AF65-F5344CB8AC3E}">
-        <p14:creationId xmlns="" xmlns:p14="http://schemas.microsoft.com/office/powerpoint/2010/main" val="3386272830"/>
+        <p14:creationId xmlns:p14="http://schemas.microsoft.com/office/powerpoint/2010/main" xmlns="" val="3386272830"/>
       </p:ext>
     </p:extLst>
   </p:cSld>
@@ -42753,7 +44721,7 @@
     </p:spTree>
     <p:extLst>
       <p:ext uri="{BB962C8B-B14F-4D97-AF65-F5344CB8AC3E}">
-        <p14:creationId xmlns="" xmlns:p14="http://schemas.microsoft.com/office/powerpoint/2010/main" val="3386272830"/>
+        <p14:creationId xmlns:p14="http://schemas.microsoft.com/office/powerpoint/2010/main" xmlns="" val="3386272830"/>
       </p:ext>
     </p:extLst>
   </p:cSld>
@@ -43763,7 +45731,7 @@
     </p:spTree>
     <p:extLst>
       <p:ext uri="{BB962C8B-B14F-4D97-AF65-F5344CB8AC3E}">
-        <p14:creationId xmlns="" xmlns:p14="http://schemas.microsoft.com/office/powerpoint/2010/main" val="3386272830"/>
+        <p14:creationId xmlns:p14="http://schemas.microsoft.com/office/powerpoint/2010/main" xmlns="" val="3386272830"/>
       </p:ext>
     </p:extLst>
   </p:cSld>
@@ -44036,7 +46004,7 @@
   <a:extraClrSchemeLst/>
   <a:extLst>
     <a:ext uri="{05A4C25C-085E-4340-85A3-A5531E510DB2}">
-      <thm15:themeFamily xmlns="" xmlns:thm15="http://schemas.microsoft.com/office/thememl/2012/main" name="Office Theme" id="{62F939B6-93AF-4DB8-9C6B-D6C7DFDC589F}" vid="{4A3C46E8-61CC-4603-A589-7422A47A8E4A}"/>
+      <thm15:themeFamily xmlns:thm15="http://schemas.microsoft.com/office/thememl/2012/main" xmlns="" name="Office Theme" id="{62F939B6-93AF-4DB8-9C6B-D6C7DFDC589F}" vid="{4A3C46E8-61CC-4603-A589-7422A47A8E4A}"/>
     </a:ext>
   </a:extLst>
 </a:theme>

--- a/AngularJS演示.pptx
+++ b/AngularJS演示.pptx
@@ -5,7 +5,7 @@
     <p:sldMasterId id="2147483648" r:id="rId1"/>
   </p:sldMasterIdLst>
   <p:notesMasterIdLst>
-    <p:notesMasterId r:id="rId27"/>
+    <p:notesMasterId r:id="rId28"/>
   </p:notesMasterIdLst>
   <p:sldIdLst>
     <p:sldId id="256" r:id="rId2"/>
@@ -32,7 +32,8 @@
     <p:sldId id="283" r:id="rId23"/>
     <p:sldId id="282" r:id="rId24"/>
     <p:sldId id="284" r:id="rId25"/>
-    <p:sldId id="260" r:id="rId26"/>
+    <p:sldId id="287" r:id="rId26"/>
+    <p:sldId id="260" r:id="rId27"/>
   </p:sldIdLst>
   <p:sldSz cx="12192000" cy="6858000"/>
   <p:notesSz cx="6858000" cy="9144000"/>
@@ -222,7 +223,7 @@
             <a:fld id="{0FB7BC20-A8CE-435D-8215-9C68D7A871BB}" type="datetimeFigureOut">
               <a:rPr lang="zh-CN" altLang="en-US" smtClean="0"/>
               <a:pPr/>
-              <a:t>12-27 Tuesday</a:t>
+              <a:t>12-28 Wednesday</a:t>
             </a:fld>
             <a:endParaRPr lang="zh-CN" altLang="en-US"/>
           </a:p>
@@ -1030,7 +1031,7 @@
             <a:fld id="{32D35100-D539-42A6-851C-69A7D2D91D1A}" type="datetimeFigureOut">
               <a:rPr lang="zh-CN" altLang="en-US" smtClean="0"/>
               <a:pPr/>
-              <a:t>12-27 Tuesday</a:t>
+              <a:t>12-28 Wednesday</a:t>
             </a:fld>
             <a:endParaRPr lang="zh-CN" altLang="en-US"/>
           </a:p>
@@ -1203,7 +1204,7 @@
             <a:fld id="{32D35100-D539-42A6-851C-69A7D2D91D1A}" type="datetimeFigureOut">
               <a:rPr lang="zh-CN" altLang="en-US" smtClean="0"/>
               <a:pPr/>
-              <a:t>12-27 Tuesday</a:t>
+              <a:t>12-28 Wednesday</a:t>
             </a:fld>
             <a:endParaRPr lang="zh-CN" altLang="en-US"/>
           </a:p>
@@ -1386,7 +1387,7 @@
             <a:fld id="{32D35100-D539-42A6-851C-69A7D2D91D1A}" type="datetimeFigureOut">
               <a:rPr lang="zh-CN" altLang="en-US" smtClean="0"/>
               <a:pPr/>
-              <a:t>12-27 Tuesday</a:t>
+              <a:t>12-28 Wednesday</a:t>
             </a:fld>
             <a:endParaRPr lang="zh-CN" altLang="en-US"/>
           </a:p>
@@ -1559,7 +1560,7 @@
             <a:fld id="{32D35100-D539-42A6-851C-69A7D2D91D1A}" type="datetimeFigureOut">
               <a:rPr lang="zh-CN" altLang="en-US" smtClean="0"/>
               <a:pPr/>
-              <a:t>12-27 Tuesday</a:t>
+              <a:t>12-28 Wednesday</a:t>
             </a:fld>
             <a:endParaRPr lang="zh-CN" altLang="en-US"/>
           </a:p>
@@ -1808,7 +1809,7 @@
             <a:fld id="{32D35100-D539-42A6-851C-69A7D2D91D1A}" type="datetimeFigureOut">
               <a:rPr lang="zh-CN" altLang="en-US" smtClean="0"/>
               <a:pPr/>
-              <a:t>12-27 Tuesday</a:t>
+              <a:t>12-28 Wednesday</a:t>
             </a:fld>
             <a:endParaRPr lang="zh-CN" altLang="en-US"/>
           </a:p>
@@ -2043,7 +2044,7 @@
             <a:fld id="{32D35100-D539-42A6-851C-69A7D2D91D1A}" type="datetimeFigureOut">
               <a:rPr lang="zh-CN" altLang="en-US" smtClean="0"/>
               <a:pPr/>
-              <a:t>12-27 Tuesday</a:t>
+              <a:t>12-28 Wednesday</a:t>
             </a:fld>
             <a:endParaRPr lang="zh-CN" altLang="en-US"/>
           </a:p>
@@ -2413,7 +2414,7 @@
             <a:fld id="{32D35100-D539-42A6-851C-69A7D2D91D1A}" type="datetimeFigureOut">
               <a:rPr lang="zh-CN" altLang="en-US" smtClean="0"/>
               <a:pPr/>
-              <a:t>12-27 Tuesday</a:t>
+              <a:t>12-28 Wednesday</a:t>
             </a:fld>
             <a:endParaRPr lang="zh-CN" altLang="en-US"/>
           </a:p>
@@ -2534,7 +2535,7 @@
             <a:fld id="{32D35100-D539-42A6-851C-69A7D2D91D1A}" type="datetimeFigureOut">
               <a:rPr lang="zh-CN" altLang="en-US" smtClean="0"/>
               <a:pPr/>
-              <a:t>12-27 Tuesday</a:t>
+              <a:t>12-28 Wednesday</a:t>
             </a:fld>
             <a:endParaRPr lang="zh-CN" altLang="en-US"/>
           </a:p>
@@ -2632,7 +2633,7 @@
             <a:fld id="{32D35100-D539-42A6-851C-69A7D2D91D1A}" type="datetimeFigureOut">
               <a:rPr lang="zh-CN" altLang="en-US" smtClean="0"/>
               <a:pPr/>
-              <a:t>12-27 Tuesday</a:t>
+              <a:t>12-28 Wednesday</a:t>
             </a:fld>
             <a:endParaRPr lang="zh-CN" altLang="en-US"/>
           </a:p>
@@ -2912,7 +2913,7 @@
             <a:fld id="{32D35100-D539-42A6-851C-69A7D2D91D1A}" type="datetimeFigureOut">
               <a:rPr lang="zh-CN" altLang="en-US" smtClean="0"/>
               <a:pPr/>
-              <a:t>12-27 Tuesday</a:t>
+              <a:t>12-28 Wednesday</a:t>
             </a:fld>
             <a:endParaRPr lang="zh-CN" altLang="en-US"/>
           </a:p>
@@ -3168,7 +3169,7 @@
             <a:fld id="{32D35100-D539-42A6-851C-69A7D2D91D1A}" type="datetimeFigureOut">
               <a:rPr lang="zh-CN" altLang="en-US" smtClean="0"/>
               <a:pPr/>
-              <a:t>12-27 Tuesday</a:t>
+              <a:t>12-28 Wednesday</a:t>
             </a:fld>
             <a:endParaRPr lang="zh-CN" altLang="en-US"/>
           </a:p>
@@ -3414,7 +3415,7 @@
             <a:fld id="{32D35100-D539-42A6-851C-69A7D2D91D1A}" type="datetimeFigureOut">
               <a:rPr lang="zh-CN" altLang="en-US" smtClean="0"/>
               <a:pPr/>
-              <a:t>12-27 Tuesday</a:t>
+              <a:t>12-28 Wednesday</a:t>
             </a:fld>
             <a:endParaRPr lang="zh-CN" altLang="en-US"/>
           </a:p>
@@ -19558,8 +19559,8 @@
         </p:nvSpPr>
         <p:spPr>
           <a:xfrm>
-            <a:off x="1699846" y="4126515"/>
-            <a:ext cx="6576647" cy="1569660"/>
+            <a:off x="1699847" y="4126515"/>
+            <a:ext cx="4827954" cy="1569660"/>
           </a:xfrm>
           <a:prstGeom prst="rect">
             <a:avLst/>
@@ -26928,7 +26929,7 @@
             <a:r>
               <a:rPr lang="zh-CN" altLang="en-US" sz="2800" dirty="0" smtClean="0">
                 <a:solidFill>
-                  <a:srgbClr val="7030A0"/>
+                  <a:srgbClr val="FF0000"/>
                 </a:solidFill>
                 <a:latin typeface="造字工房悦圆（非商用）常规体" pitchFamily="50" charset="-122"/>
                 <a:ea typeface="造字工房悦圆（非商用）常规体" pitchFamily="50" charset="-122"/>
@@ -26938,7 +26939,7 @@
             <a:r>
               <a:rPr lang="en-US" altLang="zh-CN" sz="2800" dirty="0" smtClean="0">
                 <a:solidFill>
-                  <a:srgbClr val="7030A0"/>
+                  <a:srgbClr val="FF0000"/>
                 </a:solidFill>
                 <a:latin typeface="造字工房悦圆（非商用）常规体" pitchFamily="50" charset="-122"/>
                 <a:ea typeface="造字工房悦圆（非商用）常规体" pitchFamily="50" charset="-122"/>
@@ -26947,7 +26948,7 @@
             </a:r>
             <a:endParaRPr lang="zh-CN" altLang="en-US" sz="2800" dirty="0">
               <a:solidFill>
-                <a:srgbClr val="7030A0"/>
+                <a:srgbClr val="FF0000"/>
               </a:solidFill>
               <a:latin typeface="造字工房悦圆（非商用）常规体" pitchFamily="50" charset="-122"/>
               <a:ea typeface="造字工房悦圆（非商用）常规体" pitchFamily="50" charset="-122"/>
@@ -27020,27 +27021,17 @@
             <a:r>
               <a:rPr lang="zh-CN" altLang="en-US" sz="2800" dirty="0" smtClean="0">
                 <a:solidFill>
-                  <a:srgbClr val="7030A0"/>
+                  <a:srgbClr val="FF0000"/>
                 </a:solidFill>
                 <a:latin typeface="造字工房悦圆（非商用）常规体" pitchFamily="50" charset="-122"/>
                 <a:ea typeface="造字工房悦圆（非商用）常规体" pitchFamily="50" charset="-122"/>
               </a:rPr>
-              <a:t>什么时候使</a:t>
-            </a:r>
-            <a:r>
-              <a:rPr lang="zh-CN" altLang="en-US" sz="2800" dirty="0" smtClean="0">
-                <a:solidFill>
-                  <a:srgbClr val="7030A0"/>
-                </a:solidFill>
-                <a:latin typeface="造字工房悦圆（非商用）常规体" pitchFamily="50" charset="-122"/>
-                <a:ea typeface="造字工房悦圆（非商用）常规体" pitchFamily="50" charset="-122"/>
-              </a:rPr>
-              <a:t>用</a:t>
+              <a:t>什么时候使用</a:t>
             </a:r>
             <a:r>
               <a:rPr lang="en-US" altLang="zh-CN" sz="2800" dirty="0" smtClean="0">
                 <a:solidFill>
-                  <a:srgbClr val="7030A0"/>
+                  <a:srgbClr val="FF0000"/>
                 </a:solidFill>
                 <a:latin typeface="造字工房悦圆（非商用）常规体" pitchFamily="50" charset="-122"/>
                 <a:ea typeface="造字工房悦圆（非商用）常规体" pitchFamily="50" charset="-122"/>
@@ -27049,7 +27040,7 @@
             </a:r>
             <a:endParaRPr lang="zh-CN" altLang="en-US" sz="2800" dirty="0">
               <a:solidFill>
-                <a:srgbClr val="7030A0"/>
+                <a:srgbClr val="FF0000"/>
               </a:solidFill>
               <a:latin typeface="造字工房悦圆（非商用）常规体" pitchFamily="50" charset="-122"/>
               <a:ea typeface="造字工房悦圆（非商用）常规体" pitchFamily="50" charset="-122"/>
@@ -27140,27 +27131,17 @@
             <a:r>
               <a:rPr lang="zh-CN" altLang="en-US" sz="2800" dirty="0" smtClean="0">
                 <a:solidFill>
-                  <a:srgbClr val="7030A0"/>
+                  <a:srgbClr val="FF0000"/>
                 </a:solidFill>
                 <a:latin typeface="造字工房悦圆（非商用）常规体" pitchFamily="50" charset="-122"/>
                 <a:ea typeface="造字工房悦圆（非商用）常规体" pitchFamily="50" charset="-122"/>
               </a:rPr>
-              <a:t>什么时候使</a:t>
-            </a:r>
-            <a:r>
-              <a:rPr lang="zh-CN" altLang="en-US" sz="2800" dirty="0" smtClean="0">
-                <a:solidFill>
-                  <a:srgbClr val="7030A0"/>
-                </a:solidFill>
-                <a:latin typeface="造字工房悦圆（非商用）常规体" pitchFamily="50" charset="-122"/>
-                <a:ea typeface="造字工房悦圆（非商用）常规体" pitchFamily="50" charset="-122"/>
-              </a:rPr>
-              <a:t>用</a:t>
+              <a:t>什么时候使用</a:t>
             </a:r>
             <a:r>
               <a:rPr lang="en-US" altLang="zh-CN" sz="2800" dirty="0" smtClean="0">
                 <a:solidFill>
-                  <a:srgbClr val="7030A0"/>
+                  <a:srgbClr val="FF0000"/>
                 </a:solidFill>
                 <a:latin typeface="造字工房悦圆（非商用）常规体" pitchFamily="50" charset="-122"/>
                 <a:ea typeface="造字工房悦圆（非商用）常规体" pitchFamily="50" charset="-122"/>
@@ -27169,7 +27150,7 @@
             </a:r>
             <a:endParaRPr lang="zh-CN" altLang="en-US" sz="2800" dirty="0">
               <a:solidFill>
-                <a:srgbClr val="7030A0"/>
+                <a:srgbClr val="FF0000"/>
               </a:solidFill>
               <a:latin typeface="造字工房悦圆（非商用）常规体" pitchFamily="50" charset="-122"/>
               <a:ea typeface="造字工房悦圆（非商用）常规体" pitchFamily="50" charset="-122"/>
@@ -33943,6 +33924,1310 @@
 </file>
 
 <file path=ppt/slides/slide25.xml><?xml version="1.0" encoding="utf-8"?>
+<p:sld xmlns:a="http://schemas.openxmlformats.org/drawingml/2006/main" xmlns:r="http://schemas.openxmlformats.org/officeDocument/2006/relationships" xmlns:p="http://schemas.openxmlformats.org/presentationml/2006/main">
+  <p:cSld>
+    <p:spTree>
+      <p:nvGrpSpPr>
+        <p:cNvPr id="1" name=""/>
+        <p:cNvGrpSpPr/>
+        <p:nvPr/>
+      </p:nvGrpSpPr>
+      <p:grpSpPr>
+        <a:xfrm>
+          <a:off x="0" y="0"/>
+          <a:ext cx="0" cy="0"/>
+          <a:chOff x="0" y="0"/>
+          <a:chExt cx="0" cy="0"/>
+        </a:xfrm>
+      </p:grpSpPr>
+      <p:sp>
+        <p:nvSpPr>
+          <p:cNvPr id="23" name="矩形 22"/>
+          <p:cNvSpPr/>
+          <p:nvPr/>
+        </p:nvSpPr>
+        <p:spPr>
+          <a:xfrm>
+            <a:off x="4981572" y="803048"/>
+            <a:ext cx="2228854" cy="819150"/>
+          </a:xfrm>
+          <a:prstGeom prst="rect">
+            <a:avLst/>
+          </a:prstGeom>
+          <a:solidFill>
+            <a:srgbClr val="5ABAE5"/>
+          </a:solidFill>
+          <a:ln>
+            <a:noFill/>
+          </a:ln>
+          <a:effectLst>
+            <a:outerShdw blurRad="609600" dir="2100000" sx="40000" sy="40000" algn="ctr">
+              <a:srgbClr val="000000">
+                <a:alpha val="95000"/>
+              </a:srgbClr>
+            </a:outerShdw>
+          </a:effectLst>
+        </p:spPr>
+        <p:style>
+          <a:lnRef idx="2">
+            <a:schemeClr val="accent1">
+              <a:shade val="50000"/>
+            </a:schemeClr>
+          </a:lnRef>
+          <a:fillRef idx="1">
+            <a:schemeClr val="accent1"/>
+          </a:fillRef>
+          <a:effectRef idx="0">
+            <a:schemeClr val="accent1"/>
+          </a:effectRef>
+          <a:fontRef idx="minor">
+            <a:schemeClr val="lt1"/>
+          </a:fontRef>
+        </p:style>
+        <p:txBody>
+          <a:bodyPr rtlCol="0" anchor="ctr"/>
+          <a:lstStyle/>
+          <a:p>
+            <a:pPr algn="ctr"/>
+            <a:endParaRPr lang="zh-CN" altLang="en-US"/>
+          </a:p>
+        </p:txBody>
+      </p:sp>
+      <p:grpSp>
+        <p:nvGrpSpPr>
+          <p:cNvPr id="2" name="组合 31"/>
+          <p:cNvGrpSpPr/>
+          <p:nvPr/>
+        </p:nvGrpSpPr>
+        <p:grpSpPr>
+          <a:xfrm rot="16200000">
+            <a:off x="9868693" y="294751"/>
+            <a:ext cx="2684464" cy="1962151"/>
+            <a:chOff x="5947983" y="731507"/>
+            <a:chExt cx="2971525" cy="2171971"/>
+          </a:xfrm>
+        </p:grpSpPr>
+        <p:sp>
+          <p:nvSpPr>
+            <p:cNvPr id="29" name="任意多边形 28"/>
+            <p:cNvSpPr/>
+            <p:nvPr/>
+          </p:nvSpPr>
+          <p:spPr>
+            <a:xfrm>
+              <a:off x="5947983" y="834364"/>
+              <a:ext cx="2204704" cy="2069114"/>
+            </a:xfrm>
+            <a:custGeom>
+              <a:avLst/>
+              <a:gdLst>
+                <a:gd name="connsiteX0" fmla="*/ 1849312 w 2204704"/>
+                <a:gd name="connsiteY0" fmla="*/ 1064 h 2069114"/>
+                <a:gd name="connsiteX1" fmla="*/ 2058594 w 2204704"/>
+                <a:gd name="connsiteY1" fmla="*/ 82732 h 2069114"/>
+                <a:gd name="connsiteX2" fmla="*/ 2121972 w 2204704"/>
+                <a:gd name="connsiteY2" fmla="*/ 622474 h 2069114"/>
+                <a:gd name="connsiteX3" fmla="*/ 979367 w 2204704"/>
+                <a:gd name="connsiteY3" fmla="*/ 2069114 h 2069114"/>
+                <a:gd name="connsiteX4" fmla="*/ 0 w 2204704"/>
+                <a:gd name="connsiteY4" fmla="*/ 2069114 h 2069114"/>
+                <a:gd name="connsiteX5" fmla="*/ 1518853 w 2204704"/>
+                <a:gd name="connsiteY5" fmla="*/ 146110 h 2069114"/>
+                <a:gd name="connsiteX6" fmla="*/ 1849312 w 2204704"/>
+                <a:gd name="connsiteY6" fmla="*/ 1064 h 2069114"/>
+              </a:gdLst>
+              <a:ahLst/>
+              <a:cxnLst>
+                <a:cxn ang="0">
+                  <a:pos x="connsiteX0" y="connsiteY0"/>
+                </a:cxn>
+                <a:cxn ang="0">
+                  <a:pos x="connsiteX1" y="connsiteY1"/>
+                </a:cxn>
+                <a:cxn ang="0">
+                  <a:pos x="connsiteX2" y="connsiteY2"/>
+                </a:cxn>
+                <a:cxn ang="0">
+                  <a:pos x="connsiteX3" y="connsiteY3"/>
+                </a:cxn>
+                <a:cxn ang="0">
+                  <a:pos x="connsiteX4" y="connsiteY4"/>
+                </a:cxn>
+                <a:cxn ang="0">
+                  <a:pos x="connsiteX5" y="connsiteY5"/>
+                </a:cxn>
+                <a:cxn ang="0">
+                  <a:pos x="connsiteX6" y="connsiteY6"/>
+                </a:cxn>
+              </a:cxnLst>
+              <a:rect l="l" t="t" r="r" b="b"/>
+              <a:pathLst>
+                <a:path w="2204704" h="2069114">
+                  <a:moveTo>
+                    <a:pt x="1849312" y="1064"/>
+                  </a:moveTo>
+                  <a:cubicBezTo>
+                    <a:pt x="1923123" y="6563"/>
+                    <a:pt x="1996139" y="33403"/>
+                    <a:pt x="2058594" y="82732"/>
+                  </a:cubicBezTo>
+                  <a:cubicBezTo>
+                    <a:pt x="2225141" y="214276"/>
+                    <a:pt x="2253516" y="455927"/>
+                    <a:pt x="2121972" y="622474"/>
+                  </a:cubicBezTo>
+                  <a:lnTo>
+                    <a:pt x="979367" y="2069114"/>
+                  </a:lnTo>
+                  <a:lnTo>
+                    <a:pt x="0" y="2069114"/>
+                  </a:lnTo>
+                  <a:lnTo>
+                    <a:pt x="1518853" y="146110"/>
+                  </a:lnTo>
+                  <a:cubicBezTo>
+                    <a:pt x="1601068" y="42018"/>
+                    <a:pt x="1726294" y="-8100"/>
+                    <a:pt x="1849312" y="1064"/>
+                  </a:cubicBezTo>
+                  <a:close/>
+                </a:path>
+              </a:pathLst>
+            </a:custGeom>
+            <a:solidFill>
+              <a:srgbClr val="40E3F6"/>
+            </a:solidFill>
+            <a:ln>
+              <a:noFill/>
+            </a:ln>
+          </p:spPr>
+          <p:style>
+            <a:lnRef idx="2">
+              <a:schemeClr val="accent1">
+                <a:shade val="50000"/>
+              </a:schemeClr>
+            </a:lnRef>
+            <a:fillRef idx="1">
+              <a:schemeClr val="accent1"/>
+            </a:fillRef>
+            <a:effectRef idx="0">
+              <a:schemeClr val="accent1"/>
+            </a:effectRef>
+            <a:fontRef idx="minor">
+              <a:schemeClr val="lt1"/>
+            </a:fontRef>
+          </p:style>
+          <p:txBody>
+            <a:bodyPr rtlCol="0" anchor="ctr"/>
+            <a:lstStyle/>
+            <a:p>
+              <a:pPr algn="ctr"/>
+              <a:endParaRPr lang="zh-CN" altLang="en-US"/>
+            </a:p>
+          </p:txBody>
+        </p:sp>
+        <p:sp>
+          <p:nvSpPr>
+            <p:cNvPr id="30" name="任意多边形 29"/>
+            <p:cNvSpPr/>
+            <p:nvPr/>
+          </p:nvSpPr>
+          <p:spPr>
+            <a:xfrm>
+              <a:off x="6605207" y="731507"/>
+              <a:ext cx="2314301" cy="2171971"/>
+            </a:xfrm>
+            <a:custGeom>
+              <a:avLst/>
+              <a:gdLst>
+                <a:gd name="connsiteX0" fmla="*/ 1849312 w 2204704"/>
+                <a:gd name="connsiteY0" fmla="*/ 1064 h 2069114"/>
+                <a:gd name="connsiteX1" fmla="*/ 2058594 w 2204704"/>
+                <a:gd name="connsiteY1" fmla="*/ 82732 h 2069114"/>
+                <a:gd name="connsiteX2" fmla="*/ 2121972 w 2204704"/>
+                <a:gd name="connsiteY2" fmla="*/ 622474 h 2069114"/>
+                <a:gd name="connsiteX3" fmla="*/ 979367 w 2204704"/>
+                <a:gd name="connsiteY3" fmla="*/ 2069114 h 2069114"/>
+                <a:gd name="connsiteX4" fmla="*/ 0 w 2204704"/>
+                <a:gd name="connsiteY4" fmla="*/ 2069114 h 2069114"/>
+                <a:gd name="connsiteX5" fmla="*/ 1518853 w 2204704"/>
+                <a:gd name="connsiteY5" fmla="*/ 146110 h 2069114"/>
+                <a:gd name="connsiteX6" fmla="*/ 1849312 w 2204704"/>
+                <a:gd name="connsiteY6" fmla="*/ 1064 h 2069114"/>
+              </a:gdLst>
+              <a:ahLst/>
+              <a:cxnLst>
+                <a:cxn ang="0">
+                  <a:pos x="connsiteX0" y="connsiteY0"/>
+                </a:cxn>
+                <a:cxn ang="0">
+                  <a:pos x="connsiteX1" y="connsiteY1"/>
+                </a:cxn>
+                <a:cxn ang="0">
+                  <a:pos x="connsiteX2" y="connsiteY2"/>
+                </a:cxn>
+                <a:cxn ang="0">
+                  <a:pos x="connsiteX3" y="connsiteY3"/>
+                </a:cxn>
+                <a:cxn ang="0">
+                  <a:pos x="connsiteX4" y="connsiteY4"/>
+                </a:cxn>
+                <a:cxn ang="0">
+                  <a:pos x="connsiteX5" y="connsiteY5"/>
+                </a:cxn>
+                <a:cxn ang="0">
+                  <a:pos x="connsiteX6" y="connsiteY6"/>
+                </a:cxn>
+              </a:cxnLst>
+              <a:rect l="l" t="t" r="r" b="b"/>
+              <a:pathLst>
+                <a:path w="2204704" h="2069114">
+                  <a:moveTo>
+                    <a:pt x="1849312" y="1064"/>
+                  </a:moveTo>
+                  <a:cubicBezTo>
+                    <a:pt x="1923123" y="6563"/>
+                    <a:pt x="1996139" y="33403"/>
+                    <a:pt x="2058594" y="82732"/>
+                  </a:cubicBezTo>
+                  <a:cubicBezTo>
+                    <a:pt x="2225141" y="214276"/>
+                    <a:pt x="2253516" y="455927"/>
+                    <a:pt x="2121972" y="622474"/>
+                  </a:cubicBezTo>
+                  <a:lnTo>
+                    <a:pt x="979367" y="2069114"/>
+                  </a:lnTo>
+                  <a:lnTo>
+                    <a:pt x="0" y="2069114"/>
+                  </a:lnTo>
+                  <a:lnTo>
+                    <a:pt x="1518853" y="146110"/>
+                  </a:lnTo>
+                  <a:cubicBezTo>
+                    <a:pt x="1601068" y="42018"/>
+                    <a:pt x="1726294" y="-8100"/>
+                    <a:pt x="1849312" y="1064"/>
+                  </a:cubicBezTo>
+                  <a:close/>
+                </a:path>
+              </a:pathLst>
+            </a:custGeom>
+            <a:solidFill>
+              <a:schemeClr val="bg1">
+                <a:alpha val="24000"/>
+              </a:schemeClr>
+            </a:solidFill>
+            <a:ln>
+              <a:noFill/>
+            </a:ln>
+          </p:spPr>
+          <p:style>
+            <a:lnRef idx="2">
+              <a:schemeClr val="accent1">
+                <a:shade val="50000"/>
+              </a:schemeClr>
+            </a:lnRef>
+            <a:fillRef idx="1">
+              <a:schemeClr val="accent1"/>
+            </a:fillRef>
+            <a:effectRef idx="0">
+              <a:schemeClr val="accent1"/>
+            </a:effectRef>
+            <a:fontRef idx="minor">
+              <a:schemeClr val="lt1"/>
+            </a:fontRef>
+          </p:style>
+          <p:txBody>
+            <a:bodyPr rtlCol="0" anchor="ctr"/>
+            <a:lstStyle/>
+            <a:p>
+              <a:pPr algn="ctr"/>
+              <a:endParaRPr lang="zh-CN" altLang="en-US"/>
+            </a:p>
+          </p:txBody>
+        </p:sp>
+        <p:sp>
+          <p:nvSpPr>
+            <p:cNvPr id="31" name="任意多边形 30"/>
+            <p:cNvSpPr/>
+            <p:nvPr/>
+          </p:nvSpPr>
+          <p:spPr>
+            <a:xfrm>
+              <a:off x="7367208" y="1626856"/>
+              <a:ext cx="1360279" cy="1276621"/>
+            </a:xfrm>
+            <a:custGeom>
+              <a:avLst/>
+              <a:gdLst>
+                <a:gd name="connsiteX0" fmla="*/ 1849312 w 2204704"/>
+                <a:gd name="connsiteY0" fmla="*/ 1064 h 2069114"/>
+                <a:gd name="connsiteX1" fmla="*/ 2058594 w 2204704"/>
+                <a:gd name="connsiteY1" fmla="*/ 82732 h 2069114"/>
+                <a:gd name="connsiteX2" fmla="*/ 2121972 w 2204704"/>
+                <a:gd name="connsiteY2" fmla="*/ 622474 h 2069114"/>
+                <a:gd name="connsiteX3" fmla="*/ 979367 w 2204704"/>
+                <a:gd name="connsiteY3" fmla="*/ 2069114 h 2069114"/>
+                <a:gd name="connsiteX4" fmla="*/ 0 w 2204704"/>
+                <a:gd name="connsiteY4" fmla="*/ 2069114 h 2069114"/>
+                <a:gd name="connsiteX5" fmla="*/ 1518853 w 2204704"/>
+                <a:gd name="connsiteY5" fmla="*/ 146110 h 2069114"/>
+                <a:gd name="connsiteX6" fmla="*/ 1849312 w 2204704"/>
+                <a:gd name="connsiteY6" fmla="*/ 1064 h 2069114"/>
+              </a:gdLst>
+              <a:ahLst/>
+              <a:cxnLst>
+                <a:cxn ang="0">
+                  <a:pos x="connsiteX0" y="connsiteY0"/>
+                </a:cxn>
+                <a:cxn ang="0">
+                  <a:pos x="connsiteX1" y="connsiteY1"/>
+                </a:cxn>
+                <a:cxn ang="0">
+                  <a:pos x="connsiteX2" y="connsiteY2"/>
+                </a:cxn>
+                <a:cxn ang="0">
+                  <a:pos x="connsiteX3" y="connsiteY3"/>
+                </a:cxn>
+                <a:cxn ang="0">
+                  <a:pos x="connsiteX4" y="connsiteY4"/>
+                </a:cxn>
+                <a:cxn ang="0">
+                  <a:pos x="connsiteX5" y="connsiteY5"/>
+                </a:cxn>
+                <a:cxn ang="0">
+                  <a:pos x="connsiteX6" y="connsiteY6"/>
+                </a:cxn>
+              </a:cxnLst>
+              <a:rect l="l" t="t" r="r" b="b"/>
+              <a:pathLst>
+                <a:path w="2204704" h="2069114">
+                  <a:moveTo>
+                    <a:pt x="1849312" y="1064"/>
+                  </a:moveTo>
+                  <a:cubicBezTo>
+                    <a:pt x="1923123" y="6563"/>
+                    <a:pt x="1996139" y="33403"/>
+                    <a:pt x="2058594" y="82732"/>
+                  </a:cubicBezTo>
+                  <a:cubicBezTo>
+                    <a:pt x="2225141" y="214276"/>
+                    <a:pt x="2253516" y="455927"/>
+                    <a:pt x="2121972" y="622474"/>
+                  </a:cubicBezTo>
+                  <a:lnTo>
+                    <a:pt x="979367" y="2069114"/>
+                  </a:lnTo>
+                  <a:lnTo>
+                    <a:pt x="0" y="2069114"/>
+                  </a:lnTo>
+                  <a:lnTo>
+                    <a:pt x="1518853" y="146110"/>
+                  </a:lnTo>
+                  <a:cubicBezTo>
+                    <a:pt x="1601068" y="42018"/>
+                    <a:pt x="1726294" y="-8100"/>
+                    <a:pt x="1849312" y="1064"/>
+                  </a:cubicBezTo>
+                  <a:close/>
+                </a:path>
+              </a:pathLst>
+            </a:custGeom>
+            <a:solidFill>
+              <a:srgbClr val="7030A0">
+                <a:alpha val="46000"/>
+              </a:srgbClr>
+            </a:solidFill>
+            <a:ln>
+              <a:noFill/>
+            </a:ln>
+          </p:spPr>
+          <p:style>
+            <a:lnRef idx="2">
+              <a:schemeClr val="accent1">
+                <a:shade val="50000"/>
+              </a:schemeClr>
+            </a:lnRef>
+            <a:fillRef idx="1">
+              <a:schemeClr val="accent1"/>
+            </a:fillRef>
+            <a:effectRef idx="0">
+              <a:schemeClr val="accent1"/>
+            </a:effectRef>
+            <a:fontRef idx="minor">
+              <a:schemeClr val="lt1"/>
+            </a:fontRef>
+          </p:style>
+          <p:txBody>
+            <a:bodyPr rtlCol="0" anchor="ctr"/>
+            <a:lstStyle/>
+            <a:p>
+              <a:pPr algn="ctr"/>
+              <a:endParaRPr lang="zh-CN" altLang="en-US"/>
+            </a:p>
+          </p:txBody>
+        </p:sp>
+      </p:grpSp>
+      <p:grpSp>
+        <p:nvGrpSpPr>
+          <p:cNvPr id="4" name="组合 32"/>
+          <p:cNvGrpSpPr/>
+          <p:nvPr/>
+        </p:nvGrpSpPr>
+        <p:grpSpPr>
+          <a:xfrm rot="5400000">
+            <a:off x="-399777" y="4457698"/>
+            <a:ext cx="2971525" cy="2171971"/>
+            <a:chOff x="3891293" y="1133475"/>
+            <a:chExt cx="2971525" cy="2171971"/>
+          </a:xfrm>
+        </p:grpSpPr>
+        <p:sp>
+          <p:nvSpPr>
+            <p:cNvPr id="25" name="任意多边形 24"/>
+            <p:cNvSpPr/>
+            <p:nvPr/>
+          </p:nvSpPr>
+          <p:spPr>
+            <a:xfrm>
+              <a:off x="3891293" y="1236332"/>
+              <a:ext cx="2204704" cy="2069114"/>
+            </a:xfrm>
+            <a:custGeom>
+              <a:avLst/>
+              <a:gdLst>
+                <a:gd name="connsiteX0" fmla="*/ 1849312 w 2204704"/>
+                <a:gd name="connsiteY0" fmla="*/ 1064 h 2069114"/>
+                <a:gd name="connsiteX1" fmla="*/ 2058594 w 2204704"/>
+                <a:gd name="connsiteY1" fmla="*/ 82732 h 2069114"/>
+                <a:gd name="connsiteX2" fmla="*/ 2121972 w 2204704"/>
+                <a:gd name="connsiteY2" fmla="*/ 622474 h 2069114"/>
+                <a:gd name="connsiteX3" fmla="*/ 979367 w 2204704"/>
+                <a:gd name="connsiteY3" fmla="*/ 2069114 h 2069114"/>
+                <a:gd name="connsiteX4" fmla="*/ 0 w 2204704"/>
+                <a:gd name="connsiteY4" fmla="*/ 2069114 h 2069114"/>
+                <a:gd name="connsiteX5" fmla="*/ 1518853 w 2204704"/>
+                <a:gd name="connsiteY5" fmla="*/ 146110 h 2069114"/>
+                <a:gd name="connsiteX6" fmla="*/ 1849312 w 2204704"/>
+                <a:gd name="connsiteY6" fmla="*/ 1064 h 2069114"/>
+              </a:gdLst>
+              <a:ahLst/>
+              <a:cxnLst>
+                <a:cxn ang="0">
+                  <a:pos x="connsiteX0" y="connsiteY0"/>
+                </a:cxn>
+                <a:cxn ang="0">
+                  <a:pos x="connsiteX1" y="connsiteY1"/>
+                </a:cxn>
+                <a:cxn ang="0">
+                  <a:pos x="connsiteX2" y="connsiteY2"/>
+                </a:cxn>
+                <a:cxn ang="0">
+                  <a:pos x="connsiteX3" y="connsiteY3"/>
+                </a:cxn>
+                <a:cxn ang="0">
+                  <a:pos x="connsiteX4" y="connsiteY4"/>
+                </a:cxn>
+                <a:cxn ang="0">
+                  <a:pos x="connsiteX5" y="connsiteY5"/>
+                </a:cxn>
+                <a:cxn ang="0">
+                  <a:pos x="connsiteX6" y="connsiteY6"/>
+                </a:cxn>
+              </a:cxnLst>
+              <a:rect l="l" t="t" r="r" b="b"/>
+              <a:pathLst>
+                <a:path w="2204704" h="2069114">
+                  <a:moveTo>
+                    <a:pt x="1849312" y="1064"/>
+                  </a:moveTo>
+                  <a:cubicBezTo>
+                    <a:pt x="1923123" y="6563"/>
+                    <a:pt x="1996139" y="33403"/>
+                    <a:pt x="2058594" y="82732"/>
+                  </a:cubicBezTo>
+                  <a:cubicBezTo>
+                    <a:pt x="2225141" y="214276"/>
+                    <a:pt x="2253516" y="455927"/>
+                    <a:pt x="2121972" y="622474"/>
+                  </a:cubicBezTo>
+                  <a:lnTo>
+                    <a:pt x="979367" y="2069114"/>
+                  </a:lnTo>
+                  <a:lnTo>
+                    <a:pt x="0" y="2069114"/>
+                  </a:lnTo>
+                  <a:lnTo>
+                    <a:pt x="1518853" y="146110"/>
+                  </a:lnTo>
+                  <a:cubicBezTo>
+                    <a:pt x="1601068" y="42018"/>
+                    <a:pt x="1726294" y="-8100"/>
+                    <a:pt x="1849312" y="1064"/>
+                  </a:cubicBezTo>
+                  <a:close/>
+                </a:path>
+              </a:pathLst>
+            </a:custGeom>
+            <a:solidFill>
+              <a:srgbClr val="40E3F6"/>
+            </a:solidFill>
+            <a:ln>
+              <a:noFill/>
+            </a:ln>
+          </p:spPr>
+          <p:style>
+            <a:lnRef idx="2">
+              <a:schemeClr val="accent1">
+                <a:shade val="50000"/>
+              </a:schemeClr>
+            </a:lnRef>
+            <a:fillRef idx="1">
+              <a:schemeClr val="accent1"/>
+            </a:fillRef>
+            <a:effectRef idx="0">
+              <a:schemeClr val="accent1"/>
+            </a:effectRef>
+            <a:fontRef idx="minor">
+              <a:schemeClr val="lt1"/>
+            </a:fontRef>
+          </p:style>
+          <p:txBody>
+            <a:bodyPr rtlCol="0" anchor="ctr"/>
+            <a:lstStyle/>
+            <a:p>
+              <a:pPr algn="ctr"/>
+              <a:endParaRPr lang="zh-CN" altLang="en-US"/>
+            </a:p>
+          </p:txBody>
+        </p:sp>
+        <p:sp>
+          <p:nvSpPr>
+            <p:cNvPr id="27" name="任意多边形 26"/>
+            <p:cNvSpPr/>
+            <p:nvPr/>
+          </p:nvSpPr>
+          <p:spPr>
+            <a:xfrm>
+              <a:off x="4548517" y="1133475"/>
+              <a:ext cx="2314301" cy="2171971"/>
+            </a:xfrm>
+            <a:custGeom>
+              <a:avLst/>
+              <a:gdLst>
+                <a:gd name="connsiteX0" fmla="*/ 1849312 w 2204704"/>
+                <a:gd name="connsiteY0" fmla="*/ 1064 h 2069114"/>
+                <a:gd name="connsiteX1" fmla="*/ 2058594 w 2204704"/>
+                <a:gd name="connsiteY1" fmla="*/ 82732 h 2069114"/>
+                <a:gd name="connsiteX2" fmla="*/ 2121972 w 2204704"/>
+                <a:gd name="connsiteY2" fmla="*/ 622474 h 2069114"/>
+                <a:gd name="connsiteX3" fmla="*/ 979367 w 2204704"/>
+                <a:gd name="connsiteY3" fmla="*/ 2069114 h 2069114"/>
+                <a:gd name="connsiteX4" fmla="*/ 0 w 2204704"/>
+                <a:gd name="connsiteY4" fmla="*/ 2069114 h 2069114"/>
+                <a:gd name="connsiteX5" fmla="*/ 1518853 w 2204704"/>
+                <a:gd name="connsiteY5" fmla="*/ 146110 h 2069114"/>
+                <a:gd name="connsiteX6" fmla="*/ 1849312 w 2204704"/>
+                <a:gd name="connsiteY6" fmla="*/ 1064 h 2069114"/>
+              </a:gdLst>
+              <a:ahLst/>
+              <a:cxnLst>
+                <a:cxn ang="0">
+                  <a:pos x="connsiteX0" y="connsiteY0"/>
+                </a:cxn>
+                <a:cxn ang="0">
+                  <a:pos x="connsiteX1" y="connsiteY1"/>
+                </a:cxn>
+                <a:cxn ang="0">
+                  <a:pos x="connsiteX2" y="connsiteY2"/>
+                </a:cxn>
+                <a:cxn ang="0">
+                  <a:pos x="connsiteX3" y="connsiteY3"/>
+                </a:cxn>
+                <a:cxn ang="0">
+                  <a:pos x="connsiteX4" y="connsiteY4"/>
+                </a:cxn>
+                <a:cxn ang="0">
+                  <a:pos x="connsiteX5" y="connsiteY5"/>
+                </a:cxn>
+                <a:cxn ang="0">
+                  <a:pos x="connsiteX6" y="connsiteY6"/>
+                </a:cxn>
+              </a:cxnLst>
+              <a:rect l="l" t="t" r="r" b="b"/>
+              <a:pathLst>
+                <a:path w="2204704" h="2069114">
+                  <a:moveTo>
+                    <a:pt x="1849312" y="1064"/>
+                  </a:moveTo>
+                  <a:cubicBezTo>
+                    <a:pt x="1923123" y="6563"/>
+                    <a:pt x="1996139" y="33403"/>
+                    <a:pt x="2058594" y="82732"/>
+                  </a:cubicBezTo>
+                  <a:cubicBezTo>
+                    <a:pt x="2225141" y="214276"/>
+                    <a:pt x="2253516" y="455927"/>
+                    <a:pt x="2121972" y="622474"/>
+                  </a:cubicBezTo>
+                  <a:lnTo>
+                    <a:pt x="979367" y="2069114"/>
+                  </a:lnTo>
+                  <a:lnTo>
+                    <a:pt x="0" y="2069114"/>
+                  </a:lnTo>
+                  <a:lnTo>
+                    <a:pt x="1518853" y="146110"/>
+                  </a:lnTo>
+                  <a:cubicBezTo>
+                    <a:pt x="1601068" y="42018"/>
+                    <a:pt x="1726294" y="-8100"/>
+                    <a:pt x="1849312" y="1064"/>
+                  </a:cubicBezTo>
+                  <a:close/>
+                </a:path>
+              </a:pathLst>
+            </a:custGeom>
+            <a:solidFill>
+              <a:schemeClr val="bg1">
+                <a:alpha val="24000"/>
+              </a:schemeClr>
+            </a:solidFill>
+            <a:ln>
+              <a:noFill/>
+            </a:ln>
+          </p:spPr>
+          <p:style>
+            <a:lnRef idx="2">
+              <a:schemeClr val="accent1">
+                <a:shade val="50000"/>
+              </a:schemeClr>
+            </a:lnRef>
+            <a:fillRef idx="1">
+              <a:schemeClr val="accent1"/>
+            </a:fillRef>
+            <a:effectRef idx="0">
+              <a:schemeClr val="accent1"/>
+            </a:effectRef>
+            <a:fontRef idx="minor">
+              <a:schemeClr val="lt1"/>
+            </a:fontRef>
+          </p:style>
+          <p:txBody>
+            <a:bodyPr rtlCol="0" anchor="ctr"/>
+            <a:lstStyle/>
+            <a:p>
+              <a:pPr algn="ctr"/>
+              <a:endParaRPr lang="zh-CN" altLang="en-US"/>
+            </a:p>
+          </p:txBody>
+        </p:sp>
+        <p:sp>
+          <p:nvSpPr>
+            <p:cNvPr id="28" name="任意多边形 27"/>
+            <p:cNvSpPr/>
+            <p:nvPr/>
+          </p:nvSpPr>
+          <p:spPr>
+            <a:xfrm>
+              <a:off x="5310518" y="2028824"/>
+              <a:ext cx="1360279" cy="1276621"/>
+            </a:xfrm>
+            <a:custGeom>
+              <a:avLst/>
+              <a:gdLst>
+                <a:gd name="connsiteX0" fmla="*/ 1849312 w 2204704"/>
+                <a:gd name="connsiteY0" fmla="*/ 1064 h 2069114"/>
+                <a:gd name="connsiteX1" fmla="*/ 2058594 w 2204704"/>
+                <a:gd name="connsiteY1" fmla="*/ 82732 h 2069114"/>
+                <a:gd name="connsiteX2" fmla="*/ 2121972 w 2204704"/>
+                <a:gd name="connsiteY2" fmla="*/ 622474 h 2069114"/>
+                <a:gd name="connsiteX3" fmla="*/ 979367 w 2204704"/>
+                <a:gd name="connsiteY3" fmla="*/ 2069114 h 2069114"/>
+                <a:gd name="connsiteX4" fmla="*/ 0 w 2204704"/>
+                <a:gd name="connsiteY4" fmla="*/ 2069114 h 2069114"/>
+                <a:gd name="connsiteX5" fmla="*/ 1518853 w 2204704"/>
+                <a:gd name="connsiteY5" fmla="*/ 146110 h 2069114"/>
+                <a:gd name="connsiteX6" fmla="*/ 1849312 w 2204704"/>
+                <a:gd name="connsiteY6" fmla="*/ 1064 h 2069114"/>
+              </a:gdLst>
+              <a:ahLst/>
+              <a:cxnLst>
+                <a:cxn ang="0">
+                  <a:pos x="connsiteX0" y="connsiteY0"/>
+                </a:cxn>
+                <a:cxn ang="0">
+                  <a:pos x="connsiteX1" y="connsiteY1"/>
+                </a:cxn>
+                <a:cxn ang="0">
+                  <a:pos x="connsiteX2" y="connsiteY2"/>
+                </a:cxn>
+                <a:cxn ang="0">
+                  <a:pos x="connsiteX3" y="connsiteY3"/>
+                </a:cxn>
+                <a:cxn ang="0">
+                  <a:pos x="connsiteX4" y="connsiteY4"/>
+                </a:cxn>
+                <a:cxn ang="0">
+                  <a:pos x="connsiteX5" y="connsiteY5"/>
+                </a:cxn>
+                <a:cxn ang="0">
+                  <a:pos x="connsiteX6" y="connsiteY6"/>
+                </a:cxn>
+              </a:cxnLst>
+              <a:rect l="l" t="t" r="r" b="b"/>
+              <a:pathLst>
+                <a:path w="2204704" h="2069114">
+                  <a:moveTo>
+                    <a:pt x="1849312" y="1064"/>
+                  </a:moveTo>
+                  <a:cubicBezTo>
+                    <a:pt x="1923123" y="6563"/>
+                    <a:pt x="1996139" y="33403"/>
+                    <a:pt x="2058594" y="82732"/>
+                  </a:cubicBezTo>
+                  <a:cubicBezTo>
+                    <a:pt x="2225141" y="214276"/>
+                    <a:pt x="2253516" y="455927"/>
+                    <a:pt x="2121972" y="622474"/>
+                  </a:cubicBezTo>
+                  <a:lnTo>
+                    <a:pt x="979367" y="2069114"/>
+                  </a:lnTo>
+                  <a:lnTo>
+                    <a:pt x="0" y="2069114"/>
+                  </a:lnTo>
+                  <a:lnTo>
+                    <a:pt x="1518853" y="146110"/>
+                  </a:lnTo>
+                  <a:cubicBezTo>
+                    <a:pt x="1601068" y="42018"/>
+                    <a:pt x="1726294" y="-8100"/>
+                    <a:pt x="1849312" y="1064"/>
+                  </a:cubicBezTo>
+                  <a:close/>
+                </a:path>
+              </a:pathLst>
+            </a:custGeom>
+            <a:solidFill>
+              <a:srgbClr val="7030A0">
+                <a:alpha val="46000"/>
+              </a:srgbClr>
+            </a:solidFill>
+            <a:ln>
+              <a:noFill/>
+            </a:ln>
+          </p:spPr>
+          <p:style>
+            <a:lnRef idx="2">
+              <a:schemeClr val="accent1">
+                <a:shade val="50000"/>
+              </a:schemeClr>
+            </a:lnRef>
+            <a:fillRef idx="1">
+              <a:schemeClr val="accent1"/>
+            </a:fillRef>
+            <a:effectRef idx="0">
+              <a:schemeClr val="accent1"/>
+            </a:effectRef>
+            <a:fontRef idx="minor">
+              <a:schemeClr val="lt1"/>
+            </a:fontRef>
+          </p:style>
+          <p:txBody>
+            <a:bodyPr rtlCol="0" anchor="ctr"/>
+            <a:lstStyle/>
+            <a:p>
+              <a:pPr algn="ctr"/>
+              <a:endParaRPr lang="zh-CN" altLang="en-US"/>
+            </a:p>
+          </p:txBody>
+        </p:sp>
+      </p:grpSp>
+      <p:sp>
+        <p:nvSpPr>
+          <p:cNvPr id="12" name="矩形 11"/>
+          <p:cNvSpPr/>
+          <p:nvPr/>
+        </p:nvSpPr>
+        <p:spPr>
+          <a:xfrm>
+            <a:off x="1498600" y="3187700"/>
+            <a:ext cx="8597900" cy="635000"/>
+          </a:xfrm>
+          <a:prstGeom prst="rect">
+            <a:avLst/>
+          </a:prstGeom>
+          <a:solidFill>
+            <a:srgbClr val="56D4EA"/>
+          </a:solidFill>
+          <a:ln>
+            <a:noFill/>
+          </a:ln>
+          <a:effectLst>
+            <a:outerShdw blurRad="609600" dir="2100000" sx="40000" sy="40000" algn="ctr">
+              <a:srgbClr val="000000">
+                <a:alpha val="95000"/>
+              </a:srgbClr>
+            </a:outerShdw>
+          </a:effectLst>
+        </p:spPr>
+        <p:style>
+          <a:lnRef idx="2">
+            <a:schemeClr val="accent1">
+              <a:shade val="50000"/>
+            </a:schemeClr>
+          </a:lnRef>
+          <a:fillRef idx="1">
+            <a:schemeClr val="accent1"/>
+          </a:fillRef>
+          <a:effectRef idx="0">
+            <a:schemeClr val="accent1"/>
+          </a:effectRef>
+          <a:fontRef idx="minor">
+            <a:schemeClr val="lt1"/>
+          </a:fontRef>
+        </p:style>
+        <p:txBody>
+          <a:bodyPr rtlCol="0" anchor="ctr"/>
+          <a:lstStyle/>
+          <a:p>
+            <a:pPr algn="ctr"/>
+            <a:endParaRPr lang="zh-CN" altLang="en-US"/>
+          </a:p>
+        </p:txBody>
+      </p:sp>
+      <p:sp>
+        <p:nvSpPr>
+          <p:cNvPr id="19" name="文本框 18"/>
+          <p:cNvSpPr txBox="1"/>
+          <p:nvPr/>
+        </p:nvSpPr>
+        <p:spPr>
+          <a:xfrm>
+            <a:off x="1598423" y="3276600"/>
+            <a:ext cx="8396477" cy="461665"/>
+          </a:xfrm>
+          <a:prstGeom prst="rect">
+            <a:avLst/>
+          </a:prstGeom>
+          <a:noFill/>
+        </p:spPr>
+        <p:txBody>
+          <a:bodyPr wrap="square" rtlCol="0">
+            <a:spAutoFit/>
+          </a:bodyPr>
+          <a:lstStyle/>
+          <a:p>
+            <a:r>
+              <a:rPr lang="en-US" altLang="zh-CN" sz="2400" dirty="0" smtClean="0">
+                <a:solidFill>
+                  <a:schemeClr val="bg1"/>
+                </a:solidFill>
+                <a:latin typeface="造字工房悦圆（非商用）常规体" pitchFamily="50" charset="-122"/>
+                <a:ea typeface="造字工房悦圆（非商用）常规体" pitchFamily="50" charset="-122"/>
+              </a:rPr>
+              <a:t>https://github.com/Dreamweaver-jun/AngularJS-sample</a:t>
+            </a:r>
+            <a:endParaRPr lang="zh-CN" altLang="en-US" sz="2400" dirty="0" smtClean="0">
+              <a:solidFill>
+                <a:schemeClr val="bg1"/>
+              </a:solidFill>
+              <a:latin typeface="造字工房悦圆（非商用）常规体" pitchFamily="50" charset="-122"/>
+              <a:ea typeface="造字工房悦圆（非商用）常规体" pitchFamily="50" charset="-122"/>
+            </a:endParaRPr>
+          </a:p>
+        </p:txBody>
+      </p:sp>
+      <p:sp>
+        <p:nvSpPr>
+          <p:cNvPr id="35" name="矩形 34"/>
+          <p:cNvSpPr/>
+          <p:nvPr/>
+        </p:nvSpPr>
+        <p:spPr>
+          <a:xfrm>
+            <a:off x="101908" y="130750"/>
+            <a:ext cx="1192795" cy="1126550"/>
+          </a:xfrm>
+          <a:prstGeom prst="rect">
+            <a:avLst/>
+          </a:prstGeom>
+          <a:solidFill>
+            <a:srgbClr val="40E3F6"/>
+          </a:solidFill>
+          <a:ln w="12700">
+            <a:noFill/>
+          </a:ln>
+        </p:spPr>
+        <p:style>
+          <a:lnRef idx="2">
+            <a:schemeClr val="accent1">
+              <a:shade val="50000"/>
+            </a:schemeClr>
+          </a:lnRef>
+          <a:fillRef idx="1">
+            <a:schemeClr val="accent1"/>
+          </a:fillRef>
+          <a:effectRef idx="0">
+            <a:schemeClr val="accent1"/>
+          </a:effectRef>
+          <a:fontRef idx="minor">
+            <a:schemeClr val="lt1"/>
+          </a:fontRef>
+        </p:style>
+        <p:txBody>
+          <a:bodyPr rtlCol="0" anchor="ctr"/>
+          <a:lstStyle/>
+          <a:p>
+            <a:pPr algn="ctr"/>
+            <a:r>
+              <a:rPr lang="en-US" altLang="zh-CN" sz="3200" dirty="0" smtClean="0">
+                <a:solidFill>
+                  <a:schemeClr val="bg1"/>
+                </a:solidFill>
+              </a:rPr>
+              <a:t>LOGO</a:t>
+            </a:r>
+            <a:endParaRPr lang="zh-CN" altLang="en-US" sz="3200" dirty="0">
+              <a:solidFill>
+                <a:schemeClr val="bg1"/>
+              </a:solidFill>
+            </a:endParaRPr>
+          </a:p>
+        </p:txBody>
+      </p:sp>
+      <p:sp>
+        <p:nvSpPr>
+          <p:cNvPr id="3" name="文本框 2"/>
+          <p:cNvSpPr txBox="1"/>
+          <p:nvPr/>
+        </p:nvSpPr>
+        <p:spPr>
+          <a:xfrm>
+            <a:off x="4975761" y="935536"/>
+            <a:ext cx="2220686" cy="584775"/>
+          </a:xfrm>
+          <a:prstGeom prst="rect">
+            <a:avLst/>
+          </a:prstGeom>
+          <a:noFill/>
+        </p:spPr>
+        <p:txBody>
+          <a:bodyPr wrap="square" rtlCol="0">
+            <a:spAutoFit/>
+          </a:bodyPr>
+          <a:lstStyle/>
+          <a:p>
+            <a:pPr algn="ctr"/>
+            <a:r>
+              <a:rPr lang="zh-CN" altLang="en-US" sz="3200" dirty="0" smtClean="0">
+                <a:solidFill>
+                  <a:schemeClr val="bg1"/>
+                </a:solidFill>
+                <a:latin typeface="造字工房悦圆（非商用）常规体" pitchFamily="50" charset="-122"/>
+                <a:ea typeface="造字工房悦圆（非商用）常规体" pitchFamily="50" charset="-122"/>
+              </a:rPr>
+              <a:t>源码</a:t>
+            </a:r>
+            <a:endParaRPr lang="zh-CN" altLang="en-US" sz="3200" dirty="0">
+              <a:solidFill>
+                <a:schemeClr val="bg1"/>
+              </a:solidFill>
+              <a:latin typeface="造字工房悦圆（非商用）常规体" pitchFamily="50" charset="-122"/>
+              <a:ea typeface="造字工房悦圆（非商用）常规体" pitchFamily="50" charset="-122"/>
+            </a:endParaRPr>
+          </a:p>
+        </p:txBody>
+      </p:sp>
+      <p:sp>
+        <p:nvSpPr>
+          <p:cNvPr id="34" name="矩形 33"/>
+          <p:cNvSpPr/>
+          <p:nvPr/>
+        </p:nvSpPr>
+        <p:spPr>
+          <a:xfrm>
+            <a:off x="101908" y="130750"/>
+            <a:ext cx="1180627" cy="1126550"/>
+          </a:xfrm>
+          <a:prstGeom prst="rect">
+            <a:avLst/>
+          </a:prstGeom>
+          <a:solidFill>
+            <a:srgbClr val="40E3F6"/>
+          </a:solidFill>
+          <a:ln w="12700">
+            <a:noFill/>
+          </a:ln>
+        </p:spPr>
+        <p:style>
+          <a:lnRef idx="2">
+            <a:schemeClr val="accent1">
+              <a:shade val="50000"/>
+            </a:schemeClr>
+          </a:lnRef>
+          <a:fillRef idx="1">
+            <a:schemeClr val="accent1"/>
+          </a:fillRef>
+          <a:effectRef idx="0">
+            <a:schemeClr val="accent1"/>
+          </a:effectRef>
+          <a:fontRef idx="minor">
+            <a:schemeClr val="lt1"/>
+          </a:fontRef>
+        </p:style>
+        <p:txBody>
+          <a:bodyPr rtlCol="0" anchor="ctr"/>
+          <a:lstStyle/>
+          <a:p>
+            <a:pPr algn="ctr"/>
+            <a:endParaRPr lang="zh-CN" altLang="en-US" sz="3200" dirty="0">
+              <a:solidFill>
+                <a:schemeClr val="bg1"/>
+              </a:solidFill>
+            </a:endParaRPr>
+          </a:p>
+        </p:txBody>
+      </p:sp>
+      <p:pic>
+        <p:nvPicPr>
+          <p:cNvPr id="36" name="图片 35" descr="angular.jpg"/>
+          <p:cNvPicPr>
+            <a:picLocks noChangeAspect="1"/>
+          </p:cNvPicPr>
+          <p:nvPr/>
+        </p:nvPicPr>
+        <p:blipFill>
+          <a:blip r:embed="rId2" cstate="print"/>
+          <a:stretch>
+            <a:fillRect/>
+          </a:stretch>
+        </p:blipFill>
+        <p:spPr>
+          <a:xfrm>
+            <a:off x="191180" y="184254"/>
+            <a:ext cx="1008228" cy="1008228"/>
+          </a:xfrm>
+          <a:prstGeom prst="rect">
+            <a:avLst/>
+          </a:prstGeom>
+        </p:spPr>
+      </p:pic>
+    </p:spTree>
+    <p:extLst>
+      <p:ext uri="{BB962C8B-B14F-4D97-AF65-F5344CB8AC3E}">
+        <p14:creationId xmlns:p14="http://schemas.microsoft.com/office/powerpoint/2010/main" xmlns="" val="3386272830"/>
+      </p:ext>
+    </p:extLst>
+  </p:cSld>
+  <p:clrMapOvr>
+    <a:masterClrMapping/>
+  </p:clrMapOvr>
+  <p:transition/>
+  <p:timing>
+    <p:tnLst>
+      <p:par>
+        <p:cTn id="1" dur="indefinite" restart="never" nodeType="tmRoot">
+          <p:childTnLst>
+            <p:seq concurrent="1" nextAc="seek">
+              <p:cTn id="2" dur="indefinite" nodeType="mainSeq">
+                <p:childTnLst>
+                  <p:par>
+                    <p:cTn id="3" fill="hold">
+                      <p:stCondLst>
+                        <p:cond delay="indefinite"/>
+                      </p:stCondLst>
+                      <p:childTnLst>
+                        <p:par>
+                          <p:cTn id="4" fill="hold">
+                            <p:stCondLst>
+                              <p:cond delay="0"/>
+                            </p:stCondLst>
+                            <p:childTnLst>
+                              <p:par>
+                                <p:cTn id="5" presetID="2" presetClass="entr" presetSubtype="4" fill="hold" grpId="0" nodeType="clickEffect">
+                                  <p:stCondLst>
+                                    <p:cond delay="0"/>
+                                  </p:stCondLst>
+                                  <p:childTnLst>
+                                    <p:set>
+                                      <p:cBhvr>
+                                        <p:cTn id="6" dur="1" fill="hold">
+                                          <p:stCondLst>
+                                            <p:cond delay="0"/>
+                                          </p:stCondLst>
+                                        </p:cTn>
+                                        <p:tgtEl>
+                                          <p:spTgt spid="12"/>
+                                        </p:tgtEl>
+                                        <p:attrNameLst>
+                                          <p:attrName>style.visibility</p:attrName>
+                                        </p:attrNameLst>
+                                      </p:cBhvr>
+                                      <p:to>
+                                        <p:strVal val="visible"/>
+                                      </p:to>
+                                    </p:set>
+                                    <p:anim calcmode="lin" valueType="num">
+                                      <p:cBhvr additive="base">
+                                        <p:cTn id="7" dur="500" fill="hold"/>
+                                        <p:tgtEl>
+                                          <p:spTgt spid="12"/>
+                                        </p:tgtEl>
+                                        <p:attrNameLst>
+                                          <p:attrName>ppt_x</p:attrName>
+                                        </p:attrNameLst>
+                                      </p:cBhvr>
+                                      <p:tavLst>
+                                        <p:tav tm="0">
+                                          <p:val>
+                                            <p:strVal val="#ppt_x"/>
+                                          </p:val>
+                                        </p:tav>
+                                        <p:tav tm="100000">
+                                          <p:val>
+                                            <p:strVal val="#ppt_x"/>
+                                          </p:val>
+                                        </p:tav>
+                                      </p:tavLst>
+                                    </p:anim>
+                                    <p:anim calcmode="lin" valueType="num">
+                                      <p:cBhvr additive="base">
+                                        <p:cTn id="8" dur="500" fill="hold"/>
+                                        <p:tgtEl>
+                                          <p:spTgt spid="12"/>
+                                        </p:tgtEl>
+                                        <p:attrNameLst>
+                                          <p:attrName>ppt_y</p:attrName>
+                                        </p:attrNameLst>
+                                      </p:cBhvr>
+                                      <p:tavLst>
+                                        <p:tav tm="0">
+                                          <p:val>
+                                            <p:strVal val="1+#ppt_h/2"/>
+                                          </p:val>
+                                        </p:tav>
+                                        <p:tav tm="100000">
+                                          <p:val>
+                                            <p:strVal val="#ppt_y"/>
+                                          </p:val>
+                                        </p:tav>
+                                      </p:tavLst>
+                                    </p:anim>
+                                  </p:childTnLst>
+                                </p:cTn>
+                              </p:par>
+                              <p:par>
+                                <p:cTn id="9" presetID="2" presetClass="entr" presetSubtype="4" fill="hold" grpId="0" nodeType="withEffect">
+                                  <p:stCondLst>
+                                    <p:cond delay="0"/>
+                                  </p:stCondLst>
+                                  <p:childTnLst>
+                                    <p:set>
+                                      <p:cBhvr>
+                                        <p:cTn id="10" dur="1" fill="hold">
+                                          <p:stCondLst>
+                                            <p:cond delay="0"/>
+                                          </p:stCondLst>
+                                        </p:cTn>
+                                        <p:tgtEl>
+                                          <p:spTgt spid="19"/>
+                                        </p:tgtEl>
+                                        <p:attrNameLst>
+                                          <p:attrName>style.visibility</p:attrName>
+                                        </p:attrNameLst>
+                                      </p:cBhvr>
+                                      <p:to>
+                                        <p:strVal val="visible"/>
+                                      </p:to>
+                                    </p:set>
+                                    <p:anim calcmode="lin" valueType="num">
+                                      <p:cBhvr additive="base">
+                                        <p:cTn id="11" dur="500" fill="hold"/>
+                                        <p:tgtEl>
+                                          <p:spTgt spid="19"/>
+                                        </p:tgtEl>
+                                        <p:attrNameLst>
+                                          <p:attrName>ppt_x</p:attrName>
+                                        </p:attrNameLst>
+                                      </p:cBhvr>
+                                      <p:tavLst>
+                                        <p:tav tm="0">
+                                          <p:val>
+                                            <p:strVal val="#ppt_x"/>
+                                          </p:val>
+                                        </p:tav>
+                                        <p:tav tm="100000">
+                                          <p:val>
+                                            <p:strVal val="#ppt_x"/>
+                                          </p:val>
+                                        </p:tav>
+                                      </p:tavLst>
+                                    </p:anim>
+                                    <p:anim calcmode="lin" valueType="num">
+                                      <p:cBhvr additive="base">
+                                        <p:cTn id="12" dur="500" fill="hold"/>
+                                        <p:tgtEl>
+                                          <p:spTgt spid="19"/>
+                                        </p:tgtEl>
+                                        <p:attrNameLst>
+                                          <p:attrName>ppt_y</p:attrName>
+                                        </p:attrNameLst>
+                                      </p:cBhvr>
+                                      <p:tavLst>
+                                        <p:tav tm="0">
+                                          <p:val>
+                                            <p:strVal val="1+#ppt_h/2"/>
+                                          </p:val>
+                                        </p:tav>
+                                        <p:tav tm="100000">
+                                          <p:val>
+                                            <p:strVal val="#ppt_y"/>
+                                          </p:val>
+                                        </p:tav>
+                                      </p:tavLst>
+                                    </p:anim>
+                                  </p:childTnLst>
+                                </p:cTn>
+                              </p:par>
+                            </p:childTnLst>
+                          </p:cTn>
+                        </p:par>
+                      </p:childTnLst>
+                    </p:cTn>
+                  </p:par>
+                </p:childTnLst>
+              </p:cTn>
+              <p:prevCondLst>
+                <p:cond evt="onPrev" delay="0">
+                  <p:tgtEl>
+                    <p:sldTgt/>
+                  </p:tgtEl>
+                </p:cond>
+              </p:prevCondLst>
+              <p:nextCondLst>
+                <p:cond evt="onNext" delay="0">
+                  <p:tgtEl>
+                    <p:sldTgt/>
+                  </p:tgtEl>
+                </p:cond>
+              </p:nextCondLst>
+            </p:seq>
+          </p:childTnLst>
+        </p:cTn>
+      </p:par>
+    </p:tnLst>
+    <p:bldLst>
+      <p:bldP spid="12" grpId="0" animBg="1"/>
+      <p:bldP spid="19" grpId="0"/>
+    </p:bldLst>
+  </p:timing>
+</p:sld>
+</file>
+
+<file path=ppt/slides/slide26.xml><?xml version="1.0" encoding="utf-8"?>
 <p:sld xmlns:a="http://schemas.openxmlformats.org/drawingml/2006/main" xmlns:r="http://schemas.openxmlformats.org/officeDocument/2006/relationships" xmlns:p="http://schemas.openxmlformats.org/presentationml/2006/main">
   <p:cSld>
     <p:spTree>
@@ -39676,7 +40961,7 @@
                 </a:solidFill>
                 <a:ea typeface="造字工房悦圆（非商用）常规体"/>
               </a:rPr>
-              <a:t>只是手段，终极目标是模块化和复用</a:t>
+              <a:t>只是手段，最终目标是模块化和复用</a:t>
             </a:r>
             <a:endParaRPr lang="zh-CN" altLang="en-US" sz="3200" dirty="0">
               <a:solidFill>

--- a/AngularJS演示.pptx
+++ b/AngularJS演示.pptx
@@ -5,7 +5,7 @@
     <p:sldMasterId id="2147483648" r:id="rId1"/>
   </p:sldMasterIdLst>
   <p:notesMasterIdLst>
-    <p:notesMasterId r:id="rId28"/>
+    <p:notesMasterId r:id="rId29"/>
   </p:notesMasterIdLst>
   <p:sldIdLst>
     <p:sldId id="256" r:id="rId2"/>
@@ -22,18 +22,19 @@
     <p:sldId id="265" r:id="rId13"/>
     <p:sldId id="266" r:id="rId14"/>
     <p:sldId id="270" r:id="rId15"/>
-    <p:sldId id="277" r:id="rId16"/>
-    <p:sldId id="278" r:id="rId17"/>
-    <p:sldId id="279" r:id="rId18"/>
-    <p:sldId id="280" r:id="rId19"/>
-    <p:sldId id="285" r:id="rId20"/>
-    <p:sldId id="286" r:id="rId21"/>
-    <p:sldId id="281" r:id="rId22"/>
-    <p:sldId id="283" r:id="rId23"/>
-    <p:sldId id="282" r:id="rId24"/>
-    <p:sldId id="284" r:id="rId25"/>
-    <p:sldId id="287" r:id="rId26"/>
-    <p:sldId id="260" r:id="rId27"/>
+    <p:sldId id="288" r:id="rId16"/>
+    <p:sldId id="277" r:id="rId17"/>
+    <p:sldId id="278" r:id="rId18"/>
+    <p:sldId id="279" r:id="rId19"/>
+    <p:sldId id="280" r:id="rId20"/>
+    <p:sldId id="285" r:id="rId21"/>
+    <p:sldId id="286" r:id="rId22"/>
+    <p:sldId id="281" r:id="rId23"/>
+    <p:sldId id="283" r:id="rId24"/>
+    <p:sldId id="282" r:id="rId25"/>
+    <p:sldId id="284" r:id="rId26"/>
+    <p:sldId id="287" r:id="rId27"/>
+    <p:sldId id="260" r:id="rId28"/>
   </p:sldIdLst>
   <p:sldSz cx="12192000" cy="6858000"/>
   <p:notesSz cx="6858000" cy="9144000"/>
@@ -134,7 +135,7 @@
   </p:defaultTextStyle>
   <p:extLst>
     <p:ext uri="{EFAFB233-063F-42B5-8137-9DF3F51BA10A}">
-      <p15:sldGuideLst xmlns:p15="http://schemas.microsoft.com/office/powerpoint/2012/main" xmlns=""/>
+      <p15:sldGuideLst xmlns="" xmlns:p15="http://schemas.microsoft.com/office/powerpoint/2012/main"/>
     </p:ext>
   </p:extLst>
 </p:presentation>
@@ -223,7 +224,7 @@
             <a:fld id="{0FB7BC20-A8CE-435D-8215-9C68D7A871BB}" type="datetimeFigureOut">
               <a:rPr lang="zh-CN" altLang="en-US" smtClean="0"/>
               <a:pPr/>
-              <a:t>12-28 Wednesday</a:t>
+              <a:t>1-3 Tuesday</a:t>
             </a:fld>
             <a:endParaRPr lang="zh-CN" altLang="en-US"/>
           </a:p>
@@ -639,7 +640,7 @@
             <a:fld id="{466ACD28-26EC-4CD0-8A70-18374D83F2C5}" type="slidenum">
               <a:rPr lang="zh-CN" altLang="en-US" smtClean="0"/>
               <a:pPr/>
-              <a:t>17</a:t>
+              <a:t>18</a:t>
             </a:fld>
             <a:endParaRPr lang="zh-CN" altLang="en-US"/>
           </a:p>
@@ -721,7 +722,7 @@
             <a:fld id="{466ACD28-26EC-4CD0-8A70-18374D83F2C5}" type="slidenum">
               <a:rPr lang="zh-CN" altLang="en-US" smtClean="0"/>
               <a:pPr/>
-              <a:t>18</a:t>
+              <a:t>19</a:t>
             </a:fld>
             <a:endParaRPr lang="zh-CN" altLang="en-US"/>
           </a:p>
@@ -803,7 +804,7 @@
             <a:fld id="{466ACD28-26EC-4CD0-8A70-18374D83F2C5}" type="slidenum">
               <a:rPr lang="zh-CN" altLang="en-US" smtClean="0"/>
               <a:pPr/>
-              <a:t>19</a:t>
+              <a:t>20</a:t>
             </a:fld>
             <a:endParaRPr lang="zh-CN" altLang="en-US"/>
           </a:p>
@@ -885,7 +886,7 @@
             <a:fld id="{466ACD28-26EC-4CD0-8A70-18374D83F2C5}" type="slidenum">
               <a:rPr lang="zh-CN" altLang="en-US" smtClean="0"/>
               <a:pPr/>
-              <a:t>20</a:t>
+              <a:t>21</a:t>
             </a:fld>
             <a:endParaRPr lang="zh-CN" altLang="en-US"/>
           </a:p>
@@ -1031,7 +1032,7 @@
             <a:fld id="{32D35100-D539-42A6-851C-69A7D2D91D1A}" type="datetimeFigureOut">
               <a:rPr lang="zh-CN" altLang="en-US" smtClean="0"/>
               <a:pPr/>
-              <a:t>12-28 Wednesday</a:t>
+              <a:t>1-3 Tuesday</a:t>
             </a:fld>
             <a:endParaRPr lang="zh-CN" altLang="en-US"/>
           </a:p>
@@ -1083,7 +1084,7 @@
     </p:spTree>
     <p:extLst>
       <p:ext uri="{BB962C8B-B14F-4D97-AF65-F5344CB8AC3E}">
-        <p14:creationId xmlns:p14="http://schemas.microsoft.com/office/powerpoint/2010/main" xmlns="" val="3024029738"/>
+        <p14:creationId xmlns="" xmlns:p14="http://schemas.microsoft.com/office/powerpoint/2010/main" val="3024029738"/>
       </p:ext>
     </p:extLst>
   </p:cSld>
@@ -1204,7 +1205,7 @@
             <a:fld id="{32D35100-D539-42A6-851C-69A7D2D91D1A}" type="datetimeFigureOut">
               <a:rPr lang="zh-CN" altLang="en-US" smtClean="0"/>
               <a:pPr/>
-              <a:t>12-28 Wednesday</a:t>
+              <a:t>1-3 Tuesday</a:t>
             </a:fld>
             <a:endParaRPr lang="zh-CN" altLang="en-US"/>
           </a:p>
@@ -1256,7 +1257,7 @@
     </p:spTree>
     <p:extLst>
       <p:ext uri="{BB962C8B-B14F-4D97-AF65-F5344CB8AC3E}">
-        <p14:creationId xmlns:p14="http://schemas.microsoft.com/office/powerpoint/2010/main" xmlns="" val="343241554"/>
+        <p14:creationId xmlns="" xmlns:p14="http://schemas.microsoft.com/office/powerpoint/2010/main" val="343241554"/>
       </p:ext>
     </p:extLst>
   </p:cSld>
@@ -1387,7 +1388,7 @@
             <a:fld id="{32D35100-D539-42A6-851C-69A7D2D91D1A}" type="datetimeFigureOut">
               <a:rPr lang="zh-CN" altLang="en-US" smtClean="0"/>
               <a:pPr/>
-              <a:t>12-28 Wednesday</a:t>
+              <a:t>1-3 Tuesday</a:t>
             </a:fld>
             <a:endParaRPr lang="zh-CN" altLang="en-US"/>
           </a:p>
@@ -1439,7 +1440,7 @@
     </p:spTree>
     <p:extLst>
       <p:ext uri="{BB962C8B-B14F-4D97-AF65-F5344CB8AC3E}">
-        <p14:creationId xmlns:p14="http://schemas.microsoft.com/office/powerpoint/2010/main" xmlns="" val="1508326006"/>
+        <p14:creationId xmlns="" xmlns:p14="http://schemas.microsoft.com/office/powerpoint/2010/main" val="1508326006"/>
       </p:ext>
     </p:extLst>
   </p:cSld>
@@ -1560,7 +1561,7 @@
             <a:fld id="{32D35100-D539-42A6-851C-69A7D2D91D1A}" type="datetimeFigureOut">
               <a:rPr lang="zh-CN" altLang="en-US" smtClean="0"/>
               <a:pPr/>
-              <a:t>12-28 Wednesday</a:t>
+              <a:t>1-3 Tuesday</a:t>
             </a:fld>
             <a:endParaRPr lang="zh-CN" altLang="en-US"/>
           </a:p>
@@ -1612,7 +1613,7 @@
     </p:spTree>
     <p:extLst>
       <p:ext uri="{BB962C8B-B14F-4D97-AF65-F5344CB8AC3E}">
-        <p14:creationId xmlns:p14="http://schemas.microsoft.com/office/powerpoint/2010/main" xmlns="" val="1759505212"/>
+        <p14:creationId xmlns="" xmlns:p14="http://schemas.microsoft.com/office/powerpoint/2010/main" val="1759505212"/>
       </p:ext>
     </p:extLst>
   </p:cSld>
@@ -1809,7 +1810,7 @@
             <a:fld id="{32D35100-D539-42A6-851C-69A7D2D91D1A}" type="datetimeFigureOut">
               <a:rPr lang="zh-CN" altLang="en-US" smtClean="0"/>
               <a:pPr/>
-              <a:t>12-28 Wednesday</a:t>
+              <a:t>1-3 Tuesday</a:t>
             </a:fld>
             <a:endParaRPr lang="zh-CN" altLang="en-US"/>
           </a:p>
@@ -1861,7 +1862,7 @@
     </p:spTree>
     <p:extLst>
       <p:ext uri="{BB962C8B-B14F-4D97-AF65-F5344CB8AC3E}">
-        <p14:creationId xmlns:p14="http://schemas.microsoft.com/office/powerpoint/2010/main" xmlns="" val="2417609714"/>
+        <p14:creationId xmlns="" xmlns:p14="http://schemas.microsoft.com/office/powerpoint/2010/main" val="2417609714"/>
       </p:ext>
     </p:extLst>
   </p:cSld>
@@ -2044,7 +2045,7 @@
             <a:fld id="{32D35100-D539-42A6-851C-69A7D2D91D1A}" type="datetimeFigureOut">
               <a:rPr lang="zh-CN" altLang="en-US" smtClean="0"/>
               <a:pPr/>
-              <a:t>12-28 Wednesday</a:t>
+              <a:t>1-3 Tuesday</a:t>
             </a:fld>
             <a:endParaRPr lang="zh-CN" altLang="en-US"/>
           </a:p>
@@ -2096,7 +2097,7 @@
     </p:spTree>
     <p:extLst>
       <p:ext uri="{BB962C8B-B14F-4D97-AF65-F5344CB8AC3E}">
-        <p14:creationId xmlns:p14="http://schemas.microsoft.com/office/powerpoint/2010/main" xmlns="" val="3609596728"/>
+        <p14:creationId xmlns="" xmlns:p14="http://schemas.microsoft.com/office/powerpoint/2010/main" val="3609596728"/>
       </p:ext>
     </p:extLst>
   </p:cSld>
@@ -2414,7 +2415,7 @@
             <a:fld id="{32D35100-D539-42A6-851C-69A7D2D91D1A}" type="datetimeFigureOut">
               <a:rPr lang="zh-CN" altLang="en-US" smtClean="0"/>
               <a:pPr/>
-              <a:t>12-28 Wednesday</a:t>
+              <a:t>1-3 Tuesday</a:t>
             </a:fld>
             <a:endParaRPr lang="zh-CN" altLang="en-US"/>
           </a:p>
@@ -2466,7 +2467,7 @@
     </p:spTree>
     <p:extLst>
       <p:ext uri="{BB962C8B-B14F-4D97-AF65-F5344CB8AC3E}">
-        <p14:creationId xmlns:p14="http://schemas.microsoft.com/office/powerpoint/2010/main" xmlns="" val="4285565082"/>
+        <p14:creationId xmlns="" xmlns:p14="http://schemas.microsoft.com/office/powerpoint/2010/main" val="4285565082"/>
       </p:ext>
     </p:extLst>
   </p:cSld>
@@ -2535,7 +2536,7 @@
             <a:fld id="{32D35100-D539-42A6-851C-69A7D2D91D1A}" type="datetimeFigureOut">
               <a:rPr lang="zh-CN" altLang="en-US" smtClean="0"/>
               <a:pPr/>
-              <a:t>12-28 Wednesday</a:t>
+              <a:t>1-3 Tuesday</a:t>
             </a:fld>
             <a:endParaRPr lang="zh-CN" altLang="en-US"/>
           </a:p>
@@ -2587,7 +2588,7 @@
     </p:spTree>
     <p:extLst>
       <p:ext uri="{BB962C8B-B14F-4D97-AF65-F5344CB8AC3E}">
-        <p14:creationId xmlns:p14="http://schemas.microsoft.com/office/powerpoint/2010/main" xmlns="" val="2676369298"/>
+        <p14:creationId xmlns="" xmlns:p14="http://schemas.microsoft.com/office/powerpoint/2010/main" val="2676369298"/>
       </p:ext>
     </p:extLst>
   </p:cSld>
@@ -2633,7 +2634,7 @@
             <a:fld id="{32D35100-D539-42A6-851C-69A7D2D91D1A}" type="datetimeFigureOut">
               <a:rPr lang="zh-CN" altLang="en-US" smtClean="0"/>
               <a:pPr/>
-              <a:t>12-28 Wednesday</a:t>
+              <a:t>1-3 Tuesday</a:t>
             </a:fld>
             <a:endParaRPr lang="zh-CN" altLang="en-US"/>
           </a:p>
@@ -2685,7 +2686,7 @@
     </p:spTree>
     <p:extLst>
       <p:ext uri="{BB962C8B-B14F-4D97-AF65-F5344CB8AC3E}">
-        <p14:creationId xmlns:p14="http://schemas.microsoft.com/office/powerpoint/2010/main" xmlns="" val="2259663268"/>
+        <p14:creationId xmlns="" xmlns:p14="http://schemas.microsoft.com/office/powerpoint/2010/main" val="2259663268"/>
       </p:ext>
     </p:extLst>
   </p:cSld>
@@ -2913,7 +2914,7 @@
             <a:fld id="{32D35100-D539-42A6-851C-69A7D2D91D1A}" type="datetimeFigureOut">
               <a:rPr lang="zh-CN" altLang="en-US" smtClean="0"/>
               <a:pPr/>
-              <a:t>12-28 Wednesday</a:t>
+              <a:t>1-3 Tuesday</a:t>
             </a:fld>
             <a:endParaRPr lang="zh-CN" altLang="en-US"/>
           </a:p>
@@ -2965,7 +2966,7 @@
     </p:spTree>
     <p:extLst>
       <p:ext uri="{BB962C8B-B14F-4D97-AF65-F5344CB8AC3E}">
-        <p14:creationId xmlns:p14="http://schemas.microsoft.com/office/powerpoint/2010/main" xmlns="" val="3401749403"/>
+        <p14:creationId xmlns="" xmlns:p14="http://schemas.microsoft.com/office/powerpoint/2010/main" val="3401749403"/>
       </p:ext>
     </p:extLst>
   </p:cSld>
@@ -3169,7 +3170,7 @@
             <a:fld id="{32D35100-D539-42A6-851C-69A7D2D91D1A}" type="datetimeFigureOut">
               <a:rPr lang="zh-CN" altLang="en-US" smtClean="0"/>
               <a:pPr/>
-              <a:t>12-28 Wednesday</a:t>
+              <a:t>1-3 Tuesday</a:t>
             </a:fld>
             <a:endParaRPr lang="zh-CN" altLang="en-US"/>
           </a:p>
@@ -3221,7 +3222,7 @@
     </p:spTree>
     <p:extLst>
       <p:ext uri="{BB962C8B-B14F-4D97-AF65-F5344CB8AC3E}">
-        <p14:creationId xmlns:p14="http://schemas.microsoft.com/office/powerpoint/2010/main" xmlns="" val="3963904103"/>
+        <p14:creationId xmlns="" xmlns:p14="http://schemas.microsoft.com/office/powerpoint/2010/main" val="3963904103"/>
       </p:ext>
     </p:extLst>
   </p:cSld>
@@ -3266,7 +3267,7 @@
           <a:blip r:embed="rId13" cstate="email">
             <a:extLst>
               <a:ext uri="{28A0092B-C50C-407E-A947-70E740481C1C}">
-                <a14:useLocalDpi xmlns:a14="http://schemas.microsoft.com/office/drawing/2010/main" xmlns=""/>
+                <a14:useLocalDpi xmlns="" xmlns:a14="http://schemas.microsoft.com/office/drawing/2010/main"/>
               </a:ext>
             </a:extLst>
           </a:blip>
@@ -3415,7 +3416,7 @@
             <a:fld id="{32D35100-D539-42A6-851C-69A7D2D91D1A}" type="datetimeFigureOut">
               <a:rPr lang="zh-CN" altLang="en-US" smtClean="0"/>
               <a:pPr/>
-              <a:t>12-28 Wednesday</a:t>
+              <a:t>1-3 Tuesday</a:t>
             </a:fld>
             <a:endParaRPr lang="zh-CN" altLang="en-US"/>
           </a:p>
@@ -3503,7 +3504,7 @@
     </p:spTree>
     <p:extLst>
       <p:ext uri="{BB962C8B-B14F-4D97-AF65-F5344CB8AC3E}">
-        <p14:creationId xmlns:p14="http://schemas.microsoft.com/office/powerpoint/2010/main" xmlns="" val="2611925279"/>
+        <p14:creationId xmlns="" xmlns:p14="http://schemas.microsoft.com/office/powerpoint/2010/main" val="2611925279"/>
       </p:ext>
     </p:extLst>
   </p:cSld>
@@ -4815,7 +4816,7 @@
     </p:spTree>
     <p:extLst>
       <p:ext uri="{BB962C8B-B14F-4D97-AF65-F5344CB8AC3E}">
-        <p14:creationId xmlns:p14="http://schemas.microsoft.com/office/powerpoint/2010/main" xmlns="" val="2079182328"/>
+        <p14:creationId xmlns="" xmlns:p14="http://schemas.microsoft.com/office/powerpoint/2010/main" val="2079182328"/>
       </p:ext>
     </p:extLst>
   </p:cSld>
@@ -6219,7 +6220,7 @@
     </p:spTree>
     <p:extLst>
       <p:ext uri="{BB962C8B-B14F-4D97-AF65-F5344CB8AC3E}">
-        <p14:creationId xmlns:p14="http://schemas.microsoft.com/office/powerpoint/2010/main" xmlns="" val="3386272830"/>
+        <p14:creationId xmlns="" xmlns:p14="http://schemas.microsoft.com/office/powerpoint/2010/main" val="3386272830"/>
       </p:ext>
     </p:extLst>
   </p:cSld>
@@ -8352,7 +8353,7 @@
     </p:spTree>
     <p:extLst>
       <p:ext uri="{BB962C8B-B14F-4D97-AF65-F5344CB8AC3E}">
-        <p14:creationId xmlns:p14="http://schemas.microsoft.com/office/powerpoint/2010/main" xmlns="" val="3386272830"/>
+        <p14:creationId xmlns="" xmlns:p14="http://schemas.microsoft.com/office/powerpoint/2010/main" val="3386272830"/>
       </p:ext>
     </p:extLst>
   </p:cSld>
@@ -10339,7 +10340,7 @@
     </p:spTree>
     <p:extLst>
       <p:ext uri="{BB962C8B-B14F-4D97-AF65-F5344CB8AC3E}">
-        <p14:creationId xmlns:p14="http://schemas.microsoft.com/office/powerpoint/2010/main" xmlns="" val="3386272830"/>
+        <p14:creationId xmlns="" xmlns:p14="http://schemas.microsoft.com/office/powerpoint/2010/main" val="3386272830"/>
       </p:ext>
     </p:extLst>
   </p:cSld>
@@ -12977,7 +12978,7 @@
     </p:spTree>
     <p:extLst>
       <p:ext uri="{BB962C8B-B14F-4D97-AF65-F5344CB8AC3E}">
-        <p14:creationId xmlns:p14="http://schemas.microsoft.com/office/powerpoint/2010/main" xmlns="" val="3386272830"/>
+        <p14:creationId xmlns="" xmlns:p14="http://schemas.microsoft.com/office/powerpoint/2010/main" val="3386272830"/>
       </p:ext>
     </p:extLst>
   </p:cSld>
@@ -14960,7 +14961,7 @@
         </p:nvSpPr>
         <p:spPr>
           <a:xfrm>
-            <a:off x="1688122" y="2203936"/>
+            <a:off x="1688122" y="2724636"/>
             <a:ext cx="3130063" cy="461665"/>
           </a:xfrm>
           <a:prstGeom prst="rect">
@@ -15009,7 +15010,7 @@
         </p:nvSpPr>
         <p:spPr>
           <a:xfrm>
-            <a:off x="1688123" y="2954209"/>
+            <a:off x="1688123" y="3474909"/>
             <a:ext cx="2579077" cy="461665"/>
           </a:xfrm>
           <a:prstGeom prst="rect">
@@ -15058,7 +15059,7 @@
         </p:nvSpPr>
         <p:spPr>
           <a:xfrm>
-            <a:off x="1688124" y="3681036"/>
+            <a:off x="1688124" y="4201736"/>
             <a:ext cx="2579077" cy="461665"/>
           </a:xfrm>
           <a:prstGeom prst="rect">
@@ -15107,7 +15108,7 @@
         </p:nvSpPr>
         <p:spPr>
           <a:xfrm>
-            <a:off x="1676402" y="4443032"/>
+            <a:off x="1676402" y="4963732"/>
             <a:ext cx="2719752" cy="461665"/>
           </a:xfrm>
           <a:prstGeom prst="rect">
@@ -15148,10 +15149,59 @@
           </a:p>
         </p:txBody>
       </p:sp>
+      <p:sp>
+        <p:nvSpPr>
+          <p:cNvPr id="22" name="TextBox 21"/>
+          <p:cNvSpPr txBox="1"/>
+          <p:nvPr/>
+        </p:nvSpPr>
+        <p:spPr>
+          <a:xfrm>
+            <a:off x="1688122" y="2115036"/>
+            <a:ext cx="3130063" cy="461665"/>
+          </a:xfrm>
+          <a:prstGeom prst="rect">
+            <a:avLst/>
+          </a:prstGeom>
+          <a:noFill/>
+        </p:spPr>
+        <p:txBody>
+          <a:bodyPr wrap="square" rtlCol="0">
+            <a:spAutoFit/>
+          </a:bodyPr>
+          <a:lstStyle/>
+          <a:p>
+            <a:r>
+              <a:rPr lang="en-US" altLang="zh-CN" sz="2400" dirty="0" smtClean="0">
+                <a:solidFill>
+                  <a:schemeClr val="bg1"/>
+                </a:solidFill>
+                <a:ea typeface="造字工房悦圆（非商用）常规体"/>
+              </a:rPr>
+              <a:t>restrict </a:t>
+            </a:r>
+            <a:r>
+              <a:rPr lang="en-US" altLang="zh-CN" sz="2400" dirty="0" smtClean="0">
+                <a:solidFill>
+                  <a:schemeClr val="bg1"/>
+                </a:solidFill>
+                <a:ea typeface="造字工房悦圆（非商用）常规体"/>
+              </a:rPr>
+              <a:t>: </a:t>
+            </a:r>
+            <a:endParaRPr lang="zh-CN" altLang="en-US" sz="2400" dirty="0">
+              <a:solidFill>
+                <a:schemeClr val="bg1"/>
+              </a:solidFill>
+              <a:ea typeface="造字工房悦圆（非商用）常规体"/>
+            </a:endParaRPr>
+          </a:p>
+        </p:txBody>
+      </p:sp>
     </p:spTree>
     <p:extLst>
       <p:ext uri="{BB962C8B-B14F-4D97-AF65-F5344CB8AC3E}">
-        <p14:creationId xmlns:p14="http://schemas.microsoft.com/office/powerpoint/2010/main" xmlns="" val="3386272830"/>
+        <p14:creationId xmlns="" xmlns:p14="http://schemas.microsoft.com/office/powerpoint/2010/main" val="3386272830"/>
       </p:ext>
     </p:extLst>
   </p:cSld>
@@ -15389,6 +15439,41 @@
                                   </p:childTnLst>
                                 </p:cTn>
                               </p:par>
+                              <p:par>
+                                <p:cTn id="23" presetID="22" presetClass="entr" presetSubtype="4" fill="hold" grpId="0" nodeType="withEffect">
+                                  <p:stCondLst>
+                                    <p:cond delay="0"/>
+                                  </p:stCondLst>
+                                  <p:childTnLst>
+                                    <p:set>
+                                      <p:cBhvr>
+                                        <p:cTn id="24" dur="1" fill="hold">
+                                          <p:stCondLst>
+                                            <p:cond delay="0"/>
+                                          </p:stCondLst>
+                                        </p:cTn>
+                                        <p:tgtEl>
+                                          <p:spTgt spid="22"/>
+                                        </p:tgtEl>
+                                        <p:attrNameLst>
+                                          <p:attrName>style.visibility</p:attrName>
+                                        </p:attrNameLst>
+                                      </p:cBhvr>
+                                      <p:to>
+                                        <p:strVal val="visible"/>
+                                      </p:to>
+                                    </p:set>
+                                    <p:animEffect transition="in" filter="wipe(down)">
+                                      <p:cBhvr>
+                                        <p:cTn id="25" dur="500"/>
+                                        <p:tgtEl>
+                                          <p:spTgt spid="22"/>
+                                        </p:tgtEl>
+                                      </p:cBhvr>
+                                    </p:animEffect>
+                                  </p:childTnLst>
+                                </p:cTn>
+                              </p:par>
                             </p:childTnLst>
                           </p:cTn>
                         </p:par>
@@ -15422,12 +15507,1897 @@
       <p:bldP spid="51" grpId="0"/>
       <p:bldP spid="52" grpId="0"/>
       <p:bldP spid="53" grpId="0"/>
+      <p:bldP spid="22" grpId="0"/>
     </p:bldLst>
   </p:timing>
 </p:sld>
 </file>
 
 <file path=ppt/slides/slide15.xml><?xml version="1.0" encoding="utf-8"?>
+<p:sld xmlns:a="http://schemas.openxmlformats.org/drawingml/2006/main" xmlns:r="http://schemas.openxmlformats.org/officeDocument/2006/relationships" xmlns:p="http://schemas.openxmlformats.org/presentationml/2006/main">
+  <p:cSld>
+    <p:spTree>
+      <p:nvGrpSpPr>
+        <p:cNvPr id="1" name=""/>
+        <p:cNvGrpSpPr/>
+        <p:nvPr/>
+      </p:nvGrpSpPr>
+      <p:grpSpPr>
+        <a:xfrm>
+          <a:off x="0" y="0"/>
+          <a:ext cx="0" cy="0"/>
+          <a:chOff x="0" y="0"/>
+          <a:chExt cx="0" cy="0"/>
+        </a:xfrm>
+      </p:grpSpPr>
+      <p:grpSp>
+        <p:nvGrpSpPr>
+          <p:cNvPr id="2" name="组合 31"/>
+          <p:cNvGrpSpPr/>
+          <p:nvPr/>
+        </p:nvGrpSpPr>
+        <p:grpSpPr>
+          <a:xfrm rot="16200000">
+            <a:off x="9868693" y="294751"/>
+            <a:ext cx="2684464" cy="1962151"/>
+            <a:chOff x="5947983" y="731507"/>
+            <a:chExt cx="2971525" cy="2171971"/>
+          </a:xfrm>
+        </p:grpSpPr>
+        <p:sp>
+          <p:nvSpPr>
+            <p:cNvPr id="29" name="任意多边形 28"/>
+            <p:cNvSpPr/>
+            <p:nvPr/>
+          </p:nvSpPr>
+          <p:spPr>
+            <a:xfrm>
+              <a:off x="5947983" y="834364"/>
+              <a:ext cx="2204704" cy="2069114"/>
+            </a:xfrm>
+            <a:custGeom>
+              <a:avLst/>
+              <a:gdLst>
+                <a:gd name="connsiteX0" fmla="*/ 1849312 w 2204704"/>
+                <a:gd name="connsiteY0" fmla="*/ 1064 h 2069114"/>
+                <a:gd name="connsiteX1" fmla="*/ 2058594 w 2204704"/>
+                <a:gd name="connsiteY1" fmla="*/ 82732 h 2069114"/>
+                <a:gd name="connsiteX2" fmla="*/ 2121972 w 2204704"/>
+                <a:gd name="connsiteY2" fmla="*/ 622474 h 2069114"/>
+                <a:gd name="connsiteX3" fmla="*/ 979367 w 2204704"/>
+                <a:gd name="connsiteY3" fmla="*/ 2069114 h 2069114"/>
+                <a:gd name="connsiteX4" fmla="*/ 0 w 2204704"/>
+                <a:gd name="connsiteY4" fmla="*/ 2069114 h 2069114"/>
+                <a:gd name="connsiteX5" fmla="*/ 1518853 w 2204704"/>
+                <a:gd name="connsiteY5" fmla="*/ 146110 h 2069114"/>
+                <a:gd name="connsiteX6" fmla="*/ 1849312 w 2204704"/>
+                <a:gd name="connsiteY6" fmla="*/ 1064 h 2069114"/>
+              </a:gdLst>
+              <a:ahLst/>
+              <a:cxnLst>
+                <a:cxn ang="0">
+                  <a:pos x="connsiteX0" y="connsiteY0"/>
+                </a:cxn>
+                <a:cxn ang="0">
+                  <a:pos x="connsiteX1" y="connsiteY1"/>
+                </a:cxn>
+                <a:cxn ang="0">
+                  <a:pos x="connsiteX2" y="connsiteY2"/>
+                </a:cxn>
+                <a:cxn ang="0">
+                  <a:pos x="connsiteX3" y="connsiteY3"/>
+                </a:cxn>
+                <a:cxn ang="0">
+                  <a:pos x="connsiteX4" y="connsiteY4"/>
+                </a:cxn>
+                <a:cxn ang="0">
+                  <a:pos x="connsiteX5" y="connsiteY5"/>
+                </a:cxn>
+                <a:cxn ang="0">
+                  <a:pos x="connsiteX6" y="connsiteY6"/>
+                </a:cxn>
+              </a:cxnLst>
+              <a:rect l="l" t="t" r="r" b="b"/>
+              <a:pathLst>
+                <a:path w="2204704" h="2069114">
+                  <a:moveTo>
+                    <a:pt x="1849312" y="1064"/>
+                  </a:moveTo>
+                  <a:cubicBezTo>
+                    <a:pt x="1923123" y="6563"/>
+                    <a:pt x="1996139" y="33403"/>
+                    <a:pt x="2058594" y="82732"/>
+                  </a:cubicBezTo>
+                  <a:cubicBezTo>
+                    <a:pt x="2225141" y="214276"/>
+                    <a:pt x="2253516" y="455927"/>
+                    <a:pt x="2121972" y="622474"/>
+                  </a:cubicBezTo>
+                  <a:lnTo>
+                    <a:pt x="979367" y="2069114"/>
+                  </a:lnTo>
+                  <a:lnTo>
+                    <a:pt x="0" y="2069114"/>
+                  </a:lnTo>
+                  <a:lnTo>
+                    <a:pt x="1518853" y="146110"/>
+                  </a:lnTo>
+                  <a:cubicBezTo>
+                    <a:pt x="1601068" y="42018"/>
+                    <a:pt x="1726294" y="-8100"/>
+                    <a:pt x="1849312" y="1064"/>
+                  </a:cubicBezTo>
+                  <a:close/>
+                </a:path>
+              </a:pathLst>
+            </a:custGeom>
+            <a:solidFill>
+              <a:srgbClr val="40E3F6"/>
+            </a:solidFill>
+            <a:ln>
+              <a:noFill/>
+            </a:ln>
+          </p:spPr>
+          <p:style>
+            <a:lnRef idx="2">
+              <a:schemeClr val="accent1">
+                <a:shade val="50000"/>
+              </a:schemeClr>
+            </a:lnRef>
+            <a:fillRef idx="1">
+              <a:schemeClr val="accent1"/>
+            </a:fillRef>
+            <a:effectRef idx="0">
+              <a:schemeClr val="accent1"/>
+            </a:effectRef>
+            <a:fontRef idx="minor">
+              <a:schemeClr val="lt1"/>
+            </a:fontRef>
+          </p:style>
+          <p:txBody>
+            <a:bodyPr rtlCol="0" anchor="ctr"/>
+            <a:lstStyle/>
+            <a:p>
+              <a:pPr algn="ctr"/>
+              <a:endParaRPr lang="zh-CN" altLang="en-US"/>
+            </a:p>
+          </p:txBody>
+        </p:sp>
+        <p:sp>
+          <p:nvSpPr>
+            <p:cNvPr id="30" name="任意多边形 29"/>
+            <p:cNvSpPr/>
+            <p:nvPr/>
+          </p:nvSpPr>
+          <p:spPr>
+            <a:xfrm>
+              <a:off x="6605207" y="731507"/>
+              <a:ext cx="2314301" cy="2171971"/>
+            </a:xfrm>
+            <a:custGeom>
+              <a:avLst/>
+              <a:gdLst>
+                <a:gd name="connsiteX0" fmla="*/ 1849312 w 2204704"/>
+                <a:gd name="connsiteY0" fmla="*/ 1064 h 2069114"/>
+                <a:gd name="connsiteX1" fmla="*/ 2058594 w 2204704"/>
+                <a:gd name="connsiteY1" fmla="*/ 82732 h 2069114"/>
+                <a:gd name="connsiteX2" fmla="*/ 2121972 w 2204704"/>
+                <a:gd name="connsiteY2" fmla="*/ 622474 h 2069114"/>
+                <a:gd name="connsiteX3" fmla="*/ 979367 w 2204704"/>
+                <a:gd name="connsiteY3" fmla="*/ 2069114 h 2069114"/>
+                <a:gd name="connsiteX4" fmla="*/ 0 w 2204704"/>
+                <a:gd name="connsiteY4" fmla="*/ 2069114 h 2069114"/>
+                <a:gd name="connsiteX5" fmla="*/ 1518853 w 2204704"/>
+                <a:gd name="connsiteY5" fmla="*/ 146110 h 2069114"/>
+                <a:gd name="connsiteX6" fmla="*/ 1849312 w 2204704"/>
+                <a:gd name="connsiteY6" fmla="*/ 1064 h 2069114"/>
+              </a:gdLst>
+              <a:ahLst/>
+              <a:cxnLst>
+                <a:cxn ang="0">
+                  <a:pos x="connsiteX0" y="connsiteY0"/>
+                </a:cxn>
+                <a:cxn ang="0">
+                  <a:pos x="connsiteX1" y="connsiteY1"/>
+                </a:cxn>
+                <a:cxn ang="0">
+                  <a:pos x="connsiteX2" y="connsiteY2"/>
+                </a:cxn>
+                <a:cxn ang="0">
+                  <a:pos x="connsiteX3" y="connsiteY3"/>
+                </a:cxn>
+                <a:cxn ang="0">
+                  <a:pos x="connsiteX4" y="connsiteY4"/>
+                </a:cxn>
+                <a:cxn ang="0">
+                  <a:pos x="connsiteX5" y="connsiteY5"/>
+                </a:cxn>
+                <a:cxn ang="0">
+                  <a:pos x="connsiteX6" y="connsiteY6"/>
+                </a:cxn>
+              </a:cxnLst>
+              <a:rect l="l" t="t" r="r" b="b"/>
+              <a:pathLst>
+                <a:path w="2204704" h="2069114">
+                  <a:moveTo>
+                    <a:pt x="1849312" y="1064"/>
+                  </a:moveTo>
+                  <a:cubicBezTo>
+                    <a:pt x="1923123" y="6563"/>
+                    <a:pt x="1996139" y="33403"/>
+                    <a:pt x="2058594" y="82732"/>
+                  </a:cubicBezTo>
+                  <a:cubicBezTo>
+                    <a:pt x="2225141" y="214276"/>
+                    <a:pt x="2253516" y="455927"/>
+                    <a:pt x="2121972" y="622474"/>
+                  </a:cubicBezTo>
+                  <a:lnTo>
+                    <a:pt x="979367" y="2069114"/>
+                  </a:lnTo>
+                  <a:lnTo>
+                    <a:pt x="0" y="2069114"/>
+                  </a:lnTo>
+                  <a:lnTo>
+                    <a:pt x="1518853" y="146110"/>
+                  </a:lnTo>
+                  <a:cubicBezTo>
+                    <a:pt x="1601068" y="42018"/>
+                    <a:pt x="1726294" y="-8100"/>
+                    <a:pt x="1849312" y="1064"/>
+                  </a:cubicBezTo>
+                  <a:close/>
+                </a:path>
+              </a:pathLst>
+            </a:custGeom>
+            <a:solidFill>
+              <a:schemeClr val="bg1">
+                <a:alpha val="24000"/>
+              </a:schemeClr>
+            </a:solidFill>
+            <a:ln>
+              <a:noFill/>
+            </a:ln>
+          </p:spPr>
+          <p:style>
+            <a:lnRef idx="2">
+              <a:schemeClr val="accent1">
+                <a:shade val="50000"/>
+              </a:schemeClr>
+            </a:lnRef>
+            <a:fillRef idx="1">
+              <a:schemeClr val="accent1"/>
+            </a:fillRef>
+            <a:effectRef idx="0">
+              <a:schemeClr val="accent1"/>
+            </a:effectRef>
+            <a:fontRef idx="minor">
+              <a:schemeClr val="lt1"/>
+            </a:fontRef>
+          </p:style>
+          <p:txBody>
+            <a:bodyPr rtlCol="0" anchor="ctr"/>
+            <a:lstStyle/>
+            <a:p>
+              <a:pPr algn="ctr"/>
+              <a:endParaRPr lang="zh-CN" altLang="en-US"/>
+            </a:p>
+          </p:txBody>
+        </p:sp>
+        <p:sp>
+          <p:nvSpPr>
+            <p:cNvPr id="31" name="任意多边形 30"/>
+            <p:cNvSpPr/>
+            <p:nvPr/>
+          </p:nvSpPr>
+          <p:spPr>
+            <a:xfrm>
+              <a:off x="7367208" y="1626856"/>
+              <a:ext cx="1360279" cy="1276621"/>
+            </a:xfrm>
+            <a:custGeom>
+              <a:avLst/>
+              <a:gdLst>
+                <a:gd name="connsiteX0" fmla="*/ 1849312 w 2204704"/>
+                <a:gd name="connsiteY0" fmla="*/ 1064 h 2069114"/>
+                <a:gd name="connsiteX1" fmla="*/ 2058594 w 2204704"/>
+                <a:gd name="connsiteY1" fmla="*/ 82732 h 2069114"/>
+                <a:gd name="connsiteX2" fmla="*/ 2121972 w 2204704"/>
+                <a:gd name="connsiteY2" fmla="*/ 622474 h 2069114"/>
+                <a:gd name="connsiteX3" fmla="*/ 979367 w 2204704"/>
+                <a:gd name="connsiteY3" fmla="*/ 2069114 h 2069114"/>
+                <a:gd name="connsiteX4" fmla="*/ 0 w 2204704"/>
+                <a:gd name="connsiteY4" fmla="*/ 2069114 h 2069114"/>
+                <a:gd name="connsiteX5" fmla="*/ 1518853 w 2204704"/>
+                <a:gd name="connsiteY5" fmla="*/ 146110 h 2069114"/>
+                <a:gd name="connsiteX6" fmla="*/ 1849312 w 2204704"/>
+                <a:gd name="connsiteY6" fmla="*/ 1064 h 2069114"/>
+              </a:gdLst>
+              <a:ahLst/>
+              <a:cxnLst>
+                <a:cxn ang="0">
+                  <a:pos x="connsiteX0" y="connsiteY0"/>
+                </a:cxn>
+                <a:cxn ang="0">
+                  <a:pos x="connsiteX1" y="connsiteY1"/>
+                </a:cxn>
+                <a:cxn ang="0">
+                  <a:pos x="connsiteX2" y="connsiteY2"/>
+                </a:cxn>
+                <a:cxn ang="0">
+                  <a:pos x="connsiteX3" y="connsiteY3"/>
+                </a:cxn>
+                <a:cxn ang="0">
+                  <a:pos x="connsiteX4" y="connsiteY4"/>
+                </a:cxn>
+                <a:cxn ang="0">
+                  <a:pos x="connsiteX5" y="connsiteY5"/>
+                </a:cxn>
+                <a:cxn ang="0">
+                  <a:pos x="connsiteX6" y="connsiteY6"/>
+                </a:cxn>
+              </a:cxnLst>
+              <a:rect l="l" t="t" r="r" b="b"/>
+              <a:pathLst>
+                <a:path w="2204704" h="2069114">
+                  <a:moveTo>
+                    <a:pt x="1849312" y="1064"/>
+                  </a:moveTo>
+                  <a:cubicBezTo>
+                    <a:pt x="1923123" y="6563"/>
+                    <a:pt x="1996139" y="33403"/>
+                    <a:pt x="2058594" y="82732"/>
+                  </a:cubicBezTo>
+                  <a:cubicBezTo>
+                    <a:pt x="2225141" y="214276"/>
+                    <a:pt x="2253516" y="455927"/>
+                    <a:pt x="2121972" y="622474"/>
+                  </a:cubicBezTo>
+                  <a:lnTo>
+                    <a:pt x="979367" y="2069114"/>
+                  </a:lnTo>
+                  <a:lnTo>
+                    <a:pt x="0" y="2069114"/>
+                  </a:lnTo>
+                  <a:lnTo>
+                    <a:pt x="1518853" y="146110"/>
+                  </a:lnTo>
+                  <a:cubicBezTo>
+                    <a:pt x="1601068" y="42018"/>
+                    <a:pt x="1726294" y="-8100"/>
+                    <a:pt x="1849312" y="1064"/>
+                  </a:cubicBezTo>
+                  <a:close/>
+                </a:path>
+              </a:pathLst>
+            </a:custGeom>
+            <a:solidFill>
+              <a:srgbClr val="7030A0">
+                <a:alpha val="46000"/>
+              </a:srgbClr>
+            </a:solidFill>
+            <a:ln>
+              <a:noFill/>
+            </a:ln>
+          </p:spPr>
+          <p:style>
+            <a:lnRef idx="2">
+              <a:schemeClr val="accent1">
+                <a:shade val="50000"/>
+              </a:schemeClr>
+            </a:lnRef>
+            <a:fillRef idx="1">
+              <a:schemeClr val="accent1"/>
+            </a:fillRef>
+            <a:effectRef idx="0">
+              <a:schemeClr val="accent1"/>
+            </a:effectRef>
+            <a:fontRef idx="minor">
+              <a:schemeClr val="lt1"/>
+            </a:fontRef>
+          </p:style>
+          <p:txBody>
+            <a:bodyPr rtlCol="0" anchor="ctr"/>
+            <a:lstStyle/>
+            <a:p>
+              <a:pPr algn="ctr"/>
+              <a:endParaRPr lang="zh-CN" altLang="en-US"/>
+            </a:p>
+          </p:txBody>
+        </p:sp>
+      </p:grpSp>
+      <p:grpSp>
+        <p:nvGrpSpPr>
+          <p:cNvPr id="3" name="组合 32"/>
+          <p:cNvGrpSpPr/>
+          <p:nvPr/>
+        </p:nvGrpSpPr>
+        <p:grpSpPr>
+          <a:xfrm rot="5400000">
+            <a:off x="-399777" y="4457698"/>
+            <a:ext cx="2971525" cy="2171971"/>
+            <a:chOff x="3891293" y="1133475"/>
+            <a:chExt cx="2971525" cy="2171971"/>
+          </a:xfrm>
+        </p:grpSpPr>
+        <p:sp>
+          <p:nvSpPr>
+            <p:cNvPr id="25" name="任意多边形 24"/>
+            <p:cNvSpPr/>
+            <p:nvPr/>
+          </p:nvSpPr>
+          <p:spPr>
+            <a:xfrm>
+              <a:off x="3891293" y="1236332"/>
+              <a:ext cx="2204704" cy="2069114"/>
+            </a:xfrm>
+            <a:custGeom>
+              <a:avLst/>
+              <a:gdLst>
+                <a:gd name="connsiteX0" fmla="*/ 1849312 w 2204704"/>
+                <a:gd name="connsiteY0" fmla="*/ 1064 h 2069114"/>
+                <a:gd name="connsiteX1" fmla="*/ 2058594 w 2204704"/>
+                <a:gd name="connsiteY1" fmla="*/ 82732 h 2069114"/>
+                <a:gd name="connsiteX2" fmla="*/ 2121972 w 2204704"/>
+                <a:gd name="connsiteY2" fmla="*/ 622474 h 2069114"/>
+                <a:gd name="connsiteX3" fmla="*/ 979367 w 2204704"/>
+                <a:gd name="connsiteY3" fmla="*/ 2069114 h 2069114"/>
+                <a:gd name="connsiteX4" fmla="*/ 0 w 2204704"/>
+                <a:gd name="connsiteY4" fmla="*/ 2069114 h 2069114"/>
+                <a:gd name="connsiteX5" fmla="*/ 1518853 w 2204704"/>
+                <a:gd name="connsiteY5" fmla="*/ 146110 h 2069114"/>
+                <a:gd name="connsiteX6" fmla="*/ 1849312 w 2204704"/>
+                <a:gd name="connsiteY6" fmla="*/ 1064 h 2069114"/>
+              </a:gdLst>
+              <a:ahLst/>
+              <a:cxnLst>
+                <a:cxn ang="0">
+                  <a:pos x="connsiteX0" y="connsiteY0"/>
+                </a:cxn>
+                <a:cxn ang="0">
+                  <a:pos x="connsiteX1" y="connsiteY1"/>
+                </a:cxn>
+                <a:cxn ang="0">
+                  <a:pos x="connsiteX2" y="connsiteY2"/>
+                </a:cxn>
+                <a:cxn ang="0">
+                  <a:pos x="connsiteX3" y="connsiteY3"/>
+                </a:cxn>
+                <a:cxn ang="0">
+                  <a:pos x="connsiteX4" y="connsiteY4"/>
+                </a:cxn>
+                <a:cxn ang="0">
+                  <a:pos x="connsiteX5" y="connsiteY5"/>
+                </a:cxn>
+                <a:cxn ang="0">
+                  <a:pos x="connsiteX6" y="connsiteY6"/>
+                </a:cxn>
+              </a:cxnLst>
+              <a:rect l="l" t="t" r="r" b="b"/>
+              <a:pathLst>
+                <a:path w="2204704" h="2069114">
+                  <a:moveTo>
+                    <a:pt x="1849312" y="1064"/>
+                  </a:moveTo>
+                  <a:cubicBezTo>
+                    <a:pt x="1923123" y="6563"/>
+                    <a:pt x="1996139" y="33403"/>
+                    <a:pt x="2058594" y="82732"/>
+                  </a:cubicBezTo>
+                  <a:cubicBezTo>
+                    <a:pt x="2225141" y="214276"/>
+                    <a:pt x="2253516" y="455927"/>
+                    <a:pt x="2121972" y="622474"/>
+                  </a:cubicBezTo>
+                  <a:lnTo>
+                    <a:pt x="979367" y="2069114"/>
+                  </a:lnTo>
+                  <a:lnTo>
+                    <a:pt x="0" y="2069114"/>
+                  </a:lnTo>
+                  <a:lnTo>
+                    <a:pt x="1518853" y="146110"/>
+                  </a:lnTo>
+                  <a:cubicBezTo>
+                    <a:pt x="1601068" y="42018"/>
+                    <a:pt x="1726294" y="-8100"/>
+                    <a:pt x="1849312" y="1064"/>
+                  </a:cubicBezTo>
+                  <a:close/>
+                </a:path>
+              </a:pathLst>
+            </a:custGeom>
+            <a:solidFill>
+              <a:srgbClr val="40E3F6"/>
+            </a:solidFill>
+            <a:ln>
+              <a:noFill/>
+            </a:ln>
+          </p:spPr>
+          <p:style>
+            <a:lnRef idx="2">
+              <a:schemeClr val="accent1">
+                <a:shade val="50000"/>
+              </a:schemeClr>
+            </a:lnRef>
+            <a:fillRef idx="1">
+              <a:schemeClr val="accent1"/>
+            </a:fillRef>
+            <a:effectRef idx="0">
+              <a:schemeClr val="accent1"/>
+            </a:effectRef>
+            <a:fontRef idx="minor">
+              <a:schemeClr val="lt1"/>
+            </a:fontRef>
+          </p:style>
+          <p:txBody>
+            <a:bodyPr rtlCol="0" anchor="ctr"/>
+            <a:lstStyle/>
+            <a:p>
+              <a:pPr algn="ctr"/>
+              <a:endParaRPr lang="zh-CN" altLang="en-US"/>
+            </a:p>
+          </p:txBody>
+        </p:sp>
+        <p:sp>
+          <p:nvSpPr>
+            <p:cNvPr id="27" name="任意多边形 26"/>
+            <p:cNvSpPr/>
+            <p:nvPr/>
+          </p:nvSpPr>
+          <p:spPr>
+            <a:xfrm>
+              <a:off x="4548517" y="1133475"/>
+              <a:ext cx="2314301" cy="2171971"/>
+            </a:xfrm>
+            <a:custGeom>
+              <a:avLst/>
+              <a:gdLst>
+                <a:gd name="connsiteX0" fmla="*/ 1849312 w 2204704"/>
+                <a:gd name="connsiteY0" fmla="*/ 1064 h 2069114"/>
+                <a:gd name="connsiteX1" fmla="*/ 2058594 w 2204704"/>
+                <a:gd name="connsiteY1" fmla="*/ 82732 h 2069114"/>
+                <a:gd name="connsiteX2" fmla="*/ 2121972 w 2204704"/>
+                <a:gd name="connsiteY2" fmla="*/ 622474 h 2069114"/>
+                <a:gd name="connsiteX3" fmla="*/ 979367 w 2204704"/>
+                <a:gd name="connsiteY3" fmla="*/ 2069114 h 2069114"/>
+                <a:gd name="connsiteX4" fmla="*/ 0 w 2204704"/>
+                <a:gd name="connsiteY4" fmla="*/ 2069114 h 2069114"/>
+                <a:gd name="connsiteX5" fmla="*/ 1518853 w 2204704"/>
+                <a:gd name="connsiteY5" fmla="*/ 146110 h 2069114"/>
+                <a:gd name="connsiteX6" fmla="*/ 1849312 w 2204704"/>
+                <a:gd name="connsiteY6" fmla="*/ 1064 h 2069114"/>
+              </a:gdLst>
+              <a:ahLst/>
+              <a:cxnLst>
+                <a:cxn ang="0">
+                  <a:pos x="connsiteX0" y="connsiteY0"/>
+                </a:cxn>
+                <a:cxn ang="0">
+                  <a:pos x="connsiteX1" y="connsiteY1"/>
+                </a:cxn>
+                <a:cxn ang="0">
+                  <a:pos x="connsiteX2" y="connsiteY2"/>
+                </a:cxn>
+                <a:cxn ang="0">
+                  <a:pos x="connsiteX3" y="connsiteY3"/>
+                </a:cxn>
+                <a:cxn ang="0">
+                  <a:pos x="connsiteX4" y="connsiteY4"/>
+                </a:cxn>
+                <a:cxn ang="0">
+                  <a:pos x="connsiteX5" y="connsiteY5"/>
+                </a:cxn>
+                <a:cxn ang="0">
+                  <a:pos x="connsiteX6" y="connsiteY6"/>
+                </a:cxn>
+              </a:cxnLst>
+              <a:rect l="l" t="t" r="r" b="b"/>
+              <a:pathLst>
+                <a:path w="2204704" h="2069114">
+                  <a:moveTo>
+                    <a:pt x="1849312" y="1064"/>
+                  </a:moveTo>
+                  <a:cubicBezTo>
+                    <a:pt x="1923123" y="6563"/>
+                    <a:pt x="1996139" y="33403"/>
+                    <a:pt x="2058594" y="82732"/>
+                  </a:cubicBezTo>
+                  <a:cubicBezTo>
+                    <a:pt x="2225141" y="214276"/>
+                    <a:pt x="2253516" y="455927"/>
+                    <a:pt x="2121972" y="622474"/>
+                  </a:cubicBezTo>
+                  <a:lnTo>
+                    <a:pt x="979367" y="2069114"/>
+                  </a:lnTo>
+                  <a:lnTo>
+                    <a:pt x="0" y="2069114"/>
+                  </a:lnTo>
+                  <a:lnTo>
+                    <a:pt x="1518853" y="146110"/>
+                  </a:lnTo>
+                  <a:cubicBezTo>
+                    <a:pt x="1601068" y="42018"/>
+                    <a:pt x="1726294" y="-8100"/>
+                    <a:pt x="1849312" y="1064"/>
+                  </a:cubicBezTo>
+                  <a:close/>
+                </a:path>
+              </a:pathLst>
+            </a:custGeom>
+            <a:solidFill>
+              <a:schemeClr val="bg1">
+                <a:alpha val="24000"/>
+              </a:schemeClr>
+            </a:solidFill>
+            <a:ln>
+              <a:noFill/>
+            </a:ln>
+          </p:spPr>
+          <p:style>
+            <a:lnRef idx="2">
+              <a:schemeClr val="accent1">
+                <a:shade val="50000"/>
+              </a:schemeClr>
+            </a:lnRef>
+            <a:fillRef idx="1">
+              <a:schemeClr val="accent1"/>
+            </a:fillRef>
+            <a:effectRef idx="0">
+              <a:schemeClr val="accent1"/>
+            </a:effectRef>
+            <a:fontRef idx="minor">
+              <a:schemeClr val="lt1"/>
+            </a:fontRef>
+          </p:style>
+          <p:txBody>
+            <a:bodyPr rtlCol="0" anchor="ctr"/>
+            <a:lstStyle/>
+            <a:p>
+              <a:pPr algn="ctr"/>
+              <a:endParaRPr lang="zh-CN" altLang="en-US"/>
+            </a:p>
+          </p:txBody>
+        </p:sp>
+        <p:sp>
+          <p:nvSpPr>
+            <p:cNvPr id="28" name="任意多边形 27"/>
+            <p:cNvSpPr/>
+            <p:nvPr/>
+          </p:nvSpPr>
+          <p:spPr>
+            <a:xfrm>
+              <a:off x="5310518" y="2028824"/>
+              <a:ext cx="1360279" cy="1276621"/>
+            </a:xfrm>
+            <a:custGeom>
+              <a:avLst/>
+              <a:gdLst>
+                <a:gd name="connsiteX0" fmla="*/ 1849312 w 2204704"/>
+                <a:gd name="connsiteY0" fmla="*/ 1064 h 2069114"/>
+                <a:gd name="connsiteX1" fmla="*/ 2058594 w 2204704"/>
+                <a:gd name="connsiteY1" fmla="*/ 82732 h 2069114"/>
+                <a:gd name="connsiteX2" fmla="*/ 2121972 w 2204704"/>
+                <a:gd name="connsiteY2" fmla="*/ 622474 h 2069114"/>
+                <a:gd name="connsiteX3" fmla="*/ 979367 w 2204704"/>
+                <a:gd name="connsiteY3" fmla="*/ 2069114 h 2069114"/>
+                <a:gd name="connsiteX4" fmla="*/ 0 w 2204704"/>
+                <a:gd name="connsiteY4" fmla="*/ 2069114 h 2069114"/>
+                <a:gd name="connsiteX5" fmla="*/ 1518853 w 2204704"/>
+                <a:gd name="connsiteY5" fmla="*/ 146110 h 2069114"/>
+                <a:gd name="connsiteX6" fmla="*/ 1849312 w 2204704"/>
+                <a:gd name="connsiteY6" fmla="*/ 1064 h 2069114"/>
+              </a:gdLst>
+              <a:ahLst/>
+              <a:cxnLst>
+                <a:cxn ang="0">
+                  <a:pos x="connsiteX0" y="connsiteY0"/>
+                </a:cxn>
+                <a:cxn ang="0">
+                  <a:pos x="connsiteX1" y="connsiteY1"/>
+                </a:cxn>
+                <a:cxn ang="0">
+                  <a:pos x="connsiteX2" y="connsiteY2"/>
+                </a:cxn>
+                <a:cxn ang="0">
+                  <a:pos x="connsiteX3" y="connsiteY3"/>
+                </a:cxn>
+                <a:cxn ang="0">
+                  <a:pos x="connsiteX4" y="connsiteY4"/>
+                </a:cxn>
+                <a:cxn ang="0">
+                  <a:pos x="connsiteX5" y="connsiteY5"/>
+                </a:cxn>
+                <a:cxn ang="0">
+                  <a:pos x="connsiteX6" y="connsiteY6"/>
+                </a:cxn>
+              </a:cxnLst>
+              <a:rect l="l" t="t" r="r" b="b"/>
+              <a:pathLst>
+                <a:path w="2204704" h="2069114">
+                  <a:moveTo>
+                    <a:pt x="1849312" y="1064"/>
+                  </a:moveTo>
+                  <a:cubicBezTo>
+                    <a:pt x="1923123" y="6563"/>
+                    <a:pt x="1996139" y="33403"/>
+                    <a:pt x="2058594" y="82732"/>
+                  </a:cubicBezTo>
+                  <a:cubicBezTo>
+                    <a:pt x="2225141" y="214276"/>
+                    <a:pt x="2253516" y="455927"/>
+                    <a:pt x="2121972" y="622474"/>
+                  </a:cubicBezTo>
+                  <a:lnTo>
+                    <a:pt x="979367" y="2069114"/>
+                  </a:lnTo>
+                  <a:lnTo>
+                    <a:pt x="0" y="2069114"/>
+                  </a:lnTo>
+                  <a:lnTo>
+                    <a:pt x="1518853" y="146110"/>
+                  </a:lnTo>
+                  <a:cubicBezTo>
+                    <a:pt x="1601068" y="42018"/>
+                    <a:pt x="1726294" y="-8100"/>
+                    <a:pt x="1849312" y="1064"/>
+                  </a:cubicBezTo>
+                  <a:close/>
+                </a:path>
+              </a:pathLst>
+            </a:custGeom>
+            <a:solidFill>
+              <a:srgbClr val="7030A0">
+                <a:alpha val="46000"/>
+              </a:srgbClr>
+            </a:solidFill>
+            <a:ln>
+              <a:noFill/>
+            </a:ln>
+          </p:spPr>
+          <p:style>
+            <a:lnRef idx="2">
+              <a:schemeClr val="accent1">
+                <a:shade val="50000"/>
+              </a:schemeClr>
+            </a:lnRef>
+            <a:fillRef idx="1">
+              <a:schemeClr val="accent1"/>
+            </a:fillRef>
+            <a:effectRef idx="0">
+              <a:schemeClr val="accent1"/>
+            </a:effectRef>
+            <a:fontRef idx="minor">
+              <a:schemeClr val="lt1"/>
+            </a:fontRef>
+          </p:style>
+          <p:txBody>
+            <a:bodyPr rtlCol="0" anchor="ctr"/>
+            <a:lstStyle/>
+            <a:p>
+              <a:pPr algn="ctr"/>
+              <a:endParaRPr lang="zh-CN" altLang="en-US"/>
+            </a:p>
+          </p:txBody>
+        </p:sp>
+      </p:grpSp>
+      <p:sp>
+        <p:nvSpPr>
+          <p:cNvPr id="35" name="矩形 34"/>
+          <p:cNvSpPr/>
+          <p:nvPr/>
+        </p:nvSpPr>
+        <p:spPr>
+          <a:xfrm>
+            <a:off x="101908" y="130750"/>
+            <a:ext cx="1192795" cy="1126550"/>
+          </a:xfrm>
+          <a:prstGeom prst="rect">
+            <a:avLst/>
+          </a:prstGeom>
+          <a:solidFill>
+            <a:srgbClr val="40E3F6"/>
+          </a:solidFill>
+          <a:ln w="12700">
+            <a:noFill/>
+          </a:ln>
+        </p:spPr>
+        <p:style>
+          <a:lnRef idx="2">
+            <a:schemeClr val="accent1">
+              <a:shade val="50000"/>
+            </a:schemeClr>
+          </a:lnRef>
+          <a:fillRef idx="1">
+            <a:schemeClr val="accent1"/>
+          </a:fillRef>
+          <a:effectRef idx="0">
+            <a:schemeClr val="accent1"/>
+          </a:effectRef>
+          <a:fontRef idx="minor">
+            <a:schemeClr val="lt1"/>
+          </a:fontRef>
+        </p:style>
+        <p:txBody>
+          <a:bodyPr rtlCol="0" anchor="ctr"/>
+          <a:lstStyle/>
+          <a:p>
+            <a:pPr algn="ctr"/>
+            <a:r>
+              <a:rPr lang="en-US" altLang="zh-CN" sz="3200" dirty="0" smtClean="0">
+                <a:solidFill>
+                  <a:schemeClr val="bg1"/>
+                </a:solidFill>
+              </a:rPr>
+              <a:t>LOGO</a:t>
+            </a:r>
+            <a:endParaRPr lang="zh-CN" altLang="en-US" sz="3200" dirty="0">
+              <a:solidFill>
+                <a:schemeClr val="bg1"/>
+              </a:solidFill>
+            </a:endParaRPr>
+          </a:p>
+        </p:txBody>
+      </p:sp>
+      <p:sp>
+        <p:nvSpPr>
+          <p:cNvPr id="34" name="矩形 33"/>
+          <p:cNvSpPr/>
+          <p:nvPr/>
+        </p:nvSpPr>
+        <p:spPr>
+          <a:xfrm>
+            <a:off x="101908" y="130750"/>
+            <a:ext cx="1180627" cy="1126550"/>
+          </a:xfrm>
+          <a:prstGeom prst="rect">
+            <a:avLst/>
+          </a:prstGeom>
+          <a:solidFill>
+            <a:srgbClr val="40E3F6"/>
+          </a:solidFill>
+          <a:ln w="12700">
+            <a:noFill/>
+          </a:ln>
+        </p:spPr>
+        <p:style>
+          <a:lnRef idx="2">
+            <a:schemeClr val="accent1">
+              <a:shade val="50000"/>
+            </a:schemeClr>
+          </a:lnRef>
+          <a:fillRef idx="1">
+            <a:schemeClr val="accent1"/>
+          </a:fillRef>
+          <a:effectRef idx="0">
+            <a:schemeClr val="accent1"/>
+          </a:effectRef>
+          <a:fontRef idx="minor">
+            <a:schemeClr val="lt1"/>
+          </a:fontRef>
+        </p:style>
+        <p:txBody>
+          <a:bodyPr rtlCol="0" anchor="ctr"/>
+          <a:lstStyle/>
+          <a:p>
+            <a:pPr algn="ctr"/>
+            <a:endParaRPr lang="zh-CN" altLang="en-US" sz="3200" dirty="0">
+              <a:solidFill>
+                <a:schemeClr val="bg1"/>
+              </a:solidFill>
+            </a:endParaRPr>
+          </a:p>
+        </p:txBody>
+      </p:sp>
+      <p:pic>
+        <p:nvPicPr>
+          <p:cNvPr id="36" name="图片 35" descr="angular.jpg"/>
+          <p:cNvPicPr>
+            <a:picLocks noChangeAspect="1"/>
+          </p:cNvPicPr>
+          <p:nvPr/>
+        </p:nvPicPr>
+        <p:blipFill>
+          <a:blip r:embed="rId3" cstate="print"/>
+          <a:stretch>
+            <a:fillRect/>
+          </a:stretch>
+        </p:blipFill>
+        <p:spPr>
+          <a:xfrm>
+            <a:off x="191180" y="184254"/>
+            <a:ext cx="1008228" cy="1008228"/>
+          </a:xfrm>
+          <a:prstGeom prst="rect">
+            <a:avLst/>
+          </a:prstGeom>
+        </p:spPr>
+      </p:pic>
+      <p:sp>
+        <p:nvSpPr>
+          <p:cNvPr id="43" name="矩形 42"/>
+          <p:cNvSpPr/>
+          <p:nvPr/>
+        </p:nvSpPr>
+        <p:spPr>
+          <a:xfrm>
+            <a:off x="1792718" y="447914"/>
+            <a:ext cx="2204852" cy="783772"/>
+          </a:xfrm>
+          <a:prstGeom prst="rect">
+            <a:avLst/>
+          </a:prstGeom>
+          <a:solidFill>
+            <a:schemeClr val="bg1"/>
+          </a:solidFill>
+          <a:ln w="12700">
+            <a:solidFill>
+              <a:srgbClr val="5ABAE5"/>
+            </a:solidFill>
+          </a:ln>
+        </p:spPr>
+        <p:style>
+          <a:lnRef idx="2">
+            <a:schemeClr val="accent1">
+              <a:shade val="50000"/>
+            </a:schemeClr>
+          </a:lnRef>
+          <a:fillRef idx="1">
+            <a:schemeClr val="accent1"/>
+          </a:fillRef>
+          <a:effectRef idx="0">
+            <a:schemeClr val="accent1"/>
+          </a:effectRef>
+          <a:fontRef idx="minor">
+            <a:schemeClr val="lt1"/>
+          </a:fontRef>
+        </p:style>
+        <p:txBody>
+          <a:bodyPr rtlCol="0" anchor="ctr"/>
+          <a:lstStyle/>
+          <a:p>
+            <a:pPr algn="ctr"/>
+            <a:endParaRPr lang="zh-CN" altLang="en-US"/>
+          </a:p>
+        </p:txBody>
+      </p:sp>
+      <p:sp>
+        <p:nvSpPr>
+          <p:cNvPr id="44" name="矩形 43"/>
+          <p:cNvSpPr/>
+          <p:nvPr/>
+        </p:nvSpPr>
+        <p:spPr>
+          <a:xfrm>
+            <a:off x="1875845" y="531041"/>
+            <a:ext cx="2039664" cy="641268"/>
+          </a:xfrm>
+          <a:prstGeom prst="rect">
+            <a:avLst/>
+          </a:prstGeom>
+          <a:solidFill>
+            <a:srgbClr val="56D4EA"/>
+          </a:solidFill>
+          <a:ln>
+            <a:noFill/>
+          </a:ln>
+          <a:effectLst>
+            <a:outerShdw blurRad="609600" dir="2100000" sx="40000" sy="40000" algn="ctr">
+              <a:srgbClr val="000000">
+                <a:alpha val="95000"/>
+              </a:srgbClr>
+            </a:outerShdw>
+          </a:effectLst>
+        </p:spPr>
+        <p:style>
+          <a:lnRef idx="2">
+            <a:schemeClr val="accent1">
+              <a:shade val="50000"/>
+            </a:schemeClr>
+          </a:lnRef>
+          <a:fillRef idx="1">
+            <a:schemeClr val="accent1"/>
+          </a:fillRef>
+          <a:effectRef idx="0">
+            <a:schemeClr val="accent1"/>
+          </a:effectRef>
+          <a:fontRef idx="minor">
+            <a:schemeClr val="lt1"/>
+          </a:fontRef>
+        </p:style>
+        <p:txBody>
+          <a:bodyPr rtlCol="0" anchor="ctr"/>
+          <a:lstStyle/>
+          <a:p>
+            <a:pPr algn="ctr"/>
+            <a:endParaRPr lang="zh-CN" altLang="en-US"/>
+          </a:p>
+        </p:txBody>
+      </p:sp>
+      <p:sp>
+        <p:nvSpPr>
+          <p:cNvPr id="45" name="文本框 18"/>
+          <p:cNvSpPr txBox="1"/>
+          <p:nvPr/>
+        </p:nvSpPr>
+        <p:spPr>
+          <a:xfrm>
+            <a:off x="1927759" y="590417"/>
+            <a:ext cx="2069809" cy="523220"/>
+          </a:xfrm>
+          <a:prstGeom prst="rect">
+            <a:avLst/>
+          </a:prstGeom>
+          <a:noFill/>
+        </p:spPr>
+        <p:txBody>
+          <a:bodyPr wrap="square" rtlCol="0">
+            <a:spAutoFit/>
+          </a:bodyPr>
+          <a:lstStyle/>
+          <a:p>
+            <a:r>
+              <a:rPr lang="zh-CN" altLang="en-US" sz="2800" dirty="0" smtClean="0">
+                <a:solidFill>
+                  <a:schemeClr val="bg1"/>
+                </a:solidFill>
+                <a:latin typeface="造字工房悦圆（非商用）常规体" pitchFamily="50" charset="-122"/>
+                <a:ea typeface="造字工房悦圆（非商用）常规体" pitchFamily="50" charset="-122"/>
+              </a:rPr>
+              <a:t>自定义指令</a:t>
+            </a:r>
+            <a:endParaRPr lang="zh-CN" altLang="en-US" sz="2800" dirty="0">
+              <a:solidFill>
+                <a:schemeClr val="bg1"/>
+              </a:solidFill>
+              <a:latin typeface="造字工房悦圆（非商用）常规体" pitchFamily="50" charset="-122"/>
+              <a:ea typeface="造字工房悦圆（非商用）常规体" pitchFamily="50" charset="-122"/>
+            </a:endParaRPr>
+          </a:p>
+        </p:txBody>
+      </p:sp>
+      <p:graphicFrame>
+        <p:nvGraphicFramePr>
+          <p:cNvPr id="42" name="对象 41"/>
+          <p:cNvGraphicFramePr>
+            <a:graphicFrameLocks noChangeAspect="1"/>
+          </p:cNvGraphicFramePr>
+          <p:nvPr/>
+        </p:nvGraphicFramePr>
+        <p:xfrm>
+          <a:off x="6038850" y="3484563"/>
+          <a:ext cx="114300" cy="215900"/>
+        </p:xfrm>
+        <a:graphic>
+          <a:graphicData uri="http://schemas.openxmlformats.org/presentationml/2006/ole">
+            <p:oleObj spid="_x0000_s37890" name="Equation" r:id="rId4" imgW="114120" imgH="215640" progId="Equation.KSEE3">
+              <p:embed/>
+            </p:oleObj>
+          </a:graphicData>
+        </a:graphic>
+      </p:graphicFrame>
+      <p:sp>
+        <p:nvSpPr>
+          <p:cNvPr id="48" name="TextBox 47"/>
+          <p:cNvSpPr txBox="1"/>
+          <p:nvPr/>
+        </p:nvSpPr>
+        <p:spPr>
+          <a:xfrm>
+            <a:off x="1699845" y="1571867"/>
+            <a:ext cx="5729655" cy="400110"/>
+          </a:xfrm>
+          <a:prstGeom prst="rect">
+            <a:avLst/>
+          </a:prstGeom>
+          <a:noFill/>
+        </p:spPr>
+        <p:txBody>
+          <a:bodyPr wrap="square" rtlCol="0">
+            <a:spAutoFit/>
+          </a:bodyPr>
+          <a:lstStyle/>
+          <a:p>
+            <a:r>
+              <a:rPr lang="en-US" altLang="zh-CN" sz="2000" dirty="0" err="1" smtClean="0">
+                <a:solidFill>
+                  <a:schemeClr val="bg1"/>
+                </a:solidFill>
+                <a:ea typeface="造字工房悦圆（非商用）常规体"/>
+              </a:rPr>
+              <a:t>t</a:t>
+            </a:r>
+            <a:r>
+              <a:rPr lang="en-US" altLang="zh-CN" sz="2000" dirty="0" err="1" smtClean="0">
+                <a:solidFill>
+                  <a:schemeClr val="bg1"/>
+                </a:solidFill>
+                <a:ea typeface="造字工房悦圆（非商用）常规体"/>
+              </a:rPr>
+              <a:t>ransclude</a:t>
+            </a:r>
+            <a:r>
+              <a:rPr lang="en-US" altLang="zh-CN" sz="2000" dirty="0" smtClean="0">
+                <a:solidFill>
+                  <a:schemeClr val="bg1"/>
+                </a:solidFill>
+                <a:ea typeface="造字工房悦圆（非商用）常规体"/>
+              </a:rPr>
+              <a:t> </a:t>
+            </a:r>
+            <a:r>
+              <a:rPr lang="zh-CN" altLang="en-US" sz="2000" dirty="0" smtClean="0">
+                <a:solidFill>
+                  <a:schemeClr val="bg1"/>
+                </a:solidFill>
+                <a:ea typeface="造字工房悦圆（非商用）常规体"/>
+              </a:rPr>
+              <a:t>： 将指令外部</a:t>
+            </a:r>
+            <a:r>
+              <a:rPr lang="en-US" altLang="zh-CN" sz="2000" dirty="0" smtClean="0">
+                <a:solidFill>
+                  <a:schemeClr val="bg1"/>
+                </a:solidFill>
+                <a:ea typeface="造字工房悦圆（非商用）常规体"/>
+              </a:rPr>
+              <a:t>DOM</a:t>
+            </a:r>
+            <a:r>
+              <a:rPr lang="zh-CN" altLang="en-US" sz="2000" dirty="0" smtClean="0">
+                <a:solidFill>
+                  <a:schemeClr val="bg1"/>
+                </a:solidFill>
+                <a:ea typeface="造字工房悦圆（非商用）常规体"/>
+              </a:rPr>
+              <a:t>插入</a:t>
+            </a:r>
+            <a:r>
+              <a:rPr lang="en-US" altLang="zh-CN" sz="2000" dirty="0" err="1" smtClean="0">
+                <a:solidFill>
+                  <a:schemeClr val="bg1"/>
+                </a:solidFill>
+                <a:ea typeface="造字工房悦圆（非商用）常规体"/>
+              </a:rPr>
+              <a:t>ng-transclude</a:t>
+            </a:r>
+            <a:endParaRPr lang="zh-CN" altLang="en-US" sz="2000" dirty="0">
+              <a:solidFill>
+                <a:schemeClr val="bg1"/>
+              </a:solidFill>
+              <a:ea typeface="造字工房悦圆（非商用）常规体"/>
+            </a:endParaRPr>
+          </a:p>
+        </p:txBody>
+      </p:sp>
+      <p:sp>
+        <p:nvSpPr>
+          <p:cNvPr id="22" name="TextBox 21"/>
+          <p:cNvSpPr txBox="1"/>
+          <p:nvPr/>
+        </p:nvSpPr>
+        <p:spPr>
+          <a:xfrm>
+            <a:off x="1725245" y="2130667"/>
+            <a:ext cx="5729655" cy="400110"/>
+          </a:xfrm>
+          <a:prstGeom prst="rect">
+            <a:avLst/>
+          </a:prstGeom>
+          <a:noFill/>
+        </p:spPr>
+        <p:txBody>
+          <a:bodyPr wrap="square" rtlCol="0">
+            <a:spAutoFit/>
+          </a:bodyPr>
+          <a:lstStyle/>
+          <a:p>
+            <a:r>
+              <a:rPr lang="en-US" altLang="zh-CN" sz="2000" dirty="0" smtClean="0">
+                <a:solidFill>
+                  <a:schemeClr val="bg1"/>
+                </a:solidFill>
+                <a:ea typeface="造字工房悦圆（非商用）常规体"/>
+              </a:rPr>
+              <a:t>template</a:t>
+            </a:r>
+            <a:r>
+              <a:rPr lang="zh-CN" altLang="en-US" sz="2000" dirty="0" smtClean="0">
+                <a:solidFill>
+                  <a:schemeClr val="bg1"/>
+                </a:solidFill>
+                <a:ea typeface="造字工房悦圆（非商用）常规体"/>
+              </a:rPr>
+              <a:t>： </a:t>
+            </a:r>
+            <a:r>
+              <a:rPr lang="en-US" altLang="zh-CN" sz="2000" dirty="0" smtClean="0">
+                <a:solidFill>
+                  <a:schemeClr val="bg1"/>
+                </a:solidFill>
+                <a:ea typeface="造字工房悦圆（非商用）常规体"/>
+              </a:rPr>
+              <a:t>DOM</a:t>
+            </a:r>
+            <a:r>
+              <a:rPr lang="zh-CN" altLang="en-US" sz="2000" dirty="0" smtClean="0">
+                <a:solidFill>
+                  <a:schemeClr val="bg1"/>
+                </a:solidFill>
+                <a:ea typeface="造字工房悦圆（非商用）常规体"/>
+              </a:rPr>
+              <a:t>模板代码</a:t>
+            </a:r>
+            <a:endParaRPr lang="zh-CN" altLang="en-US" sz="2000" dirty="0">
+              <a:solidFill>
+                <a:schemeClr val="bg1"/>
+              </a:solidFill>
+              <a:ea typeface="造字工房悦圆（非商用）常规体"/>
+            </a:endParaRPr>
+          </a:p>
+        </p:txBody>
+      </p:sp>
+      <p:sp>
+        <p:nvSpPr>
+          <p:cNvPr id="23" name="TextBox 22"/>
+          <p:cNvSpPr txBox="1"/>
+          <p:nvPr/>
+        </p:nvSpPr>
+        <p:spPr>
+          <a:xfrm>
+            <a:off x="1725245" y="2664067"/>
+            <a:ext cx="4675555" cy="400110"/>
+          </a:xfrm>
+          <a:prstGeom prst="rect">
+            <a:avLst/>
+          </a:prstGeom>
+          <a:noFill/>
+        </p:spPr>
+        <p:txBody>
+          <a:bodyPr wrap="square" rtlCol="0">
+            <a:spAutoFit/>
+          </a:bodyPr>
+          <a:lstStyle/>
+          <a:p>
+            <a:r>
+              <a:rPr lang="en-US" altLang="zh-CN" sz="2000" dirty="0" err="1" smtClean="0">
+                <a:solidFill>
+                  <a:schemeClr val="bg1"/>
+                </a:solidFill>
+                <a:ea typeface="造字工房悦圆（非商用）常规体"/>
+              </a:rPr>
+              <a:t>templateUrl</a:t>
+            </a:r>
+            <a:r>
+              <a:rPr lang="zh-CN" altLang="en-US" sz="2000" dirty="0" smtClean="0">
+                <a:solidFill>
+                  <a:schemeClr val="bg1"/>
+                </a:solidFill>
+                <a:ea typeface="造字工房悦圆（非商用）常规体"/>
+              </a:rPr>
+              <a:t>： 同上，单独</a:t>
+            </a:r>
+            <a:r>
+              <a:rPr lang="en-US" altLang="zh-CN" sz="2000" dirty="0" smtClean="0">
+                <a:solidFill>
+                  <a:schemeClr val="bg1"/>
+                </a:solidFill>
+                <a:ea typeface="造字工房悦圆（非商用）常规体"/>
+              </a:rPr>
+              <a:t>HTML</a:t>
+            </a:r>
+            <a:r>
+              <a:rPr lang="zh-CN" altLang="en-US" sz="2000" dirty="0" smtClean="0">
+                <a:solidFill>
+                  <a:schemeClr val="bg1"/>
+                </a:solidFill>
+                <a:ea typeface="造字工房悦圆（非商用）常规体"/>
+              </a:rPr>
+              <a:t>文件</a:t>
+            </a:r>
+            <a:endParaRPr lang="zh-CN" altLang="en-US" sz="2000" dirty="0">
+              <a:solidFill>
+                <a:schemeClr val="bg1"/>
+              </a:solidFill>
+              <a:ea typeface="造字工房悦圆（非商用）常规体"/>
+            </a:endParaRPr>
+          </a:p>
+        </p:txBody>
+      </p:sp>
+      <p:sp>
+        <p:nvSpPr>
+          <p:cNvPr id="24" name="TextBox 23"/>
+          <p:cNvSpPr txBox="1"/>
+          <p:nvPr/>
+        </p:nvSpPr>
+        <p:spPr>
+          <a:xfrm>
+            <a:off x="1737945" y="3870567"/>
+            <a:ext cx="2986455" cy="400110"/>
+          </a:xfrm>
+          <a:prstGeom prst="rect">
+            <a:avLst/>
+          </a:prstGeom>
+          <a:noFill/>
+        </p:spPr>
+        <p:txBody>
+          <a:bodyPr wrap="square" rtlCol="0">
+            <a:spAutoFit/>
+          </a:bodyPr>
+          <a:lstStyle/>
+          <a:p>
+            <a:r>
+              <a:rPr lang="en-US" altLang="zh-CN" sz="2000" dirty="0" err="1" smtClean="0">
+                <a:solidFill>
+                  <a:schemeClr val="bg1"/>
+                </a:solidFill>
+                <a:ea typeface="造字工房悦圆（非商用）常规体"/>
+              </a:rPr>
+              <a:t>compilce</a:t>
+            </a:r>
+            <a:r>
+              <a:rPr lang="zh-CN" altLang="en-US" sz="2000" dirty="0" smtClean="0">
+                <a:solidFill>
+                  <a:schemeClr val="bg1"/>
+                </a:solidFill>
+                <a:ea typeface="造字工房悦圆（非商用）常规体"/>
+              </a:rPr>
+              <a:t>： 编译</a:t>
+            </a:r>
+            <a:r>
+              <a:rPr lang="zh-CN" altLang="en-US" sz="2000" dirty="0" smtClean="0">
+                <a:solidFill>
+                  <a:schemeClr val="bg1"/>
+                </a:solidFill>
+                <a:ea typeface="造字工房悦圆（非商用）常规体"/>
+              </a:rPr>
+              <a:t>阶段</a:t>
+            </a:r>
+            <a:r>
+              <a:rPr lang="zh-CN" altLang="en-US" sz="2000" dirty="0" smtClean="0">
+                <a:solidFill>
+                  <a:schemeClr val="bg1"/>
+                </a:solidFill>
+                <a:ea typeface="造字工房悦圆（非商用）常规体"/>
+              </a:rPr>
+              <a:t>执行</a:t>
+            </a:r>
+            <a:endParaRPr lang="zh-CN" altLang="en-US" sz="2000" dirty="0">
+              <a:solidFill>
+                <a:schemeClr val="bg1"/>
+              </a:solidFill>
+              <a:ea typeface="造字工房悦圆（非商用）常规体"/>
+            </a:endParaRPr>
+          </a:p>
+        </p:txBody>
+      </p:sp>
+      <p:sp>
+        <p:nvSpPr>
+          <p:cNvPr id="26" name="TextBox 25"/>
+          <p:cNvSpPr txBox="1"/>
+          <p:nvPr/>
+        </p:nvSpPr>
+        <p:spPr>
+          <a:xfrm>
+            <a:off x="1737945" y="4480167"/>
+            <a:ext cx="2567355" cy="400110"/>
+          </a:xfrm>
+          <a:prstGeom prst="rect">
+            <a:avLst/>
+          </a:prstGeom>
+          <a:noFill/>
+        </p:spPr>
+        <p:txBody>
+          <a:bodyPr wrap="square" rtlCol="0">
+            <a:spAutoFit/>
+          </a:bodyPr>
+          <a:lstStyle/>
+          <a:p>
+            <a:r>
+              <a:rPr lang="en-US" altLang="zh-CN" sz="2000" dirty="0" smtClean="0">
+                <a:solidFill>
+                  <a:schemeClr val="bg1"/>
+                </a:solidFill>
+                <a:ea typeface="造字工房悦圆（非商用）常规体"/>
+              </a:rPr>
+              <a:t>link</a:t>
+            </a:r>
+            <a:r>
+              <a:rPr lang="zh-CN" altLang="en-US" sz="2000" dirty="0" smtClean="0">
+                <a:solidFill>
+                  <a:schemeClr val="bg1"/>
+                </a:solidFill>
+                <a:ea typeface="造字工房悦圆（非商用）常规体"/>
+              </a:rPr>
+              <a:t>： 链接阶段执行</a:t>
+            </a:r>
+            <a:endParaRPr lang="zh-CN" altLang="en-US" sz="2000" dirty="0">
+              <a:solidFill>
+                <a:schemeClr val="bg1"/>
+              </a:solidFill>
+              <a:ea typeface="造字工房悦圆（非商用）常规体"/>
+            </a:endParaRPr>
+          </a:p>
+        </p:txBody>
+      </p:sp>
+      <p:sp>
+        <p:nvSpPr>
+          <p:cNvPr id="32" name="TextBox 31"/>
+          <p:cNvSpPr txBox="1"/>
+          <p:nvPr/>
+        </p:nvSpPr>
+        <p:spPr>
+          <a:xfrm>
+            <a:off x="1763345" y="5051667"/>
+            <a:ext cx="2262555" cy="400110"/>
+          </a:xfrm>
+          <a:prstGeom prst="rect">
+            <a:avLst/>
+          </a:prstGeom>
+          <a:noFill/>
+        </p:spPr>
+        <p:txBody>
+          <a:bodyPr wrap="square" rtlCol="0">
+            <a:spAutoFit/>
+          </a:bodyPr>
+          <a:lstStyle/>
+          <a:p>
+            <a:r>
+              <a:rPr lang="en-US" altLang="zh-CN" sz="2000" dirty="0" smtClean="0">
+                <a:solidFill>
+                  <a:schemeClr val="bg1"/>
+                </a:solidFill>
+                <a:ea typeface="造字工房悦圆（非商用）常规体"/>
+              </a:rPr>
+              <a:t>scope </a:t>
+            </a:r>
+            <a:r>
+              <a:rPr lang="zh-CN" altLang="en-US" sz="2000" dirty="0" smtClean="0">
+                <a:solidFill>
+                  <a:schemeClr val="bg1"/>
+                </a:solidFill>
+                <a:ea typeface="造字工房悦圆（非商用）常规体"/>
+              </a:rPr>
+              <a:t>： 绑定策略</a:t>
+            </a:r>
+            <a:endParaRPr lang="zh-CN" altLang="en-US" sz="2000" dirty="0">
+              <a:solidFill>
+                <a:schemeClr val="bg1"/>
+              </a:solidFill>
+              <a:ea typeface="造字工房悦圆（非商用）常规体"/>
+            </a:endParaRPr>
+          </a:p>
+        </p:txBody>
+      </p:sp>
+      <p:sp>
+        <p:nvSpPr>
+          <p:cNvPr id="33" name="TextBox 32"/>
+          <p:cNvSpPr txBox="1"/>
+          <p:nvPr/>
+        </p:nvSpPr>
+        <p:spPr>
+          <a:xfrm>
+            <a:off x="1737945" y="3260967"/>
+            <a:ext cx="3227755" cy="400110"/>
+          </a:xfrm>
+          <a:prstGeom prst="rect">
+            <a:avLst/>
+          </a:prstGeom>
+          <a:noFill/>
+        </p:spPr>
+        <p:txBody>
+          <a:bodyPr wrap="square" rtlCol="0">
+            <a:spAutoFit/>
+          </a:bodyPr>
+          <a:lstStyle/>
+          <a:p>
+            <a:r>
+              <a:rPr lang="en-US" altLang="zh-CN" sz="2000" dirty="0" smtClean="0">
+                <a:solidFill>
+                  <a:schemeClr val="bg1"/>
+                </a:solidFill>
+                <a:ea typeface="造字工房悦圆（非商用）常规体"/>
+              </a:rPr>
+              <a:t>replace</a:t>
+            </a:r>
+            <a:r>
+              <a:rPr lang="zh-CN" altLang="en-US" sz="2000" dirty="0" smtClean="0">
+                <a:solidFill>
+                  <a:schemeClr val="bg1"/>
+                </a:solidFill>
+                <a:ea typeface="造字工房悦圆（非商用）常规体"/>
+              </a:rPr>
+              <a:t>： </a:t>
+            </a:r>
+            <a:r>
+              <a:rPr lang="zh-CN" altLang="en-US" sz="2000" dirty="0" smtClean="0">
+                <a:solidFill>
+                  <a:schemeClr val="bg1"/>
+                </a:solidFill>
+                <a:ea typeface="造字工房悦圆（非商用）常规体"/>
+              </a:rPr>
+              <a:t>替</a:t>
+            </a:r>
+            <a:r>
+              <a:rPr lang="zh-CN" altLang="en-US" sz="2000" dirty="0" smtClean="0">
+                <a:solidFill>
+                  <a:schemeClr val="bg1"/>
+                </a:solidFill>
+                <a:ea typeface="造字工房悦圆（非商用）常规体"/>
+              </a:rPr>
+              <a:t>换绑定的</a:t>
+            </a:r>
+            <a:r>
+              <a:rPr lang="en-US" altLang="zh-CN" sz="2000" dirty="0" smtClean="0">
+                <a:solidFill>
+                  <a:schemeClr val="bg1"/>
+                </a:solidFill>
+                <a:ea typeface="造字工房悦圆（非商用）常规体"/>
+              </a:rPr>
+              <a:t>HTML</a:t>
+            </a:r>
+            <a:endParaRPr lang="zh-CN" altLang="en-US" sz="2000" dirty="0">
+              <a:solidFill>
+                <a:schemeClr val="bg1"/>
+              </a:solidFill>
+              <a:ea typeface="造字工房悦圆（非商用）常规体"/>
+            </a:endParaRPr>
+          </a:p>
+        </p:txBody>
+      </p:sp>
+    </p:spTree>
+    <p:extLst>
+      <p:ext uri="{BB962C8B-B14F-4D97-AF65-F5344CB8AC3E}">
+        <p14:creationId xmlns="" xmlns:p14="http://schemas.microsoft.com/office/powerpoint/2010/main" val="3386272830"/>
+      </p:ext>
+    </p:extLst>
+  </p:cSld>
+  <p:clrMapOvr>
+    <a:masterClrMapping/>
+  </p:clrMapOvr>
+  <p:transition/>
+  <p:timing>
+    <p:tnLst>
+      <p:par>
+        <p:cTn id="1" dur="indefinite" restart="never" nodeType="tmRoot">
+          <p:childTnLst>
+            <p:seq concurrent="1" nextAc="seek">
+              <p:cTn id="2" dur="indefinite" nodeType="mainSeq">
+                <p:childTnLst>
+                  <p:par>
+                    <p:cTn id="3" fill="hold">
+                      <p:stCondLst>
+                        <p:cond delay="indefinite"/>
+                      </p:stCondLst>
+                      <p:childTnLst>
+                        <p:par>
+                          <p:cTn id="4" fill="hold">
+                            <p:stCondLst>
+                              <p:cond delay="0"/>
+                            </p:stCondLst>
+                            <p:childTnLst>
+                              <p:par>
+                                <p:cTn id="5" presetID="22" presetClass="entr" presetSubtype="4" fill="hold" nodeType="clickEffect">
+                                  <p:stCondLst>
+                                    <p:cond delay="0"/>
+                                  </p:stCondLst>
+                                  <p:childTnLst>
+                                    <p:set>
+                                      <p:cBhvr>
+                                        <p:cTn id="6" dur="1" fill="hold">
+                                          <p:stCondLst>
+                                            <p:cond delay="0"/>
+                                          </p:stCondLst>
+                                        </p:cTn>
+                                        <p:tgtEl>
+                                          <p:spTgt spid="42"/>
+                                        </p:tgtEl>
+                                        <p:attrNameLst>
+                                          <p:attrName>style.visibility</p:attrName>
+                                        </p:attrNameLst>
+                                      </p:cBhvr>
+                                      <p:to>
+                                        <p:strVal val="visible"/>
+                                      </p:to>
+                                    </p:set>
+                                    <p:animEffect transition="in" filter="wipe(down)">
+                                      <p:cBhvr>
+                                        <p:cTn id="7" dur="500"/>
+                                        <p:tgtEl>
+                                          <p:spTgt spid="42"/>
+                                        </p:tgtEl>
+                                      </p:cBhvr>
+                                    </p:animEffect>
+                                  </p:childTnLst>
+                                </p:cTn>
+                              </p:par>
+                              <p:par>
+                                <p:cTn id="8" presetID="22" presetClass="entr" presetSubtype="4" fill="hold" grpId="0" nodeType="withEffect">
+                                  <p:stCondLst>
+                                    <p:cond delay="0"/>
+                                  </p:stCondLst>
+                                  <p:childTnLst>
+                                    <p:set>
+                                      <p:cBhvr>
+                                        <p:cTn id="9" dur="1" fill="hold">
+                                          <p:stCondLst>
+                                            <p:cond delay="0"/>
+                                          </p:stCondLst>
+                                        </p:cTn>
+                                        <p:tgtEl>
+                                          <p:spTgt spid="48"/>
+                                        </p:tgtEl>
+                                        <p:attrNameLst>
+                                          <p:attrName>style.visibility</p:attrName>
+                                        </p:attrNameLst>
+                                      </p:cBhvr>
+                                      <p:to>
+                                        <p:strVal val="visible"/>
+                                      </p:to>
+                                    </p:set>
+                                    <p:animEffect transition="in" filter="wipe(down)">
+                                      <p:cBhvr>
+                                        <p:cTn id="10" dur="500"/>
+                                        <p:tgtEl>
+                                          <p:spTgt spid="48"/>
+                                        </p:tgtEl>
+                                      </p:cBhvr>
+                                    </p:animEffect>
+                                  </p:childTnLst>
+                                </p:cTn>
+                              </p:par>
+                              <p:par>
+                                <p:cTn id="11" presetID="22" presetClass="entr" presetSubtype="4" fill="hold" grpId="0" nodeType="withEffect">
+                                  <p:stCondLst>
+                                    <p:cond delay="0"/>
+                                  </p:stCondLst>
+                                  <p:childTnLst>
+                                    <p:set>
+                                      <p:cBhvr>
+                                        <p:cTn id="12" dur="1" fill="hold">
+                                          <p:stCondLst>
+                                            <p:cond delay="0"/>
+                                          </p:stCondLst>
+                                        </p:cTn>
+                                        <p:tgtEl>
+                                          <p:spTgt spid="22"/>
+                                        </p:tgtEl>
+                                        <p:attrNameLst>
+                                          <p:attrName>style.visibility</p:attrName>
+                                        </p:attrNameLst>
+                                      </p:cBhvr>
+                                      <p:to>
+                                        <p:strVal val="visible"/>
+                                      </p:to>
+                                    </p:set>
+                                    <p:animEffect transition="in" filter="wipe(down)">
+                                      <p:cBhvr>
+                                        <p:cTn id="13" dur="500"/>
+                                        <p:tgtEl>
+                                          <p:spTgt spid="22"/>
+                                        </p:tgtEl>
+                                      </p:cBhvr>
+                                    </p:animEffect>
+                                  </p:childTnLst>
+                                </p:cTn>
+                              </p:par>
+                              <p:par>
+                                <p:cTn id="14" presetID="22" presetClass="entr" presetSubtype="4" fill="hold" grpId="0" nodeType="withEffect">
+                                  <p:stCondLst>
+                                    <p:cond delay="0"/>
+                                  </p:stCondLst>
+                                  <p:childTnLst>
+                                    <p:set>
+                                      <p:cBhvr>
+                                        <p:cTn id="15" dur="1" fill="hold">
+                                          <p:stCondLst>
+                                            <p:cond delay="0"/>
+                                          </p:stCondLst>
+                                        </p:cTn>
+                                        <p:tgtEl>
+                                          <p:spTgt spid="23"/>
+                                        </p:tgtEl>
+                                        <p:attrNameLst>
+                                          <p:attrName>style.visibility</p:attrName>
+                                        </p:attrNameLst>
+                                      </p:cBhvr>
+                                      <p:to>
+                                        <p:strVal val="visible"/>
+                                      </p:to>
+                                    </p:set>
+                                    <p:animEffect transition="in" filter="wipe(down)">
+                                      <p:cBhvr>
+                                        <p:cTn id="16" dur="500"/>
+                                        <p:tgtEl>
+                                          <p:spTgt spid="23"/>
+                                        </p:tgtEl>
+                                      </p:cBhvr>
+                                    </p:animEffect>
+                                  </p:childTnLst>
+                                </p:cTn>
+                              </p:par>
+                              <p:par>
+                                <p:cTn id="17" presetID="22" presetClass="entr" presetSubtype="4" fill="hold" grpId="0" nodeType="withEffect">
+                                  <p:stCondLst>
+                                    <p:cond delay="0"/>
+                                  </p:stCondLst>
+                                  <p:childTnLst>
+                                    <p:set>
+                                      <p:cBhvr>
+                                        <p:cTn id="18" dur="1" fill="hold">
+                                          <p:stCondLst>
+                                            <p:cond delay="0"/>
+                                          </p:stCondLst>
+                                        </p:cTn>
+                                        <p:tgtEl>
+                                          <p:spTgt spid="24"/>
+                                        </p:tgtEl>
+                                        <p:attrNameLst>
+                                          <p:attrName>style.visibility</p:attrName>
+                                        </p:attrNameLst>
+                                      </p:cBhvr>
+                                      <p:to>
+                                        <p:strVal val="visible"/>
+                                      </p:to>
+                                    </p:set>
+                                    <p:animEffect transition="in" filter="wipe(down)">
+                                      <p:cBhvr>
+                                        <p:cTn id="19" dur="500"/>
+                                        <p:tgtEl>
+                                          <p:spTgt spid="24"/>
+                                        </p:tgtEl>
+                                      </p:cBhvr>
+                                    </p:animEffect>
+                                  </p:childTnLst>
+                                </p:cTn>
+                              </p:par>
+                              <p:par>
+                                <p:cTn id="20" presetID="22" presetClass="entr" presetSubtype="4" fill="hold" grpId="0" nodeType="withEffect">
+                                  <p:stCondLst>
+                                    <p:cond delay="0"/>
+                                  </p:stCondLst>
+                                  <p:childTnLst>
+                                    <p:set>
+                                      <p:cBhvr>
+                                        <p:cTn id="21" dur="1" fill="hold">
+                                          <p:stCondLst>
+                                            <p:cond delay="0"/>
+                                          </p:stCondLst>
+                                        </p:cTn>
+                                        <p:tgtEl>
+                                          <p:spTgt spid="26"/>
+                                        </p:tgtEl>
+                                        <p:attrNameLst>
+                                          <p:attrName>style.visibility</p:attrName>
+                                        </p:attrNameLst>
+                                      </p:cBhvr>
+                                      <p:to>
+                                        <p:strVal val="visible"/>
+                                      </p:to>
+                                    </p:set>
+                                    <p:animEffect transition="in" filter="wipe(down)">
+                                      <p:cBhvr>
+                                        <p:cTn id="22" dur="500"/>
+                                        <p:tgtEl>
+                                          <p:spTgt spid="26"/>
+                                        </p:tgtEl>
+                                      </p:cBhvr>
+                                    </p:animEffect>
+                                  </p:childTnLst>
+                                </p:cTn>
+                              </p:par>
+                              <p:par>
+                                <p:cTn id="23" presetID="22" presetClass="entr" presetSubtype="4" fill="hold" grpId="0" nodeType="withEffect">
+                                  <p:stCondLst>
+                                    <p:cond delay="0"/>
+                                  </p:stCondLst>
+                                  <p:childTnLst>
+                                    <p:set>
+                                      <p:cBhvr>
+                                        <p:cTn id="24" dur="1" fill="hold">
+                                          <p:stCondLst>
+                                            <p:cond delay="0"/>
+                                          </p:stCondLst>
+                                        </p:cTn>
+                                        <p:tgtEl>
+                                          <p:spTgt spid="32"/>
+                                        </p:tgtEl>
+                                        <p:attrNameLst>
+                                          <p:attrName>style.visibility</p:attrName>
+                                        </p:attrNameLst>
+                                      </p:cBhvr>
+                                      <p:to>
+                                        <p:strVal val="visible"/>
+                                      </p:to>
+                                    </p:set>
+                                    <p:animEffect transition="in" filter="wipe(down)">
+                                      <p:cBhvr>
+                                        <p:cTn id="25" dur="500"/>
+                                        <p:tgtEl>
+                                          <p:spTgt spid="32"/>
+                                        </p:tgtEl>
+                                      </p:cBhvr>
+                                    </p:animEffect>
+                                  </p:childTnLst>
+                                </p:cTn>
+                              </p:par>
+                              <p:par>
+                                <p:cTn id="26" presetID="22" presetClass="entr" presetSubtype="4" fill="hold" grpId="0" nodeType="withEffect">
+                                  <p:stCondLst>
+                                    <p:cond delay="0"/>
+                                  </p:stCondLst>
+                                  <p:childTnLst>
+                                    <p:set>
+                                      <p:cBhvr>
+                                        <p:cTn id="27" dur="1" fill="hold">
+                                          <p:stCondLst>
+                                            <p:cond delay="0"/>
+                                          </p:stCondLst>
+                                        </p:cTn>
+                                        <p:tgtEl>
+                                          <p:spTgt spid="33"/>
+                                        </p:tgtEl>
+                                        <p:attrNameLst>
+                                          <p:attrName>style.visibility</p:attrName>
+                                        </p:attrNameLst>
+                                      </p:cBhvr>
+                                      <p:to>
+                                        <p:strVal val="visible"/>
+                                      </p:to>
+                                    </p:set>
+                                    <p:animEffect transition="in" filter="wipe(down)">
+                                      <p:cBhvr>
+                                        <p:cTn id="28" dur="500"/>
+                                        <p:tgtEl>
+                                          <p:spTgt spid="33"/>
+                                        </p:tgtEl>
+                                      </p:cBhvr>
+                                    </p:animEffect>
+                                  </p:childTnLst>
+                                </p:cTn>
+                              </p:par>
+                            </p:childTnLst>
+                          </p:cTn>
+                        </p:par>
+                      </p:childTnLst>
+                    </p:cTn>
+                  </p:par>
+                </p:childTnLst>
+              </p:cTn>
+              <p:prevCondLst>
+                <p:cond evt="onPrev" delay="0">
+                  <p:tgtEl>
+                    <p:sldTgt/>
+                  </p:tgtEl>
+                </p:cond>
+              </p:prevCondLst>
+              <p:nextCondLst>
+                <p:cond evt="onNext" delay="0">
+                  <p:tgtEl>
+                    <p:sldTgt/>
+                  </p:tgtEl>
+                </p:cond>
+              </p:nextCondLst>
+            </p:seq>
+          </p:childTnLst>
+        </p:cTn>
+      </p:par>
+    </p:tnLst>
+    <p:bldLst>
+      <p:bldP spid="48" grpId="0"/>
+      <p:bldP spid="22" grpId="0"/>
+      <p:bldP spid="23" grpId="0"/>
+      <p:bldP spid="24" grpId="0"/>
+      <p:bldP spid="26" grpId="0"/>
+      <p:bldP spid="32" grpId="0"/>
+      <p:bldP spid="33" grpId="0"/>
+    </p:bldLst>
+  </p:timing>
+</p:sld>
+</file>
+
+<file path=ppt/slides/slide16.xml><?xml version="1.0" encoding="utf-8"?>
 <p:sld xmlns:a="http://schemas.openxmlformats.org/drawingml/2006/main" xmlns:r="http://schemas.openxmlformats.org/officeDocument/2006/relationships" xmlns:p="http://schemas.openxmlformats.org/presentationml/2006/main">
   <p:cSld>
     <p:spTree>
@@ -16708,7 +18678,7 @@
     </p:spTree>
     <p:extLst>
       <p:ext uri="{BB962C8B-B14F-4D97-AF65-F5344CB8AC3E}">
-        <p14:creationId xmlns:p14="http://schemas.microsoft.com/office/powerpoint/2010/main" xmlns="" val="3386272830"/>
+        <p14:creationId xmlns="" xmlns:p14="http://schemas.microsoft.com/office/powerpoint/2010/main" val="3386272830"/>
       </p:ext>
     </p:extLst>
   </p:cSld>
@@ -16991,7 +18961,7 @@
 </p:sld>
 </file>
 
-<file path=ppt/slides/slide16.xml><?xml version="1.0" encoding="utf-8"?>
+<file path=ppt/slides/slide17.xml><?xml version="1.0" encoding="utf-8"?>
 <p:sld xmlns:a="http://schemas.openxmlformats.org/drawingml/2006/main" xmlns:r="http://schemas.openxmlformats.org/officeDocument/2006/relationships" xmlns:p="http://schemas.openxmlformats.org/presentationml/2006/main">
   <p:cSld>
     <p:spTree>
@@ -18224,7 +20194,7 @@
     </p:spTree>
     <p:extLst>
       <p:ext uri="{BB962C8B-B14F-4D97-AF65-F5344CB8AC3E}">
-        <p14:creationId xmlns:p14="http://schemas.microsoft.com/office/powerpoint/2010/main" xmlns="" val="3386272830"/>
+        <p14:creationId xmlns="" xmlns:p14="http://schemas.microsoft.com/office/powerpoint/2010/main" val="3386272830"/>
       </p:ext>
     </p:extLst>
   </p:cSld>
@@ -18428,7 +20398,7 @@
 </p:sld>
 </file>
 
-<file path=ppt/slides/slide17.xml><?xml version="1.0" encoding="utf-8"?>
+<file path=ppt/slides/slide18.xml><?xml version="1.0" encoding="utf-8"?>
 <p:sld xmlns:a="http://schemas.openxmlformats.org/drawingml/2006/main" xmlns:r="http://schemas.openxmlformats.org/officeDocument/2006/relationships" xmlns:p="http://schemas.openxmlformats.org/presentationml/2006/main">
   <p:cSld>
     <p:spTree>
@@ -19924,7 +21894,7 @@
     </p:spTree>
     <p:extLst>
       <p:ext uri="{BB962C8B-B14F-4D97-AF65-F5344CB8AC3E}">
-        <p14:creationId xmlns:p14="http://schemas.microsoft.com/office/powerpoint/2010/main" xmlns="" val="3386272830"/>
+        <p14:creationId xmlns="" xmlns:p14="http://schemas.microsoft.com/office/powerpoint/2010/main" val="3386272830"/>
       </p:ext>
     </p:extLst>
   </p:cSld>
@@ -20128,7 +22098,7 @@
 </p:sld>
 </file>
 
-<file path=ppt/slides/slide18.xml><?xml version="1.0" encoding="utf-8"?>
+<file path=ppt/slides/slide19.xml><?xml version="1.0" encoding="utf-8"?>
 <p:sld xmlns:a="http://schemas.openxmlformats.org/drawingml/2006/main" xmlns:r="http://schemas.openxmlformats.org/officeDocument/2006/relationships" xmlns:p="http://schemas.openxmlformats.org/presentationml/2006/main">
   <p:cSld>
     <p:spTree>
@@ -21332,7 +23302,7 @@
     </p:spTree>
     <p:extLst>
       <p:ext uri="{BB962C8B-B14F-4D97-AF65-F5344CB8AC3E}">
-        <p14:creationId xmlns:p14="http://schemas.microsoft.com/office/powerpoint/2010/main" xmlns="" val="3386272830"/>
+        <p14:creationId xmlns="" xmlns:p14="http://schemas.microsoft.com/office/powerpoint/2010/main" val="3386272830"/>
       </p:ext>
     </p:extLst>
   </p:cSld>
@@ -21535,1798 +23505,6 @@
     </p:tnLst>
     <p:bldLst>
       <p:bldP spid="50" grpId="0"/>
-    </p:bldLst>
-  </p:timing>
-</p:sld>
-</file>
-
-<file path=ppt/slides/slide19.xml><?xml version="1.0" encoding="utf-8"?>
-<p:sld xmlns:a="http://schemas.openxmlformats.org/drawingml/2006/main" xmlns:r="http://schemas.openxmlformats.org/officeDocument/2006/relationships" xmlns:p="http://schemas.openxmlformats.org/presentationml/2006/main">
-  <p:cSld>
-    <p:spTree>
-      <p:nvGrpSpPr>
-        <p:cNvPr id="1" name=""/>
-        <p:cNvGrpSpPr/>
-        <p:nvPr/>
-      </p:nvGrpSpPr>
-      <p:grpSpPr>
-        <a:xfrm>
-          <a:off x="0" y="0"/>
-          <a:ext cx="0" cy="0"/>
-          <a:chOff x="0" y="0"/>
-          <a:chExt cx="0" cy="0"/>
-        </a:xfrm>
-      </p:grpSpPr>
-      <p:grpSp>
-        <p:nvGrpSpPr>
-          <p:cNvPr id="2" name="组合 31"/>
-          <p:cNvGrpSpPr/>
-          <p:nvPr/>
-        </p:nvGrpSpPr>
-        <p:grpSpPr>
-          <a:xfrm rot="16200000">
-            <a:off x="9868693" y="294751"/>
-            <a:ext cx="2684464" cy="1962151"/>
-            <a:chOff x="5947983" y="731507"/>
-            <a:chExt cx="2971525" cy="2171971"/>
-          </a:xfrm>
-        </p:grpSpPr>
-        <p:sp>
-          <p:nvSpPr>
-            <p:cNvPr id="29" name="任意多边形 28"/>
-            <p:cNvSpPr/>
-            <p:nvPr/>
-          </p:nvSpPr>
-          <p:spPr>
-            <a:xfrm>
-              <a:off x="5947983" y="834364"/>
-              <a:ext cx="2204704" cy="2069114"/>
-            </a:xfrm>
-            <a:custGeom>
-              <a:avLst/>
-              <a:gdLst>
-                <a:gd name="connsiteX0" fmla="*/ 1849312 w 2204704"/>
-                <a:gd name="connsiteY0" fmla="*/ 1064 h 2069114"/>
-                <a:gd name="connsiteX1" fmla="*/ 2058594 w 2204704"/>
-                <a:gd name="connsiteY1" fmla="*/ 82732 h 2069114"/>
-                <a:gd name="connsiteX2" fmla="*/ 2121972 w 2204704"/>
-                <a:gd name="connsiteY2" fmla="*/ 622474 h 2069114"/>
-                <a:gd name="connsiteX3" fmla="*/ 979367 w 2204704"/>
-                <a:gd name="connsiteY3" fmla="*/ 2069114 h 2069114"/>
-                <a:gd name="connsiteX4" fmla="*/ 0 w 2204704"/>
-                <a:gd name="connsiteY4" fmla="*/ 2069114 h 2069114"/>
-                <a:gd name="connsiteX5" fmla="*/ 1518853 w 2204704"/>
-                <a:gd name="connsiteY5" fmla="*/ 146110 h 2069114"/>
-                <a:gd name="connsiteX6" fmla="*/ 1849312 w 2204704"/>
-                <a:gd name="connsiteY6" fmla="*/ 1064 h 2069114"/>
-              </a:gdLst>
-              <a:ahLst/>
-              <a:cxnLst>
-                <a:cxn ang="0">
-                  <a:pos x="connsiteX0" y="connsiteY0"/>
-                </a:cxn>
-                <a:cxn ang="0">
-                  <a:pos x="connsiteX1" y="connsiteY1"/>
-                </a:cxn>
-                <a:cxn ang="0">
-                  <a:pos x="connsiteX2" y="connsiteY2"/>
-                </a:cxn>
-                <a:cxn ang="0">
-                  <a:pos x="connsiteX3" y="connsiteY3"/>
-                </a:cxn>
-                <a:cxn ang="0">
-                  <a:pos x="connsiteX4" y="connsiteY4"/>
-                </a:cxn>
-                <a:cxn ang="0">
-                  <a:pos x="connsiteX5" y="connsiteY5"/>
-                </a:cxn>
-                <a:cxn ang="0">
-                  <a:pos x="connsiteX6" y="connsiteY6"/>
-                </a:cxn>
-              </a:cxnLst>
-              <a:rect l="l" t="t" r="r" b="b"/>
-              <a:pathLst>
-                <a:path w="2204704" h="2069114">
-                  <a:moveTo>
-                    <a:pt x="1849312" y="1064"/>
-                  </a:moveTo>
-                  <a:cubicBezTo>
-                    <a:pt x="1923123" y="6563"/>
-                    <a:pt x="1996139" y="33403"/>
-                    <a:pt x="2058594" y="82732"/>
-                  </a:cubicBezTo>
-                  <a:cubicBezTo>
-                    <a:pt x="2225141" y="214276"/>
-                    <a:pt x="2253516" y="455927"/>
-                    <a:pt x="2121972" y="622474"/>
-                  </a:cubicBezTo>
-                  <a:lnTo>
-                    <a:pt x="979367" y="2069114"/>
-                  </a:lnTo>
-                  <a:lnTo>
-                    <a:pt x="0" y="2069114"/>
-                  </a:lnTo>
-                  <a:lnTo>
-                    <a:pt x="1518853" y="146110"/>
-                  </a:lnTo>
-                  <a:cubicBezTo>
-                    <a:pt x="1601068" y="42018"/>
-                    <a:pt x="1726294" y="-8100"/>
-                    <a:pt x="1849312" y="1064"/>
-                  </a:cubicBezTo>
-                  <a:close/>
-                </a:path>
-              </a:pathLst>
-            </a:custGeom>
-            <a:solidFill>
-              <a:srgbClr val="40E3F6"/>
-            </a:solidFill>
-            <a:ln>
-              <a:noFill/>
-            </a:ln>
-          </p:spPr>
-          <p:style>
-            <a:lnRef idx="2">
-              <a:schemeClr val="accent1">
-                <a:shade val="50000"/>
-              </a:schemeClr>
-            </a:lnRef>
-            <a:fillRef idx="1">
-              <a:schemeClr val="accent1"/>
-            </a:fillRef>
-            <a:effectRef idx="0">
-              <a:schemeClr val="accent1"/>
-            </a:effectRef>
-            <a:fontRef idx="minor">
-              <a:schemeClr val="lt1"/>
-            </a:fontRef>
-          </p:style>
-          <p:txBody>
-            <a:bodyPr rtlCol="0" anchor="ctr"/>
-            <a:lstStyle/>
-            <a:p>
-              <a:pPr algn="ctr"/>
-              <a:endParaRPr lang="zh-CN" altLang="en-US"/>
-            </a:p>
-          </p:txBody>
-        </p:sp>
-        <p:sp>
-          <p:nvSpPr>
-            <p:cNvPr id="30" name="任意多边形 29"/>
-            <p:cNvSpPr/>
-            <p:nvPr/>
-          </p:nvSpPr>
-          <p:spPr>
-            <a:xfrm>
-              <a:off x="6605207" y="731507"/>
-              <a:ext cx="2314301" cy="2171971"/>
-            </a:xfrm>
-            <a:custGeom>
-              <a:avLst/>
-              <a:gdLst>
-                <a:gd name="connsiteX0" fmla="*/ 1849312 w 2204704"/>
-                <a:gd name="connsiteY0" fmla="*/ 1064 h 2069114"/>
-                <a:gd name="connsiteX1" fmla="*/ 2058594 w 2204704"/>
-                <a:gd name="connsiteY1" fmla="*/ 82732 h 2069114"/>
-                <a:gd name="connsiteX2" fmla="*/ 2121972 w 2204704"/>
-                <a:gd name="connsiteY2" fmla="*/ 622474 h 2069114"/>
-                <a:gd name="connsiteX3" fmla="*/ 979367 w 2204704"/>
-                <a:gd name="connsiteY3" fmla="*/ 2069114 h 2069114"/>
-                <a:gd name="connsiteX4" fmla="*/ 0 w 2204704"/>
-                <a:gd name="connsiteY4" fmla="*/ 2069114 h 2069114"/>
-                <a:gd name="connsiteX5" fmla="*/ 1518853 w 2204704"/>
-                <a:gd name="connsiteY5" fmla="*/ 146110 h 2069114"/>
-                <a:gd name="connsiteX6" fmla="*/ 1849312 w 2204704"/>
-                <a:gd name="connsiteY6" fmla="*/ 1064 h 2069114"/>
-              </a:gdLst>
-              <a:ahLst/>
-              <a:cxnLst>
-                <a:cxn ang="0">
-                  <a:pos x="connsiteX0" y="connsiteY0"/>
-                </a:cxn>
-                <a:cxn ang="0">
-                  <a:pos x="connsiteX1" y="connsiteY1"/>
-                </a:cxn>
-                <a:cxn ang="0">
-                  <a:pos x="connsiteX2" y="connsiteY2"/>
-                </a:cxn>
-                <a:cxn ang="0">
-                  <a:pos x="connsiteX3" y="connsiteY3"/>
-                </a:cxn>
-                <a:cxn ang="0">
-                  <a:pos x="connsiteX4" y="connsiteY4"/>
-                </a:cxn>
-                <a:cxn ang="0">
-                  <a:pos x="connsiteX5" y="connsiteY5"/>
-                </a:cxn>
-                <a:cxn ang="0">
-                  <a:pos x="connsiteX6" y="connsiteY6"/>
-                </a:cxn>
-              </a:cxnLst>
-              <a:rect l="l" t="t" r="r" b="b"/>
-              <a:pathLst>
-                <a:path w="2204704" h="2069114">
-                  <a:moveTo>
-                    <a:pt x="1849312" y="1064"/>
-                  </a:moveTo>
-                  <a:cubicBezTo>
-                    <a:pt x="1923123" y="6563"/>
-                    <a:pt x="1996139" y="33403"/>
-                    <a:pt x="2058594" y="82732"/>
-                  </a:cubicBezTo>
-                  <a:cubicBezTo>
-                    <a:pt x="2225141" y="214276"/>
-                    <a:pt x="2253516" y="455927"/>
-                    <a:pt x="2121972" y="622474"/>
-                  </a:cubicBezTo>
-                  <a:lnTo>
-                    <a:pt x="979367" y="2069114"/>
-                  </a:lnTo>
-                  <a:lnTo>
-                    <a:pt x="0" y="2069114"/>
-                  </a:lnTo>
-                  <a:lnTo>
-                    <a:pt x="1518853" y="146110"/>
-                  </a:lnTo>
-                  <a:cubicBezTo>
-                    <a:pt x="1601068" y="42018"/>
-                    <a:pt x="1726294" y="-8100"/>
-                    <a:pt x="1849312" y="1064"/>
-                  </a:cubicBezTo>
-                  <a:close/>
-                </a:path>
-              </a:pathLst>
-            </a:custGeom>
-            <a:solidFill>
-              <a:schemeClr val="bg1">
-                <a:alpha val="24000"/>
-              </a:schemeClr>
-            </a:solidFill>
-            <a:ln>
-              <a:noFill/>
-            </a:ln>
-          </p:spPr>
-          <p:style>
-            <a:lnRef idx="2">
-              <a:schemeClr val="accent1">
-                <a:shade val="50000"/>
-              </a:schemeClr>
-            </a:lnRef>
-            <a:fillRef idx="1">
-              <a:schemeClr val="accent1"/>
-            </a:fillRef>
-            <a:effectRef idx="0">
-              <a:schemeClr val="accent1"/>
-            </a:effectRef>
-            <a:fontRef idx="minor">
-              <a:schemeClr val="lt1"/>
-            </a:fontRef>
-          </p:style>
-          <p:txBody>
-            <a:bodyPr rtlCol="0" anchor="ctr"/>
-            <a:lstStyle/>
-            <a:p>
-              <a:pPr algn="ctr"/>
-              <a:endParaRPr lang="zh-CN" altLang="en-US"/>
-            </a:p>
-          </p:txBody>
-        </p:sp>
-        <p:sp>
-          <p:nvSpPr>
-            <p:cNvPr id="31" name="任意多边形 30"/>
-            <p:cNvSpPr/>
-            <p:nvPr/>
-          </p:nvSpPr>
-          <p:spPr>
-            <a:xfrm>
-              <a:off x="7367208" y="1626856"/>
-              <a:ext cx="1360279" cy="1276621"/>
-            </a:xfrm>
-            <a:custGeom>
-              <a:avLst/>
-              <a:gdLst>
-                <a:gd name="connsiteX0" fmla="*/ 1849312 w 2204704"/>
-                <a:gd name="connsiteY0" fmla="*/ 1064 h 2069114"/>
-                <a:gd name="connsiteX1" fmla="*/ 2058594 w 2204704"/>
-                <a:gd name="connsiteY1" fmla="*/ 82732 h 2069114"/>
-                <a:gd name="connsiteX2" fmla="*/ 2121972 w 2204704"/>
-                <a:gd name="connsiteY2" fmla="*/ 622474 h 2069114"/>
-                <a:gd name="connsiteX3" fmla="*/ 979367 w 2204704"/>
-                <a:gd name="connsiteY3" fmla="*/ 2069114 h 2069114"/>
-                <a:gd name="connsiteX4" fmla="*/ 0 w 2204704"/>
-                <a:gd name="connsiteY4" fmla="*/ 2069114 h 2069114"/>
-                <a:gd name="connsiteX5" fmla="*/ 1518853 w 2204704"/>
-                <a:gd name="connsiteY5" fmla="*/ 146110 h 2069114"/>
-                <a:gd name="connsiteX6" fmla="*/ 1849312 w 2204704"/>
-                <a:gd name="connsiteY6" fmla="*/ 1064 h 2069114"/>
-              </a:gdLst>
-              <a:ahLst/>
-              <a:cxnLst>
-                <a:cxn ang="0">
-                  <a:pos x="connsiteX0" y="connsiteY0"/>
-                </a:cxn>
-                <a:cxn ang="0">
-                  <a:pos x="connsiteX1" y="connsiteY1"/>
-                </a:cxn>
-                <a:cxn ang="0">
-                  <a:pos x="connsiteX2" y="connsiteY2"/>
-                </a:cxn>
-                <a:cxn ang="0">
-                  <a:pos x="connsiteX3" y="connsiteY3"/>
-                </a:cxn>
-                <a:cxn ang="0">
-                  <a:pos x="connsiteX4" y="connsiteY4"/>
-                </a:cxn>
-                <a:cxn ang="0">
-                  <a:pos x="connsiteX5" y="connsiteY5"/>
-                </a:cxn>
-                <a:cxn ang="0">
-                  <a:pos x="connsiteX6" y="connsiteY6"/>
-                </a:cxn>
-              </a:cxnLst>
-              <a:rect l="l" t="t" r="r" b="b"/>
-              <a:pathLst>
-                <a:path w="2204704" h="2069114">
-                  <a:moveTo>
-                    <a:pt x="1849312" y="1064"/>
-                  </a:moveTo>
-                  <a:cubicBezTo>
-                    <a:pt x="1923123" y="6563"/>
-                    <a:pt x="1996139" y="33403"/>
-                    <a:pt x="2058594" y="82732"/>
-                  </a:cubicBezTo>
-                  <a:cubicBezTo>
-                    <a:pt x="2225141" y="214276"/>
-                    <a:pt x="2253516" y="455927"/>
-                    <a:pt x="2121972" y="622474"/>
-                  </a:cubicBezTo>
-                  <a:lnTo>
-                    <a:pt x="979367" y="2069114"/>
-                  </a:lnTo>
-                  <a:lnTo>
-                    <a:pt x="0" y="2069114"/>
-                  </a:lnTo>
-                  <a:lnTo>
-                    <a:pt x="1518853" y="146110"/>
-                  </a:lnTo>
-                  <a:cubicBezTo>
-                    <a:pt x="1601068" y="42018"/>
-                    <a:pt x="1726294" y="-8100"/>
-                    <a:pt x="1849312" y="1064"/>
-                  </a:cubicBezTo>
-                  <a:close/>
-                </a:path>
-              </a:pathLst>
-            </a:custGeom>
-            <a:solidFill>
-              <a:srgbClr val="7030A0">
-                <a:alpha val="46000"/>
-              </a:srgbClr>
-            </a:solidFill>
-            <a:ln>
-              <a:noFill/>
-            </a:ln>
-          </p:spPr>
-          <p:style>
-            <a:lnRef idx="2">
-              <a:schemeClr val="accent1">
-                <a:shade val="50000"/>
-              </a:schemeClr>
-            </a:lnRef>
-            <a:fillRef idx="1">
-              <a:schemeClr val="accent1"/>
-            </a:fillRef>
-            <a:effectRef idx="0">
-              <a:schemeClr val="accent1"/>
-            </a:effectRef>
-            <a:fontRef idx="minor">
-              <a:schemeClr val="lt1"/>
-            </a:fontRef>
-          </p:style>
-          <p:txBody>
-            <a:bodyPr rtlCol="0" anchor="ctr"/>
-            <a:lstStyle/>
-            <a:p>
-              <a:pPr algn="ctr"/>
-              <a:endParaRPr lang="zh-CN" altLang="en-US"/>
-            </a:p>
-          </p:txBody>
-        </p:sp>
-      </p:grpSp>
-      <p:grpSp>
-        <p:nvGrpSpPr>
-          <p:cNvPr id="3" name="组合 32"/>
-          <p:cNvGrpSpPr/>
-          <p:nvPr/>
-        </p:nvGrpSpPr>
-        <p:grpSpPr>
-          <a:xfrm rot="5400000">
-            <a:off x="-399777" y="4457698"/>
-            <a:ext cx="2971525" cy="2171971"/>
-            <a:chOff x="3891293" y="1133475"/>
-            <a:chExt cx="2971525" cy="2171971"/>
-          </a:xfrm>
-        </p:grpSpPr>
-        <p:sp>
-          <p:nvSpPr>
-            <p:cNvPr id="25" name="任意多边形 24"/>
-            <p:cNvSpPr/>
-            <p:nvPr/>
-          </p:nvSpPr>
-          <p:spPr>
-            <a:xfrm>
-              <a:off x="3891293" y="1236332"/>
-              <a:ext cx="2204704" cy="2069114"/>
-            </a:xfrm>
-            <a:custGeom>
-              <a:avLst/>
-              <a:gdLst>
-                <a:gd name="connsiteX0" fmla="*/ 1849312 w 2204704"/>
-                <a:gd name="connsiteY0" fmla="*/ 1064 h 2069114"/>
-                <a:gd name="connsiteX1" fmla="*/ 2058594 w 2204704"/>
-                <a:gd name="connsiteY1" fmla="*/ 82732 h 2069114"/>
-                <a:gd name="connsiteX2" fmla="*/ 2121972 w 2204704"/>
-                <a:gd name="connsiteY2" fmla="*/ 622474 h 2069114"/>
-                <a:gd name="connsiteX3" fmla="*/ 979367 w 2204704"/>
-                <a:gd name="connsiteY3" fmla="*/ 2069114 h 2069114"/>
-                <a:gd name="connsiteX4" fmla="*/ 0 w 2204704"/>
-                <a:gd name="connsiteY4" fmla="*/ 2069114 h 2069114"/>
-                <a:gd name="connsiteX5" fmla="*/ 1518853 w 2204704"/>
-                <a:gd name="connsiteY5" fmla="*/ 146110 h 2069114"/>
-                <a:gd name="connsiteX6" fmla="*/ 1849312 w 2204704"/>
-                <a:gd name="connsiteY6" fmla="*/ 1064 h 2069114"/>
-              </a:gdLst>
-              <a:ahLst/>
-              <a:cxnLst>
-                <a:cxn ang="0">
-                  <a:pos x="connsiteX0" y="connsiteY0"/>
-                </a:cxn>
-                <a:cxn ang="0">
-                  <a:pos x="connsiteX1" y="connsiteY1"/>
-                </a:cxn>
-                <a:cxn ang="0">
-                  <a:pos x="connsiteX2" y="connsiteY2"/>
-                </a:cxn>
-                <a:cxn ang="0">
-                  <a:pos x="connsiteX3" y="connsiteY3"/>
-                </a:cxn>
-                <a:cxn ang="0">
-                  <a:pos x="connsiteX4" y="connsiteY4"/>
-                </a:cxn>
-                <a:cxn ang="0">
-                  <a:pos x="connsiteX5" y="connsiteY5"/>
-                </a:cxn>
-                <a:cxn ang="0">
-                  <a:pos x="connsiteX6" y="connsiteY6"/>
-                </a:cxn>
-              </a:cxnLst>
-              <a:rect l="l" t="t" r="r" b="b"/>
-              <a:pathLst>
-                <a:path w="2204704" h="2069114">
-                  <a:moveTo>
-                    <a:pt x="1849312" y="1064"/>
-                  </a:moveTo>
-                  <a:cubicBezTo>
-                    <a:pt x="1923123" y="6563"/>
-                    <a:pt x="1996139" y="33403"/>
-                    <a:pt x="2058594" y="82732"/>
-                  </a:cubicBezTo>
-                  <a:cubicBezTo>
-                    <a:pt x="2225141" y="214276"/>
-                    <a:pt x="2253516" y="455927"/>
-                    <a:pt x="2121972" y="622474"/>
-                  </a:cubicBezTo>
-                  <a:lnTo>
-                    <a:pt x="979367" y="2069114"/>
-                  </a:lnTo>
-                  <a:lnTo>
-                    <a:pt x="0" y="2069114"/>
-                  </a:lnTo>
-                  <a:lnTo>
-                    <a:pt x="1518853" y="146110"/>
-                  </a:lnTo>
-                  <a:cubicBezTo>
-                    <a:pt x="1601068" y="42018"/>
-                    <a:pt x="1726294" y="-8100"/>
-                    <a:pt x="1849312" y="1064"/>
-                  </a:cubicBezTo>
-                  <a:close/>
-                </a:path>
-              </a:pathLst>
-            </a:custGeom>
-            <a:solidFill>
-              <a:srgbClr val="40E3F6"/>
-            </a:solidFill>
-            <a:ln>
-              <a:noFill/>
-            </a:ln>
-          </p:spPr>
-          <p:style>
-            <a:lnRef idx="2">
-              <a:schemeClr val="accent1">
-                <a:shade val="50000"/>
-              </a:schemeClr>
-            </a:lnRef>
-            <a:fillRef idx="1">
-              <a:schemeClr val="accent1"/>
-            </a:fillRef>
-            <a:effectRef idx="0">
-              <a:schemeClr val="accent1"/>
-            </a:effectRef>
-            <a:fontRef idx="minor">
-              <a:schemeClr val="lt1"/>
-            </a:fontRef>
-          </p:style>
-          <p:txBody>
-            <a:bodyPr rtlCol="0" anchor="ctr"/>
-            <a:lstStyle/>
-            <a:p>
-              <a:pPr algn="ctr"/>
-              <a:endParaRPr lang="zh-CN" altLang="en-US"/>
-            </a:p>
-          </p:txBody>
-        </p:sp>
-        <p:sp>
-          <p:nvSpPr>
-            <p:cNvPr id="27" name="任意多边形 26"/>
-            <p:cNvSpPr/>
-            <p:nvPr/>
-          </p:nvSpPr>
-          <p:spPr>
-            <a:xfrm>
-              <a:off x="4548517" y="1133475"/>
-              <a:ext cx="2314301" cy="2171971"/>
-            </a:xfrm>
-            <a:custGeom>
-              <a:avLst/>
-              <a:gdLst>
-                <a:gd name="connsiteX0" fmla="*/ 1849312 w 2204704"/>
-                <a:gd name="connsiteY0" fmla="*/ 1064 h 2069114"/>
-                <a:gd name="connsiteX1" fmla="*/ 2058594 w 2204704"/>
-                <a:gd name="connsiteY1" fmla="*/ 82732 h 2069114"/>
-                <a:gd name="connsiteX2" fmla="*/ 2121972 w 2204704"/>
-                <a:gd name="connsiteY2" fmla="*/ 622474 h 2069114"/>
-                <a:gd name="connsiteX3" fmla="*/ 979367 w 2204704"/>
-                <a:gd name="connsiteY3" fmla="*/ 2069114 h 2069114"/>
-                <a:gd name="connsiteX4" fmla="*/ 0 w 2204704"/>
-                <a:gd name="connsiteY4" fmla="*/ 2069114 h 2069114"/>
-                <a:gd name="connsiteX5" fmla="*/ 1518853 w 2204704"/>
-                <a:gd name="connsiteY5" fmla="*/ 146110 h 2069114"/>
-                <a:gd name="connsiteX6" fmla="*/ 1849312 w 2204704"/>
-                <a:gd name="connsiteY6" fmla="*/ 1064 h 2069114"/>
-              </a:gdLst>
-              <a:ahLst/>
-              <a:cxnLst>
-                <a:cxn ang="0">
-                  <a:pos x="connsiteX0" y="connsiteY0"/>
-                </a:cxn>
-                <a:cxn ang="0">
-                  <a:pos x="connsiteX1" y="connsiteY1"/>
-                </a:cxn>
-                <a:cxn ang="0">
-                  <a:pos x="connsiteX2" y="connsiteY2"/>
-                </a:cxn>
-                <a:cxn ang="0">
-                  <a:pos x="connsiteX3" y="connsiteY3"/>
-                </a:cxn>
-                <a:cxn ang="0">
-                  <a:pos x="connsiteX4" y="connsiteY4"/>
-                </a:cxn>
-                <a:cxn ang="0">
-                  <a:pos x="connsiteX5" y="connsiteY5"/>
-                </a:cxn>
-                <a:cxn ang="0">
-                  <a:pos x="connsiteX6" y="connsiteY6"/>
-                </a:cxn>
-              </a:cxnLst>
-              <a:rect l="l" t="t" r="r" b="b"/>
-              <a:pathLst>
-                <a:path w="2204704" h="2069114">
-                  <a:moveTo>
-                    <a:pt x="1849312" y="1064"/>
-                  </a:moveTo>
-                  <a:cubicBezTo>
-                    <a:pt x="1923123" y="6563"/>
-                    <a:pt x="1996139" y="33403"/>
-                    <a:pt x="2058594" y="82732"/>
-                  </a:cubicBezTo>
-                  <a:cubicBezTo>
-                    <a:pt x="2225141" y="214276"/>
-                    <a:pt x="2253516" y="455927"/>
-                    <a:pt x="2121972" y="622474"/>
-                  </a:cubicBezTo>
-                  <a:lnTo>
-                    <a:pt x="979367" y="2069114"/>
-                  </a:lnTo>
-                  <a:lnTo>
-                    <a:pt x="0" y="2069114"/>
-                  </a:lnTo>
-                  <a:lnTo>
-                    <a:pt x="1518853" y="146110"/>
-                  </a:lnTo>
-                  <a:cubicBezTo>
-                    <a:pt x="1601068" y="42018"/>
-                    <a:pt x="1726294" y="-8100"/>
-                    <a:pt x="1849312" y="1064"/>
-                  </a:cubicBezTo>
-                  <a:close/>
-                </a:path>
-              </a:pathLst>
-            </a:custGeom>
-            <a:solidFill>
-              <a:schemeClr val="bg1">
-                <a:alpha val="24000"/>
-              </a:schemeClr>
-            </a:solidFill>
-            <a:ln>
-              <a:noFill/>
-            </a:ln>
-          </p:spPr>
-          <p:style>
-            <a:lnRef idx="2">
-              <a:schemeClr val="accent1">
-                <a:shade val="50000"/>
-              </a:schemeClr>
-            </a:lnRef>
-            <a:fillRef idx="1">
-              <a:schemeClr val="accent1"/>
-            </a:fillRef>
-            <a:effectRef idx="0">
-              <a:schemeClr val="accent1"/>
-            </a:effectRef>
-            <a:fontRef idx="minor">
-              <a:schemeClr val="lt1"/>
-            </a:fontRef>
-          </p:style>
-          <p:txBody>
-            <a:bodyPr rtlCol="0" anchor="ctr"/>
-            <a:lstStyle/>
-            <a:p>
-              <a:pPr algn="ctr"/>
-              <a:endParaRPr lang="zh-CN" altLang="en-US"/>
-            </a:p>
-          </p:txBody>
-        </p:sp>
-        <p:sp>
-          <p:nvSpPr>
-            <p:cNvPr id="28" name="任意多边形 27"/>
-            <p:cNvSpPr/>
-            <p:nvPr/>
-          </p:nvSpPr>
-          <p:spPr>
-            <a:xfrm>
-              <a:off x="5310518" y="2028824"/>
-              <a:ext cx="1360279" cy="1276621"/>
-            </a:xfrm>
-            <a:custGeom>
-              <a:avLst/>
-              <a:gdLst>
-                <a:gd name="connsiteX0" fmla="*/ 1849312 w 2204704"/>
-                <a:gd name="connsiteY0" fmla="*/ 1064 h 2069114"/>
-                <a:gd name="connsiteX1" fmla="*/ 2058594 w 2204704"/>
-                <a:gd name="connsiteY1" fmla="*/ 82732 h 2069114"/>
-                <a:gd name="connsiteX2" fmla="*/ 2121972 w 2204704"/>
-                <a:gd name="connsiteY2" fmla="*/ 622474 h 2069114"/>
-                <a:gd name="connsiteX3" fmla="*/ 979367 w 2204704"/>
-                <a:gd name="connsiteY3" fmla="*/ 2069114 h 2069114"/>
-                <a:gd name="connsiteX4" fmla="*/ 0 w 2204704"/>
-                <a:gd name="connsiteY4" fmla="*/ 2069114 h 2069114"/>
-                <a:gd name="connsiteX5" fmla="*/ 1518853 w 2204704"/>
-                <a:gd name="connsiteY5" fmla="*/ 146110 h 2069114"/>
-                <a:gd name="connsiteX6" fmla="*/ 1849312 w 2204704"/>
-                <a:gd name="connsiteY6" fmla="*/ 1064 h 2069114"/>
-              </a:gdLst>
-              <a:ahLst/>
-              <a:cxnLst>
-                <a:cxn ang="0">
-                  <a:pos x="connsiteX0" y="connsiteY0"/>
-                </a:cxn>
-                <a:cxn ang="0">
-                  <a:pos x="connsiteX1" y="connsiteY1"/>
-                </a:cxn>
-                <a:cxn ang="0">
-                  <a:pos x="connsiteX2" y="connsiteY2"/>
-                </a:cxn>
-                <a:cxn ang="0">
-                  <a:pos x="connsiteX3" y="connsiteY3"/>
-                </a:cxn>
-                <a:cxn ang="0">
-                  <a:pos x="connsiteX4" y="connsiteY4"/>
-                </a:cxn>
-                <a:cxn ang="0">
-                  <a:pos x="connsiteX5" y="connsiteY5"/>
-                </a:cxn>
-                <a:cxn ang="0">
-                  <a:pos x="connsiteX6" y="connsiteY6"/>
-                </a:cxn>
-              </a:cxnLst>
-              <a:rect l="l" t="t" r="r" b="b"/>
-              <a:pathLst>
-                <a:path w="2204704" h="2069114">
-                  <a:moveTo>
-                    <a:pt x="1849312" y="1064"/>
-                  </a:moveTo>
-                  <a:cubicBezTo>
-                    <a:pt x="1923123" y="6563"/>
-                    <a:pt x="1996139" y="33403"/>
-                    <a:pt x="2058594" y="82732"/>
-                  </a:cubicBezTo>
-                  <a:cubicBezTo>
-                    <a:pt x="2225141" y="214276"/>
-                    <a:pt x="2253516" y="455927"/>
-                    <a:pt x="2121972" y="622474"/>
-                  </a:cubicBezTo>
-                  <a:lnTo>
-                    <a:pt x="979367" y="2069114"/>
-                  </a:lnTo>
-                  <a:lnTo>
-                    <a:pt x="0" y="2069114"/>
-                  </a:lnTo>
-                  <a:lnTo>
-                    <a:pt x="1518853" y="146110"/>
-                  </a:lnTo>
-                  <a:cubicBezTo>
-                    <a:pt x="1601068" y="42018"/>
-                    <a:pt x="1726294" y="-8100"/>
-                    <a:pt x="1849312" y="1064"/>
-                  </a:cubicBezTo>
-                  <a:close/>
-                </a:path>
-              </a:pathLst>
-            </a:custGeom>
-            <a:solidFill>
-              <a:srgbClr val="7030A0">
-                <a:alpha val="46000"/>
-              </a:srgbClr>
-            </a:solidFill>
-            <a:ln>
-              <a:noFill/>
-            </a:ln>
-          </p:spPr>
-          <p:style>
-            <a:lnRef idx="2">
-              <a:schemeClr val="accent1">
-                <a:shade val="50000"/>
-              </a:schemeClr>
-            </a:lnRef>
-            <a:fillRef idx="1">
-              <a:schemeClr val="accent1"/>
-            </a:fillRef>
-            <a:effectRef idx="0">
-              <a:schemeClr val="accent1"/>
-            </a:effectRef>
-            <a:fontRef idx="minor">
-              <a:schemeClr val="lt1"/>
-            </a:fontRef>
-          </p:style>
-          <p:txBody>
-            <a:bodyPr rtlCol="0" anchor="ctr"/>
-            <a:lstStyle/>
-            <a:p>
-              <a:pPr algn="ctr"/>
-              <a:endParaRPr lang="zh-CN" altLang="en-US"/>
-            </a:p>
-          </p:txBody>
-        </p:sp>
-      </p:grpSp>
-      <p:sp>
-        <p:nvSpPr>
-          <p:cNvPr id="35" name="矩形 34"/>
-          <p:cNvSpPr/>
-          <p:nvPr/>
-        </p:nvSpPr>
-        <p:spPr>
-          <a:xfrm>
-            <a:off x="101908" y="130750"/>
-            <a:ext cx="1192795" cy="1126550"/>
-          </a:xfrm>
-          <a:prstGeom prst="rect">
-            <a:avLst/>
-          </a:prstGeom>
-          <a:solidFill>
-            <a:srgbClr val="40E3F6"/>
-          </a:solidFill>
-          <a:ln w="12700">
-            <a:noFill/>
-          </a:ln>
-        </p:spPr>
-        <p:style>
-          <a:lnRef idx="2">
-            <a:schemeClr val="accent1">
-              <a:shade val="50000"/>
-            </a:schemeClr>
-          </a:lnRef>
-          <a:fillRef idx="1">
-            <a:schemeClr val="accent1"/>
-          </a:fillRef>
-          <a:effectRef idx="0">
-            <a:schemeClr val="accent1"/>
-          </a:effectRef>
-          <a:fontRef idx="minor">
-            <a:schemeClr val="lt1"/>
-          </a:fontRef>
-        </p:style>
-        <p:txBody>
-          <a:bodyPr rtlCol="0" anchor="ctr"/>
-          <a:lstStyle/>
-          <a:p>
-            <a:pPr algn="ctr"/>
-            <a:r>
-              <a:rPr lang="en-US" altLang="zh-CN" sz="3200" dirty="0" smtClean="0">
-                <a:solidFill>
-                  <a:schemeClr val="bg1"/>
-                </a:solidFill>
-              </a:rPr>
-              <a:t>LOGO</a:t>
-            </a:r>
-            <a:endParaRPr lang="zh-CN" altLang="en-US" sz="3200" dirty="0">
-              <a:solidFill>
-                <a:schemeClr val="bg1"/>
-              </a:solidFill>
-            </a:endParaRPr>
-          </a:p>
-        </p:txBody>
-      </p:sp>
-      <p:sp>
-        <p:nvSpPr>
-          <p:cNvPr id="34" name="矩形 33"/>
-          <p:cNvSpPr/>
-          <p:nvPr/>
-        </p:nvSpPr>
-        <p:spPr>
-          <a:xfrm>
-            <a:off x="101908" y="130750"/>
-            <a:ext cx="1180627" cy="1126550"/>
-          </a:xfrm>
-          <a:prstGeom prst="rect">
-            <a:avLst/>
-          </a:prstGeom>
-          <a:solidFill>
-            <a:srgbClr val="40E3F6"/>
-          </a:solidFill>
-          <a:ln w="12700">
-            <a:noFill/>
-          </a:ln>
-        </p:spPr>
-        <p:style>
-          <a:lnRef idx="2">
-            <a:schemeClr val="accent1">
-              <a:shade val="50000"/>
-            </a:schemeClr>
-          </a:lnRef>
-          <a:fillRef idx="1">
-            <a:schemeClr val="accent1"/>
-          </a:fillRef>
-          <a:effectRef idx="0">
-            <a:schemeClr val="accent1"/>
-          </a:effectRef>
-          <a:fontRef idx="minor">
-            <a:schemeClr val="lt1"/>
-          </a:fontRef>
-        </p:style>
-        <p:txBody>
-          <a:bodyPr rtlCol="0" anchor="ctr"/>
-          <a:lstStyle/>
-          <a:p>
-            <a:pPr algn="ctr"/>
-            <a:endParaRPr lang="zh-CN" altLang="en-US" sz="3200" dirty="0">
-              <a:solidFill>
-                <a:schemeClr val="bg1"/>
-              </a:solidFill>
-            </a:endParaRPr>
-          </a:p>
-        </p:txBody>
-      </p:sp>
-      <p:pic>
-        <p:nvPicPr>
-          <p:cNvPr id="36" name="图片 35" descr="angular.jpg"/>
-          <p:cNvPicPr>
-            <a:picLocks noChangeAspect="1"/>
-          </p:cNvPicPr>
-          <p:nvPr/>
-        </p:nvPicPr>
-        <p:blipFill>
-          <a:blip r:embed="rId4" cstate="print"/>
-          <a:stretch>
-            <a:fillRect/>
-          </a:stretch>
-        </p:blipFill>
-        <p:spPr>
-          <a:xfrm>
-            <a:off x="191180" y="184254"/>
-            <a:ext cx="1008228" cy="1008228"/>
-          </a:xfrm>
-          <a:prstGeom prst="rect">
-            <a:avLst/>
-          </a:prstGeom>
-        </p:spPr>
-      </p:pic>
-      <p:sp>
-        <p:nvSpPr>
-          <p:cNvPr id="43" name="矩形 42"/>
-          <p:cNvSpPr/>
-          <p:nvPr/>
-        </p:nvSpPr>
-        <p:spPr>
-          <a:xfrm>
-            <a:off x="1792718" y="447914"/>
-            <a:ext cx="2220482" cy="783772"/>
-          </a:xfrm>
-          <a:prstGeom prst="rect">
-            <a:avLst/>
-          </a:prstGeom>
-          <a:solidFill>
-            <a:schemeClr val="bg1"/>
-          </a:solidFill>
-          <a:ln w="12700">
-            <a:solidFill>
-              <a:srgbClr val="5ABAE5"/>
-            </a:solidFill>
-          </a:ln>
-        </p:spPr>
-        <p:style>
-          <a:lnRef idx="2">
-            <a:schemeClr val="accent1">
-              <a:shade val="50000"/>
-            </a:schemeClr>
-          </a:lnRef>
-          <a:fillRef idx="1">
-            <a:schemeClr val="accent1"/>
-          </a:fillRef>
-          <a:effectRef idx="0">
-            <a:schemeClr val="accent1"/>
-          </a:effectRef>
-          <a:fontRef idx="minor">
-            <a:schemeClr val="lt1"/>
-          </a:fontRef>
-        </p:style>
-        <p:txBody>
-          <a:bodyPr rtlCol="0" anchor="ctr"/>
-          <a:lstStyle/>
-          <a:p>
-            <a:pPr algn="ctr"/>
-            <a:endParaRPr lang="zh-CN" altLang="en-US"/>
-          </a:p>
-        </p:txBody>
-      </p:sp>
-      <p:sp>
-        <p:nvSpPr>
-          <p:cNvPr id="44" name="矩形 43"/>
-          <p:cNvSpPr/>
-          <p:nvPr/>
-        </p:nvSpPr>
-        <p:spPr>
-          <a:xfrm>
-            <a:off x="1875845" y="531041"/>
-            <a:ext cx="2035755" cy="641268"/>
-          </a:xfrm>
-          <a:prstGeom prst="rect">
-            <a:avLst/>
-          </a:prstGeom>
-          <a:solidFill>
-            <a:srgbClr val="56D4EA"/>
-          </a:solidFill>
-          <a:ln>
-            <a:noFill/>
-          </a:ln>
-          <a:effectLst>
-            <a:outerShdw blurRad="609600" dir="2100000" sx="40000" sy="40000" algn="ctr">
-              <a:srgbClr val="000000">
-                <a:alpha val="95000"/>
-              </a:srgbClr>
-            </a:outerShdw>
-          </a:effectLst>
-        </p:spPr>
-        <p:style>
-          <a:lnRef idx="2">
-            <a:schemeClr val="accent1">
-              <a:shade val="50000"/>
-            </a:schemeClr>
-          </a:lnRef>
-          <a:fillRef idx="1">
-            <a:schemeClr val="accent1"/>
-          </a:fillRef>
-          <a:effectRef idx="0">
-            <a:schemeClr val="accent1"/>
-          </a:effectRef>
-          <a:fontRef idx="minor">
-            <a:schemeClr val="lt1"/>
-          </a:fontRef>
-        </p:style>
-        <p:txBody>
-          <a:bodyPr rtlCol="0" anchor="ctr"/>
-          <a:lstStyle/>
-          <a:p>
-            <a:pPr algn="ctr"/>
-            <a:endParaRPr lang="zh-CN" altLang="en-US"/>
-          </a:p>
-        </p:txBody>
-      </p:sp>
-      <p:sp>
-        <p:nvSpPr>
-          <p:cNvPr id="45" name="文本框 18"/>
-          <p:cNvSpPr txBox="1"/>
-          <p:nvPr/>
-        </p:nvSpPr>
-        <p:spPr>
-          <a:xfrm>
-            <a:off x="1927760" y="590417"/>
-            <a:ext cx="1971140" cy="523220"/>
-          </a:xfrm>
-          <a:prstGeom prst="rect">
-            <a:avLst/>
-          </a:prstGeom>
-          <a:noFill/>
-        </p:spPr>
-        <p:txBody>
-          <a:bodyPr wrap="square" rtlCol="0">
-            <a:spAutoFit/>
-          </a:bodyPr>
-          <a:lstStyle/>
-          <a:p>
-            <a:r>
-              <a:rPr lang="zh-CN" altLang="en-US" sz="2800" dirty="0" smtClean="0">
-                <a:solidFill>
-                  <a:schemeClr val="bg1"/>
-                </a:solidFill>
-                <a:latin typeface="造字工房悦圆（非商用）常规体" pitchFamily="50" charset="-122"/>
-                <a:ea typeface="造字工房悦圆（非商用）常规体" pitchFamily="50" charset="-122"/>
-              </a:rPr>
-              <a:t>自定义服务</a:t>
-            </a:r>
-            <a:endParaRPr lang="zh-CN" altLang="en-US" sz="2800" dirty="0">
-              <a:solidFill>
-                <a:schemeClr val="bg1"/>
-              </a:solidFill>
-              <a:latin typeface="造字工房悦圆（非商用）常规体" pitchFamily="50" charset="-122"/>
-              <a:ea typeface="造字工房悦圆（非商用）常规体" pitchFamily="50" charset="-122"/>
-            </a:endParaRPr>
-          </a:p>
-        </p:txBody>
-      </p:sp>
-      <p:graphicFrame>
-        <p:nvGraphicFramePr>
-          <p:cNvPr id="42" name="对象 41"/>
-          <p:cNvGraphicFramePr>
-            <a:graphicFrameLocks noChangeAspect="1"/>
-          </p:cNvGraphicFramePr>
-          <p:nvPr/>
-        </p:nvGraphicFramePr>
-        <p:xfrm>
-          <a:off x="6038850" y="3319463"/>
-          <a:ext cx="114300" cy="215900"/>
-        </p:xfrm>
-        <a:graphic>
-          <a:graphicData uri="http://schemas.openxmlformats.org/presentationml/2006/ole">
-            <p:oleObj spid="_x0000_s35842" name="Equation" r:id="rId5" imgW="114120" imgH="215640" progId="Equation.KSEE3">
-              <p:embed/>
-            </p:oleObj>
-          </a:graphicData>
-        </a:graphic>
-      </p:graphicFrame>
-      <p:sp>
-        <p:nvSpPr>
-          <p:cNvPr id="50" name="TextBox 49"/>
-          <p:cNvSpPr txBox="1"/>
-          <p:nvPr/>
-        </p:nvSpPr>
-        <p:spPr>
-          <a:xfrm>
-            <a:off x="1688124" y="1992922"/>
-            <a:ext cx="2477476" cy="461665"/>
-          </a:xfrm>
-          <a:prstGeom prst="rect">
-            <a:avLst/>
-          </a:prstGeom>
-          <a:noFill/>
-        </p:spPr>
-        <p:txBody>
-          <a:bodyPr wrap="square" rtlCol="0">
-            <a:spAutoFit/>
-          </a:bodyPr>
-          <a:lstStyle/>
-          <a:p>
-            <a:r>
-              <a:rPr lang="zh-CN" altLang="en-US" sz="2400" dirty="0" smtClean="0">
-                <a:solidFill>
-                  <a:schemeClr val="bg1"/>
-                </a:solidFill>
-                <a:ea typeface="造字工房悦圆（非商用）常规体"/>
-              </a:rPr>
-              <a:t>创建的几种方式</a:t>
-            </a:r>
-            <a:endParaRPr lang="zh-CN" altLang="en-US" sz="2400" dirty="0">
-              <a:solidFill>
-                <a:schemeClr val="bg1"/>
-              </a:solidFill>
-              <a:ea typeface="造字工房悦圆（非商用）常规体"/>
-            </a:endParaRPr>
-          </a:p>
-        </p:txBody>
-      </p:sp>
-      <p:sp>
-        <p:nvSpPr>
-          <p:cNvPr id="18" name="TextBox 17"/>
-          <p:cNvSpPr txBox="1"/>
-          <p:nvPr/>
-        </p:nvSpPr>
-        <p:spPr>
-          <a:xfrm>
-            <a:off x="1713524" y="2577122"/>
-            <a:ext cx="6173176" cy="461665"/>
-          </a:xfrm>
-          <a:prstGeom prst="rect">
-            <a:avLst/>
-          </a:prstGeom>
-          <a:noFill/>
-        </p:spPr>
-        <p:txBody>
-          <a:bodyPr wrap="square" rtlCol="0">
-            <a:spAutoFit/>
-          </a:bodyPr>
-          <a:lstStyle/>
-          <a:p>
-            <a:r>
-              <a:rPr lang="en-US" altLang="zh-CN" sz="2400" dirty="0" smtClean="0">
-                <a:solidFill>
-                  <a:schemeClr val="bg1"/>
-                </a:solidFill>
-                <a:ea typeface="造字工房悦圆（非商用）常规体"/>
-              </a:rPr>
-              <a:t>value</a:t>
-            </a:r>
-            <a:r>
-              <a:rPr lang="zh-CN" altLang="en-US" sz="2400" dirty="0" smtClean="0">
-                <a:solidFill>
-                  <a:schemeClr val="bg1"/>
-                </a:solidFill>
-                <a:ea typeface="造字工房悦圆（非商用）常规体"/>
-              </a:rPr>
-              <a:t>、</a:t>
-            </a:r>
-            <a:r>
-              <a:rPr lang="en-US" altLang="zh-CN" sz="2400" dirty="0" smtClean="0">
-                <a:solidFill>
-                  <a:schemeClr val="bg1"/>
-                </a:solidFill>
-                <a:ea typeface="造字工房悦圆（非商用）常规体"/>
-              </a:rPr>
-              <a:t>constant</a:t>
-            </a:r>
-            <a:r>
-              <a:rPr lang="zh-CN" altLang="en-US" sz="2400" dirty="0" smtClean="0">
-                <a:solidFill>
-                  <a:schemeClr val="bg1"/>
-                </a:solidFill>
-                <a:ea typeface="造字工房悦圆（非商用）常规体"/>
-              </a:rPr>
-              <a:t>、</a:t>
-            </a:r>
-            <a:r>
-              <a:rPr lang="en-US" altLang="zh-CN" sz="2400" dirty="0" smtClean="0">
-                <a:solidFill>
-                  <a:schemeClr val="bg1"/>
-                </a:solidFill>
-                <a:ea typeface="造字工房悦圆（非商用）常规体"/>
-              </a:rPr>
-              <a:t>factory</a:t>
-            </a:r>
-            <a:r>
-              <a:rPr lang="zh-CN" altLang="en-US" sz="2400" dirty="0" smtClean="0">
-                <a:solidFill>
-                  <a:schemeClr val="bg1"/>
-                </a:solidFill>
-                <a:ea typeface="造字工房悦圆（非商用）常规体"/>
-              </a:rPr>
-              <a:t>、</a:t>
-            </a:r>
-            <a:r>
-              <a:rPr lang="en-US" altLang="zh-CN" sz="2400" dirty="0" smtClean="0">
-                <a:solidFill>
-                  <a:schemeClr val="bg1"/>
-                </a:solidFill>
-                <a:ea typeface="造字工房悦圆（非商用）常规体"/>
-              </a:rPr>
-              <a:t>service</a:t>
-            </a:r>
-            <a:r>
-              <a:rPr lang="zh-CN" altLang="en-US" sz="2400" dirty="0" smtClean="0">
-                <a:solidFill>
-                  <a:schemeClr val="bg1"/>
-                </a:solidFill>
-                <a:ea typeface="造字工房悦圆（非商用）常规体"/>
-              </a:rPr>
-              <a:t>、</a:t>
-            </a:r>
-            <a:r>
-              <a:rPr lang="en-US" altLang="zh-CN" sz="2400" dirty="0" smtClean="0">
-                <a:solidFill>
-                  <a:schemeClr val="bg1"/>
-                </a:solidFill>
-                <a:ea typeface="造字工房悦圆（非商用）常规体"/>
-              </a:rPr>
-              <a:t>provider</a:t>
-            </a:r>
-            <a:endParaRPr lang="zh-CN" altLang="en-US" sz="2400" dirty="0">
-              <a:solidFill>
-                <a:schemeClr val="bg1"/>
-              </a:solidFill>
-              <a:ea typeface="造字工房悦圆（非商用）常规体"/>
-            </a:endParaRPr>
-          </a:p>
-        </p:txBody>
-      </p:sp>
-      <p:sp>
-        <p:nvSpPr>
-          <p:cNvPr id="19" name="TextBox 18"/>
-          <p:cNvSpPr txBox="1"/>
-          <p:nvPr/>
-        </p:nvSpPr>
-        <p:spPr>
-          <a:xfrm>
-            <a:off x="1700824" y="3326422"/>
-            <a:ext cx="5423876" cy="461665"/>
-          </a:xfrm>
-          <a:prstGeom prst="rect">
-            <a:avLst/>
-          </a:prstGeom>
-          <a:noFill/>
-        </p:spPr>
-        <p:txBody>
-          <a:bodyPr wrap="square" rtlCol="0">
-            <a:spAutoFit/>
-          </a:bodyPr>
-          <a:lstStyle/>
-          <a:p>
-            <a:r>
-              <a:rPr lang="en-US" altLang="zh-CN" sz="2400" dirty="0" smtClean="0">
-                <a:solidFill>
-                  <a:schemeClr val="bg1"/>
-                </a:solidFill>
-                <a:ea typeface="造字工房悦圆（非商用）常规体"/>
-              </a:rPr>
-              <a:t>factory</a:t>
-            </a:r>
-            <a:r>
-              <a:rPr lang="zh-CN" altLang="en-US" sz="2400" dirty="0" smtClean="0">
-                <a:solidFill>
-                  <a:schemeClr val="bg1"/>
-                </a:solidFill>
-                <a:ea typeface="造字工房悦圆（非商用）常规体"/>
-              </a:rPr>
-              <a:t>、</a:t>
-            </a:r>
-            <a:r>
-              <a:rPr lang="en-US" altLang="zh-CN" sz="2400" dirty="0" smtClean="0">
-                <a:solidFill>
-                  <a:schemeClr val="bg1"/>
-                </a:solidFill>
-                <a:ea typeface="造字工房悦圆（非商用）常规体"/>
-              </a:rPr>
-              <a:t>service</a:t>
-            </a:r>
-            <a:r>
-              <a:rPr lang="zh-CN" altLang="en-US" sz="2400" dirty="0" smtClean="0">
-                <a:solidFill>
-                  <a:schemeClr val="bg1"/>
-                </a:solidFill>
-                <a:ea typeface="造字工房悦圆（非商用）常规体"/>
-              </a:rPr>
-              <a:t>本质上都是</a:t>
-            </a:r>
-            <a:r>
-              <a:rPr lang="en-US" altLang="zh-CN" sz="2400" dirty="0" smtClean="0">
-                <a:solidFill>
-                  <a:schemeClr val="bg1"/>
-                </a:solidFill>
-                <a:ea typeface="造字工房悦圆（非商用）常规体"/>
-              </a:rPr>
-              <a:t>provider</a:t>
-            </a:r>
-            <a:endParaRPr lang="zh-CN" altLang="en-US" sz="2400" dirty="0">
-              <a:solidFill>
-                <a:schemeClr val="bg1"/>
-              </a:solidFill>
-              <a:ea typeface="造字工房悦圆（非商用）常规体"/>
-            </a:endParaRPr>
-          </a:p>
-        </p:txBody>
-      </p:sp>
-      <p:sp>
-        <p:nvSpPr>
-          <p:cNvPr id="20" name="TextBox 19"/>
-          <p:cNvSpPr txBox="1"/>
-          <p:nvPr/>
-        </p:nvSpPr>
-        <p:spPr>
-          <a:xfrm>
-            <a:off x="1713524" y="4088422"/>
-            <a:ext cx="6541476" cy="830997"/>
-          </a:xfrm>
-          <a:prstGeom prst="rect">
-            <a:avLst/>
-          </a:prstGeom>
-          <a:noFill/>
-        </p:spPr>
-        <p:txBody>
-          <a:bodyPr wrap="square" rtlCol="0">
-            <a:spAutoFit/>
-          </a:bodyPr>
-          <a:lstStyle/>
-          <a:p>
-            <a:r>
-              <a:rPr lang="en-US" altLang="zh-CN" sz="2400" dirty="0" smtClean="0">
-                <a:solidFill>
-                  <a:schemeClr val="bg1"/>
-                </a:solidFill>
-                <a:ea typeface="造字工房悦圆（非商用）常规体"/>
-              </a:rPr>
-              <a:t>Provider</a:t>
-            </a:r>
-            <a:r>
-              <a:rPr lang="zh-CN" altLang="en-US" sz="2400" dirty="0" smtClean="0">
-                <a:solidFill>
-                  <a:schemeClr val="bg1"/>
-                </a:solidFill>
-                <a:ea typeface="造字工房悦圆（非商用）常规体"/>
-              </a:rPr>
-              <a:t>模式是‘策略模式’</a:t>
-            </a:r>
-            <a:r>
-              <a:rPr lang="en-US" altLang="zh-CN" sz="2400" dirty="0" smtClean="0">
-                <a:solidFill>
-                  <a:schemeClr val="bg1"/>
-                </a:solidFill>
-                <a:ea typeface="造字工房悦圆（非商用）常规体"/>
-              </a:rPr>
-              <a:t>+ </a:t>
-            </a:r>
-            <a:r>
-              <a:rPr lang="zh-CN" altLang="en-US" sz="2400" dirty="0" smtClean="0">
-                <a:solidFill>
-                  <a:schemeClr val="bg1"/>
-                </a:solidFill>
-                <a:ea typeface="造字工房悦圆（非商用）常规体"/>
-              </a:rPr>
-              <a:t>‘抽象工厂模式’的混合体</a:t>
-            </a:r>
-            <a:endParaRPr lang="zh-CN" altLang="en-US" sz="2400" dirty="0">
-              <a:solidFill>
-                <a:schemeClr val="bg1"/>
-              </a:solidFill>
-              <a:ea typeface="造字工房悦圆（非商用）常规体"/>
-            </a:endParaRPr>
-          </a:p>
-        </p:txBody>
-      </p:sp>
-    </p:spTree>
-    <p:extLst>
-      <p:ext uri="{BB962C8B-B14F-4D97-AF65-F5344CB8AC3E}">
-        <p14:creationId xmlns:p14="http://schemas.microsoft.com/office/powerpoint/2010/main" xmlns="" val="3386272830"/>
-      </p:ext>
-    </p:extLst>
-  </p:cSld>
-  <p:clrMapOvr>
-    <a:masterClrMapping/>
-  </p:clrMapOvr>
-  <p:transition/>
-  <p:timing>
-    <p:tnLst>
-      <p:par>
-        <p:cTn id="1" dur="indefinite" restart="never" nodeType="tmRoot">
-          <p:childTnLst>
-            <p:seq concurrent="1" nextAc="seek">
-              <p:cTn id="2" dur="indefinite" nodeType="mainSeq">
-                <p:childTnLst>
-                  <p:par>
-                    <p:cTn id="3" fill="hold">
-                      <p:stCondLst>
-                        <p:cond delay="indefinite"/>
-                      </p:stCondLst>
-                      <p:childTnLst>
-                        <p:par>
-                          <p:cTn id="4" fill="hold">
-                            <p:stCondLst>
-                              <p:cond delay="0"/>
-                            </p:stCondLst>
-                            <p:childTnLst>
-                              <p:par>
-                                <p:cTn id="5" presetID="2" presetClass="entr" presetSubtype="4" fill="hold" nodeType="clickEffect">
-                                  <p:stCondLst>
-                                    <p:cond delay="0"/>
-                                  </p:stCondLst>
-                                  <p:childTnLst>
-                                    <p:set>
-                                      <p:cBhvr>
-                                        <p:cTn id="6" dur="1" fill="hold">
-                                          <p:stCondLst>
-                                            <p:cond delay="0"/>
-                                          </p:stCondLst>
-                                        </p:cTn>
-                                        <p:tgtEl>
-                                          <p:spTgt spid="42"/>
-                                        </p:tgtEl>
-                                        <p:attrNameLst>
-                                          <p:attrName>style.visibility</p:attrName>
-                                        </p:attrNameLst>
-                                      </p:cBhvr>
-                                      <p:to>
-                                        <p:strVal val="visible"/>
-                                      </p:to>
-                                    </p:set>
-                                    <p:anim calcmode="lin" valueType="num">
-                                      <p:cBhvr additive="base">
-                                        <p:cTn id="7" dur="500" fill="hold"/>
-                                        <p:tgtEl>
-                                          <p:spTgt spid="42"/>
-                                        </p:tgtEl>
-                                        <p:attrNameLst>
-                                          <p:attrName>ppt_x</p:attrName>
-                                        </p:attrNameLst>
-                                      </p:cBhvr>
-                                      <p:tavLst>
-                                        <p:tav tm="0">
-                                          <p:val>
-                                            <p:strVal val="#ppt_x"/>
-                                          </p:val>
-                                        </p:tav>
-                                        <p:tav tm="100000">
-                                          <p:val>
-                                            <p:strVal val="#ppt_x"/>
-                                          </p:val>
-                                        </p:tav>
-                                      </p:tavLst>
-                                    </p:anim>
-                                    <p:anim calcmode="lin" valueType="num">
-                                      <p:cBhvr additive="base">
-                                        <p:cTn id="8" dur="500" fill="hold"/>
-                                        <p:tgtEl>
-                                          <p:spTgt spid="42"/>
-                                        </p:tgtEl>
-                                        <p:attrNameLst>
-                                          <p:attrName>ppt_y</p:attrName>
-                                        </p:attrNameLst>
-                                      </p:cBhvr>
-                                      <p:tavLst>
-                                        <p:tav tm="0">
-                                          <p:val>
-                                            <p:strVal val="1+#ppt_h/2"/>
-                                          </p:val>
-                                        </p:tav>
-                                        <p:tav tm="100000">
-                                          <p:val>
-                                            <p:strVal val="#ppt_y"/>
-                                          </p:val>
-                                        </p:tav>
-                                      </p:tavLst>
-                                    </p:anim>
-                                  </p:childTnLst>
-                                </p:cTn>
-                              </p:par>
-                              <p:par>
-                                <p:cTn id="9" presetID="2" presetClass="entr" presetSubtype="4" fill="hold" grpId="0" nodeType="withEffect">
-                                  <p:stCondLst>
-                                    <p:cond delay="0"/>
-                                  </p:stCondLst>
-                                  <p:childTnLst>
-                                    <p:set>
-                                      <p:cBhvr>
-                                        <p:cTn id="10" dur="1" fill="hold">
-                                          <p:stCondLst>
-                                            <p:cond delay="0"/>
-                                          </p:stCondLst>
-                                        </p:cTn>
-                                        <p:tgtEl>
-                                          <p:spTgt spid="50"/>
-                                        </p:tgtEl>
-                                        <p:attrNameLst>
-                                          <p:attrName>style.visibility</p:attrName>
-                                        </p:attrNameLst>
-                                      </p:cBhvr>
-                                      <p:to>
-                                        <p:strVal val="visible"/>
-                                      </p:to>
-                                    </p:set>
-                                    <p:anim calcmode="lin" valueType="num">
-                                      <p:cBhvr additive="base">
-                                        <p:cTn id="11" dur="500" fill="hold"/>
-                                        <p:tgtEl>
-                                          <p:spTgt spid="50"/>
-                                        </p:tgtEl>
-                                        <p:attrNameLst>
-                                          <p:attrName>ppt_x</p:attrName>
-                                        </p:attrNameLst>
-                                      </p:cBhvr>
-                                      <p:tavLst>
-                                        <p:tav tm="0">
-                                          <p:val>
-                                            <p:strVal val="#ppt_x"/>
-                                          </p:val>
-                                        </p:tav>
-                                        <p:tav tm="100000">
-                                          <p:val>
-                                            <p:strVal val="#ppt_x"/>
-                                          </p:val>
-                                        </p:tav>
-                                      </p:tavLst>
-                                    </p:anim>
-                                    <p:anim calcmode="lin" valueType="num">
-                                      <p:cBhvr additive="base">
-                                        <p:cTn id="12" dur="500" fill="hold"/>
-                                        <p:tgtEl>
-                                          <p:spTgt spid="50"/>
-                                        </p:tgtEl>
-                                        <p:attrNameLst>
-                                          <p:attrName>ppt_y</p:attrName>
-                                        </p:attrNameLst>
-                                      </p:cBhvr>
-                                      <p:tavLst>
-                                        <p:tav tm="0">
-                                          <p:val>
-                                            <p:strVal val="1+#ppt_h/2"/>
-                                          </p:val>
-                                        </p:tav>
-                                        <p:tav tm="100000">
-                                          <p:val>
-                                            <p:strVal val="#ppt_y"/>
-                                          </p:val>
-                                        </p:tav>
-                                      </p:tavLst>
-                                    </p:anim>
-                                  </p:childTnLst>
-                                </p:cTn>
-                              </p:par>
-                              <p:par>
-                                <p:cTn id="13" presetID="2" presetClass="entr" presetSubtype="4" fill="hold" grpId="0" nodeType="withEffect">
-                                  <p:stCondLst>
-                                    <p:cond delay="0"/>
-                                  </p:stCondLst>
-                                  <p:childTnLst>
-                                    <p:set>
-                                      <p:cBhvr>
-                                        <p:cTn id="14" dur="1" fill="hold">
-                                          <p:stCondLst>
-                                            <p:cond delay="0"/>
-                                          </p:stCondLst>
-                                        </p:cTn>
-                                        <p:tgtEl>
-                                          <p:spTgt spid="18"/>
-                                        </p:tgtEl>
-                                        <p:attrNameLst>
-                                          <p:attrName>style.visibility</p:attrName>
-                                        </p:attrNameLst>
-                                      </p:cBhvr>
-                                      <p:to>
-                                        <p:strVal val="visible"/>
-                                      </p:to>
-                                    </p:set>
-                                    <p:anim calcmode="lin" valueType="num">
-                                      <p:cBhvr additive="base">
-                                        <p:cTn id="15" dur="500" fill="hold"/>
-                                        <p:tgtEl>
-                                          <p:spTgt spid="18"/>
-                                        </p:tgtEl>
-                                        <p:attrNameLst>
-                                          <p:attrName>ppt_x</p:attrName>
-                                        </p:attrNameLst>
-                                      </p:cBhvr>
-                                      <p:tavLst>
-                                        <p:tav tm="0">
-                                          <p:val>
-                                            <p:strVal val="#ppt_x"/>
-                                          </p:val>
-                                        </p:tav>
-                                        <p:tav tm="100000">
-                                          <p:val>
-                                            <p:strVal val="#ppt_x"/>
-                                          </p:val>
-                                        </p:tav>
-                                      </p:tavLst>
-                                    </p:anim>
-                                    <p:anim calcmode="lin" valueType="num">
-                                      <p:cBhvr additive="base">
-                                        <p:cTn id="16" dur="500" fill="hold"/>
-                                        <p:tgtEl>
-                                          <p:spTgt spid="18"/>
-                                        </p:tgtEl>
-                                        <p:attrNameLst>
-                                          <p:attrName>ppt_y</p:attrName>
-                                        </p:attrNameLst>
-                                      </p:cBhvr>
-                                      <p:tavLst>
-                                        <p:tav tm="0">
-                                          <p:val>
-                                            <p:strVal val="1+#ppt_h/2"/>
-                                          </p:val>
-                                        </p:tav>
-                                        <p:tav tm="100000">
-                                          <p:val>
-                                            <p:strVal val="#ppt_y"/>
-                                          </p:val>
-                                        </p:tav>
-                                      </p:tavLst>
-                                    </p:anim>
-                                  </p:childTnLst>
-                                </p:cTn>
-                              </p:par>
-                              <p:par>
-                                <p:cTn id="17" presetID="2" presetClass="entr" presetSubtype="4" fill="hold" grpId="0" nodeType="withEffect">
-                                  <p:stCondLst>
-                                    <p:cond delay="0"/>
-                                  </p:stCondLst>
-                                  <p:childTnLst>
-                                    <p:set>
-                                      <p:cBhvr>
-                                        <p:cTn id="18" dur="1" fill="hold">
-                                          <p:stCondLst>
-                                            <p:cond delay="0"/>
-                                          </p:stCondLst>
-                                        </p:cTn>
-                                        <p:tgtEl>
-                                          <p:spTgt spid="19"/>
-                                        </p:tgtEl>
-                                        <p:attrNameLst>
-                                          <p:attrName>style.visibility</p:attrName>
-                                        </p:attrNameLst>
-                                      </p:cBhvr>
-                                      <p:to>
-                                        <p:strVal val="visible"/>
-                                      </p:to>
-                                    </p:set>
-                                    <p:anim calcmode="lin" valueType="num">
-                                      <p:cBhvr additive="base">
-                                        <p:cTn id="19" dur="500" fill="hold"/>
-                                        <p:tgtEl>
-                                          <p:spTgt spid="19"/>
-                                        </p:tgtEl>
-                                        <p:attrNameLst>
-                                          <p:attrName>ppt_x</p:attrName>
-                                        </p:attrNameLst>
-                                      </p:cBhvr>
-                                      <p:tavLst>
-                                        <p:tav tm="0">
-                                          <p:val>
-                                            <p:strVal val="#ppt_x"/>
-                                          </p:val>
-                                        </p:tav>
-                                        <p:tav tm="100000">
-                                          <p:val>
-                                            <p:strVal val="#ppt_x"/>
-                                          </p:val>
-                                        </p:tav>
-                                      </p:tavLst>
-                                    </p:anim>
-                                    <p:anim calcmode="lin" valueType="num">
-                                      <p:cBhvr additive="base">
-                                        <p:cTn id="20" dur="500" fill="hold"/>
-                                        <p:tgtEl>
-                                          <p:spTgt spid="19"/>
-                                        </p:tgtEl>
-                                        <p:attrNameLst>
-                                          <p:attrName>ppt_y</p:attrName>
-                                        </p:attrNameLst>
-                                      </p:cBhvr>
-                                      <p:tavLst>
-                                        <p:tav tm="0">
-                                          <p:val>
-                                            <p:strVal val="1+#ppt_h/2"/>
-                                          </p:val>
-                                        </p:tav>
-                                        <p:tav tm="100000">
-                                          <p:val>
-                                            <p:strVal val="#ppt_y"/>
-                                          </p:val>
-                                        </p:tav>
-                                      </p:tavLst>
-                                    </p:anim>
-                                  </p:childTnLst>
-                                </p:cTn>
-                              </p:par>
-                              <p:par>
-                                <p:cTn id="21" presetID="2" presetClass="entr" presetSubtype="4" fill="hold" grpId="0" nodeType="withEffect">
-                                  <p:stCondLst>
-                                    <p:cond delay="0"/>
-                                  </p:stCondLst>
-                                  <p:childTnLst>
-                                    <p:set>
-                                      <p:cBhvr>
-                                        <p:cTn id="22" dur="1" fill="hold">
-                                          <p:stCondLst>
-                                            <p:cond delay="0"/>
-                                          </p:stCondLst>
-                                        </p:cTn>
-                                        <p:tgtEl>
-                                          <p:spTgt spid="20"/>
-                                        </p:tgtEl>
-                                        <p:attrNameLst>
-                                          <p:attrName>style.visibility</p:attrName>
-                                        </p:attrNameLst>
-                                      </p:cBhvr>
-                                      <p:to>
-                                        <p:strVal val="visible"/>
-                                      </p:to>
-                                    </p:set>
-                                    <p:anim calcmode="lin" valueType="num">
-                                      <p:cBhvr additive="base">
-                                        <p:cTn id="23" dur="500" fill="hold"/>
-                                        <p:tgtEl>
-                                          <p:spTgt spid="20"/>
-                                        </p:tgtEl>
-                                        <p:attrNameLst>
-                                          <p:attrName>ppt_x</p:attrName>
-                                        </p:attrNameLst>
-                                      </p:cBhvr>
-                                      <p:tavLst>
-                                        <p:tav tm="0">
-                                          <p:val>
-                                            <p:strVal val="#ppt_x"/>
-                                          </p:val>
-                                        </p:tav>
-                                        <p:tav tm="100000">
-                                          <p:val>
-                                            <p:strVal val="#ppt_x"/>
-                                          </p:val>
-                                        </p:tav>
-                                      </p:tavLst>
-                                    </p:anim>
-                                    <p:anim calcmode="lin" valueType="num">
-                                      <p:cBhvr additive="base">
-                                        <p:cTn id="24" dur="500" fill="hold"/>
-                                        <p:tgtEl>
-                                          <p:spTgt spid="20"/>
-                                        </p:tgtEl>
-                                        <p:attrNameLst>
-                                          <p:attrName>ppt_y</p:attrName>
-                                        </p:attrNameLst>
-                                      </p:cBhvr>
-                                      <p:tavLst>
-                                        <p:tav tm="0">
-                                          <p:val>
-                                            <p:strVal val="1+#ppt_h/2"/>
-                                          </p:val>
-                                        </p:tav>
-                                        <p:tav tm="100000">
-                                          <p:val>
-                                            <p:strVal val="#ppt_y"/>
-                                          </p:val>
-                                        </p:tav>
-                                      </p:tavLst>
-                                    </p:anim>
-                                  </p:childTnLst>
-                                </p:cTn>
-                              </p:par>
-                            </p:childTnLst>
-                          </p:cTn>
-                        </p:par>
-                      </p:childTnLst>
-                    </p:cTn>
-                  </p:par>
-                </p:childTnLst>
-              </p:cTn>
-              <p:prevCondLst>
-                <p:cond evt="onPrev" delay="0">
-                  <p:tgtEl>
-                    <p:sldTgt/>
-                  </p:tgtEl>
-                </p:cond>
-              </p:prevCondLst>
-              <p:nextCondLst>
-                <p:cond evt="onNext" delay="0">
-                  <p:tgtEl>
-                    <p:sldTgt/>
-                  </p:tgtEl>
-                </p:cond>
-              </p:nextCondLst>
-            </p:seq>
-          </p:childTnLst>
-        </p:cTn>
-      </p:par>
-    </p:tnLst>
-    <p:bldLst>
-      <p:bldP spid="50" grpId="0"/>
-      <p:bldP spid="18" grpId="0"/>
-      <p:bldP spid="19" grpId="0"/>
-      <p:bldP spid="20" grpId="0"/>
     </p:bldLst>
   </p:timing>
 </p:sld>
@@ -25168,7 +25346,7 @@
     </p:spTree>
     <p:extLst>
       <p:ext uri="{BB962C8B-B14F-4D97-AF65-F5344CB8AC3E}">
-        <p14:creationId xmlns:p14="http://schemas.microsoft.com/office/powerpoint/2010/main" xmlns="" val="3386272830"/>
+        <p14:creationId xmlns="" xmlns:p14="http://schemas.microsoft.com/office/powerpoint/2010/main" val="3386272830"/>
       </p:ext>
     </p:extLst>
   </p:cSld>
@@ -26889,6 +27067,1798 @@
           <p:nvPr/>
         </p:nvPicPr>
         <p:blipFill>
+          <a:blip r:embed="rId4" cstate="print"/>
+          <a:stretch>
+            <a:fillRect/>
+          </a:stretch>
+        </p:blipFill>
+        <p:spPr>
+          <a:xfrm>
+            <a:off x="191180" y="184254"/>
+            <a:ext cx="1008228" cy="1008228"/>
+          </a:xfrm>
+          <a:prstGeom prst="rect">
+            <a:avLst/>
+          </a:prstGeom>
+        </p:spPr>
+      </p:pic>
+      <p:sp>
+        <p:nvSpPr>
+          <p:cNvPr id="43" name="矩形 42"/>
+          <p:cNvSpPr/>
+          <p:nvPr/>
+        </p:nvSpPr>
+        <p:spPr>
+          <a:xfrm>
+            <a:off x="1792718" y="447914"/>
+            <a:ext cx="2220482" cy="783772"/>
+          </a:xfrm>
+          <a:prstGeom prst="rect">
+            <a:avLst/>
+          </a:prstGeom>
+          <a:solidFill>
+            <a:schemeClr val="bg1"/>
+          </a:solidFill>
+          <a:ln w="12700">
+            <a:solidFill>
+              <a:srgbClr val="5ABAE5"/>
+            </a:solidFill>
+          </a:ln>
+        </p:spPr>
+        <p:style>
+          <a:lnRef idx="2">
+            <a:schemeClr val="accent1">
+              <a:shade val="50000"/>
+            </a:schemeClr>
+          </a:lnRef>
+          <a:fillRef idx="1">
+            <a:schemeClr val="accent1"/>
+          </a:fillRef>
+          <a:effectRef idx="0">
+            <a:schemeClr val="accent1"/>
+          </a:effectRef>
+          <a:fontRef idx="minor">
+            <a:schemeClr val="lt1"/>
+          </a:fontRef>
+        </p:style>
+        <p:txBody>
+          <a:bodyPr rtlCol="0" anchor="ctr"/>
+          <a:lstStyle/>
+          <a:p>
+            <a:pPr algn="ctr"/>
+            <a:endParaRPr lang="zh-CN" altLang="en-US"/>
+          </a:p>
+        </p:txBody>
+      </p:sp>
+      <p:sp>
+        <p:nvSpPr>
+          <p:cNvPr id="44" name="矩形 43"/>
+          <p:cNvSpPr/>
+          <p:nvPr/>
+        </p:nvSpPr>
+        <p:spPr>
+          <a:xfrm>
+            <a:off x="1875845" y="531041"/>
+            <a:ext cx="2035755" cy="641268"/>
+          </a:xfrm>
+          <a:prstGeom prst="rect">
+            <a:avLst/>
+          </a:prstGeom>
+          <a:solidFill>
+            <a:srgbClr val="56D4EA"/>
+          </a:solidFill>
+          <a:ln>
+            <a:noFill/>
+          </a:ln>
+          <a:effectLst>
+            <a:outerShdw blurRad="609600" dir="2100000" sx="40000" sy="40000" algn="ctr">
+              <a:srgbClr val="000000">
+                <a:alpha val="95000"/>
+              </a:srgbClr>
+            </a:outerShdw>
+          </a:effectLst>
+        </p:spPr>
+        <p:style>
+          <a:lnRef idx="2">
+            <a:schemeClr val="accent1">
+              <a:shade val="50000"/>
+            </a:schemeClr>
+          </a:lnRef>
+          <a:fillRef idx="1">
+            <a:schemeClr val="accent1"/>
+          </a:fillRef>
+          <a:effectRef idx="0">
+            <a:schemeClr val="accent1"/>
+          </a:effectRef>
+          <a:fontRef idx="minor">
+            <a:schemeClr val="lt1"/>
+          </a:fontRef>
+        </p:style>
+        <p:txBody>
+          <a:bodyPr rtlCol="0" anchor="ctr"/>
+          <a:lstStyle/>
+          <a:p>
+            <a:pPr algn="ctr"/>
+            <a:endParaRPr lang="zh-CN" altLang="en-US"/>
+          </a:p>
+        </p:txBody>
+      </p:sp>
+      <p:sp>
+        <p:nvSpPr>
+          <p:cNvPr id="45" name="文本框 18"/>
+          <p:cNvSpPr txBox="1"/>
+          <p:nvPr/>
+        </p:nvSpPr>
+        <p:spPr>
+          <a:xfrm>
+            <a:off x="1927760" y="590417"/>
+            <a:ext cx="1971140" cy="523220"/>
+          </a:xfrm>
+          <a:prstGeom prst="rect">
+            <a:avLst/>
+          </a:prstGeom>
+          <a:noFill/>
+        </p:spPr>
+        <p:txBody>
+          <a:bodyPr wrap="square" rtlCol="0">
+            <a:spAutoFit/>
+          </a:bodyPr>
+          <a:lstStyle/>
+          <a:p>
+            <a:r>
+              <a:rPr lang="zh-CN" altLang="en-US" sz="2800" dirty="0" smtClean="0">
+                <a:solidFill>
+                  <a:schemeClr val="bg1"/>
+                </a:solidFill>
+                <a:latin typeface="造字工房悦圆（非商用）常规体" pitchFamily="50" charset="-122"/>
+                <a:ea typeface="造字工房悦圆（非商用）常规体" pitchFamily="50" charset="-122"/>
+              </a:rPr>
+              <a:t>自定义服务</a:t>
+            </a:r>
+            <a:endParaRPr lang="zh-CN" altLang="en-US" sz="2800" dirty="0">
+              <a:solidFill>
+                <a:schemeClr val="bg1"/>
+              </a:solidFill>
+              <a:latin typeface="造字工房悦圆（非商用）常规体" pitchFamily="50" charset="-122"/>
+              <a:ea typeface="造字工房悦圆（非商用）常规体" pitchFamily="50" charset="-122"/>
+            </a:endParaRPr>
+          </a:p>
+        </p:txBody>
+      </p:sp>
+      <p:graphicFrame>
+        <p:nvGraphicFramePr>
+          <p:cNvPr id="42" name="对象 41"/>
+          <p:cNvGraphicFramePr>
+            <a:graphicFrameLocks noChangeAspect="1"/>
+          </p:cNvGraphicFramePr>
+          <p:nvPr/>
+        </p:nvGraphicFramePr>
+        <p:xfrm>
+          <a:off x="6038850" y="3319463"/>
+          <a:ext cx="114300" cy="215900"/>
+        </p:xfrm>
+        <a:graphic>
+          <a:graphicData uri="http://schemas.openxmlformats.org/presentationml/2006/ole">
+            <p:oleObj spid="_x0000_s35842" name="Equation" r:id="rId5" imgW="114120" imgH="215640" progId="Equation.KSEE3">
+              <p:embed/>
+            </p:oleObj>
+          </a:graphicData>
+        </a:graphic>
+      </p:graphicFrame>
+      <p:sp>
+        <p:nvSpPr>
+          <p:cNvPr id="50" name="TextBox 49"/>
+          <p:cNvSpPr txBox="1"/>
+          <p:nvPr/>
+        </p:nvSpPr>
+        <p:spPr>
+          <a:xfrm>
+            <a:off x="1688124" y="1992922"/>
+            <a:ext cx="2477476" cy="461665"/>
+          </a:xfrm>
+          <a:prstGeom prst="rect">
+            <a:avLst/>
+          </a:prstGeom>
+          <a:noFill/>
+        </p:spPr>
+        <p:txBody>
+          <a:bodyPr wrap="square" rtlCol="0">
+            <a:spAutoFit/>
+          </a:bodyPr>
+          <a:lstStyle/>
+          <a:p>
+            <a:r>
+              <a:rPr lang="zh-CN" altLang="en-US" sz="2400" dirty="0" smtClean="0">
+                <a:solidFill>
+                  <a:schemeClr val="bg1"/>
+                </a:solidFill>
+                <a:ea typeface="造字工房悦圆（非商用）常规体"/>
+              </a:rPr>
+              <a:t>创建的几种方式</a:t>
+            </a:r>
+            <a:endParaRPr lang="zh-CN" altLang="en-US" sz="2400" dirty="0">
+              <a:solidFill>
+                <a:schemeClr val="bg1"/>
+              </a:solidFill>
+              <a:ea typeface="造字工房悦圆（非商用）常规体"/>
+            </a:endParaRPr>
+          </a:p>
+        </p:txBody>
+      </p:sp>
+      <p:sp>
+        <p:nvSpPr>
+          <p:cNvPr id="18" name="TextBox 17"/>
+          <p:cNvSpPr txBox="1"/>
+          <p:nvPr/>
+        </p:nvSpPr>
+        <p:spPr>
+          <a:xfrm>
+            <a:off x="1713524" y="2577122"/>
+            <a:ext cx="6173176" cy="461665"/>
+          </a:xfrm>
+          <a:prstGeom prst="rect">
+            <a:avLst/>
+          </a:prstGeom>
+          <a:noFill/>
+        </p:spPr>
+        <p:txBody>
+          <a:bodyPr wrap="square" rtlCol="0">
+            <a:spAutoFit/>
+          </a:bodyPr>
+          <a:lstStyle/>
+          <a:p>
+            <a:r>
+              <a:rPr lang="en-US" altLang="zh-CN" sz="2400" dirty="0" smtClean="0">
+                <a:solidFill>
+                  <a:schemeClr val="bg1"/>
+                </a:solidFill>
+                <a:ea typeface="造字工房悦圆（非商用）常规体"/>
+              </a:rPr>
+              <a:t>value</a:t>
+            </a:r>
+            <a:r>
+              <a:rPr lang="zh-CN" altLang="en-US" sz="2400" dirty="0" smtClean="0">
+                <a:solidFill>
+                  <a:schemeClr val="bg1"/>
+                </a:solidFill>
+                <a:ea typeface="造字工房悦圆（非商用）常规体"/>
+              </a:rPr>
+              <a:t>、</a:t>
+            </a:r>
+            <a:r>
+              <a:rPr lang="en-US" altLang="zh-CN" sz="2400" dirty="0" smtClean="0">
+                <a:solidFill>
+                  <a:schemeClr val="bg1"/>
+                </a:solidFill>
+                <a:ea typeface="造字工房悦圆（非商用）常规体"/>
+              </a:rPr>
+              <a:t>constant</a:t>
+            </a:r>
+            <a:r>
+              <a:rPr lang="zh-CN" altLang="en-US" sz="2400" dirty="0" smtClean="0">
+                <a:solidFill>
+                  <a:schemeClr val="bg1"/>
+                </a:solidFill>
+                <a:ea typeface="造字工房悦圆（非商用）常规体"/>
+              </a:rPr>
+              <a:t>、</a:t>
+            </a:r>
+            <a:r>
+              <a:rPr lang="en-US" altLang="zh-CN" sz="2400" dirty="0" smtClean="0">
+                <a:solidFill>
+                  <a:schemeClr val="bg1"/>
+                </a:solidFill>
+                <a:ea typeface="造字工房悦圆（非商用）常规体"/>
+              </a:rPr>
+              <a:t>factory</a:t>
+            </a:r>
+            <a:r>
+              <a:rPr lang="zh-CN" altLang="en-US" sz="2400" dirty="0" smtClean="0">
+                <a:solidFill>
+                  <a:schemeClr val="bg1"/>
+                </a:solidFill>
+                <a:ea typeface="造字工房悦圆（非商用）常规体"/>
+              </a:rPr>
+              <a:t>、</a:t>
+            </a:r>
+            <a:r>
+              <a:rPr lang="en-US" altLang="zh-CN" sz="2400" dirty="0" smtClean="0">
+                <a:solidFill>
+                  <a:schemeClr val="bg1"/>
+                </a:solidFill>
+                <a:ea typeface="造字工房悦圆（非商用）常规体"/>
+              </a:rPr>
+              <a:t>service</a:t>
+            </a:r>
+            <a:r>
+              <a:rPr lang="zh-CN" altLang="en-US" sz="2400" dirty="0" smtClean="0">
+                <a:solidFill>
+                  <a:schemeClr val="bg1"/>
+                </a:solidFill>
+                <a:ea typeface="造字工房悦圆（非商用）常规体"/>
+              </a:rPr>
+              <a:t>、</a:t>
+            </a:r>
+            <a:r>
+              <a:rPr lang="en-US" altLang="zh-CN" sz="2400" dirty="0" smtClean="0">
+                <a:solidFill>
+                  <a:schemeClr val="bg1"/>
+                </a:solidFill>
+                <a:ea typeface="造字工房悦圆（非商用）常规体"/>
+              </a:rPr>
+              <a:t>provider</a:t>
+            </a:r>
+            <a:endParaRPr lang="zh-CN" altLang="en-US" sz="2400" dirty="0">
+              <a:solidFill>
+                <a:schemeClr val="bg1"/>
+              </a:solidFill>
+              <a:ea typeface="造字工房悦圆（非商用）常规体"/>
+            </a:endParaRPr>
+          </a:p>
+        </p:txBody>
+      </p:sp>
+      <p:sp>
+        <p:nvSpPr>
+          <p:cNvPr id="19" name="TextBox 18"/>
+          <p:cNvSpPr txBox="1"/>
+          <p:nvPr/>
+        </p:nvSpPr>
+        <p:spPr>
+          <a:xfrm>
+            <a:off x="1700824" y="3326422"/>
+            <a:ext cx="5423876" cy="461665"/>
+          </a:xfrm>
+          <a:prstGeom prst="rect">
+            <a:avLst/>
+          </a:prstGeom>
+          <a:noFill/>
+        </p:spPr>
+        <p:txBody>
+          <a:bodyPr wrap="square" rtlCol="0">
+            <a:spAutoFit/>
+          </a:bodyPr>
+          <a:lstStyle/>
+          <a:p>
+            <a:r>
+              <a:rPr lang="en-US" altLang="zh-CN" sz="2400" dirty="0" smtClean="0">
+                <a:solidFill>
+                  <a:schemeClr val="bg1"/>
+                </a:solidFill>
+                <a:ea typeface="造字工房悦圆（非商用）常规体"/>
+              </a:rPr>
+              <a:t>factory</a:t>
+            </a:r>
+            <a:r>
+              <a:rPr lang="zh-CN" altLang="en-US" sz="2400" dirty="0" smtClean="0">
+                <a:solidFill>
+                  <a:schemeClr val="bg1"/>
+                </a:solidFill>
+                <a:ea typeface="造字工房悦圆（非商用）常规体"/>
+              </a:rPr>
+              <a:t>、</a:t>
+            </a:r>
+            <a:r>
+              <a:rPr lang="en-US" altLang="zh-CN" sz="2400" dirty="0" smtClean="0">
+                <a:solidFill>
+                  <a:schemeClr val="bg1"/>
+                </a:solidFill>
+                <a:ea typeface="造字工房悦圆（非商用）常规体"/>
+              </a:rPr>
+              <a:t>service</a:t>
+            </a:r>
+            <a:r>
+              <a:rPr lang="zh-CN" altLang="en-US" sz="2400" dirty="0" smtClean="0">
+                <a:solidFill>
+                  <a:schemeClr val="bg1"/>
+                </a:solidFill>
+                <a:ea typeface="造字工房悦圆（非商用）常规体"/>
+              </a:rPr>
+              <a:t>本质上都是</a:t>
+            </a:r>
+            <a:r>
+              <a:rPr lang="en-US" altLang="zh-CN" sz="2400" dirty="0" smtClean="0">
+                <a:solidFill>
+                  <a:schemeClr val="bg1"/>
+                </a:solidFill>
+                <a:ea typeface="造字工房悦圆（非商用）常规体"/>
+              </a:rPr>
+              <a:t>provider</a:t>
+            </a:r>
+            <a:endParaRPr lang="zh-CN" altLang="en-US" sz="2400" dirty="0">
+              <a:solidFill>
+                <a:schemeClr val="bg1"/>
+              </a:solidFill>
+              <a:ea typeface="造字工房悦圆（非商用）常规体"/>
+            </a:endParaRPr>
+          </a:p>
+        </p:txBody>
+      </p:sp>
+      <p:sp>
+        <p:nvSpPr>
+          <p:cNvPr id="20" name="TextBox 19"/>
+          <p:cNvSpPr txBox="1"/>
+          <p:nvPr/>
+        </p:nvSpPr>
+        <p:spPr>
+          <a:xfrm>
+            <a:off x="1713524" y="4088422"/>
+            <a:ext cx="6541476" cy="830997"/>
+          </a:xfrm>
+          <a:prstGeom prst="rect">
+            <a:avLst/>
+          </a:prstGeom>
+          <a:noFill/>
+        </p:spPr>
+        <p:txBody>
+          <a:bodyPr wrap="square" rtlCol="0">
+            <a:spAutoFit/>
+          </a:bodyPr>
+          <a:lstStyle/>
+          <a:p>
+            <a:r>
+              <a:rPr lang="en-US" altLang="zh-CN" sz="2400" dirty="0" smtClean="0">
+                <a:solidFill>
+                  <a:schemeClr val="bg1"/>
+                </a:solidFill>
+                <a:ea typeface="造字工房悦圆（非商用）常规体"/>
+              </a:rPr>
+              <a:t>Provider</a:t>
+            </a:r>
+            <a:r>
+              <a:rPr lang="zh-CN" altLang="en-US" sz="2400" dirty="0" smtClean="0">
+                <a:solidFill>
+                  <a:schemeClr val="bg1"/>
+                </a:solidFill>
+                <a:ea typeface="造字工房悦圆（非商用）常规体"/>
+              </a:rPr>
+              <a:t>模式是‘策略模式’</a:t>
+            </a:r>
+            <a:r>
+              <a:rPr lang="en-US" altLang="zh-CN" sz="2400" dirty="0" smtClean="0">
+                <a:solidFill>
+                  <a:schemeClr val="bg1"/>
+                </a:solidFill>
+                <a:ea typeface="造字工房悦圆（非商用）常规体"/>
+              </a:rPr>
+              <a:t>+ </a:t>
+            </a:r>
+            <a:r>
+              <a:rPr lang="zh-CN" altLang="en-US" sz="2400" dirty="0" smtClean="0">
+                <a:solidFill>
+                  <a:schemeClr val="bg1"/>
+                </a:solidFill>
+                <a:ea typeface="造字工房悦圆（非商用）常规体"/>
+              </a:rPr>
+              <a:t>‘抽象工厂模式’的混合体</a:t>
+            </a:r>
+            <a:endParaRPr lang="zh-CN" altLang="en-US" sz="2400" dirty="0">
+              <a:solidFill>
+                <a:schemeClr val="bg1"/>
+              </a:solidFill>
+              <a:ea typeface="造字工房悦圆（非商用）常规体"/>
+            </a:endParaRPr>
+          </a:p>
+        </p:txBody>
+      </p:sp>
+    </p:spTree>
+    <p:extLst>
+      <p:ext uri="{BB962C8B-B14F-4D97-AF65-F5344CB8AC3E}">
+        <p14:creationId xmlns="" xmlns:p14="http://schemas.microsoft.com/office/powerpoint/2010/main" val="3386272830"/>
+      </p:ext>
+    </p:extLst>
+  </p:cSld>
+  <p:clrMapOvr>
+    <a:masterClrMapping/>
+  </p:clrMapOvr>
+  <p:transition/>
+  <p:timing>
+    <p:tnLst>
+      <p:par>
+        <p:cTn id="1" dur="indefinite" restart="never" nodeType="tmRoot">
+          <p:childTnLst>
+            <p:seq concurrent="1" nextAc="seek">
+              <p:cTn id="2" dur="indefinite" nodeType="mainSeq">
+                <p:childTnLst>
+                  <p:par>
+                    <p:cTn id="3" fill="hold">
+                      <p:stCondLst>
+                        <p:cond delay="indefinite"/>
+                      </p:stCondLst>
+                      <p:childTnLst>
+                        <p:par>
+                          <p:cTn id="4" fill="hold">
+                            <p:stCondLst>
+                              <p:cond delay="0"/>
+                            </p:stCondLst>
+                            <p:childTnLst>
+                              <p:par>
+                                <p:cTn id="5" presetID="2" presetClass="entr" presetSubtype="4" fill="hold" nodeType="clickEffect">
+                                  <p:stCondLst>
+                                    <p:cond delay="0"/>
+                                  </p:stCondLst>
+                                  <p:childTnLst>
+                                    <p:set>
+                                      <p:cBhvr>
+                                        <p:cTn id="6" dur="1" fill="hold">
+                                          <p:stCondLst>
+                                            <p:cond delay="0"/>
+                                          </p:stCondLst>
+                                        </p:cTn>
+                                        <p:tgtEl>
+                                          <p:spTgt spid="42"/>
+                                        </p:tgtEl>
+                                        <p:attrNameLst>
+                                          <p:attrName>style.visibility</p:attrName>
+                                        </p:attrNameLst>
+                                      </p:cBhvr>
+                                      <p:to>
+                                        <p:strVal val="visible"/>
+                                      </p:to>
+                                    </p:set>
+                                    <p:anim calcmode="lin" valueType="num">
+                                      <p:cBhvr additive="base">
+                                        <p:cTn id="7" dur="500" fill="hold"/>
+                                        <p:tgtEl>
+                                          <p:spTgt spid="42"/>
+                                        </p:tgtEl>
+                                        <p:attrNameLst>
+                                          <p:attrName>ppt_x</p:attrName>
+                                        </p:attrNameLst>
+                                      </p:cBhvr>
+                                      <p:tavLst>
+                                        <p:tav tm="0">
+                                          <p:val>
+                                            <p:strVal val="#ppt_x"/>
+                                          </p:val>
+                                        </p:tav>
+                                        <p:tav tm="100000">
+                                          <p:val>
+                                            <p:strVal val="#ppt_x"/>
+                                          </p:val>
+                                        </p:tav>
+                                      </p:tavLst>
+                                    </p:anim>
+                                    <p:anim calcmode="lin" valueType="num">
+                                      <p:cBhvr additive="base">
+                                        <p:cTn id="8" dur="500" fill="hold"/>
+                                        <p:tgtEl>
+                                          <p:spTgt spid="42"/>
+                                        </p:tgtEl>
+                                        <p:attrNameLst>
+                                          <p:attrName>ppt_y</p:attrName>
+                                        </p:attrNameLst>
+                                      </p:cBhvr>
+                                      <p:tavLst>
+                                        <p:tav tm="0">
+                                          <p:val>
+                                            <p:strVal val="1+#ppt_h/2"/>
+                                          </p:val>
+                                        </p:tav>
+                                        <p:tav tm="100000">
+                                          <p:val>
+                                            <p:strVal val="#ppt_y"/>
+                                          </p:val>
+                                        </p:tav>
+                                      </p:tavLst>
+                                    </p:anim>
+                                  </p:childTnLst>
+                                </p:cTn>
+                              </p:par>
+                              <p:par>
+                                <p:cTn id="9" presetID="2" presetClass="entr" presetSubtype="4" fill="hold" grpId="0" nodeType="withEffect">
+                                  <p:stCondLst>
+                                    <p:cond delay="0"/>
+                                  </p:stCondLst>
+                                  <p:childTnLst>
+                                    <p:set>
+                                      <p:cBhvr>
+                                        <p:cTn id="10" dur="1" fill="hold">
+                                          <p:stCondLst>
+                                            <p:cond delay="0"/>
+                                          </p:stCondLst>
+                                        </p:cTn>
+                                        <p:tgtEl>
+                                          <p:spTgt spid="50"/>
+                                        </p:tgtEl>
+                                        <p:attrNameLst>
+                                          <p:attrName>style.visibility</p:attrName>
+                                        </p:attrNameLst>
+                                      </p:cBhvr>
+                                      <p:to>
+                                        <p:strVal val="visible"/>
+                                      </p:to>
+                                    </p:set>
+                                    <p:anim calcmode="lin" valueType="num">
+                                      <p:cBhvr additive="base">
+                                        <p:cTn id="11" dur="500" fill="hold"/>
+                                        <p:tgtEl>
+                                          <p:spTgt spid="50"/>
+                                        </p:tgtEl>
+                                        <p:attrNameLst>
+                                          <p:attrName>ppt_x</p:attrName>
+                                        </p:attrNameLst>
+                                      </p:cBhvr>
+                                      <p:tavLst>
+                                        <p:tav tm="0">
+                                          <p:val>
+                                            <p:strVal val="#ppt_x"/>
+                                          </p:val>
+                                        </p:tav>
+                                        <p:tav tm="100000">
+                                          <p:val>
+                                            <p:strVal val="#ppt_x"/>
+                                          </p:val>
+                                        </p:tav>
+                                      </p:tavLst>
+                                    </p:anim>
+                                    <p:anim calcmode="lin" valueType="num">
+                                      <p:cBhvr additive="base">
+                                        <p:cTn id="12" dur="500" fill="hold"/>
+                                        <p:tgtEl>
+                                          <p:spTgt spid="50"/>
+                                        </p:tgtEl>
+                                        <p:attrNameLst>
+                                          <p:attrName>ppt_y</p:attrName>
+                                        </p:attrNameLst>
+                                      </p:cBhvr>
+                                      <p:tavLst>
+                                        <p:tav tm="0">
+                                          <p:val>
+                                            <p:strVal val="1+#ppt_h/2"/>
+                                          </p:val>
+                                        </p:tav>
+                                        <p:tav tm="100000">
+                                          <p:val>
+                                            <p:strVal val="#ppt_y"/>
+                                          </p:val>
+                                        </p:tav>
+                                      </p:tavLst>
+                                    </p:anim>
+                                  </p:childTnLst>
+                                </p:cTn>
+                              </p:par>
+                              <p:par>
+                                <p:cTn id="13" presetID="2" presetClass="entr" presetSubtype="4" fill="hold" grpId="0" nodeType="withEffect">
+                                  <p:stCondLst>
+                                    <p:cond delay="0"/>
+                                  </p:stCondLst>
+                                  <p:childTnLst>
+                                    <p:set>
+                                      <p:cBhvr>
+                                        <p:cTn id="14" dur="1" fill="hold">
+                                          <p:stCondLst>
+                                            <p:cond delay="0"/>
+                                          </p:stCondLst>
+                                        </p:cTn>
+                                        <p:tgtEl>
+                                          <p:spTgt spid="18"/>
+                                        </p:tgtEl>
+                                        <p:attrNameLst>
+                                          <p:attrName>style.visibility</p:attrName>
+                                        </p:attrNameLst>
+                                      </p:cBhvr>
+                                      <p:to>
+                                        <p:strVal val="visible"/>
+                                      </p:to>
+                                    </p:set>
+                                    <p:anim calcmode="lin" valueType="num">
+                                      <p:cBhvr additive="base">
+                                        <p:cTn id="15" dur="500" fill="hold"/>
+                                        <p:tgtEl>
+                                          <p:spTgt spid="18"/>
+                                        </p:tgtEl>
+                                        <p:attrNameLst>
+                                          <p:attrName>ppt_x</p:attrName>
+                                        </p:attrNameLst>
+                                      </p:cBhvr>
+                                      <p:tavLst>
+                                        <p:tav tm="0">
+                                          <p:val>
+                                            <p:strVal val="#ppt_x"/>
+                                          </p:val>
+                                        </p:tav>
+                                        <p:tav tm="100000">
+                                          <p:val>
+                                            <p:strVal val="#ppt_x"/>
+                                          </p:val>
+                                        </p:tav>
+                                      </p:tavLst>
+                                    </p:anim>
+                                    <p:anim calcmode="lin" valueType="num">
+                                      <p:cBhvr additive="base">
+                                        <p:cTn id="16" dur="500" fill="hold"/>
+                                        <p:tgtEl>
+                                          <p:spTgt spid="18"/>
+                                        </p:tgtEl>
+                                        <p:attrNameLst>
+                                          <p:attrName>ppt_y</p:attrName>
+                                        </p:attrNameLst>
+                                      </p:cBhvr>
+                                      <p:tavLst>
+                                        <p:tav tm="0">
+                                          <p:val>
+                                            <p:strVal val="1+#ppt_h/2"/>
+                                          </p:val>
+                                        </p:tav>
+                                        <p:tav tm="100000">
+                                          <p:val>
+                                            <p:strVal val="#ppt_y"/>
+                                          </p:val>
+                                        </p:tav>
+                                      </p:tavLst>
+                                    </p:anim>
+                                  </p:childTnLst>
+                                </p:cTn>
+                              </p:par>
+                              <p:par>
+                                <p:cTn id="17" presetID="2" presetClass="entr" presetSubtype="4" fill="hold" grpId="0" nodeType="withEffect">
+                                  <p:stCondLst>
+                                    <p:cond delay="0"/>
+                                  </p:stCondLst>
+                                  <p:childTnLst>
+                                    <p:set>
+                                      <p:cBhvr>
+                                        <p:cTn id="18" dur="1" fill="hold">
+                                          <p:stCondLst>
+                                            <p:cond delay="0"/>
+                                          </p:stCondLst>
+                                        </p:cTn>
+                                        <p:tgtEl>
+                                          <p:spTgt spid="19"/>
+                                        </p:tgtEl>
+                                        <p:attrNameLst>
+                                          <p:attrName>style.visibility</p:attrName>
+                                        </p:attrNameLst>
+                                      </p:cBhvr>
+                                      <p:to>
+                                        <p:strVal val="visible"/>
+                                      </p:to>
+                                    </p:set>
+                                    <p:anim calcmode="lin" valueType="num">
+                                      <p:cBhvr additive="base">
+                                        <p:cTn id="19" dur="500" fill="hold"/>
+                                        <p:tgtEl>
+                                          <p:spTgt spid="19"/>
+                                        </p:tgtEl>
+                                        <p:attrNameLst>
+                                          <p:attrName>ppt_x</p:attrName>
+                                        </p:attrNameLst>
+                                      </p:cBhvr>
+                                      <p:tavLst>
+                                        <p:tav tm="0">
+                                          <p:val>
+                                            <p:strVal val="#ppt_x"/>
+                                          </p:val>
+                                        </p:tav>
+                                        <p:tav tm="100000">
+                                          <p:val>
+                                            <p:strVal val="#ppt_x"/>
+                                          </p:val>
+                                        </p:tav>
+                                      </p:tavLst>
+                                    </p:anim>
+                                    <p:anim calcmode="lin" valueType="num">
+                                      <p:cBhvr additive="base">
+                                        <p:cTn id="20" dur="500" fill="hold"/>
+                                        <p:tgtEl>
+                                          <p:spTgt spid="19"/>
+                                        </p:tgtEl>
+                                        <p:attrNameLst>
+                                          <p:attrName>ppt_y</p:attrName>
+                                        </p:attrNameLst>
+                                      </p:cBhvr>
+                                      <p:tavLst>
+                                        <p:tav tm="0">
+                                          <p:val>
+                                            <p:strVal val="1+#ppt_h/2"/>
+                                          </p:val>
+                                        </p:tav>
+                                        <p:tav tm="100000">
+                                          <p:val>
+                                            <p:strVal val="#ppt_y"/>
+                                          </p:val>
+                                        </p:tav>
+                                      </p:tavLst>
+                                    </p:anim>
+                                  </p:childTnLst>
+                                </p:cTn>
+                              </p:par>
+                              <p:par>
+                                <p:cTn id="21" presetID="2" presetClass="entr" presetSubtype="4" fill="hold" grpId="0" nodeType="withEffect">
+                                  <p:stCondLst>
+                                    <p:cond delay="0"/>
+                                  </p:stCondLst>
+                                  <p:childTnLst>
+                                    <p:set>
+                                      <p:cBhvr>
+                                        <p:cTn id="22" dur="1" fill="hold">
+                                          <p:stCondLst>
+                                            <p:cond delay="0"/>
+                                          </p:stCondLst>
+                                        </p:cTn>
+                                        <p:tgtEl>
+                                          <p:spTgt spid="20"/>
+                                        </p:tgtEl>
+                                        <p:attrNameLst>
+                                          <p:attrName>style.visibility</p:attrName>
+                                        </p:attrNameLst>
+                                      </p:cBhvr>
+                                      <p:to>
+                                        <p:strVal val="visible"/>
+                                      </p:to>
+                                    </p:set>
+                                    <p:anim calcmode="lin" valueType="num">
+                                      <p:cBhvr additive="base">
+                                        <p:cTn id="23" dur="500" fill="hold"/>
+                                        <p:tgtEl>
+                                          <p:spTgt spid="20"/>
+                                        </p:tgtEl>
+                                        <p:attrNameLst>
+                                          <p:attrName>ppt_x</p:attrName>
+                                        </p:attrNameLst>
+                                      </p:cBhvr>
+                                      <p:tavLst>
+                                        <p:tav tm="0">
+                                          <p:val>
+                                            <p:strVal val="#ppt_x"/>
+                                          </p:val>
+                                        </p:tav>
+                                        <p:tav tm="100000">
+                                          <p:val>
+                                            <p:strVal val="#ppt_x"/>
+                                          </p:val>
+                                        </p:tav>
+                                      </p:tavLst>
+                                    </p:anim>
+                                    <p:anim calcmode="lin" valueType="num">
+                                      <p:cBhvr additive="base">
+                                        <p:cTn id="24" dur="500" fill="hold"/>
+                                        <p:tgtEl>
+                                          <p:spTgt spid="20"/>
+                                        </p:tgtEl>
+                                        <p:attrNameLst>
+                                          <p:attrName>ppt_y</p:attrName>
+                                        </p:attrNameLst>
+                                      </p:cBhvr>
+                                      <p:tavLst>
+                                        <p:tav tm="0">
+                                          <p:val>
+                                            <p:strVal val="1+#ppt_h/2"/>
+                                          </p:val>
+                                        </p:tav>
+                                        <p:tav tm="100000">
+                                          <p:val>
+                                            <p:strVal val="#ppt_y"/>
+                                          </p:val>
+                                        </p:tav>
+                                      </p:tavLst>
+                                    </p:anim>
+                                  </p:childTnLst>
+                                </p:cTn>
+                              </p:par>
+                            </p:childTnLst>
+                          </p:cTn>
+                        </p:par>
+                      </p:childTnLst>
+                    </p:cTn>
+                  </p:par>
+                </p:childTnLst>
+              </p:cTn>
+              <p:prevCondLst>
+                <p:cond evt="onPrev" delay="0">
+                  <p:tgtEl>
+                    <p:sldTgt/>
+                  </p:tgtEl>
+                </p:cond>
+              </p:prevCondLst>
+              <p:nextCondLst>
+                <p:cond evt="onNext" delay="0">
+                  <p:tgtEl>
+                    <p:sldTgt/>
+                  </p:tgtEl>
+                </p:cond>
+              </p:nextCondLst>
+            </p:seq>
+          </p:childTnLst>
+        </p:cTn>
+      </p:par>
+    </p:tnLst>
+    <p:bldLst>
+      <p:bldP spid="50" grpId="0"/>
+      <p:bldP spid="18" grpId="0"/>
+      <p:bldP spid="19" grpId="0"/>
+      <p:bldP spid="20" grpId="0"/>
+    </p:bldLst>
+  </p:timing>
+</p:sld>
+</file>
+
+<file path=ppt/slides/slide21.xml><?xml version="1.0" encoding="utf-8"?>
+<p:sld xmlns:a="http://schemas.openxmlformats.org/drawingml/2006/main" xmlns:r="http://schemas.openxmlformats.org/officeDocument/2006/relationships" xmlns:p="http://schemas.openxmlformats.org/presentationml/2006/main">
+  <p:cSld>
+    <p:spTree>
+      <p:nvGrpSpPr>
+        <p:cNvPr id="1" name=""/>
+        <p:cNvGrpSpPr/>
+        <p:nvPr/>
+      </p:nvGrpSpPr>
+      <p:grpSpPr>
+        <a:xfrm>
+          <a:off x="0" y="0"/>
+          <a:ext cx="0" cy="0"/>
+          <a:chOff x="0" y="0"/>
+          <a:chExt cx="0" cy="0"/>
+        </a:xfrm>
+      </p:grpSpPr>
+      <p:grpSp>
+        <p:nvGrpSpPr>
+          <p:cNvPr id="2" name="组合 31"/>
+          <p:cNvGrpSpPr/>
+          <p:nvPr/>
+        </p:nvGrpSpPr>
+        <p:grpSpPr>
+          <a:xfrm rot="16200000">
+            <a:off x="9868693" y="294751"/>
+            <a:ext cx="2684464" cy="1962151"/>
+            <a:chOff x="5947983" y="731507"/>
+            <a:chExt cx="2971525" cy="2171971"/>
+          </a:xfrm>
+        </p:grpSpPr>
+        <p:sp>
+          <p:nvSpPr>
+            <p:cNvPr id="29" name="任意多边形 28"/>
+            <p:cNvSpPr/>
+            <p:nvPr/>
+          </p:nvSpPr>
+          <p:spPr>
+            <a:xfrm>
+              <a:off x="5947983" y="834364"/>
+              <a:ext cx="2204704" cy="2069114"/>
+            </a:xfrm>
+            <a:custGeom>
+              <a:avLst/>
+              <a:gdLst>
+                <a:gd name="connsiteX0" fmla="*/ 1849312 w 2204704"/>
+                <a:gd name="connsiteY0" fmla="*/ 1064 h 2069114"/>
+                <a:gd name="connsiteX1" fmla="*/ 2058594 w 2204704"/>
+                <a:gd name="connsiteY1" fmla="*/ 82732 h 2069114"/>
+                <a:gd name="connsiteX2" fmla="*/ 2121972 w 2204704"/>
+                <a:gd name="connsiteY2" fmla="*/ 622474 h 2069114"/>
+                <a:gd name="connsiteX3" fmla="*/ 979367 w 2204704"/>
+                <a:gd name="connsiteY3" fmla="*/ 2069114 h 2069114"/>
+                <a:gd name="connsiteX4" fmla="*/ 0 w 2204704"/>
+                <a:gd name="connsiteY4" fmla="*/ 2069114 h 2069114"/>
+                <a:gd name="connsiteX5" fmla="*/ 1518853 w 2204704"/>
+                <a:gd name="connsiteY5" fmla="*/ 146110 h 2069114"/>
+                <a:gd name="connsiteX6" fmla="*/ 1849312 w 2204704"/>
+                <a:gd name="connsiteY6" fmla="*/ 1064 h 2069114"/>
+              </a:gdLst>
+              <a:ahLst/>
+              <a:cxnLst>
+                <a:cxn ang="0">
+                  <a:pos x="connsiteX0" y="connsiteY0"/>
+                </a:cxn>
+                <a:cxn ang="0">
+                  <a:pos x="connsiteX1" y="connsiteY1"/>
+                </a:cxn>
+                <a:cxn ang="0">
+                  <a:pos x="connsiteX2" y="connsiteY2"/>
+                </a:cxn>
+                <a:cxn ang="0">
+                  <a:pos x="connsiteX3" y="connsiteY3"/>
+                </a:cxn>
+                <a:cxn ang="0">
+                  <a:pos x="connsiteX4" y="connsiteY4"/>
+                </a:cxn>
+                <a:cxn ang="0">
+                  <a:pos x="connsiteX5" y="connsiteY5"/>
+                </a:cxn>
+                <a:cxn ang="0">
+                  <a:pos x="connsiteX6" y="connsiteY6"/>
+                </a:cxn>
+              </a:cxnLst>
+              <a:rect l="l" t="t" r="r" b="b"/>
+              <a:pathLst>
+                <a:path w="2204704" h="2069114">
+                  <a:moveTo>
+                    <a:pt x="1849312" y="1064"/>
+                  </a:moveTo>
+                  <a:cubicBezTo>
+                    <a:pt x="1923123" y="6563"/>
+                    <a:pt x="1996139" y="33403"/>
+                    <a:pt x="2058594" y="82732"/>
+                  </a:cubicBezTo>
+                  <a:cubicBezTo>
+                    <a:pt x="2225141" y="214276"/>
+                    <a:pt x="2253516" y="455927"/>
+                    <a:pt x="2121972" y="622474"/>
+                  </a:cubicBezTo>
+                  <a:lnTo>
+                    <a:pt x="979367" y="2069114"/>
+                  </a:lnTo>
+                  <a:lnTo>
+                    <a:pt x="0" y="2069114"/>
+                  </a:lnTo>
+                  <a:lnTo>
+                    <a:pt x="1518853" y="146110"/>
+                  </a:lnTo>
+                  <a:cubicBezTo>
+                    <a:pt x="1601068" y="42018"/>
+                    <a:pt x="1726294" y="-8100"/>
+                    <a:pt x="1849312" y="1064"/>
+                  </a:cubicBezTo>
+                  <a:close/>
+                </a:path>
+              </a:pathLst>
+            </a:custGeom>
+            <a:solidFill>
+              <a:srgbClr val="40E3F6"/>
+            </a:solidFill>
+            <a:ln>
+              <a:noFill/>
+            </a:ln>
+          </p:spPr>
+          <p:style>
+            <a:lnRef idx="2">
+              <a:schemeClr val="accent1">
+                <a:shade val="50000"/>
+              </a:schemeClr>
+            </a:lnRef>
+            <a:fillRef idx="1">
+              <a:schemeClr val="accent1"/>
+            </a:fillRef>
+            <a:effectRef idx="0">
+              <a:schemeClr val="accent1"/>
+            </a:effectRef>
+            <a:fontRef idx="minor">
+              <a:schemeClr val="lt1"/>
+            </a:fontRef>
+          </p:style>
+          <p:txBody>
+            <a:bodyPr rtlCol="0" anchor="ctr"/>
+            <a:lstStyle/>
+            <a:p>
+              <a:pPr algn="ctr"/>
+              <a:endParaRPr lang="zh-CN" altLang="en-US"/>
+            </a:p>
+          </p:txBody>
+        </p:sp>
+        <p:sp>
+          <p:nvSpPr>
+            <p:cNvPr id="30" name="任意多边形 29"/>
+            <p:cNvSpPr/>
+            <p:nvPr/>
+          </p:nvSpPr>
+          <p:spPr>
+            <a:xfrm>
+              <a:off x="6605207" y="731507"/>
+              <a:ext cx="2314301" cy="2171971"/>
+            </a:xfrm>
+            <a:custGeom>
+              <a:avLst/>
+              <a:gdLst>
+                <a:gd name="connsiteX0" fmla="*/ 1849312 w 2204704"/>
+                <a:gd name="connsiteY0" fmla="*/ 1064 h 2069114"/>
+                <a:gd name="connsiteX1" fmla="*/ 2058594 w 2204704"/>
+                <a:gd name="connsiteY1" fmla="*/ 82732 h 2069114"/>
+                <a:gd name="connsiteX2" fmla="*/ 2121972 w 2204704"/>
+                <a:gd name="connsiteY2" fmla="*/ 622474 h 2069114"/>
+                <a:gd name="connsiteX3" fmla="*/ 979367 w 2204704"/>
+                <a:gd name="connsiteY3" fmla="*/ 2069114 h 2069114"/>
+                <a:gd name="connsiteX4" fmla="*/ 0 w 2204704"/>
+                <a:gd name="connsiteY4" fmla="*/ 2069114 h 2069114"/>
+                <a:gd name="connsiteX5" fmla="*/ 1518853 w 2204704"/>
+                <a:gd name="connsiteY5" fmla="*/ 146110 h 2069114"/>
+                <a:gd name="connsiteX6" fmla="*/ 1849312 w 2204704"/>
+                <a:gd name="connsiteY6" fmla="*/ 1064 h 2069114"/>
+              </a:gdLst>
+              <a:ahLst/>
+              <a:cxnLst>
+                <a:cxn ang="0">
+                  <a:pos x="connsiteX0" y="connsiteY0"/>
+                </a:cxn>
+                <a:cxn ang="0">
+                  <a:pos x="connsiteX1" y="connsiteY1"/>
+                </a:cxn>
+                <a:cxn ang="0">
+                  <a:pos x="connsiteX2" y="connsiteY2"/>
+                </a:cxn>
+                <a:cxn ang="0">
+                  <a:pos x="connsiteX3" y="connsiteY3"/>
+                </a:cxn>
+                <a:cxn ang="0">
+                  <a:pos x="connsiteX4" y="connsiteY4"/>
+                </a:cxn>
+                <a:cxn ang="0">
+                  <a:pos x="connsiteX5" y="connsiteY5"/>
+                </a:cxn>
+                <a:cxn ang="0">
+                  <a:pos x="connsiteX6" y="connsiteY6"/>
+                </a:cxn>
+              </a:cxnLst>
+              <a:rect l="l" t="t" r="r" b="b"/>
+              <a:pathLst>
+                <a:path w="2204704" h="2069114">
+                  <a:moveTo>
+                    <a:pt x="1849312" y="1064"/>
+                  </a:moveTo>
+                  <a:cubicBezTo>
+                    <a:pt x="1923123" y="6563"/>
+                    <a:pt x="1996139" y="33403"/>
+                    <a:pt x="2058594" y="82732"/>
+                  </a:cubicBezTo>
+                  <a:cubicBezTo>
+                    <a:pt x="2225141" y="214276"/>
+                    <a:pt x="2253516" y="455927"/>
+                    <a:pt x="2121972" y="622474"/>
+                  </a:cubicBezTo>
+                  <a:lnTo>
+                    <a:pt x="979367" y="2069114"/>
+                  </a:lnTo>
+                  <a:lnTo>
+                    <a:pt x="0" y="2069114"/>
+                  </a:lnTo>
+                  <a:lnTo>
+                    <a:pt x="1518853" y="146110"/>
+                  </a:lnTo>
+                  <a:cubicBezTo>
+                    <a:pt x="1601068" y="42018"/>
+                    <a:pt x="1726294" y="-8100"/>
+                    <a:pt x="1849312" y="1064"/>
+                  </a:cubicBezTo>
+                  <a:close/>
+                </a:path>
+              </a:pathLst>
+            </a:custGeom>
+            <a:solidFill>
+              <a:schemeClr val="bg1">
+                <a:alpha val="24000"/>
+              </a:schemeClr>
+            </a:solidFill>
+            <a:ln>
+              <a:noFill/>
+            </a:ln>
+          </p:spPr>
+          <p:style>
+            <a:lnRef idx="2">
+              <a:schemeClr val="accent1">
+                <a:shade val="50000"/>
+              </a:schemeClr>
+            </a:lnRef>
+            <a:fillRef idx="1">
+              <a:schemeClr val="accent1"/>
+            </a:fillRef>
+            <a:effectRef idx="0">
+              <a:schemeClr val="accent1"/>
+            </a:effectRef>
+            <a:fontRef idx="minor">
+              <a:schemeClr val="lt1"/>
+            </a:fontRef>
+          </p:style>
+          <p:txBody>
+            <a:bodyPr rtlCol="0" anchor="ctr"/>
+            <a:lstStyle/>
+            <a:p>
+              <a:pPr algn="ctr"/>
+              <a:endParaRPr lang="zh-CN" altLang="en-US"/>
+            </a:p>
+          </p:txBody>
+        </p:sp>
+        <p:sp>
+          <p:nvSpPr>
+            <p:cNvPr id="31" name="任意多边形 30"/>
+            <p:cNvSpPr/>
+            <p:nvPr/>
+          </p:nvSpPr>
+          <p:spPr>
+            <a:xfrm>
+              <a:off x="7367208" y="1626856"/>
+              <a:ext cx="1360279" cy="1276621"/>
+            </a:xfrm>
+            <a:custGeom>
+              <a:avLst/>
+              <a:gdLst>
+                <a:gd name="connsiteX0" fmla="*/ 1849312 w 2204704"/>
+                <a:gd name="connsiteY0" fmla="*/ 1064 h 2069114"/>
+                <a:gd name="connsiteX1" fmla="*/ 2058594 w 2204704"/>
+                <a:gd name="connsiteY1" fmla="*/ 82732 h 2069114"/>
+                <a:gd name="connsiteX2" fmla="*/ 2121972 w 2204704"/>
+                <a:gd name="connsiteY2" fmla="*/ 622474 h 2069114"/>
+                <a:gd name="connsiteX3" fmla="*/ 979367 w 2204704"/>
+                <a:gd name="connsiteY3" fmla="*/ 2069114 h 2069114"/>
+                <a:gd name="connsiteX4" fmla="*/ 0 w 2204704"/>
+                <a:gd name="connsiteY4" fmla="*/ 2069114 h 2069114"/>
+                <a:gd name="connsiteX5" fmla="*/ 1518853 w 2204704"/>
+                <a:gd name="connsiteY5" fmla="*/ 146110 h 2069114"/>
+                <a:gd name="connsiteX6" fmla="*/ 1849312 w 2204704"/>
+                <a:gd name="connsiteY6" fmla="*/ 1064 h 2069114"/>
+              </a:gdLst>
+              <a:ahLst/>
+              <a:cxnLst>
+                <a:cxn ang="0">
+                  <a:pos x="connsiteX0" y="connsiteY0"/>
+                </a:cxn>
+                <a:cxn ang="0">
+                  <a:pos x="connsiteX1" y="connsiteY1"/>
+                </a:cxn>
+                <a:cxn ang="0">
+                  <a:pos x="connsiteX2" y="connsiteY2"/>
+                </a:cxn>
+                <a:cxn ang="0">
+                  <a:pos x="connsiteX3" y="connsiteY3"/>
+                </a:cxn>
+                <a:cxn ang="0">
+                  <a:pos x="connsiteX4" y="connsiteY4"/>
+                </a:cxn>
+                <a:cxn ang="0">
+                  <a:pos x="connsiteX5" y="connsiteY5"/>
+                </a:cxn>
+                <a:cxn ang="0">
+                  <a:pos x="connsiteX6" y="connsiteY6"/>
+                </a:cxn>
+              </a:cxnLst>
+              <a:rect l="l" t="t" r="r" b="b"/>
+              <a:pathLst>
+                <a:path w="2204704" h="2069114">
+                  <a:moveTo>
+                    <a:pt x="1849312" y="1064"/>
+                  </a:moveTo>
+                  <a:cubicBezTo>
+                    <a:pt x="1923123" y="6563"/>
+                    <a:pt x="1996139" y="33403"/>
+                    <a:pt x="2058594" y="82732"/>
+                  </a:cubicBezTo>
+                  <a:cubicBezTo>
+                    <a:pt x="2225141" y="214276"/>
+                    <a:pt x="2253516" y="455927"/>
+                    <a:pt x="2121972" y="622474"/>
+                  </a:cubicBezTo>
+                  <a:lnTo>
+                    <a:pt x="979367" y="2069114"/>
+                  </a:lnTo>
+                  <a:lnTo>
+                    <a:pt x="0" y="2069114"/>
+                  </a:lnTo>
+                  <a:lnTo>
+                    <a:pt x="1518853" y="146110"/>
+                  </a:lnTo>
+                  <a:cubicBezTo>
+                    <a:pt x="1601068" y="42018"/>
+                    <a:pt x="1726294" y="-8100"/>
+                    <a:pt x="1849312" y="1064"/>
+                  </a:cubicBezTo>
+                  <a:close/>
+                </a:path>
+              </a:pathLst>
+            </a:custGeom>
+            <a:solidFill>
+              <a:srgbClr val="7030A0">
+                <a:alpha val="46000"/>
+              </a:srgbClr>
+            </a:solidFill>
+            <a:ln>
+              <a:noFill/>
+            </a:ln>
+          </p:spPr>
+          <p:style>
+            <a:lnRef idx="2">
+              <a:schemeClr val="accent1">
+                <a:shade val="50000"/>
+              </a:schemeClr>
+            </a:lnRef>
+            <a:fillRef idx="1">
+              <a:schemeClr val="accent1"/>
+            </a:fillRef>
+            <a:effectRef idx="0">
+              <a:schemeClr val="accent1"/>
+            </a:effectRef>
+            <a:fontRef idx="minor">
+              <a:schemeClr val="lt1"/>
+            </a:fontRef>
+          </p:style>
+          <p:txBody>
+            <a:bodyPr rtlCol="0" anchor="ctr"/>
+            <a:lstStyle/>
+            <a:p>
+              <a:pPr algn="ctr"/>
+              <a:endParaRPr lang="zh-CN" altLang="en-US"/>
+            </a:p>
+          </p:txBody>
+        </p:sp>
+      </p:grpSp>
+      <p:grpSp>
+        <p:nvGrpSpPr>
+          <p:cNvPr id="3" name="组合 32"/>
+          <p:cNvGrpSpPr/>
+          <p:nvPr/>
+        </p:nvGrpSpPr>
+        <p:grpSpPr>
+          <a:xfrm rot="5400000">
+            <a:off x="-399777" y="4457698"/>
+            <a:ext cx="2971525" cy="2171971"/>
+            <a:chOff x="3891293" y="1133475"/>
+            <a:chExt cx="2971525" cy="2171971"/>
+          </a:xfrm>
+        </p:grpSpPr>
+        <p:sp>
+          <p:nvSpPr>
+            <p:cNvPr id="25" name="任意多边形 24"/>
+            <p:cNvSpPr/>
+            <p:nvPr/>
+          </p:nvSpPr>
+          <p:spPr>
+            <a:xfrm>
+              <a:off x="3891293" y="1236332"/>
+              <a:ext cx="2204704" cy="2069114"/>
+            </a:xfrm>
+            <a:custGeom>
+              <a:avLst/>
+              <a:gdLst>
+                <a:gd name="connsiteX0" fmla="*/ 1849312 w 2204704"/>
+                <a:gd name="connsiteY0" fmla="*/ 1064 h 2069114"/>
+                <a:gd name="connsiteX1" fmla="*/ 2058594 w 2204704"/>
+                <a:gd name="connsiteY1" fmla="*/ 82732 h 2069114"/>
+                <a:gd name="connsiteX2" fmla="*/ 2121972 w 2204704"/>
+                <a:gd name="connsiteY2" fmla="*/ 622474 h 2069114"/>
+                <a:gd name="connsiteX3" fmla="*/ 979367 w 2204704"/>
+                <a:gd name="connsiteY3" fmla="*/ 2069114 h 2069114"/>
+                <a:gd name="connsiteX4" fmla="*/ 0 w 2204704"/>
+                <a:gd name="connsiteY4" fmla="*/ 2069114 h 2069114"/>
+                <a:gd name="connsiteX5" fmla="*/ 1518853 w 2204704"/>
+                <a:gd name="connsiteY5" fmla="*/ 146110 h 2069114"/>
+                <a:gd name="connsiteX6" fmla="*/ 1849312 w 2204704"/>
+                <a:gd name="connsiteY6" fmla="*/ 1064 h 2069114"/>
+              </a:gdLst>
+              <a:ahLst/>
+              <a:cxnLst>
+                <a:cxn ang="0">
+                  <a:pos x="connsiteX0" y="connsiteY0"/>
+                </a:cxn>
+                <a:cxn ang="0">
+                  <a:pos x="connsiteX1" y="connsiteY1"/>
+                </a:cxn>
+                <a:cxn ang="0">
+                  <a:pos x="connsiteX2" y="connsiteY2"/>
+                </a:cxn>
+                <a:cxn ang="0">
+                  <a:pos x="connsiteX3" y="connsiteY3"/>
+                </a:cxn>
+                <a:cxn ang="0">
+                  <a:pos x="connsiteX4" y="connsiteY4"/>
+                </a:cxn>
+                <a:cxn ang="0">
+                  <a:pos x="connsiteX5" y="connsiteY5"/>
+                </a:cxn>
+                <a:cxn ang="0">
+                  <a:pos x="connsiteX6" y="connsiteY6"/>
+                </a:cxn>
+              </a:cxnLst>
+              <a:rect l="l" t="t" r="r" b="b"/>
+              <a:pathLst>
+                <a:path w="2204704" h="2069114">
+                  <a:moveTo>
+                    <a:pt x="1849312" y="1064"/>
+                  </a:moveTo>
+                  <a:cubicBezTo>
+                    <a:pt x="1923123" y="6563"/>
+                    <a:pt x="1996139" y="33403"/>
+                    <a:pt x="2058594" y="82732"/>
+                  </a:cubicBezTo>
+                  <a:cubicBezTo>
+                    <a:pt x="2225141" y="214276"/>
+                    <a:pt x="2253516" y="455927"/>
+                    <a:pt x="2121972" y="622474"/>
+                  </a:cubicBezTo>
+                  <a:lnTo>
+                    <a:pt x="979367" y="2069114"/>
+                  </a:lnTo>
+                  <a:lnTo>
+                    <a:pt x="0" y="2069114"/>
+                  </a:lnTo>
+                  <a:lnTo>
+                    <a:pt x="1518853" y="146110"/>
+                  </a:lnTo>
+                  <a:cubicBezTo>
+                    <a:pt x="1601068" y="42018"/>
+                    <a:pt x="1726294" y="-8100"/>
+                    <a:pt x="1849312" y="1064"/>
+                  </a:cubicBezTo>
+                  <a:close/>
+                </a:path>
+              </a:pathLst>
+            </a:custGeom>
+            <a:solidFill>
+              <a:srgbClr val="40E3F6"/>
+            </a:solidFill>
+            <a:ln>
+              <a:noFill/>
+            </a:ln>
+          </p:spPr>
+          <p:style>
+            <a:lnRef idx="2">
+              <a:schemeClr val="accent1">
+                <a:shade val="50000"/>
+              </a:schemeClr>
+            </a:lnRef>
+            <a:fillRef idx="1">
+              <a:schemeClr val="accent1"/>
+            </a:fillRef>
+            <a:effectRef idx="0">
+              <a:schemeClr val="accent1"/>
+            </a:effectRef>
+            <a:fontRef idx="minor">
+              <a:schemeClr val="lt1"/>
+            </a:fontRef>
+          </p:style>
+          <p:txBody>
+            <a:bodyPr rtlCol="0" anchor="ctr"/>
+            <a:lstStyle/>
+            <a:p>
+              <a:pPr algn="ctr"/>
+              <a:endParaRPr lang="zh-CN" altLang="en-US"/>
+            </a:p>
+          </p:txBody>
+        </p:sp>
+        <p:sp>
+          <p:nvSpPr>
+            <p:cNvPr id="27" name="任意多边形 26"/>
+            <p:cNvSpPr/>
+            <p:nvPr/>
+          </p:nvSpPr>
+          <p:spPr>
+            <a:xfrm>
+              <a:off x="4548517" y="1133475"/>
+              <a:ext cx="2314301" cy="2171971"/>
+            </a:xfrm>
+            <a:custGeom>
+              <a:avLst/>
+              <a:gdLst>
+                <a:gd name="connsiteX0" fmla="*/ 1849312 w 2204704"/>
+                <a:gd name="connsiteY0" fmla="*/ 1064 h 2069114"/>
+                <a:gd name="connsiteX1" fmla="*/ 2058594 w 2204704"/>
+                <a:gd name="connsiteY1" fmla="*/ 82732 h 2069114"/>
+                <a:gd name="connsiteX2" fmla="*/ 2121972 w 2204704"/>
+                <a:gd name="connsiteY2" fmla="*/ 622474 h 2069114"/>
+                <a:gd name="connsiteX3" fmla="*/ 979367 w 2204704"/>
+                <a:gd name="connsiteY3" fmla="*/ 2069114 h 2069114"/>
+                <a:gd name="connsiteX4" fmla="*/ 0 w 2204704"/>
+                <a:gd name="connsiteY4" fmla="*/ 2069114 h 2069114"/>
+                <a:gd name="connsiteX5" fmla="*/ 1518853 w 2204704"/>
+                <a:gd name="connsiteY5" fmla="*/ 146110 h 2069114"/>
+                <a:gd name="connsiteX6" fmla="*/ 1849312 w 2204704"/>
+                <a:gd name="connsiteY6" fmla="*/ 1064 h 2069114"/>
+              </a:gdLst>
+              <a:ahLst/>
+              <a:cxnLst>
+                <a:cxn ang="0">
+                  <a:pos x="connsiteX0" y="connsiteY0"/>
+                </a:cxn>
+                <a:cxn ang="0">
+                  <a:pos x="connsiteX1" y="connsiteY1"/>
+                </a:cxn>
+                <a:cxn ang="0">
+                  <a:pos x="connsiteX2" y="connsiteY2"/>
+                </a:cxn>
+                <a:cxn ang="0">
+                  <a:pos x="connsiteX3" y="connsiteY3"/>
+                </a:cxn>
+                <a:cxn ang="0">
+                  <a:pos x="connsiteX4" y="connsiteY4"/>
+                </a:cxn>
+                <a:cxn ang="0">
+                  <a:pos x="connsiteX5" y="connsiteY5"/>
+                </a:cxn>
+                <a:cxn ang="0">
+                  <a:pos x="connsiteX6" y="connsiteY6"/>
+                </a:cxn>
+              </a:cxnLst>
+              <a:rect l="l" t="t" r="r" b="b"/>
+              <a:pathLst>
+                <a:path w="2204704" h="2069114">
+                  <a:moveTo>
+                    <a:pt x="1849312" y="1064"/>
+                  </a:moveTo>
+                  <a:cubicBezTo>
+                    <a:pt x="1923123" y="6563"/>
+                    <a:pt x="1996139" y="33403"/>
+                    <a:pt x="2058594" y="82732"/>
+                  </a:cubicBezTo>
+                  <a:cubicBezTo>
+                    <a:pt x="2225141" y="214276"/>
+                    <a:pt x="2253516" y="455927"/>
+                    <a:pt x="2121972" y="622474"/>
+                  </a:cubicBezTo>
+                  <a:lnTo>
+                    <a:pt x="979367" y="2069114"/>
+                  </a:lnTo>
+                  <a:lnTo>
+                    <a:pt x="0" y="2069114"/>
+                  </a:lnTo>
+                  <a:lnTo>
+                    <a:pt x="1518853" y="146110"/>
+                  </a:lnTo>
+                  <a:cubicBezTo>
+                    <a:pt x="1601068" y="42018"/>
+                    <a:pt x="1726294" y="-8100"/>
+                    <a:pt x="1849312" y="1064"/>
+                  </a:cubicBezTo>
+                  <a:close/>
+                </a:path>
+              </a:pathLst>
+            </a:custGeom>
+            <a:solidFill>
+              <a:schemeClr val="bg1">
+                <a:alpha val="24000"/>
+              </a:schemeClr>
+            </a:solidFill>
+            <a:ln>
+              <a:noFill/>
+            </a:ln>
+          </p:spPr>
+          <p:style>
+            <a:lnRef idx="2">
+              <a:schemeClr val="accent1">
+                <a:shade val="50000"/>
+              </a:schemeClr>
+            </a:lnRef>
+            <a:fillRef idx="1">
+              <a:schemeClr val="accent1"/>
+            </a:fillRef>
+            <a:effectRef idx="0">
+              <a:schemeClr val="accent1"/>
+            </a:effectRef>
+            <a:fontRef idx="minor">
+              <a:schemeClr val="lt1"/>
+            </a:fontRef>
+          </p:style>
+          <p:txBody>
+            <a:bodyPr rtlCol="0" anchor="ctr"/>
+            <a:lstStyle/>
+            <a:p>
+              <a:pPr algn="ctr"/>
+              <a:endParaRPr lang="zh-CN" altLang="en-US"/>
+            </a:p>
+          </p:txBody>
+        </p:sp>
+        <p:sp>
+          <p:nvSpPr>
+            <p:cNvPr id="28" name="任意多边形 27"/>
+            <p:cNvSpPr/>
+            <p:nvPr/>
+          </p:nvSpPr>
+          <p:spPr>
+            <a:xfrm>
+              <a:off x="5310518" y="2028824"/>
+              <a:ext cx="1360279" cy="1276621"/>
+            </a:xfrm>
+            <a:custGeom>
+              <a:avLst/>
+              <a:gdLst>
+                <a:gd name="connsiteX0" fmla="*/ 1849312 w 2204704"/>
+                <a:gd name="connsiteY0" fmla="*/ 1064 h 2069114"/>
+                <a:gd name="connsiteX1" fmla="*/ 2058594 w 2204704"/>
+                <a:gd name="connsiteY1" fmla="*/ 82732 h 2069114"/>
+                <a:gd name="connsiteX2" fmla="*/ 2121972 w 2204704"/>
+                <a:gd name="connsiteY2" fmla="*/ 622474 h 2069114"/>
+                <a:gd name="connsiteX3" fmla="*/ 979367 w 2204704"/>
+                <a:gd name="connsiteY3" fmla="*/ 2069114 h 2069114"/>
+                <a:gd name="connsiteX4" fmla="*/ 0 w 2204704"/>
+                <a:gd name="connsiteY4" fmla="*/ 2069114 h 2069114"/>
+                <a:gd name="connsiteX5" fmla="*/ 1518853 w 2204704"/>
+                <a:gd name="connsiteY5" fmla="*/ 146110 h 2069114"/>
+                <a:gd name="connsiteX6" fmla="*/ 1849312 w 2204704"/>
+                <a:gd name="connsiteY6" fmla="*/ 1064 h 2069114"/>
+              </a:gdLst>
+              <a:ahLst/>
+              <a:cxnLst>
+                <a:cxn ang="0">
+                  <a:pos x="connsiteX0" y="connsiteY0"/>
+                </a:cxn>
+                <a:cxn ang="0">
+                  <a:pos x="connsiteX1" y="connsiteY1"/>
+                </a:cxn>
+                <a:cxn ang="0">
+                  <a:pos x="connsiteX2" y="connsiteY2"/>
+                </a:cxn>
+                <a:cxn ang="0">
+                  <a:pos x="connsiteX3" y="connsiteY3"/>
+                </a:cxn>
+                <a:cxn ang="0">
+                  <a:pos x="connsiteX4" y="connsiteY4"/>
+                </a:cxn>
+                <a:cxn ang="0">
+                  <a:pos x="connsiteX5" y="connsiteY5"/>
+                </a:cxn>
+                <a:cxn ang="0">
+                  <a:pos x="connsiteX6" y="connsiteY6"/>
+                </a:cxn>
+              </a:cxnLst>
+              <a:rect l="l" t="t" r="r" b="b"/>
+              <a:pathLst>
+                <a:path w="2204704" h="2069114">
+                  <a:moveTo>
+                    <a:pt x="1849312" y="1064"/>
+                  </a:moveTo>
+                  <a:cubicBezTo>
+                    <a:pt x="1923123" y="6563"/>
+                    <a:pt x="1996139" y="33403"/>
+                    <a:pt x="2058594" y="82732"/>
+                  </a:cubicBezTo>
+                  <a:cubicBezTo>
+                    <a:pt x="2225141" y="214276"/>
+                    <a:pt x="2253516" y="455927"/>
+                    <a:pt x="2121972" y="622474"/>
+                  </a:cubicBezTo>
+                  <a:lnTo>
+                    <a:pt x="979367" y="2069114"/>
+                  </a:lnTo>
+                  <a:lnTo>
+                    <a:pt x="0" y="2069114"/>
+                  </a:lnTo>
+                  <a:lnTo>
+                    <a:pt x="1518853" y="146110"/>
+                  </a:lnTo>
+                  <a:cubicBezTo>
+                    <a:pt x="1601068" y="42018"/>
+                    <a:pt x="1726294" y="-8100"/>
+                    <a:pt x="1849312" y="1064"/>
+                  </a:cubicBezTo>
+                  <a:close/>
+                </a:path>
+              </a:pathLst>
+            </a:custGeom>
+            <a:solidFill>
+              <a:srgbClr val="7030A0">
+                <a:alpha val="46000"/>
+              </a:srgbClr>
+            </a:solidFill>
+            <a:ln>
+              <a:noFill/>
+            </a:ln>
+          </p:spPr>
+          <p:style>
+            <a:lnRef idx="2">
+              <a:schemeClr val="accent1">
+                <a:shade val="50000"/>
+              </a:schemeClr>
+            </a:lnRef>
+            <a:fillRef idx="1">
+              <a:schemeClr val="accent1"/>
+            </a:fillRef>
+            <a:effectRef idx="0">
+              <a:schemeClr val="accent1"/>
+            </a:effectRef>
+            <a:fontRef idx="minor">
+              <a:schemeClr val="lt1"/>
+            </a:fontRef>
+          </p:style>
+          <p:txBody>
+            <a:bodyPr rtlCol="0" anchor="ctr"/>
+            <a:lstStyle/>
+            <a:p>
+              <a:pPr algn="ctr"/>
+              <a:endParaRPr lang="zh-CN" altLang="en-US"/>
+            </a:p>
+          </p:txBody>
+        </p:sp>
+      </p:grpSp>
+      <p:sp>
+        <p:nvSpPr>
+          <p:cNvPr id="35" name="矩形 34"/>
+          <p:cNvSpPr/>
+          <p:nvPr/>
+        </p:nvSpPr>
+        <p:spPr>
+          <a:xfrm>
+            <a:off x="101908" y="130750"/>
+            <a:ext cx="1192795" cy="1126550"/>
+          </a:xfrm>
+          <a:prstGeom prst="rect">
+            <a:avLst/>
+          </a:prstGeom>
+          <a:solidFill>
+            <a:srgbClr val="40E3F6"/>
+          </a:solidFill>
+          <a:ln w="12700">
+            <a:noFill/>
+          </a:ln>
+        </p:spPr>
+        <p:style>
+          <a:lnRef idx="2">
+            <a:schemeClr val="accent1">
+              <a:shade val="50000"/>
+            </a:schemeClr>
+          </a:lnRef>
+          <a:fillRef idx="1">
+            <a:schemeClr val="accent1"/>
+          </a:fillRef>
+          <a:effectRef idx="0">
+            <a:schemeClr val="accent1"/>
+          </a:effectRef>
+          <a:fontRef idx="minor">
+            <a:schemeClr val="lt1"/>
+          </a:fontRef>
+        </p:style>
+        <p:txBody>
+          <a:bodyPr rtlCol="0" anchor="ctr"/>
+          <a:lstStyle/>
+          <a:p>
+            <a:pPr algn="ctr"/>
+            <a:r>
+              <a:rPr lang="en-US" altLang="zh-CN" sz="3200" dirty="0" smtClean="0">
+                <a:solidFill>
+                  <a:schemeClr val="bg1"/>
+                </a:solidFill>
+              </a:rPr>
+              <a:t>LOGO</a:t>
+            </a:r>
+            <a:endParaRPr lang="zh-CN" altLang="en-US" sz="3200" dirty="0">
+              <a:solidFill>
+                <a:schemeClr val="bg1"/>
+              </a:solidFill>
+            </a:endParaRPr>
+          </a:p>
+        </p:txBody>
+      </p:sp>
+      <p:sp>
+        <p:nvSpPr>
+          <p:cNvPr id="34" name="矩形 33"/>
+          <p:cNvSpPr/>
+          <p:nvPr/>
+        </p:nvSpPr>
+        <p:spPr>
+          <a:xfrm>
+            <a:off x="101908" y="130750"/>
+            <a:ext cx="1180627" cy="1126550"/>
+          </a:xfrm>
+          <a:prstGeom prst="rect">
+            <a:avLst/>
+          </a:prstGeom>
+          <a:solidFill>
+            <a:srgbClr val="40E3F6"/>
+          </a:solidFill>
+          <a:ln w="12700">
+            <a:noFill/>
+          </a:ln>
+        </p:spPr>
+        <p:style>
+          <a:lnRef idx="2">
+            <a:schemeClr val="accent1">
+              <a:shade val="50000"/>
+            </a:schemeClr>
+          </a:lnRef>
+          <a:fillRef idx="1">
+            <a:schemeClr val="accent1"/>
+          </a:fillRef>
+          <a:effectRef idx="0">
+            <a:schemeClr val="accent1"/>
+          </a:effectRef>
+          <a:fontRef idx="minor">
+            <a:schemeClr val="lt1"/>
+          </a:fontRef>
+        </p:style>
+        <p:txBody>
+          <a:bodyPr rtlCol="0" anchor="ctr"/>
+          <a:lstStyle/>
+          <a:p>
+            <a:pPr algn="ctr"/>
+            <a:endParaRPr lang="zh-CN" altLang="en-US" sz="3200" dirty="0">
+              <a:solidFill>
+                <a:schemeClr val="bg1"/>
+              </a:solidFill>
+            </a:endParaRPr>
+          </a:p>
+        </p:txBody>
+      </p:sp>
+      <p:pic>
+        <p:nvPicPr>
+          <p:cNvPr id="36" name="图片 35" descr="angular.jpg"/>
+          <p:cNvPicPr>
+            <a:picLocks noChangeAspect="1"/>
+          </p:cNvPicPr>
+          <p:nvPr/>
+        </p:nvPicPr>
+        <p:blipFill>
           <a:blip r:embed="rId3" cstate="print"/>
           <a:stretch>
             <a:fillRect/>
@@ -27255,7 +29225,7 @@
     </p:spTree>
     <p:extLst>
       <p:ext uri="{BB962C8B-B14F-4D97-AF65-F5344CB8AC3E}">
-        <p14:creationId xmlns:p14="http://schemas.microsoft.com/office/powerpoint/2010/main" xmlns="" val="3386272830"/>
+        <p14:creationId xmlns="" xmlns:p14="http://schemas.microsoft.com/office/powerpoint/2010/main" val="3386272830"/>
       </p:ext>
     </p:extLst>
   </p:cSld>
@@ -27868,7 +29838,7 @@
 </p:sld>
 </file>
 
-<file path=ppt/slides/slide21.xml><?xml version="1.0" encoding="utf-8"?>
+<file path=ppt/slides/slide22.xml><?xml version="1.0" encoding="utf-8"?>
 <p:sld xmlns:a="http://schemas.openxmlformats.org/drawingml/2006/main" xmlns:r="http://schemas.openxmlformats.org/officeDocument/2006/relationships" xmlns:p="http://schemas.openxmlformats.org/presentationml/2006/main">
   <p:cSld>
     <p:spTree>
@@ -29159,7 +31129,7 @@
     </p:spTree>
     <p:extLst>
       <p:ext uri="{BB962C8B-B14F-4D97-AF65-F5344CB8AC3E}">
-        <p14:creationId xmlns:p14="http://schemas.microsoft.com/office/powerpoint/2010/main" xmlns="" val="3386272830"/>
+        <p14:creationId xmlns="" xmlns:p14="http://schemas.microsoft.com/office/powerpoint/2010/main" val="3386272830"/>
       </p:ext>
     </p:extLst>
   </p:cSld>
@@ -29442,7 +31412,7 @@
 </p:sld>
 </file>
 
-<file path=ppt/slides/slide22.xml><?xml version="1.0" encoding="utf-8"?>
+<file path=ppt/slides/slide23.xml><?xml version="1.0" encoding="utf-8"?>
 <p:sld xmlns:a="http://schemas.openxmlformats.org/drawingml/2006/main" xmlns:r="http://schemas.openxmlformats.org/officeDocument/2006/relationships" xmlns:p="http://schemas.openxmlformats.org/presentationml/2006/main">
   <p:cSld>
     <p:spTree>
@@ -30618,7 +32588,7 @@
     </p:spTree>
     <p:extLst>
       <p:ext uri="{BB962C8B-B14F-4D97-AF65-F5344CB8AC3E}">
-        <p14:creationId xmlns:p14="http://schemas.microsoft.com/office/powerpoint/2010/main" xmlns="" val="3386272830"/>
+        <p14:creationId xmlns="" xmlns:p14="http://schemas.microsoft.com/office/powerpoint/2010/main" val="3386272830"/>
       </p:ext>
     </p:extLst>
   </p:cSld>
@@ -30855,7 +32825,7 @@
 </p:sld>
 </file>
 
-<file path=ppt/slides/slide23.xml><?xml version="1.0" encoding="utf-8"?>
+<file path=ppt/slides/slide24.xml><?xml version="1.0" encoding="utf-8"?>
 <p:sld xmlns:a="http://schemas.openxmlformats.org/drawingml/2006/main" xmlns:r="http://schemas.openxmlformats.org/officeDocument/2006/relationships" xmlns:p="http://schemas.openxmlformats.org/presentationml/2006/main">
   <p:cSld>
     <p:spTree>
@@ -32001,7 +33971,7 @@
     </p:spTree>
     <p:extLst>
       <p:ext uri="{BB962C8B-B14F-4D97-AF65-F5344CB8AC3E}">
-        <p14:creationId xmlns:p14="http://schemas.microsoft.com/office/powerpoint/2010/main" xmlns="" val="3386272830"/>
+        <p14:creationId xmlns="" xmlns:p14="http://schemas.microsoft.com/office/powerpoint/2010/main" val="3386272830"/>
       </p:ext>
     </p:extLst>
   </p:cSld>
@@ -32238,7 +34208,7 @@
 </p:sld>
 </file>
 
-<file path=ppt/slides/slide24.xml><?xml version="1.0" encoding="utf-8"?>
+<file path=ppt/slides/slide25.xml><?xml version="1.0" encoding="utf-8"?>
 <p:sld xmlns:a="http://schemas.openxmlformats.org/drawingml/2006/main" xmlns:r="http://schemas.openxmlformats.org/officeDocument/2006/relationships" xmlns:p="http://schemas.openxmlformats.org/presentationml/2006/main">
   <p:cSld>
     <p:spTree>
@@ -33520,7 +35490,7 @@
     </p:spTree>
     <p:extLst>
       <p:ext uri="{BB962C8B-B14F-4D97-AF65-F5344CB8AC3E}">
-        <p14:creationId xmlns:p14="http://schemas.microsoft.com/office/powerpoint/2010/main" xmlns="" val="3386272830"/>
+        <p14:creationId xmlns="" xmlns:p14="http://schemas.microsoft.com/office/powerpoint/2010/main" val="3386272830"/>
       </p:ext>
     </p:extLst>
   </p:cSld>
@@ -33923,7 +35893,7 @@
 </p:sld>
 </file>
 
-<file path=ppt/slides/slide25.xml><?xml version="1.0" encoding="utf-8"?>
+<file path=ppt/slides/slide26.xml><?xml version="1.0" encoding="utf-8"?>
 <p:sld xmlns:a="http://schemas.openxmlformats.org/drawingml/2006/main" xmlns:r="http://schemas.openxmlformats.org/officeDocument/2006/relationships" xmlns:p="http://schemas.openxmlformats.org/presentationml/2006/main">
   <p:cSld>
     <p:spTree>
@@ -35018,7 +36988,7 @@
     </p:spTree>
     <p:extLst>
       <p:ext uri="{BB962C8B-B14F-4D97-AF65-F5344CB8AC3E}">
-        <p14:creationId xmlns:p14="http://schemas.microsoft.com/office/powerpoint/2010/main" xmlns="" val="3386272830"/>
+        <p14:creationId xmlns="" xmlns:p14="http://schemas.microsoft.com/office/powerpoint/2010/main" val="3386272830"/>
       </p:ext>
     </p:extLst>
   </p:cSld>
@@ -35227,7 +37197,7 @@
 </p:sld>
 </file>
 
-<file path=ppt/slides/slide26.xml><?xml version="1.0" encoding="utf-8"?>
+<file path=ppt/slides/slide27.xml><?xml version="1.0" encoding="utf-8"?>
 <p:sld xmlns:a="http://schemas.openxmlformats.org/drawingml/2006/main" xmlns:r="http://schemas.openxmlformats.org/officeDocument/2006/relationships" xmlns:p="http://schemas.openxmlformats.org/presentationml/2006/main">
   <p:cSld>
     <p:spTree>
@@ -36224,7 +38194,7 @@
     </p:spTree>
     <p:extLst>
       <p:ext uri="{BB962C8B-B14F-4D97-AF65-F5344CB8AC3E}">
-        <p14:creationId xmlns:p14="http://schemas.microsoft.com/office/powerpoint/2010/main" xmlns="" val="3284861254"/>
+        <p14:creationId xmlns="" xmlns:p14="http://schemas.microsoft.com/office/powerpoint/2010/main" val="3284861254"/>
       </p:ext>
     </p:extLst>
   </p:cSld>
@@ -37482,7 +39452,7 @@
     </p:spTree>
     <p:extLst>
       <p:ext uri="{BB962C8B-B14F-4D97-AF65-F5344CB8AC3E}">
-        <p14:creationId xmlns:p14="http://schemas.microsoft.com/office/powerpoint/2010/main" xmlns="" val="3386272830"/>
+        <p14:creationId xmlns="" xmlns:p14="http://schemas.microsoft.com/office/powerpoint/2010/main" val="3386272830"/>
       </p:ext>
     </p:extLst>
   </p:cSld>
@@ -39186,7 +41156,7 @@
     </p:spTree>
     <p:extLst>
       <p:ext uri="{BB962C8B-B14F-4D97-AF65-F5344CB8AC3E}">
-        <p14:creationId xmlns:p14="http://schemas.microsoft.com/office/powerpoint/2010/main" xmlns="" val="3386272830"/>
+        <p14:creationId xmlns="" xmlns:p14="http://schemas.microsoft.com/office/powerpoint/2010/main" val="3386272830"/>
       </p:ext>
     </p:extLst>
   </p:cSld>
@@ -40975,7 +42945,7 @@
     </p:spTree>
     <p:extLst>
       <p:ext uri="{BB962C8B-B14F-4D97-AF65-F5344CB8AC3E}">
-        <p14:creationId xmlns:p14="http://schemas.microsoft.com/office/powerpoint/2010/main" xmlns="" val="3386272830"/>
+        <p14:creationId xmlns="" xmlns:p14="http://schemas.microsoft.com/office/powerpoint/2010/main" val="3386272830"/>
       </p:ext>
     </p:extLst>
   </p:cSld>
@@ -42881,7 +44851,7 @@
     </p:spTree>
     <p:extLst>
       <p:ext uri="{BB962C8B-B14F-4D97-AF65-F5344CB8AC3E}">
-        <p14:creationId xmlns:p14="http://schemas.microsoft.com/office/powerpoint/2010/main" xmlns="" val="3386272830"/>
+        <p14:creationId xmlns="" xmlns:p14="http://schemas.microsoft.com/office/powerpoint/2010/main" val="3386272830"/>
       </p:ext>
     </p:extLst>
   </p:cSld>
@@ -44880,7 +46850,7 @@
     </p:spTree>
     <p:extLst>
       <p:ext uri="{BB962C8B-B14F-4D97-AF65-F5344CB8AC3E}">
-        <p14:creationId xmlns:p14="http://schemas.microsoft.com/office/powerpoint/2010/main" xmlns="" val="3386272830"/>
+        <p14:creationId xmlns="" xmlns:p14="http://schemas.microsoft.com/office/powerpoint/2010/main" val="3386272830"/>
       </p:ext>
     </p:extLst>
   </p:cSld>
@@ -46006,7 +47976,7 @@
     </p:spTree>
     <p:extLst>
       <p:ext uri="{BB962C8B-B14F-4D97-AF65-F5344CB8AC3E}">
-        <p14:creationId xmlns:p14="http://schemas.microsoft.com/office/powerpoint/2010/main" xmlns="" val="3386272830"/>
+        <p14:creationId xmlns="" xmlns:p14="http://schemas.microsoft.com/office/powerpoint/2010/main" val="3386272830"/>
       </p:ext>
     </p:extLst>
   </p:cSld>
@@ -47016,7 +48986,7 @@
     </p:spTree>
     <p:extLst>
       <p:ext uri="{BB962C8B-B14F-4D97-AF65-F5344CB8AC3E}">
-        <p14:creationId xmlns:p14="http://schemas.microsoft.com/office/powerpoint/2010/main" xmlns="" val="3386272830"/>
+        <p14:creationId xmlns="" xmlns:p14="http://schemas.microsoft.com/office/powerpoint/2010/main" val="3386272830"/>
       </p:ext>
     </p:extLst>
   </p:cSld>
@@ -47289,7 +49259,7 @@
   <a:extraClrSchemeLst/>
   <a:extLst>
     <a:ext uri="{05A4C25C-085E-4340-85A3-A5531E510DB2}">
-      <thm15:themeFamily xmlns:thm15="http://schemas.microsoft.com/office/thememl/2012/main" xmlns="" name="Office Theme" id="{62F939B6-93AF-4DB8-9C6B-D6C7DFDC589F}" vid="{4A3C46E8-61CC-4603-A589-7422A47A8E4A}"/>
+      <thm15:themeFamily xmlns="" xmlns:thm15="http://schemas.microsoft.com/office/thememl/2012/main" name="Office Theme" id="{62F939B6-93AF-4DB8-9C6B-D6C7DFDC589F}" vid="{4A3C46E8-61CC-4603-A589-7422A47A8E4A}"/>
     </a:ext>
   </a:extLst>
 </a:theme>

--- a/AngularJS演示.pptx
+++ b/AngularJS演示.pptx
@@ -5,7 +5,7 @@
     <p:sldMasterId id="2147483648" r:id="rId1"/>
   </p:sldMasterIdLst>
   <p:notesMasterIdLst>
-    <p:notesMasterId r:id="rId29"/>
+    <p:notesMasterId r:id="rId30"/>
   </p:notesMasterIdLst>
   <p:sldIdLst>
     <p:sldId id="256" r:id="rId2"/>
@@ -23,18 +23,19 @@
     <p:sldId id="266" r:id="rId14"/>
     <p:sldId id="270" r:id="rId15"/>
     <p:sldId id="288" r:id="rId16"/>
-    <p:sldId id="277" r:id="rId17"/>
-    <p:sldId id="278" r:id="rId18"/>
-    <p:sldId id="279" r:id="rId19"/>
-    <p:sldId id="280" r:id="rId20"/>
-    <p:sldId id="285" r:id="rId21"/>
-    <p:sldId id="286" r:id="rId22"/>
-    <p:sldId id="281" r:id="rId23"/>
-    <p:sldId id="283" r:id="rId24"/>
-    <p:sldId id="282" r:id="rId25"/>
-    <p:sldId id="284" r:id="rId26"/>
-    <p:sldId id="287" r:id="rId27"/>
-    <p:sldId id="260" r:id="rId28"/>
+    <p:sldId id="289" r:id="rId17"/>
+    <p:sldId id="277" r:id="rId18"/>
+    <p:sldId id="278" r:id="rId19"/>
+    <p:sldId id="279" r:id="rId20"/>
+    <p:sldId id="280" r:id="rId21"/>
+    <p:sldId id="285" r:id="rId22"/>
+    <p:sldId id="286" r:id="rId23"/>
+    <p:sldId id="281" r:id="rId24"/>
+    <p:sldId id="283" r:id="rId25"/>
+    <p:sldId id="282" r:id="rId26"/>
+    <p:sldId id="284" r:id="rId27"/>
+    <p:sldId id="287" r:id="rId28"/>
+    <p:sldId id="260" r:id="rId29"/>
   </p:sldIdLst>
   <p:sldSz cx="12192000" cy="6858000"/>
   <p:notesSz cx="6858000" cy="9144000"/>
@@ -135,7 +136,7 @@
   </p:defaultTextStyle>
   <p:extLst>
     <p:ext uri="{EFAFB233-063F-42B5-8137-9DF3F51BA10A}">
-      <p15:sldGuideLst xmlns="" xmlns:p15="http://schemas.microsoft.com/office/powerpoint/2012/main"/>
+      <p15:sldGuideLst xmlns:p15="http://schemas.microsoft.com/office/powerpoint/2012/main" xmlns=""/>
     </p:ext>
   </p:extLst>
 </p:presentation>
@@ -224,7 +225,7 @@
             <a:fld id="{0FB7BC20-A8CE-435D-8215-9C68D7A871BB}" type="datetimeFigureOut">
               <a:rPr lang="zh-CN" altLang="en-US" smtClean="0"/>
               <a:pPr/>
-              <a:t>1-3 Tuesday</a:t>
+              <a:t>1-4 Wednesday</a:t>
             </a:fld>
             <a:endParaRPr lang="zh-CN" altLang="en-US"/>
           </a:p>
@@ -640,7 +641,7 @@
             <a:fld id="{466ACD28-26EC-4CD0-8A70-18374D83F2C5}" type="slidenum">
               <a:rPr lang="zh-CN" altLang="en-US" smtClean="0"/>
               <a:pPr/>
-              <a:t>18</a:t>
+              <a:t>19</a:t>
             </a:fld>
             <a:endParaRPr lang="zh-CN" altLang="en-US"/>
           </a:p>
@@ -722,7 +723,7 @@
             <a:fld id="{466ACD28-26EC-4CD0-8A70-18374D83F2C5}" type="slidenum">
               <a:rPr lang="zh-CN" altLang="en-US" smtClean="0"/>
               <a:pPr/>
-              <a:t>19</a:t>
+              <a:t>20</a:t>
             </a:fld>
             <a:endParaRPr lang="zh-CN" altLang="en-US"/>
           </a:p>
@@ -804,7 +805,7 @@
             <a:fld id="{466ACD28-26EC-4CD0-8A70-18374D83F2C5}" type="slidenum">
               <a:rPr lang="zh-CN" altLang="en-US" smtClean="0"/>
               <a:pPr/>
-              <a:t>20</a:t>
+              <a:t>21</a:t>
             </a:fld>
             <a:endParaRPr lang="zh-CN" altLang="en-US"/>
           </a:p>
@@ -886,7 +887,7 @@
             <a:fld id="{466ACD28-26EC-4CD0-8A70-18374D83F2C5}" type="slidenum">
               <a:rPr lang="zh-CN" altLang="en-US" smtClean="0"/>
               <a:pPr/>
-              <a:t>21</a:t>
+              <a:t>22</a:t>
             </a:fld>
             <a:endParaRPr lang="zh-CN" altLang="en-US"/>
           </a:p>
@@ -1032,7 +1033,7 @@
             <a:fld id="{32D35100-D539-42A6-851C-69A7D2D91D1A}" type="datetimeFigureOut">
               <a:rPr lang="zh-CN" altLang="en-US" smtClean="0"/>
               <a:pPr/>
-              <a:t>1-3 Tuesday</a:t>
+              <a:t>1-4 Wednesday</a:t>
             </a:fld>
             <a:endParaRPr lang="zh-CN" altLang="en-US"/>
           </a:p>
@@ -1084,7 +1085,7 @@
     </p:spTree>
     <p:extLst>
       <p:ext uri="{BB962C8B-B14F-4D97-AF65-F5344CB8AC3E}">
-        <p14:creationId xmlns="" xmlns:p14="http://schemas.microsoft.com/office/powerpoint/2010/main" val="3024029738"/>
+        <p14:creationId xmlns:p14="http://schemas.microsoft.com/office/powerpoint/2010/main" xmlns="" val="3024029738"/>
       </p:ext>
     </p:extLst>
   </p:cSld>
@@ -1205,7 +1206,7 @@
             <a:fld id="{32D35100-D539-42A6-851C-69A7D2D91D1A}" type="datetimeFigureOut">
               <a:rPr lang="zh-CN" altLang="en-US" smtClean="0"/>
               <a:pPr/>
-              <a:t>1-3 Tuesday</a:t>
+              <a:t>1-4 Wednesday</a:t>
             </a:fld>
             <a:endParaRPr lang="zh-CN" altLang="en-US"/>
           </a:p>
@@ -1257,7 +1258,7 @@
     </p:spTree>
     <p:extLst>
       <p:ext uri="{BB962C8B-B14F-4D97-AF65-F5344CB8AC3E}">
-        <p14:creationId xmlns="" xmlns:p14="http://schemas.microsoft.com/office/powerpoint/2010/main" val="343241554"/>
+        <p14:creationId xmlns:p14="http://schemas.microsoft.com/office/powerpoint/2010/main" xmlns="" val="343241554"/>
       </p:ext>
     </p:extLst>
   </p:cSld>
@@ -1388,7 +1389,7 @@
             <a:fld id="{32D35100-D539-42A6-851C-69A7D2D91D1A}" type="datetimeFigureOut">
               <a:rPr lang="zh-CN" altLang="en-US" smtClean="0"/>
               <a:pPr/>
-              <a:t>1-3 Tuesday</a:t>
+              <a:t>1-4 Wednesday</a:t>
             </a:fld>
             <a:endParaRPr lang="zh-CN" altLang="en-US"/>
           </a:p>
@@ -1440,7 +1441,7 @@
     </p:spTree>
     <p:extLst>
       <p:ext uri="{BB962C8B-B14F-4D97-AF65-F5344CB8AC3E}">
-        <p14:creationId xmlns="" xmlns:p14="http://schemas.microsoft.com/office/powerpoint/2010/main" val="1508326006"/>
+        <p14:creationId xmlns:p14="http://schemas.microsoft.com/office/powerpoint/2010/main" xmlns="" val="1508326006"/>
       </p:ext>
     </p:extLst>
   </p:cSld>
@@ -1561,7 +1562,7 @@
             <a:fld id="{32D35100-D539-42A6-851C-69A7D2D91D1A}" type="datetimeFigureOut">
               <a:rPr lang="zh-CN" altLang="en-US" smtClean="0"/>
               <a:pPr/>
-              <a:t>1-3 Tuesday</a:t>
+              <a:t>1-4 Wednesday</a:t>
             </a:fld>
             <a:endParaRPr lang="zh-CN" altLang="en-US"/>
           </a:p>
@@ -1613,7 +1614,7 @@
     </p:spTree>
     <p:extLst>
       <p:ext uri="{BB962C8B-B14F-4D97-AF65-F5344CB8AC3E}">
-        <p14:creationId xmlns="" xmlns:p14="http://schemas.microsoft.com/office/powerpoint/2010/main" val="1759505212"/>
+        <p14:creationId xmlns:p14="http://schemas.microsoft.com/office/powerpoint/2010/main" xmlns="" val="1759505212"/>
       </p:ext>
     </p:extLst>
   </p:cSld>
@@ -1810,7 +1811,7 @@
             <a:fld id="{32D35100-D539-42A6-851C-69A7D2D91D1A}" type="datetimeFigureOut">
               <a:rPr lang="zh-CN" altLang="en-US" smtClean="0"/>
               <a:pPr/>
-              <a:t>1-3 Tuesday</a:t>
+              <a:t>1-4 Wednesday</a:t>
             </a:fld>
             <a:endParaRPr lang="zh-CN" altLang="en-US"/>
           </a:p>
@@ -1862,7 +1863,7 @@
     </p:spTree>
     <p:extLst>
       <p:ext uri="{BB962C8B-B14F-4D97-AF65-F5344CB8AC3E}">
-        <p14:creationId xmlns="" xmlns:p14="http://schemas.microsoft.com/office/powerpoint/2010/main" val="2417609714"/>
+        <p14:creationId xmlns:p14="http://schemas.microsoft.com/office/powerpoint/2010/main" xmlns="" val="2417609714"/>
       </p:ext>
     </p:extLst>
   </p:cSld>
@@ -2045,7 +2046,7 @@
             <a:fld id="{32D35100-D539-42A6-851C-69A7D2D91D1A}" type="datetimeFigureOut">
               <a:rPr lang="zh-CN" altLang="en-US" smtClean="0"/>
               <a:pPr/>
-              <a:t>1-3 Tuesday</a:t>
+              <a:t>1-4 Wednesday</a:t>
             </a:fld>
             <a:endParaRPr lang="zh-CN" altLang="en-US"/>
           </a:p>
@@ -2097,7 +2098,7 @@
     </p:spTree>
     <p:extLst>
       <p:ext uri="{BB962C8B-B14F-4D97-AF65-F5344CB8AC3E}">
-        <p14:creationId xmlns="" xmlns:p14="http://schemas.microsoft.com/office/powerpoint/2010/main" val="3609596728"/>
+        <p14:creationId xmlns:p14="http://schemas.microsoft.com/office/powerpoint/2010/main" xmlns="" val="3609596728"/>
       </p:ext>
     </p:extLst>
   </p:cSld>
@@ -2415,7 +2416,7 @@
             <a:fld id="{32D35100-D539-42A6-851C-69A7D2D91D1A}" type="datetimeFigureOut">
               <a:rPr lang="zh-CN" altLang="en-US" smtClean="0"/>
               <a:pPr/>
-              <a:t>1-3 Tuesday</a:t>
+              <a:t>1-4 Wednesday</a:t>
             </a:fld>
             <a:endParaRPr lang="zh-CN" altLang="en-US"/>
           </a:p>
@@ -2467,7 +2468,7 @@
     </p:spTree>
     <p:extLst>
       <p:ext uri="{BB962C8B-B14F-4D97-AF65-F5344CB8AC3E}">
-        <p14:creationId xmlns="" xmlns:p14="http://schemas.microsoft.com/office/powerpoint/2010/main" val="4285565082"/>
+        <p14:creationId xmlns:p14="http://schemas.microsoft.com/office/powerpoint/2010/main" xmlns="" val="4285565082"/>
       </p:ext>
     </p:extLst>
   </p:cSld>
@@ -2536,7 +2537,7 @@
             <a:fld id="{32D35100-D539-42A6-851C-69A7D2D91D1A}" type="datetimeFigureOut">
               <a:rPr lang="zh-CN" altLang="en-US" smtClean="0"/>
               <a:pPr/>
-              <a:t>1-3 Tuesday</a:t>
+              <a:t>1-4 Wednesday</a:t>
             </a:fld>
             <a:endParaRPr lang="zh-CN" altLang="en-US"/>
           </a:p>
@@ -2588,7 +2589,7 @@
     </p:spTree>
     <p:extLst>
       <p:ext uri="{BB962C8B-B14F-4D97-AF65-F5344CB8AC3E}">
-        <p14:creationId xmlns="" xmlns:p14="http://schemas.microsoft.com/office/powerpoint/2010/main" val="2676369298"/>
+        <p14:creationId xmlns:p14="http://schemas.microsoft.com/office/powerpoint/2010/main" xmlns="" val="2676369298"/>
       </p:ext>
     </p:extLst>
   </p:cSld>
@@ -2634,7 +2635,7 @@
             <a:fld id="{32D35100-D539-42A6-851C-69A7D2D91D1A}" type="datetimeFigureOut">
               <a:rPr lang="zh-CN" altLang="en-US" smtClean="0"/>
               <a:pPr/>
-              <a:t>1-3 Tuesday</a:t>
+              <a:t>1-4 Wednesday</a:t>
             </a:fld>
             <a:endParaRPr lang="zh-CN" altLang="en-US"/>
           </a:p>
@@ -2686,7 +2687,7 @@
     </p:spTree>
     <p:extLst>
       <p:ext uri="{BB962C8B-B14F-4D97-AF65-F5344CB8AC3E}">
-        <p14:creationId xmlns="" xmlns:p14="http://schemas.microsoft.com/office/powerpoint/2010/main" val="2259663268"/>
+        <p14:creationId xmlns:p14="http://schemas.microsoft.com/office/powerpoint/2010/main" xmlns="" val="2259663268"/>
       </p:ext>
     </p:extLst>
   </p:cSld>
@@ -2914,7 +2915,7 @@
             <a:fld id="{32D35100-D539-42A6-851C-69A7D2D91D1A}" type="datetimeFigureOut">
               <a:rPr lang="zh-CN" altLang="en-US" smtClean="0"/>
               <a:pPr/>
-              <a:t>1-3 Tuesday</a:t>
+              <a:t>1-4 Wednesday</a:t>
             </a:fld>
             <a:endParaRPr lang="zh-CN" altLang="en-US"/>
           </a:p>
@@ -2966,7 +2967,7 @@
     </p:spTree>
     <p:extLst>
       <p:ext uri="{BB962C8B-B14F-4D97-AF65-F5344CB8AC3E}">
-        <p14:creationId xmlns="" xmlns:p14="http://schemas.microsoft.com/office/powerpoint/2010/main" val="3401749403"/>
+        <p14:creationId xmlns:p14="http://schemas.microsoft.com/office/powerpoint/2010/main" xmlns="" val="3401749403"/>
       </p:ext>
     </p:extLst>
   </p:cSld>
@@ -3170,7 +3171,7 @@
             <a:fld id="{32D35100-D539-42A6-851C-69A7D2D91D1A}" type="datetimeFigureOut">
               <a:rPr lang="zh-CN" altLang="en-US" smtClean="0"/>
               <a:pPr/>
-              <a:t>1-3 Tuesday</a:t>
+              <a:t>1-4 Wednesday</a:t>
             </a:fld>
             <a:endParaRPr lang="zh-CN" altLang="en-US"/>
           </a:p>
@@ -3222,7 +3223,7 @@
     </p:spTree>
     <p:extLst>
       <p:ext uri="{BB962C8B-B14F-4D97-AF65-F5344CB8AC3E}">
-        <p14:creationId xmlns="" xmlns:p14="http://schemas.microsoft.com/office/powerpoint/2010/main" val="3963904103"/>
+        <p14:creationId xmlns:p14="http://schemas.microsoft.com/office/powerpoint/2010/main" xmlns="" val="3963904103"/>
       </p:ext>
     </p:extLst>
   </p:cSld>
@@ -3267,7 +3268,7 @@
           <a:blip r:embed="rId13" cstate="email">
             <a:extLst>
               <a:ext uri="{28A0092B-C50C-407E-A947-70E740481C1C}">
-                <a14:useLocalDpi xmlns="" xmlns:a14="http://schemas.microsoft.com/office/drawing/2010/main"/>
+                <a14:useLocalDpi xmlns:a14="http://schemas.microsoft.com/office/drawing/2010/main" xmlns=""/>
               </a:ext>
             </a:extLst>
           </a:blip>
@@ -3416,7 +3417,7 @@
             <a:fld id="{32D35100-D539-42A6-851C-69A7D2D91D1A}" type="datetimeFigureOut">
               <a:rPr lang="zh-CN" altLang="en-US" smtClean="0"/>
               <a:pPr/>
-              <a:t>1-3 Tuesday</a:t>
+              <a:t>1-4 Wednesday</a:t>
             </a:fld>
             <a:endParaRPr lang="zh-CN" altLang="en-US"/>
           </a:p>
@@ -3504,7 +3505,7 @@
     </p:spTree>
     <p:extLst>
       <p:ext uri="{BB962C8B-B14F-4D97-AF65-F5344CB8AC3E}">
-        <p14:creationId xmlns="" xmlns:p14="http://schemas.microsoft.com/office/powerpoint/2010/main" val="2611925279"/>
+        <p14:creationId xmlns:p14="http://schemas.microsoft.com/office/powerpoint/2010/main" xmlns="" val="2611925279"/>
       </p:ext>
     </p:extLst>
   </p:cSld>
@@ -4816,7 +4817,7 @@
     </p:spTree>
     <p:extLst>
       <p:ext uri="{BB962C8B-B14F-4D97-AF65-F5344CB8AC3E}">
-        <p14:creationId xmlns="" xmlns:p14="http://schemas.microsoft.com/office/powerpoint/2010/main" val="2079182328"/>
+        <p14:creationId xmlns:p14="http://schemas.microsoft.com/office/powerpoint/2010/main" xmlns="" val="2079182328"/>
       </p:ext>
     </p:extLst>
   </p:cSld>
@@ -6220,7 +6221,7 @@
     </p:spTree>
     <p:extLst>
       <p:ext uri="{BB962C8B-B14F-4D97-AF65-F5344CB8AC3E}">
-        <p14:creationId xmlns="" xmlns:p14="http://schemas.microsoft.com/office/powerpoint/2010/main" val="3386272830"/>
+        <p14:creationId xmlns:p14="http://schemas.microsoft.com/office/powerpoint/2010/main" xmlns="" val="3386272830"/>
       </p:ext>
     </p:extLst>
   </p:cSld>
@@ -8353,7 +8354,7 @@
     </p:spTree>
     <p:extLst>
       <p:ext uri="{BB962C8B-B14F-4D97-AF65-F5344CB8AC3E}">
-        <p14:creationId xmlns="" xmlns:p14="http://schemas.microsoft.com/office/powerpoint/2010/main" val="3386272830"/>
+        <p14:creationId xmlns:p14="http://schemas.microsoft.com/office/powerpoint/2010/main" xmlns="" val="3386272830"/>
       </p:ext>
     </p:extLst>
   </p:cSld>
@@ -10340,7 +10341,7 @@
     </p:spTree>
     <p:extLst>
       <p:ext uri="{BB962C8B-B14F-4D97-AF65-F5344CB8AC3E}">
-        <p14:creationId xmlns="" xmlns:p14="http://schemas.microsoft.com/office/powerpoint/2010/main" val="3386272830"/>
+        <p14:creationId xmlns:p14="http://schemas.microsoft.com/office/powerpoint/2010/main" xmlns="" val="3386272830"/>
       </p:ext>
     </p:extLst>
   </p:cSld>
@@ -12978,7 +12979,7 @@
     </p:spTree>
     <p:extLst>
       <p:ext uri="{BB962C8B-B14F-4D97-AF65-F5344CB8AC3E}">
-        <p14:creationId xmlns="" xmlns:p14="http://schemas.microsoft.com/office/powerpoint/2010/main" val="3386272830"/>
+        <p14:creationId xmlns:p14="http://schemas.microsoft.com/office/powerpoint/2010/main" xmlns="" val="3386272830"/>
       </p:ext>
     </p:extLst>
   </p:cSld>
@@ -15178,16 +15179,7 @@
                 </a:solidFill>
                 <a:ea typeface="造字工房悦圆（非商用）常规体"/>
               </a:rPr>
-              <a:t>restrict </a:t>
-            </a:r>
-            <a:r>
-              <a:rPr lang="en-US" altLang="zh-CN" sz="2400" dirty="0" smtClean="0">
-                <a:solidFill>
-                  <a:schemeClr val="bg1"/>
-                </a:solidFill>
-                <a:ea typeface="造字工房悦圆（非商用）常规体"/>
-              </a:rPr>
-              <a:t>: </a:t>
+              <a:t>restrict : </a:t>
             </a:r>
             <a:endParaRPr lang="zh-CN" altLang="en-US" sz="2400" dirty="0">
               <a:solidFill>
@@ -15201,7 +15193,7 @@
     </p:spTree>
     <p:extLst>
       <p:ext uri="{BB962C8B-B14F-4D97-AF65-F5344CB8AC3E}">
-        <p14:creationId xmlns="" xmlns:p14="http://schemas.microsoft.com/office/powerpoint/2010/main" val="3386272830"/>
+        <p14:creationId xmlns:p14="http://schemas.microsoft.com/office/powerpoint/2010/main" xmlns="" val="3386272830"/>
       </p:ext>
     </p:extLst>
   </p:cSld>
@@ -16606,16 +16598,7 @@
                 </a:solidFill>
                 <a:ea typeface="造字工房悦圆（非商用）常规体"/>
               </a:rPr>
-              <a:t>t</a:t>
-            </a:r>
-            <a:r>
-              <a:rPr lang="en-US" altLang="zh-CN" sz="2000" dirty="0" err="1" smtClean="0">
-                <a:solidFill>
-                  <a:schemeClr val="bg1"/>
-                </a:solidFill>
-                <a:ea typeface="造字工房悦圆（非商用）常规体"/>
-              </a:rPr>
-              <a:t>ransclude</a:t>
+              <a:t>transclude</a:t>
             </a:r>
             <a:r>
               <a:rPr lang="en-US" altLang="zh-CN" sz="2000" dirty="0" smtClean="0">
@@ -16843,25 +16826,7 @@
                 </a:solidFill>
                 <a:ea typeface="造字工房悦圆（非商用）常规体"/>
               </a:rPr>
-              <a:t>： 编译</a:t>
-            </a:r>
-            <a:r>
-              <a:rPr lang="zh-CN" altLang="en-US" sz="2000" dirty="0" smtClean="0">
-                <a:solidFill>
-                  <a:schemeClr val="bg1"/>
-                </a:solidFill>
-                <a:ea typeface="造字工房悦圆（非商用）常规体"/>
-              </a:rPr>
-              <a:t>阶段</a:t>
-            </a:r>
-            <a:r>
-              <a:rPr lang="zh-CN" altLang="en-US" sz="2000" dirty="0" smtClean="0">
-                <a:solidFill>
-                  <a:schemeClr val="bg1"/>
-                </a:solidFill>
-                <a:ea typeface="造字工房悦圆（非商用）常规体"/>
-              </a:rPr>
-              <a:t>执行</a:t>
+              <a:t>： 编译阶段执行</a:t>
             </a:r>
             <a:endParaRPr lang="zh-CN" altLang="en-US" sz="2000" dirty="0">
               <a:solidFill>
@@ -16930,7 +16895,7 @@
         <p:spPr>
           <a:xfrm>
             <a:off x="1763345" y="5051667"/>
-            <a:ext cx="2262555" cy="400110"/>
+            <a:ext cx="2961055" cy="400110"/>
           </a:xfrm>
           <a:prstGeom prst="rect">
             <a:avLst/>
@@ -16950,7 +16915,7 @@
                 </a:solidFill>
                 <a:ea typeface="造字工房悦圆（非商用）常规体"/>
               </a:rPr>
-              <a:t>scope </a:t>
+              <a:t>require </a:t>
             </a:r>
             <a:r>
               <a:rPr lang="zh-CN" altLang="en-US" sz="2000" dirty="0" smtClean="0">
@@ -16959,7 +16924,25 @@
                 </a:solidFill>
                 <a:ea typeface="造字工房悦圆（非商用）常规体"/>
               </a:rPr>
-              <a:t>： 绑定策略</a:t>
+              <a:t>： </a:t>
+            </a:r>
+            <a:r>
+              <a:rPr lang="zh-CN" altLang="en-US" sz="2000" dirty="0" smtClean="0">
+                <a:solidFill>
+                  <a:schemeClr val="bg1"/>
+                </a:solidFill>
+                <a:ea typeface="造字工房悦圆（非商用）常规体"/>
+              </a:rPr>
+              <a:t>依</a:t>
+            </a:r>
+            <a:r>
+              <a:rPr lang="zh-CN" altLang="en-US" sz="2000" dirty="0" smtClean="0">
+                <a:solidFill>
+                  <a:schemeClr val="bg1"/>
+                </a:solidFill>
+                <a:ea typeface="造字工房悦圆（非商用）常规体"/>
+              </a:rPr>
+              <a:t>赖其他指令</a:t>
             </a:r>
             <a:endParaRPr lang="zh-CN" altLang="en-US" sz="2000" dirty="0">
               <a:solidFill>
@@ -17008,25 +16991,7 @@
                 </a:solidFill>
                 <a:ea typeface="造字工房悦圆（非商用）常规体"/>
               </a:rPr>
-              <a:t>： </a:t>
-            </a:r>
-            <a:r>
-              <a:rPr lang="zh-CN" altLang="en-US" sz="2000" dirty="0" smtClean="0">
-                <a:solidFill>
-                  <a:schemeClr val="bg1"/>
-                </a:solidFill>
-                <a:ea typeface="造字工房悦圆（非商用）常规体"/>
-              </a:rPr>
-              <a:t>替</a:t>
-            </a:r>
-            <a:r>
-              <a:rPr lang="zh-CN" altLang="en-US" sz="2000" dirty="0" smtClean="0">
-                <a:solidFill>
-                  <a:schemeClr val="bg1"/>
-                </a:solidFill>
-                <a:ea typeface="造字工房悦圆（非商用）常规体"/>
-              </a:rPr>
-              <a:t>换绑定的</a:t>
+              <a:t>： 替换绑定的</a:t>
             </a:r>
             <a:r>
               <a:rPr lang="en-US" altLang="zh-CN" sz="2000" dirty="0" smtClean="0">
@@ -17049,7 +17014,7 @@
     </p:spTree>
     <p:extLst>
       <p:ext uri="{BB962C8B-B14F-4D97-AF65-F5344CB8AC3E}">
-        <p14:creationId xmlns="" xmlns:p14="http://schemas.microsoft.com/office/powerpoint/2010/main" val="3386272830"/>
+        <p14:creationId xmlns:p14="http://schemas.microsoft.com/office/powerpoint/2010/main" xmlns="" val="3386272830"/>
       </p:ext>
     </p:extLst>
   </p:cSld>
@@ -17398,6 +17363,1493 @@
 </file>
 
 <file path=ppt/slides/slide16.xml><?xml version="1.0" encoding="utf-8"?>
+<p:sld xmlns:a="http://schemas.openxmlformats.org/drawingml/2006/main" xmlns:r="http://schemas.openxmlformats.org/officeDocument/2006/relationships" xmlns:p="http://schemas.openxmlformats.org/presentationml/2006/main">
+  <p:cSld>
+    <p:spTree>
+      <p:nvGrpSpPr>
+        <p:cNvPr id="1" name=""/>
+        <p:cNvGrpSpPr/>
+        <p:nvPr/>
+      </p:nvGrpSpPr>
+      <p:grpSpPr>
+        <a:xfrm>
+          <a:off x="0" y="0"/>
+          <a:ext cx="0" cy="0"/>
+          <a:chOff x="0" y="0"/>
+          <a:chExt cx="0" cy="0"/>
+        </a:xfrm>
+      </p:grpSpPr>
+      <p:grpSp>
+        <p:nvGrpSpPr>
+          <p:cNvPr id="2" name="组合 31"/>
+          <p:cNvGrpSpPr/>
+          <p:nvPr/>
+        </p:nvGrpSpPr>
+        <p:grpSpPr>
+          <a:xfrm rot="16200000">
+            <a:off x="9868693" y="294751"/>
+            <a:ext cx="2684464" cy="1962151"/>
+            <a:chOff x="5947983" y="731507"/>
+            <a:chExt cx="2971525" cy="2171971"/>
+          </a:xfrm>
+        </p:grpSpPr>
+        <p:sp>
+          <p:nvSpPr>
+            <p:cNvPr id="29" name="任意多边形 28"/>
+            <p:cNvSpPr/>
+            <p:nvPr/>
+          </p:nvSpPr>
+          <p:spPr>
+            <a:xfrm>
+              <a:off x="5947983" y="834364"/>
+              <a:ext cx="2204704" cy="2069114"/>
+            </a:xfrm>
+            <a:custGeom>
+              <a:avLst/>
+              <a:gdLst>
+                <a:gd name="connsiteX0" fmla="*/ 1849312 w 2204704"/>
+                <a:gd name="connsiteY0" fmla="*/ 1064 h 2069114"/>
+                <a:gd name="connsiteX1" fmla="*/ 2058594 w 2204704"/>
+                <a:gd name="connsiteY1" fmla="*/ 82732 h 2069114"/>
+                <a:gd name="connsiteX2" fmla="*/ 2121972 w 2204704"/>
+                <a:gd name="connsiteY2" fmla="*/ 622474 h 2069114"/>
+                <a:gd name="connsiteX3" fmla="*/ 979367 w 2204704"/>
+                <a:gd name="connsiteY3" fmla="*/ 2069114 h 2069114"/>
+                <a:gd name="connsiteX4" fmla="*/ 0 w 2204704"/>
+                <a:gd name="connsiteY4" fmla="*/ 2069114 h 2069114"/>
+                <a:gd name="connsiteX5" fmla="*/ 1518853 w 2204704"/>
+                <a:gd name="connsiteY5" fmla="*/ 146110 h 2069114"/>
+                <a:gd name="connsiteX6" fmla="*/ 1849312 w 2204704"/>
+                <a:gd name="connsiteY6" fmla="*/ 1064 h 2069114"/>
+              </a:gdLst>
+              <a:ahLst/>
+              <a:cxnLst>
+                <a:cxn ang="0">
+                  <a:pos x="connsiteX0" y="connsiteY0"/>
+                </a:cxn>
+                <a:cxn ang="0">
+                  <a:pos x="connsiteX1" y="connsiteY1"/>
+                </a:cxn>
+                <a:cxn ang="0">
+                  <a:pos x="connsiteX2" y="connsiteY2"/>
+                </a:cxn>
+                <a:cxn ang="0">
+                  <a:pos x="connsiteX3" y="connsiteY3"/>
+                </a:cxn>
+                <a:cxn ang="0">
+                  <a:pos x="connsiteX4" y="connsiteY4"/>
+                </a:cxn>
+                <a:cxn ang="0">
+                  <a:pos x="connsiteX5" y="connsiteY5"/>
+                </a:cxn>
+                <a:cxn ang="0">
+                  <a:pos x="connsiteX6" y="connsiteY6"/>
+                </a:cxn>
+              </a:cxnLst>
+              <a:rect l="l" t="t" r="r" b="b"/>
+              <a:pathLst>
+                <a:path w="2204704" h="2069114">
+                  <a:moveTo>
+                    <a:pt x="1849312" y="1064"/>
+                  </a:moveTo>
+                  <a:cubicBezTo>
+                    <a:pt x="1923123" y="6563"/>
+                    <a:pt x="1996139" y="33403"/>
+                    <a:pt x="2058594" y="82732"/>
+                  </a:cubicBezTo>
+                  <a:cubicBezTo>
+                    <a:pt x="2225141" y="214276"/>
+                    <a:pt x="2253516" y="455927"/>
+                    <a:pt x="2121972" y="622474"/>
+                  </a:cubicBezTo>
+                  <a:lnTo>
+                    <a:pt x="979367" y="2069114"/>
+                  </a:lnTo>
+                  <a:lnTo>
+                    <a:pt x="0" y="2069114"/>
+                  </a:lnTo>
+                  <a:lnTo>
+                    <a:pt x="1518853" y="146110"/>
+                  </a:lnTo>
+                  <a:cubicBezTo>
+                    <a:pt x="1601068" y="42018"/>
+                    <a:pt x="1726294" y="-8100"/>
+                    <a:pt x="1849312" y="1064"/>
+                  </a:cubicBezTo>
+                  <a:close/>
+                </a:path>
+              </a:pathLst>
+            </a:custGeom>
+            <a:solidFill>
+              <a:srgbClr val="40E3F6"/>
+            </a:solidFill>
+            <a:ln>
+              <a:noFill/>
+            </a:ln>
+          </p:spPr>
+          <p:style>
+            <a:lnRef idx="2">
+              <a:schemeClr val="accent1">
+                <a:shade val="50000"/>
+              </a:schemeClr>
+            </a:lnRef>
+            <a:fillRef idx="1">
+              <a:schemeClr val="accent1"/>
+            </a:fillRef>
+            <a:effectRef idx="0">
+              <a:schemeClr val="accent1"/>
+            </a:effectRef>
+            <a:fontRef idx="minor">
+              <a:schemeClr val="lt1"/>
+            </a:fontRef>
+          </p:style>
+          <p:txBody>
+            <a:bodyPr rtlCol="0" anchor="ctr"/>
+            <a:lstStyle/>
+            <a:p>
+              <a:pPr algn="ctr"/>
+              <a:endParaRPr lang="zh-CN" altLang="en-US"/>
+            </a:p>
+          </p:txBody>
+        </p:sp>
+        <p:sp>
+          <p:nvSpPr>
+            <p:cNvPr id="30" name="任意多边形 29"/>
+            <p:cNvSpPr/>
+            <p:nvPr/>
+          </p:nvSpPr>
+          <p:spPr>
+            <a:xfrm>
+              <a:off x="6605207" y="731507"/>
+              <a:ext cx="2314301" cy="2171971"/>
+            </a:xfrm>
+            <a:custGeom>
+              <a:avLst/>
+              <a:gdLst>
+                <a:gd name="connsiteX0" fmla="*/ 1849312 w 2204704"/>
+                <a:gd name="connsiteY0" fmla="*/ 1064 h 2069114"/>
+                <a:gd name="connsiteX1" fmla="*/ 2058594 w 2204704"/>
+                <a:gd name="connsiteY1" fmla="*/ 82732 h 2069114"/>
+                <a:gd name="connsiteX2" fmla="*/ 2121972 w 2204704"/>
+                <a:gd name="connsiteY2" fmla="*/ 622474 h 2069114"/>
+                <a:gd name="connsiteX3" fmla="*/ 979367 w 2204704"/>
+                <a:gd name="connsiteY3" fmla="*/ 2069114 h 2069114"/>
+                <a:gd name="connsiteX4" fmla="*/ 0 w 2204704"/>
+                <a:gd name="connsiteY4" fmla="*/ 2069114 h 2069114"/>
+                <a:gd name="connsiteX5" fmla="*/ 1518853 w 2204704"/>
+                <a:gd name="connsiteY5" fmla="*/ 146110 h 2069114"/>
+                <a:gd name="connsiteX6" fmla="*/ 1849312 w 2204704"/>
+                <a:gd name="connsiteY6" fmla="*/ 1064 h 2069114"/>
+              </a:gdLst>
+              <a:ahLst/>
+              <a:cxnLst>
+                <a:cxn ang="0">
+                  <a:pos x="connsiteX0" y="connsiteY0"/>
+                </a:cxn>
+                <a:cxn ang="0">
+                  <a:pos x="connsiteX1" y="connsiteY1"/>
+                </a:cxn>
+                <a:cxn ang="0">
+                  <a:pos x="connsiteX2" y="connsiteY2"/>
+                </a:cxn>
+                <a:cxn ang="0">
+                  <a:pos x="connsiteX3" y="connsiteY3"/>
+                </a:cxn>
+                <a:cxn ang="0">
+                  <a:pos x="connsiteX4" y="connsiteY4"/>
+                </a:cxn>
+                <a:cxn ang="0">
+                  <a:pos x="connsiteX5" y="connsiteY5"/>
+                </a:cxn>
+                <a:cxn ang="0">
+                  <a:pos x="connsiteX6" y="connsiteY6"/>
+                </a:cxn>
+              </a:cxnLst>
+              <a:rect l="l" t="t" r="r" b="b"/>
+              <a:pathLst>
+                <a:path w="2204704" h="2069114">
+                  <a:moveTo>
+                    <a:pt x="1849312" y="1064"/>
+                  </a:moveTo>
+                  <a:cubicBezTo>
+                    <a:pt x="1923123" y="6563"/>
+                    <a:pt x="1996139" y="33403"/>
+                    <a:pt x="2058594" y="82732"/>
+                  </a:cubicBezTo>
+                  <a:cubicBezTo>
+                    <a:pt x="2225141" y="214276"/>
+                    <a:pt x="2253516" y="455927"/>
+                    <a:pt x="2121972" y="622474"/>
+                  </a:cubicBezTo>
+                  <a:lnTo>
+                    <a:pt x="979367" y="2069114"/>
+                  </a:lnTo>
+                  <a:lnTo>
+                    <a:pt x="0" y="2069114"/>
+                  </a:lnTo>
+                  <a:lnTo>
+                    <a:pt x="1518853" y="146110"/>
+                  </a:lnTo>
+                  <a:cubicBezTo>
+                    <a:pt x="1601068" y="42018"/>
+                    <a:pt x="1726294" y="-8100"/>
+                    <a:pt x="1849312" y="1064"/>
+                  </a:cubicBezTo>
+                  <a:close/>
+                </a:path>
+              </a:pathLst>
+            </a:custGeom>
+            <a:solidFill>
+              <a:schemeClr val="bg1">
+                <a:alpha val="24000"/>
+              </a:schemeClr>
+            </a:solidFill>
+            <a:ln>
+              <a:noFill/>
+            </a:ln>
+          </p:spPr>
+          <p:style>
+            <a:lnRef idx="2">
+              <a:schemeClr val="accent1">
+                <a:shade val="50000"/>
+              </a:schemeClr>
+            </a:lnRef>
+            <a:fillRef idx="1">
+              <a:schemeClr val="accent1"/>
+            </a:fillRef>
+            <a:effectRef idx="0">
+              <a:schemeClr val="accent1"/>
+            </a:effectRef>
+            <a:fontRef idx="minor">
+              <a:schemeClr val="lt1"/>
+            </a:fontRef>
+          </p:style>
+          <p:txBody>
+            <a:bodyPr rtlCol="0" anchor="ctr"/>
+            <a:lstStyle/>
+            <a:p>
+              <a:pPr algn="ctr"/>
+              <a:endParaRPr lang="zh-CN" altLang="en-US"/>
+            </a:p>
+          </p:txBody>
+        </p:sp>
+        <p:sp>
+          <p:nvSpPr>
+            <p:cNvPr id="31" name="任意多边形 30"/>
+            <p:cNvSpPr/>
+            <p:nvPr/>
+          </p:nvSpPr>
+          <p:spPr>
+            <a:xfrm>
+              <a:off x="7367208" y="1626856"/>
+              <a:ext cx="1360279" cy="1276621"/>
+            </a:xfrm>
+            <a:custGeom>
+              <a:avLst/>
+              <a:gdLst>
+                <a:gd name="connsiteX0" fmla="*/ 1849312 w 2204704"/>
+                <a:gd name="connsiteY0" fmla="*/ 1064 h 2069114"/>
+                <a:gd name="connsiteX1" fmla="*/ 2058594 w 2204704"/>
+                <a:gd name="connsiteY1" fmla="*/ 82732 h 2069114"/>
+                <a:gd name="connsiteX2" fmla="*/ 2121972 w 2204704"/>
+                <a:gd name="connsiteY2" fmla="*/ 622474 h 2069114"/>
+                <a:gd name="connsiteX3" fmla="*/ 979367 w 2204704"/>
+                <a:gd name="connsiteY3" fmla="*/ 2069114 h 2069114"/>
+                <a:gd name="connsiteX4" fmla="*/ 0 w 2204704"/>
+                <a:gd name="connsiteY4" fmla="*/ 2069114 h 2069114"/>
+                <a:gd name="connsiteX5" fmla="*/ 1518853 w 2204704"/>
+                <a:gd name="connsiteY5" fmla="*/ 146110 h 2069114"/>
+                <a:gd name="connsiteX6" fmla="*/ 1849312 w 2204704"/>
+                <a:gd name="connsiteY6" fmla="*/ 1064 h 2069114"/>
+              </a:gdLst>
+              <a:ahLst/>
+              <a:cxnLst>
+                <a:cxn ang="0">
+                  <a:pos x="connsiteX0" y="connsiteY0"/>
+                </a:cxn>
+                <a:cxn ang="0">
+                  <a:pos x="connsiteX1" y="connsiteY1"/>
+                </a:cxn>
+                <a:cxn ang="0">
+                  <a:pos x="connsiteX2" y="connsiteY2"/>
+                </a:cxn>
+                <a:cxn ang="0">
+                  <a:pos x="connsiteX3" y="connsiteY3"/>
+                </a:cxn>
+                <a:cxn ang="0">
+                  <a:pos x="connsiteX4" y="connsiteY4"/>
+                </a:cxn>
+                <a:cxn ang="0">
+                  <a:pos x="connsiteX5" y="connsiteY5"/>
+                </a:cxn>
+                <a:cxn ang="0">
+                  <a:pos x="connsiteX6" y="connsiteY6"/>
+                </a:cxn>
+              </a:cxnLst>
+              <a:rect l="l" t="t" r="r" b="b"/>
+              <a:pathLst>
+                <a:path w="2204704" h="2069114">
+                  <a:moveTo>
+                    <a:pt x="1849312" y="1064"/>
+                  </a:moveTo>
+                  <a:cubicBezTo>
+                    <a:pt x="1923123" y="6563"/>
+                    <a:pt x="1996139" y="33403"/>
+                    <a:pt x="2058594" y="82732"/>
+                  </a:cubicBezTo>
+                  <a:cubicBezTo>
+                    <a:pt x="2225141" y="214276"/>
+                    <a:pt x="2253516" y="455927"/>
+                    <a:pt x="2121972" y="622474"/>
+                  </a:cubicBezTo>
+                  <a:lnTo>
+                    <a:pt x="979367" y="2069114"/>
+                  </a:lnTo>
+                  <a:lnTo>
+                    <a:pt x="0" y="2069114"/>
+                  </a:lnTo>
+                  <a:lnTo>
+                    <a:pt x="1518853" y="146110"/>
+                  </a:lnTo>
+                  <a:cubicBezTo>
+                    <a:pt x="1601068" y="42018"/>
+                    <a:pt x="1726294" y="-8100"/>
+                    <a:pt x="1849312" y="1064"/>
+                  </a:cubicBezTo>
+                  <a:close/>
+                </a:path>
+              </a:pathLst>
+            </a:custGeom>
+            <a:solidFill>
+              <a:srgbClr val="7030A0">
+                <a:alpha val="46000"/>
+              </a:srgbClr>
+            </a:solidFill>
+            <a:ln>
+              <a:noFill/>
+            </a:ln>
+          </p:spPr>
+          <p:style>
+            <a:lnRef idx="2">
+              <a:schemeClr val="accent1">
+                <a:shade val="50000"/>
+              </a:schemeClr>
+            </a:lnRef>
+            <a:fillRef idx="1">
+              <a:schemeClr val="accent1"/>
+            </a:fillRef>
+            <a:effectRef idx="0">
+              <a:schemeClr val="accent1"/>
+            </a:effectRef>
+            <a:fontRef idx="minor">
+              <a:schemeClr val="lt1"/>
+            </a:fontRef>
+          </p:style>
+          <p:txBody>
+            <a:bodyPr rtlCol="0" anchor="ctr"/>
+            <a:lstStyle/>
+            <a:p>
+              <a:pPr algn="ctr"/>
+              <a:endParaRPr lang="zh-CN" altLang="en-US"/>
+            </a:p>
+          </p:txBody>
+        </p:sp>
+      </p:grpSp>
+      <p:grpSp>
+        <p:nvGrpSpPr>
+          <p:cNvPr id="3" name="组合 32"/>
+          <p:cNvGrpSpPr/>
+          <p:nvPr/>
+        </p:nvGrpSpPr>
+        <p:grpSpPr>
+          <a:xfrm rot="5400000">
+            <a:off x="-399777" y="4457698"/>
+            <a:ext cx="2971525" cy="2171971"/>
+            <a:chOff x="3891293" y="1133475"/>
+            <a:chExt cx="2971525" cy="2171971"/>
+          </a:xfrm>
+        </p:grpSpPr>
+        <p:sp>
+          <p:nvSpPr>
+            <p:cNvPr id="25" name="任意多边形 24"/>
+            <p:cNvSpPr/>
+            <p:nvPr/>
+          </p:nvSpPr>
+          <p:spPr>
+            <a:xfrm>
+              <a:off x="3891293" y="1236332"/>
+              <a:ext cx="2204704" cy="2069114"/>
+            </a:xfrm>
+            <a:custGeom>
+              <a:avLst/>
+              <a:gdLst>
+                <a:gd name="connsiteX0" fmla="*/ 1849312 w 2204704"/>
+                <a:gd name="connsiteY0" fmla="*/ 1064 h 2069114"/>
+                <a:gd name="connsiteX1" fmla="*/ 2058594 w 2204704"/>
+                <a:gd name="connsiteY1" fmla="*/ 82732 h 2069114"/>
+                <a:gd name="connsiteX2" fmla="*/ 2121972 w 2204704"/>
+                <a:gd name="connsiteY2" fmla="*/ 622474 h 2069114"/>
+                <a:gd name="connsiteX3" fmla="*/ 979367 w 2204704"/>
+                <a:gd name="connsiteY3" fmla="*/ 2069114 h 2069114"/>
+                <a:gd name="connsiteX4" fmla="*/ 0 w 2204704"/>
+                <a:gd name="connsiteY4" fmla="*/ 2069114 h 2069114"/>
+                <a:gd name="connsiteX5" fmla="*/ 1518853 w 2204704"/>
+                <a:gd name="connsiteY5" fmla="*/ 146110 h 2069114"/>
+                <a:gd name="connsiteX6" fmla="*/ 1849312 w 2204704"/>
+                <a:gd name="connsiteY6" fmla="*/ 1064 h 2069114"/>
+              </a:gdLst>
+              <a:ahLst/>
+              <a:cxnLst>
+                <a:cxn ang="0">
+                  <a:pos x="connsiteX0" y="connsiteY0"/>
+                </a:cxn>
+                <a:cxn ang="0">
+                  <a:pos x="connsiteX1" y="connsiteY1"/>
+                </a:cxn>
+                <a:cxn ang="0">
+                  <a:pos x="connsiteX2" y="connsiteY2"/>
+                </a:cxn>
+                <a:cxn ang="0">
+                  <a:pos x="connsiteX3" y="connsiteY3"/>
+                </a:cxn>
+                <a:cxn ang="0">
+                  <a:pos x="connsiteX4" y="connsiteY4"/>
+                </a:cxn>
+                <a:cxn ang="0">
+                  <a:pos x="connsiteX5" y="connsiteY5"/>
+                </a:cxn>
+                <a:cxn ang="0">
+                  <a:pos x="connsiteX6" y="connsiteY6"/>
+                </a:cxn>
+              </a:cxnLst>
+              <a:rect l="l" t="t" r="r" b="b"/>
+              <a:pathLst>
+                <a:path w="2204704" h="2069114">
+                  <a:moveTo>
+                    <a:pt x="1849312" y="1064"/>
+                  </a:moveTo>
+                  <a:cubicBezTo>
+                    <a:pt x="1923123" y="6563"/>
+                    <a:pt x="1996139" y="33403"/>
+                    <a:pt x="2058594" y="82732"/>
+                  </a:cubicBezTo>
+                  <a:cubicBezTo>
+                    <a:pt x="2225141" y="214276"/>
+                    <a:pt x="2253516" y="455927"/>
+                    <a:pt x="2121972" y="622474"/>
+                  </a:cubicBezTo>
+                  <a:lnTo>
+                    <a:pt x="979367" y="2069114"/>
+                  </a:lnTo>
+                  <a:lnTo>
+                    <a:pt x="0" y="2069114"/>
+                  </a:lnTo>
+                  <a:lnTo>
+                    <a:pt x="1518853" y="146110"/>
+                  </a:lnTo>
+                  <a:cubicBezTo>
+                    <a:pt x="1601068" y="42018"/>
+                    <a:pt x="1726294" y="-8100"/>
+                    <a:pt x="1849312" y="1064"/>
+                  </a:cubicBezTo>
+                  <a:close/>
+                </a:path>
+              </a:pathLst>
+            </a:custGeom>
+            <a:solidFill>
+              <a:srgbClr val="40E3F6"/>
+            </a:solidFill>
+            <a:ln>
+              <a:noFill/>
+            </a:ln>
+          </p:spPr>
+          <p:style>
+            <a:lnRef idx="2">
+              <a:schemeClr val="accent1">
+                <a:shade val="50000"/>
+              </a:schemeClr>
+            </a:lnRef>
+            <a:fillRef idx="1">
+              <a:schemeClr val="accent1"/>
+            </a:fillRef>
+            <a:effectRef idx="0">
+              <a:schemeClr val="accent1"/>
+            </a:effectRef>
+            <a:fontRef idx="minor">
+              <a:schemeClr val="lt1"/>
+            </a:fontRef>
+          </p:style>
+          <p:txBody>
+            <a:bodyPr rtlCol="0" anchor="ctr"/>
+            <a:lstStyle/>
+            <a:p>
+              <a:pPr algn="ctr"/>
+              <a:endParaRPr lang="zh-CN" altLang="en-US"/>
+            </a:p>
+          </p:txBody>
+        </p:sp>
+        <p:sp>
+          <p:nvSpPr>
+            <p:cNvPr id="27" name="任意多边形 26"/>
+            <p:cNvSpPr/>
+            <p:nvPr/>
+          </p:nvSpPr>
+          <p:spPr>
+            <a:xfrm>
+              <a:off x="4548517" y="1133475"/>
+              <a:ext cx="2314301" cy="2171971"/>
+            </a:xfrm>
+            <a:custGeom>
+              <a:avLst/>
+              <a:gdLst>
+                <a:gd name="connsiteX0" fmla="*/ 1849312 w 2204704"/>
+                <a:gd name="connsiteY0" fmla="*/ 1064 h 2069114"/>
+                <a:gd name="connsiteX1" fmla="*/ 2058594 w 2204704"/>
+                <a:gd name="connsiteY1" fmla="*/ 82732 h 2069114"/>
+                <a:gd name="connsiteX2" fmla="*/ 2121972 w 2204704"/>
+                <a:gd name="connsiteY2" fmla="*/ 622474 h 2069114"/>
+                <a:gd name="connsiteX3" fmla="*/ 979367 w 2204704"/>
+                <a:gd name="connsiteY3" fmla="*/ 2069114 h 2069114"/>
+                <a:gd name="connsiteX4" fmla="*/ 0 w 2204704"/>
+                <a:gd name="connsiteY4" fmla="*/ 2069114 h 2069114"/>
+                <a:gd name="connsiteX5" fmla="*/ 1518853 w 2204704"/>
+                <a:gd name="connsiteY5" fmla="*/ 146110 h 2069114"/>
+                <a:gd name="connsiteX6" fmla="*/ 1849312 w 2204704"/>
+                <a:gd name="connsiteY6" fmla="*/ 1064 h 2069114"/>
+              </a:gdLst>
+              <a:ahLst/>
+              <a:cxnLst>
+                <a:cxn ang="0">
+                  <a:pos x="connsiteX0" y="connsiteY0"/>
+                </a:cxn>
+                <a:cxn ang="0">
+                  <a:pos x="connsiteX1" y="connsiteY1"/>
+                </a:cxn>
+                <a:cxn ang="0">
+                  <a:pos x="connsiteX2" y="connsiteY2"/>
+                </a:cxn>
+                <a:cxn ang="0">
+                  <a:pos x="connsiteX3" y="connsiteY3"/>
+                </a:cxn>
+                <a:cxn ang="0">
+                  <a:pos x="connsiteX4" y="connsiteY4"/>
+                </a:cxn>
+                <a:cxn ang="0">
+                  <a:pos x="connsiteX5" y="connsiteY5"/>
+                </a:cxn>
+                <a:cxn ang="0">
+                  <a:pos x="connsiteX6" y="connsiteY6"/>
+                </a:cxn>
+              </a:cxnLst>
+              <a:rect l="l" t="t" r="r" b="b"/>
+              <a:pathLst>
+                <a:path w="2204704" h="2069114">
+                  <a:moveTo>
+                    <a:pt x="1849312" y="1064"/>
+                  </a:moveTo>
+                  <a:cubicBezTo>
+                    <a:pt x="1923123" y="6563"/>
+                    <a:pt x="1996139" y="33403"/>
+                    <a:pt x="2058594" y="82732"/>
+                  </a:cubicBezTo>
+                  <a:cubicBezTo>
+                    <a:pt x="2225141" y="214276"/>
+                    <a:pt x="2253516" y="455927"/>
+                    <a:pt x="2121972" y="622474"/>
+                  </a:cubicBezTo>
+                  <a:lnTo>
+                    <a:pt x="979367" y="2069114"/>
+                  </a:lnTo>
+                  <a:lnTo>
+                    <a:pt x="0" y="2069114"/>
+                  </a:lnTo>
+                  <a:lnTo>
+                    <a:pt x="1518853" y="146110"/>
+                  </a:lnTo>
+                  <a:cubicBezTo>
+                    <a:pt x="1601068" y="42018"/>
+                    <a:pt x="1726294" y="-8100"/>
+                    <a:pt x="1849312" y="1064"/>
+                  </a:cubicBezTo>
+                  <a:close/>
+                </a:path>
+              </a:pathLst>
+            </a:custGeom>
+            <a:solidFill>
+              <a:schemeClr val="bg1">
+                <a:alpha val="24000"/>
+              </a:schemeClr>
+            </a:solidFill>
+            <a:ln>
+              <a:noFill/>
+            </a:ln>
+          </p:spPr>
+          <p:style>
+            <a:lnRef idx="2">
+              <a:schemeClr val="accent1">
+                <a:shade val="50000"/>
+              </a:schemeClr>
+            </a:lnRef>
+            <a:fillRef idx="1">
+              <a:schemeClr val="accent1"/>
+            </a:fillRef>
+            <a:effectRef idx="0">
+              <a:schemeClr val="accent1"/>
+            </a:effectRef>
+            <a:fontRef idx="minor">
+              <a:schemeClr val="lt1"/>
+            </a:fontRef>
+          </p:style>
+          <p:txBody>
+            <a:bodyPr rtlCol="0" anchor="ctr"/>
+            <a:lstStyle/>
+            <a:p>
+              <a:pPr algn="ctr"/>
+              <a:endParaRPr lang="zh-CN" altLang="en-US"/>
+            </a:p>
+          </p:txBody>
+        </p:sp>
+        <p:sp>
+          <p:nvSpPr>
+            <p:cNvPr id="28" name="任意多边形 27"/>
+            <p:cNvSpPr/>
+            <p:nvPr/>
+          </p:nvSpPr>
+          <p:spPr>
+            <a:xfrm>
+              <a:off x="5310518" y="2028824"/>
+              <a:ext cx="1360279" cy="1276621"/>
+            </a:xfrm>
+            <a:custGeom>
+              <a:avLst/>
+              <a:gdLst>
+                <a:gd name="connsiteX0" fmla="*/ 1849312 w 2204704"/>
+                <a:gd name="connsiteY0" fmla="*/ 1064 h 2069114"/>
+                <a:gd name="connsiteX1" fmla="*/ 2058594 w 2204704"/>
+                <a:gd name="connsiteY1" fmla="*/ 82732 h 2069114"/>
+                <a:gd name="connsiteX2" fmla="*/ 2121972 w 2204704"/>
+                <a:gd name="connsiteY2" fmla="*/ 622474 h 2069114"/>
+                <a:gd name="connsiteX3" fmla="*/ 979367 w 2204704"/>
+                <a:gd name="connsiteY3" fmla="*/ 2069114 h 2069114"/>
+                <a:gd name="connsiteX4" fmla="*/ 0 w 2204704"/>
+                <a:gd name="connsiteY4" fmla="*/ 2069114 h 2069114"/>
+                <a:gd name="connsiteX5" fmla="*/ 1518853 w 2204704"/>
+                <a:gd name="connsiteY5" fmla="*/ 146110 h 2069114"/>
+                <a:gd name="connsiteX6" fmla="*/ 1849312 w 2204704"/>
+                <a:gd name="connsiteY6" fmla="*/ 1064 h 2069114"/>
+              </a:gdLst>
+              <a:ahLst/>
+              <a:cxnLst>
+                <a:cxn ang="0">
+                  <a:pos x="connsiteX0" y="connsiteY0"/>
+                </a:cxn>
+                <a:cxn ang="0">
+                  <a:pos x="connsiteX1" y="connsiteY1"/>
+                </a:cxn>
+                <a:cxn ang="0">
+                  <a:pos x="connsiteX2" y="connsiteY2"/>
+                </a:cxn>
+                <a:cxn ang="0">
+                  <a:pos x="connsiteX3" y="connsiteY3"/>
+                </a:cxn>
+                <a:cxn ang="0">
+                  <a:pos x="connsiteX4" y="connsiteY4"/>
+                </a:cxn>
+                <a:cxn ang="0">
+                  <a:pos x="connsiteX5" y="connsiteY5"/>
+                </a:cxn>
+                <a:cxn ang="0">
+                  <a:pos x="connsiteX6" y="connsiteY6"/>
+                </a:cxn>
+              </a:cxnLst>
+              <a:rect l="l" t="t" r="r" b="b"/>
+              <a:pathLst>
+                <a:path w="2204704" h="2069114">
+                  <a:moveTo>
+                    <a:pt x="1849312" y="1064"/>
+                  </a:moveTo>
+                  <a:cubicBezTo>
+                    <a:pt x="1923123" y="6563"/>
+                    <a:pt x="1996139" y="33403"/>
+                    <a:pt x="2058594" y="82732"/>
+                  </a:cubicBezTo>
+                  <a:cubicBezTo>
+                    <a:pt x="2225141" y="214276"/>
+                    <a:pt x="2253516" y="455927"/>
+                    <a:pt x="2121972" y="622474"/>
+                  </a:cubicBezTo>
+                  <a:lnTo>
+                    <a:pt x="979367" y="2069114"/>
+                  </a:lnTo>
+                  <a:lnTo>
+                    <a:pt x="0" y="2069114"/>
+                  </a:lnTo>
+                  <a:lnTo>
+                    <a:pt x="1518853" y="146110"/>
+                  </a:lnTo>
+                  <a:cubicBezTo>
+                    <a:pt x="1601068" y="42018"/>
+                    <a:pt x="1726294" y="-8100"/>
+                    <a:pt x="1849312" y="1064"/>
+                  </a:cubicBezTo>
+                  <a:close/>
+                </a:path>
+              </a:pathLst>
+            </a:custGeom>
+            <a:solidFill>
+              <a:srgbClr val="7030A0">
+                <a:alpha val="46000"/>
+              </a:srgbClr>
+            </a:solidFill>
+            <a:ln>
+              <a:noFill/>
+            </a:ln>
+          </p:spPr>
+          <p:style>
+            <a:lnRef idx="2">
+              <a:schemeClr val="accent1">
+                <a:shade val="50000"/>
+              </a:schemeClr>
+            </a:lnRef>
+            <a:fillRef idx="1">
+              <a:schemeClr val="accent1"/>
+            </a:fillRef>
+            <a:effectRef idx="0">
+              <a:schemeClr val="accent1"/>
+            </a:effectRef>
+            <a:fontRef idx="minor">
+              <a:schemeClr val="lt1"/>
+            </a:fontRef>
+          </p:style>
+          <p:txBody>
+            <a:bodyPr rtlCol="0" anchor="ctr"/>
+            <a:lstStyle/>
+            <a:p>
+              <a:pPr algn="ctr"/>
+              <a:endParaRPr lang="zh-CN" altLang="en-US"/>
+            </a:p>
+          </p:txBody>
+        </p:sp>
+      </p:grpSp>
+      <p:sp>
+        <p:nvSpPr>
+          <p:cNvPr id="35" name="矩形 34"/>
+          <p:cNvSpPr/>
+          <p:nvPr/>
+        </p:nvSpPr>
+        <p:spPr>
+          <a:xfrm>
+            <a:off x="101908" y="130750"/>
+            <a:ext cx="1192795" cy="1126550"/>
+          </a:xfrm>
+          <a:prstGeom prst="rect">
+            <a:avLst/>
+          </a:prstGeom>
+          <a:solidFill>
+            <a:srgbClr val="40E3F6"/>
+          </a:solidFill>
+          <a:ln w="12700">
+            <a:noFill/>
+          </a:ln>
+        </p:spPr>
+        <p:style>
+          <a:lnRef idx="2">
+            <a:schemeClr val="accent1">
+              <a:shade val="50000"/>
+            </a:schemeClr>
+          </a:lnRef>
+          <a:fillRef idx="1">
+            <a:schemeClr val="accent1"/>
+          </a:fillRef>
+          <a:effectRef idx="0">
+            <a:schemeClr val="accent1"/>
+          </a:effectRef>
+          <a:fontRef idx="minor">
+            <a:schemeClr val="lt1"/>
+          </a:fontRef>
+        </p:style>
+        <p:txBody>
+          <a:bodyPr rtlCol="0" anchor="ctr"/>
+          <a:lstStyle/>
+          <a:p>
+            <a:pPr algn="ctr"/>
+            <a:r>
+              <a:rPr lang="en-US" altLang="zh-CN" sz="3200" dirty="0" smtClean="0">
+                <a:solidFill>
+                  <a:schemeClr val="bg1"/>
+                </a:solidFill>
+              </a:rPr>
+              <a:t>LOGO</a:t>
+            </a:r>
+            <a:endParaRPr lang="zh-CN" altLang="en-US" sz="3200" dirty="0">
+              <a:solidFill>
+                <a:schemeClr val="bg1"/>
+              </a:solidFill>
+            </a:endParaRPr>
+          </a:p>
+        </p:txBody>
+      </p:sp>
+      <p:sp>
+        <p:nvSpPr>
+          <p:cNvPr id="34" name="矩形 33"/>
+          <p:cNvSpPr/>
+          <p:nvPr/>
+        </p:nvSpPr>
+        <p:spPr>
+          <a:xfrm>
+            <a:off x="101908" y="130750"/>
+            <a:ext cx="1180627" cy="1126550"/>
+          </a:xfrm>
+          <a:prstGeom prst="rect">
+            <a:avLst/>
+          </a:prstGeom>
+          <a:solidFill>
+            <a:srgbClr val="40E3F6"/>
+          </a:solidFill>
+          <a:ln w="12700">
+            <a:noFill/>
+          </a:ln>
+        </p:spPr>
+        <p:style>
+          <a:lnRef idx="2">
+            <a:schemeClr val="accent1">
+              <a:shade val="50000"/>
+            </a:schemeClr>
+          </a:lnRef>
+          <a:fillRef idx="1">
+            <a:schemeClr val="accent1"/>
+          </a:fillRef>
+          <a:effectRef idx="0">
+            <a:schemeClr val="accent1"/>
+          </a:effectRef>
+          <a:fontRef idx="minor">
+            <a:schemeClr val="lt1"/>
+          </a:fontRef>
+        </p:style>
+        <p:txBody>
+          <a:bodyPr rtlCol="0" anchor="ctr"/>
+          <a:lstStyle/>
+          <a:p>
+            <a:pPr algn="ctr"/>
+            <a:endParaRPr lang="zh-CN" altLang="en-US" sz="3200" dirty="0">
+              <a:solidFill>
+                <a:schemeClr val="bg1"/>
+              </a:solidFill>
+            </a:endParaRPr>
+          </a:p>
+        </p:txBody>
+      </p:sp>
+      <p:pic>
+        <p:nvPicPr>
+          <p:cNvPr id="36" name="图片 35" descr="angular.jpg"/>
+          <p:cNvPicPr>
+            <a:picLocks noChangeAspect="1"/>
+          </p:cNvPicPr>
+          <p:nvPr/>
+        </p:nvPicPr>
+        <p:blipFill>
+          <a:blip r:embed="rId2" cstate="print"/>
+          <a:stretch>
+            <a:fillRect/>
+          </a:stretch>
+        </p:blipFill>
+        <p:spPr>
+          <a:xfrm>
+            <a:off x="191180" y="184254"/>
+            <a:ext cx="1008228" cy="1008228"/>
+          </a:xfrm>
+          <a:prstGeom prst="rect">
+            <a:avLst/>
+          </a:prstGeom>
+        </p:spPr>
+      </p:pic>
+      <p:sp>
+        <p:nvSpPr>
+          <p:cNvPr id="43" name="矩形 42"/>
+          <p:cNvSpPr/>
+          <p:nvPr/>
+        </p:nvSpPr>
+        <p:spPr>
+          <a:xfrm>
+            <a:off x="1792718" y="447914"/>
+            <a:ext cx="2204852" cy="783772"/>
+          </a:xfrm>
+          <a:prstGeom prst="rect">
+            <a:avLst/>
+          </a:prstGeom>
+          <a:solidFill>
+            <a:schemeClr val="bg1"/>
+          </a:solidFill>
+          <a:ln w="12700">
+            <a:solidFill>
+              <a:srgbClr val="5ABAE5"/>
+            </a:solidFill>
+          </a:ln>
+        </p:spPr>
+        <p:style>
+          <a:lnRef idx="2">
+            <a:schemeClr val="accent1">
+              <a:shade val="50000"/>
+            </a:schemeClr>
+          </a:lnRef>
+          <a:fillRef idx="1">
+            <a:schemeClr val="accent1"/>
+          </a:fillRef>
+          <a:effectRef idx="0">
+            <a:schemeClr val="accent1"/>
+          </a:effectRef>
+          <a:fontRef idx="minor">
+            <a:schemeClr val="lt1"/>
+          </a:fontRef>
+        </p:style>
+        <p:txBody>
+          <a:bodyPr rtlCol="0" anchor="ctr"/>
+          <a:lstStyle/>
+          <a:p>
+            <a:pPr algn="ctr"/>
+            <a:endParaRPr lang="zh-CN" altLang="en-US"/>
+          </a:p>
+        </p:txBody>
+      </p:sp>
+      <p:sp>
+        <p:nvSpPr>
+          <p:cNvPr id="44" name="矩形 43"/>
+          <p:cNvSpPr/>
+          <p:nvPr/>
+        </p:nvSpPr>
+        <p:spPr>
+          <a:xfrm>
+            <a:off x="1875845" y="531041"/>
+            <a:ext cx="2039664" cy="641268"/>
+          </a:xfrm>
+          <a:prstGeom prst="rect">
+            <a:avLst/>
+          </a:prstGeom>
+          <a:solidFill>
+            <a:srgbClr val="56D4EA"/>
+          </a:solidFill>
+          <a:ln>
+            <a:noFill/>
+          </a:ln>
+          <a:effectLst>
+            <a:outerShdw blurRad="609600" dir="2100000" sx="40000" sy="40000" algn="ctr">
+              <a:srgbClr val="000000">
+                <a:alpha val="95000"/>
+              </a:srgbClr>
+            </a:outerShdw>
+          </a:effectLst>
+        </p:spPr>
+        <p:style>
+          <a:lnRef idx="2">
+            <a:schemeClr val="accent1">
+              <a:shade val="50000"/>
+            </a:schemeClr>
+          </a:lnRef>
+          <a:fillRef idx="1">
+            <a:schemeClr val="accent1"/>
+          </a:fillRef>
+          <a:effectRef idx="0">
+            <a:schemeClr val="accent1"/>
+          </a:effectRef>
+          <a:fontRef idx="minor">
+            <a:schemeClr val="lt1"/>
+          </a:fontRef>
+        </p:style>
+        <p:txBody>
+          <a:bodyPr rtlCol="0" anchor="ctr"/>
+          <a:lstStyle/>
+          <a:p>
+            <a:pPr algn="ctr"/>
+            <a:endParaRPr lang="zh-CN" altLang="en-US"/>
+          </a:p>
+        </p:txBody>
+      </p:sp>
+      <p:sp>
+        <p:nvSpPr>
+          <p:cNvPr id="45" name="文本框 18"/>
+          <p:cNvSpPr txBox="1"/>
+          <p:nvPr/>
+        </p:nvSpPr>
+        <p:spPr>
+          <a:xfrm>
+            <a:off x="1927759" y="590417"/>
+            <a:ext cx="2069809" cy="523220"/>
+          </a:xfrm>
+          <a:prstGeom prst="rect">
+            <a:avLst/>
+          </a:prstGeom>
+          <a:noFill/>
+        </p:spPr>
+        <p:txBody>
+          <a:bodyPr wrap="square" rtlCol="0">
+            <a:spAutoFit/>
+          </a:bodyPr>
+          <a:lstStyle/>
+          <a:p>
+            <a:r>
+              <a:rPr lang="zh-CN" altLang="en-US" sz="2800" dirty="0" smtClean="0">
+                <a:solidFill>
+                  <a:schemeClr val="bg1"/>
+                </a:solidFill>
+                <a:latin typeface="造字工房悦圆（非商用）常规体" pitchFamily="50" charset="-122"/>
+                <a:ea typeface="造字工房悦圆（非商用）常规体" pitchFamily="50" charset="-122"/>
+              </a:rPr>
+              <a:t>自定义指令</a:t>
+            </a:r>
+            <a:endParaRPr lang="zh-CN" altLang="en-US" sz="2800" dirty="0">
+              <a:solidFill>
+                <a:schemeClr val="bg1"/>
+              </a:solidFill>
+              <a:latin typeface="造字工房悦圆（非商用）常规体" pitchFamily="50" charset="-122"/>
+              <a:ea typeface="造字工房悦圆（非商用）常规体" pitchFamily="50" charset="-122"/>
+            </a:endParaRPr>
+          </a:p>
+        </p:txBody>
+      </p:sp>
+      <p:sp>
+        <p:nvSpPr>
+          <p:cNvPr id="32" name="TextBox 31"/>
+          <p:cNvSpPr txBox="1"/>
+          <p:nvPr/>
+        </p:nvSpPr>
+        <p:spPr>
+          <a:xfrm>
+            <a:off x="1776045" y="1521067"/>
+            <a:ext cx="2834055" cy="461665"/>
+          </a:xfrm>
+          <a:prstGeom prst="rect">
+            <a:avLst/>
+          </a:prstGeom>
+          <a:noFill/>
+        </p:spPr>
+        <p:txBody>
+          <a:bodyPr wrap="square" rtlCol="0">
+            <a:spAutoFit/>
+          </a:bodyPr>
+          <a:lstStyle/>
+          <a:p>
+            <a:r>
+              <a:rPr lang="en-US" altLang="zh-CN" sz="2400" dirty="0" smtClean="0">
+                <a:solidFill>
+                  <a:schemeClr val="bg1"/>
+                </a:solidFill>
+                <a:ea typeface="造字工房悦圆（非商用）常规体"/>
+              </a:rPr>
+              <a:t>scope </a:t>
+            </a:r>
+            <a:r>
+              <a:rPr lang="zh-CN" altLang="en-US" sz="2400" dirty="0" smtClean="0">
+                <a:solidFill>
+                  <a:schemeClr val="bg1"/>
+                </a:solidFill>
+                <a:ea typeface="造字工房悦圆（非商用）常规体"/>
+              </a:rPr>
+              <a:t>： 绑定策略</a:t>
+            </a:r>
+            <a:endParaRPr lang="zh-CN" altLang="en-US" sz="2400" dirty="0">
+              <a:solidFill>
+                <a:schemeClr val="bg1"/>
+              </a:solidFill>
+              <a:ea typeface="造字工房悦圆（非商用）常规体"/>
+            </a:endParaRPr>
+          </a:p>
+        </p:txBody>
+      </p:sp>
+      <p:sp>
+        <p:nvSpPr>
+          <p:cNvPr id="37" name="TextBox 36"/>
+          <p:cNvSpPr txBox="1"/>
+          <p:nvPr/>
+        </p:nvSpPr>
+        <p:spPr>
+          <a:xfrm>
+            <a:off x="1776045" y="2486267"/>
+            <a:ext cx="5348655" cy="400110"/>
+          </a:xfrm>
+          <a:prstGeom prst="rect">
+            <a:avLst/>
+          </a:prstGeom>
+          <a:noFill/>
+        </p:spPr>
+        <p:txBody>
+          <a:bodyPr wrap="square" rtlCol="0">
+            <a:spAutoFit/>
+          </a:bodyPr>
+          <a:lstStyle/>
+          <a:p>
+            <a:r>
+              <a:rPr lang="en-US" altLang="zh-CN" sz="2000" dirty="0" smtClean="0">
+                <a:solidFill>
+                  <a:schemeClr val="bg1"/>
+                </a:solidFill>
+                <a:ea typeface="造字工房悦圆（非商用）常规体"/>
+              </a:rPr>
+              <a:t>@</a:t>
+            </a:r>
+            <a:r>
+              <a:rPr lang="zh-CN" altLang="en-US" sz="2000" dirty="0" smtClean="0">
+                <a:solidFill>
+                  <a:schemeClr val="bg1"/>
+                </a:solidFill>
+                <a:ea typeface="造字工房悦圆（非商用）常规体"/>
+              </a:rPr>
+              <a:t>： 把当前属性作为字符串传递，单向绑定</a:t>
+            </a:r>
+            <a:endParaRPr lang="zh-CN" altLang="en-US" sz="2000" dirty="0">
+              <a:solidFill>
+                <a:schemeClr val="bg1"/>
+              </a:solidFill>
+              <a:ea typeface="造字工房悦圆（非商用）常规体"/>
+            </a:endParaRPr>
+          </a:p>
+        </p:txBody>
+      </p:sp>
+      <p:sp>
+        <p:nvSpPr>
+          <p:cNvPr id="38" name="TextBox 37"/>
+          <p:cNvSpPr txBox="1"/>
+          <p:nvPr/>
+        </p:nvSpPr>
+        <p:spPr>
+          <a:xfrm>
+            <a:off x="1763345" y="3362567"/>
+            <a:ext cx="5348655" cy="400110"/>
+          </a:xfrm>
+          <a:prstGeom prst="rect">
+            <a:avLst/>
+          </a:prstGeom>
+          <a:noFill/>
+        </p:spPr>
+        <p:txBody>
+          <a:bodyPr wrap="square" rtlCol="0">
+            <a:spAutoFit/>
+          </a:bodyPr>
+          <a:lstStyle/>
+          <a:p>
+            <a:r>
+              <a:rPr lang="en-US" altLang="zh-CN" sz="2000" dirty="0" smtClean="0">
+                <a:solidFill>
+                  <a:schemeClr val="bg1"/>
+                </a:solidFill>
+                <a:ea typeface="造字工房悦圆（非商用）常规体"/>
+              </a:rPr>
+              <a:t> = </a:t>
+            </a:r>
+            <a:r>
+              <a:rPr lang="zh-CN" altLang="en-US" sz="2000" dirty="0" smtClean="0">
+                <a:solidFill>
+                  <a:schemeClr val="bg1"/>
+                </a:solidFill>
+                <a:ea typeface="造字工房悦圆（非商用）常规体"/>
+              </a:rPr>
+              <a:t>： 与父</a:t>
+            </a:r>
+            <a:r>
+              <a:rPr lang="en-US" altLang="zh-CN" sz="2000" dirty="0" smtClean="0">
+                <a:solidFill>
+                  <a:schemeClr val="bg1"/>
+                </a:solidFill>
+                <a:ea typeface="造字工房悦圆（非商用）常规体"/>
+              </a:rPr>
+              <a:t>scope</a:t>
+            </a:r>
+            <a:r>
+              <a:rPr lang="zh-CN" altLang="en-US" sz="2000" dirty="0" smtClean="0">
+                <a:solidFill>
+                  <a:schemeClr val="bg1"/>
+                </a:solidFill>
+                <a:ea typeface="造字工房悦圆（非商用）常规体"/>
+              </a:rPr>
+              <a:t>中的属性进行双向绑定</a:t>
+            </a:r>
+            <a:endParaRPr lang="zh-CN" altLang="en-US" sz="2000" dirty="0">
+              <a:solidFill>
+                <a:schemeClr val="bg1"/>
+              </a:solidFill>
+              <a:ea typeface="造字工房悦圆（非商用）常规体"/>
+            </a:endParaRPr>
+          </a:p>
+        </p:txBody>
+      </p:sp>
+      <p:sp>
+        <p:nvSpPr>
+          <p:cNvPr id="39" name="TextBox 38"/>
+          <p:cNvSpPr txBox="1"/>
+          <p:nvPr/>
+        </p:nvSpPr>
+        <p:spPr>
+          <a:xfrm>
+            <a:off x="1725245" y="4365867"/>
+            <a:ext cx="5348655" cy="400110"/>
+          </a:xfrm>
+          <a:prstGeom prst="rect">
+            <a:avLst/>
+          </a:prstGeom>
+          <a:noFill/>
+        </p:spPr>
+        <p:txBody>
+          <a:bodyPr wrap="square" rtlCol="0">
+            <a:spAutoFit/>
+          </a:bodyPr>
+          <a:lstStyle/>
+          <a:p>
+            <a:r>
+              <a:rPr lang="en-US" altLang="zh-CN" sz="2000" dirty="0" smtClean="0">
+                <a:solidFill>
+                  <a:schemeClr val="bg1"/>
+                </a:solidFill>
+                <a:ea typeface="造字工房悦圆（非商用）常规体"/>
+              </a:rPr>
+              <a:t> &amp; </a:t>
+            </a:r>
+            <a:r>
+              <a:rPr lang="zh-CN" altLang="en-US" sz="2000" dirty="0" smtClean="0">
+                <a:solidFill>
+                  <a:schemeClr val="bg1"/>
+                </a:solidFill>
+                <a:ea typeface="造字工房悦圆（非商用）常规体"/>
+              </a:rPr>
+              <a:t>： 传递一个来自父</a:t>
+            </a:r>
+            <a:r>
+              <a:rPr lang="en-US" altLang="zh-CN" sz="2000" dirty="0" smtClean="0">
+                <a:solidFill>
+                  <a:schemeClr val="bg1"/>
+                </a:solidFill>
+                <a:ea typeface="造字工房悦圆（非商用）常规体"/>
+              </a:rPr>
+              <a:t>scope</a:t>
+            </a:r>
+            <a:r>
+              <a:rPr lang="zh-CN" altLang="en-US" sz="2000" dirty="0" smtClean="0">
+                <a:solidFill>
+                  <a:schemeClr val="bg1"/>
+                </a:solidFill>
+                <a:ea typeface="造字工房悦圆（非商用）常规体"/>
+              </a:rPr>
+              <a:t>的函数，稍后调用</a:t>
+            </a:r>
+            <a:endParaRPr lang="zh-CN" altLang="en-US" sz="2000" dirty="0">
+              <a:solidFill>
+                <a:schemeClr val="bg1"/>
+              </a:solidFill>
+              <a:ea typeface="造字工房悦圆（非商用）常规体"/>
+            </a:endParaRPr>
+          </a:p>
+        </p:txBody>
+      </p:sp>
+    </p:spTree>
+    <p:extLst>
+      <p:ext uri="{BB962C8B-B14F-4D97-AF65-F5344CB8AC3E}">
+        <p14:creationId xmlns:p14="http://schemas.microsoft.com/office/powerpoint/2010/main" xmlns="" val="3386272830"/>
+      </p:ext>
+    </p:extLst>
+  </p:cSld>
+  <p:clrMapOvr>
+    <a:masterClrMapping/>
+  </p:clrMapOvr>
+  <p:transition/>
+  <p:timing>
+    <p:tnLst>
+      <p:par>
+        <p:cTn id="1" dur="indefinite" restart="never" nodeType="tmRoot">
+          <p:childTnLst>
+            <p:seq concurrent="1" nextAc="seek">
+              <p:cTn id="2" dur="indefinite" nodeType="mainSeq">
+                <p:childTnLst>
+                  <p:par>
+                    <p:cTn id="3" fill="hold">
+                      <p:stCondLst>
+                        <p:cond delay="indefinite"/>
+                        <p:cond evt="onBegin" delay="0">
+                          <p:tn val="2"/>
+                        </p:cond>
+                      </p:stCondLst>
+                      <p:childTnLst>
+                        <p:par>
+                          <p:cTn id="4" fill="hold">
+                            <p:stCondLst>
+                              <p:cond delay="0"/>
+                            </p:stCondLst>
+                            <p:childTnLst>
+                              <p:par>
+                                <p:cTn id="5" presetID="22" presetClass="entr" presetSubtype="4" fill="hold" grpId="0" nodeType="withEffect">
+                                  <p:stCondLst>
+                                    <p:cond delay="0"/>
+                                  </p:stCondLst>
+                                  <p:childTnLst>
+                                    <p:set>
+                                      <p:cBhvr>
+                                        <p:cTn id="6" dur="1" fill="hold">
+                                          <p:stCondLst>
+                                            <p:cond delay="0"/>
+                                          </p:stCondLst>
+                                        </p:cTn>
+                                        <p:tgtEl>
+                                          <p:spTgt spid="32"/>
+                                        </p:tgtEl>
+                                        <p:attrNameLst>
+                                          <p:attrName>style.visibility</p:attrName>
+                                        </p:attrNameLst>
+                                      </p:cBhvr>
+                                      <p:to>
+                                        <p:strVal val="visible"/>
+                                      </p:to>
+                                    </p:set>
+                                    <p:animEffect transition="in" filter="wipe(down)">
+                                      <p:cBhvr>
+                                        <p:cTn id="7" dur="500"/>
+                                        <p:tgtEl>
+                                          <p:spTgt spid="32"/>
+                                        </p:tgtEl>
+                                      </p:cBhvr>
+                                    </p:animEffect>
+                                  </p:childTnLst>
+                                </p:cTn>
+                              </p:par>
+                              <p:par>
+                                <p:cTn id="8" presetID="22" presetClass="entr" presetSubtype="4" fill="hold" grpId="0" nodeType="withEffect">
+                                  <p:stCondLst>
+                                    <p:cond delay="0"/>
+                                  </p:stCondLst>
+                                  <p:childTnLst>
+                                    <p:set>
+                                      <p:cBhvr>
+                                        <p:cTn id="9" dur="1" fill="hold">
+                                          <p:stCondLst>
+                                            <p:cond delay="0"/>
+                                          </p:stCondLst>
+                                        </p:cTn>
+                                        <p:tgtEl>
+                                          <p:spTgt spid="37"/>
+                                        </p:tgtEl>
+                                        <p:attrNameLst>
+                                          <p:attrName>style.visibility</p:attrName>
+                                        </p:attrNameLst>
+                                      </p:cBhvr>
+                                      <p:to>
+                                        <p:strVal val="visible"/>
+                                      </p:to>
+                                    </p:set>
+                                    <p:animEffect transition="in" filter="wipe(down)">
+                                      <p:cBhvr>
+                                        <p:cTn id="10" dur="500"/>
+                                        <p:tgtEl>
+                                          <p:spTgt spid="37"/>
+                                        </p:tgtEl>
+                                      </p:cBhvr>
+                                    </p:animEffect>
+                                  </p:childTnLst>
+                                </p:cTn>
+                              </p:par>
+                              <p:par>
+                                <p:cTn id="11" presetID="22" presetClass="entr" presetSubtype="4" fill="hold" grpId="0" nodeType="withEffect">
+                                  <p:stCondLst>
+                                    <p:cond delay="0"/>
+                                  </p:stCondLst>
+                                  <p:childTnLst>
+                                    <p:set>
+                                      <p:cBhvr>
+                                        <p:cTn id="12" dur="1" fill="hold">
+                                          <p:stCondLst>
+                                            <p:cond delay="0"/>
+                                          </p:stCondLst>
+                                        </p:cTn>
+                                        <p:tgtEl>
+                                          <p:spTgt spid="38"/>
+                                        </p:tgtEl>
+                                        <p:attrNameLst>
+                                          <p:attrName>style.visibility</p:attrName>
+                                        </p:attrNameLst>
+                                      </p:cBhvr>
+                                      <p:to>
+                                        <p:strVal val="visible"/>
+                                      </p:to>
+                                    </p:set>
+                                    <p:animEffect transition="in" filter="wipe(down)">
+                                      <p:cBhvr>
+                                        <p:cTn id="13" dur="500"/>
+                                        <p:tgtEl>
+                                          <p:spTgt spid="38"/>
+                                        </p:tgtEl>
+                                      </p:cBhvr>
+                                    </p:animEffect>
+                                  </p:childTnLst>
+                                </p:cTn>
+                              </p:par>
+                              <p:par>
+                                <p:cTn id="14" presetID="22" presetClass="entr" presetSubtype="4" fill="hold" grpId="0" nodeType="withEffect">
+                                  <p:stCondLst>
+                                    <p:cond delay="0"/>
+                                  </p:stCondLst>
+                                  <p:childTnLst>
+                                    <p:set>
+                                      <p:cBhvr>
+                                        <p:cTn id="15" dur="1" fill="hold">
+                                          <p:stCondLst>
+                                            <p:cond delay="0"/>
+                                          </p:stCondLst>
+                                        </p:cTn>
+                                        <p:tgtEl>
+                                          <p:spTgt spid="39"/>
+                                        </p:tgtEl>
+                                        <p:attrNameLst>
+                                          <p:attrName>style.visibility</p:attrName>
+                                        </p:attrNameLst>
+                                      </p:cBhvr>
+                                      <p:to>
+                                        <p:strVal val="visible"/>
+                                      </p:to>
+                                    </p:set>
+                                    <p:animEffect transition="in" filter="wipe(down)">
+                                      <p:cBhvr>
+                                        <p:cTn id="16" dur="500"/>
+                                        <p:tgtEl>
+                                          <p:spTgt spid="39"/>
+                                        </p:tgtEl>
+                                      </p:cBhvr>
+                                    </p:animEffect>
+                                  </p:childTnLst>
+                                </p:cTn>
+                              </p:par>
+                            </p:childTnLst>
+                          </p:cTn>
+                        </p:par>
+                      </p:childTnLst>
+                    </p:cTn>
+                  </p:par>
+                </p:childTnLst>
+              </p:cTn>
+              <p:prevCondLst>
+                <p:cond evt="onPrev" delay="0">
+                  <p:tgtEl>
+                    <p:sldTgt/>
+                  </p:tgtEl>
+                </p:cond>
+              </p:prevCondLst>
+              <p:nextCondLst>
+                <p:cond evt="onNext" delay="0">
+                  <p:tgtEl>
+                    <p:sldTgt/>
+                  </p:tgtEl>
+                </p:cond>
+              </p:nextCondLst>
+            </p:seq>
+          </p:childTnLst>
+        </p:cTn>
+      </p:par>
+    </p:tnLst>
+    <p:bldLst>
+      <p:bldP spid="32" grpId="0"/>
+      <p:bldP spid="37" grpId="0"/>
+      <p:bldP spid="38" grpId="0"/>
+      <p:bldP spid="39" grpId="0"/>
+    </p:bldLst>
+  </p:timing>
+</p:sld>
+</file>
+
+<file path=ppt/slides/slide17.xml><?xml version="1.0" encoding="utf-8"?>
 <p:sld xmlns:a="http://schemas.openxmlformats.org/drawingml/2006/main" xmlns:r="http://schemas.openxmlformats.org/officeDocument/2006/relationships" xmlns:p="http://schemas.openxmlformats.org/presentationml/2006/main">
   <p:cSld>
     <p:spTree>
@@ -18678,7 +20130,7 @@
     </p:spTree>
     <p:extLst>
       <p:ext uri="{BB962C8B-B14F-4D97-AF65-F5344CB8AC3E}">
-        <p14:creationId xmlns="" xmlns:p14="http://schemas.microsoft.com/office/powerpoint/2010/main" val="3386272830"/>
+        <p14:creationId xmlns:p14="http://schemas.microsoft.com/office/powerpoint/2010/main" xmlns="" val="3386272830"/>
       </p:ext>
     </p:extLst>
   </p:cSld>
@@ -18961,7 +20413,7 @@
 </p:sld>
 </file>
 
-<file path=ppt/slides/slide17.xml><?xml version="1.0" encoding="utf-8"?>
+<file path=ppt/slides/slide18.xml><?xml version="1.0" encoding="utf-8"?>
 <p:sld xmlns:a="http://schemas.openxmlformats.org/drawingml/2006/main" xmlns:r="http://schemas.openxmlformats.org/officeDocument/2006/relationships" xmlns:p="http://schemas.openxmlformats.org/presentationml/2006/main">
   <p:cSld>
     <p:spTree>
@@ -20194,7 +21646,7 @@
     </p:spTree>
     <p:extLst>
       <p:ext uri="{BB962C8B-B14F-4D97-AF65-F5344CB8AC3E}">
-        <p14:creationId xmlns="" xmlns:p14="http://schemas.microsoft.com/office/powerpoint/2010/main" val="3386272830"/>
+        <p14:creationId xmlns:p14="http://schemas.microsoft.com/office/powerpoint/2010/main" xmlns="" val="3386272830"/>
       </p:ext>
     </p:extLst>
   </p:cSld>
@@ -20398,7 +21850,7 @@
 </p:sld>
 </file>
 
-<file path=ppt/slides/slide18.xml><?xml version="1.0" encoding="utf-8"?>
+<file path=ppt/slides/slide19.xml><?xml version="1.0" encoding="utf-8"?>
 <p:sld xmlns:a="http://schemas.openxmlformats.org/drawingml/2006/main" xmlns:r="http://schemas.openxmlformats.org/officeDocument/2006/relationships" xmlns:p="http://schemas.openxmlformats.org/presentationml/2006/main">
   <p:cSld>
     <p:spTree>
@@ -21894,7 +23346,7 @@
     </p:spTree>
     <p:extLst>
       <p:ext uri="{BB962C8B-B14F-4D97-AF65-F5344CB8AC3E}">
-        <p14:creationId xmlns="" xmlns:p14="http://schemas.microsoft.com/office/powerpoint/2010/main" val="3386272830"/>
+        <p14:creationId xmlns:p14="http://schemas.microsoft.com/office/powerpoint/2010/main" xmlns="" val="3386272830"/>
       </p:ext>
     </p:extLst>
   </p:cSld>
@@ -22093,1418 +23545,6 @@
       <p:bldP spid="50" grpId="0"/>
       <p:bldP spid="22" grpId="0"/>
       <p:bldP spid="19" grpId="0"/>
-    </p:bldLst>
-  </p:timing>
-</p:sld>
-</file>
-
-<file path=ppt/slides/slide19.xml><?xml version="1.0" encoding="utf-8"?>
-<p:sld xmlns:a="http://schemas.openxmlformats.org/drawingml/2006/main" xmlns:r="http://schemas.openxmlformats.org/officeDocument/2006/relationships" xmlns:p="http://schemas.openxmlformats.org/presentationml/2006/main">
-  <p:cSld>
-    <p:spTree>
-      <p:nvGrpSpPr>
-        <p:cNvPr id="1" name=""/>
-        <p:cNvGrpSpPr/>
-        <p:nvPr/>
-      </p:nvGrpSpPr>
-      <p:grpSpPr>
-        <a:xfrm>
-          <a:off x="0" y="0"/>
-          <a:ext cx="0" cy="0"/>
-          <a:chOff x="0" y="0"/>
-          <a:chExt cx="0" cy="0"/>
-        </a:xfrm>
-      </p:grpSpPr>
-      <p:grpSp>
-        <p:nvGrpSpPr>
-          <p:cNvPr id="2" name="组合 31"/>
-          <p:cNvGrpSpPr/>
-          <p:nvPr/>
-        </p:nvGrpSpPr>
-        <p:grpSpPr>
-          <a:xfrm rot="16200000">
-            <a:off x="9868693" y="294751"/>
-            <a:ext cx="2684464" cy="1962151"/>
-            <a:chOff x="5947983" y="731507"/>
-            <a:chExt cx="2971525" cy="2171971"/>
-          </a:xfrm>
-        </p:grpSpPr>
-        <p:sp>
-          <p:nvSpPr>
-            <p:cNvPr id="29" name="任意多边形 28"/>
-            <p:cNvSpPr/>
-            <p:nvPr/>
-          </p:nvSpPr>
-          <p:spPr>
-            <a:xfrm>
-              <a:off x="5947983" y="834364"/>
-              <a:ext cx="2204704" cy="2069114"/>
-            </a:xfrm>
-            <a:custGeom>
-              <a:avLst/>
-              <a:gdLst>
-                <a:gd name="connsiteX0" fmla="*/ 1849312 w 2204704"/>
-                <a:gd name="connsiteY0" fmla="*/ 1064 h 2069114"/>
-                <a:gd name="connsiteX1" fmla="*/ 2058594 w 2204704"/>
-                <a:gd name="connsiteY1" fmla="*/ 82732 h 2069114"/>
-                <a:gd name="connsiteX2" fmla="*/ 2121972 w 2204704"/>
-                <a:gd name="connsiteY2" fmla="*/ 622474 h 2069114"/>
-                <a:gd name="connsiteX3" fmla="*/ 979367 w 2204704"/>
-                <a:gd name="connsiteY3" fmla="*/ 2069114 h 2069114"/>
-                <a:gd name="connsiteX4" fmla="*/ 0 w 2204704"/>
-                <a:gd name="connsiteY4" fmla="*/ 2069114 h 2069114"/>
-                <a:gd name="connsiteX5" fmla="*/ 1518853 w 2204704"/>
-                <a:gd name="connsiteY5" fmla="*/ 146110 h 2069114"/>
-                <a:gd name="connsiteX6" fmla="*/ 1849312 w 2204704"/>
-                <a:gd name="connsiteY6" fmla="*/ 1064 h 2069114"/>
-              </a:gdLst>
-              <a:ahLst/>
-              <a:cxnLst>
-                <a:cxn ang="0">
-                  <a:pos x="connsiteX0" y="connsiteY0"/>
-                </a:cxn>
-                <a:cxn ang="0">
-                  <a:pos x="connsiteX1" y="connsiteY1"/>
-                </a:cxn>
-                <a:cxn ang="0">
-                  <a:pos x="connsiteX2" y="connsiteY2"/>
-                </a:cxn>
-                <a:cxn ang="0">
-                  <a:pos x="connsiteX3" y="connsiteY3"/>
-                </a:cxn>
-                <a:cxn ang="0">
-                  <a:pos x="connsiteX4" y="connsiteY4"/>
-                </a:cxn>
-                <a:cxn ang="0">
-                  <a:pos x="connsiteX5" y="connsiteY5"/>
-                </a:cxn>
-                <a:cxn ang="0">
-                  <a:pos x="connsiteX6" y="connsiteY6"/>
-                </a:cxn>
-              </a:cxnLst>
-              <a:rect l="l" t="t" r="r" b="b"/>
-              <a:pathLst>
-                <a:path w="2204704" h="2069114">
-                  <a:moveTo>
-                    <a:pt x="1849312" y="1064"/>
-                  </a:moveTo>
-                  <a:cubicBezTo>
-                    <a:pt x="1923123" y="6563"/>
-                    <a:pt x="1996139" y="33403"/>
-                    <a:pt x="2058594" y="82732"/>
-                  </a:cubicBezTo>
-                  <a:cubicBezTo>
-                    <a:pt x="2225141" y="214276"/>
-                    <a:pt x="2253516" y="455927"/>
-                    <a:pt x="2121972" y="622474"/>
-                  </a:cubicBezTo>
-                  <a:lnTo>
-                    <a:pt x="979367" y="2069114"/>
-                  </a:lnTo>
-                  <a:lnTo>
-                    <a:pt x="0" y="2069114"/>
-                  </a:lnTo>
-                  <a:lnTo>
-                    <a:pt x="1518853" y="146110"/>
-                  </a:lnTo>
-                  <a:cubicBezTo>
-                    <a:pt x="1601068" y="42018"/>
-                    <a:pt x="1726294" y="-8100"/>
-                    <a:pt x="1849312" y="1064"/>
-                  </a:cubicBezTo>
-                  <a:close/>
-                </a:path>
-              </a:pathLst>
-            </a:custGeom>
-            <a:solidFill>
-              <a:srgbClr val="40E3F6"/>
-            </a:solidFill>
-            <a:ln>
-              <a:noFill/>
-            </a:ln>
-          </p:spPr>
-          <p:style>
-            <a:lnRef idx="2">
-              <a:schemeClr val="accent1">
-                <a:shade val="50000"/>
-              </a:schemeClr>
-            </a:lnRef>
-            <a:fillRef idx="1">
-              <a:schemeClr val="accent1"/>
-            </a:fillRef>
-            <a:effectRef idx="0">
-              <a:schemeClr val="accent1"/>
-            </a:effectRef>
-            <a:fontRef idx="minor">
-              <a:schemeClr val="lt1"/>
-            </a:fontRef>
-          </p:style>
-          <p:txBody>
-            <a:bodyPr rtlCol="0" anchor="ctr"/>
-            <a:lstStyle/>
-            <a:p>
-              <a:pPr algn="ctr"/>
-              <a:endParaRPr lang="zh-CN" altLang="en-US"/>
-            </a:p>
-          </p:txBody>
-        </p:sp>
-        <p:sp>
-          <p:nvSpPr>
-            <p:cNvPr id="30" name="任意多边形 29"/>
-            <p:cNvSpPr/>
-            <p:nvPr/>
-          </p:nvSpPr>
-          <p:spPr>
-            <a:xfrm>
-              <a:off x="6605207" y="731507"/>
-              <a:ext cx="2314301" cy="2171971"/>
-            </a:xfrm>
-            <a:custGeom>
-              <a:avLst/>
-              <a:gdLst>
-                <a:gd name="connsiteX0" fmla="*/ 1849312 w 2204704"/>
-                <a:gd name="connsiteY0" fmla="*/ 1064 h 2069114"/>
-                <a:gd name="connsiteX1" fmla="*/ 2058594 w 2204704"/>
-                <a:gd name="connsiteY1" fmla="*/ 82732 h 2069114"/>
-                <a:gd name="connsiteX2" fmla="*/ 2121972 w 2204704"/>
-                <a:gd name="connsiteY2" fmla="*/ 622474 h 2069114"/>
-                <a:gd name="connsiteX3" fmla="*/ 979367 w 2204704"/>
-                <a:gd name="connsiteY3" fmla="*/ 2069114 h 2069114"/>
-                <a:gd name="connsiteX4" fmla="*/ 0 w 2204704"/>
-                <a:gd name="connsiteY4" fmla="*/ 2069114 h 2069114"/>
-                <a:gd name="connsiteX5" fmla="*/ 1518853 w 2204704"/>
-                <a:gd name="connsiteY5" fmla="*/ 146110 h 2069114"/>
-                <a:gd name="connsiteX6" fmla="*/ 1849312 w 2204704"/>
-                <a:gd name="connsiteY6" fmla="*/ 1064 h 2069114"/>
-              </a:gdLst>
-              <a:ahLst/>
-              <a:cxnLst>
-                <a:cxn ang="0">
-                  <a:pos x="connsiteX0" y="connsiteY0"/>
-                </a:cxn>
-                <a:cxn ang="0">
-                  <a:pos x="connsiteX1" y="connsiteY1"/>
-                </a:cxn>
-                <a:cxn ang="0">
-                  <a:pos x="connsiteX2" y="connsiteY2"/>
-                </a:cxn>
-                <a:cxn ang="0">
-                  <a:pos x="connsiteX3" y="connsiteY3"/>
-                </a:cxn>
-                <a:cxn ang="0">
-                  <a:pos x="connsiteX4" y="connsiteY4"/>
-                </a:cxn>
-                <a:cxn ang="0">
-                  <a:pos x="connsiteX5" y="connsiteY5"/>
-                </a:cxn>
-                <a:cxn ang="0">
-                  <a:pos x="connsiteX6" y="connsiteY6"/>
-                </a:cxn>
-              </a:cxnLst>
-              <a:rect l="l" t="t" r="r" b="b"/>
-              <a:pathLst>
-                <a:path w="2204704" h="2069114">
-                  <a:moveTo>
-                    <a:pt x="1849312" y="1064"/>
-                  </a:moveTo>
-                  <a:cubicBezTo>
-                    <a:pt x="1923123" y="6563"/>
-                    <a:pt x="1996139" y="33403"/>
-                    <a:pt x="2058594" y="82732"/>
-                  </a:cubicBezTo>
-                  <a:cubicBezTo>
-                    <a:pt x="2225141" y="214276"/>
-                    <a:pt x="2253516" y="455927"/>
-                    <a:pt x="2121972" y="622474"/>
-                  </a:cubicBezTo>
-                  <a:lnTo>
-                    <a:pt x="979367" y="2069114"/>
-                  </a:lnTo>
-                  <a:lnTo>
-                    <a:pt x="0" y="2069114"/>
-                  </a:lnTo>
-                  <a:lnTo>
-                    <a:pt x="1518853" y="146110"/>
-                  </a:lnTo>
-                  <a:cubicBezTo>
-                    <a:pt x="1601068" y="42018"/>
-                    <a:pt x="1726294" y="-8100"/>
-                    <a:pt x="1849312" y="1064"/>
-                  </a:cubicBezTo>
-                  <a:close/>
-                </a:path>
-              </a:pathLst>
-            </a:custGeom>
-            <a:solidFill>
-              <a:schemeClr val="bg1">
-                <a:alpha val="24000"/>
-              </a:schemeClr>
-            </a:solidFill>
-            <a:ln>
-              <a:noFill/>
-            </a:ln>
-          </p:spPr>
-          <p:style>
-            <a:lnRef idx="2">
-              <a:schemeClr val="accent1">
-                <a:shade val="50000"/>
-              </a:schemeClr>
-            </a:lnRef>
-            <a:fillRef idx="1">
-              <a:schemeClr val="accent1"/>
-            </a:fillRef>
-            <a:effectRef idx="0">
-              <a:schemeClr val="accent1"/>
-            </a:effectRef>
-            <a:fontRef idx="minor">
-              <a:schemeClr val="lt1"/>
-            </a:fontRef>
-          </p:style>
-          <p:txBody>
-            <a:bodyPr rtlCol="0" anchor="ctr"/>
-            <a:lstStyle/>
-            <a:p>
-              <a:pPr algn="ctr"/>
-              <a:endParaRPr lang="zh-CN" altLang="en-US"/>
-            </a:p>
-          </p:txBody>
-        </p:sp>
-        <p:sp>
-          <p:nvSpPr>
-            <p:cNvPr id="31" name="任意多边形 30"/>
-            <p:cNvSpPr/>
-            <p:nvPr/>
-          </p:nvSpPr>
-          <p:spPr>
-            <a:xfrm>
-              <a:off x="7367208" y="1626856"/>
-              <a:ext cx="1360279" cy="1276621"/>
-            </a:xfrm>
-            <a:custGeom>
-              <a:avLst/>
-              <a:gdLst>
-                <a:gd name="connsiteX0" fmla="*/ 1849312 w 2204704"/>
-                <a:gd name="connsiteY0" fmla="*/ 1064 h 2069114"/>
-                <a:gd name="connsiteX1" fmla="*/ 2058594 w 2204704"/>
-                <a:gd name="connsiteY1" fmla="*/ 82732 h 2069114"/>
-                <a:gd name="connsiteX2" fmla="*/ 2121972 w 2204704"/>
-                <a:gd name="connsiteY2" fmla="*/ 622474 h 2069114"/>
-                <a:gd name="connsiteX3" fmla="*/ 979367 w 2204704"/>
-                <a:gd name="connsiteY3" fmla="*/ 2069114 h 2069114"/>
-                <a:gd name="connsiteX4" fmla="*/ 0 w 2204704"/>
-                <a:gd name="connsiteY4" fmla="*/ 2069114 h 2069114"/>
-                <a:gd name="connsiteX5" fmla="*/ 1518853 w 2204704"/>
-                <a:gd name="connsiteY5" fmla="*/ 146110 h 2069114"/>
-                <a:gd name="connsiteX6" fmla="*/ 1849312 w 2204704"/>
-                <a:gd name="connsiteY6" fmla="*/ 1064 h 2069114"/>
-              </a:gdLst>
-              <a:ahLst/>
-              <a:cxnLst>
-                <a:cxn ang="0">
-                  <a:pos x="connsiteX0" y="connsiteY0"/>
-                </a:cxn>
-                <a:cxn ang="0">
-                  <a:pos x="connsiteX1" y="connsiteY1"/>
-                </a:cxn>
-                <a:cxn ang="0">
-                  <a:pos x="connsiteX2" y="connsiteY2"/>
-                </a:cxn>
-                <a:cxn ang="0">
-                  <a:pos x="connsiteX3" y="connsiteY3"/>
-                </a:cxn>
-                <a:cxn ang="0">
-                  <a:pos x="connsiteX4" y="connsiteY4"/>
-                </a:cxn>
-                <a:cxn ang="0">
-                  <a:pos x="connsiteX5" y="connsiteY5"/>
-                </a:cxn>
-                <a:cxn ang="0">
-                  <a:pos x="connsiteX6" y="connsiteY6"/>
-                </a:cxn>
-              </a:cxnLst>
-              <a:rect l="l" t="t" r="r" b="b"/>
-              <a:pathLst>
-                <a:path w="2204704" h="2069114">
-                  <a:moveTo>
-                    <a:pt x="1849312" y="1064"/>
-                  </a:moveTo>
-                  <a:cubicBezTo>
-                    <a:pt x="1923123" y="6563"/>
-                    <a:pt x="1996139" y="33403"/>
-                    <a:pt x="2058594" y="82732"/>
-                  </a:cubicBezTo>
-                  <a:cubicBezTo>
-                    <a:pt x="2225141" y="214276"/>
-                    <a:pt x="2253516" y="455927"/>
-                    <a:pt x="2121972" y="622474"/>
-                  </a:cubicBezTo>
-                  <a:lnTo>
-                    <a:pt x="979367" y="2069114"/>
-                  </a:lnTo>
-                  <a:lnTo>
-                    <a:pt x="0" y="2069114"/>
-                  </a:lnTo>
-                  <a:lnTo>
-                    <a:pt x="1518853" y="146110"/>
-                  </a:lnTo>
-                  <a:cubicBezTo>
-                    <a:pt x="1601068" y="42018"/>
-                    <a:pt x="1726294" y="-8100"/>
-                    <a:pt x="1849312" y="1064"/>
-                  </a:cubicBezTo>
-                  <a:close/>
-                </a:path>
-              </a:pathLst>
-            </a:custGeom>
-            <a:solidFill>
-              <a:srgbClr val="7030A0">
-                <a:alpha val="46000"/>
-              </a:srgbClr>
-            </a:solidFill>
-            <a:ln>
-              <a:noFill/>
-            </a:ln>
-          </p:spPr>
-          <p:style>
-            <a:lnRef idx="2">
-              <a:schemeClr val="accent1">
-                <a:shade val="50000"/>
-              </a:schemeClr>
-            </a:lnRef>
-            <a:fillRef idx="1">
-              <a:schemeClr val="accent1"/>
-            </a:fillRef>
-            <a:effectRef idx="0">
-              <a:schemeClr val="accent1"/>
-            </a:effectRef>
-            <a:fontRef idx="minor">
-              <a:schemeClr val="lt1"/>
-            </a:fontRef>
-          </p:style>
-          <p:txBody>
-            <a:bodyPr rtlCol="0" anchor="ctr"/>
-            <a:lstStyle/>
-            <a:p>
-              <a:pPr algn="ctr"/>
-              <a:endParaRPr lang="zh-CN" altLang="en-US"/>
-            </a:p>
-          </p:txBody>
-        </p:sp>
-      </p:grpSp>
-      <p:grpSp>
-        <p:nvGrpSpPr>
-          <p:cNvPr id="3" name="组合 32"/>
-          <p:cNvGrpSpPr/>
-          <p:nvPr/>
-        </p:nvGrpSpPr>
-        <p:grpSpPr>
-          <a:xfrm rot="5400000">
-            <a:off x="-399777" y="4457698"/>
-            <a:ext cx="2971525" cy="2171971"/>
-            <a:chOff x="3891293" y="1133475"/>
-            <a:chExt cx="2971525" cy="2171971"/>
-          </a:xfrm>
-        </p:grpSpPr>
-        <p:sp>
-          <p:nvSpPr>
-            <p:cNvPr id="25" name="任意多边形 24"/>
-            <p:cNvSpPr/>
-            <p:nvPr/>
-          </p:nvSpPr>
-          <p:spPr>
-            <a:xfrm>
-              <a:off x="3891293" y="1236332"/>
-              <a:ext cx="2204704" cy="2069114"/>
-            </a:xfrm>
-            <a:custGeom>
-              <a:avLst/>
-              <a:gdLst>
-                <a:gd name="connsiteX0" fmla="*/ 1849312 w 2204704"/>
-                <a:gd name="connsiteY0" fmla="*/ 1064 h 2069114"/>
-                <a:gd name="connsiteX1" fmla="*/ 2058594 w 2204704"/>
-                <a:gd name="connsiteY1" fmla="*/ 82732 h 2069114"/>
-                <a:gd name="connsiteX2" fmla="*/ 2121972 w 2204704"/>
-                <a:gd name="connsiteY2" fmla="*/ 622474 h 2069114"/>
-                <a:gd name="connsiteX3" fmla="*/ 979367 w 2204704"/>
-                <a:gd name="connsiteY3" fmla="*/ 2069114 h 2069114"/>
-                <a:gd name="connsiteX4" fmla="*/ 0 w 2204704"/>
-                <a:gd name="connsiteY4" fmla="*/ 2069114 h 2069114"/>
-                <a:gd name="connsiteX5" fmla="*/ 1518853 w 2204704"/>
-                <a:gd name="connsiteY5" fmla="*/ 146110 h 2069114"/>
-                <a:gd name="connsiteX6" fmla="*/ 1849312 w 2204704"/>
-                <a:gd name="connsiteY6" fmla="*/ 1064 h 2069114"/>
-              </a:gdLst>
-              <a:ahLst/>
-              <a:cxnLst>
-                <a:cxn ang="0">
-                  <a:pos x="connsiteX0" y="connsiteY0"/>
-                </a:cxn>
-                <a:cxn ang="0">
-                  <a:pos x="connsiteX1" y="connsiteY1"/>
-                </a:cxn>
-                <a:cxn ang="0">
-                  <a:pos x="connsiteX2" y="connsiteY2"/>
-                </a:cxn>
-                <a:cxn ang="0">
-                  <a:pos x="connsiteX3" y="connsiteY3"/>
-                </a:cxn>
-                <a:cxn ang="0">
-                  <a:pos x="connsiteX4" y="connsiteY4"/>
-                </a:cxn>
-                <a:cxn ang="0">
-                  <a:pos x="connsiteX5" y="connsiteY5"/>
-                </a:cxn>
-                <a:cxn ang="0">
-                  <a:pos x="connsiteX6" y="connsiteY6"/>
-                </a:cxn>
-              </a:cxnLst>
-              <a:rect l="l" t="t" r="r" b="b"/>
-              <a:pathLst>
-                <a:path w="2204704" h="2069114">
-                  <a:moveTo>
-                    <a:pt x="1849312" y="1064"/>
-                  </a:moveTo>
-                  <a:cubicBezTo>
-                    <a:pt x="1923123" y="6563"/>
-                    <a:pt x="1996139" y="33403"/>
-                    <a:pt x="2058594" y="82732"/>
-                  </a:cubicBezTo>
-                  <a:cubicBezTo>
-                    <a:pt x="2225141" y="214276"/>
-                    <a:pt x="2253516" y="455927"/>
-                    <a:pt x="2121972" y="622474"/>
-                  </a:cubicBezTo>
-                  <a:lnTo>
-                    <a:pt x="979367" y="2069114"/>
-                  </a:lnTo>
-                  <a:lnTo>
-                    <a:pt x="0" y="2069114"/>
-                  </a:lnTo>
-                  <a:lnTo>
-                    <a:pt x="1518853" y="146110"/>
-                  </a:lnTo>
-                  <a:cubicBezTo>
-                    <a:pt x="1601068" y="42018"/>
-                    <a:pt x="1726294" y="-8100"/>
-                    <a:pt x="1849312" y="1064"/>
-                  </a:cubicBezTo>
-                  <a:close/>
-                </a:path>
-              </a:pathLst>
-            </a:custGeom>
-            <a:solidFill>
-              <a:srgbClr val="40E3F6"/>
-            </a:solidFill>
-            <a:ln>
-              <a:noFill/>
-            </a:ln>
-          </p:spPr>
-          <p:style>
-            <a:lnRef idx="2">
-              <a:schemeClr val="accent1">
-                <a:shade val="50000"/>
-              </a:schemeClr>
-            </a:lnRef>
-            <a:fillRef idx="1">
-              <a:schemeClr val="accent1"/>
-            </a:fillRef>
-            <a:effectRef idx="0">
-              <a:schemeClr val="accent1"/>
-            </a:effectRef>
-            <a:fontRef idx="minor">
-              <a:schemeClr val="lt1"/>
-            </a:fontRef>
-          </p:style>
-          <p:txBody>
-            <a:bodyPr rtlCol="0" anchor="ctr"/>
-            <a:lstStyle/>
-            <a:p>
-              <a:pPr algn="ctr"/>
-              <a:endParaRPr lang="zh-CN" altLang="en-US"/>
-            </a:p>
-          </p:txBody>
-        </p:sp>
-        <p:sp>
-          <p:nvSpPr>
-            <p:cNvPr id="27" name="任意多边形 26"/>
-            <p:cNvSpPr/>
-            <p:nvPr/>
-          </p:nvSpPr>
-          <p:spPr>
-            <a:xfrm>
-              <a:off x="4548517" y="1133475"/>
-              <a:ext cx="2314301" cy="2171971"/>
-            </a:xfrm>
-            <a:custGeom>
-              <a:avLst/>
-              <a:gdLst>
-                <a:gd name="connsiteX0" fmla="*/ 1849312 w 2204704"/>
-                <a:gd name="connsiteY0" fmla="*/ 1064 h 2069114"/>
-                <a:gd name="connsiteX1" fmla="*/ 2058594 w 2204704"/>
-                <a:gd name="connsiteY1" fmla="*/ 82732 h 2069114"/>
-                <a:gd name="connsiteX2" fmla="*/ 2121972 w 2204704"/>
-                <a:gd name="connsiteY2" fmla="*/ 622474 h 2069114"/>
-                <a:gd name="connsiteX3" fmla="*/ 979367 w 2204704"/>
-                <a:gd name="connsiteY3" fmla="*/ 2069114 h 2069114"/>
-                <a:gd name="connsiteX4" fmla="*/ 0 w 2204704"/>
-                <a:gd name="connsiteY4" fmla="*/ 2069114 h 2069114"/>
-                <a:gd name="connsiteX5" fmla="*/ 1518853 w 2204704"/>
-                <a:gd name="connsiteY5" fmla="*/ 146110 h 2069114"/>
-                <a:gd name="connsiteX6" fmla="*/ 1849312 w 2204704"/>
-                <a:gd name="connsiteY6" fmla="*/ 1064 h 2069114"/>
-              </a:gdLst>
-              <a:ahLst/>
-              <a:cxnLst>
-                <a:cxn ang="0">
-                  <a:pos x="connsiteX0" y="connsiteY0"/>
-                </a:cxn>
-                <a:cxn ang="0">
-                  <a:pos x="connsiteX1" y="connsiteY1"/>
-                </a:cxn>
-                <a:cxn ang="0">
-                  <a:pos x="connsiteX2" y="connsiteY2"/>
-                </a:cxn>
-                <a:cxn ang="0">
-                  <a:pos x="connsiteX3" y="connsiteY3"/>
-                </a:cxn>
-                <a:cxn ang="0">
-                  <a:pos x="connsiteX4" y="connsiteY4"/>
-                </a:cxn>
-                <a:cxn ang="0">
-                  <a:pos x="connsiteX5" y="connsiteY5"/>
-                </a:cxn>
-                <a:cxn ang="0">
-                  <a:pos x="connsiteX6" y="connsiteY6"/>
-                </a:cxn>
-              </a:cxnLst>
-              <a:rect l="l" t="t" r="r" b="b"/>
-              <a:pathLst>
-                <a:path w="2204704" h="2069114">
-                  <a:moveTo>
-                    <a:pt x="1849312" y="1064"/>
-                  </a:moveTo>
-                  <a:cubicBezTo>
-                    <a:pt x="1923123" y="6563"/>
-                    <a:pt x="1996139" y="33403"/>
-                    <a:pt x="2058594" y="82732"/>
-                  </a:cubicBezTo>
-                  <a:cubicBezTo>
-                    <a:pt x="2225141" y="214276"/>
-                    <a:pt x="2253516" y="455927"/>
-                    <a:pt x="2121972" y="622474"/>
-                  </a:cubicBezTo>
-                  <a:lnTo>
-                    <a:pt x="979367" y="2069114"/>
-                  </a:lnTo>
-                  <a:lnTo>
-                    <a:pt x="0" y="2069114"/>
-                  </a:lnTo>
-                  <a:lnTo>
-                    <a:pt x="1518853" y="146110"/>
-                  </a:lnTo>
-                  <a:cubicBezTo>
-                    <a:pt x="1601068" y="42018"/>
-                    <a:pt x="1726294" y="-8100"/>
-                    <a:pt x="1849312" y="1064"/>
-                  </a:cubicBezTo>
-                  <a:close/>
-                </a:path>
-              </a:pathLst>
-            </a:custGeom>
-            <a:solidFill>
-              <a:schemeClr val="bg1">
-                <a:alpha val="24000"/>
-              </a:schemeClr>
-            </a:solidFill>
-            <a:ln>
-              <a:noFill/>
-            </a:ln>
-          </p:spPr>
-          <p:style>
-            <a:lnRef idx="2">
-              <a:schemeClr val="accent1">
-                <a:shade val="50000"/>
-              </a:schemeClr>
-            </a:lnRef>
-            <a:fillRef idx="1">
-              <a:schemeClr val="accent1"/>
-            </a:fillRef>
-            <a:effectRef idx="0">
-              <a:schemeClr val="accent1"/>
-            </a:effectRef>
-            <a:fontRef idx="minor">
-              <a:schemeClr val="lt1"/>
-            </a:fontRef>
-          </p:style>
-          <p:txBody>
-            <a:bodyPr rtlCol="0" anchor="ctr"/>
-            <a:lstStyle/>
-            <a:p>
-              <a:pPr algn="ctr"/>
-              <a:endParaRPr lang="zh-CN" altLang="en-US"/>
-            </a:p>
-          </p:txBody>
-        </p:sp>
-        <p:sp>
-          <p:nvSpPr>
-            <p:cNvPr id="28" name="任意多边形 27"/>
-            <p:cNvSpPr/>
-            <p:nvPr/>
-          </p:nvSpPr>
-          <p:spPr>
-            <a:xfrm>
-              <a:off x="5310518" y="2028824"/>
-              <a:ext cx="1360279" cy="1276621"/>
-            </a:xfrm>
-            <a:custGeom>
-              <a:avLst/>
-              <a:gdLst>
-                <a:gd name="connsiteX0" fmla="*/ 1849312 w 2204704"/>
-                <a:gd name="connsiteY0" fmla="*/ 1064 h 2069114"/>
-                <a:gd name="connsiteX1" fmla="*/ 2058594 w 2204704"/>
-                <a:gd name="connsiteY1" fmla="*/ 82732 h 2069114"/>
-                <a:gd name="connsiteX2" fmla="*/ 2121972 w 2204704"/>
-                <a:gd name="connsiteY2" fmla="*/ 622474 h 2069114"/>
-                <a:gd name="connsiteX3" fmla="*/ 979367 w 2204704"/>
-                <a:gd name="connsiteY3" fmla="*/ 2069114 h 2069114"/>
-                <a:gd name="connsiteX4" fmla="*/ 0 w 2204704"/>
-                <a:gd name="connsiteY4" fmla="*/ 2069114 h 2069114"/>
-                <a:gd name="connsiteX5" fmla="*/ 1518853 w 2204704"/>
-                <a:gd name="connsiteY5" fmla="*/ 146110 h 2069114"/>
-                <a:gd name="connsiteX6" fmla="*/ 1849312 w 2204704"/>
-                <a:gd name="connsiteY6" fmla="*/ 1064 h 2069114"/>
-              </a:gdLst>
-              <a:ahLst/>
-              <a:cxnLst>
-                <a:cxn ang="0">
-                  <a:pos x="connsiteX0" y="connsiteY0"/>
-                </a:cxn>
-                <a:cxn ang="0">
-                  <a:pos x="connsiteX1" y="connsiteY1"/>
-                </a:cxn>
-                <a:cxn ang="0">
-                  <a:pos x="connsiteX2" y="connsiteY2"/>
-                </a:cxn>
-                <a:cxn ang="0">
-                  <a:pos x="connsiteX3" y="connsiteY3"/>
-                </a:cxn>
-                <a:cxn ang="0">
-                  <a:pos x="connsiteX4" y="connsiteY4"/>
-                </a:cxn>
-                <a:cxn ang="0">
-                  <a:pos x="connsiteX5" y="connsiteY5"/>
-                </a:cxn>
-                <a:cxn ang="0">
-                  <a:pos x="connsiteX6" y="connsiteY6"/>
-                </a:cxn>
-              </a:cxnLst>
-              <a:rect l="l" t="t" r="r" b="b"/>
-              <a:pathLst>
-                <a:path w="2204704" h="2069114">
-                  <a:moveTo>
-                    <a:pt x="1849312" y="1064"/>
-                  </a:moveTo>
-                  <a:cubicBezTo>
-                    <a:pt x="1923123" y="6563"/>
-                    <a:pt x="1996139" y="33403"/>
-                    <a:pt x="2058594" y="82732"/>
-                  </a:cubicBezTo>
-                  <a:cubicBezTo>
-                    <a:pt x="2225141" y="214276"/>
-                    <a:pt x="2253516" y="455927"/>
-                    <a:pt x="2121972" y="622474"/>
-                  </a:cubicBezTo>
-                  <a:lnTo>
-                    <a:pt x="979367" y="2069114"/>
-                  </a:lnTo>
-                  <a:lnTo>
-                    <a:pt x="0" y="2069114"/>
-                  </a:lnTo>
-                  <a:lnTo>
-                    <a:pt x="1518853" y="146110"/>
-                  </a:lnTo>
-                  <a:cubicBezTo>
-                    <a:pt x="1601068" y="42018"/>
-                    <a:pt x="1726294" y="-8100"/>
-                    <a:pt x="1849312" y="1064"/>
-                  </a:cubicBezTo>
-                  <a:close/>
-                </a:path>
-              </a:pathLst>
-            </a:custGeom>
-            <a:solidFill>
-              <a:srgbClr val="7030A0">
-                <a:alpha val="46000"/>
-              </a:srgbClr>
-            </a:solidFill>
-            <a:ln>
-              <a:noFill/>
-            </a:ln>
-          </p:spPr>
-          <p:style>
-            <a:lnRef idx="2">
-              <a:schemeClr val="accent1">
-                <a:shade val="50000"/>
-              </a:schemeClr>
-            </a:lnRef>
-            <a:fillRef idx="1">
-              <a:schemeClr val="accent1"/>
-            </a:fillRef>
-            <a:effectRef idx="0">
-              <a:schemeClr val="accent1"/>
-            </a:effectRef>
-            <a:fontRef idx="minor">
-              <a:schemeClr val="lt1"/>
-            </a:fontRef>
-          </p:style>
-          <p:txBody>
-            <a:bodyPr rtlCol="0" anchor="ctr"/>
-            <a:lstStyle/>
-            <a:p>
-              <a:pPr algn="ctr"/>
-              <a:endParaRPr lang="zh-CN" altLang="en-US"/>
-            </a:p>
-          </p:txBody>
-        </p:sp>
-      </p:grpSp>
-      <p:sp>
-        <p:nvSpPr>
-          <p:cNvPr id="35" name="矩形 34"/>
-          <p:cNvSpPr/>
-          <p:nvPr/>
-        </p:nvSpPr>
-        <p:spPr>
-          <a:xfrm>
-            <a:off x="101908" y="130750"/>
-            <a:ext cx="1192795" cy="1126550"/>
-          </a:xfrm>
-          <a:prstGeom prst="rect">
-            <a:avLst/>
-          </a:prstGeom>
-          <a:solidFill>
-            <a:srgbClr val="40E3F6"/>
-          </a:solidFill>
-          <a:ln w="12700">
-            <a:noFill/>
-          </a:ln>
-        </p:spPr>
-        <p:style>
-          <a:lnRef idx="2">
-            <a:schemeClr val="accent1">
-              <a:shade val="50000"/>
-            </a:schemeClr>
-          </a:lnRef>
-          <a:fillRef idx="1">
-            <a:schemeClr val="accent1"/>
-          </a:fillRef>
-          <a:effectRef idx="0">
-            <a:schemeClr val="accent1"/>
-          </a:effectRef>
-          <a:fontRef idx="minor">
-            <a:schemeClr val="lt1"/>
-          </a:fontRef>
-        </p:style>
-        <p:txBody>
-          <a:bodyPr rtlCol="0" anchor="ctr"/>
-          <a:lstStyle/>
-          <a:p>
-            <a:pPr algn="ctr"/>
-            <a:r>
-              <a:rPr lang="en-US" altLang="zh-CN" sz="3200" dirty="0" smtClean="0">
-                <a:solidFill>
-                  <a:schemeClr val="bg1"/>
-                </a:solidFill>
-              </a:rPr>
-              <a:t>LOGO</a:t>
-            </a:r>
-            <a:endParaRPr lang="zh-CN" altLang="en-US" sz="3200" dirty="0">
-              <a:solidFill>
-                <a:schemeClr val="bg1"/>
-              </a:solidFill>
-            </a:endParaRPr>
-          </a:p>
-        </p:txBody>
-      </p:sp>
-      <p:sp>
-        <p:nvSpPr>
-          <p:cNvPr id="34" name="矩形 33"/>
-          <p:cNvSpPr/>
-          <p:nvPr/>
-        </p:nvSpPr>
-        <p:spPr>
-          <a:xfrm>
-            <a:off x="101908" y="130750"/>
-            <a:ext cx="1180627" cy="1126550"/>
-          </a:xfrm>
-          <a:prstGeom prst="rect">
-            <a:avLst/>
-          </a:prstGeom>
-          <a:solidFill>
-            <a:srgbClr val="40E3F6"/>
-          </a:solidFill>
-          <a:ln w="12700">
-            <a:noFill/>
-          </a:ln>
-        </p:spPr>
-        <p:style>
-          <a:lnRef idx="2">
-            <a:schemeClr val="accent1">
-              <a:shade val="50000"/>
-            </a:schemeClr>
-          </a:lnRef>
-          <a:fillRef idx="1">
-            <a:schemeClr val="accent1"/>
-          </a:fillRef>
-          <a:effectRef idx="0">
-            <a:schemeClr val="accent1"/>
-          </a:effectRef>
-          <a:fontRef idx="minor">
-            <a:schemeClr val="lt1"/>
-          </a:fontRef>
-        </p:style>
-        <p:txBody>
-          <a:bodyPr rtlCol="0" anchor="ctr"/>
-          <a:lstStyle/>
-          <a:p>
-            <a:pPr algn="ctr"/>
-            <a:endParaRPr lang="zh-CN" altLang="en-US" sz="3200" dirty="0">
-              <a:solidFill>
-                <a:schemeClr val="bg1"/>
-              </a:solidFill>
-            </a:endParaRPr>
-          </a:p>
-        </p:txBody>
-      </p:sp>
-      <p:pic>
-        <p:nvPicPr>
-          <p:cNvPr id="36" name="图片 35" descr="angular.jpg"/>
-          <p:cNvPicPr>
-            <a:picLocks noChangeAspect="1"/>
-          </p:cNvPicPr>
-          <p:nvPr/>
-        </p:nvPicPr>
-        <p:blipFill>
-          <a:blip r:embed="rId4" cstate="print"/>
-          <a:stretch>
-            <a:fillRect/>
-          </a:stretch>
-        </p:blipFill>
-        <p:spPr>
-          <a:xfrm>
-            <a:off x="191180" y="184254"/>
-            <a:ext cx="1008228" cy="1008228"/>
-          </a:xfrm>
-          <a:prstGeom prst="rect">
-            <a:avLst/>
-          </a:prstGeom>
-        </p:spPr>
-      </p:pic>
-      <p:sp>
-        <p:nvSpPr>
-          <p:cNvPr id="43" name="矩形 42"/>
-          <p:cNvSpPr/>
-          <p:nvPr/>
-        </p:nvSpPr>
-        <p:spPr>
-          <a:xfrm>
-            <a:off x="1792718" y="447914"/>
-            <a:ext cx="3377160" cy="783772"/>
-          </a:xfrm>
-          <a:prstGeom prst="rect">
-            <a:avLst/>
-          </a:prstGeom>
-          <a:solidFill>
-            <a:schemeClr val="bg1"/>
-          </a:solidFill>
-          <a:ln w="12700">
-            <a:solidFill>
-              <a:srgbClr val="5ABAE5"/>
-            </a:solidFill>
-          </a:ln>
-        </p:spPr>
-        <p:style>
-          <a:lnRef idx="2">
-            <a:schemeClr val="accent1">
-              <a:shade val="50000"/>
-            </a:schemeClr>
-          </a:lnRef>
-          <a:fillRef idx="1">
-            <a:schemeClr val="accent1"/>
-          </a:fillRef>
-          <a:effectRef idx="0">
-            <a:schemeClr val="accent1"/>
-          </a:effectRef>
-          <a:fontRef idx="minor">
-            <a:schemeClr val="lt1"/>
-          </a:fontRef>
-        </p:style>
-        <p:txBody>
-          <a:bodyPr rtlCol="0" anchor="ctr"/>
-          <a:lstStyle/>
-          <a:p>
-            <a:pPr algn="ctr"/>
-            <a:endParaRPr lang="zh-CN" altLang="en-US"/>
-          </a:p>
-        </p:txBody>
-      </p:sp>
-      <p:sp>
-        <p:nvSpPr>
-          <p:cNvPr id="44" name="矩形 43"/>
-          <p:cNvSpPr/>
-          <p:nvPr/>
-        </p:nvSpPr>
-        <p:spPr>
-          <a:xfrm>
-            <a:off x="1875845" y="531041"/>
-            <a:ext cx="3235417" cy="641268"/>
-          </a:xfrm>
-          <a:prstGeom prst="rect">
-            <a:avLst/>
-          </a:prstGeom>
-          <a:solidFill>
-            <a:srgbClr val="56D4EA"/>
-          </a:solidFill>
-          <a:ln>
-            <a:noFill/>
-          </a:ln>
-          <a:effectLst>
-            <a:outerShdw blurRad="609600" dir="2100000" sx="40000" sy="40000" algn="ctr">
-              <a:srgbClr val="000000">
-                <a:alpha val="95000"/>
-              </a:srgbClr>
-            </a:outerShdw>
-          </a:effectLst>
-        </p:spPr>
-        <p:style>
-          <a:lnRef idx="2">
-            <a:schemeClr val="accent1">
-              <a:shade val="50000"/>
-            </a:schemeClr>
-          </a:lnRef>
-          <a:fillRef idx="1">
-            <a:schemeClr val="accent1"/>
-          </a:fillRef>
-          <a:effectRef idx="0">
-            <a:schemeClr val="accent1"/>
-          </a:effectRef>
-          <a:fontRef idx="minor">
-            <a:schemeClr val="lt1"/>
-          </a:fontRef>
-        </p:style>
-        <p:txBody>
-          <a:bodyPr rtlCol="0" anchor="ctr"/>
-          <a:lstStyle/>
-          <a:p>
-            <a:pPr algn="ctr"/>
-            <a:endParaRPr lang="zh-CN" altLang="en-US"/>
-          </a:p>
-        </p:txBody>
-      </p:sp>
-      <p:sp>
-        <p:nvSpPr>
-          <p:cNvPr id="45" name="文本框 18"/>
-          <p:cNvSpPr txBox="1"/>
-          <p:nvPr/>
-        </p:nvSpPr>
-        <p:spPr>
-          <a:xfrm>
-            <a:off x="1927760" y="590417"/>
-            <a:ext cx="3195226" cy="523220"/>
-          </a:xfrm>
-          <a:prstGeom prst="rect">
-            <a:avLst/>
-          </a:prstGeom>
-          <a:noFill/>
-        </p:spPr>
-        <p:txBody>
-          <a:bodyPr wrap="square" rtlCol="0">
-            <a:spAutoFit/>
-          </a:bodyPr>
-          <a:lstStyle/>
-          <a:p>
-            <a:r>
-              <a:rPr lang="zh-CN" altLang="en-US" sz="2800" dirty="0" smtClean="0">
-                <a:solidFill>
-                  <a:schemeClr val="bg1"/>
-                </a:solidFill>
-                <a:latin typeface="造字工房悦圆（非商用）常规体" pitchFamily="50" charset="-122"/>
-                <a:ea typeface="造字工房悦圆（非商用）常规体" pitchFamily="50" charset="-122"/>
-              </a:rPr>
-              <a:t>其他常用的</a:t>
-            </a:r>
-            <a:r>
-              <a:rPr lang="en-US" altLang="zh-CN" sz="2800" dirty="0" smtClean="0">
-                <a:solidFill>
-                  <a:schemeClr val="bg1"/>
-                </a:solidFill>
-                <a:latin typeface="造字工房悦圆（非商用）常规体" pitchFamily="50" charset="-122"/>
-                <a:ea typeface="造字工房悦圆（非商用）常规体" pitchFamily="50" charset="-122"/>
-              </a:rPr>
-              <a:t>Service</a:t>
-            </a:r>
-            <a:endParaRPr lang="zh-CN" altLang="en-US" sz="2800" dirty="0">
-              <a:solidFill>
-                <a:schemeClr val="bg1"/>
-              </a:solidFill>
-              <a:latin typeface="造字工房悦圆（非商用）常规体" pitchFamily="50" charset="-122"/>
-              <a:ea typeface="造字工房悦圆（非商用）常规体" pitchFamily="50" charset="-122"/>
-            </a:endParaRPr>
-          </a:p>
-        </p:txBody>
-      </p:sp>
-      <p:graphicFrame>
-        <p:nvGraphicFramePr>
-          <p:cNvPr id="42" name="对象 41"/>
-          <p:cNvGraphicFramePr>
-            <a:graphicFrameLocks noChangeAspect="1"/>
-          </p:cNvGraphicFramePr>
-          <p:nvPr/>
-        </p:nvGraphicFramePr>
-        <p:xfrm>
-          <a:off x="6038850" y="3319463"/>
-          <a:ext cx="114300" cy="215900"/>
-        </p:xfrm>
-        <a:graphic>
-          <a:graphicData uri="http://schemas.openxmlformats.org/presentationml/2006/ole">
-            <p:oleObj spid="_x0000_s33794" name="Equation" r:id="rId5" imgW="114120" imgH="215640" progId="Equation.KSEE3">
-              <p:embed/>
-            </p:oleObj>
-          </a:graphicData>
-        </a:graphic>
-      </p:graphicFrame>
-      <p:sp>
-        <p:nvSpPr>
-          <p:cNvPr id="50" name="TextBox 49"/>
-          <p:cNvSpPr txBox="1"/>
-          <p:nvPr/>
-        </p:nvSpPr>
-        <p:spPr>
-          <a:xfrm>
-            <a:off x="1688124" y="1992922"/>
-            <a:ext cx="3130062" cy="2677656"/>
-          </a:xfrm>
-          <a:prstGeom prst="rect">
-            <a:avLst/>
-          </a:prstGeom>
-          <a:noFill/>
-        </p:spPr>
-        <p:txBody>
-          <a:bodyPr wrap="square" rtlCol="0">
-            <a:spAutoFit/>
-          </a:bodyPr>
-          <a:lstStyle/>
-          <a:p>
-            <a:r>
-              <a:rPr lang="en-US" altLang="zh-CN" sz="2400" dirty="0" smtClean="0">
-                <a:solidFill>
-                  <a:schemeClr val="bg1"/>
-                </a:solidFill>
-                <a:ea typeface="造字工房悦圆（非商用）常规体"/>
-              </a:rPr>
-              <a:t>$compile</a:t>
-            </a:r>
-            <a:r>
-              <a:rPr lang="zh-CN" altLang="en-US" sz="2400" dirty="0" smtClean="0">
-                <a:solidFill>
-                  <a:schemeClr val="bg1"/>
-                </a:solidFill>
-                <a:ea typeface="造字工房悦圆（非商用）常规体"/>
-              </a:rPr>
-              <a:t>（编译服务）</a:t>
-            </a:r>
-            <a:r>
-              <a:rPr lang="en-US" altLang="zh-CN" sz="2400" dirty="0" smtClean="0">
-                <a:solidFill>
-                  <a:schemeClr val="bg1"/>
-                </a:solidFill>
-                <a:ea typeface="造字工房悦圆（非商用）常规体"/>
-              </a:rPr>
-              <a:t>    $interval    </a:t>
-            </a:r>
-          </a:p>
-          <a:p>
-            <a:r>
-              <a:rPr lang="en-US" altLang="zh-CN" sz="2400" dirty="0" smtClean="0">
-                <a:solidFill>
-                  <a:schemeClr val="bg1"/>
-                </a:solidFill>
-                <a:ea typeface="造字工房悦圆（非商用）常规体"/>
-              </a:rPr>
-              <a:t>$timeout    </a:t>
-            </a:r>
-          </a:p>
-          <a:p>
-            <a:r>
-              <a:rPr lang="en-US" altLang="zh-CN" sz="2400" dirty="0" smtClean="0">
-                <a:solidFill>
-                  <a:schemeClr val="bg1"/>
-                </a:solidFill>
-                <a:ea typeface="造字工房悦圆（非商用）常规体"/>
-              </a:rPr>
-              <a:t>$locale</a:t>
-            </a:r>
-            <a:r>
-              <a:rPr lang="zh-CN" altLang="en-US" sz="2400" dirty="0" smtClean="0">
-                <a:solidFill>
-                  <a:schemeClr val="bg1"/>
-                </a:solidFill>
-                <a:ea typeface="造字工房悦圆（非商用）常规体"/>
-              </a:rPr>
-              <a:t>（国际化）</a:t>
-            </a:r>
-            <a:r>
-              <a:rPr lang="en-US" altLang="zh-CN" sz="2400" dirty="0" smtClean="0">
-                <a:solidFill>
-                  <a:schemeClr val="bg1"/>
-                </a:solidFill>
-                <a:ea typeface="造字工房悦圆（非商用）常规体"/>
-              </a:rPr>
-              <a:t>    $location    </a:t>
-            </a:r>
-          </a:p>
-          <a:p>
-            <a:r>
-              <a:rPr lang="en-US" altLang="zh-CN" sz="2400" dirty="0" smtClean="0">
-                <a:solidFill>
-                  <a:schemeClr val="bg1"/>
-                </a:solidFill>
-                <a:ea typeface="造字工房悦圆（非商用）常规体"/>
-              </a:rPr>
-              <a:t>$log</a:t>
-            </a:r>
-            <a:r>
-              <a:rPr lang="zh-CN" altLang="en-US" sz="2400" dirty="0" smtClean="0">
-                <a:solidFill>
-                  <a:schemeClr val="bg1"/>
-                </a:solidFill>
-                <a:ea typeface="造字工房悦圆（非商用）常规体"/>
-              </a:rPr>
-              <a:t>（提供日志）</a:t>
-            </a:r>
-            <a:r>
-              <a:rPr lang="en-US" altLang="zh-CN" sz="2400" dirty="0" smtClean="0">
-                <a:solidFill>
-                  <a:schemeClr val="bg1"/>
-                </a:solidFill>
-                <a:ea typeface="造字工房悦圆（非商用）常规体"/>
-              </a:rPr>
-              <a:t>    $parse    </a:t>
-            </a:r>
-            <a:endParaRPr lang="zh-CN" altLang="en-US" sz="2400" dirty="0">
-              <a:solidFill>
-                <a:schemeClr val="bg1"/>
-              </a:solidFill>
-              <a:ea typeface="造字工房悦圆（非商用）常规体"/>
-            </a:endParaRPr>
-          </a:p>
-        </p:txBody>
-      </p:sp>
-    </p:spTree>
-    <p:extLst>
-      <p:ext uri="{BB962C8B-B14F-4D97-AF65-F5344CB8AC3E}">
-        <p14:creationId xmlns="" xmlns:p14="http://schemas.microsoft.com/office/powerpoint/2010/main" val="3386272830"/>
-      </p:ext>
-    </p:extLst>
-  </p:cSld>
-  <p:clrMapOvr>
-    <a:masterClrMapping/>
-  </p:clrMapOvr>
-  <p:transition/>
-  <p:timing>
-    <p:tnLst>
-      <p:par>
-        <p:cTn id="1" dur="indefinite" restart="never" nodeType="tmRoot">
-          <p:childTnLst>
-            <p:seq concurrent="1" nextAc="seek">
-              <p:cTn id="2" dur="indefinite" nodeType="mainSeq">
-                <p:childTnLst>
-                  <p:par>
-                    <p:cTn id="3" fill="hold">
-                      <p:stCondLst>
-                        <p:cond delay="indefinite"/>
-                      </p:stCondLst>
-                      <p:childTnLst>
-                        <p:par>
-                          <p:cTn id="4" fill="hold">
-                            <p:stCondLst>
-                              <p:cond delay="0"/>
-                            </p:stCondLst>
-                            <p:childTnLst>
-                              <p:par>
-                                <p:cTn id="5" presetID="2" presetClass="entr" presetSubtype="4" fill="hold" nodeType="clickEffect">
-                                  <p:stCondLst>
-                                    <p:cond delay="0"/>
-                                  </p:stCondLst>
-                                  <p:childTnLst>
-                                    <p:set>
-                                      <p:cBhvr>
-                                        <p:cTn id="6" dur="1" fill="hold">
-                                          <p:stCondLst>
-                                            <p:cond delay="0"/>
-                                          </p:stCondLst>
-                                        </p:cTn>
-                                        <p:tgtEl>
-                                          <p:spTgt spid="42"/>
-                                        </p:tgtEl>
-                                        <p:attrNameLst>
-                                          <p:attrName>style.visibility</p:attrName>
-                                        </p:attrNameLst>
-                                      </p:cBhvr>
-                                      <p:to>
-                                        <p:strVal val="visible"/>
-                                      </p:to>
-                                    </p:set>
-                                    <p:anim calcmode="lin" valueType="num">
-                                      <p:cBhvr additive="base">
-                                        <p:cTn id="7" dur="500" fill="hold"/>
-                                        <p:tgtEl>
-                                          <p:spTgt spid="42"/>
-                                        </p:tgtEl>
-                                        <p:attrNameLst>
-                                          <p:attrName>ppt_x</p:attrName>
-                                        </p:attrNameLst>
-                                      </p:cBhvr>
-                                      <p:tavLst>
-                                        <p:tav tm="0">
-                                          <p:val>
-                                            <p:strVal val="#ppt_x"/>
-                                          </p:val>
-                                        </p:tav>
-                                        <p:tav tm="100000">
-                                          <p:val>
-                                            <p:strVal val="#ppt_x"/>
-                                          </p:val>
-                                        </p:tav>
-                                      </p:tavLst>
-                                    </p:anim>
-                                    <p:anim calcmode="lin" valueType="num">
-                                      <p:cBhvr additive="base">
-                                        <p:cTn id="8" dur="500" fill="hold"/>
-                                        <p:tgtEl>
-                                          <p:spTgt spid="42"/>
-                                        </p:tgtEl>
-                                        <p:attrNameLst>
-                                          <p:attrName>ppt_y</p:attrName>
-                                        </p:attrNameLst>
-                                      </p:cBhvr>
-                                      <p:tavLst>
-                                        <p:tav tm="0">
-                                          <p:val>
-                                            <p:strVal val="1+#ppt_h/2"/>
-                                          </p:val>
-                                        </p:tav>
-                                        <p:tav tm="100000">
-                                          <p:val>
-                                            <p:strVal val="#ppt_y"/>
-                                          </p:val>
-                                        </p:tav>
-                                      </p:tavLst>
-                                    </p:anim>
-                                  </p:childTnLst>
-                                </p:cTn>
-                              </p:par>
-                              <p:par>
-                                <p:cTn id="9" presetID="2" presetClass="entr" presetSubtype="4" fill="hold" grpId="0" nodeType="withEffect">
-                                  <p:stCondLst>
-                                    <p:cond delay="0"/>
-                                  </p:stCondLst>
-                                  <p:childTnLst>
-                                    <p:set>
-                                      <p:cBhvr>
-                                        <p:cTn id="10" dur="1" fill="hold">
-                                          <p:stCondLst>
-                                            <p:cond delay="0"/>
-                                          </p:stCondLst>
-                                        </p:cTn>
-                                        <p:tgtEl>
-                                          <p:spTgt spid="50"/>
-                                        </p:tgtEl>
-                                        <p:attrNameLst>
-                                          <p:attrName>style.visibility</p:attrName>
-                                        </p:attrNameLst>
-                                      </p:cBhvr>
-                                      <p:to>
-                                        <p:strVal val="visible"/>
-                                      </p:to>
-                                    </p:set>
-                                    <p:anim calcmode="lin" valueType="num">
-                                      <p:cBhvr additive="base">
-                                        <p:cTn id="11" dur="500" fill="hold"/>
-                                        <p:tgtEl>
-                                          <p:spTgt spid="50"/>
-                                        </p:tgtEl>
-                                        <p:attrNameLst>
-                                          <p:attrName>ppt_x</p:attrName>
-                                        </p:attrNameLst>
-                                      </p:cBhvr>
-                                      <p:tavLst>
-                                        <p:tav tm="0">
-                                          <p:val>
-                                            <p:strVal val="#ppt_x"/>
-                                          </p:val>
-                                        </p:tav>
-                                        <p:tav tm="100000">
-                                          <p:val>
-                                            <p:strVal val="#ppt_x"/>
-                                          </p:val>
-                                        </p:tav>
-                                      </p:tavLst>
-                                    </p:anim>
-                                    <p:anim calcmode="lin" valueType="num">
-                                      <p:cBhvr additive="base">
-                                        <p:cTn id="12" dur="500" fill="hold"/>
-                                        <p:tgtEl>
-                                          <p:spTgt spid="50"/>
-                                        </p:tgtEl>
-                                        <p:attrNameLst>
-                                          <p:attrName>ppt_y</p:attrName>
-                                        </p:attrNameLst>
-                                      </p:cBhvr>
-                                      <p:tavLst>
-                                        <p:tav tm="0">
-                                          <p:val>
-                                            <p:strVal val="1+#ppt_h/2"/>
-                                          </p:val>
-                                        </p:tav>
-                                        <p:tav tm="100000">
-                                          <p:val>
-                                            <p:strVal val="#ppt_y"/>
-                                          </p:val>
-                                        </p:tav>
-                                      </p:tavLst>
-                                    </p:anim>
-                                  </p:childTnLst>
-                                </p:cTn>
-                              </p:par>
-                            </p:childTnLst>
-                          </p:cTn>
-                        </p:par>
-                      </p:childTnLst>
-                    </p:cTn>
-                  </p:par>
-                </p:childTnLst>
-              </p:cTn>
-              <p:prevCondLst>
-                <p:cond evt="onPrev" delay="0">
-                  <p:tgtEl>
-                    <p:sldTgt/>
-                  </p:tgtEl>
-                </p:cond>
-              </p:prevCondLst>
-              <p:nextCondLst>
-                <p:cond evt="onNext" delay="0">
-                  <p:tgtEl>
-                    <p:sldTgt/>
-                  </p:tgtEl>
-                </p:cond>
-              </p:nextCondLst>
-            </p:seq>
-          </p:childTnLst>
-        </p:cTn>
-      </p:par>
-    </p:tnLst>
-    <p:bldLst>
-      <p:bldP spid="50" grpId="0"/>
     </p:bldLst>
   </p:timing>
 </p:sld>
@@ -25346,7 +25386,7 @@
     </p:spTree>
     <p:extLst>
       <p:ext uri="{BB962C8B-B14F-4D97-AF65-F5344CB8AC3E}">
-        <p14:creationId xmlns="" xmlns:p14="http://schemas.microsoft.com/office/powerpoint/2010/main" val="3386272830"/>
+        <p14:creationId xmlns:p14="http://schemas.microsoft.com/office/powerpoint/2010/main" xmlns="" val="3386272830"/>
       </p:ext>
     </p:extLst>
   </p:cSld>
@@ -27091,6 +27131,1418 @@
         <p:spPr>
           <a:xfrm>
             <a:off x="1792718" y="447914"/>
+            <a:ext cx="3377160" cy="783772"/>
+          </a:xfrm>
+          <a:prstGeom prst="rect">
+            <a:avLst/>
+          </a:prstGeom>
+          <a:solidFill>
+            <a:schemeClr val="bg1"/>
+          </a:solidFill>
+          <a:ln w="12700">
+            <a:solidFill>
+              <a:srgbClr val="5ABAE5"/>
+            </a:solidFill>
+          </a:ln>
+        </p:spPr>
+        <p:style>
+          <a:lnRef idx="2">
+            <a:schemeClr val="accent1">
+              <a:shade val="50000"/>
+            </a:schemeClr>
+          </a:lnRef>
+          <a:fillRef idx="1">
+            <a:schemeClr val="accent1"/>
+          </a:fillRef>
+          <a:effectRef idx="0">
+            <a:schemeClr val="accent1"/>
+          </a:effectRef>
+          <a:fontRef idx="minor">
+            <a:schemeClr val="lt1"/>
+          </a:fontRef>
+        </p:style>
+        <p:txBody>
+          <a:bodyPr rtlCol="0" anchor="ctr"/>
+          <a:lstStyle/>
+          <a:p>
+            <a:pPr algn="ctr"/>
+            <a:endParaRPr lang="zh-CN" altLang="en-US"/>
+          </a:p>
+        </p:txBody>
+      </p:sp>
+      <p:sp>
+        <p:nvSpPr>
+          <p:cNvPr id="44" name="矩形 43"/>
+          <p:cNvSpPr/>
+          <p:nvPr/>
+        </p:nvSpPr>
+        <p:spPr>
+          <a:xfrm>
+            <a:off x="1875845" y="531041"/>
+            <a:ext cx="3235417" cy="641268"/>
+          </a:xfrm>
+          <a:prstGeom prst="rect">
+            <a:avLst/>
+          </a:prstGeom>
+          <a:solidFill>
+            <a:srgbClr val="56D4EA"/>
+          </a:solidFill>
+          <a:ln>
+            <a:noFill/>
+          </a:ln>
+          <a:effectLst>
+            <a:outerShdw blurRad="609600" dir="2100000" sx="40000" sy="40000" algn="ctr">
+              <a:srgbClr val="000000">
+                <a:alpha val="95000"/>
+              </a:srgbClr>
+            </a:outerShdw>
+          </a:effectLst>
+        </p:spPr>
+        <p:style>
+          <a:lnRef idx="2">
+            <a:schemeClr val="accent1">
+              <a:shade val="50000"/>
+            </a:schemeClr>
+          </a:lnRef>
+          <a:fillRef idx="1">
+            <a:schemeClr val="accent1"/>
+          </a:fillRef>
+          <a:effectRef idx="0">
+            <a:schemeClr val="accent1"/>
+          </a:effectRef>
+          <a:fontRef idx="minor">
+            <a:schemeClr val="lt1"/>
+          </a:fontRef>
+        </p:style>
+        <p:txBody>
+          <a:bodyPr rtlCol="0" anchor="ctr"/>
+          <a:lstStyle/>
+          <a:p>
+            <a:pPr algn="ctr"/>
+            <a:endParaRPr lang="zh-CN" altLang="en-US"/>
+          </a:p>
+        </p:txBody>
+      </p:sp>
+      <p:sp>
+        <p:nvSpPr>
+          <p:cNvPr id="45" name="文本框 18"/>
+          <p:cNvSpPr txBox="1"/>
+          <p:nvPr/>
+        </p:nvSpPr>
+        <p:spPr>
+          <a:xfrm>
+            <a:off x="1927760" y="590417"/>
+            <a:ext cx="3195226" cy="523220"/>
+          </a:xfrm>
+          <a:prstGeom prst="rect">
+            <a:avLst/>
+          </a:prstGeom>
+          <a:noFill/>
+        </p:spPr>
+        <p:txBody>
+          <a:bodyPr wrap="square" rtlCol="0">
+            <a:spAutoFit/>
+          </a:bodyPr>
+          <a:lstStyle/>
+          <a:p>
+            <a:r>
+              <a:rPr lang="zh-CN" altLang="en-US" sz="2800" dirty="0" smtClean="0">
+                <a:solidFill>
+                  <a:schemeClr val="bg1"/>
+                </a:solidFill>
+                <a:latin typeface="造字工房悦圆（非商用）常规体" pitchFamily="50" charset="-122"/>
+                <a:ea typeface="造字工房悦圆（非商用）常规体" pitchFamily="50" charset="-122"/>
+              </a:rPr>
+              <a:t>其他常用的</a:t>
+            </a:r>
+            <a:r>
+              <a:rPr lang="en-US" altLang="zh-CN" sz="2800" dirty="0" smtClean="0">
+                <a:solidFill>
+                  <a:schemeClr val="bg1"/>
+                </a:solidFill>
+                <a:latin typeface="造字工房悦圆（非商用）常规体" pitchFamily="50" charset="-122"/>
+                <a:ea typeface="造字工房悦圆（非商用）常规体" pitchFamily="50" charset="-122"/>
+              </a:rPr>
+              <a:t>Service</a:t>
+            </a:r>
+            <a:endParaRPr lang="zh-CN" altLang="en-US" sz="2800" dirty="0">
+              <a:solidFill>
+                <a:schemeClr val="bg1"/>
+              </a:solidFill>
+              <a:latin typeface="造字工房悦圆（非商用）常规体" pitchFamily="50" charset="-122"/>
+              <a:ea typeface="造字工房悦圆（非商用）常规体" pitchFamily="50" charset="-122"/>
+            </a:endParaRPr>
+          </a:p>
+        </p:txBody>
+      </p:sp>
+      <p:graphicFrame>
+        <p:nvGraphicFramePr>
+          <p:cNvPr id="42" name="对象 41"/>
+          <p:cNvGraphicFramePr>
+            <a:graphicFrameLocks noChangeAspect="1"/>
+          </p:cNvGraphicFramePr>
+          <p:nvPr/>
+        </p:nvGraphicFramePr>
+        <p:xfrm>
+          <a:off x="6038850" y="3319463"/>
+          <a:ext cx="114300" cy="215900"/>
+        </p:xfrm>
+        <a:graphic>
+          <a:graphicData uri="http://schemas.openxmlformats.org/presentationml/2006/ole">
+            <p:oleObj spid="_x0000_s33794" name="Equation" r:id="rId5" imgW="114120" imgH="215640" progId="Equation.KSEE3">
+              <p:embed/>
+            </p:oleObj>
+          </a:graphicData>
+        </a:graphic>
+      </p:graphicFrame>
+      <p:sp>
+        <p:nvSpPr>
+          <p:cNvPr id="50" name="TextBox 49"/>
+          <p:cNvSpPr txBox="1"/>
+          <p:nvPr/>
+        </p:nvSpPr>
+        <p:spPr>
+          <a:xfrm>
+            <a:off x="1688124" y="1992922"/>
+            <a:ext cx="3130062" cy="2677656"/>
+          </a:xfrm>
+          <a:prstGeom prst="rect">
+            <a:avLst/>
+          </a:prstGeom>
+          <a:noFill/>
+        </p:spPr>
+        <p:txBody>
+          <a:bodyPr wrap="square" rtlCol="0">
+            <a:spAutoFit/>
+          </a:bodyPr>
+          <a:lstStyle/>
+          <a:p>
+            <a:r>
+              <a:rPr lang="en-US" altLang="zh-CN" sz="2400" dirty="0" smtClean="0">
+                <a:solidFill>
+                  <a:schemeClr val="bg1"/>
+                </a:solidFill>
+                <a:ea typeface="造字工房悦圆（非商用）常规体"/>
+              </a:rPr>
+              <a:t>$compile</a:t>
+            </a:r>
+            <a:r>
+              <a:rPr lang="zh-CN" altLang="en-US" sz="2400" dirty="0" smtClean="0">
+                <a:solidFill>
+                  <a:schemeClr val="bg1"/>
+                </a:solidFill>
+                <a:ea typeface="造字工房悦圆（非商用）常规体"/>
+              </a:rPr>
+              <a:t>（编译服务）</a:t>
+            </a:r>
+            <a:r>
+              <a:rPr lang="en-US" altLang="zh-CN" sz="2400" dirty="0" smtClean="0">
+                <a:solidFill>
+                  <a:schemeClr val="bg1"/>
+                </a:solidFill>
+                <a:ea typeface="造字工房悦圆（非商用）常规体"/>
+              </a:rPr>
+              <a:t>    $interval    </a:t>
+            </a:r>
+          </a:p>
+          <a:p>
+            <a:r>
+              <a:rPr lang="en-US" altLang="zh-CN" sz="2400" dirty="0" smtClean="0">
+                <a:solidFill>
+                  <a:schemeClr val="bg1"/>
+                </a:solidFill>
+                <a:ea typeface="造字工房悦圆（非商用）常规体"/>
+              </a:rPr>
+              <a:t>$timeout    </a:t>
+            </a:r>
+          </a:p>
+          <a:p>
+            <a:r>
+              <a:rPr lang="en-US" altLang="zh-CN" sz="2400" dirty="0" smtClean="0">
+                <a:solidFill>
+                  <a:schemeClr val="bg1"/>
+                </a:solidFill>
+                <a:ea typeface="造字工房悦圆（非商用）常规体"/>
+              </a:rPr>
+              <a:t>$locale</a:t>
+            </a:r>
+            <a:r>
+              <a:rPr lang="zh-CN" altLang="en-US" sz="2400" dirty="0" smtClean="0">
+                <a:solidFill>
+                  <a:schemeClr val="bg1"/>
+                </a:solidFill>
+                <a:ea typeface="造字工房悦圆（非商用）常规体"/>
+              </a:rPr>
+              <a:t>（国际化）</a:t>
+            </a:r>
+            <a:r>
+              <a:rPr lang="en-US" altLang="zh-CN" sz="2400" dirty="0" smtClean="0">
+                <a:solidFill>
+                  <a:schemeClr val="bg1"/>
+                </a:solidFill>
+                <a:ea typeface="造字工房悦圆（非商用）常规体"/>
+              </a:rPr>
+              <a:t>    $location    </a:t>
+            </a:r>
+          </a:p>
+          <a:p>
+            <a:r>
+              <a:rPr lang="en-US" altLang="zh-CN" sz="2400" dirty="0" smtClean="0">
+                <a:solidFill>
+                  <a:schemeClr val="bg1"/>
+                </a:solidFill>
+                <a:ea typeface="造字工房悦圆（非商用）常规体"/>
+              </a:rPr>
+              <a:t>$log</a:t>
+            </a:r>
+            <a:r>
+              <a:rPr lang="zh-CN" altLang="en-US" sz="2400" dirty="0" smtClean="0">
+                <a:solidFill>
+                  <a:schemeClr val="bg1"/>
+                </a:solidFill>
+                <a:ea typeface="造字工房悦圆（非商用）常规体"/>
+              </a:rPr>
+              <a:t>（提供日志）</a:t>
+            </a:r>
+            <a:r>
+              <a:rPr lang="en-US" altLang="zh-CN" sz="2400" dirty="0" smtClean="0">
+                <a:solidFill>
+                  <a:schemeClr val="bg1"/>
+                </a:solidFill>
+                <a:ea typeface="造字工房悦圆（非商用）常规体"/>
+              </a:rPr>
+              <a:t>    $parse    </a:t>
+            </a:r>
+            <a:endParaRPr lang="zh-CN" altLang="en-US" sz="2400" dirty="0">
+              <a:solidFill>
+                <a:schemeClr val="bg1"/>
+              </a:solidFill>
+              <a:ea typeface="造字工房悦圆（非商用）常规体"/>
+            </a:endParaRPr>
+          </a:p>
+        </p:txBody>
+      </p:sp>
+    </p:spTree>
+    <p:extLst>
+      <p:ext uri="{BB962C8B-B14F-4D97-AF65-F5344CB8AC3E}">
+        <p14:creationId xmlns:p14="http://schemas.microsoft.com/office/powerpoint/2010/main" xmlns="" val="3386272830"/>
+      </p:ext>
+    </p:extLst>
+  </p:cSld>
+  <p:clrMapOvr>
+    <a:masterClrMapping/>
+  </p:clrMapOvr>
+  <p:transition/>
+  <p:timing>
+    <p:tnLst>
+      <p:par>
+        <p:cTn id="1" dur="indefinite" restart="never" nodeType="tmRoot">
+          <p:childTnLst>
+            <p:seq concurrent="1" nextAc="seek">
+              <p:cTn id="2" dur="indefinite" nodeType="mainSeq">
+                <p:childTnLst>
+                  <p:par>
+                    <p:cTn id="3" fill="hold">
+                      <p:stCondLst>
+                        <p:cond delay="indefinite"/>
+                      </p:stCondLst>
+                      <p:childTnLst>
+                        <p:par>
+                          <p:cTn id="4" fill="hold">
+                            <p:stCondLst>
+                              <p:cond delay="0"/>
+                            </p:stCondLst>
+                            <p:childTnLst>
+                              <p:par>
+                                <p:cTn id="5" presetID="2" presetClass="entr" presetSubtype="4" fill="hold" nodeType="clickEffect">
+                                  <p:stCondLst>
+                                    <p:cond delay="0"/>
+                                  </p:stCondLst>
+                                  <p:childTnLst>
+                                    <p:set>
+                                      <p:cBhvr>
+                                        <p:cTn id="6" dur="1" fill="hold">
+                                          <p:stCondLst>
+                                            <p:cond delay="0"/>
+                                          </p:stCondLst>
+                                        </p:cTn>
+                                        <p:tgtEl>
+                                          <p:spTgt spid="42"/>
+                                        </p:tgtEl>
+                                        <p:attrNameLst>
+                                          <p:attrName>style.visibility</p:attrName>
+                                        </p:attrNameLst>
+                                      </p:cBhvr>
+                                      <p:to>
+                                        <p:strVal val="visible"/>
+                                      </p:to>
+                                    </p:set>
+                                    <p:anim calcmode="lin" valueType="num">
+                                      <p:cBhvr additive="base">
+                                        <p:cTn id="7" dur="500" fill="hold"/>
+                                        <p:tgtEl>
+                                          <p:spTgt spid="42"/>
+                                        </p:tgtEl>
+                                        <p:attrNameLst>
+                                          <p:attrName>ppt_x</p:attrName>
+                                        </p:attrNameLst>
+                                      </p:cBhvr>
+                                      <p:tavLst>
+                                        <p:tav tm="0">
+                                          <p:val>
+                                            <p:strVal val="#ppt_x"/>
+                                          </p:val>
+                                        </p:tav>
+                                        <p:tav tm="100000">
+                                          <p:val>
+                                            <p:strVal val="#ppt_x"/>
+                                          </p:val>
+                                        </p:tav>
+                                      </p:tavLst>
+                                    </p:anim>
+                                    <p:anim calcmode="lin" valueType="num">
+                                      <p:cBhvr additive="base">
+                                        <p:cTn id="8" dur="500" fill="hold"/>
+                                        <p:tgtEl>
+                                          <p:spTgt spid="42"/>
+                                        </p:tgtEl>
+                                        <p:attrNameLst>
+                                          <p:attrName>ppt_y</p:attrName>
+                                        </p:attrNameLst>
+                                      </p:cBhvr>
+                                      <p:tavLst>
+                                        <p:tav tm="0">
+                                          <p:val>
+                                            <p:strVal val="1+#ppt_h/2"/>
+                                          </p:val>
+                                        </p:tav>
+                                        <p:tav tm="100000">
+                                          <p:val>
+                                            <p:strVal val="#ppt_y"/>
+                                          </p:val>
+                                        </p:tav>
+                                      </p:tavLst>
+                                    </p:anim>
+                                  </p:childTnLst>
+                                </p:cTn>
+                              </p:par>
+                              <p:par>
+                                <p:cTn id="9" presetID="2" presetClass="entr" presetSubtype="4" fill="hold" grpId="0" nodeType="withEffect">
+                                  <p:stCondLst>
+                                    <p:cond delay="0"/>
+                                  </p:stCondLst>
+                                  <p:childTnLst>
+                                    <p:set>
+                                      <p:cBhvr>
+                                        <p:cTn id="10" dur="1" fill="hold">
+                                          <p:stCondLst>
+                                            <p:cond delay="0"/>
+                                          </p:stCondLst>
+                                        </p:cTn>
+                                        <p:tgtEl>
+                                          <p:spTgt spid="50"/>
+                                        </p:tgtEl>
+                                        <p:attrNameLst>
+                                          <p:attrName>style.visibility</p:attrName>
+                                        </p:attrNameLst>
+                                      </p:cBhvr>
+                                      <p:to>
+                                        <p:strVal val="visible"/>
+                                      </p:to>
+                                    </p:set>
+                                    <p:anim calcmode="lin" valueType="num">
+                                      <p:cBhvr additive="base">
+                                        <p:cTn id="11" dur="500" fill="hold"/>
+                                        <p:tgtEl>
+                                          <p:spTgt spid="50"/>
+                                        </p:tgtEl>
+                                        <p:attrNameLst>
+                                          <p:attrName>ppt_x</p:attrName>
+                                        </p:attrNameLst>
+                                      </p:cBhvr>
+                                      <p:tavLst>
+                                        <p:tav tm="0">
+                                          <p:val>
+                                            <p:strVal val="#ppt_x"/>
+                                          </p:val>
+                                        </p:tav>
+                                        <p:tav tm="100000">
+                                          <p:val>
+                                            <p:strVal val="#ppt_x"/>
+                                          </p:val>
+                                        </p:tav>
+                                      </p:tavLst>
+                                    </p:anim>
+                                    <p:anim calcmode="lin" valueType="num">
+                                      <p:cBhvr additive="base">
+                                        <p:cTn id="12" dur="500" fill="hold"/>
+                                        <p:tgtEl>
+                                          <p:spTgt spid="50"/>
+                                        </p:tgtEl>
+                                        <p:attrNameLst>
+                                          <p:attrName>ppt_y</p:attrName>
+                                        </p:attrNameLst>
+                                      </p:cBhvr>
+                                      <p:tavLst>
+                                        <p:tav tm="0">
+                                          <p:val>
+                                            <p:strVal val="1+#ppt_h/2"/>
+                                          </p:val>
+                                        </p:tav>
+                                        <p:tav tm="100000">
+                                          <p:val>
+                                            <p:strVal val="#ppt_y"/>
+                                          </p:val>
+                                        </p:tav>
+                                      </p:tavLst>
+                                    </p:anim>
+                                  </p:childTnLst>
+                                </p:cTn>
+                              </p:par>
+                            </p:childTnLst>
+                          </p:cTn>
+                        </p:par>
+                      </p:childTnLst>
+                    </p:cTn>
+                  </p:par>
+                </p:childTnLst>
+              </p:cTn>
+              <p:prevCondLst>
+                <p:cond evt="onPrev" delay="0">
+                  <p:tgtEl>
+                    <p:sldTgt/>
+                  </p:tgtEl>
+                </p:cond>
+              </p:prevCondLst>
+              <p:nextCondLst>
+                <p:cond evt="onNext" delay="0">
+                  <p:tgtEl>
+                    <p:sldTgt/>
+                  </p:tgtEl>
+                </p:cond>
+              </p:nextCondLst>
+            </p:seq>
+          </p:childTnLst>
+        </p:cTn>
+      </p:par>
+    </p:tnLst>
+    <p:bldLst>
+      <p:bldP spid="50" grpId="0"/>
+    </p:bldLst>
+  </p:timing>
+</p:sld>
+</file>
+
+<file path=ppt/slides/slide21.xml><?xml version="1.0" encoding="utf-8"?>
+<p:sld xmlns:a="http://schemas.openxmlformats.org/drawingml/2006/main" xmlns:r="http://schemas.openxmlformats.org/officeDocument/2006/relationships" xmlns:p="http://schemas.openxmlformats.org/presentationml/2006/main">
+  <p:cSld>
+    <p:spTree>
+      <p:nvGrpSpPr>
+        <p:cNvPr id="1" name=""/>
+        <p:cNvGrpSpPr/>
+        <p:nvPr/>
+      </p:nvGrpSpPr>
+      <p:grpSpPr>
+        <a:xfrm>
+          <a:off x="0" y="0"/>
+          <a:ext cx="0" cy="0"/>
+          <a:chOff x="0" y="0"/>
+          <a:chExt cx="0" cy="0"/>
+        </a:xfrm>
+      </p:grpSpPr>
+      <p:grpSp>
+        <p:nvGrpSpPr>
+          <p:cNvPr id="2" name="组合 31"/>
+          <p:cNvGrpSpPr/>
+          <p:nvPr/>
+        </p:nvGrpSpPr>
+        <p:grpSpPr>
+          <a:xfrm rot="16200000">
+            <a:off x="9868693" y="294751"/>
+            <a:ext cx="2684464" cy="1962151"/>
+            <a:chOff x="5947983" y="731507"/>
+            <a:chExt cx="2971525" cy="2171971"/>
+          </a:xfrm>
+        </p:grpSpPr>
+        <p:sp>
+          <p:nvSpPr>
+            <p:cNvPr id="29" name="任意多边形 28"/>
+            <p:cNvSpPr/>
+            <p:nvPr/>
+          </p:nvSpPr>
+          <p:spPr>
+            <a:xfrm>
+              <a:off x="5947983" y="834364"/>
+              <a:ext cx="2204704" cy="2069114"/>
+            </a:xfrm>
+            <a:custGeom>
+              <a:avLst/>
+              <a:gdLst>
+                <a:gd name="connsiteX0" fmla="*/ 1849312 w 2204704"/>
+                <a:gd name="connsiteY0" fmla="*/ 1064 h 2069114"/>
+                <a:gd name="connsiteX1" fmla="*/ 2058594 w 2204704"/>
+                <a:gd name="connsiteY1" fmla="*/ 82732 h 2069114"/>
+                <a:gd name="connsiteX2" fmla="*/ 2121972 w 2204704"/>
+                <a:gd name="connsiteY2" fmla="*/ 622474 h 2069114"/>
+                <a:gd name="connsiteX3" fmla="*/ 979367 w 2204704"/>
+                <a:gd name="connsiteY3" fmla="*/ 2069114 h 2069114"/>
+                <a:gd name="connsiteX4" fmla="*/ 0 w 2204704"/>
+                <a:gd name="connsiteY4" fmla="*/ 2069114 h 2069114"/>
+                <a:gd name="connsiteX5" fmla="*/ 1518853 w 2204704"/>
+                <a:gd name="connsiteY5" fmla="*/ 146110 h 2069114"/>
+                <a:gd name="connsiteX6" fmla="*/ 1849312 w 2204704"/>
+                <a:gd name="connsiteY6" fmla="*/ 1064 h 2069114"/>
+              </a:gdLst>
+              <a:ahLst/>
+              <a:cxnLst>
+                <a:cxn ang="0">
+                  <a:pos x="connsiteX0" y="connsiteY0"/>
+                </a:cxn>
+                <a:cxn ang="0">
+                  <a:pos x="connsiteX1" y="connsiteY1"/>
+                </a:cxn>
+                <a:cxn ang="0">
+                  <a:pos x="connsiteX2" y="connsiteY2"/>
+                </a:cxn>
+                <a:cxn ang="0">
+                  <a:pos x="connsiteX3" y="connsiteY3"/>
+                </a:cxn>
+                <a:cxn ang="0">
+                  <a:pos x="connsiteX4" y="connsiteY4"/>
+                </a:cxn>
+                <a:cxn ang="0">
+                  <a:pos x="connsiteX5" y="connsiteY5"/>
+                </a:cxn>
+                <a:cxn ang="0">
+                  <a:pos x="connsiteX6" y="connsiteY6"/>
+                </a:cxn>
+              </a:cxnLst>
+              <a:rect l="l" t="t" r="r" b="b"/>
+              <a:pathLst>
+                <a:path w="2204704" h="2069114">
+                  <a:moveTo>
+                    <a:pt x="1849312" y="1064"/>
+                  </a:moveTo>
+                  <a:cubicBezTo>
+                    <a:pt x="1923123" y="6563"/>
+                    <a:pt x="1996139" y="33403"/>
+                    <a:pt x="2058594" y="82732"/>
+                  </a:cubicBezTo>
+                  <a:cubicBezTo>
+                    <a:pt x="2225141" y="214276"/>
+                    <a:pt x="2253516" y="455927"/>
+                    <a:pt x="2121972" y="622474"/>
+                  </a:cubicBezTo>
+                  <a:lnTo>
+                    <a:pt x="979367" y="2069114"/>
+                  </a:lnTo>
+                  <a:lnTo>
+                    <a:pt x="0" y="2069114"/>
+                  </a:lnTo>
+                  <a:lnTo>
+                    <a:pt x="1518853" y="146110"/>
+                  </a:lnTo>
+                  <a:cubicBezTo>
+                    <a:pt x="1601068" y="42018"/>
+                    <a:pt x="1726294" y="-8100"/>
+                    <a:pt x="1849312" y="1064"/>
+                  </a:cubicBezTo>
+                  <a:close/>
+                </a:path>
+              </a:pathLst>
+            </a:custGeom>
+            <a:solidFill>
+              <a:srgbClr val="40E3F6"/>
+            </a:solidFill>
+            <a:ln>
+              <a:noFill/>
+            </a:ln>
+          </p:spPr>
+          <p:style>
+            <a:lnRef idx="2">
+              <a:schemeClr val="accent1">
+                <a:shade val="50000"/>
+              </a:schemeClr>
+            </a:lnRef>
+            <a:fillRef idx="1">
+              <a:schemeClr val="accent1"/>
+            </a:fillRef>
+            <a:effectRef idx="0">
+              <a:schemeClr val="accent1"/>
+            </a:effectRef>
+            <a:fontRef idx="minor">
+              <a:schemeClr val="lt1"/>
+            </a:fontRef>
+          </p:style>
+          <p:txBody>
+            <a:bodyPr rtlCol="0" anchor="ctr"/>
+            <a:lstStyle/>
+            <a:p>
+              <a:pPr algn="ctr"/>
+              <a:endParaRPr lang="zh-CN" altLang="en-US"/>
+            </a:p>
+          </p:txBody>
+        </p:sp>
+        <p:sp>
+          <p:nvSpPr>
+            <p:cNvPr id="30" name="任意多边形 29"/>
+            <p:cNvSpPr/>
+            <p:nvPr/>
+          </p:nvSpPr>
+          <p:spPr>
+            <a:xfrm>
+              <a:off x="6605207" y="731507"/>
+              <a:ext cx="2314301" cy="2171971"/>
+            </a:xfrm>
+            <a:custGeom>
+              <a:avLst/>
+              <a:gdLst>
+                <a:gd name="connsiteX0" fmla="*/ 1849312 w 2204704"/>
+                <a:gd name="connsiteY0" fmla="*/ 1064 h 2069114"/>
+                <a:gd name="connsiteX1" fmla="*/ 2058594 w 2204704"/>
+                <a:gd name="connsiteY1" fmla="*/ 82732 h 2069114"/>
+                <a:gd name="connsiteX2" fmla="*/ 2121972 w 2204704"/>
+                <a:gd name="connsiteY2" fmla="*/ 622474 h 2069114"/>
+                <a:gd name="connsiteX3" fmla="*/ 979367 w 2204704"/>
+                <a:gd name="connsiteY3" fmla="*/ 2069114 h 2069114"/>
+                <a:gd name="connsiteX4" fmla="*/ 0 w 2204704"/>
+                <a:gd name="connsiteY4" fmla="*/ 2069114 h 2069114"/>
+                <a:gd name="connsiteX5" fmla="*/ 1518853 w 2204704"/>
+                <a:gd name="connsiteY5" fmla="*/ 146110 h 2069114"/>
+                <a:gd name="connsiteX6" fmla="*/ 1849312 w 2204704"/>
+                <a:gd name="connsiteY6" fmla="*/ 1064 h 2069114"/>
+              </a:gdLst>
+              <a:ahLst/>
+              <a:cxnLst>
+                <a:cxn ang="0">
+                  <a:pos x="connsiteX0" y="connsiteY0"/>
+                </a:cxn>
+                <a:cxn ang="0">
+                  <a:pos x="connsiteX1" y="connsiteY1"/>
+                </a:cxn>
+                <a:cxn ang="0">
+                  <a:pos x="connsiteX2" y="connsiteY2"/>
+                </a:cxn>
+                <a:cxn ang="0">
+                  <a:pos x="connsiteX3" y="connsiteY3"/>
+                </a:cxn>
+                <a:cxn ang="0">
+                  <a:pos x="connsiteX4" y="connsiteY4"/>
+                </a:cxn>
+                <a:cxn ang="0">
+                  <a:pos x="connsiteX5" y="connsiteY5"/>
+                </a:cxn>
+                <a:cxn ang="0">
+                  <a:pos x="connsiteX6" y="connsiteY6"/>
+                </a:cxn>
+              </a:cxnLst>
+              <a:rect l="l" t="t" r="r" b="b"/>
+              <a:pathLst>
+                <a:path w="2204704" h="2069114">
+                  <a:moveTo>
+                    <a:pt x="1849312" y="1064"/>
+                  </a:moveTo>
+                  <a:cubicBezTo>
+                    <a:pt x="1923123" y="6563"/>
+                    <a:pt x="1996139" y="33403"/>
+                    <a:pt x="2058594" y="82732"/>
+                  </a:cubicBezTo>
+                  <a:cubicBezTo>
+                    <a:pt x="2225141" y="214276"/>
+                    <a:pt x="2253516" y="455927"/>
+                    <a:pt x="2121972" y="622474"/>
+                  </a:cubicBezTo>
+                  <a:lnTo>
+                    <a:pt x="979367" y="2069114"/>
+                  </a:lnTo>
+                  <a:lnTo>
+                    <a:pt x="0" y="2069114"/>
+                  </a:lnTo>
+                  <a:lnTo>
+                    <a:pt x="1518853" y="146110"/>
+                  </a:lnTo>
+                  <a:cubicBezTo>
+                    <a:pt x="1601068" y="42018"/>
+                    <a:pt x="1726294" y="-8100"/>
+                    <a:pt x="1849312" y="1064"/>
+                  </a:cubicBezTo>
+                  <a:close/>
+                </a:path>
+              </a:pathLst>
+            </a:custGeom>
+            <a:solidFill>
+              <a:schemeClr val="bg1">
+                <a:alpha val="24000"/>
+              </a:schemeClr>
+            </a:solidFill>
+            <a:ln>
+              <a:noFill/>
+            </a:ln>
+          </p:spPr>
+          <p:style>
+            <a:lnRef idx="2">
+              <a:schemeClr val="accent1">
+                <a:shade val="50000"/>
+              </a:schemeClr>
+            </a:lnRef>
+            <a:fillRef idx="1">
+              <a:schemeClr val="accent1"/>
+            </a:fillRef>
+            <a:effectRef idx="0">
+              <a:schemeClr val="accent1"/>
+            </a:effectRef>
+            <a:fontRef idx="minor">
+              <a:schemeClr val="lt1"/>
+            </a:fontRef>
+          </p:style>
+          <p:txBody>
+            <a:bodyPr rtlCol="0" anchor="ctr"/>
+            <a:lstStyle/>
+            <a:p>
+              <a:pPr algn="ctr"/>
+              <a:endParaRPr lang="zh-CN" altLang="en-US"/>
+            </a:p>
+          </p:txBody>
+        </p:sp>
+        <p:sp>
+          <p:nvSpPr>
+            <p:cNvPr id="31" name="任意多边形 30"/>
+            <p:cNvSpPr/>
+            <p:nvPr/>
+          </p:nvSpPr>
+          <p:spPr>
+            <a:xfrm>
+              <a:off x="7367208" y="1626856"/>
+              <a:ext cx="1360279" cy="1276621"/>
+            </a:xfrm>
+            <a:custGeom>
+              <a:avLst/>
+              <a:gdLst>
+                <a:gd name="connsiteX0" fmla="*/ 1849312 w 2204704"/>
+                <a:gd name="connsiteY0" fmla="*/ 1064 h 2069114"/>
+                <a:gd name="connsiteX1" fmla="*/ 2058594 w 2204704"/>
+                <a:gd name="connsiteY1" fmla="*/ 82732 h 2069114"/>
+                <a:gd name="connsiteX2" fmla="*/ 2121972 w 2204704"/>
+                <a:gd name="connsiteY2" fmla="*/ 622474 h 2069114"/>
+                <a:gd name="connsiteX3" fmla="*/ 979367 w 2204704"/>
+                <a:gd name="connsiteY3" fmla="*/ 2069114 h 2069114"/>
+                <a:gd name="connsiteX4" fmla="*/ 0 w 2204704"/>
+                <a:gd name="connsiteY4" fmla="*/ 2069114 h 2069114"/>
+                <a:gd name="connsiteX5" fmla="*/ 1518853 w 2204704"/>
+                <a:gd name="connsiteY5" fmla="*/ 146110 h 2069114"/>
+                <a:gd name="connsiteX6" fmla="*/ 1849312 w 2204704"/>
+                <a:gd name="connsiteY6" fmla="*/ 1064 h 2069114"/>
+              </a:gdLst>
+              <a:ahLst/>
+              <a:cxnLst>
+                <a:cxn ang="0">
+                  <a:pos x="connsiteX0" y="connsiteY0"/>
+                </a:cxn>
+                <a:cxn ang="0">
+                  <a:pos x="connsiteX1" y="connsiteY1"/>
+                </a:cxn>
+                <a:cxn ang="0">
+                  <a:pos x="connsiteX2" y="connsiteY2"/>
+                </a:cxn>
+                <a:cxn ang="0">
+                  <a:pos x="connsiteX3" y="connsiteY3"/>
+                </a:cxn>
+                <a:cxn ang="0">
+                  <a:pos x="connsiteX4" y="connsiteY4"/>
+                </a:cxn>
+                <a:cxn ang="0">
+                  <a:pos x="connsiteX5" y="connsiteY5"/>
+                </a:cxn>
+                <a:cxn ang="0">
+                  <a:pos x="connsiteX6" y="connsiteY6"/>
+                </a:cxn>
+              </a:cxnLst>
+              <a:rect l="l" t="t" r="r" b="b"/>
+              <a:pathLst>
+                <a:path w="2204704" h="2069114">
+                  <a:moveTo>
+                    <a:pt x="1849312" y="1064"/>
+                  </a:moveTo>
+                  <a:cubicBezTo>
+                    <a:pt x="1923123" y="6563"/>
+                    <a:pt x="1996139" y="33403"/>
+                    <a:pt x="2058594" y="82732"/>
+                  </a:cubicBezTo>
+                  <a:cubicBezTo>
+                    <a:pt x="2225141" y="214276"/>
+                    <a:pt x="2253516" y="455927"/>
+                    <a:pt x="2121972" y="622474"/>
+                  </a:cubicBezTo>
+                  <a:lnTo>
+                    <a:pt x="979367" y="2069114"/>
+                  </a:lnTo>
+                  <a:lnTo>
+                    <a:pt x="0" y="2069114"/>
+                  </a:lnTo>
+                  <a:lnTo>
+                    <a:pt x="1518853" y="146110"/>
+                  </a:lnTo>
+                  <a:cubicBezTo>
+                    <a:pt x="1601068" y="42018"/>
+                    <a:pt x="1726294" y="-8100"/>
+                    <a:pt x="1849312" y="1064"/>
+                  </a:cubicBezTo>
+                  <a:close/>
+                </a:path>
+              </a:pathLst>
+            </a:custGeom>
+            <a:solidFill>
+              <a:srgbClr val="7030A0">
+                <a:alpha val="46000"/>
+              </a:srgbClr>
+            </a:solidFill>
+            <a:ln>
+              <a:noFill/>
+            </a:ln>
+          </p:spPr>
+          <p:style>
+            <a:lnRef idx="2">
+              <a:schemeClr val="accent1">
+                <a:shade val="50000"/>
+              </a:schemeClr>
+            </a:lnRef>
+            <a:fillRef idx="1">
+              <a:schemeClr val="accent1"/>
+            </a:fillRef>
+            <a:effectRef idx="0">
+              <a:schemeClr val="accent1"/>
+            </a:effectRef>
+            <a:fontRef idx="minor">
+              <a:schemeClr val="lt1"/>
+            </a:fontRef>
+          </p:style>
+          <p:txBody>
+            <a:bodyPr rtlCol="0" anchor="ctr"/>
+            <a:lstStyle/>
+            <a:p>
+              <a:pPr algn="ctr"/>
+              <a:endParaRPr lang="zh-CN" altLang="en-US"/>
+            </a:p>
+          </p:txBody>
+        </p:sp>
+      </p:grpSp>
+      <p:grpSp>
+        <p:nvGrpSpPr>
+          <p:cNvPr id="3" name="组合 32"/>
+          <p:cNvGrpSpPr/>
+          <p:nvPr/>
+        </p:nvGrpSpPr>
+        <p:grpSpPr>
+          <a:xfrm rot="5400000">
+            <a:off x="-399777" y="4457698"/>
+            <a:ext cx="2971525" cy="2171971"/>
+            <a:chOff x="3891293" y="1133475"/>
+            <a:chExt cx="2971525" cy="2171971"/>
+          </a:xfrm>
+        </p:grpSpPr>
+        <p:sp>
+          <p:nvSpPr>
+            <p:cNvPr id="25" name="任意多边形 24"/>
+            <p:cNvSpPr/>
+            <p:nvPr/>
+          </p:nvSpPr>
+          <p:spPr>
+            <a:xfrm>
+              <a:off x="3891293" y="1236332"/>
+              <a:ext cx="2204704" cy="2069114"/>
+            </a:xfrm>
+            <a:custGeom>
+              <a:avLst/>
+              <a:gdLst>
+                <a:gd name="connsiteX0" fmla="*/ 1849312 w 2204704"/>
+                <a:gd name="connsiteY0" fmla="*/ 1064 h 2069114"/>
+                <a:gd name="connsiteX1" fmla="*/ 2058594 w 2204704"/>
+                <a:gd name="connsiteY1" fmla="*/ 82732 h 2069114"/>
+                <a:gd name="connsiteX2" fmla="*/ 2121972 w 2204704"/>
+                <a:gd name="connsiteY2" fmla="*/ 622474 h 2069114"/>
+                <a:gd name="connsiteX3" fmla="*/ 979367 w 2204704"/>
+                <a:gd name="connsiteY3" fmla="*/ 2069114 h 2069114"/>
+                <a:gd name="connsiteX4" fmla="*/ 0 w 2204704"/>
+                <a:gd name="connsiteY4" fmla="*/ 2069114 h 2069114"/>
+                <a:gd name="connsiteX5" fmla="*/ 1518853 w 2204704"/>
+                <a:gd name="connsiteY5" fmla="*/ 146110 h 2069114"/>
+                <a:gd name="connsiteX6" fmla="*/ 1849312 w 2204704"/>
+                <a:gd name="connsiteY6" fmla="*/ 1064 h 2069114"/>
+              </a:gdLst>
+              <a:ahLst/>
+              <a:cxnLst>
+                <a:cxn ang="0">
+                  <a:pos x="connsiteX0" y="connsiteY0"/>
+                </a:cxn>
+                <a:cxn ang="0">
+                  <a:pos x="connsiteX1" y="connsiteY1"/>
+                </a:cxn>
+                <a:cxn ang="0">
+                  <a:pos x="connsiteX2" y="connsiteY2"/>
+                </a:cxn>
+                <a:cxn ang="0">
+                  <a:pos x="connsiteX3" y="connsiteY3"/>
+                </a:cxn>
+                <a:cxn ang="0">
+                  <a:pos x="connsiteX4" y="connsiteY4"/>
+                </a:cxn>
+                <a:cxn ang="0">
+                  <a:pos x="connsiteX5" y="connsiteY5"/>
+                </a:cxn>
+                <a:cxn ang="0">
+                  <a:pos x="connsiteX6" y="connsiteY6"/>
+                </a:cxn>
+              </a:cxnLst>
+              <a:rect l="l" t="t" r="r" b="b"/>
+              <a:pathLst>
+                <a:path w="2204704" h="2069114">
+                  <a:moveTo>
+                    <a:pt x="1849312" y="1064"/>
+                  </a:moveTo>
+                  <a:cubicBezTo>
+                    <a:pt x="1923123" y="6563"/>
+                    <a:pt x="1996139" y="33403"/>
+                    <a:pt x="2058594" y="82732"/>
+                  </a:cubicBezTo>
+                  <a:cubicBezTo>
+                    <a:pt x="2225141" y="214276"/>
+                    <a:pt x="2253516" y="455927"/>
+                    <a:pt x="2121972" y="622474"/>
+                  </a:cubicBezTo>
+                  <a:lnTo>
+                    <a:pt x="979367" y="2069114"/>
+                  </a:lnTo>
+                  <a:lnTo>
+                    <a:pt x="0" y="2069114"/>
+                  </a:lnTo>
+                  <a:lnTo>
+                    <a:pt x="1518853" y="146110"/>
+                  </a:lnTo>
+                  <a:cubicBezTo>
+                    <a:pt x="1601068" y="42018"/>
+                    <a:pt x="1726294" y="-8100"/>
+                    <a:pt x="1849312" y="1064"/>
+                  </a:cubicBezTo>
+                  <a:close/>
+                </a:path>
+              </a:pathLst>
+            </a:custGeom>
+            <a:solidFill>
+              <a:srgbClr val="40E3F6"/>
+            </a:solidFill>
+            <a:ln>
+              <a:noFill/>
+            </a:ln>
+          </p:spPr>
+          <p:style>
+            <a:lnRef idx="2">
+              <a:schemeClr val="accent1">
+                <a:shade val="50000"/>
+              </a:schemeClr>
+            </a:lnRef>
+            <a:fillRef idx="1">
+              <a:schemeClr val="accent1"/>
+            </a:fillRef>
+            <a:effectRef idx="0">
+              <a:schemeClr val="accent1"/>
+            </a:effectRef>
+            <a:fontRef idx="minor">
+              <a:schemeClr val="lt1"/>
+            </a:fontRef>
+          </p:style>
+          <p:txBody>
+            <a:bodyPr rtlCol="0" anchor="ctr"/>
+            <a:lstStyle/>
+            <a:p>
+              <a:pPr algn="ctr"/>
+              <a:endParaRPr lang="zh-CN" altLang="en-US"/>
+            </a:p>
+          </p:txBody>
+        </p:sp>
+        <p:sp>
+          <p:nvSpPr>
+            <p:cNvPr id="27" name="任意多边形 26"/>
+            <p:cNvSpPr/>
+            <p:nvPr/>
+          </p:nvSpPr>
+          <p:spPr>
+            <a:xfrm>
+              <a:off x="4548517" y="1133475"/>
+              <a:ext cx="2314301" cy="2171971"/>
+            </a:xfrm>
+            <a:custGeom>
+              <a:avLst/>
+              <a:gdLst>
+                <a:gd name="connsiteX0" fmla="*/ 1849312 w 2204704"/>
+                <a:gd name="connsiteY0" fmla="*/ 1064 h 2069114"/>
+                <a:gd name="connsiteX1" fmla="*/ 2058594 w 2204704"/>
+                <a:gd name="connsiteY1" fmla="*/ 82732 h 2069114"/>
+                <a:gd name="connsiteX2" fmla="*/ 2121972 w 2204704"/>
+                <a:gd name="connsiteY2" fmla="*/ 622474 h 2069114"/>
+                <a:gd name="connsiteX3" fmla="*/ 979367 w 2204704"/>
+                <a:gd name="connsiteY3" fmla="*/ 2069114 h 2069114"/>
+                <a:gd name="connsiteX4" fmla="*/ 0 w 2204704"/>
+                <a:gd name="connsiteY4" fmla="*/ 2069114 h 2069114"/>
+                <a:gd name="connsiteX5" fmla="*/ 1518853 w 2204704"/>
+                <a:gd name="connsiteY5" fmla="*/ 146110 h 2069114"/>
+                <a:gd name="connsiteX6" fmla="*/ 1849312 w 2204704"/>
+                <a:gd name="connsiteY6" fmla="*/ 1064 h 2069114"/>
+              </a:gdLst>
+              <a:ahLst/>
+              <a:cxnLst>
+                <a:cxn ang="0">
+                  <a:pos x="connsiteX0" y="connsiteY0"/>
+                </a:cxn>
+                <a:cxn ang="0">
+                  <a:pos x="connsiteX1" y="connsiteY1"/>
+                </a:cxn>
+                <a:cxn ang="0">
+                  <a:pos x="connsiteX2" y="connsiteY2"/>
+                </a:cxn>
+                <a:cxn ang="0">
+                  <a:pos x="connsiteX3" y="connsiteY3"/>
+                </a:cxn>
+                <a:cxn ang="0">
+                  <a:pos x="connsiteX4" y="connsiteY4"/>
+                </a:cxn>
+                <a:cxn ang="0">
+                  <a:pos x="connsiteX5" y="connsiteY5"/>
+                </a:cxn>
+                <a:cxn ang="0">
+                  <a:pos x="connsiteX6" y="connsiteY6"/>
+                </a:cxn>
+              </a:cxnLst>
+              <a:rect l="l" t="t" r="r" b="b"/>
+              <a:pathLst>
+                <a:path w="2204704" h="2069114">
+                  <a:moveTo>
+                    <a:pt x="1849312" y="1064"/>
+                  </a:moveTo>
+                  <a:cubicBezTo>
+                    <a:pt x="1923123" y="6563"/>
+                    <a:pt x="1996139" y="33403"/>
+                    <a:pt x="2058594" y="82732"/>
+                  </a:cubicBezTo>
+                  <a:cubicBezTo>
+                    <a:pt x="2225141" y="214276"/>
+                    <a:pt x="2253516" y="455927"/>
+                    <a:pt x="2121972" y="622474"/>
+                  </a:cubicBezTo>
+                  <a:lnTo>
+                    <a:pt x="979367" y="2069114"/>
+                  </a:lnTo>
+                  <a:lnTo>
+                    <a:pt x="0" y="2069114"/>
+                  </a:lnTo>
+                  <a:lnTo>
+                    <a:pt x="1518853" y="146110"/>
+                  </a:lnTo>
+                  <a:cubicBezTo>
+                    <a:pt x="1601068" y="42018"/>
+                    <a:pt x="1726294" y="-8100"/>
+                    <a:pt x="1849312" y="1064"/>
+                  </a:cubicBezTo>
+                  <a:close/>
+                </a:path>
+              </a:pathLst>
+            </a:custGeom>
+            <a:solidFill>
+              <a:schemeClr val="bg1">
+                <a:alpha val="24000"/>
+              </a:schemeClr>
+            </a:solidFill>
+            <a:ln>
+              <a:noFill/>
+            </a:ln>
+          </p:spPr>
+          <p:style>
+            <a:lnRef idx="2">
+              <a:schemeClr val="accent1">
+                <a:shade val="50000"/>
+              </a:schemeClr>
+            </a:lnRef>
+            <a:fillRef idx="1">
+              <a:schemeClr val="accent1"/>
+            </a:fillRef>
+            <a:effectRef idx="0">
+              <a:schemeClr val="accent1"/>
+            </a:effectRef>
+            <a:fontRef idx="minor">
+              <a:schemeClr val="lt1"/>
+            </a:fontRef>
+          </p:style>
+          <p:txBody>
+            <a:bodyPr rtlCol="0" anchor="ctr"/>
+            <a:lstStyle/>
+            <a:p>
+              <a:pPr algn="ctr"/>
+              <a:endParaRPr lang="zh-CN" altLang="en-US"/>
+            </a:p>
+          </p:txBody>
+        </p:sp>
+        <p:sp>
+          <p:nvSpPr>
+            <p:cNvPr id="28" name="任意多边形 27"/>
+            <p:cNvSpPr/>
+            <p:nvPr/>
+          </p:nvSpPr>
+          <p:spPr>
+            <a:xfrm>
+              <a:off x="5310518" y="2028824"/>
+              <a:ext cx="1360279" cy="1276621"/>
+            </a:xfrm>
+            <a:custGeom>
+              <a:avLst/>
+              <a:gdLst>
+                <a:gd name="connsiteX0" fmla="*/ 1849312 w 2204704"/>
+                <a:gd name="connsiteY0" fmla="*/ 1064 h 2069114"/>
+                <a:gd name="connsiteX1" fmla="*/ 2058594 w 2204704"/>
+                <a:gd name="connsiteY1" fmla="*/ 82732 h 2069114"/>
+                <a:gd name="connsiteX2" fmla="*/ 2121972 w 2204704"/>
+                <a:gd name="connsiteY2" fmla="*/ 622474 h 2069114"/>
+                <a:gd name="connsiteX3" fmla="*/ 979367 w 2204704"/>
+                <a:gd name="connsiteY3" fmla="*/ 2069114 h 2069114"/>
+                <a:gd name="connsiteX4" fmla="*/ 0 w 2204704"/>
+                <a:gd name="connsiteY4" fmla="*/ 2069114 h 2069114"/>
+                <a:gd name="connsiteX5" fmla="*/ 1518853 w 2204704"/>
+                <a:gd name="connsiteY5" fmla="*/ 146110 h 2069114"/>
+                <a:gd name="connsiteX6" fmla="*/ 1849312 w 2204704"/>
+                <a:gd name="connsiteY6" fmla="*/ 1064 h 2069114"/>
+              </a:gdLst>
+              <a:ahLst/>
+              <a:cxnLst>
+                <a:cxn ang="0">
+                  <a:pos x="connsiteX0" y="connsiteY0"/>
+                </a:cxn>
+                <a:cxn ang="0">
+                  <a:pos x="connsiteX1" y="connsiteY1"/>
+                </a:cxn>
+                <a:cxn ang="0">
+                  <a:pos x="connsiteX2" y="connsiteY2"/>
+                </a:cxn>
+                <a:cxn ang="0">
+                  <a:pos x="connsiteX3" y="connsiteY3"/>
+                </a:cxn>
+                <a:cxn ang="0">
+                  <a:pos x="connsiteX4" y="connsiteY4"/>
+                </a:cxn>
+                <a:cxn ang="0">
+                  <a:pos x="connsiteX5" y="connsiteY5"/>
+                </a:cxn>
+                <a:cxn ang="0">
+                  <a:pos x="connsiteX6" y="connsiteY6"/>
+                </a:cxn>
+              </a:cxnLst>
+              <a:rect l="l" t="t" r="r" b="b"/>
+              <a:pathLst>
+                <a:path w="2204704" h="2069114">
+                  <a:moveTo>
+                    <a:pt x="1849312" y="1064"/>
+                  </a:moveTo>
+                  <a:cubicBezTo>
+                    <a:pt x="1923123" y="6563"/>
+                    <a:pt x="1996139" y="33403"/>
+                    <a:pt x="2058594" y="82732"/>
+                  </a:cubicBezTo>
+                  <a:cubicBezTo>
+                    <a:pt x="2225141" y="214276"/>
+                    <a:pt x="2253516" y="455927"/>
+                    <a:pt x="2121972" y="622474"/>
+                  </a:cubicBezTo>
+                  <a:lnTo>
+                    <a:pt x="979367" y="2069114"/>
+                  </a:lnTo>
+                  <a:lnTo>
+                    <a:pt x="0" y="2069114"/>
+                  </a:lnTo>
+                  <a:lnTo>
+                    <a:pt x="1518853" y="146110"/>
+                  </a:lnTo>
+                  <a:cubicBezTo>
+                    <a:pt x="1601068" y="42018"/>
+                    <a:pt x="1726294" y="-8100"/>
+                    <a:pt x="1849312" y="1064"/>
+                  </a:cubicBezTo>
+                  <a:close/>
+                </a:path>
+              </a:pathLst>
+            </a:custGeom>
+            <a:solidFill>
+              <a:srgbClr val="7030A0">
+                <a:alpha val="46000"/>
+              </a:srgbClr>
+            </a:solidFill>
+            <a:ln>
+              <a:noFill/>
+            </a:ln>
+          </p:spPr>
+          <p:style>
+            <a:lnRef idx="2">
+              <a:schemeClr val="accent1">
+                <a:shade val="50000"/>
+              </a:schemeClr>
+            </a:lnRef>
+            <a:fillRef idx="1">
+              <a:schemeClr val="accent1"/>
+            </a:fillRef>
+            <a:effectRef idx="0">
+              <a:schemeClr val="accent1"/>
+            </a:effectRef>
+            <a:fontRef idx="minor">
+              <a:schemeClr val="lt1"/>
+            </a:fontRef>
+          </p:style>
+          <p:txBody>
+            <a:bodyPr rtlCol="0" anchor="ctr"/>
+            <a:lstStyle/>
+            <a:p>
+              <a:pPr algn="ctr"/>
+              <a:endParaRPr lang="zh-CN" altLang="en-US"/>
+            </a:p>
+          </p:txBody>
+        </p:sp>
+      </p:grpSp>
+      <p:sp>
+        <p:nvSpPr>
+          <p:cNvPr id="35" name="矩形 34"/>
+          <p:cNvSpPr/>
+          <p:nvPr/>
+        </p:nvSpPr>
+        <p:spPr>
+          <a:xfrm>
+            <a:off x="101908" y="130750"/>
+            <a:ext cx="1192795" cy="1126550"/>
+          </a:xfrm>
+          <a:prstGeom prst="rect">
+            <a:avLst/>
+          </a:prstGeom>
+          <a:solidFill>
+            <a:srgbClr val="40E3F6"/>
+          </a:solidFill>
+          <a:ln w="12700">
+            <a:noFill/>
+          </a:ln>
+        </p:spPr>
+        <p:style>
+          <a:lnRef idx="2">
+            <a:schemeClr val="accent1">
+              <a:shade val="50000"/>
+            </a:schemeClr>
+          </a:lnRef>
+          <a:fillRef idx="1">
+            <a:schemeClr val="accent1"/>
+          </a:fillRef>
+          <a:effectRef idx="0">
+            <a:schemeClr val="accent1"/>
+          </a:effectRef>
+          <a:fontRef idx="minor">
+            <a:schemeClr val="lt1"/>
+          </a:fontRef>
+        </p:style>
+        <p:txBody>
+          <a:bodyPr rtlCol="0" anchor="ctr"/>
+          <a:lstStyle/>
+          <a:p>
+            <a:pPr algn="ctr"/>
+            <a:r>
+              <a:rPr lang="en-US" altLang="zh-CN" sz="3200" dirty="0" smtClean="0">
+                <a:solidFill>
+                  <a:schemeClr val="bg1"/>
+                </a:solidFill>
+              </a:rPr>
+              <a:t>LOGO</a:t>
+            </a:r>
+            <a:endParaRPr lang="zh-CN" altLang="en-US" sz="3200" dirty="0">
+              <a:solidFill>
+                <a:schemeClr val="bg1"/>
+              </a:solidFill>
+            </a:endParaRPr>
+          </a:p>
+        </p:txBody>
+      </p:sp>
+      <p:sp>
+        <p:nvSpPr>
+          <p:cNvPr id="34" name="矩形 33"/>
+          <p:cNvSpPr/>
+          <p:nvPr/>
+        </p:nvSpPr>
+        <p:spPr>
+          <a:xfrm>
+            <a:off x="101908" y="130750"/>
+            <a:ext cx="1180627" cy="1126550"/>
+          </a:xfrm>
+          <a:prstGeom prst="rect">
+            <a:avLst/>
+          </a:prstGeom>
+          <a:solidFill>
+            <a:srgbClr val="40E3F6"/>
+          </a:solidFill>
+          <a:ln w="12700">
+            <a:noFill/>
+          </a:ln>
+        </p:spPr>
+        <p:style>
+          <a:lnRef idx="2">
+            <a:schemeClr val="accent1">
+              <a:shade val="50000"/>
+            </a:schemeClr>
+          </a:lnRef>
+          <a:fillRef idx="1">
+            <a:schemeClr val="accent1"/>
+          </a:fillRef>
+          <a:effectRef idx="0">
+            <a:schemeClr val="accent1"/>
+          </a:effectRef>
+          <a:fontRef idx="minor">
+            <a:schemeClr val="lt1"/>
+          </a:fontRef>
+        </p:style>
+        <p:txBody>
+          <a:bodyPr rtlCol="0" anchor="ctr"/>
+          <a:lstStyle/>
+          <a:p>
+            <a:pPr algn="ctr"/>
+            <a:endParaRPr lang="zh-CN" altLang="en-US" sz="3200" dirty="0">
+              <a:solidFill>
+                <a:schemeClr val="bg1"/>
+              </a:solidFill>
+            </a:endParaRPr>
+          </a:p>
+        </p:txBody>
+      </p:sp>
+      <p:pic>
+        <p:nvPicPr>
+          <p:cNvPr id="36" name="图片 35" descr="angular.jpg"/>
+          <p:cNvPicPr>
+            <a:picLocks noChangeAspect="1"/>
+          </p:cNvPicPr>
+          <p:nvPr/>
+        </p:nvPicPr>
+        <p:blipFill>
+          <a:blip r:embed="rId4" cstate="print"/>
+          <a:stretch>
+            <a:fillRect/>
+          </a:stretch>
+        </p:blipFill>
+        <p:spPr>
+          <a:xfrm>
+            <a:off x="191180" y="184254"/>
+            <a:ext cx="1008228" cy="1008228"/>
+          </a:xfrm>
+          <a:prstGeom prst="rect">
+            <a:avLst/>
+          </a:prstGeom>
+        </p:spPr>
+      </p:pic>
+      <p:sp>
+        <p:nvSpPr>
+          <p:cNvPr id="43" name="矩形 42"/>
+          <p:cNvSpPr/>
+          <p:nvPr/>
+        </p:nvSpPr>
+        <p:spPr>
+          <a:xfrm>
+            <a:off x="1792718" y="447914"/>
             <a:ext cx="2220482" cy="783772"/>
           </a:xfrm>
           <a:prstGeom prst="rect">
@@ -27543,7 +28995,7 @@
     </p:spTree>
     <p:extLst>
       <p:ext uri="{BB962C8B-B14F-4D97-AF65-F5344CB8AC3E}">
-        <p14:creationId xmlns="" xmlns:p14="http://schemas.microsoft.com/office/powerpoint/2010/main" val="3386272830"/>
+        <p14:creationId xmlns:p14="http://schemas.microsoft.com/office/powerpoint/2010/main" xmlns="" val="3386272830"/>
       </p:ext>
     </p:extLst>
   </p:cSld>
@@ -27973,7 +29425,7 @@
 </p:sld>
 </file>
 
-<file path=ppt/slides/slide21.xml><?xml version="1.0" encoding="utf-8"?>
+<file path=ppt/slides/slide22.xml><?xml version="1.0" encoding="utf-8"?>
 <p:sld xmlns:a="http://schemas.openxmlformats.org/drawingml/2006/main" xmlns:r="http://schemas.openxmlformats.org/officeDocument/2006/relationships" xmlns:p="http://schemas.openxmlformats.org/presentationml/2006/main">
   <p:cSld>
     <p:spTree>
@@ -29225,7 +30677,7 @@
     </p:spTree>
     <p:extLst>
       <p:ext uri="{BB962C8B-B14F-4D97-AF65-F5344CB8AC3E}">
-        <p14:creationId xmlns="" xmlns:p14="http://schemas.microsoft.com/office/powerpoint/2010/main" val="3386272830"/>
+        <p14:creationId xmlns:p14="http://schemas.microsoft.com/office/powerpoint/2010/main" xmlns="" val="3386272830"/>
       </p:ext>
     </p:extLst>
   </p:cSld>
@@ -29838,7 +31290,7 @@
 </p:sld>
 </file>
 
-<file path=ppt/slides/slide22.xml><?xml version="1.0" encoding="utf-8"?>
+<file path=ppt/slides/slide23.xml><?xml version="1.0" encoding="utf-8"?>
 <p:sld xmlns:a="http://schemas.openxmlformats.org/drawingml/2006/main" xmlns:r="http://schemas.openxmlformats.org/officeDocument/2006/relationships" xmlns:p="http://schemas.openxmlformats.org/presentationml/2006/main">
   <p:cSld>
     <p:spTree>
@@ -31129,7 +32581,7 @@
     </p:spTree>
     <p:extLst>
       <p:ext uri="{BB962C8B-B14F-4D97-AF65-F5344CB8AC3E}">
-        <p14:creationId xmlns="" xmlns:p14="http://schemas.microsoft.com/office/powerpoint/2010/main" val="3386272830"/>
+        <p14:creationId xmlns:p14="http://schemas.microsoft.com/office/powerpoint/2010/main" xmlns="" val="3386272830"/>
       </p:ext>
     </p:extLst>
   </p:cSld>
@@ -31412,7 +32864,7 @@
 </p:sld>
 </file>
 
-<file path=ppt/slides/slide23.xml><?xml version="1.0" encoding="utf-8"?>
+<file path=ppt/slides/slide24.xml><?xml version="1.0" encoding="utf-8"?>
 <p:sld xmlns:a="http://schemas.openxmlformats.org/drawingml/2006/main" xmlns:r="http://schemas.openxmlformats.org/officeDocument/2006/relationships" xmlns:p="http://schemas.openxmlformats.org/presentationml/2006/main">
   <p:cSld>
     <p:spTree>
@@ -32588,7 +34040,7 @@
     </p:spTree>
     <p:extLst>
       <p:ext uri="{BB962C8B-B14F-4D97-AF65-F5344CB8AC3E}">
-        <p14:creationId xmlns="" xmlns:p14="http://schemas.microsoft.com/office/powerpoint/2010/main" val="3386272830"/>
+        <p14:creationId xmlns:p14="http://schemas.microsoft.com/office/powerpoint/2010/main" xmlns="" val="3386272830"/>
       </p:ext>
     </p:extLst>
   </p:cSld>
@@ -32825,7 +34277,7 @@
 </p:sld>
 </file>
 
-<file path=ppt/slides/slide24.xml><?xml version="1.0" encoding="utf-8"?>
+<file path=ppt/slides/slide25.xml><?xml version="1.0" encoding="utf-8"?>
 <p:sld xmlns:a="http://schemas.openxmlformats.org/drawingml/2006/main" xmlns:r="http://schemas.openxmlformats.org/officeDocument/2006/relationships" xmlns:p="http://schemas.openxmlformats.org/presentationml/2006/main">
   <p:cSld>
     <p:spTree>
@@ -33971,7 +35423,7 @@
     </p:spTree>
     <p:extLst>
       <p:ext uri="{BB962C8B-B14F-4D97-AF65-F5344CB8AC3E}">
-        <p14:creationId xmlns="" xmlns:p14="http://schemas.microsoft.com/office/powerpoint/2010/main" val="3386272830"/>
+        <p14:creationId xmlns:p14="http://schemas.microsoft.com/office/powerpoint/2010/main" xmlns="" val="3386272830"/>
       </p:ext>
     </p:extLst>
   </p:cSld>
@@ -34208,7 +35660,7 @@
 </p:sld>
 </file>
 
-<file path=ppt/slides/slide25.xml><?xml version="1.0" encoding="utf-8"?>
+<file path=ppt/slides/slide26.xml><?xml version="1.0" encoding="utf-8"?>
 <p:sld xmlns:a="http://schemas.openxmlformats.org/drawingml/2006/main" xmlns:r="http://schemas.openxmlformats.org/officeDocument/2006/relationships" xmlns:p="http://schemas.openxmlformats.org/presentationml/2006/main">
   <p:cSld>
     <p:spTree>
@@ -35490,7 +36942,7 @@
     </p:spTree>
     <p:extLst>
       <p:ext uri="{BB962C8B-B14F-4D97-AF65-F5344CB8AC3E}">
-        <p14:creationId xmlns="" xmlns:p14="http://schemas.microsoft.com/office/powerpoint/2010/main" val="3386272830"/>
+        <p14:creationId xmlns:p14="http://schemas.microsoft.com/office/powerpoint/2010/main" xmlns="" val="3386272830"/>
       </p:ext>
     </p:extLst>
   </p:cSld>
@@ -35893,7 +37345,7 @@
 </p:sld>
 </file>
 
-<file path=ppt/slides/slide26.xml><?xml version="1.0" encoding="utf-8"?>
+<file path=ppt/slides/slide27.xml><?xml version="1.0" encoding="utf-8"?>
 <p:sld xmlns:a="http://schemas.openxmlformats.org/drawingml/2006/main" xmlns:r="http://schemas.openxmlformats.org/officeDocument/2006/relationships" xmlns:p="http://schemas.openxmlformats.org/presentationml/2006/main">
   <p:cSld>
     <p:spTree>
@@ -36988,7 +38440,7 @@
     </p:spTree>
     <p:extLst>
       <p:ext uri="{BB962C8B-B14F-4D97-AF65-F5344CB8AC3E}">
-        <p14:creationId xmlns="" xmlns:p14="http://schemas.microsoft.com/office/powerpoint/2010/main" val="3386272830"/>
+        <p14:creationId xmlns:p14="http://schemas.microsoft.com/office/powerpoint/2010/main" xmlns="" val="3386272830"/>
       </p:ext>
     </p:extLst>
   </p:cSld>
@@ -37197,7 +38649,7 @@
 </p:sld>
 </file>
 
-<file path=ppt/slides/slide27.xml><?xml version="1.0" encoding="utf-8"?>
+<file path=ppt/slides/slide28.xml><?xml version="1.0" encoding="utf-8"?>
 <p:sld xmlns:a="http://schemas.openxmlformats.org/drawingml/2006/main" xmlns:r="http://schemas.openxmlformats.org/officeDocument/2006/relationships" xmlns:p="http://schemas.openxmlformats.org/presentationml/2006/main">
   <p:cSld>
     <p:spTree>
@@ -38194,7 +39646,7 @@
     </p:spTree>
     <p:extLst>
       <p:ext uri="{BB962C8B-B14F-4D97-AF65-F5344CB8AC3E}">
-        <p14:creationId xmlns="" xmlns:p14="http://schemas.microsoft.com/office/powerpoint/2010/main" val="3284861254"/>
+        <p14:creationId xmlns:p14="http://schemas.microsoft.com/office/powerpoint/2010/main" xmlns="" val="3284861254"/>
       </p:ext>
     </p:extLst>
   </p:cSld>
@@ -39452,7 +40904,7 @@
     </p:spTree>
     <p:extLst>
       <p:ext uri="{BB962C8B-B14F-4D97-AF65-F5344CB8AC3E}">
-        <p14:creationId xmlns="" xmlns:p14="http://schemas.microsoft.com/office/powerpoint/2010/main" val="3386272830"/>
+        <p14:creationId xmlns:p14="http://schemas.microsoft.com/office/powerpoint/2010/main" xmlns="" val="3386272830"/>
       </p:ext>
     </p:extLst>
   </p:cSld>
@@ -41156,7 +42608,7 @@
     </p:spTree>
     <p:extLst>
       <p:ext uri="{BB962C8B-B14F-4D97-AF65-F5344CB8AC3E}">
-        <p14:creationId xmlns="" xmlns:p14="http://schemas.microsoft.com/office/powerpoint/2010/main" val="3386272830"/>
+        <p14:creationId xmlns:p14="http://schemas.microsoft.com/office/powerpoint/2010/main" xmlns="" val="3386272830"/>
       </p:ext>
     </p:extLst>
   </p:cSld>
@@ -42945,7 +44397,7 @@
     </p:spTree>
     <p:extLst>
       <p:ext uri="{BB962C8B-B14F-4D97-AF65-F5344CB8AC3E}">
-        <p14:creationId xmlns="" xmlns:p14="http://schemas.microsoft.com/office/powerpoint/2010/main" val="3386272830"/>
+        <p14:creationId xmlns:p14="http://schemas.microsoft.com/office/powerpoint/2010/main" xmlns="" val="3386272830"/>
       </p:ext>
     </p:extLst>
   </p:cSld>
@@ -44851,7 +46303,7 @@
     </p:spTree>
     <p:extLst>
       <p:ext uri="{BB962C8B-B14F-4D97-AF65-F5344CB8AC3E}">
-        <p14:creationId xmlns="" xmlns:p14="http://schemas.microsoft.com/office/powerpoint/2010/main" val="3386272830"/>
+        <p14:creationId xmlns:p14="http://schemas.microsoft.com/office/powerpoint/2010/main" xmlns="" val="3386272830"/>
       </p:ext>
     </p:extLst>
   </p:cSld>
@@ -46850,7 +48302,7 @@
     </p:spTree>
     <p:extLst>
       <p:ext uri="{BB962C8B-B14F-4D97-AF65-F5344CB8AC3E}">
-        <p14:creationId xmlns="" xmlns:p14="http://schemas.microsoft.com/office/powerpoint/2010/main" val="3386272830"/>
+        <p14:creationId xmlns:p14="http://schemas.microsoft.com/office/powerpoint/2010/main" xmlns="" val="3386272830"/>
       </p:ext>
     </p:extLst>
   </p:cSld>
@@ -47976,7 +49428,7 @@
     </p:spTree>
     <p:extLst>
       <p:ext uri="{BB962C8B-B14F-4D97-AF65-F5344CB8AC3E}">
-        <p14:creationId xmlns="" xmlns:p14="http://schemas.microsoft.com/office/powerpoint/2010/main" val="3386272830"/>
+        <p14:creationId xmlns:p14="http://schemas.microsoft.com/office/powerpoint/2010/main" xmlns="" val="3386272830"/>
       </p:ext>
     </p:extLst>
   </p:cSld>
@@ -48986,7 +50438,7 @@
     </p:spTree>
     <p:extLst>
       <p:ext uri="{BB962C8B-B14F-4D97-AF65-F5344CB8AC3E}">
-        <p14:creationId xmlns="" xmlns:p14="http://schemas.microsoft.com/office/powerpoint/2010/main" val="3386272830"/>
+        <p14:creationId xmlns:p14="http://schemas.microsoft.com/office/powerpoint/2010/main" xmlns="" val="3386272830"/>
       </p:ext>
     </p:extLst>
   </p:cSld>
@@ -49259,7 +50711,7 @@
   <a:extraClrSchemeLst/>
   <a:extLst>
     <a:ext uri="{05A4C25C-085E-4340-85A3-A5531E510DB2}">
-      <thm15:themeFamily xmlns="" xmlns:thm15="http://schemas.microsoft.com/office/thememl/2012/main" name="Office Theme" id="{62F939B6-93AF-4DB8-9C6B-D6C7DFDC589F}" vid="{4A3C46E8-61CC-4603-A589-7422A47A8E4A}"/>
+      <thm15:themeFamily xmlns:thm15="http://schemas.microsoft.com/office/thememl/2012/main" xmlns="" name="Office Theme" id="{62F939B6-93AF-4DB8-9C6B-D6C7DFDC589F}" vid="{4A3C46E8-61CC-4603-A589-7422A47A8E4A}"/>
     </a:ext>
   </a:extLst>
 </a:theme>
